--- a/Segmentation algorithm for Infrared Images.pptx
+++ b/Segmentation algorithm for Infrared Images.pptx
@@ -1,56 +1,56 @@
 
 <file path=ppt/presentation.xml><?xml version="1.0" encoding="utf-8"?>
-<p:presentation xmlns:a="http://schemas.openxmlformats.org/drawingml/2006/main" xmlns:r="http://schemas.openxmlformats.org/officeDocument/2006/relationships" xmlns:mc="http://schemas.openxmlformats.org/markup-compatibility/2006" xmlns:mv="urn:schemas-microsoft-com:mac:vml" xmlns:p="http://schemas.openxmlformats.org/presentationml/2006/main" xmlns:c="http://schemas.openxmlformats.org/drawingml/2006/chart" xmlns:dgm="http://schemas.openxmlformats.org/drawingml/2006/diagram" xmlns:o="urn:schemas-microsoft-com:office:office" xmlns:v="urn:schemas-microsoft-com:vml" xmlns:pvml="urn:schemas-microsoft-com:office:powerpoint" xmlns:com="http://schemas.openxmlformats.org/drawingml/2006/compatibility" xmlns:p14="http://schemas.microsoft.com/office/powerpoint/2010/main" xmlns:p15="http://schemas.microsoft.com/office/powerpoint/2012/main" xmlns:ahyp="http://schemas.microsoft.com/office/drawing/2018/hyperlinkcolor" autoCompressPictures="0" embedTrueTypeFonts="1" strictFirstAndLastChars="0" saveSubsetFonts="1">
+<p:presentation xmlns:a="http://schemas.openxmlformats.org/drawingml/2006/main" xmlns:r="http://schemas.openxmlformats.org/officeDocument/2006/relationships" xmlns:p="http://schemas.openxmlformats.org/presentationml/2006/main" strictFirstAndLastChars="0" embedTrueTypeFonts="1" saveSubsetFonts="1" autoCompressPictures="0">
   <p:sldMasterIdLst>
-    <p:sldMasterId id="2147483659" r:id="rId5"/>
+    <p:sldMasterId id="2147483659" r:id="rId1"/>
   </p:sldMasterIdLst>
   <p:notesMasterIdLst>
-    <p:notesMasterId r:id="rId6"/>
+    <p:notesMasterId r:id="rId26"/>
   </p:notesMasterIdLst>
   <p:sldIdLst>
-    <p:sldId id="256" r:id="rId7"/>
-    <p:sldId id="257" r:id="rId8"/>
-    <p:sldId id="258" r:id="rId9"/>
-    <p:sldId id="259" r:id="rId10"/>
-    <p:sldId id="260" r:id="rId11"/>
-    <p:sldId id="261" r:id="rId12"/>
-    <p:sldId id="262" r:id="rId13"/>
-    <p:sldId id="263" r:id="rId14"/>
-    <p:sldId id="264" r:id="rId15"/>
-    <p:sldId id="265" r:id="rId16"/>
-    <p:sldId id="266" r:id="rId17"/>
-    <p:sldId id="267" r:id="rId18"/>
-    <p:sldId id="268" r:id="rId19"/>
-    <p:sldId id="269" r:id="rId20"/>
-    <p:sldId id="270" r:id="rId21"/>
-    <p:sldId id="271" r:id="rId22"/>
-    <p:sldId id="272" r:id="rId23"/>
-    <p:sldId id="273" r:id="rId24"/>
-    <p:sldId id="274" r:id="rId25"/>
-    <p:sldId id="275" r:id="rId26"/>
-    <p:sldId id="276" r:id="rId27"/>
-    <p:sldId id="277" r:id="rId28"/>
-    <p:sldId id="278" r:id="rId29"/>
-    <p:sldId id="279" r:id="rId30"/>
+    <p:sldId id="256" r:id="rId2"/>
+    <p:sldId id="257" r:id="rId3"/>
+    <p:sldId id="258" r:id="rId4"/>
+    <p:sldId id="259" r:id="rId5"/>
+    <p:sldId id="260" r:id="rId6"/>
+    <p:sldId id="261" r:id="rId7"/>
+    <p:sldId id="262" r:id="rId8"/>
+    <p:sldId id="263" r:id="rId9"/>
+    <p:sldId id="264" r:id="rId10"/>
+    <p:sldId id="265" r:id="rId11"/>
+    <p:sldId id="266" r:id="rId12"/>
+    <p:sldId id="267" r:id="rId13"/>
+    <p:sldId id="268" r:id="rId14"/>
+    <p:sldId id="269" r:id="rId15"/>
+    <p:sldId id="270" r:id="rId16"/>
+    <p:sldId id="271" r:id="rId17"/>
+    <p:sldId id="272" r:id="rId18"/>
+    <p:sldId id="273" r:id="rId19"/>
+    <p:sldId id="274" r:id="rId20"/>
+    <p:sldId id="275" r:id="rId21"/>
+    <p:sldId id="276" r:id="rId22"/>
+    <p:sldId id="277" r:id="rId23"/>
+    <p:sldId id="278" r:id="rId24"/>
+    <p:sldId id="279" r:id="rId25"/>
   </p:sldIdLst>
-  <p:sldSz cy="5143500" cx="9144000"/>
+  <p:sldSz cx="9144000" cy="5143500" type="screen16x9"/>
   <p:notesSz cx="6858000" cy="9144000"/>
   <p:embeddedFontLst>
     <p:embeddedFont>
-      <p:font typeface="PT Sans Narrow"/>
+      <p:font typeface="Open Sans" panose="020B0604020202020204" charset="0"/>
+      <p:regular r:id="rId27"/>
+      <p:bold r:id="rId28"/>
+      <p:italic r:id="rId29"/>
+      <p:boldItalic r:id="rId30"/>
+    </p:embeddedFont>
+    <p:embeddedFont>
+      <p:font typeface="PT Sans Narrow" panose="020B0604020202020204" charset="0"/>
       <p:regular r:id="rId31"/>
       <p:bold r:id="rId32"/>
     </p:embeddedFont>
-    <p:embeddedFont>
-      <p:font typeface="Open Sans"/>
-      <p:regular r:id="rId33"/>
-      <p:bold r:id="rId34"/>
-      <p:italic r:id="rId35"/>
-      <p:boldItalic r:id="rId36"/>
-    </p:embeddedFont>
   </p:embeddedFontLst>
   <p:defaultTextStyle>
-    <a:defPPr lvl="0" marR="0" rtl="0" algn="l">
+    <a:defPPr marR="0" lvl="0" algn="l" rtl="0">
       <a:lnSpc>
         <a:spcPct val="100000"/>
       </a:lnSpc>
@@ -61,7 +61,7 @@
         <a:spcPts val="0"/>
       </a:spcAft>
     </a:defPPr>
-    <a:lvl1pPr lvl="0" marR="0" rtl="0" algn="l">
+    <a:lvl1pPr marR="0" lvl="0" algn="l" rtl="0">
       <a:lnSpc>
         <a:spcPct val="100000"/>
       </a:lnSpc>
@@ -75,7 +75,7 @@
         <a:srgbClr val="000000"/>
       </a:buClr>
       <a:buFont typeface="Arial"/>
-      <a:defRPr b="0" i="0" sz="1400" u="none" cap="none" strike="noStrike">
+      <a:defRPr sz="1400" b="0" i="0" u="none" strike="noStrike" cap="none">
         <a:solidFill>
           <a:srgbClr val="000000"/>
         </a:solidFill>
@@ -85,7 +85,7 @@
         <a:sym typeface="Arial"/>
       </a:defRPr>
     </a:lvl1pPr>
-    <a:lvl2pPr lvl="1" marR="0" rtl="0" algn="l">
+    <a:lvl2pPr marR="0" lvl="1" algn="l" rtl="0">
       <a:lnSpc>
         <a:spcPct val="100000"/>
       </a:lnSpc>
@@ -99,7 +99,7 @@
         <a:srgbClr val="000000"/>
       </a:buClr>
       <a:buFont typeface="Arial"/>
-      <a:defRPr b="0" i="0" sz="1400" u="none" cap="none" strike="noStrike">
+      <a:defRPr sz="1400" b="0" i="0" u="none" strike="noStrike" cap="none">
         <a:solidFill>
           <a:srgbClr val="000000"/>
         </a:solidFill>
@@ -109,7 +109,7 @@
         <a:sym typeface="Arial"/>
       </a:defRPr>
     </a:lvl2pPr>
-    <a:lvl3pPr lvl="2" marR="0" rtl="0" algn="l">
+    <a:lvl3pPr marR="0" lvl="2" algn="l" rtl="0">
       <a:lnSpc>
         <a:spcPct val="100000"/>
       </a:lnSpc>
@@ -123,7 +123,7 @@
         <a:srgbClr val="000000"/>
       </a:buClr>
       <a:buFont typeface="Arial"/>
-      <a:defRPr b="0" i="0" sz="1400" u="none" cap="none" strike="noStrike">
+      <a:defRPr sz="1400" b="0" i="0" u="none" strike="noStrike" cap="none">
         <a:solidFill>
           <a:srgbClr val="000000"/>
         </a:solidFill>
@@ -133,7 +133,7 @@
         <a:sym typeface="Arial"/>
       </a:defRPr>
     </a:lvl3pPr>
-    <a:lvl4pPr lvl="3" marR="0" rtl="0" algn="l">
+    <a:lvl4pPr marR="0" lvl="3" algn="l" rtl="0">
       <a:lnSpc>
         <a:spcPct val="100000"/>
       </a:lnSpc>
@@ -147,7 +147,7 @@
         <a:srgbClr val="000000"/>
       </a:buClr>
       <a:buFont typeface="Arial"/>
-      <a:defRPr b="0" i="0" sz="1400" u="none" cap="none" strike="noStrike">
+      <a:defRPr sz="1400" b="0" i="0" u="none" strike="noStrike" cap="none">
         <a:solidFill>
           <a:srgbClr val="000000"/>
         </a:solidFill>
@@ -157,7 +157,7 @@
         <a:sym typeface="Arial"/>
       </a:defRPr>
     </a:lvl4pPr>
-    <a:lvl5pPr lvl="4" marR="0" rtl="0" algn="l">
+    <a:lvl5pPr marR="0" lvl="4" algn="l" rtl="0">
       <a:lnSpc>
         <a:spcPct val="100000"/>
       </a:lnSpc>
@@ -171,7 +171,7 @@
         <a:srgbClr val="000000"/>
       </a:buClr>
       <a:buFont typeface="Arial"/>
-      <a:defRPr b="0" i="0" sz="1400" u="none" cap="none" strike="noStrike">
+      <a:defRPr sz="1400" b="0" i="0" u="none" strike="noStrike" cap="none">
         <a:solidFill>
           <a:srgbClr val="000000"/>
         </a:solidFill>
@@ -181,7 +181,7 @@
         <a:sym typeface="Arial"/>
       </a:defRPr>
     </a:lvl5pPr>
-    <a:lvl6pPr lvl="5" marR="0" rtl="0" algn="l">
+    <a:lvl6pPr marR="0" lvl="5" algn="l" rtl="0">
       <a:lnSpc>
         <a:spcPct val="100000"/>
       </a:lnSpc>
@@ -195,7 +195,7 @@
         <a:srgbClr val="000000"/>
       </a:buClr>
       <a:buFont typeface="Arial"/>
-      <a:defRPr b="0" i="0" sz="1400" u="none" cap="none" strike="noStrike">
+      <a:defRPr sz="1400" b="0" i="0" u="none" strike="noStrike" cap="none">
         <a:solidFill>
           <a:srgbClr val="000000"/>
         </a:solidFill>
@@ -205,7 +205,7 @@
         <a:sym typeface="Arial"/>
       </a:defRPr>
     </a:lvl6pPr>
-    <a:lvl7pPr lvl="6" marR="0" rtl="0" algn="l">
+    <a:lvl7pPr marR="0" lvl="6" algn="l" rtl="0">
       <a:lnSpc>
         <a:spcPct val="100000"/>
       </a:lnSpc>
@@ -219,7 +219,7 @@
         <a:srgbClr val="000000"/>
       </a:buClr>
       <a:buFont typeface="Arial"/>
-      <a:defRPr b="0" i="0" sz="1400" u="none" cap="none" strike="noStrike">
+      <a:defRPr sz="1400" b="0" i="0" u="none" strike="noStrike" cap="none">
         <a:solidFill>
           <a:srgbClr val="000000"/>
         </a:solidFill>
@@ -229,7 +229,7 @@
         <a:sym typeface="Arial"/>
       </a:defRPr>
     </a:lvl7pPr>
-    <a:lvl8pPr lvl="7" marR="0" rtl="0" algn="l">
+    <a:lvl8pPr marR="0" lvl="7" algn="l" rtl="0">
       <a:lnSpc>
         <a:spcPct val="100000"/>
       </a:lnSpc>
@@ -243,7 +243,7 @@
         <a:srgbClr val="000000"/>
       </a:buClr>
       <a:buFont typeface="Arial"/>
-      <a:defRPr b="0" i="0" sz="1400" u="none" cap="none" strike="noStrike">
+      <a:defRPr sz="1400" b="0" i="0" u="none" strike="noStrike" cap="none">
         <a:solidFill>
           <a:srgbClr val="000000"/>
         </a:solidFill>
@@ -253,7 +253,7 @@
         <a:sym typeface="Arial"/>
       </a:defRPr>
     </a:lvl8pPr>
-    <a:lvl9pPr lvl="8" marR="0" rtl="0" algn="l">
+    <a:lvl9pPr marR="0" lvl="8" algn="l" rtl="0">
       <a:lnSpc>
         <a:spcPct val="100000"/>
       </a:lnSpc>
@@ -267,7 +267,7 @@
         <a:srgbClr val="000000"/>
       </a:buClr>
       <a:buFont typeface="Arial"/>
-      <a:defRPr b="0" i="0" sz="1400" u="none" cap="none" strike="noStrike">
+      <a:defRPr sz="1400" b="0" i="0" u="none" strike="noStrike" cap="none">
         <a:solidFill>
           <a:srgbClr val="000000"/>
         </a:solidFill>
@@ -280,7 +280,7 @@
   </p:defaultTextStyle>
   <p:extLst>
     <p:ext uri="{EFAFB233-063F-42B5-8137-9DF3F51BA10A}">
-      <p15:sldGuideLst>
+      <p15:sldGuideLst xmlns:p15="http://schemas.microsoft.com/office/powerpoint/2012/main">
         <p15:guide id="1" orient="horz" pos="1620">
           <p15:clr>
             <a:srgbClr val="A4A3A4"/>
@@ -298,11 +298,16 @@
 </file>
 
 <file path=ppt/notesMasters/notesMaster1.xml><?xml version="1.0" encoding="utf-8"?>
-<p:notesMaster xmlns:a="http://schemas.openxmlformats.org/drawingml/2006/main" xmlns:r="http://schemas.openxmlformats.org/officeDocument/2006/relationships" xmlns:mc="http://schemas.openxmlformats.org/markup-compatibility/2006" xmlns:mv="urn:schemas-microsoft-com:mac:vml" xmlns:p="http://schemas.openxmlformats.org/presentationml/2006/main" xmlns:c="http://schemas.openxmlformats.org/drawingml/2006/chart" xmlns:dgm="http://schemas.openxmlformats.org/drawingml/2006/diagram" xmlns:o="urn:schemas-microsoft-com:office:office" xmlns:v="urn:schemas-microsoft-com:vml" xmlns:pvml="urn:schemas-microsoft-com:office:powerpoint" xmlns:com="http://schemas.openxmlformats.org/drawingml/2006/compatibility" xmlns:p14="http://schemas.microsoft.com/office/powerpoint/2010/main" xmlns:p15="http://schemas.microsoft.com/office/powerpoint/2012/main" xmlns:ahyp="http://schemas.microsoft.com/office/drawing/2018/hyperlinkcolor">
+<p:notesMaster xmlns:a="http://schemas.openxmlformats.org/drawingml/2006/main" xmlns:r="http://schemas.openxmlformats.org/officeDocument/2006/relationships" xmlns:p="http://schemas.openxmlformats.org/presentationml/2006/main">
   <p:cSld>
+    <p:bg>
+      <p:bgRef idx="1001">
+        <a:schemeClr val="bg1"/>
+      </p:bgRef>
+    </p:bg>
     <p:spTree>
       <p:nvGrpSpPr>
-        <p:cNvPr id="2" name="Shape 2"/>
+        <p:cNvPr id="1" name="Shape 2"/>
         <p:cNvGrpSpPr/>
         <p:nvPr/>
       </p:nvGrpSpPr>
@@ -317,9 +322,11 @@
       <p:sp>
         <p:nvSpPr>
           <p:cNvPr id="3" name="Google Shape;3;n"/>
-          <p:cNvSpPr/>
+          <p:cNvSpPr>
+            <a:spLocks noGrp="1" noRot="1" noChangeAspect="1"/>
+          </p:cNvSpPr>
           <p:nvPr>
-            <p:ph idx="2" type="sldImg"/>
+            <p:ph type="sldImg" idx="2"/>
           </p:nvPr>
         </p:nvSpPr>
         <p:spPr>
@@ -328,9 +335,13 @@
             <a:ext cx="6096075" cy="3429000"/>
           </a:xfrm>
           <a:custGeom>
-            <a:rect b="b" l="l" r="r" t="t"/>
+            <a:avLst/>
+            <a:gdLst/>
+            <a:ahLst/>
+            <a:cxnLst/>
+            <a:rect l="l" t="t" r="r" b="b"/>
             <a:pathLst>
-              <a:path extrusionOk="0" h="120000" w="120000">
+              <a:path w="120000" h="120000" extrusionOk="0">
                 <a:moveTo>
                   <a:pt x="0" y="0"/>
                 </a:moveTo>
@@ -348,23 +359,25 @@
             </a:pathLst>
           </a:custGeom>
           <a:noFill/>
-          <a:ln cap="flat" cmpd="sng" w="9525">
+          <a:ln w="9525" cap="flat" cmpd="sng">
             <a:solidFill>
               <a:srgbClr val="000000"/>
             </a:solidFill>
             <a:prstDash val="solid"/>
             <a:round/>
-            <a:headEnd len="sm" w="sm" type="none"/>
-            <a:tailEnd len="sm" w="sm" type="none"/>
+            <a:headEnd type="none" w="sm" len="sm"/>
+            <a:tailEnd type="none" w="sm" len="sm"/>
           </a:ln>
         </p:spPr>
       </p:sp>
       <p:sp>
         <p:nvSpPr>
           <p:cNvPr id="4" name="Google Shape;4;n"/>
-          <p:cNvSpPr txBox="1"/>
+          <p:cNvSpPr txBox="1">
+            <a:spLocks noGrp="1"/>
+          </p:cNvSpPr>
           <p:nvPr>
-            <p:ph idx="1" type="body"/>
+            <p:ph type="body" idx="1"/>
           </p:nvPr>
         </p:nvSpPr>
         <p:spPr>
@@ -381,11 +394,11 @@
           </a:ln>
         </p:spPr>
         <p:txBody>
-          <a:bodyPr anchorCtr="0" anchor="t" bIns="91425" lIns="91425" spcFirstLastPara="1" rIns="91425" wrap="square" tIns="91425">
+          <a:bodyPr spcFirstLastPara="1" wrap="square" lIns="91425" tIns="91425" rIns="91425" bIns="91425" anchor="t" anchorCtr="0">
             <a:noAutofit/>
           </a:bodyPr>
           <a:lstStyle>
-            <a:lvl1pPr indent="-298450" lvl="0" marL="457200">
+            <a:lvl1pPr marL="457200" lvl="0" indent="-298450">
               <a:spcBef>
                 <a:spcPts val="0"/>
               </a:spcBef>
@@ -396,7 +409,7 @@
               <a:buChar char="●"/>
               <a:defRPr sz="1100"/>
             </a:lvl1pPr>
-            <a:lvl2pPr indent="-298450" lvl="1" marL="914400">
+            <a:lvl2pPr marL="914400" lvl="1" indent="-298450">
               <a:spcBef>
                 <a:spcPts val="0"/>
               </a:spcBef>
@@ -407,7 +420,7 @@
               <a:buChar char="○"/>
               <a:defRPr sz="1100"/>
             </a:lvl2pPr>
-            <a:lvl3pPr indent="-298450" lvl="2" marL="1371600">
+            <a:lvl3pPr marL="1371600" lvl="2" indent="-298450">
               <a:spcBef>
                 <a:spcPts val="0"/>
               </a:spcBef>
@@ -418,7 +431,7 @@
               <a:buChar char="■"/>
               <a:defRPr sz="1100"/>
             </a:lvl3pPr>
-            <a:lvl4pPr indent="-298450" lvl="3" marL="1828800">
+            <a:lvl4pPr marL="1828800" lvl="3" indent="-298450">
               <a:spcBef>
                 <a:spcPts val="0"/>
               </a:spcBef>
@@ -429,7 +442,7 @@
               <a:buChar char="●"/>
               <a:defRPr sz="1100"/>
             </a:lvl4pPr>
-            <a:lvl5pPr indent="-298450" lvl="4" marL="2286000">
+            <a:lvl5pPr marL="2286000" lvl="4" indent="-298450">
               <a:spcBef>
                 <a:spcPts val="0"/>
               </a:spcBef>
@@ -440,7 +453,7 @@
               <a:buChar char="○"/>
               <a:defRPr sz="1100"/>
             </a:lvl5pPr>
-            <a:lvl6pPr indent="-298450" lvl="5" marL="2743200">
+            <a:lvl6pPr marL="2743200" lvl="5" indent="-298450">
               <a:spcBef>
                 <a:spcPts val="0"/>
               </a:spcBef>
@@ -451,7 +464,7 @@
               <a:buChar char="■"/>
               <a:defRPr sz="1100"/>
             </a:lvl6pPr>
-            <a:lvl7pPr indent="-298450" lvl="6" marL="3200400">
+            <a:lvl7pPr marL="3200400" lvl="6" indent="-298450">
               <a:spcBef>
                 <a:spcPts val="0"/>
               </a:spcBef>
@@ -462,7 +475,7 @@
               <a:buChar char="●"/>
               <a:defRPr sz="1100"/>
             </a:lvl7pPr>
-            <a:lvl8pPr indent="-298450" lvl="7" marL="3657600">
+            <a:lvl8pPr marL="3657600" lvl="7" indent="-298450">
               <a:spcBef>
                 <a:spcPts val="0"/>
               </a:spcBef>
@@ -473,7 +486,7 @@
               <a:buChar char="○"/>
               <a:defRPr sz="1100"/>
             </a:lvl8pPr>
-            <a:lvl9pPr indent="-298450" lvl="8" marL="4114800">
+            <a:lvl9pPr marL="4114800" lvl="8" indent="-298450">
               <a:spcBef>
                 <a:spcPts val="0"/>
               </a:spcBef>
@@ -485,14 +498,16 @@
               <a:defRPr sz="1100"/>
             </a:lvl9pPr>
           </a:lstStyle>
-          <a:p/>
+          <a:p>
+            <a:endParaRPr/>
+          </a:p>
         </p:txBody>
       </p:sp>
     </p:spTree>
   </p:cSld>
-  <p:clrMap accent1="accent1" accent2="accent2" accent3="accent3" accent4="accent4" accent5="accent5" accent6="accent6" bg1="lt1" bg2="dk2" tx1="dk1" tx2="lt2" folHlink="folHlink" hlink="hlink"/>
+  <p:clrMap bg1="lt1" tx1="dk1" bg2="dk2" tx2="lt2" accent1="accent1" accent2="accent2" accent3="accent3" accent4="accent4" accent5="accent5" accent6="accent6" hlink="hlink" folHlink="folHlink"/>
   <p:notesStyle>
-    <a:defPPr lvl="0" marR="0" rtl="0" algn="l">
+    <a:defPPr marR="0" lvl="0" algn="l" rtl="0">
       <a:lnSpc>
         <a:spcPct val="100000"/>
       </a:lnSpc>
@@ -503,7 +518,7 @@
         <a:spcPts val="0"/>
       </a:spcAft>
     </a:defPPr>
-    <a:lvl1pPr lvl="0" marR="0" rtl="0" algn="l">
+    <a:lvl1pPr marR="0" lvl="0" algn="l" rtl="0">
       <a:lnSpc>
         <a:spcPct val="100000"/>
       </a:lnSpc>
@@ -517,7 +532,7 @@
         <a:srgbClr val="000000"/>
       </a:buClr>
       <a:buFont typeface="Arial"/>
-      <a:defRPr b="0" i="0" sz="1400" u="none" cap="none" strike="noStrike">
+      <a:defRPr sz="1400" b="0" i="0" u="none" strike="noStrike" cap="none">
         <a:solidFill>
           <a:srgbClr val="000000"/>
         </a:solidFill>
@@ -527,7 +542,7 @@
         <a:sym typeface="Arial"/>
       </a:defRPr>
     </a:lvl1pPr>
-    <a:lvl2pPr lvl="1" marR="0" rtl="0" algn="l">
+    <a:lvl2pPr marR="0" lvl="1" algn="l" rtl="0">
       <a:lnSpc>
         <a:spcPct val="100000"/>
       </a:lnSpc>
@@ -541,7 +556,7 @@
         <a:srgbClr val="000000"/>
       </a:buClr>
       <a:buFont typeface="Arial"/>
-      <a:defRPr b="0" i="0" sz="1400" u="none" cap="none" strike="noStrike">
+      <a:defRPr sz="1400" b="0" i="0" u="none" strike="noStrike" cap="none">
         <a:solidFill>
           <a:srgbClr val="000000"/>
         </a:solidFill>
@@ -551,7 +566,7 @@
         <a:sym typeface="Arial"/>
       </a:defRPr>
     </a:lvl2pPr>
-    <a:lvl3pPr lvl="2" marR="0" rtl="0" algn="l">
+    <a:lvl3pPr marR="0" lvl="2" algn="l" rtl="0">
       <a:lnSpc>
         <a:spcPct val="100000"/>
       </a:lnSpc>
@@ -565,7 +580,7 @@
         <a:srgbClr val="000000"/>
       </a:buClr>
       <a:buFont typeface="Arial"/>
-      <a:defRPr b="0" i="0" sz="1400" u="none" cap="none" strike="noStrike">
+      <a:defRPr sz="1400" b="0" i="0" u="none" strike="noStrike" cap="none">
         <a:solidFill>
           <a:srgbClr val="000000"/>
         </a:solidFill>
@@ -575,7 +590,7 @@
         <a:sym typeface="Arial"/>
       </a:defRPr>
     </a:lvl3pPr>
-    <a:lvl4pPr lvl="3" marR="0" rtl="0" algn="l">
+    <a:lvl4pPr marR="0" lvl="3" algn="l" rtl="0">
       <a:lnSpc>
         <a:spcPct val="100000"/>
       </a:lnSpc>
@@ -589,7 +604,7 @@
         <a:srgbClr val="000000"/>
       </a:buClr>
       <a:buFont typeface="Arial"/>
-      <a:defRPr b="0" i="0" sz="1400" u="none" cap="none" strike="noStrike">
+      <a:defRPr sz="1400" b="0" i="0" u="none" strike="noStrike" cap="none">
         <a:solidFill>
           <a:srgbClr val="000000"/>
         </a:solidFill>
@@ -599,7 +614,7 @@
         <a:sym typeface="Arial"/>
       </a:defRPr>
     </a:lvl4pPr>
-    <a:lvl5pPr lvl="4" marR="0" rtl="0" algn="l">
+    <a:lvl5pPr marR="0" lvl="4" algn="l" rtl="0">
       <a:lnSpc>
         <a:spcPct val="100000"/>
       </a:lnSpc>
@@ -613,7 +628,7 @@
         <a:srgbClr val="000000"/>
       </a:buClr>
       <a:buFont typeface="Arial"/>
-      <a:defRPr b="0" i="0" sz="1400" u="none" cap="none" strike="noStrike">
+      <a:defRPr sz="1400" b="0" i="0" u="none" strike="noStrike" cap="none">
         <a:solidFill>
           <a:srgbClr val="000000"/>
         </a:solidFill>
@@ -623,7 +638,7 @@
         <a:sym typeface="Arial"/>
       </a:defRPr>
     </a:lvl5pPr>
-    <a:lvl6pPr lvl="5" marR="0" rtl="0" algn="l">
+    <a:lvl6pPr marR="0" lvl="5" algn="l" rtl="0">
       <a:lnSpc>
         <a:spcPct val="100000"/>
       </a:lnSpc>
@@ -637,7 +652,7 @@
         <a:srgbClr val="000000"/>
       </a:buClr>
       <a:buFont typeface="Arial"/>
-      <a:defRPr b="0" i="0" sz="1400" u="none" cap="none" strike="noStrike">
+      <a:defRPr sz="1400" b="0" i="0" u="none" strike="noStrike" cap="none">
         <a:solidFill>
           <a:srgbClr val="000000"/>
         </a:solidFill>
@@ -647,7 +662,7 @@
         <a:sym typeface="Arial"/>
       </a:defRPr>
     </a:lvl6pPr>
-    <a:lvl7pPr lvl="6" marR="0" rtl="0" algn="l">
+    <a:lvl7pPr marR="0" lvl="6" algn="l" rtl="0">
       <a:lnSpc>
         <a:spcPct val="100000"/>
       </a:lnSpc>
@@ -661,7 +676,7 @@
         <a:srgbClr val="000000"/>
       </a:buClr>
       <a:buFont typeface="Arial"/>
-      <a:defRPr b="0" i="0" sz="1400" u="none" cap="none" strike="noStrike">
+      <a:defRPr sz="1400" b="0" i="0" u="none" strike="noStrike" cap="none">
         <a:solidFill>
           <a:srgbClr val="000000"/>
         </a:solidFill>
@@ -671,7 +686,7 @@
         <a:sym typeface="Arial"/>
       </a:defRPr>
     </a:lvl7pPr>
-    <a:lvl8pPr lvl="7" marR="0" rtl="0" algn="l">
+    <a:lvl8pPr marR="0" lvl="7" algn="l" rtl="0">
       <a:lnSpc>
         <a:spcPct val="100000"/>
       </a:lnSpc>
@@ -685,7 +700,7 @@
         <a:srgbClr val="000000"/>
       </a:buClr>
       <a:buFont typeface="Arial"/>
-      <a:defRPr b="0" i="0" sz="1400" u="none" cap="none" strike="noStrike">
+      <a:defRPr sz="1400" b="0" i="0" u="none" strike="noStrike" cap="none">
         <a:solidFill>
           <a:srgbClr val="000000"/>
         </a:solidFill>
@@ -695,7 +710,7 @@
         <a:sym typeface="Arial"/>
       </a:defRPr>
     </a:lvl8pPr>
-    <a:lvl9pPr lvl="8" marR="0" rtl="0" algn="l">
+    <a:lvl9pPr marR="0" lvl="8" algn="l" rtl="0">
       <a:lnSpc>
         <a:spcPct val="100000"/>
       </a:lnSpc>
@@ -709,7 +724,7 @@
         <a:srgbClr val="000000"/>
       </a:buClr>
       <a:buFont typeface="Arial"/>
-      <a:defRPr b="0" i="0" sz="1400" u="none" cap="none" strike="noStrike">
+      <a:defRPr sz="1400" b="0" i="0" u="none" strike="noStrike" cap="none">
         <a:solidFill>
           <a:srgbClr val="000000"/>
         </a:solidFill>
@@ -724,11 +739,11 @@
 </file>
 
 <file path=ppt/notesSlides/notesSlide1.xml><?xml version="1.0" encoding="utf-8"?>
-<p:notes xmlns:a="http://schemas.openxmlformats.org/drawingml/2006/main" xmlns:r="http://schemas.openxmlformats.org/officeDocument/2006/relationships" xmlns:mc="http://schemas.openxmlformats.org/markup-compatibility/2006" xmlns:mv="urn:schemas-microsoft-com:mac:vml" xmlns:p="http://schemas.openxmlformats.org/presentationml/2006/main" xmlns:c="http://schemas.openxmlformats.org/drawingml/2006/chart" xmlns:dgm="http://schemas.openxmlformats.org/drawingml/2006/diagram" xmlns:o="urn:schemas-microsoft-com:office:office" xmlns:v="urn:schemas-microsoft-com:vml" xmlns:pvml="urn:schemas-microsoft-com:office:powerpoint" xmlns:com="http://schemas.openxmlformats.org/drawingml/2006/compatibility" xmlns:p14="http://schemas.microsoft.com/office/powerpoint/2010/main" xmlns:p15="http://schemas.microsoft.com/office/powerpoint/2012/main" xmlns:ahyp="http://schemas.microsoft.com/office/drawing/2018/hyperlinkcolor" showMasterPhAnim="0" showMasterSp="0">
+<p:notes xmlns:a="http://schemas.openxmlformats.org/drawingml/2006/main" xmlns:r="http://schemas.openxmlformats.org/officeDocument/2006/relationships" xmlns:p="http://schemas.openxmlformats.org/presentationml/2006/main" showMasterSp="0" showMasterPhAnim="0">
   <p:cSld>
     <p:spTree>
       <p:nvGrpSpPr>
-        <p:cNvPr id="62" name="Shape 62"/>
+        <p:cNvPr id="1" name="Shape 62"/>
         <p:cNvGrpSpPr/>
         <p:nvPr/>
       </p:nvGrpSpPr>
@@ -743,9 +758,11 @@
       <p:sp>
         <p:nvSpPr>
           <p:cNvPr id="63" name="Google Shape;63;p:notes"/>
-          <p:cNvSpPr/>
+          <p:cNvSpPr>
+            <a:spLocks noGrp="1" noRot="1" noChangeAspect="1"/>
+          </p:cNvSpPr>
           <p:nvPr>
-            <p:ph idx="2" type="sldImg"/>
+            <p:ph type="sldImg" idx="2"/>
           </p:nvPr>
         </p:nvSpPr>
         <p:spPr>
@@ -754,9 +771,13 @@
             <a:ext cx="6096075" cy="3429000"/>
           </a:xfrm>
           <a:custGeom>
-            <a:rect b="b" l="l" r="r" t="t"/>
+            <a:avLst/>
+            <a:gdLst/>
+            <a:ahLst/>
+            <a:cxnLst/>
+            <a:rect l="l" t="t" r="r" b="b"/>
             <a:pathLst>
-              <a:path extrusionOk="0" h="120000" w="120000">
+              <a:path w="120000" h="120000" extrusionOk="0">
                 <a:moveTo>
                   <a:pt x="0" y="0"/>
                 </a:moveTo>
@@ -778,9 +799,11 @@
       <p:sp>
         <p:nvSpPr>
           <p:cNvPr id="64" name="Google Shape;64;p:notes"/>
-          <p:cNvSpPr txBox="1"/>
+          <p:cNvSpPr txBox="1">
+            <a:spLocks noGrp="1"/>
+          </p:cNvSpPr>
           <p:nvPr>
-            <p:ph idx="1" type="body"/>
+            <p:ph type="body" idx="1"/>
           </p:nvPr>
         </p:nvSpPr>
         <p:spPr>
@@ -793,23 +816,20 @@
           </a:prstGeom>
         </p:spPr>
         <p:txBody>
-          <a:bodyPr anchorCtr="0" anchor="t" bIns="91425" lIns="91425" spcFirstLastPara="1" rIns="91425" wrap="square" tIns="91425">
+          <a:bodyPr spcFirstLastPara="1" wrap="square" lIns="91425" tIns="91425" rIns="91425" bIns="91425" anchor="t" anchorCtr="0">
             <a:noAutofit/>
           </a:bodyPr>
           <a:lstStyle/>
           <a:p>
-            <a:pPr indent="0" lvl="0" marL="0" rtl="0" algn="l">
-              <a:spcBef>
-                <a:spcPts val="0"/>
-              </a:spcBef>
-              <a:spcAft>
-                <a:spcPts val="0"/>
-              </a:spcAft>
-              <a:buNone/>
-            </a:pPr>
-            <a:r>
-              <a:t/>
-            </a:r>
+            <a:pPr marL="0" lvl="0" indent="0" algn="l" rtl="0">
+              <a:spcBef>
+                <a:spcPts val="0"/>
+              </a:spcBef>
+              <a:spcAft>
+                <a:spcPts val="0"/>
+              </a:spcAft>
+              <a:buNone/>
+            </a:pPr>
             <a:endParaRPr/>
           </a:p>
         </p:txBody>
@@ -823,11 +843,11 @@
 </file>
 
 <file path=ppt/notesSlides/notesSlide10.xml><?xml version="1.0" encoding="utf-8"?>
-<p:notes xmlns:a="http://schemas.openxmlformats.org/drawingml/2006/main" xmlns:r="http://schemas.openxmlformats.org/officeDocument/2006/relationships" xmlns:mc="http://schemas.openxmlformats.org/markup-compatibility/2006" xmlns:mv="urn:schemas-microsoft-com:mac:vml" xmlns:p="http://schemas.openxmlformats.org/presentationml/2006/main" xmlns:c="http://schemas.openxmlformats.org/drawingml/2006/chart" xmlns:dgm="http://schemas.openxmlformats.org/drawingml/2006/diagram" xmlns:o="urn:schemas-microsoft-com:office:office" xmlns:v="urn:schemas-microsoft-com:vml" xmlns:pvml="urn:schemas-microsoft-com:office:powerpoint" xmlns:com="http://schemas.openxmlformats.org/drawingml/2006/compatibility" xmlns:p14="http://schemas.microsoft.com/office/powerpoint/2010/main" xmlns:p15="http://schemas.microsoft.com/office/powerpoint/2012/main" xmlns:ahyp="http://schemas.microsoft.com/office/drawing/2018/hyperlinkcolor" showMasterPhAnim="0" showMasterSp="0">
+<p:notes xmlns:a="http://schemas.openxmlformats.org/drawingml/2006/main" xmlns:r="http://schemas.openxmlformats.org/officeDocument/2006/relationships" xmlns:p="http://schemas.openxmlformats.org/presentationml/2006/main" showMasterSp="0" showMasterPhAnim="0">
   <p:cSld>
     <p:spTree>
       <p:nvGrpSpPr>
-        <p:cNvPr id="130" name="Shape 130"/>
+        <p:cNvPr id="1" name="Shape 130"/>
         <p:cNvGrpSpPr/>
         <p:nvPr/>
       </p:nvGrpSpPr>
@@ -842,9 +862,11 @@
       <p:sp>
         <p:nvSpPr>
           <p:cNvPr id="131" name="Google Shape;131;gbd4e3c3393_0_52:notes"/>
-          <p:cNvSpPr/>
+          <p:cNvSpPr>
+            <a:spLocks noGrp="1" noRot="1" noChangeAspect="1"/>
+          </p:cNvSpPr>
           <p:nvPr>
-            <p:ph idx="2" type="sldImg"/>
+            <p:ph type="sldImg" idx="2"/>
           </p:nvPr>
         </p:nvSpPr>
         <p:spPr>
@@ -853,9 +875,13 @@
             <a:ext cx="6096000" cy="3429000"/>
           </a:xfrm>
           <a:custGeom>
-            <a:rect b="b" l="l" r="r" t="t"/>
+            <a:avLst/>
+            <a:gdLst/>
+            <a:ahLst/>
+            <a:cxnLst/>
+            <a:rect l="l" t="t" r="r" b="b"/>
             <a:pathLst>
-              <a:path extrusionOk="0" h="120000" w="120000">
+              <a:path w="120000" h="120000" extrusionOk="0">
                 <a:moveTo>
                   <a:pt x="0" y="0"/>
                 </a:moveTo>
@@ -877,9 +903,11 @@
       <p:sp>
         <p:nvSpPr>
           <p:cNvPr id="132" name="Google Shape;132;gbd4e3c3393_0_52:notes"/>
-          <p:cNvSpPr txBox="1"/>
+          <p:cNvSpPr txBox="1">
+            <a:spLocks noGrp="1"/>
+          </p:cNvSpPr>
           <p:nvPr>
-            <p:ph idx="1" type="body"/>
+            <p:ph type="body" idx="1"/>
           </p:nvPr>
         </p:nvSpPr>
         <p:spPr>
@@ -892,23 +920,20 @@
           </a:prstGeom>
         </p:spPr>
         <p:txBody>
-          <a:bodyPr anchorCtr="0" anchor="t" bIns="91425" lIns="91425" spcFirstLastPara="1" rIns="91425" wrap="square" tIns="91425">
+          <a:bodyPr spcFirstLastPara="1" wrap="square" lIns="91425" tIns="91425" rIns="91425" bIns="91425" anchor="t" anchorCtr="0">
             <a:noAutofit/>
           </a:bodyPr>
           <a:lstStyle/>
           <a:p>
-            <a:pPr indent="0" lvl="0" marL="0" rtl="0" algn="l">
-              <a:spcBef>
-                <a:spcPts val="0"/>
-              </a:spcBef>
-              <a:spcAft>
-                <a:spcPts val="0"/>
-              </a:spcAft>
-              <a:buNone/>
-            </a:pPr>
-            <a:r>
-              <a:t/>
-            </a:r>
+            <a:pPr marL="0" lvl="0" indent="0" algn="l" rtl="0">
+              <a:spcBef>
+                <a:spcPts val="0"/>
+              </a:spcBef>
+              <a:spcAft>
+                <a:spcPts val="0"/>
+              </a:spcAft>
+              <a:buNone/>
+            </a:pPr>
             <a:endParaRPr/>
           </a:p>
         </p:txBody>
@@ -922,11 +947,11 @@
 </file>
 
 <file path=ppt/notesSlides/notesSlide11.xml><?xml version="1.0" encoding="utf-8"?>
-<p:notes xmlns:a="http://schemas.openxmlformats.org/drawingml/2006/main" xmlns:r="http://schemas.openxmlformats.org/officeDocument/2006/relationships" xmlns:mc="http://schemas.openxmlformats.org/markup-compatibility/2006" xmlns:mv="urn:schemas-microsoft-com:mac:vml" xmlns:p="http://schemas.openxmlformats.org/presentationml/2006/main" xmlns:c="http://schemas.openxmlformats.org/drawingml/2006/chart" xmlns:dgm="http://schemas.openxmlformats.org/drawingml/2006/diagram" xmlns:o="urn:schemas-microsoft-com:office:office" xmlns:v="urn:schemas-microsoft-com:vml" xmlns:pvml="urn:schemas-microsoft-com:office:powerpoint" xmlns:com="http://schemas.openxmlformats.org/drawingml/2006/compatibility" xmlns:p14="http://schemas.microsoft.com/office/powerpoint/2010/main" xmlns:p15="http://schemas.microsoft.com/office/powerpoint/2012/main" xmlns:ahyp="http://schemas.microsoft.com/office/drawing/2018/hyperlinkcolor" showMasterPhAnim="0" showMasterSp="0">
+<p:notes xmlns:a="http://schemas.openxmlformats.org/drawingml/2006/main" xmlns:r="http://schemas.openxmlformats.org/officeDocument/2006/relationships" xmlns:p="http://schemas.openxmlformats.org/presentationml/2006/main" showMasterSp="0" showMasterPhAnim="0">
   <p:cSld>
     <p:spTree>
       <p:nvGrpSpPr>
-        <p:cNvPr id="137" name="Shape 137"/>
+        <p:cNvPr id="1" name="Shape 137"/>
         <p:cNvGrpSpPr/>
         <p:nvPr/>
       </p:nvGrpSpPr>
@@ -941,9 +966,11 @@
       <p:sp>
         <p:nvSpPr>
           <p:cNvPr id="138" name="Google Shape;138;gbd4e3c3393_0_71:notes"/>
-          <p:cNvSpPr/>
+          <p:cNvSpPr>
+            <a:spLocks noGrp="1" noRot="1" noChangeAspect="1"/>
+          </p:cNvSpPr>
           <p:nvPr>
-            <p:ph idx="2" type="sldImg"/>
+            <p:ph type="sldImg" idx="2"/>
           </p:nvPr>
         </p:nvSpPr>
         <p:spPr>
@@ -952,9 +979,13 @@
             <a:ext cx="6096000" cy="3429000"/>
           </a:xfrm>
           <a:custGeom>
-            <a:rect b="b" l="l" r="r" t="t"/>
+            <a:avLst/>
+            <a:gdLst/>
+            <a:ahLst/>
+            <a:cxnLst/>
+            <a:rect l="l" t="t" r="r" b="b"/>
             <a:pathLst>
-              <a:path extrusionOk="0" h="120000" w="120000">
+              <a:path w="120000" h="120000" extrusionOk="0">
                 <a:moveTo>
                   <a:pt x="0" y="0"/>
                 </a:moveTo>
@@ -976,9 +1007,11 @@
       <p:sp>
         <p:nvSpPr>
           <p:cNvPr id="139" name="Google Shape;139;gbd4e3c3393_0_71:notes"/>
-          <p:cNvSpPr txBox="1"/>
+          <p:cNvSpPr txBox="1">
+            <a:spLocks noGrp="1"/>
+          </p:cNvSpPr>
           <p:nvPr>
-            <p:ph idx="1" type="body"/>
+            <p:ph type="body" idx="1"/>
           </p:nvPr>
         </p:nvSpPr>
         <p:spPr>
@@ -991,23 +1024,20 @@
           </a:prstGeom>
         </p:spPr>
         <p:txBody>
-          <a:bodyPr anchorCtr="0" anchor="t" bIns="91425" lIns="91425" spcFirstLastPara="1" rIns="91425" wrap="square" tIns="91425">
+          <a:bodyPr spcFirstLastPara="1" wrap="square" lIns="91425" tIns="91425" rIns="91425" bIns="91425" anchor="t" anchorCtr="0">
             <a:noAutofit/>
           </a:bodyPr>
           <a:lstStyle/>
           <a:p>
-            <a:pPr indent="0" lvl="0" marL="0" rtl="0" algn="l">
-              <a:spcBef>
-                <a:spcPts val="0"/>
-              </a:spcBef>
-              <a:spcAft>
-                <a:spcPts val="0"/>
-              </a:spcAft>
-              <a:buNone/>
-            </a:pPr>
-            <a:r>
-              <a:t/>
-            </a:r>
+            <a:pPr marL="0" lvl="0" indent="0" algn="l" rtl="0">
+              <a:spcBef>
+                <a:spcPts val="0"/>
+              </a:spcBef>
+              <a:spcAft>
+                <a:spcPts val="0"/>
+              </a:spcAft>
+              <a:buNone/>
+            </a:pPr>
             <a:endParaRPr/>
           </a:p>
         </p:txBody>
@@ -1021,11 +1051,11 @@
 </file>
 
 <file path=ppt/notesSlides/notesSlide12.xml><?xml version="1.0" encoding="utf-8"?>
-<p:notes xmlns:a="http://schemas.openxmlformats.org/drawingml/2006/main" xmlns:r="http://schemas.openxmlformats.org/officeDocument/2006/relationships" xmlns:mc="http://schemas.openxmlformats.org/markup-compatibility/2006" xmlns:mv="urn:schemas-microsoft-com:mac:vml" xmlns:p="http://schemas.openxmlformats.org/presentationml/2006/main" xmlns:c="http://schemas.openxmlformats.org/drawingml/2006/chart" xmlns:dgm="http://schemas.openxmlformats.org/drawingml/2006/diagram" xmlns:o="urn:schemas-microsoft-com:office:office" xmlns:v="urn:schemas-microsoft-com:vml" xmlns:pvml="urn:schemas-microsoft-com:office:powerpoint" xmlns:com="http://schemas.openxmlformats.org/drawingml/2006/compatibility" xmlns:p14="http://schemas.microsoft.com/office/powerpoint/2010/main" xmlns:p15="http://schemas.microsoft.com/office/powerpoint/2012/main" xmlns:ahyp="http://schemas.microsoft.com/office/drawing/2018/hyperlinkcolor" showMasterPhAnim="0" showMasterSp="0">
+<p:notes xmlns:a="http://schemas.openxmlformats.org/drawingml/2006/main" xmlns:r="http://schemas.openxmlformats.org/officeDocument/2006/relationships" xmlns:p="http://schemas.openxmlformats.org/presentationml/2006/main" showMasterSp="0" showMasterPhAnim="0">
   <p:cSld>
     <p:spTree>
       <p:nvGrpSpPr>
-        <p:cNvPr id="147" name="Shape 147"/>
+        <p:cNvPr id="1" name="Shape 147"/>
         <p:cNvGrpSpPr/>
         <p:nvPr/>
       </p:nvGrpSpPr>
@@ -1040,9 +1070,11 @@
       <p:sp>
         <p:nvSpPr>
           <p:cNvPr id="148" name="Google Shape;148;g79a09d0157_0_1:notes"/>
-          <p:cNvSpPr/>
+          <p:cNvSpPr>
+            <a:spLocks noGrp="1" noRot="1" noChangeAspect="1"/>
+          </p:cNvSpPr>
           <p:nvPr>
-            <p:ph idx="2" type="sldImg"/>
+            <p:ph type="sldImg" idx="2"/>
           </p:nvPr>
         </p:nvSpPr>
         <p:spPr>
@@ -1051,9 +1083,13 @@
             <a:ext cx="6096000" cy="3429000"/>
           </a:xfrm>
           <a:custGeom>
-            <a:rect b="b" l="l" r="r" t="t"/>
+            <a:avLst/>
+            <a:gdLst/>
+            <a:ahLst/>
+            <a:cxnLst/>
+            <a:rect l="l" t="t" r="r" b="b"/>
             <a:pathLst>
-              <a:path extrusionOk="0" h="120000" w="120000">
+              <a:path w="120000" h="120000" extrusionOk="0">
                 <a:moveTo>
                   <a:pt x="0" y="0"/>
                 </a:moveTo>
@@ -1075,9 +1111,11 @@
       <p:sp>
         <p:nvSpPr>
           <p:cNvPr id="149" name="Google Shape;149;g79a09d0157_0_1:notes"/>
-          <p:cNvSpPr txBox="1"/>
+          <p:cNvSpPr txBox="1">
+            <a:spLocks noGrp="1"/>
+          </p:cNvSpPr>
           <p:nvPr>
-            <p:ph idx="1" type="body"/>
+            <p:ph type="body" idx="1"/>
           </p:nvPr>
         </p:nvSpPr>
         <p:spPr>
@@ -1090,23 +1128,20 @@
           </a:prstGeom>
         </p:spPr>
         <p:txBody>
-          <a:bodyPr anchorCtr="0" anchor="t" bIns="91425" lIns="91425" spcFirstLastPara="1" rIns="91425" wrap="square" tIns="91425">
+          <a:bodyPr spcFirstLastPara="1" wrap="square" lIns="91425" tIns="91425" rIns="91425" bIns="91425" anchor="t" anchorCtr="0">
             <a:noAutofit/>
           </a:bodyPr>
           <a:lstStyle/>
           <a:p>
-            <a:pPr indent="0" lvl="0" marL="0" rtl="0" algn="l">
-              <a:spcBef>
-                <a:spcPts val="0"/>
-              </a:spcBef>
-              <a:spcAft>
-                <a:spcPts val="0"/>
-              </a:spcAft>
-              <a:buNone/>
-            </a:pPr>
-            <a:r>
-              <a:t/>
-            </a:r>
+            <a:pPr marL="0" lvl="0" indent="0" algn="l" rtl="0">
+              <a:spcBef>
+                <a:spcPts val="0"/>
+              </a:spcBef>
+              <a:spcAft>
+                <a:spcPts val="0"/>
+              </a:spcAft>
+              <a:buNone/>
+            </a:pPr>
             <a:endParaRPr/>
           </a:p>
         </p:txBody>
@@ -1120,11 +1155,11 @@
 </file>
 
 <file path=ppt/notesSlides/notesSlide13.xml><?xml version="1.0" encoding="utf-8"?>
-<p:notes xmlns:a="http://schemas.openxmlformats.org/drawingml/2006/main" xmlns:r="http://schemas.openxmlformats.org/officeDocument/2006/relationships" xmlns:mc="http://schemas.openxmlformats.org/markup-compatibility/2006" xmlns:mv="urn:schemas-microsoft-com:mac:vml" xmlns:p="http://schemas.openxmlformats.org/presentationml/2006/main" xmlns:c="http://schemas.openxmlformats.org/drawingml/2006/chart" xmlns:dgm="http://schemas.openxmlformats.org/drawingml/2006/diagram" xmlns:o="urn:schemas-microsoft-com:office:office" xmlns:v="urn:schemas-microsoft-com:vml" xmlns:pvml="urn:schemas-microsoft-com:office:powerpoint" xmlns:com="http://schemas.openxmlformats.org/drawingml/2006/compatibility" xmlns:p14="http://schemas.microsoft.com/office/powerpoint/2010/main" xmlns:p15="http://schemas.microsoft.com/office/powerpoint/2012/main" xmlns:ahyp="http://schemas.microsoft.com/office/drawing/2018/hyperlinkcolor" showMasterPhAnim="0" showMasterSp="0">
+<p:notes xmlns:a="http://schemas.openxmlformats.org/drawingml/2006/main" xmlns:r="http://schemas.openxmlformats.org/officeDocument/2006/relationships" xmlns:p="http://schemas.openxmlformats.org/presentationml/2006/main" showMasterSp="0" showMasterPhAnim="0">
   <p:cSld>
     <p:spTree>
       <p:nvGrpSpPr>
-        <p:cNvPr id="172" name="Shape 172"/>
+        <p:cNvPr id="1" name="Shape 172"/>
         <p:cNvGrpSpPr/>
         <p:nvPr/>
       </p:nvGrpSpPr>
@@ -1139,9 +1174,11 @@
       <p:sp>
         <p:nvSpPr>
           <p:cNvPr id="173" name="Google Shape;173;g79a09d0157_0_28:notes"/>
-          <p:cNvSpPr/>
+          <p:cNvSpPr>
+            <a:spLocks noGrp="1" noRot="1" noChangeAspect="1"/>
+          </p:cNvSpPr>
           <p:nvPr>
-            <p:ph idx="2" type="sldImg"/>
+            <p:ph type="sldImg" idx="2"/>
           </p:nvPr>
         </p:nvSpPr>
         <p:spPr>
@@ -1150,9 +1187,13 @@
             <a:ext cx="6096000" cy="3429000"/>
           </a:xfrm>
           <a:custGeom>
-            <a:rect b="b" l="l" r="r" t="t"/>
+            <a:avLst/>
+            <a:gdLst/>
+            <a:ahLst/>
+            <a:cxnLst/>
+            <a:rect l="l" t="t" r="r" b="b"/>
             <a:pathLst>
-              <a:path extrusionOk="0" h="120000" w="120000">
+              <a:path w="120000" h="120000" extrusionOk="0">
                 <a:moveTo>
                   <a:pt x="0" y="0"/>
                 </a:moveTo>
@@ -1174,9 +1215,11 @@
       <p:sp>
         <p:nvSpPr>
           <p:cNvPr id="174" name="Google Shape;174;g79a09d0157_0_28:notes"/>
-          <p:cNvSpPr txBox="1"/>
+          <p:cNvSpPr txBox="1">
+            <a:spLocks noGrp="1"/>
+          </p:cNvSpPr>
           <p:nvPr>
-            <p:ph idx="1" type="body"/>
+            <p:ph type="body" idx="1"/>
           </p:nvPr>
         </p:nvSpPr>
         <p:spPr>
@@ -1189,23 +1232,20 @@
           </a:prstGeom>
         </p:spPr>
         <p:txBody>
-          <a:bodyPr anchorCtr="0" anchor="t" bIns="91425" lIns="91425" spcFirstLastPara="1" rIns="91425" wrap="square" tIns="91425">
+          <a:bodyPr spcFirstLastPara="1" wrap="square" lIns="91425" tIns="91425" rIns="91425" bIns="91425" anchor="t" anchorCtr="0">
             <a:noAutofit/>
           </a:bodyPr>
           <a:lstStyle/>
           <a:p>
-            <a:pPr indent="0" lvl="0" marL="0" rtl="0" algn="l">
-              <a:spcBef>
-                <a:spcPts val="0"/>
-              </a:spcBef>
-              <a:spcAft>
-                <a:spcPts val="0"/>
-              </a:spcAft>
-              <a:buNone/>
-            </a:pPr>
-            <a:r>
-              <a:t/>
-            </a:r>
+            <a:pPr marL="0" lvl="0" indent="0" algn="l" rtl="0">
+              <a:spcBef>
+                <a:spcPts val="0"/>
+              </a:spcBef>
+              <a:spcAft>
+                <a:spcPts val="0"/>
+              </a:spcAft>
+              <a:buNone/>
+            </a:pPr>
             <a:endParaRPr/>
           </a:p>
         </p:txBody>
@@ -1219,11 +1259,11 @@
 </file>
 
 <file path=ppt/notesSlides/notesSlide14.xml><?xml version="1.0" encoding="utf-8"?>
-<p:notes xmlns:a="http://schemas.openxmlformats.org/drawingml/2006/main" xmlns:r="http://schemas.openxmlformats.org/officeDocument/2006/relationships" xmlns:mc="http://schemas.openxmlformats.org/markup-compatibility/2006" xmlns:mv="urn:schemas-microsoft-com:mac:vml" xmlns:p="http://schemas.openxmlformats.org/presentationml/2006/main" xmlns:c="http://schemas.openxmlformats.org/drawingml/2006/chart" xmlns:dgm="http://schemas.openxmlformats.org/drawingml/2006/diagram" xmlns:o="urn:schemas-microsoft-com:office:office" xmlns:v="urn:schemas-microsoft-com:vml" xmlns:pvml="urn:schemas-microsoft-com:office:powerpoint" xmlns:com="http://schemas.openxmlformats.org/drawingml/2006/compatibility" xmlns:p14="http://schemas.microsoft.com/office/powerpoint/2010/main" xmlns:p15="http://schemas.microsoft.com/office/powerpoint/2012/main" xmlns:ahyp="http://schemas.microsoft.com/office/drawing/2018/hyperlinkcolor" showMasterPhAnim="0" showMasterSp="0">
+<p:notes xmlns:a="http://schemas.openxmlformats.org/drawingml/2006/main" xmlns:r="http://schemas.openxmlformats.org/officeDocument/2006/relationships" xmlns:p="http://schemas.openxmlformats.org/presentationml/2006/main" showMasterSp="0" showMasterPhAnim="0">
   <p:cSld>
     <p:spTree>
       <p:nvGrpSpPr>
-        <p:cNvPr id="181" name="Shape 181"/>
+        <p:cNvPr id="1" name="Shape 181"/>
         <p:cNvGrpSpPr/>
         <p:nvPr/>
       </p:nvGrpSpPr>
@@ -1238,9 +1278,11 @@
       <p:sp>
         <p:nvSpPr>
           <p:cNvPr id="182" name="Google Shape;182;gbd4e3c3393_0_89:notes"/>
-          <p:cNvSpPr/>
+          <p:cNvSpPr>
+            <a:spLocks noGrp="1" noRot="1" noChangeAspect="1"/>
+          </p:cNvSpPr>
           <p:nvPr>
-            <p:ph idx="2" type="sldImg"/>
+            <p:ph type="sldImg" idx="2"/>
           </p:nvPr>
         </p:nvSpPr>
         <p:spPr>
@@ -1249,9 +1291,13 @@
             <a:ext cx="6096000" cy="3429000"/>
           </a:xfrm>
           <a:custGeom>
-            <a:rect b="b" l="l" r="r" t="t"/>
+            <a:avLst/>
+            <a:gdLst/>
+            <a:ahLst/>
+            <a:cxnLst/>
+            <a:rect l="l" t="t" r="r" b="b"/>
             <a:pathLst>
-              <a:path extrusionOk="0" h="120000" w="120000">
+              <a:path w="120000" h="120000" extrusionOk="0">
                 <a:moveTo>
                   <a:pt x="0" y="0"/>
                 </a:moveTo>
@@ -1273,9 +1319,11 @@
       <p:sp>
         <p:nvSpPr>
           <p:cNvPr id="183" name="Google Shape;183;gbd4e3c3393_0_89:notes"/>
-          <p:cNvSpPr txBox="1"/>
+          <p:cNvSpPr txBox="1">
+            <a:spLocks noGrp="1"/>
+          </p:cNvSpPr>
           <p:nvPr>
-            <p:ph idx="1" type="body"/>
+            <p:ph type="body" idx="1"/>
           </p:nvPr>
         </p:nvSpPr>
         <p:spPr>
@@ -1288,23 +1336,20 @@
           </a:prstGeom>
         </p:spPr>
         <p:txBody>
-          <a:bodyPr anchorCtr="0" anchor="t" bIns="91425" lIns="91425" spcFirstLastPara="1" rIns="91425" wrap="square" tIns="91425">
+          <a:bodyPr spcFirstLastPara="1" wrap="square" lIns="91425" tIns="91425" rIns="91425" bIns="91425" anchor="t" anchorCtr="0">
             <a:noAutofit/>
           </a:bodyPr>
           <a:lstStyle/>
           <a:p>
-            <a:pPr indent="0" lvl="0" marL="0" rtl="0" algn="l">
-              <a:spcBef>
-                <a:spcPts val="0"/>
-              </a:spcBef>
-              <a:spcAft>
-                <a:spcPts val="0"/>
-              </a:spcAft>
-              <a:buNone/>
-            </a:pPr>
-            <a:r>
-              <a:t/>
-            </a:r>
+            <a:pPr marL="0" lvl="0" indent="0" algn="l" rtl="0">
+              <a:spcBef>
+                <a:spcPts val="0"/>
+              </a:spcBef>
+              <a:spcAft>
+                <a:spcPts val="0"/>
+              </a:spcAft>
+              <a:buNone/>
+            </a:pPr>
             <a:endParaRPr/>
           </a:p>
         </p:txBody>
@@ -1318,11 +1363,11 @@
 </file>
 
 <file path=ppt/notesSlides/notesSlide15.xml><?xml version="1.0" encoding="utf-8"?>
-<p:notes xmlns:a="http://schemas.openxmlformats.org/drawingml/2006/main" xmlns:r="http://schemas.openxmlformats.org/officeDocument/2006/relationships" xmlns:mc="http://schemas.openxmlformats.org/markup-compatibility/2006" xmlns:mv="urn:schemas-microsoft-com:mac:vml" xmlns:p="http://schemas.openxmlformats.org/presentationml/2006/main" xmlns:c="http://schemas.openxmlformats.org/drawingml/2006/chart" xmlns:dgm="http://schemas.openxmlformats.org/drawingml/2006/diagram" xmlns:o="urn:schemas-microsoft-com:office:office" xmlns:v="urn:schemas-microsoft-com:vml" xmlns:pvml="urn:schemas-microsoft-com:office:powerpoint" xmlns:com="http://schemas.openxmlformats.org/drawingml/2006/compatibility" xmlns:p14="http://schemas.microsoft.com/office/powerpoint/2010/main" xmlns:p15="http://schemas.microsoft.com/office/powerpoint/2012/main" xmlns:ahyp="http://schemas.microsoft.com/office/drawing/2018/hyperlinkcolor" showMasterPhAnim="0" showMasterSp="0">
+<p:notes xmlns:a="http://schemas.openxmlformats.org/drawingml/2006/main" xmlns:r="http://schemas.openxmlformats.org/officeDocument/2006/relationships" xmlns:p="http://schemas.openxmlformats.org/presentationml/2006/main" showMasterSp="0" showMasterPhAnim="0">
   <p:cSld>
     <p:spTree>
       <p:nvGrpSpPr>
-        <p:cNvPr id="187" name="Shape 187"/>
+        <p:cNvPr id="1" name="Shape 187"/>
         <p:cNvGrpSpPr/>
         <p:nvPr/>
       </p:nvGrpSpPr>
@@ -1337,9 +1382,11 @@
       <p:sp>
         <p:nvSpPr>
           <p:cNvPr id="188" name="Google Shape;188;gbd4e3c3393_0_83:notes"/>
-          <p:cNvSpPr/>
+          <p:cNvSpPr>
+            <a:spLocks noGrp="1" noRot="1" noChangeAspect="1"/>
+          </p:cNvSpPr>
           <p:nvPr>
-            <p:ph idx="2" type="sldImg"/>
+            <p:ph type="sldImg" idx="2"/>
           </p:nvPr>
         </p:nvSpPr>
         <p:spPr>
@@ -1348,9 +1395,13 @@
             <a:ext cx="6096000" cy="3429000"/>
           </a:xfrm>
           <a:custGeom>
-            <a:rect b="b" l="l" r="r" t="t"/>
+            <a:avLst/>
+            <a:gdLst/>
+            <a:ahLst/>
+            <a:cxnLst/>
+            <a:rect l="l" t="t" r="r" b="b"/>
             <a:pathLst>
-              <a:path extrusionOk="0" h="120000" w="120000">
+              <a:path w="120000" h="120000" extrusionOk="0">
                 <a:moveTo>
                   <a:pt x="0" y="0"/>
                 </a:moveTo>
@@ -1372,9 +1423,11 @@
       <p:sp>
         <p:nvSpPr>
           <p:cNvPr id="189" name="Google Shape;189;gbd4e3c3393_0_83:notes"/>
-          <p:cNvSpPr txBox="1"/>
+          <p:cNvSpPr txBox="1">
+            <a:spLocks noGrp="1"/>
+          </p:cNvSpPr>
           <p:nvPr>
-            <p:ph idx="1" type="body"/>
+            <p:ph type="body" idx="1"/>
           </p:nvPr>
         </p:nvSpPr>
         <p:spPr>
@@ -1387,23 +1440,20 @@
           </a:prstGeom>
         </p:spPr>
         <p:txBody>
-          <a:bodyPr anchorCtr="0" anchor="t" bIns="91425" lIns="91425" spcFirstLastPara="1" rIns="91425" wrap="square" tIns="91425">
+          <a:bodyPr spcFirstLastPara="1" wrap="square" lIns="91425" tIns="91425" rIns="91425" bIns="91425" anchor="t" anchorCtr="0">
             <a:noAutofit/>
           </a:bodyPr>
           <a:lstStyle/>
           <a:p>
-            <a:pPr indent="0" lvl="0" marL="0" rtl="0" algn="l">
-              <a:spcBef>
-                <a:spcPts val="0"/>
-              </a:spcBef>
-              <a:spcAft>
-                <a:spcPts val="0"/>
-              </a:spcAft>
-              <a:buNone/>
-            </a:pPr>
-            <a:r>
-              <a:t/>
-            </a:r>
+            <a:pPr marL="0" lvl="0" indent="0" algn="l" rtl="0">
+              <a:spcBef>
+                <a:spcPts val="0"/>
+              </a:spcBef>
+              <a:spcAft>
+                <a:spcPts val="0"/>
+              </a:spcAft>
+              <a:buNone/>
+            </a:pPr>
             <a:endParaRPr/>
           </a:p>
         </p:txBody>
@@ -1417,11 +1467,11 @@
 </file>
 
 <file path=ppt/notesSlides/notesSlide16.xml><?xml version="1.0" encoding="utf-8"?>
-<p:notes xmlns:a="http://schemas.openxmlformats.org/drawingml/2006/main" xmlns:r="http://schemas.openxmlformats.org/officeDocument/2006/relationships" xmlns:mc="http://schemas.openxmlformats.org/markup-compatibility/2006" xmlns:mv="urn:schemas-microsoft-com:mac:vml" xmlns:p="http://schemas.openxmlformats.org/presentationml/2006/main" xmlns:c="http://schemas.openxmlformats.org/drawingml/2006/chart" xmlns:dgm="http://schemas.openxmlformats.org/drawingml/2006/diagram" xmlns:o="urn:schemas-microsoft-com:office:office" xmlns:v="urn:schemas-microsoft-com:vml" xmlns:pvml="urn:schemas-microsoft-com:office:powerpoint" xmlns:com="http://schemas.openxmlformats.org/drawingml/2006/compatibility" xmlns:p14="http://schemas.microsoft.com/office/powerpoint/2010/main" xmlns:p15="http://schemas.microsoft.com/office/powerpoint/2012/main" xmlns:ahyp="http://schemas.microsoft.com/office/drawing/2018/hyperlinkcolor" showMasterPhAnim="0" showMasterSp="0">
+<p:notes xmlns:a="http://schemas.openxmlformats.org/drawingml/2006/main" xmlns:r="http://schemas.openxmlformats.org/officeDocument/2006/relationships" xmlns:p="http://schemas.openxmlformats.org/presentationml/2006/main" showMasterSp="0" showMasterPhAnim="0">
   <p:cSld>
     <p:spTree>
       <p:nvGrpSpPr>
-        <p:cNvPr id="193" name="Shape 193"/>
+        <p:cNvPr id="1" name="Shape 193"/>
         <p:cNvGrpSpPr/>
         <p:nvPr/>
       </p:nvGrpSpPr>
@@ -1436,9 +1486,11 @@
       <p:sp>
         <p:nvSpPr>
           <p:cNvPr id="194" name="Google Shape;194;gbd4e3c3393_0_96:notes"/>
-          <p:cNvSpPr/>
+          <p:cNvSpPr>
+            <a:spLocks noGrp="1" noRot="1" noChangeAspect="1"/>
+          </p:cNvSpPr>
           <p:nvPr>
-            <p:ph idx="2" type="sldImg"/>
+            <p:ph type="sldImg" idx="2"/>
           </p:nvPr>
         </p:nvSpPr>
         <p:spPr>
@@ -1447,9 +1499,13 @@
             <a:ext cx="6096000" cy="3429000"/>
           </a:xfrm>
           <a:custGeom>
-            <a:rect b="b" l="l" r="r" t="t"/>
+            <a:avLst/>
+            <a:gdLst/>
+            <a:ahLst/>
+            <a:cxnLst/>
+            <a:rect l="l" t="t" r="r" b="b"/>
             <a:pathLst>
-              <a:path extrusionOk="0" h="120000" w="120000">
+              <a:path w="120000" h="120000" extrusionOk="0">
                 <a:moveTo>
                   <a:pt x="0" y="0"/>
                 </a:moveTo>
@@ -1471,9 +1527,11 @@
       <p:sp>
         <p:nvSpPr>
           <p:cNvPr id="195" name="Google Shape;195;gbd4e3c3393_0_96:notes"/>
-          <p:cNvSpPr txBox="1"/>
+          <p:cNvSpPr txBox="1">
+            <a:spLocks noGrp="1"/>
+          </p:cNvSpPr>
           <p:nvPr>
-            <p:ph idx="1" type="body"/>
+            <p:ph type="body" idx="1"/>
           </p:nvPr>
         </p:nvSpPr>
         <p:spPr>
@@ -1486,23 +1544,20 @@
           </a:prstGeom>
         </p:spPr>
         <p:txBody>
-          <a:bodyPr anchorCtr="0" anchor="t" bIns="91425" lIns="91425" spcFirstLastPara="1" rIns="91425" wrap="square" tIns="91425">
+          <a:bodyPr spcFirstLastPara="1" wrap="square" lIns="91425" tIns="91425" rIns="91425" bIns="91425" anchor="t" anchorCtr="0">
             <a:noAutofit/>
           </a:bodyPr>
           <a:lstStyle/>
           <a:p>
-            <a:pPr indent="0" lvl="0" marL="0" rtl="0" algn="l">
-              <a:spcBef>
-                <a:spcPts val="0"/>
-              </a:spcBef>
-              <a:spcAft>
-                <a:spcPts val="0"/>
-              </a:spcAft>
-              <a:buNone/>
-            </a:pPr>
-            <a:r>
-              <a:t/>
-            </a:r>
+            <a:pPr marL="0" lvl="0" indent="0" algn="l" rtl="0">
+              <a:spcBef>
+                <a:spcPts val="0"/>
+              </a:spcBef>
+              <a:spcAft>
+                <a:spcPts val="0"/>
+              </a:spcAft>
+              <a:buNone/>
+            </a:pPr>
             <a:endParaRPr/>
           </a:p>
         </p:txBody>
@@ -1516,11 +1571,11 @@
 </file>
 
 <file path=ppt/notesSlides/notesSlide17.xml><?xml version="1.0" encoding="utf-8"?>
-<p:notes xmlns:a="http://schemas.openxmlformats.org/drawingml/2006/main" xmlns:r="http://schemas.openxmlformats.org/officeDocument/2006/relationships" xmlns:mc="http://schemas.openxmlformats.org/markup-compatibility/2006" xmlns:mv="urn:schemas-microsoft-com:mac:vml" xmlns:p="http://schemas.openxmlformats.org/presentationml/2006/main" xmlns:c="http://schemas.openxmlformats.org/drawingml/2006/chart" xmlns:dgm="http://schemas.openxmlformats.org/drawingml/2006/diagram" xmlns:o="urn:schemas-microsoft-com:office:office" xmlns:v="urn:schemas-microsoft-com:vml" xmlns:pvml="urn:schemas-microsoft-com:office:powerpoint" xmlns:com="http://schemas.openxmlformats.org/drawingml/2006/compatibility" xmlns:p14="http://schemas.microsoft.com/office/powerpoint/2010/main" xmlns:p15="http://schemas.microsoft.com/office/powerpoint/2012/main" xmlns:ahyp="http://schemas.microsoft.com/office/drawing/2018/hyperlinkcolor" showMasterPhAnim="0" showMasterSp="0">
+<p:notes xmlns:a="http://schemas.openxmlformats.org/drawingml/2006/main" xmlns:r="http://schemas.openxmlformats.org/officeDocument/2006/relationships" xmlns:p="http://schemas.openxmlformats.org/presentationml/2006/main" showMasterSp="0" showMasterPhAnim="0">
   <p:cSld>
     <p:spTree>
       <p:nvGrpSpPr>
-        <p:cNvPr id="203" name="Shape 203"/>
+        <p:cNvPr id="1" name="Shape 203"/>
         <p:cNvGrpSpPr/>
         <p:nvPr/>
       </p:nvGrpSpPr>
@@ -1535,9 +1590,11 @@
       <p:sp>
         <p:nvSpPr>
           <p:cNvPr id="204" name="Google Shape;204;gbd4e3c3393_0_111:notes"/>
-          <p:cNvSpPr/>
+          <p:cNvSpPr>
+            <a:spLocks noGrp="1" noRot="1" noChangeAspect="1"/>
+          </p:cNvSpPr>
           <p:nvPr>
-            <p:ph idx="2" type="sldImg"/>
+            <p:ph type="sldImg" idx="2"/>
           </p:nvPr>
         </p:nvSpPr>
         <p:spPr>
@@ -1546,9 +1603,13 @@
             <a:ext cx="6096000" cy="3429000"/>
           </a:xfrm>
           <a:custGeom>
-            <a:rect b="b" l="l" r="r" t="t"/>
+            <a:avLst/>
+            <a:gdLst/>
+            <a:ahLst/>
+            <a:cxnLst/>
+            <a:rect l="l" t="t" r="r" b="b"/>
             <a:pathLst>
-              <a:path extrusionOk="0" h="120000" w="120000">
+              <a:path w="120000" h="120000" extrusionOk="0">
                 <a:moveTo>
                   <a:pt x="0" y="0"/>
                 </a:moveTo>
@@ -1570,9 +1631,11 @@
       <p:sp>
         <p:nvSpPr>
           <p:cNvPr id="205" name="Google Shape;205;gbd4e3c3393_0_111:notes"/>
-          <p:cNvSpPr txBox="1"/>
+          <p:cNvSpPr txBox="1">
+            <a:spLocks noGrp="1"/>
+          </p:cNvSpPr>
           <p:nvPr>
-            <p:ph idx="1" type="body"/>
+            <p:ph type="body" idx="1"/>
           </p:nvPr>
         </p:nvSpPr>
         <p:spPr>
@@ -1585,23 +1648,20 @@
           </a:prstGeom>
         </p:spPr>
         <p:txBody>
-          <a:bodyPr anchorCtr="0" anchor="t" bIns="91425" lIns="91425" spcFirstLastPara="1" rIns="91425" wrap="square" tIns="91425">
+          <a:bodyPr spcFirstLastPara="1" wrap="square" lIns="91425" tIns="91425" rIns="91425" bIns="91425" anchor="t" anchorCtr="0">
             <a:noAutofit/>
           </a:bodyPr>
           <a:lstStyle/>
           <a:p>
-            <a:pPr indent="0" lvl="0" marL="0" rtl="0" algn="l">
-              <a:spcBef>
-                <a:spcPts val="0"/>
-              </a:spcBef>
-              <a:spcAft>
-                <a:spcPts val="0"/>
-              </a:spcAft>
-              <a:buNone/>
-            </a:pPr>
-            <a:r>
-              <a:t/>
-            </a:r>
+            <a:pPr marL="0" lvl="0" indent="0" algn="l" rtl="0">
+              <a:spcBef>
+                <a:spcPts val="0"/>
+              </a:spcBef>
+              <a:spcAft>
+                <a:spcPts val="0"/>
+              </a:spcAft>
+              <a:buNone/>
+            </a:pPr>
             <a:endParaRPr/>
           </a:p>
         </p:txBody>
@@ -1615,11 +1675,11 @@
 </file>
 
 <file path=ppt/notesSlides/notesSlide18.xml><?xml version="1.0" encoding="utf-8"?>
-<p:notes xmlns:a="http://schemas.openxmlformats.org/drawingml/2006/main" xmlns:r="http://schemas.openxmlformats.org/officeDocument/2006/relationships" xmlns:mc="http://schemas.openxmlformats.org/markup-compatibility/2006" xmlns:mv="urn:schemas-microsoft-com:mac:vml" xmlns:p="http://schemas.openxmlformats.org/presentationml/2006/main" xmlns:c="http://schemas.openxmlformats.org/drawingml/2006/chart" xmlns:dgm="http://schemas.openxmlformats.org/drawingml/2006/diagram" xmlns:o="urn:schemas-microsoft-com:office:office" xmlns:v="urn:schemas-microsoft-com:vml" xmlns:pvml="urn:schemas-microsoft-com:office:powerpoint" xmlns:com="http://schemas.openxmlformats.org/drawingml/2006/compatibility" xmlns:p14="http://schemas.microsoft.com/office/powerpoint/2010/main" xmlns:p15="http://schemas.microsoft.com/office/powerpoint/2012/main" xmlns:ahyp="http://schemas.microsoft.com/office/drawing/2018/hyperlinkcolor" showMasterPhAnim="0" showMasterSp="0">
+<p:notes xmlns:a="http://schemas.openxmlformats.org/drawingml/2006/main" xmlns:r="http://schemas.openxmlformats.org/officeDocument/2006/relationships" xmlns:p="http://schemas.openxmlformats.org/presentationml/2006/main" showMasterSp="0" showMasterPhAnim="0">
   <p:cSld>
     <p:spTree>
       <p:nvGrpSpPr>
-        <p:cNvPr id="210" name="Shape 210"/>
+        <p:cNvPr id="1" name="Shape 210"/>
         <p:cNvGrpSpPr/>
         <p:nvPr/>
       </p:nvGrpSpPr>
@@ -1634,9 +1694,11 @@
       <p:sp>
         <p:nvSpPr>
           <p:cNvPr id="211" name="Google Shape;211;gbd4e3c3393_0_118:notes"/>
-          <p:cNvSpPr/>
+          <p:cNvSpPr>
+            <a:spLocks noGrp="1" noRot="1" noChangeAspect="1"/>
+          </p:cNvSpPr>
           <p:nvPr>
-            <p:ph idx="2" type="sldImg"/>
+            <p:ph type="sldImg" idx="2"/>
           </p:nvPr>
         </p:nvSpPr>
         <p:spPr>
@@ -1645,9 +1707,13 @@
             <a:ext cx="6096000" cy="3429000"/>
           </a:xfrm>
           <a:custGeom>
-            <a:rect b="b" l="l" r="r" t="t"/>
+            <a:avLst/>
+            <a:gdLst/>
+            <a:ahLst/>
+            <a:cxnLst/>
+            <a:rect l="l" t="t" r="r" b="b"/>
             <a:pathLst>
-              <a:path extrusionOk="0" h="120000" w="120000">
+              <a:path w="120000" h="120000" extrusionOk="0">
                 <a:moveTo>
                   <a:pt x="0" y="0"/>
                 </a:moveTo>
@@ -1669,9 +1735,11 @@
       <p:sp>
         <p:nvSpPr>
           <p:cNvPr id="212" name="Google Shape;212;gbd4e3c3393_0_118:notes"/>
-          <p:cNvSpPr txBox="1"/>
+          <p:cNvSpPr txBox="1">
+            <a:spLocks noGrp="1"/>
+          </p:cNvSpPr>
           <p:nvPr>
-            <p:ph idx="1" type="body"/>
+            <p:ph type="body" idx="1"/>
           </p:nvPr>
         </p:nvSpPr>
         <p:spPr>
@@ -1684,23 +1752,20 @@
           </a:prstGeom>
         </p:spPr>
         <p:txBody>
-          <a:bodyPr anchorCtr="0" anchor="t" bIns="91425" lIns="91425" spcFirstLastPara="1" rIns="91425" wrap="square" tIns="91425">
+          <a:bodyPr spcFirstLastPara="1" wrap="square" lIns="91425" tIns="91425" rIns="91425" bIns="91425" anchor="t" anchorCtr="0">
             <a:noAutofit/>
           </a:bodyPr>
           <a:lstStyle/>
           <a:p>
-            <a:pPr indent="0" lvl="0" marL="0" rtl="0" algn="l">
-              <a:spcBef>
-                <a:spcPts val="0"/>
-              </a:spcBef>
-              <a:spcAft>
-                <a:spcPts val="0"/>
-              </a:spcAft>
-              <a:buNone/>
-            </a:pPr>
-            <a:r>
-              <a:t/>
-            </a:r>
+            <a:pPr marL="0" lvl="0" indent="0" algn="l" rtl="0">
+              <a:spcBef>
+                <a:spcPts val="0"/>
+              </a:spcBef>
+              <a:spcAft>
+                <a:spcPts val="0"/>
+              </a:spcAft>
+              <a:buNone/>
+            </a:pPr>
             <a:endParaRPr/>
           </a:p>
         </p:txBody>
@@ -1714,11 +1779,11 @@
 </file>
 
 <file path=ppt/notesSlides/notesSlide19.xml><?xml version="1.0" encoding="utf-8"?>
-<p:notes xmlns:a="http://schemas.openxmlformats.org/drawingml/2006/main" xmlns:r="http://schemas.openxmlformats.org/officeDocument/2006/relationships" xmlns:mc="http://schemas.openxmlformats.org/markup-compatibility/2006" xmlns:mv="urn:schemas-microsoft-com:mac:vml" xmlns:p="http://schemas.openxmlformats.org/presentationml/2006/main" xmlns:c="http://schemas.openxmlformats.org/drawingml/2006/chart" xmlns:dgm="http://schemas.openxmlformats.org/drawingml/2006/diagram" xmlns:o="urn:schemas-microsoft-com:office:office" xmlns:v="urn:schemas-microsoft-com:vml" xmlns:pvml="urn:schemas-microsoft-com:office:powerpoint" xmlns:com="http://schemas.openxmlformats.org/drawingml/2006/compatibility" xmlns:p14="http://schemas.microsoft.com/office/powerpoint/2010/main" xmlns:p15="http://schemas.microsoft.com/office/powerpoint/2012/main" xmlns:ahyp="http://schemas.microsoft.com/office/drawing/2018/hyperlinkcolor" showMasterPhAnim="0" showMasterSp="0">
+<p:notes xmlns:a="http://schemas.openxmlformats.org/drawingml/2006/main" xmlns:r="http://schemas.openxmlformats.org/officeDocument/2006/relationships" xmlns:p="http://schemas.openxmlformats.org/presentationml/2006/main" showMasterSp="0" showMasterPhAnim="0">
   <p:cSld>
     <p:spTree>
       <p:nvGrpSpPr>
-        <p:cNvPr id="218" name="Shape 218"/>
+        <p:cNvPr id="1" name="Shape 218"/>
         <p:cNvGrpSpPr/>
         <p:nvPr/>
       </p:nvGrpSpPr>
@@ -1733,9 +1798,11 @@
       <p:sp>
         <p:nvSpPr>
           <p:cNvPr id="219" name="Google Shape;219;gbd4e3c3393_0_127:notes"/>
-          <p:cNvSpPr/>
+          <p:cNvSpPr>
+            <a:spLocks noGrp="1" noRot="1" noChangeAspect="1"/>
+          </p:cNvSpPr>
           <p:nvPr>
-            <p:ph idx="2" type="sldImg"/>
+            <p:ph type="sldImg" idx="2"/>
           </p:nvPr>
         </p:nvSpPr>
         <p:spPr>
@@ -1744,9 +1811,13 @@
             <a:ext cx="6096000" cy="3429000"/>
           </a:xfrm>
           <a:custGeom>
-            <a:rect b="b" l="l" r="r" t="t"/>
+            <a:avLst/>
+            <a:gdLst/>
+            <a:ahLst/>
+            <a:cxnLst/>
+            <a:rect l="l" t="t" r="r" b="b"/>
             <a:pathLst>
-              <a:path extrusionOk="0" h="120000" w="120000">
+              <a:path w="120000" h="120000" extrusionOk="0">
                 <a:moveTo>
                   <a:pt x="0" y="0"/>
                 </a:moveTo>
@@ -1768,9 +1839,11 @@
       <p:sp>
         <p:nvSpPr>
           <p:cNvPr id="220" name="Google Shape;220;gbd4e3c3393_0_127:notes"/>
-          <p:cNvSpPr txBox="1"/>
+          <p:cNvSpPr txBox="1">
+            <a:spLocks noGrp="1"/>
+          </p:cNvSpPr>
           <p:nvPr>
-            <p:ph idx="1" type="body"/>
+            <p:ph type="body" idx="1"/>
           </p:nvPr>
         </p:nvSpPr>
         <p:spPr>
@@ -1783,23 +1856,20 @@
           </a:prstGeom>
         </p:spPr>
         <p:txBody>
-          <a:bodyPr anchorCtr="0" anchor="t" bIns="91425" lIns="91425" spcFirstLastPara="1" rIns="91425" wrap="square" tIns="91425">
+          <a:bodyPr spcFirstLastPara="1" wrap="square" lIns="91425" tIns="91425" rIns="91425" bIns="91425" anchor="t" anchorCtr="0">
             <a:noAutofit/>
           </a:bodyPr>
           <a:lstStyle/>
           <a:p>
-            <a:pPr indent="0" lvl="0" marL="0" rtl="0" algn="l">
-              <a:spcBef>
-                <a:spcPts val="0"/>
-              </a:spcBef>
-              <a:spcAft>
-                <a:spcPts val="0"/>
-              </a:spcAft>
-              <a:buNone/>
-            </a:pPr>
-            <a:r>
-              <a:t/>
-            </a:r>
+            <a:pPr marL="0" lvl="0" indent="0" algn="l" rtl="0">
+              <a:spcBef>
+                <a:spcPts val="0"/>
+              </a:spcBef>
+              <a:spcAft>
+                <a:spcPts val="0"/>
+              </a:spcAft>
+              <a:buNone/>
+            </a:pPr>
             <a:endParaRPr/>
           </a:p>
         </p:txBody>
@@ -1813,11 +1883,11 @@
 </file>
 
 <file path=ppt/notesSlides/notesSlide2.xml><?xml version="1.0" encoding="utf-8"?>
-<p:notes xmlns:a="http://schemas.openxmlformats.org/drawingml/2006/main" xmlns:r="http://schemas.openxmlformats.org/officeDocument/2006/relationships" xmlns:mc="http://schemas.openxmlformats.org/markup-compatibility/2006" xmlns:mv="urn:schemas-microsoft-com:mac:vml" xmlns:p="http://schemas.openxmlformats.org/presentationml/2006/main" xmlns:c="http://schemas.openxmlformats.org/drawingml/2006/chart" xmlns:dgm="http://schemas.openxmlformats.org/drawingml/2006/diagram" xmlns:o="urn:schemas-microsoft-com:office:office" xmlns:v="urn:schemas-microsoft-com:vml" xmlns:pvml="urn:schemas-microsoft-com:office:powerpoint" xmlns:com="http://schemas.openxmlformats.org/drawingml/2006/compatibility" xmlns:p14="http://schemas.microsoft.com/office/powerpoint/2010/main" xmlns:p15="http://schemas.microsoft.com/office/powerpoint/2012/main" xmlns:ahyp="http://schemas.microsoft.com/office/drawing/2018/hyperlinkcolor" showMasterPhAnim="0" showMasterSp="0">
+<p:notes xmlns:a="http://schemas.openxmlformats.org/drawingml/2006/main" xmlns:r="http://schemas.openxmlformats.org/officeDocument/2006/relationships" xmlns:p="http://schemas.openxmlformats.org/presentationml/2006/main" showMasterSp="0" showMasterPhAnim="0">
   <p:cSld>
     <p:spTree>
       <p:nvGrpSpPr>
-        <p:cNvPr id="68" name="Shape 68"/>
+        <p:cNvPr id="1" name="Shape 68"/>
         <p:cNvGrpSpPr/>
         <p:nvPr/>
       </p:nvGrpSpPr>
@@ -1832,9 +1902,11 @@
       <p:sp>
         <p:nvSpPr>
           <p:cNvPr id="69" name="Google Shape;69;gbd4145eecd_0_372:notes"/>
-          <p:cNvSpPr/>
+          <p:cNvSpPr>
+            <a:spLocks noGrp="1" noRot="1" noChangeAspect="1"/>
+          </p:cNvSpPr>
           <p:nvPr>
-            <p:ph idx="2" type="sldImg"/>
+            <p:ph type="sldImg" idx="2"/>
           </p:nvPr>
         </p:nvSpPr>
         <p:spPr>
@@ -1843,9 +1915,13 @@
             <a:ext cx="6096000" cy="3429000"/>
           </a:xfrm>
           <a:custGeom>
-            <a:rect b="b" l="l" r="r" t="t"/>
+            <a:avLst/>
+            <a:gdLst/>
+            <a:ahLst/>
+            <a:cxnLst/>
+            <a:rect l="l" t="t" r="r" b="b"/>
             <a:pathLst>
-              <a:path extrusionOk="0" h="120000" w="120000">
+              <a:path w="120000" h="120000" extrusionOk="0">
                 <a:moveTo>
                   <a:pt x="0" y="0"/>
                 </a:moveTo>
@@ -1867,9 +1943,11 @@
       <p:sp>
         <p:nvSpPr>
           <p:cNvPr id="70" name="Google Shape;70;gbd4145eecd_0_372:notes"/>
-          <p:cNvSpPr txBox="1"/>
+          <p:cNvSpPr txBox="1">
+            <a:spLocks noGrp="1"/>
+          </p:cNvSpPr>
           <p:nvPr>
-            <p:ph idx="1" type="body"/>
+            <p:ph type="body" idx="1"/>
           </p:nvPr>
         </p:nvSpPr>
         <p:spPr>
@@ -1882,23 +1960,20 @@
           </a:prstGeom>
         </p:spPr>
         <p:txBody>
-          <a:bodyPr anchorCtr="0" anchor="t" bIns="91425" lIns="91425" spcFirstLastPara="1" rIns="91425" wrap="square" tIns="91425">
+          <a:bodyPr spcFirstLastPara="1" wrap="square" lIns="91425" tIns="91425" rIns="91425" bIns="91425" anchor="t" anchorCtr="0">
             <a:noAutofit/>
           </a:bodyPr>
           <a:lstStyle/>
           <a:p>
-            <a:pPr indent="0" lvl="0" marL="0" rtl="0" algn="l">
-              <a:spcBef>
-                <a:spcPts val="0"/>
-              </a:spcBef>
-              <a:spcAft>
-                <a:spcPts val="0"/>
-              </a:spcAft>
-              <a:buNone/>
-            </a:pPr>
-            <a:r>
-              <a:t/>
-            </a:r>
+            <a:pPr marL="0" lvl="0" indent="0" algn="l" rtl="0">
+              <a:spcBef>
+                <a:spcPts val="0"/>
+              </a:spcBef>
+              <a:spcAft>
+                <a:spcPts val="0"/>
+              </a:spcAft>
+              <a:buNone/>
+            </a:pPr>
             <a:endParaRPr/>
           </a:p>
         </p:txBody>
@@ -1912,11 +1987,11 @@
 </file>
 
 <file path=ppt/notesSlides/notesSlide20.xml><?xml version="1.0" encoding="utf-8"?>
-<p:notes xmlns:a="http://schemas.openxmlformats.org/drawingml/2006/main" xmlns:r="http://schemas.openxmlformats.org/officeDocument/2006/relationships" xmlns:mc="http://schemas.openxmlformats.org/markup-compatibility/2006" xmlns:mv="urn:schemas-microsoft-com:mac:vml" xmlns:p="http://schemas.openxmlformats.org/presentationml/2006/main" xmlns:c="http://schemas.openxmlformats.org/drawingml/2006/chart" xmlns:dgm="http://schemas.openxmlformats.org/drawingml/2006/diagram" xmlns:o="urn:schemas-microsoft-com:office:office" xmlns:v="urn:schemas-microsoft-com:vml" xmlns:pvml="urn:schemas-microsoft-com:office:powerpoint" xmlns:com="http://schemas.openxmlformats.org/drawingml/2006/compatibility" xmlns:p14="http://schemas.microsoft.com/office/powerpoint/2010/main" xmlns:p15="http://schemas.microsoft.com/office/powerpoint/2012/main" xmlns:ahyp="http://schemas.microsoft.com/office/drawing/2018/hyperlinkcolor" showMasterPhAnim="0" showMasterSp="0">
+<p:notes xmlns:a="http://schemas.openxmlformats.org/drawingml/2006/main" xmlns:r="http://schemas.openxmlformats.org/officeDocument/2006/relationships" xmlns:p="http://schemas.openxmlformats.org/presentationml/2006/main" showMasterSp="0" showMasterPhAnim="0">
   <p:cSld>
     <p:spTree>
       <p:nvGrpSpPr>
-        <p:cNvPr id="226" name="Shape 226"/>
+        <p:cNvPr id="1" name="Shape 226"/>
         <p:cNvGrpSpPr/>
         <p:nvPr/>
       </p:nvGrpSpPr>
@@ -1931,9 +2006,11 @@
       <p:sp>
         <p:nvSpPr>
           <p:cNvPr id="227" name="Google Shape;227;gbd4e3c3393_0_135:notes"/>
-          <p:cNvSpPr/>
+          <p:cNvSpPr>
+            <a:spLocks noGrp="1" noRot="1" noChangeAspect="1"/>
+          </p:cNvSpPr>
           <p:nvPr>
-            <p:ph idx="2" type="sldImg"/>
+            <p:ph type="sldImg" idx="2"/>
           </p:nvPr>
         </p:nvSpPr>
         <p:spPr>
@@ -1942,9 +2019,13 @@
             <a:ext cx="6096000" cy="3429000"/>
           </a:xfrm>
           <a:custGeom>
-            <a:rect b="b" l="l" r="r" t="t"/>
+            <a:avLst/>
+            <a:gdLst/>
+            <a:ahLst/>
+            <a:cxnLst/>
+            <a:rect l="l" t="t" r="r" b="b"/>
             <a:pathLst>
-              <a:path extrusionOk="0" h="120000" w="120000">
+              <a:path w="120000" h="120000" extrusionOk="0">
                 <a:moveTo>
                   <a:pt x="0" y="0"/>
                 </a:moveTo>
@@ -1966,9 +2047,11 @@
       <p:sp>
         <p:nvSpPr>
           <p:cNvPr id="228" name="Google Shape;228;gbd4e3c3393_0_135:notes"/>
-          <p:cNvSpPr txBox="1"/>
+          <p:cNvSpPr txBox="1">
+            <a:spLocks noGrp="1"/>
+          </p:cNvSpPr>
           <p:nvPr>
-            <p:ph idx="1" type="body"/>
+            <p:ph type="body" idx="1"/>
           </p:nvPr>
         </p:nvSpPr>
         <p:spPr>
@@ -1981,23 +2064,20 @@
           </a:prstGeom>
         </p:spPr>
         <p:txBody>
-          <a:bodyPr anchorCtr="0" anchor="t" bIns="91425" lIns="91425" spcFirstLastPara="1" rIns="91425" wrap="square" tIns="91425">
+          <a:bodyPr spcFirstLastPara="1" wrap="square" lIns="91425" tIns="91425" rIns="91425" bIns="91425" anchor="t" anchorCtr="0">
             <a:noAutofit/>
           </a:bodyPr>
           <a:lstStyle/>
           <a:p>
-            <a:pPr indent="0" lvl="0" marL="0" rtl="0" algn="l">
-              <a:spcBef>
-                <a:spcPts val="0"/>
-              </a:spcBef>
-              <a:spcAft>
-                <a:spcPts val="0"/>
-              </a:spcAft>
-              <a:buNone/>
-            </a:pPr>
-            <a:r>
-              <a:t/>
-            </a:r>
+            <a:pPr marL="0" lvl="0" indent="0" algn="l" rtl="0">
+              <a:spcBef>
+                <a:spcPts val="0"/>
+              </a:spcBef>
+              <a:spcAft>
+                <a:spcPts val="0"/>
+              </a:spcAft>
+              <a:buNone/>
+            </a:pPr>
             <a:endParaRPr/>
           </a:p>
         </p:txBody>
@@ -2011,11 +2091,11 @@
 </file>
 
 <file path=ppt/notesSlides/notesSlide21.xml><?xml version="1.0" encoding="utf-8"?>
-<p:notes xmlns:a="http://schemas.openxmlformats.org/drawingml/2006/main" xmlns:r="http://schemas.openxmlformats.org/officeDocument/2006/relationships" xmlns:mc="http://schemas.openxmlformats.org/markup-compatibility/2006" xmlns:mv="urn:schemas-microsoft-com:mac:vml" xmlns:p="http://schemas.openxmlformats.org/presentationml/2006/main" xmlns:c="http://schemas.openxmlformats.org/drawingml/2006/chart" xmlns:dgm="http://schemas.openxmlformats.org/drawingml/2006/diagram" xmlns:o="urn:schemas-microsoft-com:office:office" xmlns:v="urn:schemas-microsoft-com:vml" xmlns:pvml="urn:schemas-microsoft-com:office:powerpoint" xmlns:com="http://schemas.openxmlformats.org/drawingml/2006/compatibility" xmlns:p14="http://schemas.microsoft.com/office/powerpoint/2010/main" xmlns:p15="http://schemas.microsoft.com/office/powerpoint/2012/main" xmlns:ahyp="http://schemas.microsoft.com/office/drawing/2018/hyperlinkcolor" showMasterPhAnim="0" showMasterSp="0">
+<p:notes xmlns:a="http://schemas.openxmlformats.org/drawingml/2006/main" xmlns:r="http://schemas.openxmlformats.org/officeDocument/2006/relationships" xmlns:p="http://schemas.openxmlformats.org/presentationml/2006/main" showMasterSp="0" showMasterPhAnim="0">
   <p:cSld>
     <p:spTree>
       <p:nvGrpSpPr>
-        <p:cNvPr id="233" name="Shape 233"/>
+        <p:cNvPr id="1" name="Shape 233"/>
         <p:cNvGrpSpPr/>
         <p:nvPr/>
       </p:nvGrpSpPr>
@@ -2030,9 +2110,11 @@
       <p:sp>
         <p:nvSpPr>
           <p:cNvPr id="234" name="Google Shape;234;g79a09d0157_0_43:notes"/>
-          <p:cNvSpPr/>
+          <p:cNvSpPr>
+            <a:spLocks noGrp="1" noRot="1" noChangeAspect="1"/>
+          </p:cNvSpPr>
           <p:nvPr>
-            <p:ph idx="2" type="sldImg"/>
+            <p:ph type="sldImg" idx="2"/>
           </p:nvPr>
         </p:nvSpPr>
         <p:spPr>
@@ -2041,9 +2123,13 @@
             <a:ext cx="6096000" cy="3429000"/>
           </a:xfrm>
           <a:custGeom>
-            <a:rect b="b" l="l" r="r" t="t"/>
+            <a:avLst/>
+            <a:gdLst/>
+            <a:ahLst/>
+            <a:cxnLst/>
+            <a:rect l="l" t="t" r="r" b="b"/>
             <a:pathLst>
-              <a:path extrusionOk="0" h="120000" w="120000">
+              <a:path w="120000" h="120000" extrusionOk="0">
                 <a:moveTo>
                   <a:pt x="0" y="0"/>
                 </a:moveTo>
@@ -2065,9 +2151,11 @@
       <p:sp>
         <p:nvSpPr>
           <p:cNvPr id="235" name="Google Shape;235;g79a09d0157_0_43:notes"/>
-          <p:cNvSpPr txBox="1"/>
+          <p:cNvSpPr txBox="1">
+            <a:spLocks noGrp="1"/>
+          </p:cNvSpPr>
           <p:nvPr>
-            <p:ph idx="1" type="body"/>
+            <p:ph type="body" idx="1"/>
           </p:nvPr>
         </p:nvSpPr>
         <p:spPr>
@@ -2080,23 +2168,20 @@
           </a:prstGeom>
         </p:spPr>
         <p:txBody>
-          <a:bodyPr anchorCtr="0" anchor="t" bIns="91425" lIns="91425" spcFirstLastPara="1" rIns="91425" wrap="square" tIns="91425">
+          <a:bodyPr spcFirstLastPara="1" wrap="square" lIns="91425" tIns="91425" rIns="91425" bIns="91425" anchor="t" anchorCtr="0">
             <a:noAutofit/>
           </a:bodyPr>
           <a:lstStyle/>
           <a:p>
-            <a:pPr indent="0" lvl="0" marL="0" rtl="0" algn="l">
-              <a:spcBef>
-                <a:spcPts val="0"/>
-              </a:spcBef>
-              <a:spcAft>
-                <a:spcPts val="0"/>
-              </a:spcAft>
-              <a:buNone/>
-            </a:pPr>
-            <a:r>
-              <a:t/>
-            </a:r>
+            <a:pPr marL="0" lvl="0" indent="0" algn="l" rtl="0">
+              <a:spcBef>
+                <a:spcPts val="0"/>
+              </a:spcBef>
+              <a:spcAft>
+                <a:spcPts val="0"/>
+              </a:spcAft>
+              <a:buNone/>
+            </a:pPr>
             <a:endParaRPr/>
           </a:p>
         </p:txBody>
@@ -2110,11 +2195,11 @@
 </file>
 
 <file path=ppt/notesSlides/notesSlide22.xml><?xml version="1.0" encoding="utf-8"?>
-<p:notes xmlns:a="http://schemas.openxmlformats.org/drawingml/2006/main" xmlns:r="http://schemas.openxmlformats.org/officeDocument/2006/relationships" xmlns:mc="http://schemas.openxmlformats.org/markup-compatibility/2006" xmlns:mv="urn:schemas-microsoft-com:mac:vml" xmlns:p="http://schemas.openxmlformats.org/presentationml/2006/main" xmlns:c="http://schemas.openxmlformats.org/drawingml/2006/chart" xmlns:dgm="http://schemas.openxmlformats.org/drawingml/2006/diagram" xmlns:o="urn:schemas-microsoft-com:office:office" xmlns:v="urn:schemas-microsoft-com:vml" xmlns:pvml="urn:schemas-microsoft-com:office:powerpoint" xmlns:com="http://schemas.openxmlformats.org/drawingml/2006/compatibility" xmlns:p14="http://schemas.microsoft.com/office/powerpoint/2010/main" xmlns:p15="http://schemas.microsoft.com/office/powerpoint/2012/main" xmlns:ahyp="http://schemas.microsoft.com/office/drawing/2018/hyperlinkcolor" showMasterPhAnim="0" showMasterSp="0">
+<p:notes xmlns:a="http://schemas.openxmlformats.org/drawingml/2006/main" xmlns:r="http://schemas.openxmlformats.org/officeDocument/2006/relationships" xmlns:p="http://schemas.openxmlformats.org/presentationml/2006/main" showMasterSp="0" showMasterPhAnim="0">
   <p:cSld>
     <p:spTree>
       <p:nvGrpSpPr>
-        <p:cNvPr id="247" name="Shape 247"/>
+        <p:cNvPr id="1" name="Shape 247"/>
         <p:cNvGrpSpPr/>
         <p:nvPr/>
       </p:nvGrpSpPr>
@@ -2129,9 +2214,11 @@
       <p:sp>
         <p:nvSpPr>
           <p:cNvPr id="248" name="Google Shape;248;gbd4e3c3393_0_143:notes"/>
-          <p:cNvSpPr/>
+          <p:cNvSpPr>
+            <a:spLocks noGrp="1" noRot="1" noChangeAspect="1"/>
+          </p:cNvSpPr>
           <p:nvPr>
-            <p:ph idx="2" type="sldImg"/>
+            <p:ph type="sldImg" idx="2"/>
           </p:nvPr>
         </p:nvSpPr>
         <p:spPr>
@@ -2140,9 +2227,13 @@
             <a:ext cx="6096000" cy="3429000"/>
           </a:xfrm>
           <a:custGeom>
-            <a:rect b="b" l="l" r="r" t="t"/>
+            <a:avLst/>
+            <a:gdLst/>
+            <a:ahLst/>
+            <a:cxnLst/>
+            <a:rect l="l" t="t" r="r" b="b"/>
             <a:pathLst>
-              <a:path extrusionOk="0" h="120000" w="120000">
+              <a:path w="120000" h="120000" extrusionOk="0">
                 <a:moveTo>
                   <a:pt x="0" y="0"/>
                 </a:moveTo>
@@ -2164,9 +2255,11 @@
       <p:sp>
         <p:nvSpPr>
           <p:cNvPr id="249" name="Google Shape;249;gbd4e3c3393_0_143:notes"/>
-          <p:cNvSpPr txBox="1"/>
+          <p:cNvSpPr txBox="1">
+            <a:spLocks noGrp="1"/>
+          </p:cNvSpPr>
           <p:nvPr>
-            <p:ph idx="1" type="body"/>
+            <p:ph type="body" idx="1"/>
           </p:nvPr>
         </p:nvSpPr>
         <p:spPr>
@@ -2179,23 +2272,20 @@
           </a:prstGeom>
         </p:spPr>
         <p:txBody>
-          <a:bodyPr anchorCtr="0" anchor="t" bIns="91425" lIns="91425" spcFirstLastPara="1" rIns="91425" wrap="square" tIns="91425">
+          <a:bodyPr spcFirstLastPara="1" wrap="square" lIns="91425" tIns="91425" rIns="91425" bIns="91425" anchor="t" anchorCtr="0">
             <a:noAutofit/>
           </a:bodyPr>
           <a:lstStyle/>
           <a:p>
-            <a:pPr indent="0" lvl="0" marL="0" rtl="0" algn="l">
-              <a:spcBef>
-                <a:spcPts val="0"/>
-              </a:spcBef>
-              <a:spcAft>
-                <a:spcPts val="0"/>
-              </a:spcAft>
-              <a:buNone/>
-            </a:pPr>
-            <a:r>
-              <a:t/>
-            </a:r>
+            <a:pPr marL="0" lvl="0" indent="0" algn="l" rtl="0">
+              <a:spcBef>
+                <a:spcPts val="0"/>
+              </a:spcBef>
+              <a:spcAft>
+                <a:spcPts val="0"/>
+              </a:spcAft>
+              <a:buNone/>
+            </a:pPr>
             <a:endParaRPr/>
           </a:p>
         </p:txBody>
@@ -2209,11 +2299,11 @@
 </file>
 
 <file path=ppt/notesSlides/notesSlide23.xml><?xml version="1.0" encoding="utf-8"?>
-<p:notes xmlns:a="http://schemas.openxmlformats.org/drawingml/2006/main" xmlns:r="http://schemas.openxmlformats.org/officeDocument/2006/relationships" xmlns:mc="http://schemas.openxmlformats.org/markup-compatibility/2006" xmlns:mv="urn:schemas-microsoft-com:mac:vml" xmlns:p="http://schemas.openxmlformats.org/presentationml/2006/main" xmlns:c="http://schemas.openxmlformats.org/drawingml/2006/chart" xmlns:dgm="http://schemas.openxmlformats.org/drawingml/2006/diagram" xmlns:o="urn:schemas-microsoft-com:office:office" xmlns:v="urn:schemas-microsoft-com:vml" xmlns:pvml="urn:schemas-microsoft-com:office:powerpoint" xmlns:com="http://schemas.openxmlformats.org/drawingml/2006/compatibility" xmlns:p14="http://schemas.microsoft.com/office/powerpoint/2010/main" xmlns:p15="http://schemas.microsoft.com/office/powerpoint/2012/main" xmlns:ahyp="http://schemas.microsoft.com/office/drawing/2018/hyperlinkcolor" showMasterPhAnim="0" showMasterSp="0">
+<p:notes xmlns:a="http://schemas.openxmlformats.org/drawingml/2006/main" xmlns:r="http://schemas.openxmlformats.org/officeDocument/2006/relationships" xmlns:p="http://schemas.openxmlformats.org/presentationml/2006/main" showMasterSp="0" showMasterPhAnim="0">
   <p:cSld>
     <p:spTree>
       <p:nvGrpSpPr>
-        <p:cNvPr id="253" name="Shape 253"/>
+        <p:cNvPr id="1" name="Shape 253"/>
         <p:cNvGrpSpPr/>
         <p:nvPr/>
       </p:nvGrpSpPr>
@@ -2228,9 +2318,11 @@
       <p:sp>
         <p:nvSpPr>
           <p:cNvPr id="254" name="Google Shape;254;gbd4e3c3393_0_148:notes"/>
-          <p:cNvSpPr/>
+          <p:cNvSpPr>
+            <a:spLocks noGrp="1" noRot="1" noChangeAspect="1"/>
+          </p:cNvSpPr>
           <p:nvPr>
-            <p:ph idx="2" type="sldImg"/>
+            <p:ph type="sldImg" idx="2"/>
           </p:nvPr>
         </p:nvSpPr>
         <p:spPr>
@@ -2239,9 +2331,13 @@
             <a:ext cx="6096000" cy="3429000"/>
           </a:xfrm>
           <a:custGeom>
-            <a:rect b="b" l="l" r="r" t="t"/>
+            <a:avLst/>
+            <a:gdLst/>
+            <a:ahLst/>
+            <a:cxnLst/>
+            <a:rect l="l" t="t" r="r" b="b"/>
             <a:pathLst>
-              <a:path extrusionOk="0" h="120000" w="120000">
+              <a:path w="120000" h="120000" extrusionOk="0">
                 <a:moveTo>
                   <a:pt x="0" y="0"/>
                 </a:moveTo>
@@ -2263,9 +2359,11 @@
       <p:sp>
         <p:nvSpPr>
           <p:cNvPr id="255" name="Google Shape;255;gbd4e3c3393_0_148:notes"/>
-          <p:cNvSpPr txBox="1"/>
+          <p:cNvSpPr txBox="1">
+            <a:spLocks noGrp="1"/>
+          </p:cNvSpPr>
           <p:nvPr>
-            <p:ph idx="1" type="body"/>
+            <p:ph type="body" idx="1"/>
           </p:nvPr>
         </p:nvSpPr>
         <p:spPr>
@@ -2278,23 +2376,20 @@
           </a:prstGeom>
         </p:spPr>
         <p:txBody>
-          <a:bodyPr anchorCtr="0" anchor="t" bIns="91425" lIns="91425" spcFirstLastPara="1" rIns="91425" wrap="square" tIns="91425">
+          <a:bodyPr spcFirstLastPara="1" wrap="square" lIns="91425" tIns="91425" rIns="91425" bIns="91425" anchor="t" anchorCtr="0">
             <a:noAutofit/>
           </a:bodyPr>
           <a:lstStyle/>
           <a:p>
-            <a:pPr indent="0" lvl="0" marL="0" rtl="0" algn="l">
-              <a:spcBef>
-                <a:spcPts val="0"/>
-              </a:spcBef>
-              <a:spcAft>
-                <a:spcPts val="0"/>
-              </a:spcAft>
-              <a:buNone/>
-            </a:pPr>
-            <a:r>
-              <a:t/>
-            </a:r>
+            <a:pPr marL="0" lvl="0" indent="0" algn="l" rtl="0">
+              <a:spcBef>
+                <a:spcPts val="0"/>
+              </a:spcBef>
+              <a:spcAft>
+                <a:spcPts val="0"/>
+              </a:spcAft>
+              <a:buNone/>
+            </a:pPr>
             <a:endParaRPr/>
           </a:p>
         </p:txBody>
@@ -2308,11 +2403,11 @@
 </file>
 
 <file path=ppt/notesSlides/notesSlide24.xml><?xml version="1.0" encoding="utf-8"?>
-<p:notes xmlns:a="http://schemas.openxmlformats.org/drawingml/2006/main" xmlns:r="http://schemas.openxmlformats.org/officeDocument/2006/relationships" xmlns:mc="http://schemas.openxmlformats.org/markup-compatibility/2006" xmlns:mv="urn:schemas-microsoft-com:mac:vml" xmlns:p="http://schemas.openxmlformats.org/presentationml/2006/main" xmlns:c="http://schemas.openxmlformats.org/drawingml/2006/chart" xmlns:dgm="http://schemas.openxmlformats.org/drawingml/2006/diagram" xmlns:o="urn:schemas-microsoft-com:office:office" xmlns:v="urn:schemas-microsoft-com:vml" xmlns:pvml="urn:schemas-microsoft-com:office:powerpoint" xmlns:com="http://schemas.openxmlformats.org/drawingml/2006/compatibility" xmlns:p14="http://schemas.microsoft.com/office/powerpoint/2010/main" xmlns:p15="http://schemas.microsoft.com/office/powerpoint/2012/main" xmlns:ahyp="http://schemas.microsoft.com/office/drawing/2018/hyperlinkcolor" showMasterPhAnim="0" showMasterSp="0">
+<p:notes xmlns:a="http://schemas.openxmlformats.org/drawingml/2006/main" xmlns:r="http://schemas.openxmlformats.org/officeDocument/2006/relationships" xmlns:p="http://schemas.openxmlformats.org/presentationml/2006/main" showMasterSp="0" showMasterPhAnim="0">
   <p:cSld>
     <p:spTree>
       <p:nvGrpSpPr>
-        <p:cNvPr id="259" name="Shape 259"/>
+        <p:cNvPr id="1" name="Shape 259"/>
         <p:cNvGrpSpPr/>
         <p:nvPr/>
       </p:nvGrpSpPr>
@@ -2327,9 +2422,11 @@
       <p:sp>
         <p:nvSpPr>
           <p:cNvPr id="260" name="Google Shape;260;gbd4e3c3393_0_158:notes"/>
-          <p:cNvSpPr/>
+          <p:cNvSpPr>
+            <a:spLocks noGrp="1" noRot="1" noChangeAspect="1"/>
+          </p:cNvSpPr>
           <p:nvPr>
-            <p:ph idx="2" type="sldImg"/>
+            <p:ph type="sldImg" idx="2"/>
           </p:nvPr>
         </p:nvSpPr>
         <p:spPr>
@@ -2338,9 +2435,13 @@
             <a:ext cx="6096000" cy="3429000"/>
           </a:xfrm>
           <a:custGeom>
-            <a:rect b="b" l="l" r="r" t="t"/>
+            <a:avLst/>
+            <a:gdLst/>
+            <a:ahLst/>
+            <a:cxnLst/>
+            <a:rect l="l" t="t" r="r" b="b"/>
             <a:pathLst>
-              <a:path extrusionOk="0" h="120000" w="120000">
+              <a:path w="120000" h="120000" extrusionOk="0">
                 <a:moveTo>
                   <a:pt x="0" y="0"/>
                 </a:moveTo>
@@ -2362,9 +2463,11 @@
       <p:sp>
         <p:nvSpPr>
           <p:cNvPr id="261" name="Google Shape;261;gbd4e3c3393_0_158:notes"/>
-          <p:cNvSpPr txBox="1"/>
+          <p:cNvSpPr txBox="1">
+            <a:spLocks noGrp="1"/>
+          </p:cNvSpPr>
           <p:nvPr>
-            <p:ph idx="1" type="body"/>
+            <p:ph type="body" idx="1"/>
           </p:nvPr>
         </p:nvSpPr>
         <p:spPr>
@@ -2377,23 +2480,20 @@
           </a:prstGeom>
         </p:spPr>
         <p:txBody>
-          <a:bodyPr anchorCtr="0" anchor="t" bIns="91425" lIns="91425" spcFirstLastPara="1" rIns="91425" wrap="square" tIns="91425">
+          <a:bodyPr spcFirstLastPara="1" wrap="square" lIns="91425" tIns="91425" rIns="91425" bIns="91425" anchor="t" anchorCtr="0">
             <a:noAutofit/>
           </a:bodyPr>
           <a:lstStyle/>
           <a:p>
-            <a:pPr indent="0" lvl="0" marL="0" rtl="0" algn="l">
-              <a:spcBef>
-                <a:spcPts val="0"/>
-              </a:spcBef>
-              <a:spcAft>
-                <a:spcPts val="0"/>
-              </a:spcAft>
-              <a:buNone/>
-            </a:pPr>
-            <a:r>
-              <a:t/>
-            </a:r>
+            <a:pPr marL="0" lvl="0" indent="0" algn="l" rtl="0">
+              <a:spcBef>
+                <a:spcPts val="0"/>
+              </a:spcBef>
+              <a:spcAft>
+                <a:spcPts val="0"/>
+              </a:spcAft>
+              <a:buNone/>
+            </a:pPr>
             <a:endParaRPr/>
           </a:p>
         </p:txBody>
@@ -2407,11 +2507,11 @@
 </file>
 
 <file path=ppt/notesSlides/notesSlide3.xml><?xml version="1.0" encoding="utf-8"?>
-<p:notes xmlns:a="http://schemas.openxmlformats.org/drawingml/2006/main" xmlns:r="http://schemas.openxmlformats.org/officeDocument/2006/relationships" xmlns:mc="http://schemas.openxmlformats.org/markup-compatibility/2006" xmlns:mv="urn:schemas-microsoft-com:mac:vml" xmlns:p="http://schemas.openxmlformats.org/presentationml/2006/main" xmlns:c="http://schemas.openxmlformats.org/drawingml/2006/chart" xmlns:dgm="http://schemas.openxmlformats.org/drawingml/2006/diagram" xmlns:o="urn:schemas-microsoft-com:office:office" xmlns:v="urn:schemas-microsoft-com:vml" xmlns:pvml="urn:schemas-microsoft-com:office:powerpoint" xmlns:com="http://schemas.openxmlformats.org/drawingml/2006/compatibility" xmlns:p14="http://schemas.microsoft.com/office/powerpoint/2010/main" xmlns:p15="http://schemas.microsoft.com/office/powerpoint/2012/main" xmlns:ahyp="http://schemas.microsoft.com/office/drawing/2018/hyperlinkcolor" showMasterPhAnim="0" showMasterSp="0">
+<p:notes xmlns:a="http://schemas.openxmlformats.org/drawingml/2006/main" xmlns:r="http://schemas.openxmlformats.org/officeDocument/2006/relationships" xmlns:p="http://schemas.openxmlformats.org/presentationml/2006/main" showMasterSp="0" showMasterPhAnim="0">
   <p:cSld>
     <p:spTree>
       <p:nvGrpSpPr>
-        <p:cNvPr id="74" name="Shape 74"/>
+        <p:cNvPr id="1" name="Shape 74"/>
         <p:cNvGrpSpPr/>
         <p:nvPr/>
       </p:nvGrpSpPr>
@@ -2426,9 +2526,11 @@
       <p:sp>
         <p:nvSpPr>
           <p:cNvPr id="75" name="Google Shape;75;gbd4e3c3393_0_153:notes"/>
-          <p:cNvSpPr/>
+          <p:cNvSpPr>
+            <a:spLocks noGrp="1" noRot="1" noChangeAspect="1"/>
+          </p:cNvSpPr>
           <p:nvPr>
-            <p:ph idx="2" type="sldImg"/>
+            <p:ph type="sldImg" idx="2"/>
           </p:nvPr>
         </p:nvSpPr>
         <p:spPr>
@@ -2437,9 +2539,13 @@
             <a:ext cx="6096000" cy="3429000"/>
           </a:xfrm>
           <a:custGeom>
-            <a:rect b="b" l="l" r="r" t="t"/>
+            <a:avLst/>
+            <a:gdLst/>
+            <a:ahLst/>
+            <a:cxnLst/>
+            <a:rect l="l" t="t" r="r" b="b"/>
             <a:pathLst>
-              <a:path extrusionOk="0" h="120000" w="120000">
+              <a:path w="120000" h="120000" extrusionOk="0">
                 <a:moveTo>
                   <a:pt x="0" y="0"/>
                 </a:moveTo>
@@ -2461,9 +2567,11 @@
       <p:sp>
         <p:nvSpPr>
           <p:cNvPr id="76" name="Google Shape;76;gbd4e3c3393_0_153:notes"/>
-          <p:cNvSpPr txBox="1"/>
+          <p:cNvSpPr txBox="1">
+            <a:spLocks noGrp="1"/>
+          </p:cNvSpPr>
           <p:nvPr>
-            <p:ph idx="1" type="body"/>
+            <p:ph type="body" idx="1"/>
           </p:nvPr>
         </p:nvSpPr>
         <p:spPr>
@@ -2476,23 +2584,20 @@
           </a:prstGeom>
         </p:spPr>
         <p:txBody>
-          <a:bodyPr anchorCtr="0" anchor="t" bIns="91425" lIns="91425" spcFirstLastPara="1" rIns="91425" wrap="square" tIns="91425">
+          <a:bodyPr spcFirstLastPara="1" wrap="square" lIns="91425" tIns="91425" rIns="91425" bIns="91425" anchor="t" anchorCtr="0">
             <a:noAutofit/>
           </a:bodyPr>
           <a:lstStyle/>
           <a:p>
-            <a:pPr indent="0" lvl="0" marL="0" rtl="0" algn="l">
-              <a:spcBef>
-                <a:spcPts val="0"/>
-              </a:spcBef>
-              <a:spcAft>
-                <a:spcPts val="0"/>
-              </a:spcAft>
-              <a:buNone/>
-            </a:pPr>
-            <a:r>
-              <a:t/>
-            </a:r>
+            <a:pPr marL="0" lvl="0" indent="0" algn="l" rtl="0">
+              <a:spcBef>
+                <a:spcPts val="0"/>
+              </a:spcBef>
+              <a:spcAft>
+                <a:spcPts val="0"/>
+              </a:spcAft>
+              <a:buNone/>
+            </a:pPr>
             <a:endParaRPr/>
           </a:p>
         </p:txBody>
@@ -2506,11 +2611,11 @@
 </file>
 
 <file path=ppt/notesSlides/notesSlide4.xml><?xml version="1.0" encoding="utf-8"?>
-<p:notes xmlns:a="http://schemas.openxmlformats.org/drawingml/2006/main" xmlns:r="http://schemas.openxmlformats.org/officeDocument/2006/relationships" xmlns:mc="http://schemas.openxmlformats.org/markup-compatibility/2006" xmlns:mv="urn:schemas-microsoft-com:mac:vml" xmlns:p="http://schemas.openxmlformats.org/presentationml/2006/main" xmlns:c="http://schemas.openxmlformats.org/drawingml/2006/chart" xmlns:dgm="http://schemas.openxmlformats.org/drawingml/2006/diagram" xmlns:o="urn:schemas-microsoft-com:office:office" xmlns:v="urn:schemas-microsoft-com:vml" xmlns:pvml="urn:schemas-microsoft-com:office:powerpoint" xmlns:com="http://schemas.openxmlformats.org/drawingml/2006/compatibility" xmlns:p14="http://schemas.microsoft.com/office/powerpoint/2010/main" xmlns:p15="http://schemas.microsoft.com/office/powerpoint/2012/main" xmlns:ahyp="http://schemas.microsoft.com/office/drawing/2018/hyperlinkcolor" showMasterPhAnim="0" showMasterSp="0">
+<p:notes xmlns:a="http://schemas.openxmlformats.org/drawingml/2006/main" xmlns:r="http://schemas.openxmlformats.org/officeDocument/2006/relationships" xmlns:p="http://schemas.openxmlformats.org/presentationml/2006/main" showMasterSp="0" showMasterPhAnim="0">
   <p:cSld>
     <p:spTree>
       <p:nvGrpSpPr>
-        <p:cNvPr id="80" name="Shape 80"/>
+        <p:cNvPr id="1" name="Shape 80"/>
         <p:cNvGrpSpPr/>
         <p:nvPr/>
       </p:nvGrpSpPr>
@@ -2525,9 +2630,11 @@
       <p:sp>
         <p:nvSpPr>
           <p:cNvPr id="81" name="Google Shape;81;gbd33153040_0_0:notes"/>
-          <p:cNvSpPr/>
+          <p:cNvSpPr>
+            <a:spLocks noGrp="1" noRot="1" noChangeAspect="1"/>
+          </p:cNvSpPr>
           <p:nvPr>
-            <p:ph idx="2" type="sldImg"/>
+            <p:ph type="sldImg" idx="2"/>
           </p:nvPr>
         </p:nvSpPr>
         <p:spPr>
@@ -2536,9 +2643,13 @@
             <a:ext cx="6096000" cy="3429000"/>
           </a:xfrm>
           <a:custGeom>
-            <a:rect b="b" l="l" r="r" t="t"/>
+            <a:avLst/>
+            <a:gdLst/>
+            <a:ahLst/>
+            <a:cxnLst/>
+            <a:rect l="l" t="t" r="r" b="b"/>
             <a:pathLst>
-              <a:path extrusionOk="0" h="120000" w="120000">
+              <a:path w="120000" h="120000" extrusionOk="0">
                 <a:moveTo>
                   <a:pt x="0" y="0"/>
                 </a:moveTo>
@@ -2560,9 +2671,11 @@
       <p:sp>
         <p:nvSpPr>
           <p:cNvPr id="82" name="Google Shape;82;gbd33153040_0_0:notes"/>
-          <p:cNvSpPr txBox="1"/>
+          <p:cNvSpPr txBox="1">
+            <a:spLocks noGrp="1"/>
+          </p:cNvSpPr>
           <p:nvPr>
-            <p:ph idx="1" type="body"/>
+            <p:ph type="body" idx="1"/>
           </p:nvPr>
         </p:nvSpPr>
         <p:spPr>
@@ -2575,23 +2688,20 @@
           </a:prstGeom>
         </p:spPr>
         <p:txBody>
-          <a:bodyPr anchorCtr="0" anchor="t" bIns="91425" lIns="91425" spcFirstLastPara="1" rIns="91425" wrap="square" tIns="91425">
+          <a:bodyPr spcFirstLastPara="1" wrap="square" lIns="91425" tIns="91425" rIns="91425" bIns="91425" anchor="t" anchorCtr="0">
             <a:noAutofit/>
           </a:bodyPr>
           <a:lstStyle/>
           <a:p>
-            <a:pPr indent="0" lvl="0" marL="0" rtl="0" algn="l">
-              <a:spcBef>
-                <a:spcPts val="0"/>
-              </a:spcBef>
-              <a:spcAft>
-                <a:spcPts val="0"/>
-              </a:spcAft>
-              <a:buNone/>
-            </a:pPr>
-            <a:r>
-              <a:t/>
-            </a:r>
+            <a:pPr marL="0" lvl="0" indent="0" algn="l" rtl="0">
+              <a:spcBef>
+                <a:spcPts val="0"/>
+              </a:spcBef>
+              <a:spcAft>
+                <a:spcPts val="0"/>
+              </a:spcAft>
+              <a:buNone/>
+            </a:pPr>
             <a:endParaRPr/>
           </a:p>
         </p:txBody>
@@ -2605,11 +2715,11 @@
 </file>
 
 <file path=ppt/notesSlides/notesSlide5.xml><?xml version="1.0" encoding="utf-8"?>
-<p:notes xmlns:a="http://schemas.openxmlformats.org/drawingml/2006/main" xmlns:r="http://schemas.openxmlformats.org/officeDocument/2006/relationships" xmlns:mc="http://schemas.openxmlformats.org/markup-compatibility/2006" xmlns:mv="urn:schemas-microsoft-com:mac:vml" xmlns:p="http://schemas.openxmlformats.org/presentationml/2006/main" xmlns:c="http://schemas.openxmlformats.org/drawingml/2006/chart" xmlns:dgm="http://schemas.openxmlformats.org/drawingml/2006/diagram" xmlns:o="urn:schemas-microsoft-com:office:office" xmlns:v="urn:schemas-microsoft-com:vml" xmlns:pvml="urn:schemas-microsoft-com:office:powerpoint" xmlns:com="http://schemas.openxmlformats.org/drawingml/2006/compatibility" xmlns:p14="http://schemas.microsoft.com/office/powerpoint/2010/main" xmlns:p15="http://schemas.microsoft.com/office/powerpoint/2012/main" xmlns:ahyp="http://schemas.microsoft.com/office/drawing/2018/hyperlinkcolor" showMasterPhAnim="0" showMasterSp="0">
+<p:notes xmlns:a="http://schemas.openxmlformats.org/drawingml/2006/main" xmlns:r="http://schemas.openxmlformats.org/officeDocument/2006/relationships" xmlns:p="http://schemas.openxmlformats.org/presentationml/2006/main" showMasterSp="0" showMasterPhAnim="0">
   <p:cSld>
     <p:spTree>
       <p:nvGrpSpPr>
-        <p:cNvPr id="87" name="Shape 87"/>
+        <p:cNvPr id="1" name="Shape 87"/>
         <p:cNvGrpSpPr/>
         <p:nvPr/>
       </p:nvGrpSpPr>
@@ -2624,9 +2734,11 @@
       <p:sp>
         <p:nvSpPr>
           <p:cNvPr id="88" name="Google Shape;88;gbd4e3c3393_0_0:notes"/>
-          <p:cNvSpPr/>
+          <p:cNvSpPr>
+            <a:spLocks noGrp="1" noRot="1" noChangeAspect="1"/>
+          </p:cNvSpPr>
           <p:nvPr>
-            <p:ph idx="2" type="sldImg"/>
+            <p:ph type="sldImg" idx="2"/>
           </p:nvPr>
         </p:nvSpPr>
         <p:spPr>
@@ -2635,9 +2747,13 @@
             <a:ext cx="6096000" cy="3429000"/>
           </a:xfrm>
           <a:custGeom>
-            <a:rect b="b" l="l" r="r" t="t"/>
+            <a:avLst/>
+            <a:gdLst/>
+            <a:ahLst/>
+            <a:cxnLst/>
+            <a:rect l="l" t="t" r="r" b="b"/>
             <a:pathLst>
-              <a:path extrusionOk="0" h="120000" w="120000">
+              <a:path w="120000" h="120000" extrusionOk="0">
                 <a:moveTo>
                   <a:pt x="0" y="0"/>
                 </a:moveTo>
@@ -2659,9 +2775,11 @@
       <p:sp>
         <p:nvSpPr>
           <p:cNvPr id="89" name="Google Shape;89;gbd4e3c3393_0_0:notes"/>
-          <p:cNvSpPr txBox="1"/>
+          <p:cNvSpPr txBox="1">
+            <a:spLocks noGrp="1"/>
+          </p:cNvSpPr>
           <p:nvPr>
-            <p:ph idx="1" type="body"/>
+            <p:ph type="body" idx="1"/>
           </p:nvPr>
         </p:nvSpPr>
         <p:spPr>
@@ -2674,23 +2792,20 @@
           </a:prstGeom>
         </p:spPr>
         <p:txBody>
-          <a:bodyPr anchorCtr="0" anchor="t" bIns="91425" lIns="91425" spcFirstLastPara="1" rIns="91425" wrap="square" tIns="91425">
+          <a:bodyPr spcFirstLastPara="1" wrap="square" lIns="91425" tIns="91425" rIns="91425" bIns="91425" anchor="t" anchorCtr="0">
             <a:noAutofit/>
           </a:bodyPr>
           <a:lstStyle/>
           <a:p>
-            <a:pPr indent="0" lvl="0" marL="0" rtl="0" algn="l">
-              <a:spcBef>
-                <a:spcPts val="0"/>
-              </a:spcBef>
-              <a:spcAft>
-                <a:spcPts val="0"/>
-              </a:spcAft>
-              <a:buNone/>
-            </a:pPr>
-            <a:r>
-              <a:t/>
-            </a:r>
+            <a:pPr marL="0" lvl="0" indent="0" algn="l" rtl="0">
+              <a:spcBef>
+                <a:spcPts val="0"/>
+              </a:spcBef>
+              <a:spcAft>
+                <a:spcPts val="0"/>
+              </a:spcAft>
+              <a:buNone/>
+            </a:pPr>
             <a:endParaRPr/>
           </a:p>
         </p:txBody>
@@ -2704,11 +2819,11 @@
 </file>
 
 <file path=ppt/notesSlides/notesSlide6.xml><?xml version="1.0" encoding="utf-8"?>
-<p:notes xmlns:a="http://schemas.openxmlformats.org/drawingml/2006/main" xmlns:r="http://schemas.openxmlformats.org/officeDocument/2006/relationships" xmlns:mc="http://schemas.openxmlformats.org/markup-compatibility/2006" xmlns:mv="urn:schemas-microsoft-com:mac:vml" xmlns:p="http://schemas.openxmlformats.org/presentationml/2006/main" xmlns:c="http://schemas.openxmlformats.org/drawingml/2006/chart" xmlns:dgm="http://schemas.openxmlformats.org/drawingml/2006/diagram" xmlns:o="urn:schemas-microsoft-com:office:office" xmlns:v="urn:schemas-microsoft-com:vml" xmlns:pvml="urn:schemas-microsoft-com:office:powerpoint" xmlns:com="http://schemas.openxmlformats.org/drawingml/2006/compatibility" xmlns:p14="http://schemas.microsoft.com/office/powerpoint/2010/main" xmlns:p15="http://schemas.microsoft.com/office/powerpoint/2012/main" xmlns:ahyp="http://schemas.microsoft.com/office/drawing/2018/hyperlinkcolor" showMasterPhAnim="0" showMasterSp="0">
+<p:notes xmlns:a="http://schemas.openxmlformats.org/drawingml/2006/main" xmlns:r="http://schemas.openxmlformats.org/officeDocument/2006/relationships" xmlns:p="http://schemas.openxmlformats.org/presentationml/2006/main" showMasterSp="0" showMasterPhAnim="0">
   <p:cSld>
     <p:spTree>
       <p:nvGrpSpPr>
-        <p:cNvPr id="96" name="Shape 96"/>
+        <p:cNvPr id="1" name="Shape 96"/>
         <p:cNvGrpSpPr/>
         <p:nvPr/>
       </p:nvGrpSpPr>
@@ -2723,9 +2838,11 @@
       <p:sp>
         <p:nvSpPr>
           <p:cNvPr id="97" name="Google Shape;97;gbd4e3c3393_0_10:notes"/>
-          <p:cNvSpPr/>
+          <p:cNvSpPr>
+            <a:spLocks noGrp="1" noRot="1" noChangeAspect="1"/>
+          </p:cNvSpPr>
           <p:nvPr>
-            <p:ph idx="2" type="sldImg"/>
+            <p:ph type="sldImg" idx="2"/>
           </p:nvPr>
         </p:nvSpPr>
         <p:spPr>
@@ -2734,9 +2851,13 @@
             <a:ext cx="6096000" cy="3429000"/>
           </a:xfrm>
           <a:custGeom>
-            <a:rect b="b" l="l" r="r" t="t"/>
+            <a:avLst/>
+            <a:gdLst/>
+            <a:ahLst/>
+            <a:cxnLst/>
+            <a:rect l="l" t="t" r="r" b="b"/>
             <a:pathLst>
-              <a:path extrusionOk="0" h="120000" w="120000">
+              <a:path w="120000" h="120000" extrusionOk="0">
                 <a:moveTo>
                   <a:pt x="0" y="0"/>
                 </a:moveTo>
@@ -2758,9 +2879,11 @@
       <p:sp>
         <p:nvSpPr>
           <p:cNvPr id="98" name="Google Shape;98;gbd4e3c3393_0_10:notes"/>
-          <p:cNvSpPr txBox="1"/>
+          <p:cNvSpPr txBox="1">
+            <a:spLocks noGrp="1"/>
+          </p:cNvSpPr>
           <p:nvPr>
-            <p:ph idx="1" type="body"/>
+            <p:ph type="body" idx="1"/>
           </p:nvPr>
         </p:nvSpPr>
         <p:spPr>
@@ -2773,23 +2896,20 @@
           </a:prstGeom>
         </p:spPr>
         <p:txBody>
-          <a:bodyPr anchorCtr="0" anchor="t" bIns="91425" lIns="91425" spcFirstLastPara="1" rIns="91425" wrap="square" tIns="91425">
+          <a:bodyPr spcFirstLastPara="1" wrap="square" lIns="91425" tIns="91425" rIns="91425" bIns="91425" anchor="t" anchorCtr="0">
             <a:noAutofit/>
           </a:bodyPr>
           <a:lstStyle/>
           <a:p>
-            <a:pPr indent="0" lvl="0" marL="0" rtl="0" algn="l">
-              <a:spcBef>
-                <a:spcPts val="0"/>
-              </a:spcBef>
-              <a:spcAft>
-                <a:spcPts val="0"/>
-              </a:spcAft>
-              <a:buNone/>
-            </a:pPr>
-            <a:r>
-              <a:t/>
-            </a:r>
+            <a:pPr marL="0" lvl="0" indent="0" algn="l" rtl="0">
+              <a:spcBef>
+                <a:spcPts val="0"/>
+              </a:spcBef>
+              <a:spcAft>
+                <a:spcPts val="0"/>
+              </a:spcAft>
+              <a:buNone/>
+            </a:pPr>
             <a:endParaRPr/>
           </a:p>
         </p:txBody>
@@ -2803,11 +2923,11 @@
 </file>
 
 <file path=ppt/notesSlides/notesSlide7.xml><?xml version="1.0" encoding="utf-8"?>
-<p:notes xmlns:a="http://schemas.openxmlformats.org/drawingml/2006/main" xmlns:r="http://schemas.openxmlformats.org/officeDocument/2006/relationships" xmlns:mc="http://schemas.openxmlformats.org/markup-compatibility/2006" xmlns:mv="urn:schemas-microsoft-com:mac:vml" xmlns:p="http://schemas.openxmlformats.org/presentationml/2006/main" xmlns:c="http://schemas.openxmlformats.org/drawingml/2006/chart" xmlns:dgm="http://schemas.openxmlformats.org/drawingml/2006/diagram" xmlns:o="urn:schemas-microsoft-com:office:office" xmlns:v="urn:schemas-microsoft-com:vml" xmlns:pvml="urn:schemas-microsoft-com:office:powerpoint" xmlns:com="http://schemas.openxmlformats.org/drawingml/2006/compatibility" xmlns:p14="http://schemas.microsoft.com/office/powerpoint/2010/main" xmlns:p15="http://schemas.microsoft.com/office/powerpoint/2012/main" xmlns:ahyp="http://schemas.microsoft.com/office/drawing/2018/hyperlinkcolor" showMasterPhAnim="0" showMasterSp="0">
+<p:notes xmlns:a="http://schemas.openxmlformats.org/drawingml/2006/main" xmlns:r="http://schemas.openxmlformats.org/officeDocument/2006/relationships" xmlns:p="http://schemas.openxmlformats.org/presentationml/2006/main" showMasterSp="0" showMasterPhAnim="0">
   <p:cSld>
     <p:spTree>
       <p:nvGrpSpPr>
-        <p:cNvPr id="105" name="Shape 105"/>
+        <p:cNvPr id="1" name="Shape 105"/>
         <p:cNvGrpSpPr/>
         <p:nvPr/>
       </p:nvGrpSpPr>
@@ -2822,9 +2942,11 @@
       <p:sp>
         <p:nvSpPr>
           <p:cNvPr id="106" name="Google Shape;106;gbd4e3c3393_0_24:notes"/>
-          <p:cNvSpPr/>
+          <p:cNvSpPr>
+            <a:spLocks noGrp="1" noRot="1" noChangeAspect="1"/>
+          </p:cNvSpPr>
           <p:nvPr>
-            <p:ph idx="2" type="sldImg"/>
+            <p:ph type="sldImg" idx="2"/>
           </p:nvPr>
         </p:nvSpPr>
         <p:spPr>
@@ -2833,9 +2955,13 @@
             <a:ext cx="6096000" cy="3429000"/>
           </a:xfrm>
           <a:custGeom>
-            <a:rect b="b" l="l" r="r" t="t"/>
+            <a:avLst/>
+            <a:gdLst/>
+            <a:ahLst/>
+            <a:cxnLst/>
+            <a:rect l="l" t="t" r="r" b="b"/>
             <a:pathLst>
-              <a:path extrusionOk="0" h="120000" w="120000">
+              <a:path w="120000" h="120000" extrusionOk="0">
                 <a:moveTo>
                   <a:pt x="0" y="0"/>
                 </a:moveTo>
@@ -2857,9 +2983,11 @@
       <p:sp>
         <p:nvSpPr>
           <p:cNvPr id="107" name="Google Shape;107;gbd4e3c3393_0_24:notes"/>
-          <p:cNvSpPr txBox="1"/>
+          <p:cNvSpPr txBox="1">
+            <a:spLocks noGrp="1"/>
+          </p:cNvSpPr>
           <p:nvPr>
-            <p:ph idx="1" type="body"/>
+            <p:ph type="body" idx="1"/>
           </p:nvPr>
         </p:nvSpPr>
         <p:spPr>
@@ -2872,23 +3000,20 @@
           </a:prstGeom>
         </p:spPr>
         <p:txBody>
-          <a:bodyPr anchorCtr="0" anchor="t" bIns="91425" lIns="91425" spcFirstLastPara="1" rIns="91425" wrap="square" tIns="91425">
+          <a:bodyPr spcFirstLastPara="1" wrap="square" lIns="91425" tIns="91425" rIns="91425" bIns="91425" anchor="t" anchorCtr="0">
             <a:noAutofit/>
           </a:bodyPr>
           <a:lstStyle/>
           <a:p>
-            <a:pPr indent="0" lvl="0" marL="0" rtl="0" algn="l">
-              <a:spcBef>
-                <a:spcPts val="0"/>
-              </a:spcBef>
-              <a:spcAft>
-                <a:spcPts val="0"/>
-              </a:spcAft>
-              <a:buNone/>
-            </a:pPr>
-            <a:r>
-              <a:t/>
-            </a:r>
+            <a:pPr marL="0" lvl="0" indent="0" algn="l" rtl="0">
+              <a:spcBef>
+                <a:spcPts val="0"/>
+              </a:spcBef>
+              <a:spcAft>
+                <a:spcPts val="0"/>
+              </a:spcAft>
+              <a:buNone/>
+            </a:pPr>
             <a:endParaRPr/>
           </a:p>
         </p:txBody>
@@ -2902,11 +3027,11 @@
 </file>
 
 <file path=ppt/notesSlides/notesSlide8.xml><?xml version="1.0" encoding="utf-8"?>
-<p:notes xmlns:a="http://schemas.openxmlformats.org/drawingml/2006/main" xmlns:r="http://schemas.openxmlformats.org/officeDocument/2006/relationships" xmlns:mc="http://schemas.openxmlformats.org/markup-compatibility/2006" xmlns:mv="urn:schemas-microsoft-com:mac:vml" xmlns:p="http://schemas.openxmlformats.org/presentationml/2006/main" xmlns:c="http://schemas.openxmlformats.org/drawingml/2006/chart" xmlns:dgm="http://schemas.openxmlformats.org/drawingml/2006/diagram" xmlns:o="urn:schemas-microsoft-com:office:office" xmlns:v="urn:schemas-microsoft-com:vml" xmlns:pvml="urn:schemas-microsoft-com:office:powerpoint" xmlns:com="http://schemas.openxmlformats.org/drawingml/2006/compatibility" xmlns:p14="http://schemas.microsoft.com/office/powerpoint/2010/main" xmlns:p15="http://schemas.microsoft.com/office/powerpoint/2012/main" xmlns:ahyp="http://schemas.microsoft.com/office/drawing/2018/hyperlinkcolor" showMasterPhAnim="0" showMasterSp="0">
+<p:notes xmlns:a="http://schemas.openxmlformats.org/drawingml/2006/main" xmlns:r="http://schemas.openxmlformats.org/officeDocument/2006/relationships" xmlns:p="http://schemas.openxmlformats.org/presentationml/2006/main" showMasterSp="0" showMasterPhAnim="0">
   <p:cSld>
     <p:spTree>
       <p:nvGrpSpPr>
-        <p:cNvPr id="114" name="Shape 114"/>
+        <p:cNvPr id="1" name="Shape 114"/>
         <p:cNvGrpSpPr/>
         <p:nvPr/>
       </p:nvGrpSpPr>
@@ -2921,9 +3046,11 @@
       <p:sp>
         <p:nvSpPr>
           <p:cNvPr id="115" name="Google Shape;115;gbd4e3c3393_0_32:notes"/>
-          <p:cNvSpPr/>
+          <p:cNvSpPr>
+            <a:spLocks noGrp="1" noRot="1" noChangeAspect="1"/>
+          </p:cNvSpPr>
           <p:nvPr>
-            <p:ph idx="2" type="sldImg"/>
+            <p:ph type="sldImg" idx="2"/>
           </p:nvPr>
         </p:nvSpPr>
         <p:spPr>
@@ -2932,9 +3059,13 @@
             <a:ext cx="6096000" cy="3429000"/>
           </a:xfrm>
           <a:custGeom>
-            <a:rect b="b" l="l" r="r" t="t"/>
+            <a:avLst/>
+            <a:gdLst/>
+            <a:ahLst/>
+            <a:cxnLst/>
+            <a:rect l="l" t="t" r="r" b="b"/>
             <a:pathLst>
-              <a:path extrusionOk="0" h="120000" w="120000">
+              <a:path w="120000" h="120000" extrusionOk="0">
                 <a:moveTo>
                   <a:pt x="0" y="0"/>
                 </a:moveTo>
@@ -2956,9 +3087,11 @@
       <p:sp>
         <p:nvSpPr>
           <p:cNvPr id="116" name="Google Shape;116;gbd4e3c3393_0_32:notes"/>
-          <p:cNvSpPr txBox="1"/>
+          <p:cNvSpPr txBox="1">
+            <a:spLocks noGrp="1"/>
+          </p:cNvSpPr>
           <p:nvPr>
-            <p:ph idx="1" type="body"/>
+            <p:ph type="body" idx="1"/>
           </p:nvPr>
         </p:nvSpPr>
         <p:spPr>
@@ -2971,23 +3104,20 @@
           </a:prstGeom>
         </p:spPr>
         <p:txBody>
-          <a:bodyPr anchorCtr="0" anchor="t" bIns="91425" lIns="91425" spcFirstLastPara="1" rIns="91425" wrap="square" tIns="91425">
+          <a:bodyPr spcFirstLastPara="1" wrap="square" lIns="91425" tIns="91425" rIns="91425" bIns="91425" anchor="t" anchorCtr="0">
             <a:noAutofit/>
           </a:bodyPr>
           <a:lstStyle/>
           <a:p>
-            <a:pPr indent="0" lvl="0" marL="0" rtl="0" algn="l">
-              <a:spcBef>
-                <a:spcPts val="0"/>
-              </a:spcBef>
-              <a:spcAft>
-                <a:spcPts val="0"/>
-              </a:spcAft>
-              <a:buNone/>
-            </a:pPr>
-            <a:r>
-              <a:t/>
-            </a:r>
+            <a:pPr marL="0" lvl="0" indent="0" algn="l" rtl="0">
+              <a:spcBef>
+                <a:spcPts val="0"/>
+              </a:spcBef>
+              <a:spcAft>
+                <a:spcPts val="0"/>
+              </a:spcAft>
+              <a:buNone/>
+            </a:pPr>
             <a:endParaRPr/>
           </a:p>
         </p:txBody>
@@ -3001,11 +3131,11 @@
 </file>
 
 <file path=ppt/notesSlides/notesSlide9.xml><?xml version="1.0" encoding="utf-8"?>
-<p:notes xmlns:a="http://schemas.openxmlformats.org/drawingml/2006/main" xmlns:r="http://schemas.openxmlformats.org/officeDocument/2006/relationships" xmlns:mc="http://schemas.openxmlformats.org/markup-compatibility/2006" xmlns:mv="urn:schemas-microsoft-com:mac:vml" xmlns:p="http://schemas.openxmlformats.org/presentationml/2006/main" xmlns:c="http://schemas.openxmlformats.org/drawingml/2006/chart" xmlns:dgm="http://schemas.openxmlformats.org/drawingml/2006/diagram" xmlns:o="urn:schemas-microsoft-com:office:office" xmlns:v="urn:schemas-microsoft-com:vml" xmlns:pvml="urn:schemas-microsoft-com:office:powerpoint" xmlns:com="http://schemas.openxmlformats.org/drawingml/2006/compatibility" xmlns:p14="http://schemas.microsoft.com/office/powerpoint/2010/main" xmlns:p15="http://schemas.microsoft.com/office/powerpoint/2012/main" xmlns:ahyp="http://schemas.microsoft.com/office/drawing/2018/hyperlinkcolor" showMasterPhAnim="0" showMasterSp="0">
+<p:notes xmlns:a="http://schemas.openxmlformats.org/drawingml/2006/main" xmlns:r="http://schemas.openxmlformats.org/officeDocument/2006/relationships" xmlns:p="http://schemas.openxmlformats.org/presentationml/2006/main" showMasterSp="0" showMasterPhAnim="0">
   <p:cSld>
     <p:spTree>
       <p:nvGrpSpPr>
-        <p:cNvPr id="121" name="Shape 121"/>
+        <p:cNvPr id="1" name="Shape 121"/>
         <p:cNvGrpSpPr/>
         <p:nvPr/>
       </p:nvGrpSpPr>
@@ -3020,9 +3150,11 @@
       <p:sp>
         <p:nvSpPr>
           <p:cNvPr id="122" name="Google Shape;122;gbd4e3c3393_0_60:notes"/>
-          <p:cNvSpPr/>
+          <p:cNvSpPr>
+            <a:spLocks noGrp="1" noRot="1" noChangeAspect="1"/>
+          </p:cNvSpPr>
           <p:nvPr>
-            <p:ph idx="2" type="sldImg"/>
+            <p:ph type="sldImg" idx="2"/>
           </p:nvPr>
         </p:nvSpPr>
         <p:spPr>
@@ -3031,9 +3163,13 @@
             <a:ext cx="6096000" cy="3429000"/>
           </a:xfrm>
           <a:custGeom>
-            <a:rect b="b" l="l" r="r" t="t"/>
+            <a:avLst/>
+            <a:gdLst/>
+            <a:ahLst/>
+            <a:cxnLst/>
+            <a:rect l="l" t="t" r="r" b="b"/>
             <a:pathLst>
-              <a:path extrusionOk="0" h="120000" w="120000">
+              <a:path w="120000" h="120000" extrusionOk="0">
                 <a:moveTo>
                   <a:pt x="0" y="0"/>
                 </a:moveTo>
@@ -3055,9 +3191,11 @@
       <p:sp>
         <p:nvSpPr>
           <p:cNvPr id="123" name="Google Shape;123;gbd4e3c3393_0_60:notes"/>
-          <p:cNvSpPr txBox="1"/>
+          <p:cNvSpPr txBox="1">
+            <a:spLocks noGrp="1"/>
+          </p:cNvSpPr>
           <p:nvPr>
-            <p:ph idx="1" type="body"/>
+            <p:ph type="body" idx="1"/>
           </p:nvPr>
         </p:nvSpPr>
         <p:spPr>
@@ -3070,23 +3208,20 @@
           </a:prstGeom>
         </p:spPr>
         <p:txBody>
-          <a:bodyPr anchorCtr="0" anchor="t" bIns="91425" lIns="91425" spcFirstLastPara="1" rIns="91425" wrap="square" tIns="91425">
+          <a:bodyPr spcFirstLastPara="1" wrap="square" lIns="91425" tIns="91425" rIns="91425" bIns="91425" anchor="t" anchorCtr="0">
             <a:noAutofit/>
           </a:bodyPr>
           <a:lstStyle/>
           <a:p>
-            <a:pPr indent="0" lvl="0" marL="0" rtl="0" algn="l">
-              <a:spcBef>
-                <a:spcPts val="0"/>
-              </a:spcBef>
-              <a:spcAft>
-                <a:spcPts val="0"/>
-              </a:spcAft>
-              <a:buNone/>
-            </a:pPr>
-            <a:r>
-              <a:t/>
-            </a:r>
+            <a:pPr marL="0" lvl="0" indent="0" algn="l" rtl="0">
+              <a:spcBef>
+                <a:spcPts val="0"/>
+              </a:spcBef>
+              <a:spcAft>
+                <a:spcPts val="0"/>
+              </a:spcAft>
+              <a:buNone/>
+            </a:pPr>
             <a:endParaRPr/>
           </a:p>
         </p:txBody>
@@ -3100,11 +3235,11 @@
 </file>
 
 <file path=ppt/slideLayouts/slideLayout1.xml><?xml version="1.0" encoding="utf-8"?>
-<p:sldLayout xmlns:a="http://schemas.openxmlformats.org/drawingml/2006/main" xmlns:r="http://schemas.openxmlformats.org/officeDocument/2006/relationships" xmlns:mc="http://schemas.openxmlformats.org/markup-compatibility/2006" xmlns:mv="urn:schemas-microsoft-com:mac:vml" xmlns:p="http://schemas.openxmlformats.org/presentationml/2006/main" xmlns:c="http://schemas.openxmlformats.org/drawingml/2006/chart" xmlns:dgm="http://schemas.openxmlformats.org/drawingml/2006/diagram" xmlns:o="urn:schemas-microsoft-com:office:office" xmlns:v="urn:schemas-microsoft-com:vml" xmlns:pvml="urn:schemas-microsoft-com:office:powerpoint" xmlns:com="http://schemas.openxmlformats.org/drawingml/2006/compatibility" xmlns:p14="http://schemas.microsoft.com/office/powerpoint/2010/main" xmlns:p15="http://schemas.microsoft.com/office/powerpoint/2012/main" xmlns:ahyp="http://schemas.microsoft.com/office/drawing/2018/hyperlinkcolor" matchingName="Title slide" type="title">
+<p:sldLayout xmlns:a="http://schemas.openxmlformats.org/drawingml/2006/main" xmlns:r="http://schemas.openxmlformats.org/officeDocument/2006/relationships" xmlns:p="http://schemas.openxmlformats.org/presentationml/2006/main" matchingName="Title slide" type="title">
   <p:cSld name="TITLE">
     <p:spTree>
       <p:nvGrpSpPr>
-        <p:cNvPr id="9" name="Shape 9"/>
+        <p:cNvPr id="1" name="Shape 9"/>
         <p:cNvGrpSpPr/>
         <p:nvPr/>
       </p:nvGrpSpPr>
@@ -3131,14 +3266,14 @@
             <a:avLst/>
           </a:prstGeom>
           <a:noFill/>
-          <a:ln cap="flat" cmpd="sng" w="76200">
+          <a:ln w="76200" cap="flat" cmpd="sng">
             <a:solidFill>
               <a:schemeClr val="lt2"/>
             </a:solidFill>
             <a:prstDash val="solid"/>
             <a:round/>
-            <a:headEnd len="sm" w="sm" type="none"/>
-            <a:tailEnd len="sm" w="sm" type="none"/>
+            <a:headEnd type="none" w="sm" len="sm"/>
+            <a:tailEnd type="none" w="sm" len="sm"/>
           </a:ln>
         </p:spPr>
       </p:cxnSp>
@@ -3157,14 +3292,14 @@
             <a:avLst/>
           </a:prstGeom>
           <a:noFill/>
-          <a:ln cap="flat" cmpd="sng" w="76200">
+          <a:ln w="76200" cap="flat" cmpd="sng">
             <a:solidFill>
               <a:schemeClr val="lt2"/>
             </a:solidFill>
             <a:prstDash val="solid"/>
             <a:round/>
-            <a:headEnd len="sm" w="sm" type="none"/>
-            <a:tailEnd len="sm" w="sm" type="none"/>
+            <a:headEnd type="none" w="sm" len="sm"/>
+            <a:tailEnd type="none" w="sm" len="sm"/>
           </a:ln>
         </p:spPr>
       </p:cxnSp>
@@ -3197,14 +3332,14 @@
               <a:avLst/>
             </a:prstGeom>
             <a:noFill/>
-            <a:ln cap="flat" cmpd="sng" w="76200">
+            <a:ln w="76200" cap="flat" cmpd="sng">
               <a:solidFill>
                 <a:schemeClr val="accent3"/>
               </a:solidFill>
               <a:prstDash val="solid"/>
               <a:round/>
-              <a:headEnd len="sm" w="sm" type="none"/>
-              <a:tailEnd len="sm" w="sm" type="none"/>
+              <a:headEnd type="none" w="sm" len="sm"/>
+              <a:tailEnd type="none" w="sm" len="sm"/>
             </a:ln>
           </p:spPr>
         </p:cxnSp>
@@ -3223,14 +3358,14 @@
               <a:avLst/>
             </a:prstGeom>
             <a:noFill/>
-            <a:ln cap="flat" cmpd="sng" w="9525">
+            <a:ln w="9525" cap="flat" cmpd="sng">
               <a:solidFill>
                 <a:schemeClr val="accent3"/>
               </a:solidFill>
               <a:prstDash val="solid"/>
               <a:round/>
-              <a:headEnd len="sm" w="sm" type="none"/>
-              <a:tailEnd len="sm" w="sm" type="none"/>
+              <a:headEnd type="none" w="sm" len="sm"/>
+              <a:tailEnd type="none" w="sm" len="sm"/>
             </a:ln>
           </p:spPr>
         </p:cxnSp>
@@ -3264,14 +3399,14 @@
               <a:avLst/>
             </a:prstGeom>
             <a:noFill/>
-            <a:ln cap="flat" cmpd="sng" w="76200">
+            <a:ln w="76200" cap="flat" cmpd="sng">
               <a:solidFill>
                 <a:schemeClr val="accent3"/>
               </a:solidFill>
               <a:prstDash val="solid"/>
               <a:round/>
-              <a:headEnd len="sm" w="sm" type="none"/>
-              <a:tailEnd len="sm" w="sm" type="none"/>
+              <a:headEnd type="none" w="sm" len="sm"/>
+              <a:tailEnd type="none" w="sm" len="sm"/>
             </a:ln>
           </p:spPr>
         </p:cxnSp>
@@ -3290,14 +3425,14 @@
               <a:avLst/>
             </a:prstGeom>
             <a:noFill/>
-            <a:ln cap="flat" cmpd="sng" w="9525">
+            <a:ln w="9525" cap="flat" cmpd="sng">
               <a:solidFill>
                 <a:schemeClr val="accent3"/>
               </a:solidFill>
               <a:prstDash val="solid"/>
               <a:round/>
-              <a:headEnd len="sm" w="sm" type="none"/>
-              <a:tailEnd len="sm" w="sm" type="none"/>
+              <a:headEnd type="none" w="sm" len="sm"/>
+              <a:tailEnd type="none" w="sm" len="sm"/>
             </a:ln>
           </p:spPr>
         </p:cxnSp>
@@ -3305,7 +3440,9 @@
       <p:sp>
         <p:nvSpPr>
           <p:cNvPr id="18" name="Google Shape;18;p2"/>
-          <p:cNvSpPr txBox="1"/>
+          <p:cNvSpPr txBox="1">
+            <a:spLocks noGrp="1"/>
+          </p:cNvSpPr>
           <p:nvPr>
             <p:ph type="ctrTitle"/>
           </p:nvPr>
@@ -3320,7 +3457,7 @@
           </a:prstGeom>
         </p:spPr>
         <p:txBody>
-          <a:bodyPr anchorCtr="0" anchor="b" bIns="91425" lIns="91425" spcFirstLastPara="1" rIns="91425" wrap="square" tIns="91425">
+          <a:bodyPr spcFirstLastPara="1" wrap="square" lIns="91425" tIns="91425" rIns="91425" bIns="91425" anchor="b" anchorCtr="0">
             <a:normAutofit/>
           </a:bodyPr>
           <a:lstStyle>
@@ -3424,15 +3561,19 @@
               <a:defRPr sz="5400"/>
             </a:lvl9pPr>
           </a:lstStyle>
-          <a:p/>
+          <a:p>
+            <a:endParaRPr/>
+          </a:p>
         </p:txBody>
       </p:sp>
       <p:sp>
         <p:nvSpPr>
           <p:cNvPr id="19" name="Google Shape;19;p2"/>
-          <p:cNvSpPr txBox="1"/>
+          <p:cNvSpPr txBox="1">
+            <a:spLocks noGrp="1"/>
+          </p:cNvSpPr>
           <p:nvPr>
-            <p:ph idx="1" type="subTitle"/>
+            <p:ph type="subTitle" idx="1"/>
           </p:nvPr>
         </p:nvSpPr>
         <p:spPr>
@@ -3445,7 +3586,7 @@
           </a:prstGeom>
         </p:spPr>
         <p:txBody>
-          <a:bodyPr anchorCtr="0" anchor="t" bIns="91425" lIns="91425" spcFirstLastPara="1" rIns="91425" wrap="square" tIns="91425">
+          <a:bodyPr spcFirstLastPara="1" wrap="square" lIns="91425" tIns="91425" rIns="91425" bIns="91425" anchor="t" anchorCtr="0">
             <a:normAutofit/>
           </a:bodyPr>
           <a:lstStyle>
@@ -3576,15 +3717,19 @@
               <a:defRPr sz="2400"/>
             </a:lvl9pPr>
           </a:lstStyle>
-          <a:p/>
+          <a:p>
+            <a:endParaRPr/>
+          </a:p>
         </p:txBody>
       </p:sp>
       <p:sp>
         <p:nvSpPr>
           <p:cNvPr id="20" name="Google Shape;20;p2"/>
-          <p:cNvSpPr txBox="1"/>
+          <p:cNvSpPr txBox="1">
+            <a:spLocks noGrp="1"/>
+          </p:cNvSpPr>
           <p:nvPr>
-            <p:ph idx="12" type="sldNum"/>
+            <p:ph type="sldNum" idx="12"/>
           </p:nvPr>
         </p:nvSpPr>
         <p:spPr>
@@ -3597,7 +3742,7 @@
           </a:prstGeom>
         </p:spPr>
         <p:txBody>
-          <a:bodyPr anchorCtr="0" anchor="ctr" bIns="91425" lIns="91425" spcFirstLastPara="1" rIns="91425" wrap="square" tIns="91425">
+          <a:bodyPr spcFirstLastPara="1" wrap="square" lIns="91425" tIns="91425" rIns="91425" bIns="91425" anchor="ctr" anchorCtr="0">
             <a:normAutofit/>
           </a:bodyPr>
           <a:lstStyle>
@@ -3639,7 +3784,7 @@
             </a:lvl9pPr>
           </a:lstStyle>
           <a:p>
-            <a:pPr indent="0" lvl="0" marL="0" rtl="0" algn="r">
+            <a:pPr marL="0" lvl="0" indent="0" algn="r" rtl="0">
               <a:spcBef>
                 <a:spcPts val="0"/>
               </a:spcBef>
@@ -3665,11 +3810,11 @@
 </file>
 
 <file path=ppt/slideLayouts/slideLayout10.xml><?xml version="1.0" encoding="utf-8"?>
-<p:sldLayout xmlns:a="http://schemas.openxmlformats.org/drawingml/2006/main" xmlns:r="http://schemas.openxmlformats.org/officeDocument/2006/relationships" xmlns:mc="http://schemas.openxmlformats.org/markup-compatibility/2006" xmlns:mv="urn:schemas-microsoft-com:mac:vml" xmlns:p="http://schemas.openxmlformats.org/presentationml/2006/main" xmlns:c="http://schemas.openxmlformats.org/drawingml/2006/chart" xmlns:dgm="http://schemas.openxmlformats.org/drawingml/2006/diagram" xmlns:o="urn:schemas-microsoft-com:office:office" xmlns:v="urn:schemas-microsoft-com:vml" xmlns:pvml="urn:schemas-microsoft-com:office:powerpoint" xmlns:com="http://schemas.openxmlformats.org/drawingml/2006/compatibility" xmlns:p14="http://schemas.microsoft.com/office/powerpoint/2010/main" xmlns:p15="http://schemas.microsoft.com/office/powerpoint/2012/main" xmlns:ahyp="http://schemas.microsoft.com/office/drawing/2018/hyperlinkcolor" matchingName="Big number">
+<p:sldLayout xmlns:a="http://schemas.openxmlformats.org/drawingml/2006/main" xmlns:r="http://schemas.openxmlformats.org/officeDocument/2006/relationships" xmlns:p="http://schemas.openxmlformats.org/presentationml/2006/main" matchingName="Big number">
   <p:cSld name="BIG_NUMBER">
     <p:spTree>
       <p:nvGrpSpPr>
-        <p:cNvPr id="55" name="Shape 55"/>
+        <p:cNvPr id="1" name="Shape 55"/>
         <p:cNvGrpSpPr/>
         <p:nvPr/>
       </p:nvGrpSpPr>
@@ -3703,23 +3848,20 @@
           </a:ln>
         </p:spPr>
         <p:txBody>
-          <a:bodyPr anchorCtr="0" anchor="ctr" bIns="91425" lIns="91425" spcFirstLastPara="1" rIns="91425" wrap="square" tIns="91425">
+          <a:bodyPr spcFirstLastPara="1" wrap="square" lIns="91425" tIns="91425" rIns="91425" bIns="91425" anchor="ctr" anchorCtr="0">
             <a:noAutofit/>
           </a:bodyPr>
           <a:lstStyle/>
           <a:p>
-            <a:pPr indent="0" lvl="0" marL="0" rtl="0" algn="l">
-              <a:spcBef>
-                <a:spcPts val="0"/>
-              </a:spcBef>
-              <a:spcAft>
-                <a:spcPts val="0"/>
-              </a:spcAft>
-              <a:buNone/>
-            </a:pPr>
-            <a:r>
-              <a:t/>
-            </a:r>
+            <a:pPr marL="0" lvl="0" indent="0" algn="l" rtl="0">
+              <a:spcBef>
+                <a:spcPts val="0"/>
+              </a:spcBef>
+              <a:spcAft>
+                <a:spcPts val="0"/>
+              </a:spcAft>
+              <a:buNone/>
+            </a:pPr>
             <a:endParaRPr/>
           </a:p>
         </p:txBody>
@@ -3727,9 +3869,11 @@
       <p:sp>
         <p:nvSpPr>
           <p:cNvPr id="57" name="Google Shape;57;p11"/>
-          <p:cNvSpPr txBox="1"/>
+          <p:cNvSpPr txBox="1">
+            <a:spLocks noGrp="1"/>
+          </p:cNvSpPr>
           <p:nvPr>
-            <p:ph hasCustomPrompt="1" type="title"/>
+            <p:ph type="title" hasCustomPrompt="1"/>
           </p:nvPr>
         </p:nvSpPr>
         <p:spPr>
@@ -3742,7 +3886,7 @@
           </a:prstGeom>
         </p:spPr>
         <p:txBody>
-          <a:bodyPr anchorCtr="0" anchor="ctr" bIns="91425" lIns="91425" spcFirstLastPara="1" rIns="91425" wrap="square" tIns="91425">
+          <a:bodyPr spcFirstLastPara="1" wrap="square" lIns="91425" tIns="91425" rIns="91425" bIns="91425" anchor="ctr" anchorCtr="0">
             <a:normAutofit/>
           </a:bodyPr>
           <a:lstStyle>
@@ -3919,9 +4063,11 @@
       <p:sp>
         <p:nvSpPr>
           <p:cNvPr id="58" name="Google Shape;58;p11"/>
-          <p:cNvSpPr txBox="1"/>
+          <p:cNvSpPr txBox="1">
+            <a:spLocks noGrp="1"/>
+          </p:cNvSpPr>
           <p:nvPr>
-            <p:ph idx="1" type="body"/>
+            <p:ph type="body" idx="1"/>
           </p:nvPr>
         </p:nvSpPr>
         <p:spPr>
@@ -3934,11 +4080,11 @@
           </a:prstGeom>
         </p:spPr>
         <p:txBody>
-          <a:bodyPr anchorCtr="0" anchor="t" bIns="91425" lIns="91425" spcFirstLastPara="1" rIns="91425" wrap="square" tIns="91425">
+          <a:bodyPr spcFirstLastPara="1" wrap="square" lIns="91425" tIns="91425" rIns="91425" bIns="91425" anchor="t" anchorCtr="0">
             <a:normAutofit/>
           </a:bodyPr>
           <a:lstStyle>
-            <a:lvl1pPr indent="-342900" lvl="0" marL="457200" algn="ctr">
+            <a:lvl1pPr marL="457200" lvl="0" indent="-342900" algn="ctr">
               <a:spcBef>
                 <a:spcPts val="0"/>
               </a:spcBef>
@@ -3949,7 +4095,7 @@
               <a:buChar char="●"/>
               <a:defRPr/>
             </a:lvl1pPr>
-            <a:lvl2pPr indent="-317500" lvl="1" marL="914400" algn="ctr">
+            <a:lvl2pPr marL="914400" lvl="1" indent="-317500" algn="ctr">
               <a:spcBef>
                 <a:spcPts val="0"/>
               </a:spcBef>
@@ -3960,7 +4106,7 @@
               <a:buChar char="○"/>
               <a:defRPr/>
             </a:lvl2pPr>
-            <a:lvl3pPr indent="-317500" lvl="2" marL="1371600" algn="ctr">
+            <a:lvl3pPr marL="1371600" lvl="2" indent="-317500" algn="ctr">
               <a:spcBef>
                 <a:spcPts val="0"/>
               </a:spcBef>
@@ -3971,7 +4117,7 @@
               <a:buChar char="■"/>
               <a:defRPr/>
             </a:lvl3pPr>
-            <a:lvl4pPr indent="-317500" lvl="3" marL="1828800" algn="ctr">
+            <a:lvl4pPr marL="1828800" lvl="3" indent="-317500" algn="ctr">
               <a:spcBef>
                 <a:spcPts val="0"/>
               </a:spcBef>
@@ -3982,7 +4128,7 @@
               <a:buChar char="●"/>
               <a:defRPr/>
             </a:lvl4pPr>
-            <a:lvl5pPr indent="-317500" lvl="4" marL="2286000" algn="ctr">
+            <a:lvl5pPr marL="2286000" lvl="4" indent="-317500" algn="ctr">
               <a:spcBef>
                 <a:spcPts val="0"/>
               </a:spcBef>
@@ -3993,7 +4139,7 @@
               <a:buChar char="○"/>
               <a:defRPr/>
             </a:lvl5pPr>
-            <a:lvl6pPr indent="-317500" lvl="5" marL="2743200" algn="ctr">
+            <a:lvl6pPr marL="2743200" lvl="5" indent="-317500" algn="ctr">
               <a:spcBef>
                 <a:spcPts val="0"/>
               </a:spcBef>
@@ -4004,7 +4150,7 @@
               <a:buChar char="■"/>
               <a:defRPr/>
             </a:lvl6pPr>
-            <a:lvl7pPr indent="-317500" lvl="6" marL="3200400" algn="ctr">
+            <a:lvl7pPr marL="3200400" lvl="6" indent="-317500" algn="ctr">
               <a:spcBef>
                 <a:spcPts val="0"/>
               </a:spcBef>
@@ -4015,7 +4161,7 @@
               <a:buChar char="●"/>
               <a:defRPr/>
             </a:lvl7pPr>
-            <a:lvl8pPr indent="-317500" lvl="7" marL="3657600" algn="ctr">
+            <a:lvl8pPr marL="3657600" lvl="7" indent="-317500" algn="ctr">
               <a:spcBef>
                 <a:spcPts val="0"/>
               </a:spcBef>
@@ -4026,7 +4172,7 @@
               <a:buChar char="○"/>
               <a:defRPr/>
             </a:lvl8pPr>
-            <a:lvl9pPr indent="-317500" lvl="8" marL="4114800" algn="ctr">
+            <a:lvl9pPr marL="4114800" lvl="8" indent="-317500" algn="ctr">
               <a:spcBef>
                 <a:spcPts val="0"/>
               </a:spcBef>
@@ -4038,15 +4184,19 @@
               <a:defRPr/>
             </a:lvl9pPr>
           </a:lstStyle>
-          <a:p/>
+          <a:p>
+            <a:endParaRPr/>
+          </a:p>
         </p:txBody>
       </p:sp>
       <p:sp>
         <p:nvSpPr>
           <p:cNvPr id="59" name="Google Shape;59;p11"/>
-          <p:cNvSpPr txBox="1"/>
+          <p:cNvSpPr txBox="1">
+            <a:spLocks noGrp="1"/>
+          </p:cNvSpPr>
           <p:nvPr>
-            <p:ph idx="12" type="sldNum"/>
+            <p:ph type="sldNum" idx="12"/>
           </p:nvPr>
         </p:nvSpPr>
         <p:spPr>
@@ -4059,7 +4209,7 @@
           </a:prstGeom>
         </p:spPr>
         <p:txBody>
-          <a:bodyPr anchorCtr="0" anchor="ctr" bIns="91425" lIns="91425" spcFirstLastPara="1" rIns="91425" wrap="square" tIns="91425">
+          <a:bodyPr spcFirstLastPara="1" wrap="square" lIns="91425" tIns="91425" rIns="91425" bIns="91425" anchor="ctr" anchorCtr="0">
             <a:normAutofit/>
           </a:bodyPr>
           <a:lstStyle>
@@ -4101,7 +4251,7 @@
             </a:lvl9pPr>
           </a:lstStyle>
           <a:p>
-            <a:pPr indent="0" lvl="0" marL="0" rtl="0" algn="r">
+            <a:pPr marL="0" lvl="0" indent="0" algn="r" rtl="0">
               <a:spcBef>
                 <a:spcPts val="0"/>
               </a:spcBef>
@@ -4127,11 +4277,11 @@
 </file>
 
 <file path=ppt/slideLayouts/slideLayout11.xml><?xml version="1.0" encoding="utf-8"?>
-<p:sldLayout xmlns:a="http://schemas.openxmlformats.org/drawingml/2006/main" xmlns:r="http://schemas.openxmlformats.org/officeDocument/2006/relationships" xmlns:mc="http://schemas.openxmlformats.org/markup-compatibility/2006" xmlns:mv="urn:schemas-microsoft-com:mac:vml" xmlns:p="http://schemas.openxmlformats.org/presentationml/2006/main" xmlns:c="http://schemas.openxmlformats.org/drawingml/2006/chart" xmlns:dgm="http://schemas.openxmlformats.org/drawingml/2006/diagram" xmlns:o="urn:schemas-microsoft-com:office:office" xmlns:v="urn:schemas-microsoft-com:vml" xmlns:pvml="urn:schemas-microsoft-com:office:powerpoint" xmlns:com="http://schemas.openxmlformats.org/drawingml/2006/compatibility" xmlns:p14="http://schemas.microsoft.com/office/powerpoint/2010/main" xmlns:p15="http://schemas.microsoft.com/office/powerpoint/2012/main" xmlns:ahyp="http://schemas.microsoft.com/office/drawing/2018/hyperlinkcolor" matchingName="Blank" type="blank">
+<p:sldLayout xmlns:a="http://schemas.openxmlformats.org/drawingml/2006/main" xmlns:r="http://schemas.openxmlformats.org/officeDocument/2006/relationships" xmlns:p="http://schemas.openxmlformats.org/presentationml/2006/main" matchingName="Blank" type="blank">
   <p:cSld name="BLANK">
     <p:spTree>
       <p:nvGrpSpPr>
-        <p:cNvPr id="60" name="Shape 60"/>
+        <p:cNvPr id="1" name="Shape 60"/>
         <p:cNvGrpSpPr/>
         <p:nvPr/>
       </p:nvGrpSpPr>
@@ -4146,9 +4296,11 @@
       <p:sp>
         <p:nvSpPr>
           <p:cNvPr id="61" name="Google Shape;61;p12"/>
-          <p:cNvSpPr txBox="1"/>
+          <p:cNvSpPr txBox="1">
+            <a:spLocks noGrp="1"/>
+          </p:cNvSpPr>
           <p:nvPr>
-            <p:ph idx="12" type="sldNum"/>
+            <p:ph type="sldNum" idx="12"/>
           </p:nvPr>
         </p:nvSpPr>
         <p:spPr>
@@ -4161,7 +4313,7 @@
           </a:prstGeom>
         </p:spPr>
         <p:txBody>
-          <a:bodyPr anchorCtr="0" anchor="ctr" bIns="91425" lIns="91425" spcFirstLastPara="1" rIns="91425" wrap="square" tIns="91425">
+          <a:bodyPr spcFirstLastPara="1" wrap="square" lIns="91425" tIns="91425" rIns="91425" bIns="91425" anchor="ctr" anchorCtr="0">
             <a:normAutofit/>
           </a:bodyPr>
           <a:lstStyle>
@@ -4203,7 +4355,7 @@
             </a:lvl9pPr>
           </a:lstStyle>
           <a:p>
-            <a:pPr indent="0" lvl="0" marL="0" rtl="0" algn="r">
+            <a:pPr marL="0" lvl="0" indent="0" algn="r" rtl="0">
               <a:spcBef>
                 <a:spcPts val="0"/>
               </a:spcBef>
@@ -4229,11 +4381,11 @@
 </file>
 
 <file path=ppt/slideLayouts/slideLayout2.xml><?xml version="1.0" encoding="utf-8"?>
-<p:sldLayout xmlns:a="http://schemas.openxmlformats.org/drawingml/2006/main" xmlns:r="http://schemas.openxmlformats.org/officeDocument/2006/relationships" xmlns:mc="http://schemas.openxmlformats.org/markup-compatibility/2006" xmlns:mv="urn:schemas-microsoft-com:mac:vml" xmlns:p="http://schemas.openxmlformats.org/presentationml/2006/main" xmlns:c="http://schemas.openxmlformats.org/drawingml/2006/chart" xmlns:dgm="http://schemas.openxmlformats.org/drawingml/2006/diagram" xmlns:o="urn:schemas-microsoft-com:office:office" xmlns:v="urn:schemas-microsoft-com:vml" xmlns:pvml="urn:schemas-microsoft-com:office:powerpoint" xmlns:com="http://schemas.openxmlformats.org/drawingml/2006/compatibility" xmlns:p14="http://schemas.microsoft.com/office/powerpoint/2010/main" xmlns:p15="http://schemas.microsoft.com/office/powerpoint/2012/main" xmlns:ahyp="http://schemas.microsoft.com/office/drawing/2018/hyperlinkcolor" matchingName="Section header" type="secHead">
+<p:sldLayout xmlns:a="http://schemas.openxmlformats.org/drawingml/2006/main" xmlns:r="http://schemas.openxmlformats.org/officeDocument/2006/relationships" xmlns:p="http://schemas.openxmlformats.org/presentationml/2006/main" matchingName="Section header" type="secHead">
   <p:cSld name="SECTION_HEADER">
     <p:spTree>
       <p:nvGrpSpPr>
-        <p:cNvPr id="21" name="Shape 21"/>
+        <p:cNvPr id="1" name="Shape 21"/>
         <p:cNvGrpSpPr/>
         <p:nvPr/>
       </p:nvGrpSpPr>
@@ -4267,23 +4419,20 @@
           </a:ln>
         </p:spPr>
         <p:txBody>
-          <a:bodyPr anchorCtr="0" anchor="ctr" bIns="91425" lIns="91425" spcFirstLastPara="1" rIns="91425" wrap="square" tIns="91425">
+          <a:bodyPr spcFirstLastPara="1" wrap="square" lIns="91425" tIns="91425" rIns="91425" bIns="91425" anchor="ctr" anchorCtr="0">
             <a:noAutofit/>
           </a:bodyPr>
           <a:lstStyle/>
           <a:p>
-            <a:pPr indent="0" lvl="0" marL="0" rtl="0" algn="l">
-              <a:spcBef>
-                <a:spcPts val="0"/>
-              </a:spcBef>
-              <a:spcAft>
-                <a:spcPts val="0"/>
-              </a:spcAft>
-              <a:buNone/>
-            </a:pPr>
-            <a:r>
-              <a:t/>
-            </a:r>
+            <a:pPr marL="0" lvl="0" indent="0" algn="l" rtl="0">
+              <a:spcBef>
+                <a:spcPts val="0"/>
+              </a:spcBef>
+              <a:spcAft>
+                <a:spcPts val="0"/>
+              </a:spcAft>
+              <a:buNone/>
+            </a:pPr>
             <a:endParaRPr/>
           </a:p>
         </p:txBody>
@@ -4291,7 +4440,9 @@
       <p:sp>
         <p:nvSpPr>
           <p:cNvPr id="23" name="Google Shape;23;p3"/>
-          <p:cNvSpPr txBox="1"/>
+          <p:cNvSpPr txBox="1">
+            <a:spLocks noGrp="1"/>
+          </p:cNvSpPr>
           <p:nvPr>
             <p:ph type="title"/>
           </p:nvPr>
@@ -4306,7 +4457,7 @@
           </a:prstGeom>
         </p:spPr>
         <p:txBody>
-          <a:bodyPr anchorCtr="0" anchor="ctr" bIns="91425" lIns="91425" spcFirstLastPara="1" rIns="91425" wrap="square" tIns="91425">
+          <a:bodyPr spcFirstLastPara="1" wrap="square" lIns="91425" tIns="91425" rIns="91425" bIns="91425" anchor="ctr" anchorCtr="0">
             <a:normAutofit/>
           </a:bodyPr>
           <a:lstStyle>
@@ -4410,15 +4561,19 @@
               <a:defRPr/>
             </a:lvl9pPr>
           </a:lstStyle>
-          <a:p/>
+          <a:p>
+            <a:endParaRPr/>
+          </a:p>
         </p:txBody>
       </p:sp>
       <p:sp>
         <p:nvSpPr>
           <p:cNvPr id="24" name="Google Shape;24;p3"/>
-          <p:cNvSpPr txBox="1"/>
+          <p:cNvSpPr txBox="1">
+            <a:spLocks noGrp="1"/>
+          </p:cNvSpPr>
           <p:nvPr>
-            <p:ph idx="12" type="sldNum"/>
+            <p:ph type="sldNum" idx="12"/>
           </p:nvPr>
         </p:nvSpPr>
         <p:spPr>
@@ -4431,7 +4586,7 @@
           </a:prstGeom>
         </p:spPr>
         <p:txBody>
-          <a:bodyPr anchorCtr="0" anchor="ctr" bIns="91425" lIns="91425" spcFirstLastPara="1" rIns="91425" wrap="square" tIns="91425">
+          <a:bodyPr spcFirstLastPara="1" wrap="square" lIns="91425" tIns="91425" rIns="91425" bIns="91425" anchor="ctr" anchorCtr="0">
             <a:normAutofit/>
           </a:bodyPr>
           <a:lstStyle>
@@ -4509,7 +4664,7 @@
             </a:lvl9pPr>
           </a:lstStyle>
           <a:p>
-            <a:pPr indent="0" lvl="0" marL="0" rtl="0" algn="r">
+            <a:pPr marL="0" lvl="0" indent="0" algn="r" rtl="0">
               <a:spcBef>
                 <a:spcPts val="0"/>
               </a:spcBef>
@@ -4535,11 +4690,11 @@
 </file>
 
 <file path=ppt/slideLayouts/slideLayout3.xml><?xml version="1.0" encoding="utf-8"?>
-<p:sldLayout xmlns:a="http://schemas.openxmlformats.org/drawingml/2006/main" xmlns:r="http://schemas.openxmlformats.org/officeDocument/2006/relationships" xmlns:mc="http://schemas.openxmlformats.org/markup-compatibility/2006" xmlns:mv="urn:schemas-microsoft-com:mac:vml" xmlns:p="http://schemas.openxmlformats.org/presentationml/2006/main" xmlns:c="http://schemas.openxmlformats.org/drawingml/2006/chart" xmlns:dgm="http://schemas.openxmlformats.org/drawingml/2006/diagram" xmlns:o="urn:schemas-microsoft-com:office:office" xmlns:v="urn:schemas-microsoft-com:vml" xmlns:pvml="urn:schemas-microsoft-com:office:powerpoint" xmlns:com="http://schemas.openxmlformats.org/drawingml/2006/compatibility" xmlns:p14="http://schemas.microsoft.com/office/powerpoint/2010/main" xmlns:p15="http://schemas.microsoft.com/office/powerpoint/2012/main" xmlns:ahyp="http://schemas.microsoft.com/office/drawing/2018/hyperlinkcolor" matchingName="Title and body" type="tx">
+<p:sldLayout xmlns:a="http://schemas.openxmlformats.org/drawingml/2006/main" xmlns:r="http://schemas.openxmlformats.org/officeDocument/2006/relationships" xmlns:p="http://schemas.openxmlformats.org/presentationml/2006/main" matchingName="Title and body" type="tx">
   <p:cSld name="TITLE_AND_BODY">
     <p:spTree>
       <p:nvGrpSpPr>
-        <p:cNvPr id="25" name="Shape 25"/>
+        <p:cNvPr id="1" name="Shape 25"/>
         <p:cNvGrpSpPr/>
         <p:nvPr/>
       </p:nvGrpSpPr>
@@ -4573,23 +4728,20 @@
           </a:ln>
         </p:spPr>
         <p:txBody>
-          <a:bodyPr anchorCtr="0" anchor="ctr" bIns="91425" lIns="91425" spcFirstLastPara="1" rIns="91425" wrap="square" tIns="91425">
+          <a:bodyPr spcFirstLastPara="1" wrap="square" lIns="91425" tIns="91425" rIns="91425" bIns="91425" anchor="ctr" anchorCtr="0">
             <a:noAutofit/>
           </a:bodyPr>
           <a:lstStyle/>
           <a:p>
-            <a:pPr indent="0" lvl="0" marL="0" rtl="0" algn="l">
-              <a:spcBef>
-                <a:spcPts val="0"/>
-              </a:spcBef>
-              <a:spcAft>
-                <a:spcPts val="0"/>
-              </a:spcAft>
-              <a:buNone/>
-            </a:pPr>
-            <a:r>
-              <a:t/>
-            </a:r>
+            <a:pPr marL="0" lvl="0" indent="0" algn="l" rtl="0">
+              <a:spcBef>
+                <a:spcPts val="0"/>
+              </a:spcBef>
+              <a:spcAft>
+                <a:spcPts val="0"/>
+              </a:spcAft>
+              <a:buNone/>
+            </a:pPr>
             <a:endParaRPr/>
           </a:p>
         </p:txBody>
@@ -4597,7 +4749,9 @@
       <p:sp>
         <p:nvSpPr>
           <p:cNvPr id="27" name="Google Shape;27;p4"/>
-          <p:cNvSpPr txBox="1"/>
+          <p:cNvSpPr txBox="1">
+            <a:spLocks noGrp="1"/>
+          </p:cNvSpPr>
           <p:nvPr>
             <p:ph type="title"/>
           </p:nvPr>
@@ -4612,7 +4766,7 @@
           </a:prstGeom>
         </p:spPr>
         <p:txBody>
-          <a:bodyPr anchorCtr="0" anchor="t" bIns="91425" lIns="91425" spcFirstLastPara="1" rIns="91425" wrap="square" tIns="91425">
+          <a:bodyPr spcFirstLastPara="1" wrap="square" lIns="91425" tIns="91425" rIns="91425" bIns="91425" anchor="t" anchorCtr="0">
             <a:normAutofit/>
           </a:bodyPr>
           <a:lstStyle>
@@ -4716,15 +4870,19 @@
               <a:defRPr/>
             </a:lvl9pPr>
           </a:lstStyle>
-          <a:p/>
+          <a:p>
+            <a:endParaRPr/>
+          </a:p>
         </p:txBody>
       </p:sp>
       <p:sp>
         <p:nvSpPr>
           <p:cNvPr id="28" name="Google Shape;28;p4"/>
-          <p:cNvSpPr txBox="1"/>
+          <p:cNvSpPr txBox="1">
+            <a:spLocks noGrp="1"/>
+          </p:cNvSpPr>
           <p:nvPr>
-            <p:ph idx="1" type="body"/>
+            <p:ph type="body" idx="1"/>
           </p:nvPr>
         </p:nvSpPr>
         <p:spPr>
@@ -4737,11 +4895,11 @@
           </a:prstGeom>
         </p:spPr>
         <p:txBody>
-          <a:bodyPr anchorCtr="0" anchor="t" bIns="91425" lIns="91425" spcFirstLastPara="1" rIns="91425" wrap="square" tIns="91425">
+          <a:bodyPr spcFirstLastPara="1" wrap="square" lIns="91425" tIns="91425" rIns="91425" bIns="91425" anchor="t" anchorCtr="0">
             <a:normAutofit/>
           </a:bodyPr>
           <a:lstStyle>
-            <a:lvl1pPr indent="-342900" lvl="0" marL="457200">
+            <a:lvl1pPr marL="457200" lvl="0" indent="-342900">
               <a:spcBef>
                 <a:spcPts val="0"/>
               </a:spcBef>
@@ -4752,7 +4910,7 @@
               <a:buChar char="●"/>
               <a:defRPr/>
             </a:lvl1pPr>
-            <a:lvl2pPr indent="-317500" lvl="1" marL="914400">
+            <a:lvl2pPr marL="914400" lvl="1" indent="-317500">
               <a:spcBef>
                 <a:spcPts val="0"/>
               </a:spcBef>
@@ -4763,7 +4921,7 @@
               <a:buChar char="○"/>
               <a:defRPr/>
             </a:lvl2pPr>
-            <a:lvl3pPr indent="-317500" lvl="2" marL="1371600">
+            <a:lvl3pPr marL="1371600" lvl="2" indent="-317500">
               <a:spcBef>
                 <a:spcPts val="0"/>
               </a:spcBef>
@@ -4774,7 +4932,7 @@
               <a:buChar char="■"/>
               <a:defRPr/>
             </a:lvl3pPr>
-            <a:lvl4pPr indent="-317500" lvl="3" marL="1828800">
+            <a:lvl4pPr marL="1828800" lvl="3" indent="-317500">
               <a:spcBef>
                 <a:spcPts val="0"/>
               </a:spcBef>
@@ -4785,7 +4943,7 @@
               <a:buChar char="●"/>
               <a:defRPr/>
             </a:lvl4pPr>
-            <a:lvl5pPr indent="-317500" lvl="4" marL="2286000">
+            <a:lvl5pPr marL="2286000" lvl="4" indent="-317500">
               <a:spcBef>
                 <a:spcPts val="0"/>
               </a:spcBef>
@@ -4796,7 +4954,7 @@
               <a:buChar char="○"/>
               <a:defRPr/>
             </a:lvl5pPr>
-            <a:lvl6pPr indent="-317500" lvl="5" marL="2743200">
+            <a:lvl6pPr marL="2743200" lvl="5" indent="-317500">
               <a:spcBef>
                 <a:spcPts val="0"/>
               </a:spcBef>
@@ -4807,7 +4965,7 @@
               <a:buChar char="■"/>
               <a:defRPr/>
             </a:lvl6pPr>
-            <a:lvl7pPr indent="-317500" lvl="6" marL="3200400">
+            <a:lvl7pPr marL="3200400" lvl="6" indent="-317500">
               <a:spcBef>
                 <a:spcPts val="0"/>
               </a:spcBef>
@@ -4818,7 +4976,7 @@
               <a:buChar char="●"/>
               <a:defRPr/>
             </a:lvl7pPr>
-            <a:lvl8pPr indent="-317500" lvl="7" marL="3657600">
+            <a:lvl8pPr marL="3657600" lvl="7" indent="-317500">
               <a:spcBef>
                 <a:spcPts val="0"/>
               </a:spcBef>
@@ -4829,7 +4987,7 @@
               <a:buChar char="○"/>
               <a:defRPr/>
             </a:lvl8pPr>
-            <a:lvl9pPr indent="-317500" lvl="8" marL="4114800">
+            <a:lvl9pPr marL="4114800" lvl="8" indent="-317500">
               <a:spcBef>
                 <a:spcPts val="0"/>
               </a:spcBef>
@@ -4841,15 +4999,19 @@
               <a:defRPr/>
             </a:lvl9pPr>
           </a:lstStyle>
-          <a:p/>
+          <a:p>
+            <a:endParaRPr/>
+          </a:p>
         </p:txBody>
       </p:sp>
       <p:sp>
         <p:nvSpPr>
           <p:cNvPr id="29" name="Google Shape;29;p4"/>
-          <p:cNvSpPr txBox="1"/>
+          <p:cNvSpPr txBox="1">
+            <a:spLocks noGrp="1"/>
+          </p:cNvSpPr>
           <p:nvPr>
-            <p:ph idx="12" type="sldNum"/>
+            <p:ph type="sldNum" idx="12"/>
           </p:nvPr>
         </p:nvSpPr>
         <p:spPr>
@@ -4862,7 +5024,7 @@
           </a:prstGeom>
         </p:spPr>
         <p:txBody>
-          <a:bodyPr anchorCtr="0" anchor="ctr" bIns="91425" lIns="91425" spcFirstLastPara="1" rIns="91425" wrap="square" tIns="91425">
+          <a:bodyPr spcFirstLastPara="1" wrap="square" lIns="91425" tIns="91425" rIns="91425" bIns="91425" anchor="ctr" anchorCtr="0">
             <a:normAutofit/>
           </a:bodyPr>
           <a:lstStyle>
@@ -4904,7 +5066,7 @@
             </a:lvl9pPr>
           </a:lstStyle>
           <a:p>
-            <a:pPr indent="0" lvl="0" marL="0" rtl="0" algn="r">
+            <a:pPr marL="0" lvl="0" indent="0" algn="r" rtl="0">
               <a:spcBef>
                 <a:spcPts val="0"/>
               </a:spcBef>
@@ -4930,11 +5092,11 @@
 </file>
 
 <file path=ppt/slideLayouts/slideLayout4.xml><?xml version="1.0" encoding="utf-8"?>
-<p:sldLayout xmlns:a="http://schemas.openxmlformats.org/drawingml/2006/main" xmlns:r="http://schemas.openxmlformats.org/officeDocument/2006/relationships" xmlns:mc="http://schemas.openxmlformats.org/markup-compatibility/2006" xmlns:mv="urn:schemas-microsoft-com:mac:vml" xmlns:p="http://schemas.openxmlformats.org/presentationml/2006/main" xmlns:c="http://schemas.openxmlformats.org/drawingml/2006/chart" xmlns:dgm="http://schemas.openxmlformats.org/drawingml/2006/diagram" xmlns:o="urn:schemas-microsoft-com:office:office" xmlns:v="urn:schemas-microsoft-com:vml" xmlns:pvml="urn:schemas-microsoft-com:office:powerpoint" xmlns:com="http://schemas.openxmlformats.org/drawingml/2006/compatibility" xmlns:p14="http://schemas.microsoft.com/office/powerpoint/2010/main" xmlns:p15="http://schemas.microsoft.com/office/powerpoint/2012/main" xmlns:ahyp="http://schemas.microsoft.com/office/drawing/2018/hyperlinkcolor" matchingName="Title and two columns" type="twoColTx">
+<p:sldLayout xmlns:a="http://schemas.openxmlformats.org/drawingml/2006/main" xmlns:r="http://schemas.openxmlformats.org/officeDocument/2006/relationships" xmlns:p="http://schemas.openxmlformats.org/presentationml/2006/main" matchingName="Title and two columns" type="twoColTx">
   <p:cSld name="TITLE_AND_TWO_COLUMNS">
     <p:spTree>
       <p:nvGrpSpPr>
-        <p:cNvPr id="30" name="Shape 30"/>
+        <p:cNvPr id="1" name="Shape 30"/>
         <p:cNvGrpSpPr/>
         <p:nvPr/>
       </p:nvGrpSpPr>
@@ -4949,7 +5111,9 @@
       <p:sp>
         <p:nvSpPr>
           <p:cNvPr id="31" name="Google Shape;31;p5"/>
-          <p:cNvSpPr txBox="1"/>
+          <p:cNvSpPr txBox="1">
+            <a:spLocks noGrp="1"/>
+          </p:cNvSpPr>
           <p:nvPr>
             <p:ph type="title"/>
           </p:nvPr>
@@ -4964,7 +5128,7 @@
           </a:prstGeom>
         </p:spPr>
         <p:txBody>
-          <a:bodyPr anchorCtr="0" anchor="t" bIns="91425" lIns="91425" spcFirstLastPara="1" rIns="91425" wrap="square" tIns="91425">
+          <a:bodyPr spcFirstLastPara="1" wrap="square" lIns="91425" tIns="91425" rIns="91425" bIns="91425" anchor="t" anchorCtr="0">
             <a:normAutofit/>
           </a:bodyPr>
           <a:lstStyle>
@@ -5068,15 +5232,19 @@
               <a:defRPr/>
             </a:lvl9pPr>
           </a:lstStyle>
-          <a:p/>
+          <a:p>
+            <a:endParaRPr/>
+          </a:p>
         </p:txBody>
       </p:sp>
       <p:sp>
         <p:nvSpPr>
           <p:cNvPr id="32" name="Google Shape;32;p5"/>
-          <p:cNvSpPr txBox="1"/>
+          <p:cNvSpPr txBox="1">
+            <a:spLocks noGrp="1"/>
+          </p:cNvSpPr>
           <p:nvPr>
-            <p:ph idx="1" type="body"/>
+            <p:ph type="body" idx="1"/>
           </p:nvPr>
         </p:nvSpPr>
         <p:spPr>
@@ -5089,11 +5257,11 @@
           </a:prstGeom>
         </p:spPr>
         <p:txBody>
-          <a:bodyPr anchorCtr="0" anchor="t" bIns="91425" lIns="91425" spcFirstLastPara="1" rIns="91425" wrap="square" tIns="91425">
+          <a:bodyPr spcFirstLastPara="1" wrap="square" lIns="91425" tIns="91425" rIns="91425" bIns="91425" anchor="t" anchorCtr="0">
             <a:normAutofit/>
           </a:bodyPr>
           <a:lstStyle>
-            <a:lvl1pPr indent="-317500" lvl="0" marL="457200">
+            <a:lvl1pPr marL="457200" lvl="0" indent="-317500">
               <a:spcBef>
                 <a:spcPts val="0"/>
               </a:spcBef>
@@ -5104,7 +5272,7 @@
               <a:buChar char="●"/>
               <a:defRPr sz="1400"/>
             </a:lvl1pPr>
-            <a:lvl2pPr indent="-304800" lvl="1" marL="914400">
+            <a:lvl2pPr marL="914400" lvl="1" indent="-304800">
               <a:spcBef>
                 <a:spcPts val="0"/>
               </a:spcBef>
@@ -5115,7 +5283,7 @@
               <a:buChar char="○"/>
               <a:defRPr sz="1200"/>
             </a:lvl2pPr>
-            <a:lvl3pPr indent="-304800" lvl="2" marL="1371600">
+            <a:lvl3pPr marL="1371600" lvl="2" indent="-304800">
               <a:spcBef>
                 <a:spcPts val="0"/>
               </a:spcBef>
@@ -5126,7 +5294,7 @@
               <a:buChar char="■"/>
               <a:defRPr sz="1200"/>
             </a:lvl3pPr>
-            <a:lvl4pPr indent="-304800" lvl="3" marL="1828800">
+            <a:lvl4pPr marL="1828800" lvl="3" indent="-304800">
               <a:spcBef>
                 <a:spcPts val="0"/>
               </a:spcBef>
@@ -5137,7 +5305,7 @@
               <a:buChar char="●"/>
               <a:defRPr sz="1200"/>
             </a:lvl4pPr>
-            <a:lvl5pPr indent="-304800" lvl="4" marL="2286000">
+            <a:lvl5pPr marL="2286000" lvl="4" indent="-304800">
               <a:spcBef>
                 <a:spcPts val="0"/>
               </a:spcBef>
@@ -5148,7 +5316,7 @@
               <a:buChar char="○"/>
               <a:defRPr sz="1200"/>
             </a:lvl5pPr>
-            <a:lvl6pPr indent="-304800" lvl="5" marL="2743200">
+            <a:lvl6pPr marL="2743200" lvl="5" indent="-304800">
               <a:spcBef>
                 <a:spcPts val="0"/>
               </a:spcBef>
@@ -5159,7 +5327,7 @@
               <a:buChar char="■"/>
               <a:defRPr sz="1200"/>
             </a:lvl6pPr>
-            <a:lvl7pPr indent="-304800" lvl="6" marL="3200400">
+            <a:lvl7pPr marL="3200400" lvl="6" indent="-304800">
               <a:spcBef>
                 <a:spcPts val="0"/>
               </a:spcBef>
@@ -5170,7 +5338,7 @@
               <a:buChar char="●"/>
               <a:defRPr sz="1200"/>
             </a:lvl7pPr>
-            <a:lvl8pPr indent="-304800" lvl="7" marL="3657600">
+            <a:lvl8pPr marL="3657600" lvl="7" indent="-304800">
               <a:spcBef>
                 <a:spcPts val="0"/>
               </a:spcBef>
@@ -5181,7 +5349,7 @@
               <a:buChar char="○"/>
               <a:defRPr sz="1200"/>
             </a:lvl8pPr>
-            <a:lvl9pPr indent="-304800" lvl="8" marL="4114800">
+            <a:lvl9pPr marL="4114800" lvl="8" indent="-304800">
               <a:spcBef>
                 <a:spcPts val="0"/>
               </a:spcBef>
@@ -5193,15 +5361,19 @@
               <a:defRPr sz="1200"/>
             </a:lvl9pPr>
           </a:lstStyle>
-          <a:p/>
+          <a:p>
+            <a:endParaRPr/>
+          </a:p>
         </p:txBody>
       </p:sp>
       <p:sp>
         <p:nvSpPr>
           <p:cNvPr id="33" name="Google Shape;33;p5"/>
-          <p:cNvSpPr txBox="1"/>
+          <p:cNvSpPr txBox="1">
+            <a:spLocks noGrp="1"/>
+          </p:cNvSpPr>
           <p:nvPr>
-            <p:ph idx="2" type="body"/>
+            <p:ph type="body" idx="2"/>
           </p:nvPr>
         </p:nvSpPr>
         <p:spPr>
@@ -5214,11 +5386,11 @@
           </a:prstGeom>
         </p:spPr>
         <p:txBody>
-          <a:bodyPr anchorCtr="0" anchor="t" bIns="91425" lIns="91425" spcFirstLastPara="1" rIns="91425" wrap="square" tIns="91425">
+          <a:bodyPr spcFirstLastPara="1" wrap="square" lIns="91425" tIns="91425" rIns="91425" bIns="91425" anchor="t" anchorCtr="0">
             <a:normAutofit/>
           </a:bodyPr>
           <a:lstStyle>
-            <a:lvl1pPr indent="-317500" lvl="0" marL="457200">
+            <a:lvl1pPr marL="457200" lvl="0" indent="-317500">
               <a:spcBef>
                 <a:spcPts val="0"/>
               </a:spcBef>
@@ -5229,7 +5401,7 @@
               <a:buChar char="●"/>
               <a:defRPr sz="1400"/>
             </a:lvl1pPr>
-            <a:lvl2pPr indent="-304800" lvl="1" marL="914400">
+            <a:lvl2pPr marL="914400" lvl="1" indent="-304800">
               <a:spcBef>
                 <a:spcPts val="0"/>
               </a:spcBef>
@@ -5240,7 +5412,7 @@
               <a:buChar char="○"/>
               <a:defRPr sz="1200"/>
             </a:lvl2pPr>
-            <a:lvl3pPr indent="-304800" lvl="2" marL="1371600">
+            <a:lvl3pPr marL="1371600" lvl="2" indent="-304800">
               <a:spcBef>
                 <a:spcPts val="0"/>
               </a:spcBef>
@@ -5251,7 +5423,7 @@
               <a:buChar char="■"/>
               <a:defRPr sz="1200"/>
             </a:lvl3pPr>
-            <a:lvl4pPr indent="-304800" lvl="3" marL="1828800">
+            <a:lvl4pPr marL="1828800" lvl="3" indent="-304800">
               <a:spcBef>
                 <a:spcPts val="0"/>
               </a:spcBef>
@@ -5262,7 +5434,7 @@
               <a:buChar char="●"/>
               <a:defRPr sz="1200"/>
             </a:lvl4pPr>
-            <a:lvl5pPr indent="-304800" lvl="4" marL="2286000">
+            <a:lvl5pPr marL="2286000" lvl="4" indent="-304800">
               <a:spcBef>
                 <a:spcPts val="0"/>
               </a:spcBef>
@@ -5273,7 +5445,7 @@
               <a:buChar char="○"/>
               <a:defRPr sz="1200"/>
             </a:lvl5pPr>
-            <a:lvl6pPr indent="-304800" lvl="5" marL="2743200">
+            <a:lvl6pPr marL="2743200" lvl="5" indent="-304800">
               <a:spcBef>
                 <a:spcPts val="0"/>
               </a:spcBef>
@@ -5284,7 +5456,7 @@
               <a:buChar char="■"/>
               <a:defRPr sz="1200"/>
             </a:lvl6pPr>
-            <a:lvl7pPr indent="-304800" lvl="6" marL="3200400">
+            <a:lvl7pPr marL="3200400" lvl="6" indent="-304800">
               <a:spcBef>
                 <a:spcPts val="0"/>
               </a:spcBef>
@@ -5295,7 +5467,7 @@
               <a:buChar char="●"/>
               <a:defRPr sz="1200"/>
             </a:lvl7pPr>
-            <a:lvl8pPr indent="-304800" lvl="7" marL="3657600">
+            <a:lvl8pPr marL="3657600" lvl="7" indent="-304800">
               <a:spcBef>
                 <a:spcPts val="0"/>
               </a:spcBef>
@@ -5306,7 +5478,7 @@
               <a:buChar char="○"/>
               <a:defRPr sz="1200"/>
             </a:lvl8pPr>
-            <a:lvl9pPr indent="-304800" lvl="8" marL="4114800">
+            <a:lvl9pPr marL="4114800" lvl="8" indent="-304800">
               <a:spcBef>
                 <a:spcPts val="0"/>
               </a:spcBef>
@@ -5318,15 +5490,19 @@
               <a:defRPr sz="1200"/>
             </a:lvl9pPr>
           </a:lstStyle>
-          <a:p/>
+          <a:p>
+            <a:endParaRPr/>
+          </a:p>
         </p:txBody>
       </p:sp>
       <p:sp>
         <p:nvSpPr>
           <p:cNvPr id="34" name="Google Shape;34;p5"/>
-          <p:cNvSpPr txBox="1"/>
+          <p:cNvSpPr txBox="1">
+            <a:spLocks noGrp="1"/>
+          </p:cNvSpPr>
           <p:nvPr>
-            <p:ph idx="12" type="sldNum"/>
+            <p:ph type="sldNum" idx="12"/>
           </p:nvPr>
         </p:nvSpPr>
         <p:spPr>
@@ -5339,7 +5515,7 @@
           </a:prstGeom>
         </p:spPr>
         <p:txBody>
-          <a:bodyPr anchorCtr="0" anchor="ctr" bIns="91425" lIns="91425" spcFirstLastPara="1" rIns="91425" wrap="square" tIns="91425">
+          <a:bodyPr spcFirstLastPara="1" wrap="square" lIns="91425" tIns="91425" rIns="91425" bIns="91425" anchor="ctr" anchorCtr="0">
             <a:normAutofit/>
           </a:bodyPr>
           <a:lstStyle>
@@ -5381,7 +5557,7 @@
             </a:lvl9pPr>
           </a:lstStyle>
           <a:p>
-            <a:pPr indent="0" lvl="0" marL="0" rtl="0" algn="r">
+            <a:pPr marL="0" lvl="0" indent="0" algn="r" rtl="0">
               <a:spcBef>
                 <a:spcPts val="0"/>
               </a:spcBef>
@@ -5407,11 +5583,11 @@
 </file>
 
 <file path=ppt/slideLayouts/slideLayout5.xml><?xml version="1.0" encoding="utf-8"?>
-<p:sldLayout xmlns:a="http://schemas.openxmlformats.org/drawingml/2006/main" xmlns:r="http://schemas.openxmlformats.org/officeDocument/2006/relationships" xmlns:mc="http://schemas.openxmlformats.org/markup-compatibility/2006" xmlns:mv="urn:schemas-microsoft-com:mac:vml" xmlns:p="http://schemas.openxmlformats.org/presentationml/2006/main" xmlns:c="http://schemas.openxmlformats.org/drawingml/2006/chart" xmlns:dgm="http://schemas.openxmlformats.org/drawingml/2006/diagram" xmlns:o="urn:schemas-microsoft-com:office:office" xmlns:v="urn:schemas-microsoft-com:vml" xmlns:pvml="urn:schemas-microsoft-com:office:powerpoint" xmlns:com="http://schemas.openxmlformats.org/drawingml/2006/compatibility" xmlns:p14="http://schemas.microsoft.com/office/powerpoint/2010/main" xmlns:p15="http://schemas.microsoft.com/office/powerpoint/2012/main" xmlns:ahyp="http://schemas.microsoft.com/office/drawing/2018/hyperlinkcolor" matchingName="Title only" type="titleOnly">
+<p:sldLayout xmlns:a="http://schemas.openxmlformats.org/drawingml/2006/main" xmlns:r="http://schemas.openxmlformats.org/officeDocument/2006/relationships" xmlns:p="http://schemas.openxmlformats.org/presentationml/2006/main" matchingName="Title only" type="titleOnly">
   <p:cSld name="TITLE_ONLY">
     <p:spTree>
       <p:nvGrpSpPr>
-        <p:cNvPr id="35" name="Shape 35"/>
+        <p:cNvPr id="1" name="Shape 35"/>
         <p:cNvGrpSpPr/>
         <p:nvPr/>
       </p:nvGrpSpPr>
@@ -5426,7 +5602,9 @@
       <p:sp>
         <p:nvSpPr>
           <p:cNvPr id="36" name="Google Shape;36;p6"/>
-          <p:cNvSpPr txBox="1"/>
+          <p:cNvSpPr txBox="1">
+            <a:spLocks noGrp="1"/>
+          </p:cNvSpPr>
           <p:nvPr>
             <p:ph type="title"/>
           </p:nvPr>
@@ -5441,7 +5619,7 @@
           </a:prstGeom>
         </p:spPr>
         <p:txBody>
-          <a:bodyPr anchorCtr="0" anchor="t" bIns="91425" lIns="91425" spcFirstLastPara="1" rIns="91425" wrap="square" tIns="91425">
+          <a:bodyPr spcFirstLastPara="1" wrap="square" lIns="91425" tIns="91425" rIns="91425" bIns="91425" anchor="t" anchorCtr="0">
             <a:normAutofit/>
           </a:bodyPr>
           <a:lstStyle>
@@ -5545,15 +5723,19 @@
               <a:defRPr/>
             </a:lvl9pPr>
           </a:lstStyle>
-          <a:p/>
+          <a:p>
+            <a:endParaRPr/>
+          </a:p>
         </p:txBody>
       </p:sp>
       <p:sp>
         <p:nvSpPr>
           <p:cNvPr id="37" name="Google Shape;37;p6"/>
-          <p:cNvSpPr txBox="1"/>
+          <p:cNvSpPr txBox="1">
+            <a:spLocks noGrp="1"/>
+          </p:cNvSpPr>
           <p:nvPr>
-            <p:ph idx="12" type="sldNum"/>
+            <p:ph type="sldNum" idx="12"/>
           </p:nvPr>
         </p:nvSpPr>
         <p:spPr>
@@ -5566,7 +5748,7 @@
           </a:prstGeom>
         </p:spPr>
         <p:txBody>
-          <a:bodyPr anchorCtr="0" anchor="ctr" bIns="91425" lIns="91425" spcFirstLastPara="1" rIns="91425" wrap="square" tIns="91425">
+          <a:bodyPr spcFirstLastPara="1" wrap="square" lIns="91425" tIns="91425" rIns="91425" bIns="91425" anchor="ctr" anchorCtr="0">
             <a:normAutofit/>
           </a:bodyPr>
           <a:lstStyle>
@@ -5608,7 +5790,7 @@
             </a:lvl9pPr>
           </a:lstStyle>
           <a:p>
-            <a:pPr indent="0" lvl="0" marL="0" rtl="0" algn="r">
+            <a:pPr marL="0" lvl="0" indent="0" algn="r" rtl="0">
               <a:spcBef>
                 <a:spcPts val="0"/>
               </a:spcBef>
@@ -5634,11 +5816,11 @@
 </file>
 
 <file path=ppt/slideLayouts/slideLayout6.xml><?xml version="1.0" encoding="utf-8"?>
-<p:sldLayout xmlns:a="http://schemas.openxmlformats.org/drawingml/2006/main" xmlns:r="http://schemas.openxmlformats.org/officeDocument/2006/relationships" xmlns:mc="http://schemas.openxmlformats.org/markup-compatibility/2006" xmlns:mv="urn:schemas-microsoft-com:mac:vml" xmlns:p="http://schemas.openxmlformats.org/presentationml/2006/main" xmlns:c="http://schemas.openxmlformats.org/drawingml/2006/chart" xmlns:dgm="http://schemas.openxmlformats.org/drawingml/2006/diagram" xmlns:o="urn:schemas-microsoft-com:office:office" xmlns:v="urn:schemas-microsoft-com:vml" xmlns:pvml="urn:schemas-microsoft-com:office:powerpoint" xmlns:com="http://schemas.openxmlformats.org/drawingml/2006/compatibility" xmlns:p14="http://schemas.microsoft.com/office/powerpoint/2010/main" xmlns:p15="http://schemas.microsoft.com/office/powerpoint/2012/main" xmlns:ahyp="http://schemas.microsoft.com/office/drawing/2018/hyperlinkcolor" matchingName="One column text">
+<p:sldLayout xmlns:a="http://schemas.openxmlformats.org/drawingml/2006/main" xmlns:r="http://schemas.openxmlformats.org/officeDocument/2006/relationships" xmlns:p="http://schemas.openxmlformats.org/presentationml/2006/main" matchingName="One column text">
   <p:cSld name="ONE_COLUMN_TEXT">
     <p:spTree>
       <p:nvGrpSpPr>
-        <p:cNvPr id="38" name="Shape 38"/>
+        <p:cNvPr id="1" name="Shape 38"/>
         <p:cNvGrpSpPr/>
         <p:nvPr/>
       </p:nvGrpSpPr>
@@ -5653,7 +5835,9 @@
       <p:sp>
         <p:nvSpPr>
           <p:cNvPr id="39" name="Google Shape;39;p7"/>
-          <p:cNvSpPr txBox="1"/>
+          <p:cNvSpPr txBox="1">
+            <a:spLocks noGrp="1"/>
+          </p:cNvSpPr>
           <p:nvPr>
             <p:ph type="title"/>
           </p:nvPr>
@@ -5668,7 +5852,7 @@
           </a:prstGeom>
         </p:spPr>
         <p:txBody>
-          <a:bodyPr anchorCtr="0" anchor="b" bIns="91425" lIns="91425" spcFirstLastPara="1" rIns="91425" wrap="square" tIns="91425">
+          <a:bodyPr spcFirstLastPara="1" wrap="square" lIns="91425" tIns="91425" rIns="91425" bIns="91425" anchor="b" anchorCtr="0">
             <a:normAutofit/>
           </a:bodyPr>
           <a:lstStyle>
@@ -5772,15 +5956,19 @@
               <a:defRPr sz="2400"/>
             </a:lvl9pPr>
           </a:lstStyle>
-          <a:p/>
+          <a:p>
+            <a:endParaRPr/>
+          </a:p>
         </p:txBody>
       </p:sp>
       <p:sp>
         <p:nvSpPr>
           <p:cNvPr id="40" name="Google Shape;40;p7"/>
-          <p:cNvSpPr txBox="1"/>
+          <p:cNvSpPr txBox="1">
+            <a:spLocks noGrp="1"/>
+          </p:cNvSpPr>
           <p:nvPr>
-            <p:ph idx="1" type="body"/>
+            <p:ph type="body" idx="1"/>
           </p:nvPr>
         </p:nvSpPr>
         <p:spPr>
@@ -5793,11 +5981,11 @@
           </a:prstGeom>
         </p:spPr>
         <p:txBody>
-          <a:bodyPr anchorCtr="0" anchor="t" bIns="91425" lIns="91425" spcFirstLastPara="1" rIns="91425" wrap="square" tIns="91425">
+          <a:bodyPr spcFirstLastPara="1" wrap="square" lIns="91425" tIns="91425" rIns="91425" bIns="91425" anchor="t" anchorCtr="0">
             <a:normAutofit/>
           </a:bodyPr>
           <a:lstStyle>
-            <a:lvl1pPr indent="-304800" lvl="0" marL="457200">
+            <a:lvl1pPr marL="457200" lvl="0" indent="-304800">
               <a:spcBef>
                 <a:spcPts val="0"/>
               </a:spcBef>
@@ -5808,7 +5996,7 @@
               <a:buChar char="●"/>
               <a:defRPr sz="1200"/>
             </a:lvl1pPr>
-            <a:lvl2pPr indent="-304800" lvl="1" marL="914400">
+            <a:lvl2pPr marL="914400" lvl="1" indent="-304800">
               <a:spcBef>
                 <a:spcPts val="0"/>
               </a:spcBef>
@@ -5819,7 +6007,7 @@
               <a:buChar char="○"/>
               <a:defRPr sz="1200"/>
             </a:lvl2pPr>
-            <a:lvl3pPr indent="-304800" lvl="2" marL="1371600">
+            <a:lvl3pPr marL="1371600" lvl="2" indent="-304800">
               <a:spcBef>
                 <a:spcPts val="0"/>
               </a:spcBef>
@@ -5830,7 +6018,7 @@
               <a:buChar char="■"/>
               <a:defRPr sz="1200"/>
             </a:lvl3pPr>
-            <a:lvl4pPr indent="-304800" lvl="3" marL="1828800">
+            <a:lvl4pPr marL="1828800" lvl="3" indent="-304800">
               <a:spcBef>
                 <a:spcPts val="0"/>
               </a:spcBef>
@@ -5841,7 +6029,7 @@
               <a:buChar char="●"/>
               <a:defRPr sz="1200"/>
             </a:lvl4pPr>
-            <a:lvl5pPr indent="-304800" lvl="4" marL="2286000">
+            <a:lvl5pPr marL="2286000" lvl="4" indent="-304800">
               <a:spcBef>
                 <a:spcPts val="0"/>
               </a:spcBef>
@@ -5852,7 +6040,7 @@
               <a:buChar char="○"/>
               <a:defRPr sz="1200"/>
             </a:lvl5pPr>
-            <a:lvl6pPr indent="-304800" lvl="5" marL="2743200">
+            <a:lvl6pPr marL="2743200" lvl="5" indent="-304800">
               <a:spcBef>
                 <a:spcPts val="0"/>
               </a:spcBef>
@@ -5863,7 +6051,7 @@
               <a:buChar char="■"/>
               <a:defRPr sz="1200"/>
             </a:lvl6pPr>
-            <a:lvl7pPr indent="-304800" lvl="6" marL="3200400">
+            <a:lvl7pPr marL="3200400" lvl="6" indent="-304800">
               <a:spcBef>
                 <a:spcPts val="0"/>
               </a:spcBef>
@@ -5874,7 +6062,7 @@
               <a:buChar char="●"/>
               <a:defRPr sz="1200"/>
             </a:lvl7pPr>
-            <a:lvl8pPr indent="-304800" lvl="7" marL="3657600">
+            <a:lvl8pPr marL="3657600" lvl="7" indent="-304800">
               <a:spcBef>
                 <a:spcPts val="0"/>
               </a:spcBef>
@@ -5885,7 +6073,7 @@
               <a:buChar char="○"/>
               <a:defRPr sz="1200"/>
             </a:lvl8pPr>
-            <a:lvl9pPr indent="-304800" lvl="8" marL="4114800">
+            <a:lvl9pPr marL="4114800" lvl="8" indent="-304800">
               <a:spcBef>
                 <a:spcPts val="0"/>
               </a:spcBef>
@@ -5897,15 +6085,19 @@
               <a:defRPr sz="1200"/>
             </a:lvl9pPr>
           </a:lstStyle>
-          <a:p/>
+          <a:p>
+            <a:endParaRPr/>
+          </a:p>
         </p:txBody>
       </p:sp>
       <p:sp>
         <p:nvSpPr>
           <p:cNvPr id="41" name="Google Shape;41;p7"/>
-          <p:cNvSpPr txBox="1"/>
+          <p:cNvSpPr txBox="1">
+            <a:spLocks noGrp="1"/>
+          </p:cNvSpPr>
           <p:nvPr>
-            <p:ph idx="12" type="sldNum"/>
+            <p:ph type="sldNum" idx="12"/>
           </p:nvPr>
         </p:nvSpPr>
         <p:spPr>
@@ -5918,7 +6110,7 @@
           </a:prstGeom>
         </p:spPr>
         <p:txBody>
-          <a:bodyPr anchorCtr="0" anchor="ctr" bIns="91425" lIns="91425" spcFirstLastPara="1" rIns="91425" wrap="square" tIns="91425">
+          <a:bodyPr spcFirstLastPara="1" wrap="square" lIns="91425" tIns="91425" rIns="91425" bIns="91425" anchor="ctr" anchorCtr="0">
             <a:normAutofit/>
           </a:bodyPr>
           <a:lstStyle>
@@ -5960,7 +6152,7 @@
             </a:lvl9pPr>
           </a:lstStyle>
           <a:p>
-            <a:pPr indent="0" lvl="0" marL="0" rtl="0" algn="r">
+            <a:pPr marL="0" lvl="0" indent="0" algn="r" rtl="0">
               <a:spcBef>
                 <a:spcPts val="0"/>
               </a:spcBef>
@@ -5986,18 +6178,19 @@
 </file>
 
 <file path=ppt/slideLayouts/slideLayout7.xml><?xml version="1.0" encoding="utf-8"?>
-<p:sldLayout xmlns:a="http://schemas.openxmlformats.org/drawingml/2006/main" xmlns:r="http://schemas.openxmlformats.org/officeDocument/2006/relationships" xmlns:mc="http://schemas.openxmlformats.org/markup-compatibility/2006" xmlns:mv="urn:schemas-microsoft-com:mac:vml" xmlns:p="http://schemas.openxmlformats.org/presentationml/2006/main" xmlns:c="http://schemas.openxmlformats.org/drawingml/2006/chart" xmlns:dgm="http://schemas.openxmlformats.org/drawingml/2006/diagram" xmlns:o="urn:schemas-microsoft-com:office:office" xmlns:v="urn:schemas-microsoft-com:vml" xmlns:pvml="urn:schemas-microsoft-com:office:powerpoint" xmlns:com="http://schemas.openxmlformats.org/drawingml/2006/compatibility" xmlns:p14="http://schemas.microsoft.com/office/powerpoint/2010/main" xmlns:p15="http://schemas.microsoft.com/office/powerpoint/2012/main" xmlns:ahyp="http://schemas.microsoft.com/office/drawing/2018/hyperlinkcolor" matchingName="Main point">
+<p:sldLayout xmlns:a="http://schemas.openxmlformats.org/drawingml/2006/main" xmlns:r="http://schemas.openxmlformats.org/officeDocument/2006/relationships" xmlns:p="http://schemas.openxmlformats.org/presentationml/2006/main" matchingName="Main point">
   <p:cSld name="MAIN_POINT">
     <p:bg>
       <p:bgPr>
         <a:solidFill>
           <a:schemeClr val="accent6"/>
         </a:solidFill>
+        <a:effectLst/>
       </p:bgPr>
     </p:bg>
     <p:spTree>
       <p:nvGrpSpPr>
-        <p:cNvPr id="42" name="Shape 42"/>
+        <p:cNvPr id="1" name="Shape 42"/>
         <p:cNvGrpSpPr/>
         <p:nvPr/>
       </p:nvGrpSpPr>
@@ -6012,7 +6205,9 @@
       <p:sp>
         <p:nvSpPr>
           <p:cNvPr id="43" name="Google Shape;43;p8"/>
-          <p:cNvSpPr txBox="1"/>
+          <p:cNvSpPr txBox="1">
+            <a:spLocks noGrp="1"/>
+          </p:cNvSpPr>
           <p:nvPr>
             <p:ph type="title"/>
           </p:nvPr>
@@ -6027,7 +6222,7 @@
           </a:prstGeom>
         </p:spPr>
         <p:txBody>
-          <a:bodyPr anchorCtr="0" anchor="ctr" bIns="91425" lIns="91425" spcFirstLastPara="1" rIns="91425" wrap="square" tIns="91425">
+          <a:bodyPr spcFirstLastPara="1" wrap="square" lIns="91425" tIns="91425" rIns="91425" bIns="91425" anchor="ctr" anchorCtr="0">
             <a:normAutofit/>
           </a:bodyPr>
           <a:lstStyle>
@@ -6043,7 +6238,7 @@
               </a:buClr>
               <a:buSzPts val="5400"/>
               <a:buNone/>
-              <a:defRPr b="0" sz="5400">
+              <a:defRPr sz="5400" b="0">
                 <a:solidFill>
                   <a:schemeClr val="dk2"/>
                 </a:solidFill>
@@ -6061,7 +6256,7 @@
               </a:buClr>
               <a:buSzPts val="5400"/>
               <a:buNone/>
-              <a:defRPr b="0" sz="5400">
+              <a:defRPr sz="5400" b="0">
                 <a:solidFill>
                   <a:schemeClr val="dk2"/>
                 </a:solidFill>
@@ -6079,7 +6274,7 @@
               </a:buClr>
               <a:buSzPts val="5400"/>
               <a:buNone/>
-              <a:defRPr b="0" sz="5400">
+              <a:defRPr sz="5400" b="0">
                 <a:solidFill>
                   <a:schemeClr val="dk2"/>
                 </a:solidFill>
@@ -6097,7 +6292,7 @@
               </a:buClr>
               <a:buSzPts val="5400"/>
               <a:buNone/>
-              <a:defRPr b="0" sz="5400">
+              <a:defRPr sz="5400" b="0">
                 <a:solidFill>
                   <a:schemeClr val="dk2"/>
                 </a:solidFill>
@@ -6115,7 +6310,7 @@
               </a:buClr>
               <a:buSzPts val="5400"/>
               <a:buNone/>
-              <a:defRPr b="0" sz="5400">
+              <a:defRPr sz="5400" b="0">
                 <a:solidFill>
                   <a:schemeClr val="dk2"/>
                 </a:solidFill>
@@ -6133,7 +6328,7 @@
               </a:buClr>
               <a:buSzPts val="5400"/>
               <a:buNone/>
-              <a:defRPr b="0" sz="5400">
+              <a:defRPr sz="5400" b="0">
                 <a:solidFill>
                   <a:schemeClr val="dk2"/>
                 </a:solidFill>
@@ -6151,7 +6346,7 @@
               </a:buClr>
               <a:buSzPts val="5400"/>
               <a:buNone/>
-              <a:defRPr b="0" sz="5400">
+              <a:defRPr sz="5400" b="0">
                 <a:solidFill>
                   <a:schemeClr val="dk2"/>
                 </a:solidFill>
@@ -6169,7 +6364,7 @@
               </a:buClr>
               <a:buSzPts val="5400"/>
               <a:buNone/>
-              <a:defRPr b="0" sz="5400">
+              <a:defRPr sz="5400" b="0">
                 <a:solidFill>
                   <a:schemeClr val="dk2"/>
                 </a:solidFill>
@@ -6187,22 +6382,26 @@
               </a:buClr>
               <a:buSzPts val="5400"/>
               <a:buNone/>
-              <a:defRPr b="0" sz="5400">
+              <a:defRPr sz="5400" b="0">
                 <a:solidFill>
                   <a:schemeClr val="dk2"/>
                 </a:solidFill>
               </a:defRPr>
             </a:lvl9pPr>
           </a:lstStyle>
-          <a:p/>
+          <a:p>
+            <a:endParaRPr/>
+          </a:p>
         </p:txBody>
       </p:sp>
       <p:sp>
         <p:nvSpPr>
           <p:cNvPr id="44" name="Google Shape;44;p8"/>
-          <p:cNvSpPr txBox="1"/>
+          <p:cNvSpPr txBox="1">
+            <a:spLocks noGrp="1"/>
+          </p:cNvSpPr>
           <p:nvPr>
-            <p:ph idx="12" type="sldNum"/>
+            <p:ph type="sldNum" idx="12"/>
           </p:nvPr>
         </p:nvSpPr>
         <p:spPr>
@@ -6215,7 +6414,7 @@
           </a:prstGeom>
         </p:spPr>
         <p:txBody>
-          <a:bodyPr anchorCtr="0" anchor="ctr" bIns="91425" lIns="91425" spcFirstLastPara="1" rIns="91425" wrap="square" tIns="91425">
+          <a:bodyPr spcFirstLastPara="1" wrap="square" lIns="91425" tIns="91425" rIns="91425" bIns="91425" anchor="ctr" anchorCtr="0">
             <a:normAutofit/>
           </a:bodyPr>
           <a:lstStyle>
@@ -6257,7 +6456,7 @@
             </a:lvl9pPr>
           </a:lstStyle>
           <a:p>
-            <a:pPr indent="0" lvl="0" marL="0" rtl="0" algn="r">
+            <a:pPr marL="0" lvl="0" indent="0" algn="r" rtl="0">
               <a:spcBef>
                 <a:spcPts val="0"/>
               </a:spcBef>
@@ -6283,11 +6482,11 @@
 </file>
 
 <file path=ppt/slideLayouts/slideLayout8.xml><?xml version="1.0" encoding="utf-8"?>
-<p:sldLayout xmlns:a="http://schemas.openxmlformats.org/drawingml/2006/main" xmlns:r="http://schemas.openxmlformats.org/officeDocument/2006/relationships" xmlns:mc="http://schemas.openxmlformats.org/markup-compatibility/2006" xmlns:mv="urn:schemas-microsoft-com:mac:vml" xmlns:p="http://schemas.openxmlformats.org/presentationml/2006/main" xmlns:c="http://schemas.openxmlformats.org/drawingml/2006/chart" xmlns:dgm="http://schemas.openxmlformats.org/drawingml/2006/diagram" xmlns:o="urn:schemas-microsoft-com:office:office" xmlns:v="urn:schemas-microsoft-com:vml" xmlns:pvml="urn:schemas-microsoft-com:office:powerpoint" xmlns:com="http://schemas.openxmlformats.org/drawingml/2006/compatibility" xmlns:p14="http://schemas.microsoft.com/office/powerpoint/2010/main" xmlns:p15="http://schemas.microsoft.com/office/powerpoint/2012/main" xmlns:ahyp="http://schemas.microsoft.com/office/drawing/2018/hyperlinkcolor" matchingName="Section title and description">
+<p:sldLayout xmlns:a="http://schemas.openxmlformats.org/drawingml/2006/main" xmlns:r="http://schemas.openxmlformats.org/officeDocument/2006/relationships" xmlns:p="http://schemas.openxmlformats.org/presentationml/2006/main" matchingName="Section title and description">
   <p:cSld name="SECTION_TITLE_AND_DESCRIPTION">
     <p:spTree>
       <p:nvGrpSpPr>
-        <p:cNvPr id="45" name="Shape 45"/>
+        <p:cNvPr id="1" name="Shape 45"/>
         <p:cNvGrpSpPr/>
         <p:nvPr/>
       </p:nvGrpSpPr>
@@ -6321,23 +6520,20 @@
           </a:ln>
         </p:spPr>
         <p:txBody>
-          <a:bodyPr anchorCtr="0" anchor="ctr" bIns="91425" lIns="91425" spcFirstLastPara="1" rIns="91425" wrap="square" tIns="91425">
+          <a:bodyPr spcFirstLastPara="1" wrap="square" lIns="91425" tIns="91425" rIns="91425" bIns="91425" anchor="ctr" anchorCtr="0">
             <a:noAutofit/>
           </a:bodyPr>
           <a:lstStyle/>
           <a:p>
-            <a:pPr indent="0" lvl="0" marL="0" rtl="0" algn="l">
-              <a:spcBef>
-                <a:spcPts val="0"/>
-              </a:spcBef>
-              <a:spcAft>
-                <a:spcPts val="0"/>
-              </a:spcAft>
-              <a:buNone/>
-            </a:pPr>
-            <a:r>
-              <a:t/>
-            </a:r>
+            <a:pPr marL="0" lvl="0" indent="0" algn="l" rtl="0">
+              <a:spcBef>
+                <a:spcPts val="0"/>
+              </a:spcBef>
+              <a:spcAft>
+                <a:spcPts val="0"/>
+              </a:spcAft>
+              <a:buNone/>
+            </a:pPr>
             <a:endParaRPr/>
           </a:p>
         </p:txBody>
@@ -6357,21 +6553,23 @@
             <a:avLst/>
           </a:prstGeom>
           <a:noFill/>
-          <a:ln cap="flat" cmpd="sng" w="19050">
+          <a:ln w="19050" cap="flat" cmpd="sng">
             <a:solidFill>
               <a:schemeClr val="lt1"/>
             </a:solidFill>
             <a:prstDash val="solid"/>
             <a:round/>
-            <a:headEnd len="sm" w="sm" type="none"/>
-            <a:tailEnd len="sm" w="sm" type="none"/>
+            <a:headEnd type="none" w="sm" len="sm"/>
+            <a:tailEnd type="none" w="sm" len="sm"/>
           </a:ln>
         </p:spPr>
       </p:cxnSp>
       <p:sp>
         <p:nvSpPr>
           <p:cNvPr id="48" name="Google Shape;48;p9"/>
-          <p:cNvSpPr txBox="1"/>
+          <p:cNvSpPr txBox="1">
+            <a:spLocks noGrp="1"/>
+          </p:cNvSpPr>
           <p:nvPr>
             <p:ph type="title"/>
           </p:nvPr>
@@ -6386,7 +6584,7 @@
           </a:prstGeom>
         </p:spPr>
         <p:txBody>
-          <a:bodyPr anchorCtr="0" anchor="b" bIns="91425" lIns="91425" spcFirstLastPara="1" rIns="91425" wrap="square" tIns="91425">
+          <a:bodyPr spcFirstLastPara="1" wrap="square" lIns="91425" tIns="91425" rIns="91425" bIns="91425" anchor="b" anchorCtr="0">
             <a:normAutofit/>
           </a:bodyPr>
           <a:lstStyle>
@@ -6490,15 +6688,19 @@
               <a:defRPr sz="4200"/>
             </a:lvl9pPr>
           </a:lstStyle>
-          <a:p/>
+          <a:p>
+            <a:endParaRPr/>
+          </a:p>
         </p:txBody>
       </p:sp>
       <p:sp>
         <p:nvSpPr>
           <p:cNvPr id="49" name="Google Shape;49;p9"/>
-          <p:cNvSpPr txBox="1"/>
+          <p:cNvSpPr txBox="1">
+            <a:spLocks noGrp="1"/>
+          </p:cNvSpPr>
           <p:nvPr>
-            <p:ph idx="1" type="subTitle"/>
+            <p:ph type="subTitle" idx="1"/>
           </p:nvPr>
         </p:nvSpPr>
         <p:spPr>
@@ -6511,7 +6713,7 @@
           </a:prstGeom>
         </p:spPr>
         <p:txBody>
-          <a:bodyPr anchorCtr="0" anchor="t" bIns="91425" lIns="91425" spcFirstLastPara="1" rIns="91425" wrap="square" tIns="91425">
+          <a:bodyPr spcFirstLastPara="1" wrap="square" lIns="91425" tIns="91425" rIns="91425" bIns="91425" anchor="t" anchorCtr="0">
             <a:normAutofit/>
           </a:bodyPr>
           <a:lstStyle>
@@ -6642,15 +6844,19 @@
               <a:defRPr sz="2100"/>
             </a:lvl9pPr>
           </a:lstStyle>
-          <a:p/>
+          <a:p>
+            <a:endParaRPr/>
+          </a:p>
         </p:txBody>
       </p:sp>
       <p:sp>
         <p:nvSpPr>
           <p:cNvPr id="50" name="Google Shape;50;p9"/>
-          <p:cNvSpPr txBox="1"/>
+          <p:cNvSpPr txBox="1">
+            <a:spLocks noGrp="1"/>
+          </p:cNvSpPr>
           <p:nvPr>
-            <p:ph idx="2" type="body"/>
+            <p:ph type="body" idx="2"/>
           </p:nvPr>
         </p:nvSpPr>
         <p:spPr>
@@ -6663,11 +6869,11 @@
           </a:prstGeom>
         </p:spPr>
         <p:txBody>
-          <a:bodyPr anchorCtr="0" anchor="ctr" bIns="91425" lIns="91425" spcFirstLastPara="1" rIns="91425" wrap="square" tIns="91425">
+          <a:bodyPr spcFirstLastPara="1" wrap="square" lIns="91425" tIns="91425" rIns="91425" bIns="91425" anchor="ctr" anchorCtr="0">
             <a:normAutofit/>
           </a:bodyPr>
           <a:lstStyle>
-            <a:lvl1pPr indent="-342900" lvl="0" marL="457200">
+            <a:lvl1pPr marL="457200" lvl="0" indent="-342900">
               <a:spcBef>
                 <a:spcPts val="0"/>
               </a:spcBef>
@@ -6685,7 +6891,7 @@
                 </a:solidFill>
               </a:defRPr>
             </a:lvl1pPr>
-            <a:lvl2pPr indent="-317500" lvl="1" marL="914400">
+            <a:lvl2pPr marL="914400" lvl="1" indent="-317500">
               <a:spcBef>
                 <a:spcPts val="0"/>
               </a:spcBef>
@@ -6703,7 +6909,7 @@
                 </a:solidFill>
               </a:defRPr>
             </a:lvl2pPr>
-            <a:lvl3pPr indent="-317500" lvl="2" marL="1371600">
+            <a:lvl3pPr marL="1371600" lvl="2" indent="-317500">
               <a:spcBef>
                 <a:spcPts val="0"/>
               </a:spcBef>
@@ -6721,7 +6927,7 @@
                 </a:solidFill>
               </a:defRPr>
             </a:lvl3pPr>
-            <a:lvl4pPr indent="-317500" lvl="3" marL="1828800">
+            <a:lvl4pPr marL="1828800" lvl="3" indent="-317500">
               <a:spcBef>
                 <a:spcPts val="0"/>
               </a:spcBef>
@@ -6739,7 +6945,7 @@
                 </a:solidFill>
               </a:defRPr>
             </a:lvl4pPr>
-            <a:lvl5pPr indent="-317500" lvl="4" marL="2286000">
+            <a:lvl5pPr marL="2286000" lvl="4" indent="-317500">
               <a:spcBef>
                 <a:spcPts val="0"/>
               </a:spcBef>
@@ -6757,7 +6963,7 @@
                 </a:solidFill>
               </a:defRPr>
             </a:lvl5pPr>
-            <a:lvl6pPr indent="-317500" lvl="5" marL="2743200">
+            <a:lvl6pPr marL="2743200" lvl="5" indent="-317500">
               <a:spcBef>
                 <a:spcPts val="0"/>
               </a:spcBef>
@@ -6775,7 +6981,7 @@
                 </a:solidFill>
               </a:defRPr>
             </a:lvl6pPr>
-            <a:lvl7pPr indent="-317500" lvl="6" marL="3200400">
+            <a:lvl7pPr marL="3200400" lvl="6" indent="-317500">
               <a:spcBef>
                 <a:spcPts val="0"/>
               </a:spcBef>
@@ -6793,7 +6999,7 @@
                 </a:solidFill>
               </a:defRPr>
             </a:lvl7pPr>
-            <a:lvl8pPr indent="-317500" lvl="7" marL="3657600">
+            <a:lvl8pPr marL="3657600" lvl="7" indent="-317500">
               <a:spcBef>
                 <a:spcPts val="0"/>
               </a:spcBef>
@@ -6811,7 +7017,7 @@
                 </a:solidFill>
               </a:defRPr>
             </a:lvl8pPr>
-            <a:lvl9pPr indent="-317500" lvl="8" marL="4114800">
+            <a:lvl9pPr marL="4114800" lvl="8" indent="-317500">
               <a:spcBef>
                 <a:spcPts val="0"/>
               </a:spcBef>
@@ -6830,15 +7036,19 @@
               </a:defRPr>
             </a:lvl9pPr>
           </a:lstStyle>
-          <a:p/>
+          <a:p>
+            <a:endParaRPr/>
+          </a:p>
         </p:txBody>
       </p:sp>
       <p:sp>
         <p:nvSpPr>
           <p:cNvPr id="51" name="Google Shape;51;p9"/>
-          <p:cNvSpPr txBox="1"/>
+          <p:cNvSpPr txBox="1">
+            <a:spLocks noGrp="1"/>
+          </p:cNvSpPr>
           <p:nvPr>
-            <p:ph idx="12" type="sldNum"/>
+            <p:ph type="sldNum" idx="12"/>
           </p:nvPr>
         </p:nvSpPr>
         <p:spPr>
@@ -6851,7 +7061,7 @@
           </a:prstGeom>
         </p:spPr>
         <p:txBody>
-          <a:bodyPr anchorCtr="0" anchor="ctr" bIns="91425" lIns="91425" spcFirstLastPara="1" rIns="91425" wrap="square" tIns="91425">
+          <a:bodyPr spcFirstLastPara="1" wrap="square" lIns="91425" tIns="91425" rIns="91425" bIns="91425" anchor="ctr" anchorCtr="0">
             <a:normAutofit/>
           </a:bodyPr>
           <a:lstStyle>
@@ -6929,7 +7139,7 @@
             </a:lvl9pPr>
           </a:lstStyle>
           <a:p>
-            <a:pPr indent="0" lvl="0" marL="0" rtl="0" algn="r">
+            <a:pPr marL="0" lvl="0" indent="0" algn="r" rtl="0">
               <a:spcBef>
                 <a:spcPts val="0"/>
               </a:spcBef>
@@ -6955,11 +7165,11 @@
 </file>
 
 <file path=ppt/slideLayouts/slideLayout9.xml><?xml version="1.0" encoding="utf-8"?>
-<p:sldLayout xmlns:a="http://schemas.openxmlformats.org/drawingml/2006/main" xmlns:r="http://schemas.openxmlformats.org/officeDocument/2006/relationships" xmlns:mc="http://schemas.openxmlformats.org/markup-compatibility/2006" xmlns:mv="urn:schemas-microsoft-com:mac:vml" xmlns:p="http://schemas.openxmlformats.org/presentationml/2006/main" xmlns:c="http://schemas.openxmlformats.org/drawingml/2006/chart" xmlns:dgm="http://schemas.openxmlformats.org/drawingml/2006/diagram" xmlns:o="urn:schemas-microsoft-com:office:office" xmlns:v="urn:schemas-microsoft-com:vml" xmlns:pvml="urn:schemas-microsoft-com:office:powerpoint" xmlns:com="http://schemas.openxmlformats.org/drawingml/2006/compatibility" xmlns:p14="http://schemas.microsoft.com/office/powerpoint/2010/main" xmlns:p15="http://schemas.microsoft.com/office/powerpoint/2012/main" xmlns:ahyp="http://schemas.microsoft.com/office/drawing/2018/hyperlinkcolor" matchingName="Caption">
+<p:sldLayout xmlns:a="http://schemas.openxmlformats.org/drawingml/2006/main" xmlns:r="http://schemas.openxmlformats.org/officeDocument/2006/relationships" xmlns:p="http://schemas.openxmlformats.org/presentationml/2006/main" matchingName="Caption">
   <p:cSld name="CAPTION_ONLY">
     <p:spTree>
       <p:nvGrpSpPr>
-        <p:cNvPr id="52" name="Shape 52"/>
+        <p:cNvPr id="1" name="Shape 52"/>
         <p:cNvGrpSpPr/>
         <p:nvPr/>
       </p:nvGrpSpPr>
@@ -6974,9 +7184,11 @@
       <p:sp>
         <p:nvSpPr>
           <p:cNvPr id="53" name="Google Shape;53;p10"/>
-          <p:cNvSpPr txBox="1"/>
+          <p:cNvSpPr txBox="1">
+            <a:spLocks noGrp="1"/>
+          </p:cNvSpPr>
           <p:nvPr>
-            <p:ph idx="1" type="body"/>
+            <p:ph type="body" idx="1"/>
           </p:nvPr>
         </p:nvSpPr>
         <p:spPr>
@@ -6989,11 +7201,11 @@
           </a:prstGeom>
         </p:spPr>
         <p:txBody>
-          <a:bodyPr anchorCtr="0" anchor="ctr" bIns="91425" lIns="91425" spcFirstLastPara="1" rIns="91425" wrap="square" tIns="91425">
+          <a:bodyPr spcFirstLastPara="1" wrap="square" lIns="91425" tIns="91425" rIns="91425" bIns="91425" anchor="ctr" anchorCtr="0">
             <a:normAutofit/>
           </a:bodyPr>
           <a:lstStyle>
-            <a:lvl1pPr indent="-228600" lvl="0" marL="457200">
+            <a:lvl1pPr marL="457200" lvl="0" indent="-228600">
               <a:lnSpc>
                 <a:spcPct val="100000"/>
               </a:lnSpc>
@@ -7014,15 +7226,19 @@
               </a:defRPr>
             </a:lvl1pPr>
           </a:lstStyle>
-          <a:p/>
+          <a:p>
+            <a:endParaRPr/>
+          </a:p>
         </p:txBody>
       </p:sp>
       <p:sp>
         <p:nvSpPr>
           <p:cNvPr id="54" name="Google Shape;54;p10"/>
-          <p:cNvSpPr txBox="1"/>
+          <p:cNvSpPr txBox="1">
+            <a:spLocks noGrp="1"/>
+          </p:cNvSpPr>
           <p:nvPr>
-            <p:ph idx="12" type="sldNum"/>
+            <p:ph type="sldNum" idx="12"/>
           </p:nvPr>
         </p:nvSpPr>
         <p:spPr>
@@ -7035,7 +7251,7 @@
           </a:prstGeom>
         </p:spPr>
         <p:txBody>
-          <a:bodyPr anchorCtr="0" anchor="ctr" bIns="91425" lIns="91425" spcFirstLastPara="1" rIns="91425" wrap="square" tIns="91425">
+          <a:bodyPr spcFirstLastPara="1" wrap="square" lIns="91425" tIns="91425" rIns="91425" bIns="91425" anchor="ctr" anchorCtr="0">
             <a:normAutofit/>
           </a:bodyPr>
           <a:lstStyle>
@@ -7077,7 +7293,7 @@
             </a:lvl9pPr>
           </a:lstStyle>
           <a:p>
-            <a:pPr indent="0" lvl="0" marL="0" rtl="0" algn="r">
+            <a:pPr marL="0" lvl="0" indent="0" algn="r" rtl="0">
               <a:spcBef>
                 <a:spcPts val="0"/>
               </a:spcBef>
@@ -7103,18 +7319,19 @@
 </file>
 
 <file path=ppt/slideMasters/slideMaster1.xml><?xml version="1.0" encoding="utf-8"?>
-<p:sldMaster xmlns:a="http://schemas.openxmlformats.org/drawingml/2006/main" xmlns:r="http://schemas.openxmlformats.org/officeDocument/2006/relationships" xmlns:mc="http://schemas.openxmlformats.org/markup-compatibility/2006" xmlns:mv="urn:schemas-microsoft-com:mac:vml" xmlns:p="http://schemas.openxmlformats.org/presentationml/2006/main" xmlns:c="http://schemas.openxmlformats.org/drawingml/2006/chart" xmlns:dgm="http://schemas.openxmlformats.org/drawingml/2006/diagram" xmlns:o="urn:schemas-microsoft-com:office:office" xmlns:v="urn:schemas-microsoft-com:vml" xmlns:pvml="urn:schemas-microsoft-com:office:powerpoint" xmlns:com="http://schemas.openxmlformats.org/drawingml/2006/compatibility" xmlns:p14="http://schemas.microsoft.com/office/powerpoint/2010/main" xmlns:p15="http://schemas.microsoft.com/office/powerpoint/2012/main" xmlns:ahyp="http://schemas.microsoft.com/office/drawing/2018/hyperlinkcolor">
+<p:sldMaster xmlns:a="http://schemas.openxmlformats.org/drawingml/2006/main" xmlns:r="http://schemas.openxmlformats.org/officeDocument/2006/relationships" xmlns:p="http://schemas.openxmlformats.org/presentationml/2006/main">
   <p:cSld name="tropic">
     <p:bg>
       <p:bgPr>
         <a:solidFill>
           <a:schemeClr val="lt1"/>
         </a:solidFill>
+        <a:effectLst/>
       </p:bgPr>
     </p:bg>
     <p:spTree>
       <p:nvGrpSpPr>
-        <p:cNvPr id="5" name="Shape 5"/>
+        <p:cNvPr id="1" name="Shape 5"/>
         <p:cNvGrpSpPr/>
         <p:nvPr/>
       </p:nvGrpSpPr>
@@ -7129,7 +7346,9 @@
       <p:sp>
         <p:nvSpPr>
           <p:cNvPr id="6" name="Google Shape;6;p1"/>
-          <p:cNvSpPr txBox="1"/>
+          <p:cNvSpPr txBox="1">
+            <a:spLocks noGrp="1"/>
+          </p:cNvSpPr>
           <p:nvPr>
             <p:ph type="title"/>
           </p:nvPr>
@@ -7148,7 +7367,7 @@
           </a:ln>
         </p:spPr>
         <p:txBody>
-          <a:bodyPr anchorCtr="0" anchor="t" bIns="91425" lIns="91425" spcFirstLastPara="1" rIns="91425" wrap="square" tIns="91425">
+          <a:bodyPr spcFirstLastPara="1" wrap="square" lIns="91425" tIns="91425" rIns="91425" bIns="91425" anchor="t" anchorCtr="0">
             <a:normAutofit/>
           </a:bodyPr>
           <a:lstStyle>
@@ -7165,7 +7384,7 @@
               <a:buSzPts val="3600"/>
               <a:buFont typeface="PT Sans Narrow"/>
               <a:buNone/>
-              <a:defRPr b="1" sz="3600">
+              <a:defRPr sz="3600" b="1">
                 <a:solidFill>
                   <a:schemeClr val="accent1"/>
                 </a:solidFill>
@@ -7188,7 +7407,7 @@
               <a:buSzPts val="3600"/>
               <a:buFont typeface="PT Sans Narrow"/>
               <a:buNone/>
-              <a:defRPr b="1" sz="3600">
+              <a:defRPr sz="3600" b="1">
                 <a:solidFill>
                   <a:schemeClr val="accent1"/>
                 </a:solidFill>
@@ -7211,7 +7430,7 @@
               <a:buSzPts val="3600"/>
               <a:buFont typeface="PT Sans Narrow"/>
               <a:buNone/>
-              <a:defRPr b="1" sz="3600">
+              <a:defRPr sz="3600" b="1">
                 <a:solidFill>
                   <a:schemeClr val="accent1"/>
                 </a:solidFill>
@@ -7234,7 +7453,7 @@
               <a:buSzPts val="3600"/>
               <a:buFont typeface="PT Sans Narrow"/>
               <a:buNone/>
-              <a:defRPr b="1" sz="3600">
+              <a:defRPr sz="3600" b="1">
                 <a:solidFill>
                   <a:schemeClr val="accent1"/>
                 </a:solidFill>
@@ -7257,7 +7476,7 @@
               <a:buSzPts val="3600"/>
               <a:buFont typeface="PT Sans Narrow"/>
               <a:buNone/>
-              <a:defRPr b="1" sz="3600">
+              <a:defRPr sz="3600" b="1">
                 <a:solidFill>
                   <a:schemeClr val="accent1"/>
                 </a:solidFill>
@@ -7280,7 +7499,7 @@
               <a:buSzPts val="3600"/>
               <a:buFont typeface="PT Sans Narrow"/>
               <a:buNone/>
-              <a:defRPr b="1" sz="3600">
+              <a:defRPr sz="3600" b="1">
                 <a:solidFill>
                   <a:schemeClr val="accent1"/>
                 </a:solidFill>
@@ -7303,7 +7522,7 @@
               <a:buSzPts val="3600"/>
               <a:buFont typeface="PT Sans Narrow"/>
               <a:buNone/>
-              <a:defRPr b="1" sz="3600">
+              <a:defRPr sz="3600" b="1">
                 <a:solidFill>
                   <a:schemeClr val="accent1"/>
                 </a:solidFill>
@@ -7326,7 +7545,7 @@
               <a:buSzPts val="3600"/>
               <a:buFont typeface="PT Sans Narrow"/>
               <a:buNone/>
-              <a:defRPr b="1" sz="3600">
+              <a:defRPr sz="3600" b="1">
                 <a:solidFill>
                   <a:schemeClr val="accent1"/>
                 </a:solidFill>
@@ -7349,7 +7568,7 @@
               <a:buSzPts val="3600"/>
               <a:buFont typeface="PT Sans Narrow"/>
               <a:buNone/>
-              <a:defRPr b="1" sz="3600">
+              <a:defRPr sz="3600" b="1">
                 <a:solidFill>
                   <a:schemeClr val="accent1"/>
                 </a:solidFill>
@@ -7360,15 +7579,19 @@
               </a:defRPr>
             </a:lvl9pPr>
           </a:lstStyle>
-          <a:p/>
+          <a:p>
+            <a:endParaRPr/>
+          </a:p>
         </p:txBody>
       </p:sp>
       <p:sp>
         <p:nvSpPr>
           <p:cNvPr id="7" name="Google Shape;7;p1"/>
-          <p:cNvSpPr txBox="1"/>
+          <p:cNvSpPr txBox="1">
+            <a:spLocks noGrp="1"/>
+          </p:cNvSpPr>
           <p:nvPr>
-            <p:ph idx="1" type="body"/>
+            <p:ph type="body" idx="1"/>
           </p:nvPr>
         </p:nvSpPr>
         <p:spPr>
@@ -7385,11 +7608,11 @@
           </a:ln>
         </p:spPr>
         <p:txBody>
-          <a:bodyPr anchorCtr="0" anchor="t" bIns="91425" lIns="91425" spcFirstLastPara="1" rIns="91425" wrap="square" tIns="91425">
+          <a:bodyPr spcFirstLastPara="1" wrap="square" lIns="91425" tIns="91425" rIns="91425" bIns="91425" anchor="t" anchorCtr="0">
             <a:normAutofit/>
           </a:bodyPr>
           <a:lstStyle>
-            <a:lvl1pPr indent="-342900" lvl="0" marL="457200">
+            <a:lvl1pPr marL="457200" lvl="0" indent="-342900">
               <a:lnSpc>
                 <a:spcPct val="115000"/>
               </a:lnSpc>
@@ -7415,7 +7638,7 @@
                 <a:sym typeface="Open Sans"/>
               </a:defRPr>
             </a:lvl1pPr>
-            <a:lvl2pPr indent="-317500" lvl="1" marL="914400">
+            <a:lvl2pPr marL="914400" lvl="1" indent="-317500">
               <a:lnSpc>
                 <a:spcPct val="115000"/>
               </a:lnSpc>
@@ -7441,7 +7664,7 @@
                 <a:sym typeface="Open Sans"/>
               </a:defRPr>
             </a:lvl2pPr>
-            <a:lvl3pPr indent="-317500" lvl="2" marL="1371600">
+            <a:lvl3pPr marL="1371600" lvl="2" indent="-317500">
               <a:lnSpc>
                 <a:spcPct val="115000"/>
               </a:lnSpc>
@@ -7467,7 +7690,7 @@
                 <a:sym typeface="Open Sans"/>
               </a:defRPr>
             </a:lvl3pPr>
-            <a:lvl4pPr indent="-317500" lvl="3" marL="1828800">
+            <a:lvl4pPr marL="1828800" lvl="3" indent="-317500">
               <a:lnSpc>
                 <a:spcPct val="115000"/>
               </a:lnSpc>
@@ -7493,7 +7716,7 @@
                 <a:sym typeface="Open Sans"/>
               </a:defRPr>
             </a:lvl4pPr>
-            <a:lvl5pPr indent="-317500" lvl="4" marL="2286000">
+            <a:lvl5pPr marL="2286000" lvl="4" indent="-317500">
               <a:lnSpc>
                 <a:spcPct val="115000"/>
               </a:lnSpc>
@@ -7519,7 +7742,7 @@
                 <a:sym typeface="Open Sans"/>
               </a:defRPr>
             </a:lvl5pPr>
-            <a:lvl6pPr indent="-317500" lvl="5" marL="2743200">
+            <a:lvl6pPr marL="2743200" lvl="5" indent="-317500">
               <a:lnSpc>
                 <a:spcPct val="115000"/>
               </a:lnSpc>
@@ -7545,7 +7768,7 @@
                 <a:sym typeface="Open Sans"/>
               </a:defRPr>
             </a:lvl6pPr>
-            <a:lvl7pPr indent="-317500" lvl="6" marL="3200400">
+            <a:lvl7pPr marL="3200400" lvl="6" indent="-317500">
               <a:lnSpc>
                 <a:spcPct val="115000"/>
               </a:lnSpc>
@@ -7571,7 +7794,7 @@
                 <a:sym typeface="Open Sans"/>
               </a:defRPr>
             </a:lvl7pPr>
-            <a:lvl8pPr indent="-317500" lvl="7" marL="3657600">
+            <a:lvl8pPr marL="3657600" lvl="7" indent="-317500">
               <a:lnSpc>
                 <a:spcPct val="115000"/>
               </a:lnSpc>
@@ -7597,7 +7820,7 @@
                 <a:sym typeface="Open Sans"/>
               </a:defRPr>
             </a:lvl8pPr>
-            <a:lvl9pPr indent="-317500" lvl="8" marL="4114800">
+            <a:lvl9pPr marL="4114800" lvl="8" indent="-317500">
               <a:lnSpc>
                 <a:spcPct val="115000"/>
               </a:lnSpc>
@@ -7624,15 +7847,19 @@
               </a:defRPr>
             </a:lvl9pPr>
           </a:lstStyle>
-          <a:p/>
+          <a:p>
+            <a:endParaRPr/>
+          </a:p>
         </p:txBody>
       </p:sp>
       <p:sp>
         <p:nvSpPr>
           <p:cNvPr id="8" name="Google Shape;8;p1"/>
-          <p:cNvSpPr txBox="1"/>
+          <p:cNvSpPr txBox="1">
+            <a:spLocks noGrp="1"/>
+          </p:cNvSpPr>
           <p:nvPr>
-            <p:ph idx="12" type="sldNum"/>
+            <p:ph type="sldNum" idx="12"/>
           </p:nvPr>
         </p:nvSpPr>
         <p:spPr>
@@ -7649,7 +7876,7 @@
           </a:ln>
         </p:spPr>
         <p:txBody>
-          <a:bodyPr anchorCtr="0" anchor="ctr" bIns="91425" lIns="91425" spcFirstLastPara="1" rIns="91425" wrap="square" tIns="91425">
+          <a:bodyPr spcFirstLastPara="1" wrap="square" lIns="91425" tIns="91425" rIns="91425" bIns="91425" anchor="ctr" anchorCtr="0">
             <a:normAutofit/>
           </a:bodyPr>
           <a:lstStyle>
@@ -7763,7 +7990,7 @@
             </a:lvl9pPr>
           </a:lstStyle>
           <a:p>
-            <a:pPr indent="0" lvl="0" marL="0" rtl="0" algn="r">
+            <a:pPr marL="0" lvl="0" indent="0" algn="r" rtl="0">
               <a:spcBef>
                 <a:spcPts val="0"/>
               </a:spcBef>
@@ -7782,7 +8009,7 @@
       </p:sp>
     </p:spTree>
   </p:cSld>
-  <p:clrMap accent1="accent1" accent2="accent2" accent3="accent3" accent4="accent4" accent5="accent5" accent6="accent6" bg1="lt1" bg2="dk2" tx1="dk1" tx2="lt2" folHlink="folHlink" hlink="hlink"/>
+  <p:clrMap bg1="lt1" tx1="dk1" bg2="dk2" tx2="lt2" accent1="accent1" accent2="accent2" accent3="accent3" accent4="accent4" accent5="accent5" accent6="accent6" hlink="hlink" folHlink="folHlink"/>
   <p:sldLayoutIdLst>
     <p:sldLayoutId id="2147483648" r:id="rId1"/>
     <p:sldLayoutId id="2147483649" r:id="rId2"/>
@@ -7796,10 +8023,10 @@
     <p:sldLayoutId id="2147483657" r:id="rId10"/>
     <p:sldLayoutId id="2147483658" r:id="rId11"/>
   </p:sldLayoutIdLst>
-  <p:hf dt="0" ftr="0" hdr="0" sldNum="0"/>
+  <p:hf sldNum="0" hdr="0" ftr="0" dt="0"/>
   <p:txStyles>
     <p:titleStyle>
-      <a:defPPr lvl="0" marR="0" rtl="0" algn="l">
+      <a:defPPr marR="0" lvl="0" algn="l" rtl="0">
         <a:lnSpc>
           <a:spcPct val="100000"/>
         </a:lnSpc>
@@ -7810,7 +8037,7 @@
           <a:spcPts val="0"/>
         </a:spcAft>
       </a:defPPr>
-      <a:lvl1pPr lvl="0" marR="0" rtl="0" algn="l">
+      <a:lvl1pPr marR="0" lvl="0" algn="l" rtl="0">
         <a:lnSpc>
           <a:spcPct val="100000"/>
         </a:lnSpc>
@@ -7824,7 +8051,7 @@
           <a:srgbClr val="000000"/>
         </a:buClr>
         <a:buFont typeface="Arial"/>
-        <a:defRPr b="0" i="0" sz="1400" u="none" cap="none" strike="noStrike">
+        <a:defRPr sz="1400" b="0" i="0" u="none" strike="noStrike" cap="none">
           <a:solidFill>
             <a:srgbClr val="000000"/>
           </a:solidFill>
@@ -7834,7 +8061,7 @@
           <a:sym typeface="Arial"/>
         </a:defRPr>
       </a:lvl1pPr>
-      <a:lvl2pPr lvl="1" marR="0" rtl="0" algn="l">
+      <a:lvl2pPr marR="0" lvl="1" algn="l" rtl="0">
         <a:lnSpc>
           <a:spcPct val="100000"/>
         </a:lnSpc>
@@ -7848,7 +8075,7 @@
           <a:srgbClr val="000000"/>
         </a:buClr>
         <a:buFont typeface="Arial"/>
-        <a:defRPr b="0" i="0" sz="1400" u="none" cap="none" strike="noStrike">
+        <a:defRPr sz="1400" b="0" i="0" u="none" strike="noStrike" cap="none">
           <a:solidFill>
             <a:srgbClr val="000000"/>
           </a:solidFill>
@@ -7858,7 +8085,7 @@
           <a:sym typeface="Arial"/>
         </a:defRPr>
       </a:lvl2pPr>
-      <a:lvl3pPr lvl="2" marR="0" rtl="0" algn="l">
+      <a:lvl3pPr marR="0" lvl="2" algn="l" rtl="0">
         <a:lnSpc>
           <a:spcPct val="100000"/>
         </a:lnSpc>
@@ -7872,7 +8099,7 @@
           <a:srgbClr val="000000"/>
         </a:buClr>
         <a:buFont typeface="Arial"/>
-        <a:defRPr b="0" i="0" sz="1400" u="none" cap="none" strike="noStrike">
+        <a:defRPr sz="1400" b="0" i="0" u="none" strike="noStrike" cap="none">
           <a:solidFill>
             <a:srgbClr val="000000"/>
           </a:solidFill>
@@ -7882,7 +8109,7 @@
           <a:sym typeface="Arial"/>
         </a:defRPr>
       </a:lvl3pPr>
-      <a:lvl4pPr lvl="3" marR="0" rtl="0" algn="l">
+      <a:lvl4pPr marR="0" lvl="3" algn="l" rtl="0">
         <a:lnSpc>
           <a:spcPct val="100000"/>
         </a:lnSpc>
@@ -7896,7 +8123,7 @@
           <a:srgbClr val="000000"/>
         </a:buClr>
         <a:buFont typeface="Arial"/>
-        <a:defRPr b="0" i="0" sz="1400" u="none" cap="none" strike="noStrike">
+        <a:defRPr sz="1400" b="0" i="0" u="none" strike="noStrike" cap="none">
           <a:solidFill>
             <a:srgbClr val="000000"/>
           </a:solidFill>
@@ -7906,7 +8133,7 @@
           <a:sym typeface="Arial"/>
         </a:defRPr>
       </a:lvl4pPr>
-      <a:lvl5pPr lvl="4" marR="0" rtl="0" algn="l">
+      <a:lvl5pPr marR="0" lvl="4" algn="l" rtl="0">
         <a:lnSpc>
           <a:spcPct val="100000"/>
         </a:lnSpc>
@@ -7920,7 +8147,7 @@
           <a:srgbClr val="000000"/>
         </a:buClr>
         <a:buFont typeface="Arial"/>
-        <a:defRPr b="0" i="0" sz="1400" u="none" cap="none" strike="noStrike">
+        <a:defRPr sz="1400" b="0" i="0" u="none" strike="noStrike" cap="none">
           <a:solidFill>
             <a:srgbClr val="000000"/>
           </a:solidFill>
@@ -7930,7 +8157,7 @@
           <a:sym typeface="Arial"/>
         </a:defRPr>
       </a:lvl5pPr>
-      <a:lvl6pPr lvl="5" marR="0" rtl="0" algn="l">
+      <a:lvl6pPr marR="0" lvl="5" algn="l" rtl="0">
         <a:lnSpc>
           <a:spcPct val="100000"/>
         </a:lnSpc>
@@ -7944,7 +8171,7 @@
           <a:srgbClr val="000000"/>
         </a:buClr>
         <a:buFont typeface="Arial"/>
-        <a:defRPr b="0" i="0" sz="1400" u="none" cap="none" strike="noStrike">
+        <a:defRPr sz="1400" b="0" i="0" u="none" strike="noStrike" cap="none">
           <a:solidFill>
             <a:srgbClr val="000000"/>
           </a:solidFill>
@@ -7954,7 +8181,7 @@
           <a:sym typeface="Arial"/>
         </a:defRPr>
       </a:lvl6pPr>
-      <a:lvl7pPr lvl="6" marR="0" rtl="0" algn="l">
+      <a:lvl7pPr marR="0" lvl="6" algn="l" rtl="0">
         <a:lnSpc>
           <a:spcPct val="100000"/>
         </a:lnSpc>
@@ -7968,7 +8195,7 @@
           <a:srgbClr val="000000"/>
         </a:buClr>
         <a:buFont typeface="Arial"/>
-        <a:defRPr b="0" i="0" sz="1400" u="none" cap="none" strike="noStrike">
+        <a:defRPr sz="1400" b="0" i="0" u="none" strike="noStrike" cap="none">
           <a:solidFill>
             <a:srgbClr val="000000"/>
           </a:solidFill>
@@ -7978,7 +8205,7 @@
           <a:sym typeface="Arial"/>
         </a:defRPr>
       </a:lvl7pPr>
-      <a:lvl8pPr lvl="7" marR="0" rtl="0" algn="l">
+      <a:lvl8pPr marR="0" lvl="7" algn="l" rtl="0">
         <a:lnSpc>
           <a:spcPct val="100000"/>
         </a:lnSpc>
@@ -7992,7 +8219,7 @@
           <a:srgbClr val="000000"/>
         </a:buClr>
         <a:buFont typeface="Arial"/>
-        <a:defRPr b="0" i="0" sz="1400" u="none" cap="none" strike="noStrike">
+        <a:defRPr sz="1400" b="0" i="0" u="none" strike="noStrike" cap="none">
           <a:solidFill>
             <a:srgbClr val="000000"/>
           </a:solidFill>
@@ -8002,7 +8229,7 @@
           <a:sym typeface="Arial"/>
         </a:defRPr>
       </a:lvl8pPr>
-      <a:lvl9pPr lvl="8" marR="0" rtl="0" algn="l">
+      <a:lvl9pPr marR="0" lvl="8" algn="l" rtl="0">
         <a:lnSpc>
           <a:spcPct val="100000"/>
         </a:lnSpc>
@@ -8016,7 +8243,7 @@
           <a:srgbClr val="000000"/>
         </a:buClr>
         <a:buFont typeface="Arial"/>
-        <a:defRPr b="0" i="0" sz="1400" u="none" cap="none" strike="noStrike">
+        <a:defRPr sz="1400" b="0" i="0" u="none" strike="noStrike" cap="none">
           <a:solidFill>
             <a:srgbClr val="000000"/>
           </a:solidFill>
@@ -8028,7 +8255,7 @@
       </a:lvl9pPr>
     </p:titleStyle>
     <p:bodyStyle>
-      <a:defPPr lvl="0" marR="0" rtl="0" algn="l">
+      <a:defPPr marR="0" lvl="0" algn="l" rtl="0">
         <a:lnSpc>
           <a:spcPct val="100000"/>
         </a:lnSpc>
@@ -8039,7 +8266,7 @@
           <a:spcPts val="0"/>
         </a:spcAft>
       </a:defPPr>
-      <a:lvl1pPr lvl="0" marR="0" rtl="0" algn="l">
+      <a:lvl1pPr marR="0" lvl="0" algn="l" rtl="0">
         <a:lnSpc>
           <a:spcPct val="100000"/>
         </a:lnSpc>
@@ -8053,7 +8280,7 @@
           <a:srgbClr val="000000"/>
         </a:buClr>
         <a:buFont typeface="Arial"/>
-        <a:defRPr b="0" i="0" sz="1400" u="none" cap="none" strike="noStrike">
+        <a:defRPr sz="1400" b="0" i="0" u="none" strike="noStrike" cap="none">
           <a:solidFill>
             <a:srgbClr val="000000"/>
           </a:solidFill>
@@ -8063,7 +8290,7 @@
           <a:sym typeface="Arial"/>
         </a:defRPr>
       </a:lvl1pPr>
-      <a:lvl2pPr lvl="1" marR="0" rtl="0" algn="l">
+      <a:lvl2pPr marR="0" lvl="1" algn="l" rtl="0">
         <a:lnSpc>
           <a:spcPct val="100000"/>
         </a:lnSpc>
@@ -8077,7 +8304,7 @@
           <a:srgbClr val="000000"/>
         </a:buClr>
         <a:buFont typeface="Arial"/>
-        <a:defRPr b="0" i="0" sz="1400" u="none" cap="none" strike="noStrike">
+        <a:defRPr sz="1400" b="0" i="0" u="none" strike="noStrike" cap="none">
           <a:solidFill>
             <a:srgbClr val="000000"/>
           </a:solidFill>
@@ -8087,7 +8314,7 @@
           <a:sym typeface="Arial"/>
         </a:defRPr>
       </a:lvl2pPr>
-      <a:lvl3pPr lvl="2" marR="0" rtl="0" algn="l">
+      <a:lvl3pPr marR="0" lvl="2" algn="l" rtl="0">
         <a:lnSpc>
           <a:spcPct val="100000"/>
         </a:lnSpc>
@@ -8101,7 +8328,7 @@
           <a:srgbClr val="000000"/>
         </a:buClr>
         <a:buFont typeface="Arial"/>
-        <a:defRPr b="0" i="0" sz="1400" u="none" cap="none" strike="noStrike">
+        <a:defRPr sz="1400" b="0" i="0" u="none" strike="noStrike" cap="none">
           <a:solidFill>
             <a:srgbClr val="000000"/>
           </a:solidFill>
@@ -8111,7 +8338,7 @@
           <a:sym typeface="Arial"/>
         </a:defRPr>
       </a:lvl3pPr>
-      <a:lvl4pPr lvl="3" marR="0" rtl="0" algn="l">
+      <a:lvl4pPr marR="0" lvl="3" algn="l" rtl="0">
         <a:lnSpc>
           <a:spcPct val="100000"/>
         </a:lnSpc>
@@ -8125,7 +8352,7 @@
           <a:srgbClr val="000000"/>
         </a:buClr>
         <a:buFont typeface="Arial"/>
-        <a:defRPr b="0" i="0" sz="1400" u="none" cap="none" strike="noStrike">
+        <a:defRPr sz="1400" b="0" i="0" u="none" strike="noStrike" cap="none">
           <a:solidFill>
             <a:srgbClr val="000000"/>
           </a:solidFill>
@@ -8135,7 +8362,7 @@
           <a:sym typeface="Arial"/>
         </a:defRPr>
       </a:lvl4pPr>
-      <a:lvl5pPr lvl="4" marR="0" rtl="0" algn="l">
+      <a:lvl5pPr marR="0" lvl="4" algn="l" rtl="0">
         <a:lnSpc>
           <a:spcPct val="100000"/>
         </a:lnSpc>
@@ -8149,7 +8376,7 @@
           <a:srgbClr val="000000"/>
         </a:buClr>
         <a:buFont typeface="Arial"/>
-        <a:defRPr b="0" i="0" sz="1400" u="none" cap="none" strike="noStrike">
+        <a:defRPr sz="1400" b="0" i="0" u="none" strike="noStrike" cap="none">
           <a:solidFill>
             <a:srgbClr val="000000"/>
           </a:solidFill>
@@ -8159,7 +8386,7 @@
           <a:sym typeface="Arial"/>
         </a:defRPr>
       </a:lvl5pPr>
-      <a:lvl6pPr lvl="5" marR="0" rtl="0" algn="l">
+      <a:lvl6pPr marR="0" lvl="5" algn="l" rtl="0">
         <a:lnSpc>
           <a:spcPct val="100000"/>
         </a:lnSpc>
@@ -8173,7 +8400,7 @@
           <a:srgbClr val="000000"/>
         </a:buClr>
         <a:buFont typeface="Arial"/>
-        <a:defRPr b="0" i="0" sz="1400" u="none" cap="none" strike="noStrike">
+        <a:defRPr sz="1400" b="0" i="0" u="none" strike="noStrike" cap="none">
           <a:solidFill>
             <a:srgbClr val="000000"/>
           </a:solidFill>
@@ -8183,7 +8410,7 @@
           <a:sym typeface="Arial"/>
         </a:defRPr>
       </a:lvl6pPr>
-      <a:lvl7pPr lvl="6" marR="0" rtl="0" algn="l">
+      <a:lvl7pPr marR="0" lvl="6" algn="l" rtl="0">
         <a:lnSpc>
           <a:spcPct val="100000"/>
         </a:lnSpc>
@@ -8197,7 +8424,7 @@
           <a:srgbClr val="000000"/>
         </a:buClr>
         <a:buFont typeface="Arial"/>
-        <a:defRPr b="0" i="0" sz="1400" u="none" cap="none" strike="noStrike">
+        <a:defRPr sz="1400" b="0" i="0" u="none" strike="noStrike" cap="none">
           <a:solidFill>
             <a:srgbClr val="000000"/>
           </a:solidFill>
@@ -8207,7 +8434,7 @@
           <a:sym typeface="Arial"/>
         </a:defRPr>
       </a:lvl7pPr>
-      <a:lvl8pPr lvl="7" marR="0" rtl="0" algn="l">
+      <a:lvl8pPr marR="0" lvl="7" algn="l" rtl="0">
         <a:lnSpc>
           <a:spcPct val="100000"/>
         </a:lnSpc>
@@ -8221,7 +8448,7 @@
           <a:srgbClr val="000000"/>
         </a:buClr>
         <a:buFont typeface="Arial"/>
-        <a:defRPr b="0" i="0" sz="1400" u="none" cap="none" strike="noStrike">
+        <a:defRPr sz="1400" b="0" i="0" u="none" strike="noStrike" cap="none">
           <a:solidFill>
             <a:srgbClr val="000000"/>
           </a:solidFill>
@@ -8231,7 +8458,7 @@
           <a:sym typeface="Arial"/>
         </a:defRPr>
       </a:lvl8pPr>
-      <a:lvl9pPr lvl="8" marR="0" rtl="0" algn="l">
+      <a:lvl9pPr marR="0" lvl="8" algn="l" rtl="0">
         <a:lnSpc>
           <a:spcPct val="100000"/>
         </a:lnSpc>
@@ -8245,7 +8472,7 @@
           <a:srgbClr val="000000"/>
         </a:buClr>
         <a:buFont typeface="Arial"/>
-        <a:defRPr b="0" i="0" sz="1400" u="none" cap="none" strike="noStrike">
+        <a:defRPr sz="1400" b="0" i="0" u="none" strike="noStrike" cap="none">
           <a:solidFill>
             <a:srgbClr val="000000"/>
           </a:solidFill>
@@ -8257,7 +8484,7 @@
       </a:lvl9pPr>
     </p:bodyStyle>
     <p:otherStyle>
-      <a:defPPr lvl="0" marR="0" rtl="0" algn="l">
+      <a:defPPr marR="0" lvl="0" algn="l" rtl="0">
         <a:lnSpc>
           <a:spcPct val="100000"/>
         </a:lnSpc>
@@ -8268,7 +8495,7 @@
           <a:spcPts val="0"/>
         </a:spcAft>
       </a:defPPr>
-      <a:lvl1pPr lvl="0" marR="0" rtl="0" algn="l">
+      <a:lvl1pPr marR="0" lvl="0" algn="l" rtl="0">
         <a:lnSpc>
           <a:spcPct val="100000"/>
         </a:lnSpc>
@@ -8282,7 +8509,7 @@
           <a:srgbClr val="000000"/>
         </a:buClr>
         <a:buFont typeface="Arial"/>
-        <a:defRPr b="0" i="0" sz="1400" u="none" cap="none" strike="noStrike">
+        <a:defRPr sz="1400" b="0" i="0" u="none" strike="noStrike" cap="none">
           <a:solidFill>
             <a:srgbClr val="000000"/>
           </a:solidFill>
@@ -8292,7 +8519,7 @@
           <a:sym typeface="Arial"/>
         </a:defRPr>
       </a:lvl1pPr>
-      <a:lvl2pPr lvl="1" marR="0" rtl="0" algn="l">
+      <a:lvl2pPr marR="0" lvl="1" algn="l" rtl="0">
         <a:lnSpc>
           <a:spcPct val="100000"/>
         </a:lnSpc>
@@ -8306,7 +8533,7 @@
           <a:srgbClr val="000000"/>
         </a:buClr>
         <a:buFont typeface="Arial"/>
-        <a:defRPr b="0" i="0" sz="1400" u="none" cap="none" strike="noStrike">
+        <a:defRPr sz="1400" b="0" i="0" u="none" strike="noStrike" cap="none">
           <a:solidFill>
             <a:srgbClr val="000000"/>
           </a:solidFill>
@@ -8316,7 +8543,7 @@
           <a:sym typeface="Arial"/>
         </a:defRPr>
       </a:lvl2pPr>
-      <a:lvl3pPr lvl="2" marR="0" rtl="0" algn="l">
+      <a:lvl3pPr marR="0" lvl="2" algn="l" rtl="0">
         <a:lnSpc>
           <a:spcPct val="100000"/>
         </a:lnSpc>
@@ -8330,7 +8557,7 @@
           <a:srgbClr val="000000"/>
         </a:buClr>
         <a:buFont typeface="Arial"/>
-        <a:defRPr b="0" i="0" sz="1400" u="none" cap="none" strike="noStrike">
+        <a:defRPr sz="1400" b="0" i="0" u="none" strike="noStrike" cap="none">
           <a:solidFill>
             <a:srgbClr val="000000"/>
           </a:solidFill>
@@ -8340,7 +8567,7 @@
           <a:sym typeface="Arial"/>
         </a:defRPr>
       </a:lvl3pPr>
-      <a:lvl4pPr lvl="3" marR="0" rtl="0" algn="l">
+      <a:lvl4pPr marR="0" lvl="3" algn="l" rtl="0">
         <a:lnSpc>
           <a:spcPct val="100000"/>
         </a:lnSpc>
@@ -8354,7 +8581,7 @@
           <a:srgbClr val="000000"/>
         </a:buClr>
         <a:buFont typeface="Arial"/>
-        <a:defRPr b="0" i="0" sz="1400" u="none" cap="none" strike="noStrike">
+        <a:defRPr sz="1400" b="0" i="0" u="none" strike="noStrike" cap="none">
           <a:solidFill>
             <a:srgbClr val="000000"/>
           </a:solidFill>
@@ -8364,7 +8591,7 @@
           <a:sym typeface="Arial"/>
         </a:defRPr>
       </a:lvl4pPr>
-      <a:lvl5pPr lvl="4" marR="0" rtl="0" algn="l">
+      <a:lvl5pPr marR="0" lvl="4" algn="l" rtl="0">
         <a:lnSpc>
           <a:spcPct val="100000"/>
         </a:lnSpc>
@@ -8378,7 +8605,7 @@
           <a:srgbClr val="000000"/>
         </a:buClr>
         <a:buFont typeface="Arial"/>
-        <a:defRPr b="0" i="0" sz="1400" u="none" cap="none" strike="noStrike">
+        <a:defRPr sz="1400" b="0" i="0" u="none" strike="noStrike" cap="none">
           <a:solidFill>
             <a:srgbClr val="000000"/>
           </a:solidFill>
@@ -8388,7 +8615,7 @@
           <a:sym typeface="Arial"/>
         </a:defRPr>
       </a:lvl5pPr>
-      <a:lvl6pPr lvl="5" marR="0" rtl="0" algn="l">
+      <a:lvl6pPr marR="0" lvl="5" algn="l" rtl="0">
         <a:lnSpc>
           <a:spcPct val="100000"/>
         </a:lnSpc>
@@ -8402,7 +8629,7 @@
           <a:srgbClr val="000000"/>
         </a:buClr>
         <a:buFont typeface="Arial"/>
-        <a:defRPr b="0" i="0" sz="1400" u="none" cap="none" strike="noStrike">
+        <a:defRPr sz="1400" b="0" i="0" u="none" strike="noStrike" cap="none">
           <a:solidFill>
             <a:srgbClr val="000000"/>
           </a:solidFill>
@@ -8412,7 +8639,7 @@
           <a:sym typeface="Arial"/>
         </a:defRPr>
       </a:lvl6pPr>
-      <a:lvl7pPr lvl="6" marR="0" rtl="0" algn="l">
+      <a:lvl7pPr marR="0" lvl="6" algn="l" rtl="0">
         <a:lnSpc>
           <a:spcPct val="100000"/>
         </a:lnSpc>
@@ -8426,7 +8653,7 @@
           <a:srgbClr val="000000"/>
         </a:buClr>
         <a:buFont typeface="Arial"/>
-        <a:defRPr b="0" i="0" sz="1400" u="none" cap="none" strike="noStrike">
+        <a:defRPr sz="1400" b="0" i="0" u="none" strike="noStrike" cap="none">
           <a:solidFill>
             <a:srgbClr val="000000"/>
           </a:solidFill>
@@ -8436,7 +8663,7 @@
           <a:sym typeface="Arial"/>
         </a:defRPr>
       </a:lvl7pPr>
-      <a:lvl8pPr lvl="7" marR="0" rtl="0" algn="l">
+      <a:lvl8pPr marR="0" lvl="7" algn="l" rtl="0">
         <a:lnSpc>
           <a:spcPct val="100000"/>
         </a:lnSpc>
@@ -8450,7 +8677,7 @@
           <a:srgbClr val="000000"/>
         </a:buClr>
         <a:buFont typeface="Arial"/>
-        <a:defRPr b="0" i="0" sz="1400" u="none" cap="none" strike="noStrike">
+        <a:defRPr sz="1400" b="0" i="0" u="none" strike="noStrike" cap="none">
           <a:solidFill>
             <a:srgbClr val="000000"/>
           </a:solidFill>
@@ -8460,7 +8687,7 @@
           <a:sym typeface="Arial"/>
         </a:defRPr>
       </a:lvl8pPr>
-      <a:lvl9pPr lvl="8" marR="0" rtl="0" algn="l">
+      <a:lvl9pPr marR="0" lvl="8" algn="l" rtl="0">
         <a:lnSpc>
           <a:spcPct val="100000"/>
         </a:lnSpc>
@@ -8474,7 +8701,7 @@
           <a:srgbClr val="000000"/>
         </a:buClr>
         <a:buFont typeface="Arial"/>
-        <a:defRPr b="0" i="0" sz="1400" u="none" cap="none" strike="noStrike">
+        <a:defRPr sz="1400" b="0" i="0" u="none" strike="noStrike" cap="none">
           <a:solidFill>
             <a:srgbClr val="000000"/>
           </a:solidFill>
@@ -8490,11 +8717,11 @@
 </file>
 
 <file path=ppt/slides/slide1.xml><?xml version="1.0" encoding="utf-8"?>
-<p:sld xmlns:a="http://schemas.openxmlformats.org/drawingml/2006/main" xmlns:r="http://schemas.openxmlformats.org/officeDocument/2006/relationships" xmlns:mc="http://schemas.openxmlformats.org/markup-compatibility/2006" xmlns:mv="urn:schemas-microsoft-com:mac:vml" xmlns:p="http://schemas.openxmlformats.org/presentationml/2006/main" xmlns:c="http://schemas.openxmlformats.org/drawingml/2006/chart" xmlns:dgm="http://schemas.openxmlformats.org/drawingml/2006/diagram" xmlns:o="urn:schemas-microsoft-com:office:office" xmlns:v="urn:schemas-microsoft-com:vml" xmlns:pvml="urn:schemas-microsoft-com:office:powerpoint" xmlns:com="http://schemas.openxmlformats.org/drawingml/2006/compatibility" xmlns:p14="http://schemas.microsoft.com/office/powerpoint/2010/main" xmlns:p15="http://schemas.microsoft.com/office/powerpoint/2012/main" xmlns:ahyp="http://schemas.microsoft.com/office/drawing/2018/hyperlinkcolor">
+<p:sld xmlns:a="http://schemas.openxmlformats.org/drawingml/2006/main" xmlns:r="http://schemas.openxmlformats.org/officeDocument/2006/relationships" xmlns:p="http://schemas.openxmlformats.org/presentationml/2006/main">
   <p:cSld>
     <p:spTree>
       <p:nvGrpSpPr>
-        <p:cNvPr id="65" name="Shape 65"/>
+        <p:cNvPr id="1" name="Shape 65"/>
         <p:cNvGrpSpPr/>
         <p:nvPr/>
       </p:nvGrpSpPr>
@@ -8509,7 +8736,9 @@
       <p:sp>
         <p:nvSpPr>
           <p:cNvPr id="66" name="Google Shape;66;p13"/>
-          <p:cNvSpPr txBox="1"/>
+          <p:cNvSpPr txBox="1">
+            <a:spLocks noGrp="1"/>
+          </p:cNvSpPr>
           <p:nvPr>
             <p:ph type="ctrTitle"/>
           </p:nvPr>
@@ -8524,12 +8753,12 @@
           </a:prstGeom>
         </p:spPr>
         <p:txBody>
-          <a:bodyPr anchorCtr="0" anchor="b" bIns="91425" lIns="91425" spcFirstLastPara="1" rIns="91425" wrap="square" tIns="91425">
+          <a:bodyPr spcFirstLastPara="1" wrap="square" lIns="91425" tIns="91425" rIns="91425" bIns="91425" anchor="b" anchorCtr="0">
             <a:normAutofit fontScale="90000"/>
           </a:bodyPr>
           <a:lstStyle/>
           <a:p>
-            <a:pPr indent="0" lvl="0" marL="0" rtl="0" algn="ctr">
+            <a:pPr marL="0" lvl="0" indent="0" algn="ctr" rtl="0">
               <a:spcBef>
                 <a:spcPts val="0"/>
               </a:spcBef>
@@ -8557,9 +8786,11 @@
       <p:sp>
         <p:nvSpPr>
           <p:cNvPr id="67" name="Google Shape;67;p13"/>
-          <p:cNvSpPr txBox="1"/>
+          <p:cNvSpPr txBox="1">
+            <a:spLocks noGrp="1"/>
+          </p:cNvSpPr>
           <p:nvPr>
-            <p:ph idx="1" type="subTitle"/>
+            <p:ph type="subTitle" idx="1"/>
           </p:nvPr>
         </p:nvSpPr>
         <p:spPr>
@@ -8572,12 +8803,12 @@
           </a:prstGeom>
         </p:spPr>
         <p:txBody>
-          <a:bodyPr anchorCtr="0" anchor="t" bIns="91425" lIns="91425" spcFirstLastPara="1" rIns="91425" wrap="square" tIns="91425">
+          <a:bodyPr spcFirstLastPara="1" wrap="square" lIns="91425" tIns="91425" rIns="91425" bIns="91425" anchor="t" anchorCtr="0">
             <a:normAutofit/>
           </a:bodyPr>
           <a:lstStyle/>
           <a:p>
-            <a:pPr indent="0" lvl="0" marL="0" rtl="0" algn="ctr">
+            <a:pPr marL="0" lvl="0" indent="0" algn="ctr" rtl="0">
               <a:spcBef>
                 <a:spcPts val="0"/>
               </a:spcBef>
@@ -8603,11 +8834,11 @@
 </file>
 
 <file path=ppt/slides/slide10.xml><?xml version="1.0" encoding="utf-8"?>
-<p:sld xmlns:a="http://schemas.openxmlformats.org/drawingml/2006/main" xmlns:r="http://schemas.openxmlformats.org/officeDocument/2006/relationships" xmlns:mc="http://schemas.openxmlformats.org/markup-compatibility/2006" xmlns:mv="urn:schemas-microsoft-com:mac:vml" xmlns:p="http://schemas.openxmlformats.org/presentationml/2006/main" xmlns:c="http://schemas.openxmlformats.org/drawingml/2006/chart" xmlns:dgm="http://schemas.openxmlformats.org/drawingml/2006/diagram" xmlns:o="urn:schemas-microsoft-com:office:office" xmlns:v="urn:schemas-microsoft-com:vml" xmlns:pvml="urn:schemas-microsoft-com:office:powerpoint" xmlns:com="http://schemas.openxmlformats.org/drawingml/2006/compatibility" xmlns:p14="http://schemas.microsoft.com/office/powerpoint/2010/main" xmlns:p15="http://schemas.microsoft.com/office/powerpoint/2012/main" xmlns:ahyp="http://schemas.microsoft.com/office/drawing/2018/hyperlinkcolor">
+<p:sld xmlns:a="http://schemas.openxmlformats.org/drawingml/2006/main" xmlns:r="http://schemas.openxmlformats.org/officeDocument/2006/relationships" xmlns:p="http://schemas.openxmlformats.org/presentationml/2006/main">
   <p:cSld>
     <p:spTree>
       <p:nvGrpSpPr>
-        <p:cNvPr id="133" name="Shape 133"/>
+        <p:cNvPr id="1" name="Shape 133"/>
         <p:cNvGrpSpPr/>
         <p:nvPr/>
       </p:nvGrpSpPr>
@@ -8622,7 +8853,9 @@
       <p:sp>
         <p:nvSpPr>
           <p:cNvPr id="134" name="Google Shape;134;p22"/>
-          <p:cNvSpPr txBox="1"/>
+          <p:cNvSpPr txBox="1">
+            <a:spLocks noGrp="1"/>
+          </p:cNvSpPr>
           <p:nvPr>
             <p:ph type="title"/>
           </p:nvPr>
@@ -8637,12 +8870,12 @@
           </a:prstGeom>
         </p:spPr>
         <p:txBody>
-          <a:bodyPr anchorCtr="0" anchor="t" bIns="91425" lIns="91425" spcFirstLastPara="1" rIns="91425" wrap="square" tIns="91425">
+          <a:bodyPr spcFirstLastPara="1" wrap="square" lIns="91425" tIns="91425" rIns="91425" bIns="91425" anchor="t" anchorCtr="0">
             <a:normAutofit fontScale="90000"/>
           </a:bodyPr>
           <a:lstStyle/>
           <a:p>
-            <a:pPr indent="0" lvl="0" marL="0" rtl="0" algn="l">
+            <a:pPr marL="0" lvl="0" indent="0" algn="l" rtl="0">
               <a:spcBef>
                 <a:spcPts val="0"/>
               </a:spcBef>
@@ -8662,9 +8895,11 @@
       <p:sp>
         <p:nvSpPr>
           <p:cNvPr id="135" name="Google Shape;135;p22"/>
-          <p:cNvSpPr txBox="1"/>
+          <p:cNvSpPr txBox="1">
+            <a:spLocks noGrp="1"/>
+          </p:cNvSpPr>
           <p:nvPr>
-            <p:ph idx="4294967295" type="body"/>
+            <p:ph type="body" idx="4294967295"/>
           </p:nvPr>
         </p:nvSpPr>
         <p:spPr>
@@ -8677,12 +8912,12 @@
           </a:prstGeom>
         </p:spPr>
         <p:txBody>
-          <a:bodyPr anchorCtr="0" anchor="t" bIns="91425" lIns="91425" spcFirstLastPara="1" rIns="91425" wrap="square" tIns="91425">
+          <a:bodyPr spcFirstLastPara="1" wrap="square" lIns="91425" tIns="91425" rIns="91425" bIns="91425" anchor="t" anchorCtr="0">
             <a:normAutofit/>
           </a:bodyPr>
           <a:lstStyle/>
           <a:p>
-            <a:pPr indent="0" lvl="0" marL="0" rtl="0" algn="l">
+            <a:pPr marL="0" lvl="0" indent="0" algn="l" rtl="0">
               <a:spcBef>
                 <a:spcPts val="0"/>
               </a:spcBef>
@@ -8698,7 +8933,7 @@
             <a:endParaRPr/>
           </a:p>
           <a:p>
-            <a:pPr indent="0" lvl="0" marL="0" rtl="0" algn="l">
+            <a:pPr marL="0" lvl="0" indent="0" algn="l" rtl="0">
               <a:spcBef>
                 <a:spcPts val="1200"/>
               </a:spcBef>
@@ -8714,7 +8949,7 @@
             <a:endParaRPr/>
           </a:p>
           <a:p>
-            <a:pPr indent="0" lvl="0" marL="0" rtl="0" algn="l">
+            <a:pPr marL="0" lvl="0" indent="0" algn="l" rtl="0">
               <a:spcBef>
                 <a:spcPts val="1200"/>
               </a:spcBef>
@@ -8723,13 +8958,10 @@
               </a:spcAft>
               <a:buNone/>
             </a:pPr>
-            <a:r>
-              <a:t/>
-            </a:r>
             <a:endParaRPr/>
           </a:p>
           <a:p>
-            <a:pPr indent="0" lvl="0" marL="0" rtl="0" algn="l">
+            <a:pPr marL="0" lvl="0" indent="0" algn="l" rtl="0">
               <a:spcBef>
                 <a:spcPts val="1200"/>
               </a:spcBef>
@@ -8738,9 +8970,6 @@
               </a:spcAft>
               <a:buNone/>
             </a:pPr>
-            <a:r>
-              <a:t/>
-            </a:r>
             <a:endParaRPr/>
           </a:p>
         </p:txBody>
@@ -8755,7 +8984,7 @@
           <a:blip r:embed="rId3">
             <a:alphaModFix/>
           </a:blip>
-          <a:srcRect b="0" l="0" r="0" t="6742"/>
+          <a:srcRect t="6742"/>
           <a:stretch/>
         </p:blipFill>
         <p:spPr>
@@ -8781,11 +9010,11 @@
 </file>
 
 <file path=ppt/slides/slide11.xml><?xml version="1.0" encoding="utf-8"?>
-<p:sld xmlns:a="http://schemas.openxmlformats.org/drawingml/2006/main" xmlns:r="http://schemas.openxmlformats.org/officeDocument/2006/relationships" xmlns:mc="http://schemas.openxmlformats.org/markup-compatibility/2006" xmlns:mv="urn:schemas-microsoft-com:mac:vml" xmlns:p="http://schemas.openxmlformats.org/presentationml/2006/main" xmlns:c="http://schemas.openxmlformats.org/drawingml/2006/chart" xmlns:dgm="http://schemas.openxmlformats.org/drawingml/2006/diagram" xmlns:o="urn:schemas-microsoft-com:office:office" xmlns:v="urn:schemas-microsoft-com:vml" xmlns:pvml="urn:schemas-microsoft-com:office:powerpoint" xmlns:com="http://schemas.openxmlformats.org/drawingml/2006/compatibility" xmlns:p14="http://schemas.microsoft.com/office/powerpoint/2010/main" xmlns:p15="http://schemas.microsoft.com/office/powerpoint/2012/main" xmlns:ahyp="http://schemas.microsoft.com/office/drawing/2018/hyperlinkcolor">
+<p:sld xmlns:a="http://schemas.openxmlformats.org/drawingml/2006/main" xmlns:r="http://schemas.openxmlformats.org/officeDocument/2006/relationships" xmlns:p="http://schemas.openxmlformats.org/presentationml/2006/main">
   <p:cSld>
     <p:spTree>
       <p:nvGrpSpPr>
-        <p:cNvPr id="140" name="Shape 140"/>
+        <p:cNvPr id="1" name="Shape 140"/>
         <p:cNvGrpSpPr/>
         <p:nvPr/>
       </p:nvGrpSpPr>
@@ -8800,7 +9029,9 @@
       <p:sp>
         <p:nvSpPr>
           <p:cNvPr id="141" name="Google Shape;141;p23"/>
-          <p:cNvSpPr txBox="1"/>
+          <p:cNvSpPr txBox="1">
+            <a:spLocks noGrp="1"/>
+          </p:cNvSpPr>
           <p:nvPr>
             <p:ph type="title"/>
           </p:nvPr>
@@ -8815,12 +9046,12 @@
           </a:prstGeom>
         </p:spPr>
         <p:txBody>
-          <a:bodyPr anchorCtr="0" anchor="t" bIns="91425" lIns="91425" spcFirstLastPara="1" rIns="91425" wrap="square" tIns="91425">
+          <a:bodyPr spcFirstLastPara="1" wrap="square" lIns="91425" tIns="91425" rIns="91425" bIns="91425" anchor="t" anchorCtr="0">
             <a:normAutofit fontScale="90000"/>
           </a:bodyPr>
           <a:lstStyle/>
           <a:p>
-            <a:pPr indent="0" lvl="0" marL="0" rtl="0" algn="l">
+            <a:pPr marL="0" lvl="0" indent="0" algn="l" rtl="0">
               <a:spcBef>
                 <a:spcPts val="0"/>
               </a:spcBef>
@@ -8840,9 +9071,11 @@
       <p:sp>
         <p:nvSpPr>
           <p:cNvPr id="142" name="Google Shape;142;p23"/>
-          <p:cNvSpPr txBox="1"/>
+          <p:cNvSpPr txBox="1">
+            <a:spLocks noGrp="1"/>
+          </p:cNvSpPr>
           <p:nvPr>
-            <p:ph idx="2" type="body"/>
+            <p:ph type="body" idx="2"/>
           </p:nvPr>
         </p:nvSpPr>
         <p:spPr>
@@ -8855,12 +9088,12 @@
           </a:prstGeom>
         </p:spPr>
         <p:txBody>
-          <a:bodyPr anchorCtr="0" anchor="t" bIns="91425" lIns="91425" spcFirstLastPara="1" rIns="91425" wrap="square" tIns="91425">
+          <a:bodyPr spcFirstLastPara="1" wrap="square" lIns="91425" tIns="91425" rIns="91425" bIns="91425" anchor="t" anchorCtr="0">
             <a:normAutofit/>
           </a:bodyPr>
           <a:lstStyle/>
           <a:p>
-            <a:pPr indent="0" lvl="0" marL="0" rtl="0" algn="l">
+            <a:pPr marL="0" lvl="0" indent="0" algn="l" rtl="0">
               <a:spcBef>
                 <a:spcPts val="0"/>
               </a:spcBef>
@@ -8871,23 +9104,7 @@
             </a:pPr>
             <a:r>
               <a:rPr lang="en"/>
-              <a:t>Sticky </a:t>
-            </a:r>
-            <a:r>
-              <a:rPr lang="en"/>
-              <a:t>objects</a:t>
-            </a:r>
-            <a:r>
-              <a:rPr lang="en"/>
-              <a:t> </a:t>
-            </a:r>
-            <a:r>
-              <a:rPr lang="en"/>
-              <a:t>separated</a:t>
-            </a:r>
-            <a:r>
-              <a:rPr lang="en"/>
-              <a:t>:</a:t>
+              <a:t>Sticky objects separated:</a:t>
             </a:r>
             <a:endParaRPr/>
           </a:p>
@@ -8896,9 +9113,11 @@
       <p:sp>
         <p:nvSpPr>
           <p:cNvPr id="143" name="Google Shape;143;p23"/>
-          <p:cNvSpPr txBox="1"/>
+          <p:cNvSpPr txBox="1">
+            <a:spLocks noGrp="1"/>
+          </p:cNvSpPr>
           <p:nvPr>
-            <p:ph idx="2" type="body"/>
+            <p:ph type="body" idx="2"/>
           </p:nvPr>
         </p:nvSpPr>
         <p:spPr>
@@ -8911,12 +9130,12 @@
           </a:prstGeom>
         </p:spPr>
         <p:txBody>
-          <a:bodyPr anchorCtr="0" anchor="t" bIns="91425" lIns="91425" spcFirstLastPara="1" rIns="91425" wrap="square" tIns="91425">
+          <a:bodyPr spcFirstLastPara="1" wrap="square" lIns="91425" tIns="91425" rIns="91425" bIns="91425" anchor="t" anchorCtr="0">
             <a:normAutofit/>
           </a:bodyPr>
           <a:lstStyle/>
           <a:p>
-            <a:pPr indent="0" lvl="0" marL="0" rtl="0" algn="l">
+            <a:pPr marL="0" lvl="0" indent="0" algn="l" rtl="0">
               <a:spcBef>
                 <a:spcPts val="0"/>
               </a:spcBef>
@@ -8932,7 +9151,7 @@
             <a:endParaRPr/>
           </a:p>
           <a:p>
-            <a:pPr indent="0" lvl="0" marL="0" rtl="0" algn="l">
+            <a:pPr marL="0" lvl="0" indent="0" algn="l" rtl="0">
               <a:spcBef>
                 <a:spcPts val="1200"/>
               </a:spcBef>
@@ -8941,13 +9160,10 @@
               </a:spcAft>
               <a:buNone/>
             </a:pPr>
-            <a:r>
-              <a:t/>
-            </a:r>
             <a:endParaRPr/>
           </a:p>
           <a:p>
-            <a:pPr indent="0" lvl="0" marL="0" rtl="0" algn="l">
+            <a:pPr marL="0" lvl="0" indent="0" algn="l" rtl="0">
               <a:spcBef>
                 <a:spcPts val="1200"/>
               </a:spcBef>
@@ -8956,9 +9172,6 @@
               </a:spcAft>
               <a:buNone/>
             </a:pPr>
-            <a:r>
-              <a:t/>
-            </a:r>
             <a:endParaRPr/>
           </a:p>
         </p:txBody>
@@ -8966,9 +9179,11 @@
       <p:sp>
         <p:nvSpPr>
           <p:cNvPr id="144" name="Google Shape;144;p23"/>
-          <p:cNvSpPr txBox="1"/>
+          <p:cNvSpPr txBox="1">
+            <a:spLocks noGrp="1"/>
+          </p:cNvSpPr>
           <p:nvPr>
-            <p:ph idx="1" type="body"/>
+            <p:ph type="body" idx="1"/>
           </p:nvPr>
         </p:nvSpPr>
         <p:spPr>
@@ -8981,12 +9196,12 @@
           </a:prstGeom>
         </p:spPr>
         <p:txBody>
-          <a:bodyPr anchorCtr="0" anchor="t" bIns="91425" lIns="91425" spcFirstLastPara="1" rIns="91425" wrap="square" tIns="91425">
+          <a:bodyPr spcFirstLastPara="1" wrap="square" lIns="91425" tIns="91425" rIns="91425" bIns="91425" anchor="t" anchorCtr="0">
             <a:normAutofit/>
           </a:bodyPr>
           <a:lstStyle/>
           <a:p>
-            <a:pPr indent="0" lvl="0" marL="0" rtl="0" algn="l">
+            <a:pPr marL="0" lvl="0" indent="0" algn="l" rtl="0">
               <a:spcBef>
                 <a:spcPts val="0"/>
               </a:spcBef>
@@ -8997,15 +9212,7 @@
             </a:pPr>
             <a:r>
               <a:rPr lang="en"/>
-              <a:t>Sticky </a:t>
-            </a:r>
-            <a:r>
-              <a:rPr lang="en"/>
-              <a:t>objects</a:t>
-            </a:r>
-            <a:r>
-              <a:rPr lang="en"/>
-              <a:t>:</a:t>
+              <a:t>Sticky objects:</a:t>
             </a:r>
             <a:endParaRPr/>
           </a:p>
@@ -9021,7 +9228,7 @@
           <a:blip r:embed="rId3">
             <a:alphaModFix/>
           </a:blip>
-          <a:srcRect b="0" l="0" r="0" t="6147"/>
+          <a:srcRect t="6147"/>
           <a:stretch/>
         </p:blipFill>
         <p:spPr>
@@ -9048,7 +9255,7 @@
           <a:blip r:embed="rId4">
             <a:alphaModFix/>
           </a:blip>
-          <a:srcRect b="0" l="0" r="0" t="6959"/>
+          <a:srcRect t="6959"/>
           <a:stretch/>
         </p:blipFill>
         <p:spPr>
@@ -9074,11 +9281,11 @@
 </file>
 
 <file path=ppt/slides/slide12.xml><?xml version="1.0" encoding="utf-8"?>
-<p:sld xmlns:a="http://schemas.openxmlformats.org/drawingml/2006/main" xmlns:r="http://schemas.openxmlformats.org/officeDocument/2006/relationships" xmlns:mc="http://schemas.openxmlformats.org/markup-compatibility/2006" xmlns:mv="urn:schemas-microsoft-com:mac:vml" xmlns:p="http://schemas.openxmlformats.org/presentationml/2006/main" xmlns:c="http://schemas.openxmlformats.org/drawingml/2006/chart" xmlns:dgm="http://schemas.openxmlformats.org/drawingml/2006/diagram" xmlns:o="urn:schemas-microsoft-com:office:office" xmlns:v="urn:schemas-microsoft-com:vml" xmlns:pvml="urn:schemas-microsoft-com:office:powerpoint" xmlns:com="http://schemas.openxmlformats.org/drawingml/2006/compatibility" xmlns:p14="http://schemas.microsoft.com/office/powerpoint/2010/main" xmlns:p15="http://schemas.microsoft.com/office/powerpoint/2012/main" xmlns:ahyp="http://schemas.microsoft.com/office/drawing/2018/hyperlinkcolor">
+<p:sld xmlns:a="http://schemas.openxmlformats.org/drawingml/2006/main" xmlns:r="http://schemas.openxmlformats.org/officeDocument/2006/relationships" xmlns:p="http://schemas.openxmlformats.org/presentationml/2006/main">
   <p:cSld>
     <p:spTree>
       <p:nvGrpSpPr>
-        <p:cNvPr id="150" name="Shape 150"/>
+        <p:cNvPr id="1" name="Shape 150"/>
         <p:cNvGrpSpPr/>
         <p:nvPr/>
       </p:nvGrpSpPr>
@@ -9093,7 +9300,9 @@
       <p:sp>
         <p:nvSpPr>
           <p:cNvPr id="151" name="Google Shape;151;p24"/>
-          <p:cNvSpPr txBox="1"/>
+          <p:cNvSpPr txBox="1">
+            <a:spLocks noGrp="1"/>
+          </p:cNvSpPr>
           <p:nvPr>
             <p:ph type="title"/>
           </p:nvPr>
@@ -9108,12 +9317,12 @@
           </a:prstGeom>
         </p:spPr>
         <p:txBody>
-          <a:bodyPr anchorCtr="0" anchor="t" bIns="91425" lIns="91425" spcFirstLastPara="1" rIns="91425" wrap="square" tIns="91425">
+          <a:bodyPr spcFirstLastPara="1" wrap="square" lIns="91425" tIns="91425" rIns="91425" bIns="91425" anchor="t" anchorCtr="0">
             <a:normAutofit fontScale="90000"/>
           </a:bodyPr>
           <a:lstStyle/>
           <a:p>
-            <a:pPr indent="0" lvl="0" marL="0" rtl="0" algn="l">
+            <a:pPr marL="0" lvl="0" indent="0" algn="l" rtl="0">
               <a:spcBef>
                 <a:spcPts val="0"/>
               </a:spcBef>
@@ -9129,18 +9338,15 @@
             <a:endParaRPr/>
           </a:p>
           <a:p>
-            <a:pPr indent="0" lvl="0" marL="0" rtl="0" algn="l">
-              <a:spcBef>
-                <a:spcPts val="0"/>
-              </a:spcBef>
-              <a:spcAft>
-                <a:spcPts val="0"/>
-              </a:spcAft>
-              <a:buNone/>
-            </a:pPr>
-            <a:r>
-              <a:t/>
-            </a:r>
+            <a:pPr marL="0" lvl="0" indent="0" algn="l" rtl="0">
+              <a:spcBef>
+                <a:spcPts val="0"/>
+              </a:spcBef>
+              <a:spcAft>
+                <a:spcPts val="0"/>
+              </a:spcAft>
+              <a:buNone/>
+            </a:pPr>
             <a:endParaRPr/>
           </a:p>
         </p:txBody>
@@ -9148,9 +9354,11 @@
       <p:sp>
         <p:nvSpPr>
           <p:cNvPr id="152" name="Google Shape;152;p24"/>
-          <p:cNvSpPr txBox="1"/>
+          <p:cNvSpPr txBox="1">
+            <a:spLocks noGrp="1"/>
+          </p:cNvSpPr>
           <p:nvPr>
-            <p:ph idx="1" type="body"/>
+            <p:ph type="body" idx="1"/>
           </p:nvPr>
         </p:nvSpPr>
         <p:spPr>
@@ -9163,12 +9371,12 @@
           </a:prstGeom>
         </p:spPr>
         <p:txBody>
-          <a:bodyPr anchorCtr="0" anchor="t" bIns="91425" lIns="91425" spcFirstLastPara="1" rIns="91425" wrap="square" tIns="91425">
+          <a:bodyPr spcFirstLastPara="1" wrap="square" lIns="91425" tIns="91425" rIns="91425" bIns="91425" anchor="t" anchorCtr="0">
             <a:normAutofit/>
           </a:bodyPr>
           <a:lstStyle/>
           <a:p>
-            <a:pPr indent="0" lvl="0" marL="0" rtl="0" algn="l">
+            <a:pPr marL="0" lvl="0" indent="0" algn="l" rtl="0">
               <a:spcBef>
                 <a:spcPts val="0"/>
               </a:spcBef>
@@ -9195,7 +9403,7 @@
           <a:blip r:embed="rId3">
             <a:alphaModFix/>
           </a:blip>
-          <a:srcRect b="30049" l="75669" r="16461" t="47617"/>
+          <a:srcRect l="75669" t="47617" r="16461" b="30049"/>
           <a:stretch/>
         </p:blipFill>
         <p:spPr>
@@ -9222,7 +9430,7 @@
           <a:blip r:embed="rId4">
             <a:alphaModFix/>
           </a:blip>
-          <a:srcRect b="33060" l="76102" r="17368" t="52046"/>
+          <a:srcRect l="76102" t="52046" r="17368" b="33060"/>
           <a:stretch/>
         </p:blipFill>
         <p:spPr>
@@ -9242,9 +9450,11 @@
       <p:sp>
         <p:nvSpPr>
           <p:cNvPr id="155" name="Google Shape;155;p24"/>
-          <p:cNvSpPr txBox="1"/>
+          <p:cNvSpPr txBox="1">
+            <a:spLocks noGrp="1"/>
+          </p:cNvSpPr>
           <p:nvPr>
-            <p:ph idx="2" type="body"/>
+            <p:ph type="body" idx="2"/>
           </p:nvPr>
         </p:nvSpPr>
         <p:spPr>
@@ -9257,12 +9467,12 @@
           </a:prstGeom>
         </p:spPr>
         <p:txBody>
-          <a:bodyPr anchorCtr="0" anchor="t" bIns="91425" lIns="91425" spcFirstLastPara="1" rIns="91425" wrap="square" tIns="91425">
+          <a:bodyPr spcFirstLastPara="1" wrap="square" lIns="91425" tIns="91425" rIns="91425" bIns="91425" anchor="t" anchorCtr="0">
             <a:normAutofit/>
           </a:bodyPr>
           <a:lstStyle/>
           <a:p>
-            <a:pPr indent="0" lvl="0" marL="0" rtl="0" algn="l">
+            <a:pPr marL="0" lvl="0" indent="0" algn="l" rtl="0">
               <a:spcBef>
                 <a:spcPts val="0"/>
               </a:spcBef>
@@ -9271,9 +9481,6 @@
               </a:spcAft>
               <a:buNone/>
             </a:pPr>
-            <a:r>
-              <a:t/>
-            </a:r>
             <a:endParaRPr/>
           </a:p>
         </p:txBody>
@@ -9288,7 +9495,7 @@
           <a:blip r:embed="rId5">
             <a:alphaModFix/>
           </a:blip>
-          <a:srcRect b="16586" l="19636" r="20053" t="8327"/>
+          <a:srcRect l="19636" t="8327" r="20053" b="16586"/>
           <a:stretch/>
         </p:blipFill>
         <p:spPr>
@@ -9315,7 +9522,7 @@
           <a:blip r:embed="rId6">
             <a:alphaModFix/>
           </a:blip>
-          <a:srcRect b="17006" l="19535" r="19681" t="9658"/>
+          <a:srcRect l="19535" t="9658" r="19681" b="17006"/>
           <a:stretch/>
         </p:blipFill>
         <p:spPr>
@@ -9342,7 +9549,7 @@
           <a:blip r:embed="rId7">
             <a:alphaModFix/>
           </a:blip>
-          <a:srcRect b="21378" l="23602" r="22486" t="8367"/>
+          <a:srcRect l="23602" t="8367" r="22486" b="21378"/>
           <a:stretch/>
         </p:blipFill>
         <p:spPr>
@@ -9369,7 +9576,7 @@
           <a:blip r:embed="rId8">
             <a:alphaModFix/>
           </a:blip>
-          <a:srcRect b="18818" l="20393" r="20357" t="7124"/>
+          <a:srcRect l="20393" t="7124" r="20357" b="18818"/>
           <a:stretch/>
         </p:blipFill>
         <p:spPr>
@@ -9404,14 +9611,14 @@
             <a:avLst/>
           </a:prstGeom>
           <a:noFill/>
-          <a:ln cap="flat" cmpd="sng" w="9525">
+          <a:ln w="9525" cap="flat" cmpd="sng">
             <a:solidFill>
               <a:schemeClr val="dk2"/>
             </a:solidFill>
             <a:prstDash val="solid"/>
             <a:round/>
-            <a:headEnd len="med" w="med" type="none"/>
-            <a:tailEnd len="med" w="med" type="triangle"/>
+            <a:headEnd type="none" w="med" len="med"/>
+            <a:tailEnd type="triangle" w="med" len="med"/>
           </a:ln>
         </p:spPr>
       </p:cxnSp>
@@ -9433,14 +9640,14 @@
             <a:avLst/>
           </a:prstGeom>
           <a:noFill/>
-          <a:ln cap="flat" cmpd="sng" w="9525">
+          <a:ln w="9525" cap="flat" cmpd="sng">
             <a:solidFill>
               <a:schemeClr val="dk2"/>
             </a:solidFill>
             <a:prstDash val="solid"/>
             <a:round/>
-            <a:headEnd len="med" w="med" type="none"/>
-            <a:tailEnd len="med" w="med" type="triangle"/>
+            <a:headEnd type="none" w="med" len="med"/>
+            <a:tailEnd type="triangle" w="med" len="med"/>
           </a:ln>
         </p:spPr>
       </p:cxnSp>
@@ -9462,14 +9669,14 @@
             <a:avLst/>
           </a:prstGeom>
           <a:noFill/>
-          <a:ln cap="flat" cmpd="sng" w="9525">
+          <a:ln w="9525" cap="flat" cmpd="sng">
             <a:solidFill>
               <a:schemeClr val="dk2"/>
             </a:solidFill>
             <a:prstDash val="solid"/>
             <a:round/>
-            <a:headEnd len="med" w="med" type="none"/>
-            <a:tailEnd len="med" w="med" type="triangle"/>
+            <a:headEnd type="none" w="med" len="med"/>
+            <a:tailEnd type="triangle" w="med" len="med"/>
           </a:ln>
         </p:spPr>
       </p:cxnSp>
@@ -9491,14 +9698,14 @@
             <a:avLst/>
           </a:prstGeom>
           <a:noFill/>
-          <a:ln cap="flat" cmpd="sng" w="9525">
+          <a:ln w="9525" cap="flat" cmpd="sng">
             <a:solidFill>
               <a:schemeClr val="dk2"/>
             </a:solidFill>
             <a:prstDash val="solid"/>
             <a:round/>
-            <a:headEnd len="med" w="med" type="none"/>
-            <a:tailEnd len="med" w="med" type="triangle"/>
+            <a:headEnd type="none" w="med" len="med"/>
+            <a:tailEnd type="triangle" w="med" len="med"/>
           </a:ln>
         </p:spPr>
       </p:cxnSp>
@@ -9522,23 +9729,20 @@
           </a:ln>
         </p:spPr>
         <p:txBody>
-          <a:bodyPr anchorCtr="0" anchor="t" bIns="91425" lIns="91425" spcFirstLastPara="1" rIns="91425" wrap="square" tIns="91425">
+          <a:bodyPr spcFirstLastPara="1" wrap="square" lIns="91425" tIns="91425" rIns="91425" bIns="91425" anchor="t" anchorCtr="0">
             <a:spAutoFit/>
           </a:bodyPr>
           <a:lstStyle/>
           <a:p>
-            <a:pPr indent="0" lvl="0" marL="0" rtl="0" algn="l">
-              <a:spcBef>
-                <a:spcPts val="0"/>
-              </a:spcBef>
-              <a:spcAft>
-                <a:spcPts val="0"/>
-              </a:spcAft>
-              <a:buNone/>
-            </a:pPr>
-            <a:r>
-              <a:t/>
-            </a:r>
+            <a:pPr marL="0" lvl="0" indent="0" algn="l" rtl="0">
+              <a:spcBef>
+                <a:spcPts val="0"/>
+              </a:spcBef>
+              <a:spcAft>
+                <a:spcPts val="0"/>
+              </a:spcAft>
+              <a:buNone/>
+            </a:pPr>
             <a:endParaRPr>
               <a:latin typeface="Open Sans"/>
               <a:ea typeface="Open Sans"/>
@@ -9568,12 +9772,12 @@
           </a:ln>
         </p:spPr>
         <p:txBody>
-          <a:bodyPr anchorCtr="0" anchor="t" bIns="91425" lIns="91425" spcFirstLastPara="1" rIns="91425" wrap="square" tIns="91425">
+          <a:bodyPr spcFirstLastPara="1" wrap="square" lIns="91425" tIns="91425" rIns="91425" bIns="91425" anchor="t" anchorCtr="0">
             <a:spAutoFit/>
           </a:bodyPr>
           <a:lstStyle/>
           <a:p>
-            <a:pPr indent="0" lvl="0" marL="0" rtl="0" algn="l">
+            <a:pPr marL="0" lvl="0" indent="0" algn="l" rtl="0">
               <a:spcBef>
                 <a:spcPts val="0"/>
               </a:spcBef>
@@ -9620,12 +9824,12 @@
           </a:ln>
         </p:spPr>
         <p:txBody>
-          <a:bodyPr anchorCtr="0" anchor="t" bIns="91425" lIns="91425" spcFirstLastPara="1" rIns="91425" wrap="square" tIns="91425">
+          <a:bodyPr spcFirstLastPara="1" wrap="square" lIns="91425" tIns="91425" rIns="91425" bIns="91425" anchor="t" anchorCtr="0">
             <a:spAutoFit/>
           </a:bodyPr>
           <a:lstStyle/>
           <a:p>
-            <a:pPr indent="0" lvl="0" marL="0" rtl="0" algn="l">
+            <a:pPr marL="0" lvl="0" indent="0" algn="l" rtl="0">
               <a:spcBef>
                 <a:spcPts val="0"/>
               </a:spcBef>
@@ -9672,12 +9876,12 @@
           </a:ln>
         </p:spPr>
         <p:txBody>
-          <a:bodyPr anchorCtr="0" anchor="t" bIns="91425" lIns="91425" spcFirstLastPara="1" rIns="91425" wrap="square" tIns="91425">
+          <a:bodyPr spcFirstLastPara="1" wrap="square" lIns="91425" tIns="91425" rIns="91425" bIns="91425" anchor="t" anchorCtr="0">
             <a:spAutoFit/>
           </a:bodyPr>
           <a:lstStyle/>
           <a:p>
-            <a:pPr indent="0" lvl="0" marL="0" rtl="0" algn="l">
+            <a:pPr marL="0" lvl="0" indent="0" algn="l" rtl="0">
               <a:spcBef>
                 <a:spcPts val="0"/>
               </a:spcBef>
@@ -9724,12 +9928,12 @@
           </a:ln>
         </p:spPr>
         <p:txBody>
-          <a:bodyPr anchorCtr="0" anchor="t" bIns="91425" lIns="91425" spcFirstLastPara="1" rIns="91425" wrap="square" tIns="91425">
+          <a:bodyPr spcFirstLastPara="1" wrap="square" lIns="91425" tIns="91425" rIns="91425" bIns="91425" anchor="t" anchorCtr="0">
             <a:spAutoFit/>
           </a:bodyPr>
           <a:lstStyle/>
           <a:p>
-            <a:pPr indent="0" lvl="0" marL="0" rtl="0" algn="l">
+            <a:pPr marL="0" lvl="0" indent="0" algn="l" rtl="0">
               <a:spcBef>
                 <a:spcPts val="0"/>
               </a:spcBef>
@@ -9745,25 +9949,7 @@
                 <a:cs typeface="Open Sans"/>
                 <a:sym typeface="Open Sans"/>
               </a:rPr>
-              <a:t>Finally </a:t>
-            </a:r>
-            <a:r>
-              <a:rPr lang="en">
-                <a:latin typeface="Open Sans"/>
-                <a:ea typeface="Open Sans"/>
-                <a:cs typeface="Open Sans"/>
-                <a:sym typeface="Open Sans"/>
-              </a:rPr>
-              <a:t>separated</a:t>
-            </a:r>
-            <a:r>
-              <a:rPr lang="en">
-                <a:latin typeface="Open Sans"/>
-                <a:ea typeface="Open Sans"/>
-                <a:cs typeface="Open Sans"/>
-                <a:sym typeface="Open Sans"/>
-              </a:rPr>
-              <a:t>!</a:t>
+              <a:t>Finally separated!</a:t>
             </a:r>
             <a:endParaRPr>
               <a:latin typeface="Open Sans"/>
@@ -9784,7 +9970,7 @@
           <a:blip r:embed="rId9">
             <a:alphaModFix/>
           </a:blip>
-          <a:srcRect b="17755" l="49998" r="24658" t="52363"/>
+          <a:srcRect l="49998" t="52363" r="24658" b="17755"/>
           <a:stretch/>
         </p:blipFill>
         <p:spPr>
@@ -9819,14 +10005,14 @@
             <a:avLst/>
           </a:prstGeom>
           <a:noFill/>
-          <a:ln cap="flat" cmpd="sng" w="9525">
+          <a:ln w="9525" cap="flat" cmpd="sng">
             <a:solidFill>
               <a:schemeClr val="dk2"/>
             </a:solidFill>
             <a:prstDash val="solid"/>
             <a:round/>
-            <a:headEnd len="med" w="med" type="none"/>
-            <a:tailEnd len="med" w="med" type="triangle"/>
+            <a:headEnd type="none" w="med" len="med"/>
+            <a:tailEnd type="triangle" w="med" len="med"/>
           </a:ln>
         </p:spPr>
       </p:cxnSp>
@@ -9850,12 +10036,12 @@
           </a:ln>
         </p:spPr>
         <p:txBody>
-          <a:bodyPr anchorCtr="0" anchor="t" bIns="91425" lIns="91425" spcFirstLastPara="1" rIns="91425" wrap="square" tIns="91425">
+          <a:bodyPr spcFirstLastPara="1" wrap="square" lIns="91425" tIns="91425" rIns="91425" bIns="91425" anchor="t" anchorCtr="0">
             <a:spAutoFit/>
           </a:bodyPr>
           <a:lstStyle/>
           <a:p>
-            <a:pPr indent="0" lvl="0" marL="0" rtl="0" algn="l">
+            <a:pPr marL="0" lvl="0" indent="0" algn="l" rtl="0">
               <a:spcBef>
                 <a:spcPts val="0"/>
               </a:spcBef>
@@ -9897,11 +10083,11 @@
 </file>
 
 <file path=ppt/slides/slide13.xml><?xml version="1.0" encoding="utf-8"?>
-<p:sld xmlns:a="http://schemas.openxmlformats.org/drawingml/2006/main" xmlns:r="http://schemas.openxmlformats.org/officeDocument/2006/relationships" xmlns:mc="http://schemas.openxmlformats.org/markup-compatibility/2006" xmlns:mv="urn:schemas-microsoft-com:mac:vml" xmlns:p="http://schemas.openxmlformats.org/presentationml/2006/main" xmlns:c="http://schemas.openxmlformats.org/drawingml/2006/chart" xmlns:dgm="http://schemas.openxmlformats.org/drawingml/2006/diagram" xmlns:o="urn:schemas-microsoft-com:office:office" xmlns:v="urn:schemas-microsoft-com:vml" xmlns:pvml="urn:schemas-microsoft-com:office:powerpoint" xmlns:com="http://schemas.openxmlformats.org/drawingml/2006/compatibility" xmlns:p14="http://schemas.microsoft.com/office/powerpoint/2010/main" xmlns:p15="http://schemas.microsoft.com/office/powerpoint/2012/main" xmlns:ahyp="http://schemas.microsoft.com/office/drawing/2018/hyperlinkcolor">
+<p:sld xmlns:a="http://schemas.openxmlformats.org/drawingml/2006/main" xmlns:r="http://schemas.openxmlformats.org/officeDocument/2006/relationships" xmlns:p="http://schemas.openxmlformats.org/presentationml/2006/main">
   <p:cSld>
     <p:spTree>
       <p:nvGrpSpPr>
-        <p:cNvPr id="175" name="Shape 175"/>
+        <p:cNvPr id="1" name="Shape 175"/>
         <p:cNvGrpSpPr/>
         <p:nvPr/>
       </p:nvGrpSpPr>
@@ -9916,7 +10102,9 @@
       <p:sp>
         <p:nvSpPr>
           <p:cNvPr id="176" name="Google Shape;176;p25"/>
-          <p:cNvSpPr txBox="1"/>
+          <p:cNvSpPr txBox="1">
+            <a:spLocks noGrp="1"/>
+          </p:cNvSpPr>
           <p:nvPr>
             <p:ph type="title"/>
           </p:nvPr>
@@ -9931,12 +10119,12 @@
           </a:prstGeom>
         </p:spPr>
         <p:txBody>
-          <a:bodyPr anchorCtr="0" anchor="t" bIns="91425" lIns="91425" spcFirstLastPara="1" rIns="91425" wrap="square" tIns="91425">
+          <a:bodyPr spcFirstLastPara="1" wrap="square" lIns="91425" tIns="91425" rIns="91425" bIns="91425" anchor="t" anchorCtr="0">
             <a:normAutofit fontScale="90000"/>
           </a:bodyPr>
           <a:lstStyle/>
           <a:p>
-            <a:pPr indent="0" lvl="0" marL="0" rtl="0" algn="l">
+            <a:pPr marL="0" lvl="0" indent="0" algn="l" rtl="0">
               <a:spcBef>
                 <a:spcPts val="0"/>
               </a:spcBef>
@@ -9947,23 +10135,7 @@
             </a:pPr>
             <a:r>
               <a:rPr lang="en"/>
-              <a:t>But..for three or more objects </a:t>
-            </a:r>
-            <a:r>
-              <a:rPr lang="en"/>
-              <a:t>stuck</a:t>
-            </a:r>
-            <a:r>
-              <a:rPr lang="en"/>
-              <a:t> </a:t>
-            </a:r>
-            <a:r>
-              <a:rPr lang="en"/>
-              <a:t>together, the</a:t>
-            </a:r>
-            <a:r>
-              <a:rPr lang="en"/>
-              <a:t> results are poor!</a:t>
+              <a:t>But..for three or more objects stuck together, the results are poor!</a:t>
             </a:r>
             <a:endParaRPr/>
           </a:p>
@@ -9972,9 +10144,11 @@
       <p:sp>
         <p:nvSpPr>
           <p:cNvPr id="177" name="Google Shape;177;p25"/>
-          <p:cNvSpPr txBox="1"/>
+          <p:cNvSpPr txBox="1">
+            <a:spLocks noGrp="1"/>
+          </p:cNvSpPr>
           <p:nvPr>
-            <p:ph idx="1" type="body"/>
+            <p:ph type="body" idx="1"/>
           </p:nvPr>
         </p:nvSpPr>
         <p:spPr>
@@ -9987,12 +10161,12 @@
           </a:prstGeom>
         </p:spPr>
         <p:txBody>
-          <a:bodyPr anchorCtr="0" anchor="t" bIns="91425" lIns="91425" spcFirstLastPara="1" rIns="91425" wrap="square" tIns="91425">
+          <a:bodyPr spcFirstLastPara="1" wrap="square" lIns="91425" tIns="91425" rIns="91425" bIns="91425" anchor="t" anchorCtr="0">
             <a:normAutofit/>
           </a:bodyPr>
           <a:lstStyle/>
           <a:p>
-            <a:pPr indent="0" lvl="0" marL="0" rtl="0" algn="l">
+            <a:pPr marL="0" lvl="0" indent="0" algn="l" rtl="0">
               <a:spcBef>
                 <a:spcPts val="0"/>
               </a:spcBef>
@@ -10001,9 +10175,6 @@
               </a:spcAft>
               <a:buNone/>
             </a:pPr>
-            <a:r>
-              <a:t/>
-            </a:r>
             <a:endParaRPr/>
           </a:p>
         </p:txBody>
@@ -10011,9 +10182,11 @@
       <p:sp>
         <p:nvSpPr>
           <p:cNvPr id="178" name="Google Shape;178;p25"/>
-          <p:cNvSpPr txBox="1"/>
+          <p:cNvSpPr txBox="1">
+            <a:spLocks noGrp="1"/>
+          </p:cNvSpPr>
           <p:nvPr>
-            <p:ph idx="2" type="body"/>
+            <p:ph type="body" idx="2"/>
           </p:nvPr>
         </p:nvSpPr>
         <p:spPr>
@@ -10026,12 +10199,12 @@
           </a:prstGeom>
         </p:spPr>
         <p:txBody>
-          <a:bodyPr anchorCtr="0" anchor="t" bIns="91425" lIns="91425" spcFirstLastPara="1" rIns="91425" wrap="square" tIns="91425">
+          <a:bodyPr spcFirstLastPara="1" wrap="square" lIns="91425" tIns="91425" rIns="91425" bIns="91425" anchor="t" anchorCtr="0">
             <a:normAutofit/>
           </a:bodyPr>
           <a:lstStyle/>
           <a:p>
-            <a:pPr indent="0" lvl="0" marL="0" rtl="0" algn="l">
+            <a:pPr marL="0" lvl="0" indent="0" algn="l" rtl="0">
               <a:spcBef>
                 <a:spcPts val="0"/>
               </a:spcBef>
@@ -10040,9 +10213,6 @@
               </a:spcAft>
               <a:buNone/>
             </a:pPr>
-            <a:r>
-              <a:t/>
-            </a:r>
             <a:endParaRPr/>
           </a:p>
         </p:txBody>
@@ -10057,7 +10227,7 @@
           <a:blip r:embed="rId3">
             <a:alphaModFix/>
           </a:blip>
-          <a:srcRect b="40705" l="78013" r="14955" t="45534"/>
+          <a:srcRect l="78013" t="45534" r="14955" b="40705"/>
           <a:stretch/>
         </p:blipFill>
         <p:spPr>
@@ -10084,7 +10254,7 @@
           <a:blip r:embed="rId4">
             <a:alphaModFix/>
           </a:blip>
-          <a:srcRect b="35756" l="77183" r="11600" t="42868"/>
+          <a:srcRect l="77183" t="42868" r="11600" b="35756"/>
           <a:stretch/>
         </p:blipFill>
         <p:spPr>
@@ -10110,11 +10280,11 @@
 </file>
 
 <file path=ppt/slides/slide14.xml><?xml version="1.0" encoding="utf-8"?>
-<p:sld xmlns:a="http://schemas.openxmlformats.org/drawingml/2006/main" xmlns:r="http://schemas.openxmlformats.org/officeDocument/2006/relationships" xmlns:mc="http://schemas.openxmlformats.org/markup-compatibility/2006" xmlns:mv="urn:schemas-microsoft-com:mac:vml" xmlns:p="http://schemas.openxmlformats.org/presentationml/2006/main" xmlns:c="http://schemas.openxmlformats.org/drawingml/2006/chart" xmlns:dgm="http://schemas.openxmlformats.org/drawingml/2006/diagram" xmlns:o="urn:schemas-microsoft-com:office:office" xmlns:v="urn:schemas-microsoft-com:vml" xmlns:pvml="urn:schemas-microsoft-com:office:powerpoint" xmlns:com="http://schemas.openxmlformats.org/drawingml/2006/compatibility" xmlns:p14="http://schemas.microsoft.com/office/powerpoint/2010/main" xmlns:p15="http://schemas.microsoft.com/office/powerpoint/2012/main" xmlns:ahyp="http://schemas.microsoft.com/office/drawing/2018/hyperlinkcolor">
+<p:sld xmlns:a="http://schemas.openxmlformats.org/drawingml/2006/main" xmlns:r="http://schemas.openxmlformats.org/officeDocument/2006/relationships" xmlns:p="http://schemas.openxmlformats.org/presentationml/2006/main">
   <p:cSld>
     <p:spTree>
       <p:nvGrpSpPr>
-        <p:cNvPr id="184" name="Shape 184"/>
+        <p:cNvPr id="1" name="Shape 184"/>
         <p:cNvGrpSpPr/>
         <p:nvPr/>
       </p:nvGrpSpPr>
@@ -10129,7 +10299,9 @@
       <p:sp>
         <p:nvSpPr>
           <p:cNvPr id="185" name="Google Shape;185;p26"/>
-          <p:cNvSpPr txBox="1"/>
+          <p:cNvSpPr txBox="1">
+            <a:spLocks noGrp="1"/>
+          </p:cNvSpPr>
           <p:nvPr>
             <p:ph type="title"/>
           </p:nvPr>
@@ -10144,12 +10316,12 @@
           </a:prstGeom>
         </p:spPr>
         <p:txBody>
-          <a:bodyPr anchorCtr="0" anchor="t" bIns="91425" lIns="91425" spcFirstLastPara="1" rIns="91425" wrap="square" tIns="91425">
+          <a:bodyPr spcFirstLastPara="1" wrap="square" lIns="91425" tIns="91425" rIns="91425" bIns="91425" anchor="t" anchorCtr="0">
             <a:normAutofit fontScale="90000"/>
           </a:bodyPr>
           <a:lstStyle/>
           <a:p>
-            <a:pPr indent="0" lvl="0" marL="0" rtl="0" algn="l">
+            <a:pPr marL="0" lvl="0" indent="0" algn="l" rtl="0">
               <a:spcBef>
                 <a:spcPts val="0"/>
               </a:spcBef>
@@ -10165,18 +10337,15 @@
             <a:endParaRPr/>
           </a:p>
           <a:p>
-            <a:pPr indent="0" lvl="0" marL="0" rtl="0" algn="l">
-              <a:spcBef>
-                <a:spcPts val="0"/>
-              </a:spcBef>
-              <a:spcAft>
-                <a:spcPts val="0"/>
-              </a:spcAft>
-              <a:buNone/>
-            </a:pPr>
-            <a:r>
-              <a:t/>
-            </a:r>
+            <a:pPr marL="0" lvl="0" indent="0" algn="l" rtl="0">
+              <a:spcBef>
+                <a:spcPts val="0"/>
+              </a:spcBef>
+              <a:spcAft>
+                <a:spcPts val="0"/>
+              </a:spcAft>
+              <a:buNone/>
+            </a:pPr>
             <a:endParaRPr/>
           </a:p>
         </p:txBody>
@@ -10184,9 +10353,11 @@
       <p:sp>
         <p:nvSpPr>
           <p:cNvPr id="186" name="Google Shape;186;p26"/>
-          <p:cNvSpPr txBox="1"/>
+          <p:cNvSpPr txBox="1">
+            <a:spLocks noGrp="1"/>
+          </p:cNvSpPr>
           <p:nvPr>
-            <p:ph idx="1" type="body"/>
+            <p:ph type="body" idx="1"/>
           </p:nvPr>
         </p:nvSpPr>
         <p:spPr>
@@ -10199,12 +10370,12 @@
           </a:prstGeom>
         </p:spPr>
         <p:txBody>
-          <a:bodyPr anchorCtr="0" anchor="t" bIns="91425" lIns="91425" spcFirstLastPara="1" rIns="91425" wrap="square" tIns="91425">
+          <a:bodyPr spcFirstLastPara="1" wrap="square" lIns="91425" tIns="91425" rIns="91425" bIns="91425" anchor="t" anchorCtr="0">
             <a:normAutofit/>
           </a:bodyPr>
           <a:lstStyle/>
           <a:p>
-            <a:pPr indent="-342900" lvl="0" marL="457200" rtl="0" algn="l">
+            <a:pPr marL="457200" lvl="0" indent="-342900" algn="l" rtl="0">
               <a:spcBef>
                 <a:spcPts val="0"/>
               </a:spcBef>
@@ -10216,20 +10387,46 @@
             </a:pPr>
             <a:r>
               <a:rPr lang="en"/>
-              <a:t>The sticky objects are counted as one objects, we </a:t>
+              <a:t>The sticky objects are counted as one objects, we don't want that!</a:t>
             </a:r>
+            <a:endParaRPr/>
+          </a:p>
+          <a:p>
+            <a:pPr marL="457200" lvl="0" indent="-342900" algn="l" rtl="0">
+              <a:spcBef>
+                <a:spcPts val="0"/>
+              </a:spcBef>
+              <a:spcAft>
+                <a:spcPts val="0"/>
+              </a:spcAft>
+              <a:buSzPts val="1800"/>
+              <a:buChar char="❖"/>
+            </a:pPr>
             <a:r>
               <a:rPr lang="en"/>
-              <a:t>don't</a:t>
+              <a:t>After many trial of other object separating methods like erosion by for loop, watershed segmentation, the morphological based operations works better!</a:t>
             </a:r>
+            <a:endParaRPr/>
+          </a:p>
+          <a:p>
+            <a:pPr marL="457200" lvl="0" indent="-342900" algn="l" rtl="0">
+              <a:spcBef>
+                <a:spcPts val="0"/>
+              </a:spcBef>
+              <a:spcAft>
+                <a:spcPts val="0"/>
+              </a:spcAft>
+              <a:buSzPts val="1800"/>
+              <a:buChar char="❖"/>
+            </a:pPr>
             <a:r>
               <a:rPr lang="en"/>
-              <a:t> want that!</a:t>
+              <a:t> The other two methods results in over segmentation and object separation problem.</a:t>
             </a:r>
             <a:endParaRPr/>
           </a:p>
           <a:p>
-            <a:pPr indent="-342900" lvl="0" marL="457200" rtl="0" algn="l">
+            <a:pPr marL="457200" lvl="0" indent="-342900" algn="l" rtl="0">
               <a:spcBef>
                 <a:spcPts val="0"/>
               </a:spcBef>
@@ -10241,66 +10438,12 @@
             </a:pPr>
             <a:r>
               <a:rPr lang="en"/>
-              <a:t>After many trial of other object </a:t>
-            </a:r>
-            <a:r>
-              <a:rPr lang="en"/>
-              <a:t>separating methods like erosion by for loop, watershed segmentation, the morphological based operations works better!</a:t>
+              <a:t>Initially the sticky object is separated from the other objects using area based filtering. </a:t>
             </a:r>
             <a:endParaRPr/>
           </a:p>
           <a:p>
-            <a:pPr indent="-342900" lvl="0" marL="457200" rtl="0" algn="l">
-              <a:spcBef>
-                <a:spcPts val="0"/>
-              </a:spcBef>
-              <a:spcAft>
-                <a:spcPts val="0"/>
-              </a:spcAft>
-              <a:buSzPts val="1800"/>
-              <a:buChar char="❖"/>
-            </a:pPr>
-            <a:r>
-              <a:rPr lang="en"/>
-              <a:t> The other two methods results in over segmentation and object </a:t>
-            </a:r>
-            <a:r>
-              <a:rPr lang="en"/>
-              <a:t>separation</a:t>
-            </a:r>
-            <a:r>
-              <a:rPr lang="en"/>
-              <a:t> problem.</a:t>
-            </a:r>
-            <a:endParaRPr/>
-          </a:p>
-          <a:p>
-            <a:pPr indent="-342900" lvl="0" marL="457200" rtl="0" algn="l">
-              <a:spcBef>
-                <a:spcPts val="0"/>
-              </a:spcBef>
-              <a:spcAft>
-                <a:spcPts val="0"/>
-              </a:spcAft>
-              <a:buSzPts val="1800"/>
-              <a:buChar char="❖"/>
-            </a:pPr>
-            <a:r>
-              <a:rPr lang="en"/>
-              <a:t>Initially the sticky object is </a:t>
-            </a:r>
-            <a:r>
-              <a:rPr lang="en"/>
-              <a:t>separated</a:t>
-            </a:r>
-            <a:r>
-              <a:rPr lang="en"/>
-              <a:t> from the other objects using area based filtering. </a:t>
-            </a:r>
-            <a:endParaRPr/>
-          </a:p>
-          <a:p>
-            <a:pPr indent="0" lvl="0" marL="457200" rtl="0" algn="l">
+            <a:pPr marL="457200" lvl="0" indent="0" algn="l" rtl="0">
               <a:spcBef>
                 <a:spcPts val="1200"/>
               </a:spcBef>
@@ -10326,11 +10469,11 @@
 </file>
 
 <file path=ppt/slides/slide15.xml><?xml version="1.0" encoding="utf-8"?>
-<p:sld xmlns:a="http://schemas.openxmlformats.org/drawingml/2006/main" xmlns:r="http://schemas.openxmlformats.org/officeDocument/2006/relationships" xmlns:mc="http://schemas.openxmlformats.org/markup-compatibility/2006" xmlns:mv="urn:schemas-microsoft-com:mac:vml" xmlns:p="http://schemas.openxmlformats.org/presentationml/2006/main" xmlns:c="http://schemas.openxmlformats.org/drawingml/2006/chart" xmlns:dgm="http://schemas.openxmlformats.org/drawingml/2006/diagram" xmlns:o="urn:schemas-microsoft-com:office:office" xmlns:v="urn:schemas-microsoft-com:vml" xmlns:pvml="urn:schemas-microsoft-com:office:powerpoint" xmlns:com="http://schemas.openxmlformats.org/drawingml/2006/compatibility" xmlns:p14="http://schemas.microsoft.com/office/powerpoint/2010/main" xmlns:p15="http://schemas.microsoft.com/office/powerpoint/2012/main" xmlns:ahyp="http://schemas.microsoft.com/office/drawing/2018/hyperlinkcolor">
+<p:sld xmlns:a="http://schemas.openxmlformats.org/drawingml/2006/main" xmlns:r="http://schemas.openxmlformats.org/officeDocument/2006/relationships" xmlns:p="http://schemas.openxmlformats.org/presentationml/2006/main">
   <p:cSld>
     <p:spTree>
       <p:nvGrpSpPr>
-        <p:cNvPr id="190" name="Shape 190"/>
+        <p:cNvPr id="1" name="Shape 190"/>
         <p:cNvGrpSpPr/>
         <p:nvPr/>
       </p:nvGrpSpPr>
@@ -10345,7 +10488,9 @@
       <p:sp>
         <p:nvSpPr>
           <p:cNvPr id="191" name="Google Shape;191;p27"/>
-          <p:cNvSpPr txBox="1"/>
+          <p:cNvSpPr txBox="1">
+            <a:spLocks noGrp="1"/>
+          </p:cNvSpPr>
           <p:nvPr>
             <p:ph type="title"/>
           </p:nvPr>
@@ -10360,12 +10505,12 @@
           </a:prstGeom>
         </p:spPr>
         <p:txBody>
-          <a:bodyPr anchorCtr="0" anchor="t" bIns="91425" lIns="91425" spcFirstLastPara="1" rIns="91425" wrap="square" tIns="91425">
+          <a:bodyPr spcFirstLastPara="1" wrap="square" lIns="91425" tIns="91425" rIns="91425" bIns="91425" anchor="t" anchorCtr="0">
             <a:normAutofit fontScale="90000"/>
           </a:bodyPr>
           <a:lstStyle/>
           <a:p>
-            <a:pPr indent="0" lvl="0" marL="0" rtl="0" algn="l">
+            <a:pPr marL="0" lvl="0" indent="0" algn="l" rtl="0">
               <a:spcBef>
                 <a:spcPts val="0"/>
               </a:spcBef>
@@ -10381,18 +10526,15 @@
             <a:endParaRPr/>
           </a:p>
           <a:p>
-            <a:pPr indent="0" lvl="0" marL="0" rtl="0" algn="l">
-              <a:spcBef>
-                <a:spcPts val="0"/>
-              </a:spcBef>
-              <a:spcAft>
-                <a:spcPts val="0"/>
-              </a:spcAft>
-              <a:buNone/>
-            </a:pPr>
-            <a:r>
-              <a:t/>
-            </a:r>
+            <a:pPr marL="0" lvl="0" indent="0" algn="l" rtl="0">
+              <a:spcBef>
+                <a:spcPts val="0"/>
+              </a:spcBef>
+              <a:spcAft>
+                <a:spcPts val="0"/>
+              </a:spcAft>
+              <a:buNone/>
+            </a:pPr>
             <a:endParaRPr/>
           </a:p>
         </p:txBody>
@@ -10400,9 +10542,11 @@
       <p:sp>
         <p:nvSpPr>
           <p:cNvPr id="192" name="Google Shape;192;p27"/>
-          <p:cNvSpPr txBox="1"/>
+          <p:cNvSpPr txBox="1">
+            <a:spLocks noGrp="1"/>
+          </p:cNvSpPr>
           <p:nvPr>
-            <p:ph idx="1" type="body"/>
+            <p:ph type="body" idx="1"/>
           </p:nvPr>
         </p:nvSpPr>
         <p:spPr>
@@ -10415,12 +10559,12 @@
           </a:prstGeom>
         </p:spPr>
         <p:txBody>
-          <a:bodyPr anchorCtr="0" anchor="t" bIns="91425" lIns="91425" spcFirstLastPara="1" rIns="91425" wrap="square" tIns="91425">
+          <a:bodyPr spcFirstLastPara="1" wrap="square" lIns="91425" tIns="91425" rIns="91425" bIns="91425" anchor="t" anchorCtr="0">
             <a:normAutofit/>
           </a:bodyPr>
           <a:lstStyle/>
           <a:p>
-            <a:pPr indent="-342900" lvl="0" marL="457200" rtl="0" algn="l">
+            <a:pPr marL="457200" lvl="0" indent="-342900" algn="l" rtl="0">
               <a:spcBef>
                 <a:spcPts val="0"/>
               </a:spcBef>
@@ -10437,7 +10581,7 @@
             <a:endParaRPr/>
           </a:p>
           <a:p>
-            <a:pPr indent="-342900" lvl="0" marL="457200" rtl="0" algn="l">
+            <a:pPr marL="457200" lvl="0" indent="-342900" algn="l" rtl="0">
               <a:spcBef>
                 <a:spcPts val="0"/>
               </a:spcBef>
@@ -10454,7 +10598,7 @@
             <a:endParaRPr/>
           </a:p>
           <a:p>
-            <a:pPr indent="-342900" lvl="0" marL="457200" rtl="0" algn="l">
+            <a:pPr marL="457200" lvl="0" indent="-342900" algn="l" rtl="0">
               <a:spcBef>
                 <a:spcPts val="0"/>
               </a:spcBef>
@@ -10471,7 +10615,7 @@
             <a:endParaRPr/>
           </a:p>
           <a:p>
-            <a:pPr indent="-342900" lvl="0" marL="457200" rtl="0" algn="l">
+            <a:pPr marL="457200" lvl="0" indent="-342900" algn="l" rtl="0">
               <a:spcBef>
                 <a:spcPts val="0"/>
               </a:spcBef>
@@ -10483,36 +10627,24 @@
             </a:pPr>
             <a:r>
               <a:rPr lang="en"/>
-              <a:t>Then area opening is performed using rectangular  of  dimension 6x 3 as </a:t>
+              <a:t>Then area opening is performed using rectangular  of  dimension 6x 3 as structuring element and further dilation is performed for minor shape adjustment.</a:t>
             </a:r>
+            <a:endParaRPr/>
+          </a:p>
+          <a:p>
+            <a:pPr marL="457200" lvl="0" indent="-342900" algn="l" rtl="0">
+              <a:spcBef>
+                <a:spcPts val="0"/>
+              </a:spcBef>
+              <a:spcAft>
+                <a:spcPts val="0"/>
+              </a:spcAft>
+              <a:buSzPts val="1800"/>
+              <a:buChar char="❖"/>
+            </a:pPr>
             <a:r>
               <a:rPr lang="en"/>
-              <a:t>structuring</a:t>
-            </a:r>
-            <a:r>
-              <a:rPr lang="en"/>
-              <a:t> element and further dilation is performed for minor shape adjustment.</a:t>
-            </a:r>
-            <a:endParaRPr/>
-          </a:p>
-          <a:p>
-            <a:pPr indent="-342900" lvl="0" marL="457200" rtl="0" algn="l">
-              <a:spcBef>
-                <a:spcPts val="0"/>
-              </a:spcBef>
-              <a:spcAft>
-                <a:spcPts val="0"/>
-              </a:spcAft>
-              <a:buSzPts val="1800"/>
-              <a:buChar char="❖"/>
-            </a:pPr>
-            <a:r>
-              <a:rPr lang="en"/>
-              <a:t>Thus we get the sticky objects </a:t>
-            </a:r>
-            <a:r>
-              <a:rPr lang="en"/>
-              <a:t>separated.</a:t>
+              <a:t>Thus we get the sticky objects separated.</a:t>
             </a:r>
             <a:endParaRPr/>
           </a:p>
@@ -10527,11 +10659,11 @@
 </file>
 
 <file path=ppt/slides/slide16.xml><?xml version="1.0" encoding="utf-8"?>
-<p:sld xmlns:a="http://schemas.openxmlformats.org/drawingml/2006/main" xmlns:r="http://schemas.openxmlformats.org/officeDocument/2006/relationships" xmlns:mc="http://schemas.openxmlformats.org/markup-compatibility/2006" xmlns:mv="urn:schemas-microsoft-com:mac:vml" xmlns:p="http://schemas.openxmlformats.org/presentationml/2006/main" xmlns:c="http://schemas.openxmlformats.org/drawingml/2006/chart" xmlns:dgm="http://schemas.openxmlformats.org/drawingml/2006/diagram" xmlns:o="urn:schemas-microsoft-com:office:office" xmlns:v="urn:schemas-microsoft-com:vml" xmlns:pvml="urn:schemas-microsoft-com:office:powerpoint" xmlns:com="http://schemas.openxmlformats.org/drawingml/2006/compatibility" xmlns:p14="http://schemas.microsoft.com/office/powerpoint/2010/main" xmlns:p15="http://schemas.microsoft.com/office/powerpoint/2012/main" xmlns:ahyp="http://schemas.microsoft.com/office/drawing/2018/hyperlinkcolor">
+<p:sld xmlns:a="http://schemas.openxmlformats.org/drawingml/2006/main" xmlns:r="http://schemas.openxmlformats.org/officeDocument/2006/relationships" xmlns:p="http://schemas.openxmlformats.org/presentationml/2006/main">
   <p:cSld>
     <p:spTree>
       <p:nvGrpSpPr>
-        <p:cNvPr id="196" name="Shape 196"/>
+        <p:cNvPr id="1" name="Shape 196"/>
         <p:cNvGrpSpPr/>
         <p:nvPr/>
       </p:nvGrpSpPr>
@@ -10546,7 +10678,9 @@
       <p:sp>
         <p:nvSpPr>
           <p:cNvPr id="197" name="Google Shape;197;p28"/>
-          <p:cNvSpPr txBox="1"/>
+          <p:cNvSpPr txBox="1">
+            <a:spLocks noGrp="1"/>
+          </p:cNvSpPr>
           <p:nvPr>
             <p:ph type="title"/>
           </p:nvPr>
@@ -10561,12 +10695,12 @@
           </a:prstGeom>
         </p:spPr>
         <p:txBody>
-          <a:bodyPr anchorCtr="0" anchor="b" bIns="91425" lIns="91425" spcFirstLastPara="1" rIns="91425" wrap="square" tIns="91425">
+          <a:bodyPr spcFirstLastPara="1" wrap="square" lIns="91425" tIns="91425" rIns="91425" bIns="91425" anchor="b" anchorCtr="0">
             <a:normAutofit/>
           </a:bodyPr>
           <a:lstStyle/>
           <a:p>
-            <a:pPr indent="0" lvl="0" marL="0" rtl="0" algn="l">
+            <a:pPr marL="0" lvl="0" indent="0" algn="l" rtl="0">
               <a:spcBef>
                 <a:spcPts val="0"/>
               </a:spcBef>
@@ -10586,9 +10720,11 @@
       <p:sp>
         <p:nvSpPr>
           <p:cNvPr id="198" name="Google Shape;198;p28"/>
-          <p:cNvSpPr txBox="1"/>
+          <p:cNvSpPr txBox="1">
+            <a:spLocks noGrp="1"/>
+          </p:cNvSpPr>
           <p:nvPr>
-            <p:ph idx="1" type="body"/>
+            <p:ph type="body" idx="1"/>
           </p:nvPr>
         </p:nvSpPr>
         <p:spPr>
@@ -10601,12 +10737,12 @@
           </a:prstGeom>
         </p:spPr>
         <p:txBody>
-          <a:bodyPr anchorCtr="0" anchor="t" bIns="91425" lIns="91425" spcFirstLastPara="1" rIns="91425" wrap="square" tIns="91425">
+          <a:bodyPr spcFirstLastPara="1" wrap="square" lIns="91425" tIns="91425" rIns="91425" bIns="91425" anchor="t" anchorCtr="0">
             <a:normAutofit fontScale="92500" lnSpcReduction="20000"/>
           </a:bodyPr>
           <a:lstStyle/>
           <a:p>
-            <a:pPr indent="-322580" lvl="0" marL="457200" rtl="0" algn="l">
+            <a:pPr marL="457200" lvl="0" indent="-322580" algn="l" rtl="0">
               <a:spcBef>
                 <a:spcPts val="0"/>
               </a:spcBef>
@@ -10618,16 +10754,12 @@
             </a:pPr>
             <a:r>
               <a:rPr lang="en" sz="1600"/>
-              <a:t>The </a:t>
-            </a:r>
-            <a:r>
-              <a:rPr lang="en" sz="1600"/>
-              <a:t>separated objects are added to the height width ratio filtered image (if any sticky objects) .</a:t>
+              <a:t>The separated objects are added to the height width ratio filtered image (if any sticky objects) .</a:t>
             </a:r>
             <a:endParaRPr sz="1600"/>
           </a:p>
           <a:p>
-            <a:pPr indent="0" lvl="0" marL="457200" rtl="0" algn="l">
+            <a:pPr marL="457200" lvl="0" indent="0" algn="l" rtl="0">
               <a:spcBef>
                 <a:spcPts val="1200"/>
               </a:spcBef>
@@ -10636,13 +10768,10 @@
               </a:spcAft>
               <a:buNone/>
             </a:pPr>
-            <a:r>
-              <a:t/>
-            </a:r>
             <a:endParaRPr sz="1600"/>
           </a:p>
           <a:p>
-            <a:pPr indent="-322580" lvl="0" marL="457200" rtl="0" algn="l">
+            <a:pPr marL="457200" lvl="0" indent="-322580" algn="l" rtl="0">
               <a:spcBef>
                 <a:spcPts val="1200"/>
               </a:spcBef>
@@ -10659,7 +10788,7 @@
             <a:endParaRPr sz="1600"/>
           </a:p>
           <a:p>
-            <a:pPr indent="0" lvl="0" marL="457200" rtl="0" algn="l">
+            <a:pPr marL="457200" lvl="0" indent="0" algn="l" rtl="0">
               <a:spcBef>
                 <a:spcPts val="1200"/>
               </a:spcBef>
@@ -10668,13 +10797,10 @@
               </a:spcAft>
               <a:buNone/>
             </a:pPr>
-            <a:r>
-              <a:t/>
-            </a:r>
             <a:endParaRPr/>
           </a:p>
           <a:p>
-            <a:pPr indent="0" lvl="0" marL="457200" rtl="0" algn="l">
+            <a:pPr marL="457200" lvl="0" indent="0" algn="l" rtl="0">
               <a:spcBef>
                 <a:spcPts val="1200"/>
               </a:spcBef>
@@ -10683,9 +10809,6 @@
               </a:spcAft>
               <a:buNone/>
             </a:pPr>
-            <a:r>
-              <a:t/>
-            </a:r>
             <a:endParaRPr/>
           </a:p>
         </p:txBody>
@@ -10811,11 +10934,11 @@
 </file>
 
 <file path=ppt/slides/slide17.xml><?xml version="1.0" encoding="utf-8"?>
-<p:sld xmlns:a="http://schemas.openxmlformats.org/drawingml/2006/main" xmlns:r="http://schemas.openxmlformats.org/officeDocument/2006/relationships" xmlns:mc="http://schemas.openxmlformats.org/markup-compatibility/2006" xmlns:mv="urn:schemas-microsoft-com:mac:vml" xmlns:p="http://schemas.openxmlformats.org/presentationml/2006/main" xmlns:c="http://schemas.openxmlformats.org/drawingml/2006/chart" xmlns:dgm="http://schemas.openxmlformats.org/drawingml/2006/diagram" xmlns:o="urn:schemas-microsoft-com:office:office" xmlns:v="urn:schemas-microsoft-com:vml" xmlns:pvml="urn:schemas-microsoft-com:office:powerpoint" xmlns:com="http://schemas.openxmlformats.org/drawingml/2006/compatibility" xmlns:p14="http://schemas.microsoft.com/office/powerpoint/2010/main" xmlns:p15="http://schemas.microsoft.com/office/powerpoint/2012/main" xmlns:ahyp="http://schemas.microsoft.com/office/drawing/2018/hyperlinkcolor">
+<p:sld xmlns:a="http://schemas.openxmlformats.org/drawingml/2006/main" xmlns:r="http://schemas.openxmlformats.org/officeDocument/2006/relationships" xmlns:p="http://schemas.openxmlformats.org/presentationml/2006/main">
   <p:cSld>
     <p:spTree>
       <p:nvGrpSpPr>
-        <p:cNvPr id="206" name="Shape 206"/>
+        <p:cNvPr id="1" name="Shape 206"/>
         <p:cNvGrpSpPr/>
         <p:nvPr/>
       </p:nvGrpSpPr>
@@ -10830,7 +10953,9 @@
       <p:sp>
         <p:nvSpPr>
           <p:cNvPr id="207" name="Google Shape;207;p29"/>
-          <p:cNvSpPr txBox="1"/>
+          <p:cNvSpPr txBox="1">
+            <a:spLocks noGrp="1"/>
+          </p:cNvSpPr>
           <p:nvPr>
             <p:ph type="title"/>
           </p:nvPr>
@@ -10845,12 +10970,12 @@
           </a:prstGeom>
         </p:spPr>
         <p:txBody>
-          <a:bodyPr anchorCtr="0" anchor="t" bIns="91425" lIns="91425" spcFirstLastPara="1" rIns="91425" wrap="square" tIns="91425">
+          <a:bodyPr spcFirstLastPara="1" wrap="square" lIns="91425" tIns="91425" rIns="91425" bIns="91425" anchor="t" anchorCtr="0">
             <a:normAutofit fontScale="90000"/>
           </a:bodyPr>
           <a:lstStyle/>
           <a:p>
-            <a:pPr indent="0" lvl="0" marL="0" rtl="0" algn="l">
+            <a:pPr marL="0" lvl="0" indent="0" algn="l" rtl="0">
               <a:spcBef>
                 <a:spcPts val="0"/>
               </a:spcBef>
@@ -10870,9 +10995,11 @@
       <p:sp>
         <p:nvSpPr>
           <p:cNvPr id="208" name="Google Shape;208;p29"/>
-          <p:cNvSpPr txBox="1"/>
+          <p:cNvSpPr txBox="1">
+            <a:spLocks noGrp="1"/>
+          </p:cNvSpPr>
           <p:nvPr>
-            <p:ph idx="1" type="body"/>
+            <p:ph type="body" idx="1"/>
           </p:nvPr>
         </p:nvSpPr>
         <p:spPr>
@@ -10885,12 +11012,12 @@
           </a:prstGeom>
         </p:spPr>
         <p:txBody>
-          <a:bodyPr anchorCtr="0" anchor="t" bIns="91425" lIns="91425" spcFirstLastPara="1" rIns="91425" wrap="square" tIns="91425">
+          <a:bodyPr spcFirstLastPara="1" wrap="square" lIns="91425" tIns="91425" rIns="91425" bIns="91425" anchor="t" anchorCtr="0">
             <a:normAutofit/>
           </a:bodyPr>
           <a:lstStyle/>
           <a:p>
-            <a:pPr indent="0" lvl="0" marL="0" rtl="0" algn="l">
+            <a:pPr marL="0" lvl="0" indent="0" algn="l" rtl="0">
               <a:spcBef>
                 <a:spcPts val="0"/>
               </a:spcBef>
@@ -10899,9 +11026,6 @@
               </a:spcAft>
               <a:buNone/>
             </a:pPr>
-            <a:r>
-              <a:t/>
-            </a:r>
             <a:endParaRPr/>
           </a:p>
         </p:txBody>
@@ -10916,7 +11040,7 @@
           <a:blip r:embed="rId3">
             <a:alphaModFix/>
           </a:blip>
-          <a:srcRect b="0" l="0" r="0" t="6331"/>
+          <a:srcRect t="6331"/>
           <a:stretch/>
         </p:blipFill>
         <p:spPr>
@@ -10942,11 +11066,11 @@
 </file>
 
 <file path=ppt/slides/slide18.xml><?xml version="1.0" encoding="utf-8"?>
-<p:sld xmlns:a="http://schemas.openxmlformats.org/drawingml/2006/main" xmlns:r="http://schemas.openxmlformats.org/officeDocument/2006/relationships" xmlns:mc="http://schemas.openxmlformats.org/markup-compatibility/2006" xmlns:mv="urn:schemas-microsoft-com:mac:vml" xmlns:p="http://schemas.openxmlformats.org/presentationml/2006/main" xmlns:c="http://schemas.openxmlformats.org/drawingml/2006/chart" xmlns:dgm="http://schemas.openxmlformats.org/drawingml/2006/diagram" xmlns:o="urn:schemas-microsoft-com:office:office" xmlns:v="urn:schemas-microsoft-com:vml" xmlns:pvml="urn:schemas-microsoft-com:office:powerpoint" xmlns:com="http://schemas.openxmlformats.org/drawingml/2006/compatibility" xmlns:p14="http://schemas.microsoft.com/office/powerpoint/2010/main" xmlns:p15="http://schemas.microsoft.com/office/powerpoint/2012/main" xmlns:ahyp="http://schemas.microsoft.com/office/drawing/2018/hyperlinkcolor">
+<p:sld xmlns:a="http://schemas.openxmlformats.org/drawingml/2006/main" xmlns:r="http://schemas.openxmlformats.org/officeDocument/2006/relationships" xmlns:p="http://schemas.openxmlformats.org/presentationml/2006/main">
   <p:cSld>
     <p:spTree>
       <p:nvGrpSpPr>
-        <p:cNvPr id="213" name="Shape 213"/>
+        <p:cNvPr id="1" name="Shape 213"/>
         <p:cNvGrpSpPr/>
         <p:nvPr/>
       </p:nvGrpSpPr>
@@ -10961,7 +11085,9 @@
       <p:sp>
         <p:nvSpPr>
           <p:cNvPr id="214" name="Google Shape;214;p30"/>
-          <p:cNvSpPr txBox="1"/>
+          <p:cNvSpPr txBox="1">
+            <a:spLocks noGrp="1"/>
+          </p:cNvSpPr>
           <p:nvPr>
             <p:ph type="title"/>
           </p:nvPr>
@@ -10976,12 +11102,12 @@
           </a:prstGeom>
         </p:spPr>
         <p:txBody>
-          <a:bodyPr anchorCtr="0" anchor="t" bIns="91425" lIns="91425" spcFirstLastPara="1" rIns="91425" wrap="square" tIns="91425">
+          <a:bodyPr spcFirstLastPara="1" wrap="square" lIns="91425" tIns="91425" rIns="91425" bIns="91425" anchor="t" anchorCtr="0">
             <a:normAutofit fontScale="90000"/>
           </a:bodyPr>
           <a:lstStyle/>
           <a:p>
-            <a:pPr indent="0" lvl="0" marL="0" rtl="0" algn="l">
+            <a:pPr marL="0" lvl="0" indent="0" algn="l" rtl="0">
               <a:spcBef>
                 <a:spcPts val="0"/>
               </a:spcBef>
@@ -11001,9 +11127,11 @@
       <p:sp>
         <p:nvSpPr>
           <p:cNvPr id="215" name="Google Shape;215;p30"/>
-          <p:cNvSpPr txBox="1"/>
+          <p:cNvSpPr txBox="1">
+            <a:spLocks noGrp="1"/>
+          </p:cNvSpPr>
           <p:nvPr>
-            <p:ph idx="1" type="body"/>
+            <p:ph type="body" idx="1"/>
           </p:nvPr>
         </p:nvSpPr>
         <p:spPr>
@@ -11016,12 +11144,12 @@
           </a:prstGeom>
         </p:spPr>
         <p:txBody>
-          <a:bodyPr anchorCtr="0" anchor="t" bIns="91425" lIns="91425" spcFirstLastPara="1" rIns="91425" wrap="square" tIns="91425">
+          <a:bodyPr spcFirstLastPara="1" wrap="square" lIns="91425" tIns="91425" rIns="91425" bIns="91425" anchor="t" anchorCtr="0">
             <a:normAutofit/>
           </a:bodyPr>
           <a:lstStyle/>
           <a:p>
-            <a:pPr indent="0" lvl="0" marL="0" rtl="0" algn="l">
+            <a:pPr marL="0" lvl="0" indent="0" algn="l" rtl="0">
               <a:spcBef>
                 <a:spcPts val="0"/>
               </a:spcBef>
@@ -11037,7 +11165,7 @@
             <a:endParaRPr/>
           </a:p>
           <a:p>
-            <a:pPr indent="0" lvl="0" marL="0" rtl="0" algn="l">
+            <a:pPr marL="0" lvl="0" indent="0" algn="l" rtl="0">
               <a:spcBef>
                 <a:spcPts val="1200"/>
               </a:spcBef>
@@ -11092,7 +11220,7 @@
           <a:blip r:embed="rId4">
             <a:alphaModFix/>
           </a:blip>
-          <a:srcRect b="0" l="0" r="0" t="5953"/>
+          <a:srcRect t="5953"/>
           <a:stretch/>
         </p:blipFill>
         <p:spPr>
@@ -11118,11 +11246,11 @@
 </file>
 
 <file path=ppt/slides/slide19.xml><?xml version="1.0" encoding="utf-8"?>
-<p:sld xmlns:a="http://schemas.openxmlformats.org/drawingml/2006/main" xmlns:r="http://schemas.openxmlformats.org/officeDocument/2006/relationships" xmlns:mc="http://schemas.openxmlformats.org/markup-compatibility/2006" xmlns:mv="urn:schemas-microsoft-com:mac:vml" xmlns:p="http://schemas.openxmlformats.org/presentationml/2006/main" xmlns:c="http://schemas.openxmlformats.org/drawingml/2006/chart" xmlns:dgm="http://schemas.openxmlformats.org/drawingml/2006/diagram" xmlns:o="urn:schemas-microsoft-com:office:office" xmlns:v="urn:schemas-microsoft-com:vml" xmlns:pvml="urn:schemas-microsoft-com:office:powerpoint" xmlns:com="http://schemas.openxmlformats.org/drawingml/2006/compatibility" xmlns:p14="http://schemas.microsoft.com/office/powerpoint/2010/main" xmlns:p15="http://schemas.microsoft.com/office/powerpoint/2012/main" xmlns:ahyp="http://schemas.microsoft.com/office/drawing/2018/hyperlinkcolor">
+<p:sld xmlns:a="http://schemas.openxmlformats.org/drawingml/2006/main" xmlns:r="http://schemas.openxmlformats.org/officeDocument/2006/relationships" xmlns:p="http://schemas.openxmlformats.org/presentationml/2006/main">
   <p:cSld>
     <p:spTree>
       <p:nvGrpSpPr>
-        <p:cNvPr id="221" name="Shape 221"/>
+        <p:cNvPr id="1" name="Shape 221"/>
         <p:cNvGrpSpPr/>
         <p:nvPr/>
       </p:nvGrpSpPr>
@@ -11137,7 +11265,9 @@
       <p:sp>
         <p:nvSpPr>
           <p:cNvPr id="222" name="Google Shape;222;p31"/>
-          <p:cNvSpPr txBox="1"/>
+          <p:cNvSpPr txBox="1">
+            <a:spLocks noGrp="1"/>
+          </p:cNvSpPr>
           <p:nvPr>
             <p:ph type="title"/>
           </p:nvPr>
@@ -11152,12 +11282,12 @@
           </a:prstGeom>
         </p:spPr>
         <p:txBody>
-          <a:bodyPr anchorCtr="0" anchor="t" bIns="91425" lIns="91425" spcFirstLastPara="1" rIns="91425" wrap="square" tIns="91425">
+          <a:bodyPr spcFirstLastPara="1" wrap="square" lIns="91425" tIns="91425" rIns="91425" bIns="91425" anchor="t" anchorCtr="0">
             <a:normAutofit fontScale="90000"/>
           </a:bodyPr>
           <a:lstStyle/>
           <a:p>
-            <a:pPr indent="0" lvl="0" marL="0" rtl="0" algn="l">
+            <a:pPr marL="0" lvl="0" indent="0" algn="l" rtl="0">
               <a:spcBef>
                 <a:spcPts val="0"/>
               </a:spcBef>
@@ -11173,18 +11303,15 @@
             <a:endParaRPr/>
           </a:p>
           <a:p>
-            <a:pPr indent="0" lvl="0" marL="0" rtl="0" algn="l">
-              <a:spcBef>
-                <a:spcPts val="0"/>
-              </a:spcBef>
-              <a:spcAft>
-                <a:spcPts val="0"/>
-              </a:spcAft>
-              <a:buNone/>
-            </a:pPr>
-            <a:r>
-              <a:t/>
-            </a:r>
+            <a:pPr marL="0" lvl="0" indent="0" algn="l" rtl="0">
+              <a:spcBef>
+                <a:spcPts val="0"/>
+              </a:spcBef>
+              <a:spcAft>
+                <a:spcPts val="0"/>
+              </a:spcAft>
+              <a:buNone/>
+            </a:pPr>
             <a:endParaRPr/>
           </a:p>
         </p:txBody>
@@ -11192,9 +11319,11 @@
       <p:sp>
         <p:nvSpPr>
           <p:cNvPr id="223" name="Google Shape;223;p31"/>
-          <p:cNvSpPr txBox="1"/>
+          <p:cNvSpPr txBox="1">
+            <a:spLocks noGrp="1"/>
+          </p:cNvSpPr>
           <p:nvPr>
-            <p:ph idx="1" type="body"/>
+            <p:ph type="body" idx="1"/>
           </p:nvPr>
         </p:nvSpPr>
         <p:spPr>
@@ -11207,12 +11336,12 @@
           </a:prstGeom>
         </p:spPr>
         <p:txBody>
-          <a:bodyPr anchorCtr="0" anchor="t" bIns="91425" lIns="91425" spcFirstLastPara="1" rIns="91425" wrap="square" tIns="91425">
+          <a:bodyPr spcFirstLastPara="1" wrap="square" lIns="91425" tIns="91425" rIns="91425" bIns="91425" anchor="t" anchorCtr="0">
             <a:normAutofit/>
           </a:bodyPr>
           <a:lstStyle/>
           <a:p>
-            <a:pPr indent="0" lvl="0" marL="0" rtl="0" algn="l">
+            <a:pPr marL="0" lvl="0" indent="0" algn="l" rtl="0">
               <a:spcBef>
                 <a:spcPts val="0"/>
               </a:spcBef>
@@ -11231,20 +11360,12 @@
             </a:r>
             <a:r>
               <a:rPr lang="en"/>
-              <a:t>by </a:t>
-            </a:r>
-            <a:r>
-              <a:rPr lang="en"/>
-              <a:t>comparing</a:t>
-            </a:r>
-            <a:r>
-              <a:rPr lang="en"/>
-              <a:t> the center of each bounding box in the two resultant images.</a:t>
+              <a:t>by comparing the center of each bounding box in the two resultant images.</a:t>
             </a:r>
             <a:endParaRPr/>
           </a:p>
           <a:p>
-            <a:pPr indent="0" lvl="0" marL="0" rtl="0" algn="l">
+            <a:pPr marL="0" lvl="0" indent="0" algn="l" rtl="0">
               <a:spcBef>
                 <a:spcPts val="1200"/>
               </a:spcBef>
@@ -11253,9 +11374,6 @@
               </a:spcAft>
               <a:buNone/>
             </a:pPr>
-            <a:r>
-              <a:t/>
-            </a:r>
             <a:endParaRPr u="sng"/>
           </a:p>
         </p:txBody>
@@ -11270,7 +11388,7 @@
           <a:blip r:embed="rId3">
             <a:alphaModFix/>
           </a:blip>
-          <a:srcRect b="2738" l="0" r="0" t="6886"/>
+          <a:srcRect t="6886" b="2738"/>
           <a:stretch/>
         </p:blipFill>
         <p:spPr>
@@ -11297,7 +11415,7 @@
           <a:blip r:embed="rId4">
             <a:alphaModFix/>
           </a:blip>
-          <a:srcRect b="0" l="0" r="0" t="5953"/>
+          <a:srcRect t="5953"/>
           <a:stretch/>
         </p:blipFill>
         <p:spPr>
@@ -11323,11 +11441,11 @@
 </file>
 
 <file path=ppt/slides/slide2.xml><?xml version="1.0" encoding="utf-8"?>
-<p:sld xmlns:a="http://schemas.openxmlformats.org/drawingml/2006/main" xmlns:r="http://schemas.openxmlformats.org/officeDocument/2006/relationships" xmlns:mc="http://schemas.openxmlformats.org/markup-compatibility/2006" xmlns:mv="urn:schemas-microsoft-com:mac:vml" xmlns:p="http://schemas.openxmlformats.org/presentationml/2006/main" xmlns:c="http://schemas.openxmlformats.org/drawingml/2006/chart" xmlns:dgm="http://schemas.openxmlformats.org/drawingml/2006/diagram" xmlns:o="urn:schemas-microsoft-com:office:office" xmlns:v="urn:schemas-microsoft-com:vml" xmlns:pvml="urn:schemas-microsoft-com:office:powerpoint" xmlns:com="http://schemas.openxmlformats.org/drawingml/2006/compatibility" xmlns:p14="http://schemas.microsoft.com/office/powerpoint/2010/main" xmlns:p15="http://schemas.microsoft.com/office/powerpoint/2012/main" xmlns:ahyp="http://schemas.microsoft.com/office/drawing/2018/hyperlinkcolor">
+<p:sld xmlns:a="http://schemas.openxmlformats.org/drawingml/2006/main" xmlns:r="http://schemas.openxmlformats.org/officeDocument/2006/relationships" xmlns:p="http://schemas.openxmlformats.org/presentationml/2006/main">
   <p:cSld>
     <p:spTree>
       <p:nvGrpSpPr>
-        <p:cNvPr id="71" name="Shape 71"/>
+        <p:cNvPr id="1" name="Shape 71"/>
         <p:cNvGrpSpPr/>
         <p:nvPr/>
       </p:nvGrpSpPr>
@@ -11342,7 +11460,9 @@
       <p:sp>
         <p:nvSpPr>
           <p:cNvPr id="72" name="Google Shape;72;p14"/>
-          <p:cNvSpPr txBox="1"/>
+          <p:cNvSpPr txBox="1">
+            <a:spLocks noGrp="1"/>
+          </p:cNvSpPr>
           <p:nvPr>
             <p:ph type="title"/>
           </p:nvPr>
@@ -11357,12 +11477,12 @@
           </a:prstGeom>
         </p:spPr>
         <p:txBody>
-          <a:bodyPr anchorCtr="0" anchor="t" bIns="91425" lIns="91425" spcFirstLastPara="1" rIns="91425" wrap="square" tIns="91425">
+          <a:bodyPr spcFirstLastPara="1" wrap="square" lIns="91425" tIns="91425" rIns="91425" bIns="91425" anchor="t" anchorCtr="0">
             <a:normAutofit fontScale="90000"/>
           </a:bodyPr>
           <a:lstStyle/>
           <a:p>
-            <a:pPr indent="0" lvl="0" marL="0" rtl="0" algn="l">
+            <a:pPr marL="0" lvl="0" indent="0" algn="l" rtl="0">
               <a:spcBef>
                 <a:spcPts val="0"/>
               </a:spcBef>
@@ -11382,9 +11502,11 @@
       <p:sp>
         <p:nvSpPr>
           <p:cNvPr id="73" name="Google Shape;73;p14"/>
-          <p:cNvSpPr txBox="1"/>
+          <p:cNvSpPr txBox="1">
+            <a:spLocks noGrp="1"/>
+          </p:cNvSpPr>
           <p:nvPr>
-            <p:ph idx="1" type="body"/>
+            <p:ph type="body" idx="1"/>
           </p:nvPr>
         </p:nvSpPr>
         <p:spPr>
@@ -11397,12 +11519,12 @@
           </a:prstGeom>
         </p:spPr>
         <p:txBody>
-          <a:bodyPr anchorCtr="0" anchor="t" bIns="91425" lIns="91425" spcFirstLastPara="1" rIns="91425" wrap="square" tIns="91425">
+          <a:bodyPr spcFirstLastPara="1" wrap="square" lIns="91425" tIns="91425" rIns="91425" bIns="91425" anchor="t" anchorCtr="0">
             <a:normAutofit/>
           </a:bodyPr>
           <a:lstStyle/>
           <a:p>
-            <a:pPr indent="-342900" lvl="0" marL="457200" rtl="0" algn="l">
+            <a:pPr marL="457200" lvl="0" indent="-342900" algn="l" rtl="0">
               <a:spcBef>
                 <a:spcPts val="0"/>
               </a:spcBef>
@@ -11430,7 +11552,7 @@
             </a:endParaRPr>
           </a:p>
           <a:p>
-            <a:pPr indent="-342900" lvl="0" marL="457200" rtl="0" algn="l">
+            <a:pPr marL="457200" lvl="0" indent="-342900" algn="l" rtl="0">
               <a:spcBef>
                 <a:spcPts val="0"/>
               </a:spcBef>
@@ -11458,7 +11580,7 @@
             </a:endParaRPr>
           </a:p>
           <a:p>
-            <a:pPr indent="-342900" lvl="0" marL="457200" marR="0" rtl="0" algn="just">
+            <a:pPr marL="457200" marR="0" lvl="0" indent="-342900" algn="just" rtl="0">
               <a:lnSpc>
                 <a:spcPct val="130000"/>
               </a:lnSpc>
@@ -11489,7 +11611,7 @@
             </a:endParaRPr>
           </a:p>
           <a:p>
-            <a:pPr indent="-342900" lvl="0" marL="457200" marR="0" rtl="0" algn="just">
+            <a:pPr marL="457200" marR="0" lvl="0" indent="-342900" algn="just" rtl="0">
               <a:lnSpc>
                 <a:spcPct val="130000"/>
               </a:lnSpc>
@@ -11520,7 +11642,7 @@
             </a:endParaRPr>
           </a:p>
           <a:p>
-            <a:pPr indent="-342900" lvl="0" marL="457200" marR="0" rtl="0" algn="just">
+            <a:pPr marL="457200" marR="0" lvl="0" indent="-342900" algn="just" rtl="0">
               <a:lnSpc>
                 <a:spcPct val="130000"/>
               </a:lnSpc>
@@ -11551,7 +11673,7 @@
             </a:endParaRPr>
           </a:p>
           <a:p>
-            <a:pPr indent="-342900" lvl="0" marL="457200" marR="0" rtl="0" algn="just">
+            <a:pPr marL="457200" marR="0" lvl="0" indent="-342900" algn="just" rtl="0">
               <a:lnSpc>
                 <a:spcPct val="130000"/>
               </a:lnSpc>
@@ -11582,7 +11704,7 @@
             </a:endParaRPr>
           </a:p>
           <a:p>
-            <a:pPr indent="-342900" lvl="0" marL="457200" marR="0" rtl="0" algn="just">
+            <a:pPr marL="457200" marR="0" lvl="0" indent="-342900" algn="just" rtl="0">
               <a:lnSpc>
                 <a:spcPct val="130000"/>
               </a:lnSpc>
@@ -11613,7 +11735,7 @@
             </a:endParaRPr>
           </a:p>
           <a:p>
-            <a:pPr indent="-342900" lvl="0" marL="457200" marR="0" rtl="0" algn="just">
+            <a:pPr marL="457200" marR="0" lvl="0" indent="-342900" algn="just" rtl="0">
               <a:lnSpc>
                 <a:spcPct val="130000"/>
               </a:lnSpc>
@@ -11644,7 +11766,7 @@
             </a:endParaRPr>
           </a:p>
           <a:p>
-            <a:pPr indent="-342900" lvl="0" marL="457200" marR="0" rtl="0" algn="just">
+            <a:pPr marL="457200" marR="0" lvl="0" indent="-342900" algn="just" rtl="0">
               <a:lnSpc>
                 <a:spcPct val="130000"/>
               </a:lnSpc>
@@ -11685,11 +11807,11 @@
 </file>
 
 <file path=ppt/slides/slide20.xml><?xml version="1.0" encoding="utf-8"?>
-<p:sld xmlns:a="http://schemas.openxmlformats.org/drawingml/2006/main" xmlns:r="http://schemas.openxmlformats.org/officeDocument/2006/relationships" xmlns:mc="http://schemas.openxmlformats.org/markup-compatibility/2006" xmlns:mv="urn:schemas-microsoft-com:mac:vml" xmlns:p="http://schemas.openxmlformats.org/presentationml/2006/main" xmlns:c="http://schemas.openxmlformats.org/drawingml/2006/chart" xmlns:dgm="http://schemas.openxmlformats.org/drawingml/2006/diagram" xmlns:o="urn:schemas-microsoft-com:office:office" xmlns:v="urn:schemas-microsoft-com:vml" xmlns:pvml="urn:schemas-microsoft-com:office:powerpoint" xmlns:com="http://schemas.openxmlformats.org/drawingml/2006/compatibility" xmlns:p14="http://schemas.microsoft.com/office/powerpoint/2010/main" xmlns:p15="http://schemas.microsoft.com/office/powerpoint/2012/main" xmlns:ahyp="http://schemas.microsoft.com/office/drawing/2018/hyperlinkcolor">
+<p:sld xmlns:a="http://schemas.openxmlformats.org/drawingml/2006/main" xmlns:r="http://schemas.openxmlformats.org/officeDocument/2006/relationships" xmlns:p="http://schemas.openxmlformats.org/presentationml/2006/main">
   <p:cSld>
     <p:spTree>
       <p:nvGrpSpPr>
-        <p:cNvPr id="229" name="Shape 229"/>
+        <p:cNvPr id="1" name="Shape 229"/>
         <p:cNvGrpSpPr/>
         <p:nvPr/>
       </p:nvGrpSpPr>
@@ -11704,7 +11826,9 @@
       <p:sp>
         <p:nvSpPr>
           <p:cNvPr id="230" name="Google Shape;230;p32"/>
-          <p:cNvSpPr txBox="1"/>
+          <p:cNvSpPr txBox="1">
+            <a:spLocks noGrp="1"/>
+          </p:cNvSpPr>
           <p:nvPr>
             <p:ph type="title"/>
           </p:nvPr>
@@ -11719,12 +11843,12 @@
           </a:prstGeom>
         </p:spPr>
         <p:txBody>
-          <a:bodyPr anchorCtr="0" anchor="t" bIns="91425" lIns="91425" spcFirstLastPara="1" rIns="91425" wrap="square" tIns="91425">
+          <a:bodyPr spcFirstLastPara="1" wrap="square" lIns="91425" tIns="91425" rIns="91425" bIns="91425" anchor="t" anchorCtr="0">
             <a:normAutofit fontScale="90000"/>
           </a:bodyPr>
           <a:lstStyle/>
           <a:p>
-            <a:pPr indent="0" lvl="0" marL="0" rtl="0" algn="l">
+            <a:pPr marL="0" lvl="0" indent="0" algn="l" rtl="0">
               <a:spcBef>
                 <a:spcPts val="0"/>
               </a:spcBef>
@@ -11740,18 +11864,15 @@
             <a:endParaRPr/>
           </a:p>
           <a:p>
-            <a:pPr indent="0" lvl="0" marL="0" rtl="0" algn="l">
-              <a:spcBef>
-                <a:spcPts val="0"/>
-              </a:spcBef>
-              <a:spcAft>
-                <a:spcPts val="0"/>
-              </a:spcAft>
-              <a:buNone/>
-            </a:pPr>
-            <a:r>
-              <a:t/>
-            </a:r>
+            <a:pPr marL="0" lvl="0" indent="0" algn="l" rtl="0">
+              <a:spcBef>
+                <a:spcPts val="0"/>
+              </a:spcBef>
+              <a:spcAft>
+                <a:spcPts val="0"/>
+              </a:spcAft>
+              <a:buNone/>
+            </a:pPr>
             <a:endParaRPr/>
           </a:p>
         </p:txBody>
@@ -11759,9 +11880,11 @@
       <p:sp>
         <p:nvSpPr>
           <p:cNvPr id="231" name="Google Shape;231;p32"/>
-          <p:cNvSpPr txBox="1"/>
+          <p:cNvSpPr txBox="1">
+            <a:spLocks noGrp="1"/>
+          </p:cNvSpPr>
           <p:nvPr>
-            <p:ph idx="1" type="body"/>
+            <p:ph type="body" idx="1"/>
           </p:nvPr>
         </p:nvSpPr>
         <p:spPr>
@@ -11774,12 +11897,12 @@
           </a:prstGeom>
         </p:spPr>
         <p:txBody>
-          <a:bodyPr anchorCtr="0" anchor="t" bIns="91425" lIns="91425" spcFirstLastPara="1" rIns="91425" wrap="square" tIns="91425">
+          <a:bodyPr spcFirstLastPara="1" wrap="square" lIns="91425" tIns="91425" rIns="91425" bIns="91425" anchor="t" anchorCtr="0">
             <a:normAutofit/>
           </a:bodyPr>
           <a:lstStyle/>
           <a:p>
-            <a:pPr indent="-336550" lvl="0" marL="457200" marR="0" rtl="0" algn="just">
+            <a:pPr marL="457200" marR="0" lvl="0" indent="-336550" algn="just" rtl="0">
               <a:lnSpc>
                 <a:spcPct val="130000"/>
               </a:lnSpc>
@@ -11810,7 +11933,7 @@
             </a:endParaRPr>
           </a:p>
           <a:p>
-            <a:pPr indent="0" lvl="0" marL="0" marR="0" rtl="0" algn="just">
+            <a:pPr marL="0" marR="0" lvl="0" indent="0" algn="just" rtl="0">
               <a:lnSpc>
                 <a:spcPct val="130000"/>
               </a:lnSpc>
@@ -11837,7 +11960,7 @@
             </a:endParaRPr>
           </a:p>
           <a:p>
-            <a:pPr indent="-336550" lvl="0" marL="457200" marR="0" rtl="0" algn="just">
+            <a:pPr marL="457200" marR="0" lvl="0" indent="-336550" algn="just" rtl="0">
               <a:lnSpc>
                 <a:spcPct val="130000"/>
               </a:lnSpc>
@@ -11868,7 +11991,7 @@
             </a:endParaRPr>
           </a:p>
           <a:p>
-            <a:pPr indent="0" lvl="0" marL="457200" marR="0" rtl="0" algn="just">
+            <a:pPr marL="457200" marR="0" lvl="0" indent="0" algn="just" rtl="0">
               <a:lnSpc>
                 <a:spcPct val="130000"/>
               </a:lnSpc>
@@ -11880,9 +12003,6 @@
               </a:spcAft>
               <a:buNone/>
             </a:pPr>
-            <a:r>
-              <a:t/>
-            </a:r>
             <a:endParaRPr sz="1700">
               <a:solidFill>
                 <a:srgbClr val="000000"/>
@@ -11890,7 +12010,7 @@
             </a:endParaRPr>
           </a:p>
           <a:p>
-            <a:pPr indent="0" lvl="0" marL="0" marR="0" rtl="0" algn="just">
+            <a:pPr marL="0" marR="0" lvl="0" indent="0" algn="just" rtl="0">
               <a:lnSpc>
                 <a:spcPct val="130000"/>
               </a:lnSpc>
@@ -11902,9 +12022,6 @@
               </a:spcAft>
               <a:buNone/>
             </a:pPr>
-            <a:r>
-              <a:t/>
-            </a:r>
             <a:endParaRPr sz="1700">
               <a:solidFill>
                 <a:srgbClr val="000000"/>
@@ -11931,9 +12048,27 @@
                 <a:tableStyleId>{88DA4698-9138-48C2-9BAC-1F806C6FD7DD}</a:tableStyleId>
               </a:tblPr>
               <a:tblGrid>
-                <a:gridCol w="2413000"/>
-                <a:gridCol w="2413000"/>
-                <a:gridCol w="2413000"/>
+                <a:gridCol w="2413000">
+                  <a:extLst>
+                    <a:ext uri="{9D8B030D-6E8A-4147-A177-3AD203B41FA5}">
+                      <a16:colId xmlns:a16="http://schemas.microsoft.com/office/drawing/2014/main" val="20000"/>
+                    </a:ext>
+                  </a:extLst>
+                </a:gridCol>
+                <a:gridCol w="2413000">
+                  <a:extLst>
+                    <a:ext uri="{9D8B030D-6E8A-4147-A177-3AD203B41FA5}">
+                      <a16:colId xmlns:a16="http://schemas.microsoft.com/office/drawing/2014/main" val="20001"/>
+                    </a:ext>
+                  </a:extLst>
+                </a:gridCol>
+                <a:gridCol w="2413000">
+                  <a:extLst>
+                    <a:ext uri="{9D8B030D-6E8A-4147-A177-3AD203B41FA5}">
+                      <a16:colId xmlns:a16="http://schemas.microsoft.com/office/drawing/2014/main" val="20002"/>
+                    </a:ext>
+                  </a:extLst>
+                </a:gridCol>
               </a:tblGrid>
               <a:tr h="381000">
                 <a:tc>
@@ -11941,7 +12076,26 @@
                     <a:bodyPr/>
                     <a:lstStyle/>
                     <a:p>
-                      <a:pPr indent="0" lvl="0" marL="0" rtl="0" algn="l">
+                      <a:pPr marL="0" lvl="0" indent="0" algn="l" rtl="0">
+                        <a:spcBef>
+                          <a:spcPts val="0"/>
+                        </a:spcBef>
+                        <a:spcAft>
+                          <a:spcPts val="0"/>
+                        </a:spcAft>
+                        <a:buNone/>
+                      </a:pPr>
+                      <a:endParaRPr/>
+                    </a:p>
+                  </a:txBody>
+                  <a:tcPr marL="91425" marR="91425" marT="91425" marB="91425"/>
+                </a:tc>
+                <a:tc>
+                  <a:txBody>
+                    <a:bodyPr/>
+                    <a:lstStyle/>
+                    <a:p>
+                      <a:pPr marL="0" lvl="0" indent="0" algn="l" rtl="0">
                         <a:spcBef>
                           <a:spcPts val="0"/>
                         </a:spcBef>
@@ -11951,19 +12105,20 @@
                         <a:buNone/>
                       </a:pPr>
                       <a:r>
-                        <a:t/>
+                        <a:rPr lang="en" sz="1100" b="1"/>
+                        <a:t>OBJECTS</a:t>
                       </a:r>
                       <a:endParaRPr/>
                     </a:p>
                   </a:txBody>
-                  <a:tcPr marT="91425" marB="91425" marR="91425" marL="91425"/>
+                  <a:tcPr marL="91425" marR="91425" marT="91425" marB="91425"/>
                 </a:tc>
                 <a:tc>
                   <a:txBody>
                     <a:bodyPr/>
                     <a:lstStyle/>
                     <a:p>
-                      <a:pPr indent="0" lvl="0" marL="0" rtl="0" algn="l">
+                      <a:pPr marL="0" lvl="0" indent="0" algn="l" rtl="0">
                         <a:spcBef>
                           <a:spcPts val="0"/>
                         </a:spcBef>
@@ -11973,20 +12128,27 @@
                         <a:buNone/>
                       </a:pPr>
                       <a:r>
-                        <a:rPr b="1" lang="en" sz="1100"/>
-                        <a:t>OBJECTS</a:t>
+                        <a:rPr lang="en" sz="1100" b="1"/>
+                        <a:t>CLUTTERS</a:t>
                       </a:r>
                       <a:endParaRPr/>
                     </a:p>
                   </a:txBody>
-                  <a:tcPr marT="91425" marB="91425" marR="91425" marL="91425"/>
+                  <a:tcPr marL="91425" marR="91425" marT="91425" marB="91425"/>
                 </a:tc>
+                <a:extLst>
+                  <a:ext uri="{0D108BD9-81ED-4DB2-BD59-A6C34878D82A}">
+                    <a16:rowId xmlns:a16="http://schemas.microsoft.com/office/drawing/2014/main" val="10000"/>
+                  </a:ext>
+                </a:extLst>
+              </a:tr>
+              <a:tr h="381000">
                 <a:tc>
                   <a:txBody>
                     <a:bodyPr/>
                     <a:lstStyle/>
                     <a:p>
-                      <a:pPr indent="0" lvl="0" marL="0" rtl="0" algn="l">
+                      <a:pPr marL="0" lvl="0" indent="0" algn="l" rtl="0">
                         <a:spcBef>
                           <a:spcPts val="0"/>
                         </a:spcBef>
@@ -11996,45 +12158,20 @@
                         <a:buNone/>
                       </a:pPr>
                       <a:r>
-                        <a:rPr b="1" lang="en" sz="1100"/>
-                        <a:t>CLUTTERS</a:t>
-                      </a:r>
-                      <a:endParaRPr/>
-                    </a:p>
-                  </a:txBody>
-                  <a:tcPr marT="91425" marB="91425" marR="91425" marL="91425"/>
-                </a:tc>
-              </a:tr>
-              <a:tr h="381000">
-                <a:tc>
-                  <a:txBody>
-                    <a:bodyPr/>
-                    <a:lstStyle/>
-                    <a:p>
-                      <a:pPr indent="0" lvl="0" marL="0" rtl="0" algn="l">
-                        <a:spcBef>
-                          <a:spcPts val="0"/>
-                        </a:spcBef>
-                        <a:spcAft>
-                          <a:spcPts val="0"/>
-                        </a:spcAft>
-                        <a:buNone/>
-                      </a:pPr>
-                      <a:r>
-                        <a:rPr b="1" lang="en" sz="1100"/>
+                        <a:rPr lang="en" sz="1100" b="1"/>
                         <a:t>OBJECTS</a:t>
                       </a:r>
                       <a:endParaRPr/>
                     </a:p>
                   </a:txBody>
-                  <a:tcPr marT="91425" marB="91425" marR="91425" marL="91425"/>
+                  <a:tcPr marL="91425" marR="91425" marT="91425" marB="91425"/>
                 </a:tc>
                 <a:tc>
                   <a:txBody>
                     <a:bodyPr/>
                     <a:lstStyle/>
                     <a:p>
-                      <a:pPr indent="0" lvl="0" marL="0" rtl="0" algn="l">
+                      <a:pPr marL="0" lvl="0" indent="0" algn="l" rtl="0">
                         <a:spcBef>
                           <a:spcPts val="0"/>
                         </a:spcBef>
@@ -12050,14 +12187,14 @@
                       <a:endParaRPr/>
                     </a:p>
                   </a:txBody>
-                  <a:tcPr marT="91425" marB="91425" marR="91425" marL="91425"/>
+                  <a:tcPr marL="91425" marR="91425" marT="91425" marB="91425"/>
                 </a:tc>
                 <a:tc>
                   <a:txBody>
                     <a:bodyPr/>
                     <a:lstStyle/>
                     <a:p>
-                      <a:pPr indent="0" lvl="0" marL="0" rtl="0" algn="l">
+                      <a:pPr marL="0" lvl="0" indent="0" algn="l" rtl="0">
                         <a:spcBef>
                           <a:spcPts val="0"/>
                         </a:spcBef>
@@ -12073,8 +12210,13 @@
                       <a:endParaRPr/>
                     </a:p>
                   </a:txBody>
-                  <a:tcPr marT="91425" marB="91425" marR="91425" marL="91425"/>
+                  <a:tcPr marL="91425" marR="91425" marT="91425" marB="91425"/>
                 </a:tc>
+                <a:extLst>
+                  <a:ext uri="{0D108BD9-81ED-4DB2-BD59-A6C34878D82A}">
+                    <a16:rowId xmlns:a16="http://schemas.microsoft.com/office/drawing/2014/main" val="10001"/>
+                  </a:ext>
+                </a:extLst>
               </a:tr>
               <a:tr h="381000">
                 <a:tc>
@@ -12082,7 +12224,7 @@
                     <a:bodyPr/>
                     <a:lstStyle/>
                     <a:p>
-                      <a:pPr indent="0" lvl="0" marL="0" rtl="0" algn="l">
+                      <a:pPr marL="0" lvl="0" indent="0" algn="l" rtl="0">
                         <a:spcBef>
                           <a:spcPts val="0"/>
                         </a:spcBef>
@@ -12092,20 +12234,20 @@
                         <a:buNone/>
                       </a:pPr>
                       <a:r>
-                        <a:rPr b="1" lang="en" sz="1100"/>
+                        <a:rPr lang="en" sz="1100" b="1"/>
                         <a:t>CLUTTERS</a:t>
                       </a:r>
                       <a:endParaRPr/>
                     </a:p>
                   </a:txBody>
-                  <a:tcPr marT="91425" marB="91425" marR="91425" marL="91425"/>
+                  <a:tcPr marL="91425" marR="91425" marT="91425" marB="91425"/>
                 </a:tc>
                 <a:tc>
                   <a:txBody>
                     <a:bodyPr/>
                     <a:lstStyle/>
                     <a:p>
-                      <a:pPr indent="0" lvl="0" marL="0" rtl="0" algn="l">
+                      <a:pPr marL="0" lvl="0" indent="0" algn="l" rtl="0">
                         <a:spcBef>
                           <a:spcPts val="0"/>
                         </a:spcBef>
@@ -12121,14 +12263,14 @@
                       <a:endParaRPr/>
                     </a:p>
                   </a:txBody>
-                  <a:tcPr marT="91425" marB="91425" marR="91425" marL="91425"/>
+                  <a:tcPr marL="91425" marR="91425" marT="91425" marB="91425"/>
                 </a:tc>
                 <a:tc>
                   <a:txBody>
                     <a:bodyPr/>
                     <a:lstStyle/>
                     <a:p>
-                      <a:pPr indent="0" lvl="0" marL="0" rtl="0" algn="l">
+                      <a:pPr marL="0" lvl="0" indent="0" algn="l" rtl="0">
                         <a:spcBef>
                           <a:spcPts val="0"/>
                         </a:spcBef>
@@ -12144,8 +12286,13 @@
                       <a:endParaRPr/>
                     </a:p>
                   </a:txBody>
-                  <a:tcPr marT="91425" marB="91425" marR="91425" marL="91425"/>
+                  <a:tcPr marL="91425" marR="91425" marT="91425" marB="91425"/>
                 </a:tc>
+                <a:extLst>
+                  <a:ext uri="{0D108BD9-81ED-4DB2-BD59-A6C34878D82A}">
+                    <a16:rowId xmlns:a16="http://schemas.microsoft.com/office/drawing/2014/main" val="10002"/>
+                  </a:ext>
+                </a:extLst>
               </a:tr>
             </a:tbl>
           </a:graphicData>
@@ -12160,11 +12307,11 @@
 </file>
 
 <file path=ppt/slides/slide21.xml><?xml version="1.0" encoding="utf-8"?>
-<p:sld xmlns:a="http://schemas.openxmlformats.org/drawingml/2006/main" xmlns:r="http://schemas.openxmlformats.org/officeDocument/2006/relationships" xmlns:mc="http://schemas.openxmlformats.org/markup-compatibility/2006" xmlns:mv="urn:schemas-microsoft-com:mac:vml" xmlns:p="http://schemas.openxmlformats.org/presentationml/2006/main" xmlns:c="http://schemas.openxmlformats.org/drawingml/2006/chart" xmlns:dgm="http://schemas.openxmlformats.org/drawingml/2006/diagram" xmlns:o="urn:schemas-microsoft-com:office:office" xmlns:v="urn:schemas-microsoft-com:vml" xmlns:pvml="urn:schemas-microsoft-com:office:powerpoint" xmlns:com="http://schemas.openxmlformats.org/drawingml/2006/compatibility" xmlns:p14="http://schemas.microsoft.com/office/powerpoint/2010/main" xmlns:p15="http://schemas.microsoft.com/office/powerpoint/2012/main" xmlns:ahyp="http://schemas.microsoft.com/office/drawing/2018/hyperlinkcolor">
+<p:sld xmlns:a="http://schemas.openxmlformats.org/drawingml/2006/main" xmlns:r="http://schemas.openxmlformats.org/officeDocument/2006/relationships" xmlns:p="http://schemas.openxmlformats.org/presentationml/2006/main">
   <p:cSld>
     <p:spTree>
       <p:nvGrpSpPr>
-        <p:cNvPr id="236" name="Shape 236"/>
+        <p:cNvPr id="1" name="Shape 236"/>
         <p:cNvGrpSpPr/>
         <p:nvPr/>
       </p:nvGrpSpPr>
@@ -12179,7 +12326,9 @@
       <p:sp>
         <p:nvSpPr>
           <p:cNvPr id="237" name="Google Shape;237;p33"/>
-          <p:cNvSpPr txBox="1"/>
+          <p:cNvSpPr txBox="1">
+            <a:spLocks noGrp="1"/>
+          </p:cNvSpPr>
           <p:nvPr>
             <p:ph type="title"/>
           </p:nvPr>
@@ -12194,12 +12343,12 @@
           </a:prstGeom>
         </p:spPr>
         <p:txBody>
-          <a:bodyPr anchorCtr="0" anchor="t" bIns="91425" lIns="91425" spcFirstLastPara="1" rIns="91425" wrap="square" tIns="91425">
+          <a:bodyPr spcFirstLastPara="1" wrap="square" lIns="91425" tIns="91425" rIns="91425" bIns="91425" anchor="t" anchorCtr="0">
             <a:normAutofit fontScale="90000"/>
           </a:bodyPr>
           <a:lstStyle/>
           <a:p>
-            <a:pPr indent="0" lvl="0" marL="0" rtl="0" algn="l">
+            <a:pPr marL="0" lvl="0" indent="0" algn="l" rtl="0">
               <a:spcBef>
                 <a:spcPts val="0"/>
               </a:spcBef>
@@ -12215,18 +12364,15 @@
             <a:endParaRPr/>
           </a:p>
           <a:p>
-            <a:pPr indent="0" lvl="0" marL="0" rtl="0" algn="l">
-              <a:spcBef>
-                <a:spcPts val="0"/>
-              </a:spcBef>
-              <a:spcAft>
-                <a:spcPts val="0"/>
-              </a:spcAft>
-              <a:buNone/>
-            </a:pPr>
-            <a:r>
-              <a:t/>
-            </a:r>
+            <a:pPr marL="0" lvl="0" indent="0" algn="l" rtl="0">
+              <a:spcBef>
+                <a:spcPts val="0"/>
+              </a:spcBef>
+              <a:spcAft>
+                <a:spcPts val="0"/>
+              </a:spcAft>
+              <a:buNone/>
+            </a:pPr>
             <a:endParaRPr/>
           </a:p>
         </p:txBody>
@@ -12234,9 +12380,11 @@
       <p:sp>
         <p:nvSpPr>
           <p:cNvPr id="238" name="Google Shape;238;p33"/>
-          <p:cNvSpPr txBox="1"/>
+          <p:cNvSpPr txBox="1">
+            <a:spLocks noGrp="1"/>
+          </p:cNvSpPr>
           <p:nvPr>
-            <p:ph idx="1" type="body"/>
+            <p:ph type="body" idx="1"/>
           </p:nvPr>
         </p:nvSpPr>
         <p:spPr>
@@ -12249,12 +12397,12 @@
           </a:prstGeom>
         </p:spPr>
         <p:txBody>
-          <a:bodyPr anchorCtr="0" anchor="t" bIns="91425" lIns="91425" spcFirstLastPara="1" rIns="91425" wrap="square" tIns="91425">
+          <a:bodyPr spcFirstLastPara="1" wrap="square" lIns="91425" tIns="91425" rIns="91425" bIns="91425" anchor="t" anchorCtr="0">
             <a:normAutofit/>
           </a:bodyPr>
           <a:lstStyle/>
           <a:p>
-            <a:pPr indent="0" lvl="0" marL="0" rtl="0" algn="l">
+            <a:pPr marL="0" lvl="0" indent="0" algn="l" rtl="0">
               <a:spcBef>
                 <a:spcPts val="0"/>
               </a:spcBef>
@@ -12263,9 +12411,6 @@
               </a:spcAft>
               <a:buNone/>
             </a:pPr>
-            <a:r>
-              <a:t/>
-            </a:r>
             <a:endParaRPr/>
           </a:p>
         </p:txBody>
@@ -12280,7 +12425,7 @@
           <a:blip r:embed="rId3">
             <a:alphaModFix/>
           </a:blip>
-          <a:srcRect b="51760" l="61454" r="33355" t="42283"/>
+          <a:srcRect l="61454" t="42283" r="33355" b="51760"/>
           <a:stretch/>
         </p:blipFill>
         <p:spPr>
@@ -12307,7 +12452,7 @@
           <a:blip r:embed="rId4">
             <a:alphaModFix/>
           </a:blip>
-          <a:srcRect b="52615" l="62801" r="34817" t="43191"/>
+          <a:srcRect l="62801" t="43191" r="34817" b="52615"/>
           <a:stretch/>
         </p:blipFill>
         <p:spPr>
@@ -12334,7 +12479,7 @@
           <a:blip r:embed="rId5">
             <a:alphaModFix/>
           </a:blip>
-          <a:srcRect b="22852" l="61641" r="9061" t="42011"/>
+          <a:srcRect l="61641" t="42011" r="9061" b="22852"/>
           <a:stretch/>
         </p:blipFill>
         <p:spPr>
@@ -12360,7 +12505,7 @@
           <p:nvPr/>
         </p:nvCxnSpPr>
         <p:spPr>
-          <a:xfrm flipH="1" rot="10800000">
+          <a:xfrm rot="10800000" flipH="1">
             <a:off x="4271075" y="2323062"/>
             <a:ext cx="841800" cy="447600"/>
           </a:xfrm>
@@ -12368,14 +12513,14 @@
             <a:avLst/>
           </a:prstGeom>
           <a:noFill/>
-          <a:ln cap="flat" cmpd="sng" w="9525">
+          <a:ln w="9525" cap="flat" cmpd="sng">
             <a:solidFill>
               <a:schemeClr val="dk2"/>
             </a:solidFill>
             <a:prstDash val="solid"/>
             <a:round/>
-            <a:headEnd len="med" w="med" type="none"/>
-            <a:tailEnd len="med" w="med" type="triangle"/>
+            <a:headEnd type="none" w="med" len="med"/>
+            <a:tailEnd type="triangle" w="med" len="med"/>
           </a:ln>
         </p:spPr>
       </p:cxnSp>
@@ -12397,14 +12542,14 @@
             <a:avLst/>
           </a:prstGeom>
           <a:noFill/>
-          <a:ln cap="flat" cmpd="sng" w="9525">
+          <a:ln w="9525" cap="flat" cmpd="sng">
             <a:solidFill>
               <a:schemeClr val="dk2"/>
             </a:solidFill>
             <a:prstDash val="solid"/>
             <a:round/>
-            <a:headEnd len="med" w="med" type="none"/>
-            <a:tailEnd len="med" w="med" type="triangle"/>
+            <a:headEnd type="none" w="med" len="med"/>
+            <a:tailEnd type="triangle" w="med" len="med"/>
           </a:ln>
         </p:spPr>
       </p:cxnSp>
@@ -12425,14 +12570,14 @@
             <a:avLst/>
           </a:prstGeom>
           <a:noFill/>
-          <a:ln cap="flat" cmpd="sng" w="9525">
+          <a:ln w="9525" cap="flat" cmpd="sng">
             <a:solidFill>
               <a:schemeClr val="dk2"/>
             </a:solidFill>
             <a:prstDash val="solid"/>
             <a:round/>
-            <a:headEnd len="med" w="med" type="none"/>
-            <a:tailEnd len="med" w="med" type="triangle"/>
+            <a:headEnd type="none" w="med" len="med"/>
+            <a:tailEnd type="triangle" w="med" len="med"/>
           </a:ln>
         </p:spPr>
       </p:cxnSp>
@@ -12451,14 +12596,14 @@
             <a:avLst/>
           </a:prstGeom>
           <a:noFill/>
-          <a:ln cap="flat" cmpd="sng" w="9525">
+          <a:ln w="9525" cap="flat" cmpd="sng">
             <a:solidFill>
               <a:schemeClr val="dk2"/>
             </a:solidFill>
             <a:prstDash val="solid"/>
             <a:round/>
-            <a:headEnd len="med" w="med" type="none"/>
-            <a:tailEnd len="med" w="med" type="triangle"/>
+            <a:headEnd type="none" w="med" len="med"/>
+            <a:tailEnd type="triangle" w="med" len="med"/>
           </a:ln>
         </p:spPr>
       </p:cxnSp>
@@ -12472,7 +12617,7 @@
           <a:blip r:embed="rId6">
             <a:alphaModFix/>
           </a:blip>
-          <a:srcRect b="20752" l="61308" r="9395" t="39643"/>
+          <a:srcRect l="61308" t="39643" r="9395" b="20752"/>
           <a:stretch/>
         </p:blipFill>
         <p:spPr>
@@ -12498,11 +12643,11 @@
 </file>
 
 <file path=ppt/slides/slide22.xml><?xml version="1.0" encoding="utf-8"?>
-<p:sld xmlns:a="http://schemas.openxmlformats.org/drawingml/2006/main" xmlns:r="http://schemas.openxmlformats.org/officeDocument/2006/relationships" xmlns:mc="http://schemas.openxmlformats.org/markup-compatibility/2006" xmlns:mv="urn:schemas-microsoft-com:mac:vml" xmlns:p="http://schemas.openxmlformats.org/presentationml/2006/main" xmlns:c="http://schemas.openxmlformats.org/drawingml/2006/chart" xmlns:dgm="http://schemas.openxmlformats.org/drawingml/2006/diagram" xmlns:o="urn:schemas-microsoft-com:office:office" xmlns:v="urn:schemas-microsoft-com:vml" xmlns:pvml="urn:schemas-microsoft-com:office:powerpoint" xmlns:com="http://schemas.openxmlformats.org/drawingml/2006/compatibility" xmlns:p14="http://schemas.microsoft.com/office/powerpoint/2010/main" xmlns:p15="http://schemas.microsoft.com/office/powerpoint/2012/main" xmlns:ahyp="http://schemas.microsoft.com/office/drawing/2018/hyperlinkcolor">
+<p:sld xmlns:a="http://schemas.openxmlformats.org/drawingml/2006/main" xmlns:r="http://schemas.openxmlformats.org/officeDocument/2006/relationships" xmlns:p="http://schemas.openxmlformats.org/presentationml/2006/main">
   <p:cSld>
     <p:spTree>
       <p:nvGrpSpPr>
-        <p:cNvPr id="250" name="Shape 250"/>
+        <p:cNvPr id="1" name="Shape 250"/>
         <p:cNvGrpSpPr/>
         <p:nvPr/>
       </p:nvGrpSpPr>
@@ -12517,7 +12662,9 @@
       <p:sp>
         <p:nvSpPr>
           <p:cNvPr id="251" name="Google Shape;251;p34"/>
-          <p:cNvSpPr txBox="1"/>
+          <p:cNvSpPr txBox="1">
+            <a:spLocks noGrp="1"/>
+          </p:cNvSpPr>
           <p:nvPr>
             <p:ph type="title"/>
           </p:nvPr>
@@ -12532,12 +12679,12 @@
           </a:prstGeom>
         </p:spPr>
         <p:txBody>
-          <a:bodyPr anchorCtr="0" anchor="t" bIns="91425" lIns="91425" spcFirstLastPara="1" rIns="91425" wrap="square" tIns="91425">
+          <a:bodyPr spcFirstLastPara="1" wrap="square" lIns="91425" tIns="91425" rIns="91425" bIns="91425" anchor="t" anchorCtr="0">
             <a:normAutofit fontScale="90000"/>
           </a:bodyPr>
           <a:lstStyle/>
           <a:p>
-            <a:pPr indent="0" lvl="0" marL="0" rtl="0" algn="l">
+            <a:pPr marL="0" lvl="0" indent="0" algn="l" rtl="0">
               <a:spcBef>
                 <a:spcPts val="0"/>
               </a:spcBef>
@@ -12553,18 +12700,15 @@
             <a:endParaRPr/>
           </a:p>
           <a:p>
-            <a:pPr indent="0" lvl="0" marL="0" rtl="0" algn="l">
-              <a:spcBef>
-                <a:spcPts val="0"/>
-              </a:spcBef>
-              <a:spcAft>
-                <a:spcPts val="0"/>
-              </a:spcAft>
-              <a:buNone/>
-            </a:pPr>
-            <a:r>
-              <a:t/>
-            </a:r>
+            <a:pPr marL="0" lvl="0" indent="0" algn="l" rtl="0">
+              <a:spcBef>
+                <a:spcPts val="0"/>
+              </a:spcBef>
+              <a:spcAft>
+                <a:spcPts val="0"/>
+              </a:spcAft>
+              <a:buNone/>
+            </a:pPr>
             <a:endParaRPr/>
           </a:p>
         </p:txBody>
@@ -12572,9 +12716,11 @@
       <p:sp>
         <p:nvSpPr>
           <p:cNvPr id="252" name="Google Shape;252;p34"/>
-          <p:cNvSpPr txBox="1"/>
+          <p:cNvSpPr txBox="1">
+            <a:spLocks noGrp="1"/>
+          </p:cNvSpPr>
           <p:nvPr>
-            <p:ph idx="1" type="body"/>
+            <p:ph type="body" idx="1"/>
           </p:nvPr>
         </p:nvSpPr>
         <p:spPr>
@@ -12587,12 +12733,12 @@
           </a:prstGeom>
         </p:spPr>
         <p:txBody>
-          <a:bodyPr anchorCtr="0" anchor="t" bIns="91425" lIns="91425" spcFirstLastPara="1" rIns="91425" wrap="square" tIns="91425">
+          <a:bodyPr spcFirstLastPara="1" wrap="square" lIns="91425" tIns="91425" rIns="91425" bIns="91425" anchor="t" anchorCtr="0">
             <a:normAutofit lnSpcReduction="20000"/>
           </a:bodyPr>
           <a:lstStyle/>
           <a:p>
-            <a:pPr indent="0" lvl="0" marL="0" marR="0" rtl="0" algn="just">
+            <a:pPr marL="0" marR="0" lvl="0" indent="0" algn="just" rtl="0">
               <a:lnSpc>
                 <a:spcPct val="130000"/>
               </a:lnSpc>
@@ -12604,9 +12750,6 @@
               </a:spcAft>
               <a:buNone/>
             </a:pPr>
-            <a:r>
-              <a:t/>
-            </a:r>
             <a:endParaRPr>
               <a:solidFill>
                 <a:srgbClr val="000000"/>
@@ -12614,7 +12757,7 @@
             </a:endParaRPr>
           </a:p>
           <a:p>
-            <a:pPr indent="-342900" lvl="0" marL="457200" marR="0" rtl="0" algn="just">
+            <a:pPr marL="457200" marR="0" lvl="0" indent="-342900" algn="just" rtl="0">
               <a:lnSpc>
                 <a:spcPct val="130000"/>
               </a:lnSpc>
@@ -12645,7 +12788,7 @@
             </a:endParaRPr>
           </a:p>
           <a:p>
-            <a:pPr indent="-342900" lvl="0" marL="457200" marR="0" rtl="0" algn="just">
+            <a:pPr marL="457200" marR="0" lvl="0" indent="-342900" algn="just" rtl="0">
               <a:lnSpc>
                 <a:spcPct val="130000"/>
               </a:lnSpc>
@@ -12667,141 +12810,69 @@
                   <a:srgbClr val="000000"/>
                 </a:solidFill>
               </a:rPr>
-              <a:t>Can come up with good sticky </a:t>
+              <a:t>Can come up with good sticky objects separating algorithm such as modified watershed segmentation or segmentation algorithm based on edges as this seems to be subjective!</a:t>
             </a:r>
+            <a:endParaRPr>
+              <a:solidFill>
+                <a:srgbClr val="000000"/>
+              </a:solidFill>
+            </a:endParaRPr>
+          </a:p>
+          <a:p>
+            <a:pPr marL="457200" marR="0" lvl="0" indent="-342900" algn="just" rtl="0">
+              <a:lnSpc>
+                <a:spcPct val="130000"/>
+              </a:lnSpc>
+              <a:spcBef>
+                <a:spcPts val="0"/>
+              </a:spcBef>
+              <a:spcAft>
+                <a:spcPts val="0"/>
+              </a:spcAft>
+              <a:buClr>
+                <a:srgbClr val="000000"/>
+              </a:buClr>
+              <a:buSzPts val="1800"/>
+              <a:buChar char="❖"/>
+            </a:pPr>
             <a:r>
               <a:rPr lang="en">
                 <a:solidFill>
                   <a:srgbClr val="000000"/>
                 </a:solidFill>
               </a:rPr>
-              <a:t>objects</a:t>
+              <a:t>For the black absorbed region inverse thresholding can be applied to extract just the darker objects like the black umbrella and black coat!</a:t>
             </a:r>
+            <a:endParaRPr>
+              <a:solidFill>
+                <a:srgbClr val="000000"/>
+              </a:solidFill>
+            </a:endParaRPr>
+          </a:p>
+          <a:p>
+            <a:pPr marL="457200" marR="0" lvl="0" indent="-342900" algn="just" rtl="0">
+              <a:lnSpc>
+                <a:spcPct val="130000"/>
+              </a:lnSpc>
+              <a:spcBef>
+                <a:spcPts val="0"/>
+              </a:spcBef>
+              <a:spcAft>
+                <a:spcPts val="0"/>
+              </a:spcAft>
+              <a:buClr>
+                <a:srgbClr val="000000"/>
+              </a:buClr>
+              <a:buSzPts val="1800"/>
+              <a:buChar char="❖"/>
+            </a:pPr>
             <a:r>
               <a:rPr lang="en">
                 <a:solidFill>
                   <a:srgbClr val="000000"/>
                 </a:solidFill>
               </a:rPr>
-              <a:t> </a:t>
-            </a:r>
-            <a:r>
-              <a:rPr lang="en">
-                <a:solidFill>
-                  <a:srgbClr val="000000"/>
-                </a:solidFill>
-              </a:rPr>
-              <a:t>separating</a:t>
-            </a:r>
-            <a:r>
-              <a:rPr lang="en">
-                <a:solidFill>
-                  <a:srgbClr val="000000"/>
-                </a:solidFill>
-              </a:rPr>
-              <a:t> algorithm such as modified watershed segmentation or segmentation algorithm based on edges as this seems to be subjective!</a:t>
-            </a:r>
-            <a:endParaRPr>
-              <a:solidFill>
-                <a:srgbClr val="000000"/>
-              </a:solidFill>
-            </a:endParaRPr>
-          </a:p>
-          <a:p>
-            <a:pPr indent="-342900" lvl="0" marL="457200" marR="0" rtl="0" algn="just">
-              <a:lnSpc>
-                <a:spcPct val="130000"/>
-              </a:lnSpc>
-              <a:spcBef>
-                <a:spcPts val="0"/>
-              </a:spcBef>
-              <a:spcAft>
-                <a:spcPts val="0"/>
-              </a:spcAft>
-              <a:buClr>
-                <a:srgbClr val="000000"/>
-              </a:buClr>
-              <a:buSzPts val="1800"/>
-              <a:buChar char="❖"/>
-            </a:pPr>
-            <a:r>
-              <a:rPr lang="en">
-                <a:solidFill>
-                  <a:srgbClr val="000000"/>
-                </a:solidFill>
-              </a:rPr>
-              <a:t>For the black absorbed region inverse thresholding can be applied to extract just the darker </a:t>
-            </a:r>
-            <a:r>
-              <a:rPr lang="en">
-                <a:solidFill>
-                  <a:srgbClr val="000000"/>
-                </a:solidFill>
-              </a:rPr>
-              <a:t>objects</a:t>
-            </a:r>
-            <a:r>
-              <a:rPr lang="en">
-                <a:solidFill>
-                  <a:srgbClr val="000000"/>
-                </a:solidFill>
-              </a:rPr>
-              <a:t> like the black </a:t>
-            </a:r>
-            <a:r>
-              <a:rPr lang="en">
-                <a:solidFill>
-                  <a:srgbClr val="000000"/>
-                </a:solidFill>
-              </a:rPr>
-              <a:t>umbrella</a:t>
-            </a:r>
-            <a:r>
-              <a:rPr lang="en">
-                <a:solidFill>
-                  <a:srgbClr val="000000"/>
-                </a:solidFill>
-              </a:rPr>
-              <a:t> and black coat!</a:t>
-            </a:r>
-            <a:endParaRPr>
-              <a:solidFill>
-                <a:srgbClr val="000000"/>
-              </a:solidFill>
-            </a:endParaRPr>
-          </a:p>
-          <a:p>
-            <a:pPr indent="-342900" lvl="0" marL="457200" marR="0" rtl="0" algn="just">
-              <a:lnSpc>
-                <a:spcPct val="130000"/>
-              </a:lnSpc>
-              <a:spcBef>
-                <a:spcPts val="0"/>
-              </a:spcBef>
-              <a:spcAft>
-                <a:spcPts val="0"/>
-              </a:spcAft>
-              <a:buClr>
-                <a:srgbClr val="000000"/>
-              </a:buClr>
-              <a:buSzPts val="1800"/>
-              <a:buChar char="❖"/>
-            </a:pPr>
-            <a:r>
-              <a:rPr lang="en">
-                <a:solidFill>
-                  <a:srgbClr val="000000"/>
-                </a:solidFill>
-              </a:rPr>
-              <a:t>Adaptive</a:t>
-            </a:r>
-            <a:r>
-              <a:rPr lang="en">
-                <a:solidFill>
-                  <a:srgbClr val="000000"/>
-                </a:solidFill>
-              </a:rPr>
-              <a:t> thresholding can be done using otsu method!</a:t>
+              <a:t>Adaptive thresholding can be done using otsu method!</a:t>
             </a:r>
             <a:endParaRPr>
               <a:solidFill>
@@ -12820,11 +12891,11 @@
 </file>
 
 <file path=ppt/slides/slide23.xml><?xml version="1.0" encoding="utf-8"?>
-<p:sld xmlns:a="http://schemas.openxmlformats.org/drawingml/2006/main" xmlns:r="http://schemas.openxmlformats.org/officeDocument/2006/relationships" xmlns:mc="http://schemas.openxmlformats.org/markup-compatibility/2006" xmlns:mv="urn:schemas-microsoft-com:mac:vml" xmlns:p="http://schemas.openxmlformats.org/presentationml/2006/main" xmlns:c="http://schemas.openxmlformats.org/drawingml/2006/chart" xmlns:dgm="http://schemas.openxmlformats.org/drawingml/2006/diagram" xmlns:o="urn:schemas-microsoft-com:office:office" xmlns:v="urn:schemas-microsoft-com:vml" xmlns:pvml="urn:schemas-microsoft-com:office:powerpoint" xmlns:com="http://schemas.openxmlformats.org/drawingml/2006/compatibility" xmlns:p14="http://schemas.microsoft.com/office/powerpoint/2010/main" xmlns:p15="http://schemas.microsoft.com/office/powerpoint/2012/main" xmlns:ahyp="http://schemas.microsoft.com/office/drawing/2018/hyperlinkcolor">
+<p:sld xmlns:a="http://schemas.openxmlformats.org/drawingml/2006/main" xmlns:r="http://schemas.openxmlformats.org/officeDocument/2006/relationships" xmlns:p="http://schemas.openxmlformats.org/presentationml/2006/main">
   <p:cSld>
     <p:spTree>
       <p:nvGrpSpPr>
-        <p:cNvPr id="256" name="Shape 256"/>
+        <p:cNvPr id="1" name="Shape 256"/>
         <p:cNvGrpSpPr/>
         <p:nvPr/>
       </p:nvGrpSpPr>
@@ -12839,7 +12910,9 @@
       <p:sp>
         <p:nvSpPr>
           <p:cNvPr id="257" name="Google Shape;257;p35"/>
-          <p:cNvSpPr txBox="1"/>
+          <p:cNvSpPr txBox="1">
+            <a:spLocks noGrp="1"/>
+          </p:cNvSpPr>
           <p:nvPr>
             <p:ph type="title"/>
           </p:nvPr>
@@ -12854,12 +12927,12 @@
           </a:prstGeom>
         </p:spPr>
         <p:txBody>
-          <a:bodyPr anchorCtr="0" anchor="t" bIns="91425" lIns="91425" spcFirstLastPara="1" rIns="91425" wrap="square" tIns="91425">
+          <a:bodyPr spcFirstLastPara="1" wrap="square" lIns="91425" tIns="91425" rIns="91425" bIns="91425" anchor="t" anchorCtr="0">
             <a:normAutofit fontScale="90000"/>
           </a:bodyPr>
           <a:lstStyle/>
           <a:p>
-            <a:pPr indent="0" lvl="0" marL="0" rtl="0" algn="l">
+            <a:pPr marL="0" lvl="0" indent="0" algn="l" rtl="0">
               <a:spcBef>
                 <a:spcPts val="0"/>
               </a:spcBef>
@@ -12879,9 +12952,11 @@
       <p:sp>
         <p:nvSpPr>
           <p:cNvPr id="258" name="Google Shape;258;p35"/>
-          <p:cNvSpPr txBox="1"/>
+          <p:cNvSpPr txBox="1">
+            <a:spLocks noGrp="1"/>
+          </p:cNvSpPr>
           <p:nvPr>
-            <p:ph idx="1" type="body"/>
+            <p:ph type="body" idx="1"/>
           </p:nvPr>
         </p:nvSpPr>
         <p:spPr>
@@ -12894,12 +12969,12 @@
           </a:prstGeom>
         </p:spPr>
         <p:txBody>
-          <a:bodyPr anchorCtr="0" anchor="t" bIns="91425" lIns="91425" spcFirstLastPara="1" rIns="425575" wrap="square" tIns="91425">
+          <a:bodyPr spcFirstLastPara="1" wrap="square" lIns="91425" tIns="91425" rIns="425575" bIns="91425" anchor="t" anchorCtr="0">
             <a:noAutofit/>
           </a:bodyPr>
           <a:lstStyle/>
           <a:p>
-            <a:pPr indent="0" lvl="0" marL="0" marR="0" rtl="0" algn="just">
+            <a:pPr marL="0" marR="0" lvl="0" indent="0" algn="just" rtl="0">
               <a:lnSpc>
                 <a:spcPct val="130000"/>
               </a:lnSpc>
@@ -12912,7 +12987,7 @@
               <a:buNone/>
             </a:pPr>
             <a:r>
-              <a:rPr b="1" lang="en" sz="1500">
+              <a:rPr lang="en" sz="1500" b="1">
                 <a:solidFill>
                   <a:srgbClr val="000000"/>
                 </a:solidFill>
@@ -12924,7 +12999,7 @@
               <a:t>1.</a:t>
             </a:r>
             <a:r>
-              <a:rPr b="1" lang="en" sz="1500" u="sng">
+              <a:rPr lang="en" sz="1500" b="1" u="sng">
                 <a:solidFill>
                   <a:srgbClr val="1155CC"/>
                 </a:solidFill>
@@ -12935,14 +13010,14 @@
                 <a:hlinkClick r:id="rId3">
                   <a:extLst>
                     <a:ext uri="{A12FA001-AC4F-418D-AE19-62706E023703}">
-                      <ahyp:hlinkClr val="tx"/>
+                      <ahyp:hlinkClr xmlns:ahyp="http://schemas.microsoft.com/office/drawing/2018/hyperlinkcolor" val="tx"/>
                     </a:ext>
                   </a:extLst>
                 </a:hlinkClick>
               </a:rPr>
               <a:t>http://vcipl-okstate.org/pbvs/bench/</a:t>
             </a:r>
-            <a:endParaRPr b="1" sz="1500">
+            <a:endParaRPr sz="1500" b="1">
               <a:solidFill>
                 <a:srgbClr val="000000"/>
               </a:solidFill>
@@ -12953,7 +13028,7 @@
             </a:endParaRPr>
           </a:p>
           <a:p>
-            <a:pPr indent="0" lvl="0" marL="0" marR="0" rtl="0" algn="just">
+            <a:pPr marL="0" marR="0" lvl="0" indent="0" algn="just" rtl="0">
               <a:lnSpc>
                 <a:spcPct val="130000"/>
               </a:lnSpc>
@@ -12966,7 +13041,7 @@
               <a:buNone/>
             </a:pPr>
             <a:r>
-              <a:rPr b="1" lang="en" sz="1500">
+              <a:rPr lang="en" sz="1500" b="1">
                 <a:solidFill>
                   <a:srgbClr val="000000"/>
                 </a:solidFill>
@@ -12978,7 +13053,7 @@
               <a:t>2. </a:t>
             </a:r>
             <a:r>
-              <a:rPr b="1" lang="en" sz="1500" u="sng">
+              <a:rPr lang="en" sz="1500" b="1" u="sng">
                 <a:solidFill>
                   <a:srgbClr val="1155CC"/>
                 </a:solidFill>
@@ -12989,14 +13064,14 @@
                 <a:hlinkClick r:id="rId4">
                   <a:extLst>
                     <a:ext uri="{A12FA001-AC4F-418D-AE19-62706E023703}">
-                      <ahyp:hlinkClr val="tx"/>
+                      <ahyp:hlinkClr xmlns:ahyp="http://schemas.microsoft.com/office/drawing/2018/hyperlinkcolor" val="tx"/>
                     </a:ext>
                   </a:extLst>
                 </a:hlinkClick>
               </a:rPr>
               <a:t>https://en.wikipedia.org/wiki/Image_\egmentation</a:t>
             </a:r>
-            <a:endParaRPr b="1" sz="1500">
+            <a:endParaRPr sz="1500" b="1">
               <a:solidFill>
                 <a:srgbClr val="000000"/>
               </a:solidFill>
@@ -13007,7 +13082,7 @@
             </a:endParaRPr>
           </a:p>
           <a:p>
-            <a:pPr indent="0" lvl="0" marL="0" marR="0" rtl="0" algn="just">
+            <a:pPr marL="0" marR="0" lvl="0" indent="0" algn="just" rtl="0">
               <a:lnSpc>
                 <a:spcPct val="130000"/>
               </a:lnSpc>
@@ -13020,7 +13095,7 @@
               <a:buNone/>
             </a:pPr>
             <a:r>
-              <a:rPr b="1" lang="en" sz="1500">
+              <a:rPr lang="en" sz="1500" b="1">
                 <a:solidFill>
                   <a:srgbClr val="000000"/>
                 </a:solidFill>
@@ -13032,7 +13107,7 @@
               <a:t>3.</a:t>
             </a:r>
             <a:r>
-              <a:rPr b="1" lang="en" sz="1500" u="sng">
+              <a:rPr lang="en" sz="1500" b="1" u="sng">
                 <a:solidFill>
                   <a:srgbClr val="1155CC"/>
                 </a:solidFill>
@@ -13043,7 +13118,7 @@
                 <a:hlinkClick r:id="rId5">
                   <a:extLst>
                     <a:ext uri="{A12FA001-AC4F-418D-AE19-62706E023703}">
-                      <ahyp:hlinkClr val="tx"/>
+                      <ahyp:hlinkClr xmlns:ahyp="http://schemas.microsoft.com/office/drawing/2018/hyperlinkcolor" val="tx"/>
                     </a:ext>
                   </a:extLst>
                 </a:hlinkClick>
@@ -13051,7 +13126,7 @@
               <a:t>https://scikit-image.org/docs/dev/auto_examples/applications/plot_morphology.html#:~:text=Morphological%20closing%20on%20an%20image,and%20connect%20small%20bright%20cracks.&amp;text=Since%20closing%20an%20image%20starts,the%20structuring%20element%20are%20removed</a:t>
             </a:r>
             <a:r>
-              <a:rPr b="1" lang="en" sz="1500">
+              <a:rPr lang="en" sz="1500" b="1">
                 <a:solidFill>
                   <a:srgbClr val="000000"/>
                 </a:solidFill>
@@ -13062,7 +13137,7 @@
               </a:rPr>
               <a:t>.</a:t>
             </a:r>
-            <a:endParaRPr b="1" sz="1500">
+            <a:endParaRPr sz="1500" b="1">
               <a:solidFill>
                 <a:srgbClr val="000000"/>
               </a:solidFill>
@@ -13073,7 +13148,7 @@
             </a:endParaRPr>
           </a:p>
           <a:p>
-            <a:pPr indent="0" lvl="0" marL="0" marR="0" rtl="0" algn="just">
+            <a:pPr marL="0" marR="0" lvl="0" indent="0" algn="just" rtl="0">
               <a:lnSpc>
                 <a:spcPct val="130000"/>
               </a:lnSpc>
@@ -13086,7 +13161,7 @@
               <a:buNone/>
             </a:pPr>
             <a:r>
-              <a:rPr b="1" lang="en" sz="1500">
+              <a:rPr lang="en" sz="1500" b="1">
                 <a:solidFill>
                   <a:srgbClr val="000000"/>
                 </a:solidFill>
@@ -13098,7 +13173,7 @@
               <a:t>4.</a:t>
             </a:r>
             <a:r>
-              <a:rPr b="1" lang="en" sz="1500" u="sng">
+              <a:rPr lang="en" sz="1500" b="1" u="sng">
                 <a:solidFill>
                   <a:srgbClr val="1155CC"/>
                 </a:solidFill>
@@ -13109,7 +13184,7 @@
                 <a:hlinkClick r:id="rId6">
                   <a:extLst>
                     <a:ext uri="{A12FA001-AC4F-418D-AE19-62706E023703}">
-                      <ahyp:hlinkClr val="tx"/>
+                      <ahyp:hlinkClr xmlns:ahyp="http://schemas.microsoft.com/office/drawing/2018/hyperlinkcolor" val="tx"/>
                     </a:ext>
                   </a:extLst>
                 </a:hlinkClick>
@@ -13117,7 +13192,7 @@
               <a:t>https://en.wikipedia.org/wiki/Opening_(morphology)#:~:text=Opening%20removes%20small%20objects%20from,specific%20shapes%20in%20an%20image</a:t>
             </a:r>
             <a:r>
-              <a:rPr b="1" lang="en" sz="1500">
+              <a:rPr lang="en" sz="1500" b="1">
                 <a:solidFill>
                   <a:srgbClr val="000000"/>
                 </a:solidFill>
@@ -13128,7 +13203,7 @@
               </a:rPr>
               <a:t>.</a:t>
             </a:r>
-            <a:endParaRPr b="1" sz="1500">
+            <a:endParaRPr sz="1500" b="1">
               <a:solidFill>
                 <a:srgbClr val="000000"/>
               </a:solidFill>
@@ -13139,7 +13214,7 @@
             </a:endParaRPr>
           </a:p>
           <a:p>
-            <a:pPr indent="0" lvl="0" marL="0" marR="0" rtl="0" algn="just">
+            <a:pPr marL="0" marR="0" lvl="0" indent="0" algn="just" rtl="0">
               <a:lnSpc>
                 <a:spcPct val="130000"/>
               </a:lnSpc>
@@ -13152,7 +13227,7 @@
               <a:buNone/>
             </a:pPr>
             <a:r>
-              <a:rPr b="1" lang="en" sz="1500">
+              <a:rPr lang="en" sz="1500" b="1">
                 <a:solidFill>
                   <a:srgbClr val="000000"/>
                 </a:solidFill>
@@ -13164,7 +13239,7 @@
               <a:t>5.</a:t>
             </a:r>
             <a:r>
-              <a:rPr b="1" lang="en" sz="1500" u="sng">
+              <a:rPr lang="en" sz="1500" b="1" u="sng">
                 <a:solidFill>
                   <a:srgbClr val="1155CC"/>
                 </a:solidFill>
@@ -13175,7 +13250,7 @@
                 <a:hlinkClick r:id="rId7">
                   <a:extLst>
                     <a:ext uri="{A12FA001-AC4F-418D-AE19-62706E023703}">
-                      <ahyp:hlinkClr val="tx"/>
+                      <ahyp:hlinkClr xmlns:ahyp="http://schemas.microsoft.com/office/drawing/2018/hyperlinkcolor" val="tx"/>
                     </a:ext>
                   </a:extLst>
                 </a:hlinkClick>
@@ -13183,7 +13258,7 @@
               <a:t>https://www.mathworks.com/help/images/structuring-elements.html#:~:text=A%20structuring%20element%20is%20a,process%20in%20the%20input%20image</a:t>
             </a:r>
             <a:r>
-              <a:rPr b="1" lang="en" sz="1500">
+              <a:rPr lang="en" sz="1500" b="1">
                 <a:solidFill>
                   <a:srgbClr val="000000"/>
                 </a:solidFill>
@@ -13207,11 +13282,11 @@
 </file>
 
 <file path=ppt/slides/slide24.xml><?xml version="1.0" encoding="utf-8"?>
-<p:sld xmlns:a="http://schemas.openxmlformats.org/drawingml/2006/main" xmlns:r="http://schemas.openxmlformats.org/officeDocument/2006/relationships" xmlns:mc="http://schemas.openxmlformats.org/markup-compatibility/2006" xmlns:mv="urn:schemas-microsoft-com:mac:vml" xmlns:p="http://schemas.openxmlformats.org/presentationml/2006/main" xmlns:c="http://schemas.openxmlformats.org/drawingml/2006/chart" xmlns:dgm="http://schemas.openxmlformats.org/drawingml/2006/diagram" xmlns:o="urn:schemas-microsoft-com:office:office" xmlns:v="urn:schemas-microsoft-com:vml" xmlns:pvml="urn:schemas-microsoft-com:office:powerpoint" xmlns:com="http://schemas.openxmlformats.org/drawingml/2006/compatibility" xmlns:p14="http://schemas.microsoft.com/office/powerpoint/2010/main" xmlns:p15="http://schemas.microsoft.com/office/powerpoint/2012/main" xmlns:ahyp="http://schemas.microsoft.com/office/drawing/2018/hyperlinkcolor">
+<p:sld xmlns:a="http://schemas.openxmlformats.org/drawingml/2006/main" xmlns:r="http://schemas.openxmlformats.org/officeDocument/2006/relationships" xmlns:p="http://schemas.openxmlformats.org/presentationml/2006/main">
   <p:cSld>
     <p:spTree>
       <p:nvGrpSpPr>
-        <p:cNvPr id="262" name="Shape 262"/>
+        <p:cNvPr id="1" name="Shape 262"/>
         <p:cNvGrpSpPr/>
         <p:nvPr/>
       </p:nvGrpSpPr>
@@ -13226,7 +13301,9 @@
       <p:sp>
         <p:nvSpPr>
           <p:cNvPr id="263" name="Google Shape;263;p36"/>
-          <p:cNvSpPr txBox="1"/>
+          <p:cNvSpPr txBox="1">
+            <a:spLocks noGrp="1"/>
+          </p:cNvSpPr>
           <p:nvPr>
             <p:ph type="title"/>
           </p:nvPr>
@@ -13241,23 +13318,20 @@
           </a:prstGeom>
         </p:spPr>
         <p:txBody>
-          <a:bodyPr anchorCtr="0" anchor="t" bIns="91425" lIns="91425" spcFirstLastPara="1" rIns="91425" wrap="square" tIns="91425">
+          <a:bodyPr spcFirstLastPara="1" wrap="square" lIns="91425" tIns="91425" rIns="91425" bIns="91425" anchor="t" anchorCtr="0">
             <a:normAutofit fontScale="90000"/>
           </a:bodyPr>
           <a:lstStyle/>
           <a:p>
-            <a:pPr indent="0" lvl="0" marL="0" rtl="0" algn="l">
-              <a:spcBef>
-                <a:spcPts val="0"/>
-              </a:spcBef>
-              <a:spcAft>
-                <a:spcPts val="0"/>
-              </a:spcAft>
-              <a:buNone/>
-            </a:pPr>
-            <a:r>
-              <a:t/>
-            </a:r>
+            <a:pPr marL="0" lvl="0" indent="0" algn="l" rtl="0">
+              <a:spcBef>
+                <a:spcPts val="0"/>
+              </a:spcBef>
+              <a:spcAft>
+                <a:spcPts val="0"/>
+              </a:spcAft>
+              <a:buNone/>
+            </a:pPr>
             <a:endParaRPr/>
           </a:p>
         </p:txBody>
@@ -13265,9 +13339,11 @@
       <p:sp>
         <p:nvSpPr>
           <p:cNvPr id="264" name="Google Shape;264;p36"/>
-          <p:cNvSpPr txBox="1"/>
+          <p:cNvSpPr txBox="1">
+            <a:spLocks noGrp="1"/>
+          </p:cNvSpPr>
           <p:nvPr>
-            <p:ph idx="1" type="body"/>
+            <p:ph type="body" idx="1"/>
           </p:nvPr>
         </p:nvSpPr>
         <p:spPr>
@@ -13280,12 +13356,12 @@
           </a:prstGeom>
         </p:spPr>
         <p:txBody>
-          <a:bodyPr anchorCtr="0" anchor="t" bIns="91425" lIns="91425" spcFirstLastPara="1" rIns="91425" wrap="square" tIns="91425">
+          <a:bodyPr spcFirstLastPara="1" wrap="square" lIns="91425" tIns="91425" rIns="91425" bIns="91425" anchor="t" anchorCtr="0">
             <a:normAutofit lnSpcReduction="20000"/>
           </a:bodyPr>
           <a:lstStyle/>
           <a:p>
-            <a:pPr indent="0" lvl="0" marL="0" rtl="0" algn="l">
+            <a:pPr marL="0" lvl="0" indent="0" algn="l" rtl="0">
               <a:spcBef>
                 <a:spcPts val="0"/>
               </a:spcBef>
@@ -13305,7 +13381,7 @@
             <a:endParaRPr sz="4600"/>
           </a:p>
           <a:p>
-            <a:pPr indent="0" lvl="0" marL="0" rtl="0" algn="l">
+            <a:pPr marL="0" lvl="0" indent="0" algn="l" rtl="0">
               <a:spcBef>
                 <a:spcPts val="1200"/>
               </a:spcBef>
@@ -13321,7 +13397,7 @@
             <a:endParaRPr sz="4600"/>
           </a:p>
           <a:p>
-            <a:pPr indent="0" lvl="0" marL="0" rtl="0" algn="l">
+            <a:pPr marL="0" lvl="0" indent="0" algn="l" rtl="0">
               <a:spcBef>
                 <a:spcPts val="1200"/>
               </a:spcBef>
@@ -13337,7 +13413,7 @@
             <a:endParaRPr sz="4600"/>
           </a:p>
           <a:p>
-            <a:pPr indent="0" lvl="0" marL="0" rtl="0" algn="l">
+            <a:pPr marL="0" lvl="0" indent="0" algn="l" rtl="0">
               <a:spcBef>
                 <a:spcPts val="1200"/>
               </a:spcBef>
@@ -13363,11 +13439,11 @@
 </file>
 
 <file path=ppt/slides/slide3.xml><?xml version="1.0" encoding="utf-8"?>
-<p:sld xmlns:a="http://schemas.openxmlformats.org/drawingml/2006/main" xmlns:r="http://schemas.openxmlformats.org/officeDocument/2006/relationships" xmlns:mc="http://schemas.openxmlformats.org/markup-compatibility/2006" xmlns:mv="urn:schemas-microsoft-com:mac:vml" xmlns:p="http://schemas.openxmlformats.org/presentationml/2006/main" xmlns:c="http://schemas.openxmlformats.org/drawingml/2006/chart" xmlns:dgm="http://schemas.openxmlformats.org/drawingml/2006/diagram" xmlns:o="urn:schemas-microsoft-com:office:office" xmlns:v="urn:schemas-microsoft-com:vml" xmlns:pvml="urn:schemas-microsoft-com:office:powerpoint" xmlns:com="http://schemas.openxmlformats.org/drawingml/2006/compatibility" xmlns:p14="http://schemas.microsoft.com/office/powerpoint/2010/main" xmlns:p15="http://schemas.microsoft.com/office/powerpoint/2012/main" xmlns:ahyp="http://schemas.microsoft.com/office/drawing/2018/hyperlinkcolor">
+<p:sld xmlns:a="http://schemas.openxmlformats.org/drawingml/2006/main" xmlns:r="http://schemas.openxmlformats.org/officeDocument/2006/relationships" xmlns:p="http://schemas.openxmlformats.org/presentationml/2006/main">
   <p:cSld>
     <p:spTree>
       <p:nvGrpSpPr>
-        <p:cNvPr id="77" name="Shape 77"/>
+        <p:cNvPr id="1" name="Shape 77"/>
         <p:cNvGrpSpPr/>
         <p:nvPr/>
       </p:nvGrpSpPr>
@@ -13382,7 +13458,9 @@
       <p:sp>
         <p:nvSpPr>
           <p:cNvPr id="78" name="Google Shape;78;p15"/>
-          <p:cNvSpPr txBox="1"/>
+          <p:cNvSpPr txBox="1">
+            <a:spLocks noGrp="1"/>
+          </p:cNvSpPr>
           <p:nvPr>
             <p:ph type="title"/>
           </p:nvPr>
@@ -13397,12 +13475,12 @@
           </a:prstGeom>
         </p:spPr>
         <p:txBody>
-          <a:bodyPr anchorCtr="0" anchor="t" bIns="91425" lIns="91425" spcFirstLastPara="1" rIns="91425" wrap="square" tIns="91425">
+          <a:bodyPr spcFirstLastPara="1" wrap="square" lIns="91425" tIns="91425" rIns="91425" bIns="91425" anchor="t" anchorCtr="0">
             <a:normAutofit fontScale="90000"/>
           </a:bodyPr>
           <a:lstStyle/>
           <a:p>
-            <a:pPr indent="0" lvl="0" marL="0" rtl="0" algn="l">
+            <a:pPr marL="0" lvl="0" indent="0" algn="l" rtl="0">
               <a:spcBef>
                 <a:spcPts val="0"/>
               </a:spcBef>
@@ -13418,18 +13496,15 @@
             <a:endParaRPr/>
           </a:p>
           <a:p>
-            <a:pPr indent="0" lvl="0" marL="0" rtl="0" algn="l">
-              <a:spcBef>
-                <a:spcPts val="0"/>
-              </a:spcBef>
-              <a:spcAft>
-                <a:spcPts val="0"/>
-              </a:spcAft>
-              <a:buNone/>
-            </a:pPr>
-            <a:r>
-              <a:t/>
-            </a:r>
+            <a:pPr marL="0" lvl="0" indent="0" algn="l" rtl="0">
+              <a:spcBef>
+                <a:spcPts val="0"/>
+              </a:spcBef>
+              <a:spcAft>
+                <a:spcPts val="0"/>
+              </a:spcAft>
+              <a:buNone/>
+            </a:pPr>
             <a:endParaRPr/>
           </a:p>
         </p:txBody>
@@ -13437,9 +13512,11 @@
       <p:sp>
         <p:nvSpPr>
           <p:cNvPr id="79" name="Google Shape;79;p15"/>
-          <p:cNvSpPr txBox="1"/>
+          <p:cNvSpPr txBox="1">
+            <a:spLocks noGrp="1"/>
+          </p:cNvSpPr>
           <p:nvPr>
-            <p:ph idx="1" type="body"/>
+            <p:ph type="body" idx="1"/>
           </p:nvPr>
         </p:nvSpPr>
         <p:spPr>
@@ -13452,12 +13529,12 @@
           </a:prstGeom>
         </p:spPr>
         <p:txBody>
-          <a:bodyPr anchorCtr="0" anchor="t" bIns="91425" lIns="91425" spcFirstLastPara="1" rIns="91425" wrap="square" tIns="91425">
+          <a:bodyPr spcFirstLastPara="1" wrap="square" lIns="91425" tIns="91425" rIns="91425" bIns="91425" anchor="t" anchorCtr="0">
             <a:normAutofit/>
           </a:bodyPr>
           <a:lstStyle/>
           <a:p>
-            <a:pPr indent="-342900" lvl="0" marL="457200" rtl="0" algn="l">
+            <a:pPr marL="457200" lvl="0" indent="-342900" algn="l" rtl="0">
               <a:spcBef>
                 <a:spcPts val="0"/>
               </a:spcBef>
@@ -13485,7 +13562,7 @@
             </a:endParaRPr>
           </a:p>
           <a:p>
-            <a:pPr indent="-342900" lvl="0" marL="457200" rtl="0" algn="l">
+            <a:pPr marL="457200" lvl="0" indent="-342900" algn="l" rtl="0">
               <a:spcBef>
                 <a:spcPts val="0"/>
               </a:spcBef>
@@ -13504,23 +13581,7 @@
                   <a:srgbClr val="666666"/>
                 </a:solidFill>
               </a:rPr>
-              <a:t>Segmentation is a crucial step in it! </a:t>
-            </a:r>
-            <a:r>
-              <a:rPr lang="en">
-                <a:solidFill>
-                  <a:srgbClr val="666666"/>
-                </a:solidFill>
-              </a:rPr>
-              <a:t>According to wikipedia, segmentation is the processing of partitioning images into multiple segments.</a:t>
-            </a:r>
-            <a:r>
-              <a:rPr lang="en">
-                <a:solidFill>
-                  <a:srgbClr val="666666"/>
-                </a:solidFill>
-              </a:rPr>
-              <a:t> </a:t>
+              <a:t>Segmentation is a crucial step in it! According to wikipedia, segmentation is the processing of partitioning images into multiple segments. </a:t>
             </a:r>
             <a:endParaRPr>
               <a:solidFill>
@@ -13529,7 +13590,7 @@
             </a:endParaRPr>
           </a:p>
           <a:p>
-            <a:pPr indent="-342900" lvl="0" marL="457200" rtl="0" algn="l">
+            <a:pPr marL="457200" lvl="0" indent="-342900" algn="l" rtl="0">
               <a:spcBef>
                 <a:spcPts val="0"/>
               </a:spcBef>
@@ -13557,7 +13618,7 @@
             </a:endParaRPr>
           </a:p>
           <a:p>
-            <a:pPr indent="-342900" lvl="0" marL="457200" rtl="0" algn="l">
+            <a:pPr marL="457200" lvl="0" indent="-342900" algn="l" rtl="0">
               <a:spcBef>
                 <a:spcPts val="0"/>
               </a:spcBef>
@@ -13594,32 +13655,32 @@
   <p:timing>
     <p:tnLst>
       <p:par>
-        <p:cTn dur="indefinite" nodeType="tmRoot" restart="never">
+        <p:cTn id="1" dur="indefinite" restart="never" nodeType="tmRoot">
           <p:childTnLst>
             <p:seq concurrent="1" nextAc="seek">
-              <p:cTn dur="indefinite" id="2" nodeType="mainSeq">
+              <p:cTn id="2" dur="indefinite" nodeType="mainSeq">
                 <p:childTnLst>
                   <p:par>
-                    <p:cTn fill="hold">
+                    <p:cTn id="3" fill="hold">
                       <p:stCondLst>
                         <p:cond delay="indefinite"/>
                       </p:stCondLst>
                       <p:childTnLst>
                         <p:par>
-                          <p:cTn fill="hold">
+                          <p:cTn id="4" fill="hold">
                             <p:stCondLst>
                               <p:cond delay="0"/>
                             </p:stCondLst>
                             <p:childTnLst>
                               <p:par>
-                                <p:cTn fill="hold" nodeType="clickEffect" presetClass="entr" presetID="10" presetSubtype="0">
+                                <p:cTn id="5" presetID="10" presetClass="entr" presetSubtype="0" fill="hold" nodeType="clickEffect">
                                   <p:stCondLst>
                                     <p:cond delay="0"/>
                                   </p:stCondLst>
                                   <p:childTnLst>
                                     <p:set>
                                       <p:cBhvr>
-                                        <p:cTn dur="1" fill="hold">
+                                        <p:cTn id="6" dur="1" fill="hold">
                                           <p:stCondLst>
                                             <p:cond delay="0"/>
                                           </p:stCondLst>
@@ -13635,9 +13696,9 @@
                                         <p:strVal val="visible"/>
                                       </p:to>
                                     </p:set>
-                                    <p:animEffect filter="fade" transition="in">
+                                    <p:animEffect transition="in" filter="fade">
                                       <p:cBhvr>
-                                        <p:cTn dur="1000"/>
+                                        <p:cTn id="7" dur="1000"/>
                                         <p:tgtEl>
                                           <p:spTgt spid="79"/>
                                         </p:tgtEl>
@@ -13655,14 +13716,14 @@
                 </p:childTnLst>
               </p:cTn>
               <p:prevCondLst>
-                <p:cond evt="onPrev">
+                <p:cond evt="onPrev" delay="0">
                   <p:tgtEl>
                     <p:sldTgt/>
                   </p:tgtEl>
                 </p:cond>
               </p:prevCondLst>
               <p:nextCondLst>
-                <p:cond evt="onNext">
+                <p:cond evt="onNext" delay="0">
                   <p:tgtEl>
                     <p:sldTgt/>
                   </p:tgtEl>
@@ -13678,11 +13739,11 @@
 </file>
 
 <file path=ppt/slides/slide4.xml><?xml version="1.0" encoding="utf-8"?>
-<p:sld xmlns:a="http://schemas.openxmlformats.org/drawingml/2006/main" xmlns:r="http://schemas.openxmlformats.org/officeDocument/2006/relationships" xmlns:mc="http://schemas.openxmlformats.org/markup-compatibility/2006" xmlns:mv="urn:schemas-microsoft-com:mac:vml" xmlns:p="http://schemas.openxmlformats.org/presentationml/2006/main" xmlns:c="http://schemas.openxmlformats.org/drawingml/2006/chart" xmlns:dgm="http://schemas.openxmlformats.org/drawingml/2006/diagram" xmlns:o="urn:schemas-microsoft-com:office:office" xmlns:v="urn:schemas-microsoft-com:vml" xmlns:pvml="urn:schemas-microsoft-com:office:powerpoint" xmlns:com="http://schemas.openxmlformats.org/drawingml/2006/compatibility" xmlns:p14="http://schemas.microsoft.com/office/powerpoint/2010/main" xmlns:p15="http://schemas.microsoft.com/office/powerpoint/2012/main" xmlns:ahyp="http://schemas.microsoft.com/office/drawing/2018/hyperlinkcolor">
+<p:sld xmlns:a="http://schemas.openxmlformats.org/drawingml/2006/main" xmlns:r="http://schemas.openxmlformats.org/officeDocument/2006/relationships" xmlns:p="http://schemas.openxmlformats.org/presentationml/2006/main">
   <p:cSld>
     <p:spTree>
       <p:nvGrpSpPr>
-        <p:cNvPr id="83" name="Shape 83"/>
+        <p:cNvPr id="1" name="Shape 83"/>
         <p:cNvGrpSpPr/>
         <p:nvPr/>
       </p:nvGrpSpPr>
@@ -13697,7 +13758,9 @@
       <p:sp>
         <p:nvSpPr>
           <p:cNvPr id="84" name="Google Shape;84;p16"/>
-          <p:cNvSpPr txBox="1"/>
+          <p:cNvSpPr txBox="1">
+            <a:spLocks noGrp="1"/>
+          </p:cNvSpPr>
           <p:nvPr>
             <p:ph type="title"/>
           </p:nvPr>
@@ -13712,12 +13775,12 @@
           </a:prstGeom>
         </p:spPr>
         <p:txBody>
-          <a:bodyPr anchorCtr="0" anchor="t" bIns="91425" lIns="91425" spcFirstLastPara="1" rIns="91425" wrap="square" tIns="91425">
+          <a:bodyPr spcFirstLastPara="1" wrap="square" lIns="91425" tIns="91425" rIns="91425" bIns="91425" anchor="t" anchorCtr="0">
             <a:normAutofit fontScale="90000"/>
           </a:bodyPr>
           <a:lstStyle/>
           <a:p>
-            <a:pPr indent="0" lvl="0" marL="0" rtl="0" algn="l">
+            <a:pPr marL="0" lvl="0" indent="0" algn="l" rtl="0">
               <a:spcBef>
                 <a:spcPts val="0"/>
               </a:spcBef>
@@ -13737,9 +13800,11 @@
       <p:sp>
         <p:nvSpPr>
           <p:cNvPr id="85" name="Google Shape;85;p16"/>
-          <p:cNvSpPr txBox="1"/>
+          <p:cNvSpPr txBox="1">
+            <a:spLocks noGrp="1"/>
+          </p:cNvSpPr>
           <p:nvPr>
-            <p:ph idx="1" type="body"/>
+            <p:ph type="body" idx="1"/>
           </p:nvPr>
         </p:nvSpPr>
         <p:spPr>
@@ -13752,12 +13817,12 @@
           </a:prstGeom>
         </p:spPr>
         <p:txBody>
-          <a:bodyPr anchorCtr="0" anchor="t" bIns="91425" lIns="91425" spcFirstLastPara="1" rIns="91425" wrap="square" tIns="91425">
+          <a:bodyPr spcFirstLastPara="1" wrap="square" lIns="91425" tIns="91425" rIns="91425" bIns="91425" anchor="t" anchorCtr="0">
             <a:normAutofit/>
           </a:bodyPr>
           <a:lstStyle/>
           <a:p>
-            <a:pPr indent="0" lvl="0" marL="0" rtl="0" algn="l">
+            <a:pPr marL="0" lvl="0" indent="0" algn="l" rtl="0">
               <a:spcBef>
                 <a:spcPts val="0"/>
               </a:spcBef>
@@ -13766,9 +13831,6 @@
               </a:spcAft>
               <a:buNone/>
             </a:pPr>
-            <a:r>
-              <a:t/>
-            </a:r>
             <a:endParaRPr/>
           </a:p>
         </p:txBody>
@@ -13783,7 +13845,7 @@
           <a:blip r:embed="rId3">
             <a:alphaModFix/>
           </a:blip>
-          <a:srcRect b="32212" l="13360" r="48281" t="36728"/>
+          <a:srcRect l="13360" t="36728" r="48281" b="32212"/>
           <a:stretch/>
         </p:blipFill>
         <p:spPr>
@@ -13809,11 +13871,11 @@
 </file>
 
 <file path=ppt/slides/slide5.xml><?xml version="1.0" encoding="utf-8"?>
-<p:sld xmlns:a="http://schemas.openxmlformats.org/drawingml/2006/main" xmlns:r="http://schemas.openxmlformats.org/officeDocument/2006/relationships" xmlns:mc="http://schemas.openxmlformats.org/markup-compatibility/2006" xmlns:mv="urn:schemas-microsoft-com:mac:vml" xmlns:p="http://schemas.openxmlformats.org/presentationml/2006/main" xmlns:c="http://schemas.openxmlformats.org/drawingml/2006/chart" xmlns:dgm="http://schemas.openxmlformats.org/drawingml/2006/diagram" xmlns:o="urn:schemas-microsoft-com:office:office" xmlns:v="urn:schemas-microsoft-com:vml" xmlns:pvml="urn:schemas-microsoft-com:office:powerpoint" xmlns:com="http://schemas.openxmlformats.org/drawingml/2006/compatibility" xmlns:p14="http://schemas.microsoft.com/office/powerpoint/2010/main" xmlns:p15="http://schemas.microsoft.com/office/powerpoint/2012/main" xmlns:ahyp="http://schemas.microsoft.com/office/drawing/2018/hyperlinkcolor">
+<p:sld xmlns:a="http://schemas.openxmlformats.org/drawingml/2006/main" xmlns:r="http://schemas.openxmlformats.org/officeDocument/2006/relationships" xmlns:p="http://schemas.openxmlformats.org/presentationml/2006/main">
   <p:cSld>
     <p:spTree>
       <p:nvGrpSpPr>
-        <p:cNvPr id="90" name="Shape 90"/>
+        <p:cNvPr id="1" name="Shape 90"/>
         <p:cNvGrpSpPr/>
         <p:nvPr/>
       </p:nvGrpSpPr>
@@ -13828,7 +13890,9 @@
       <p:sp>
         <p:nvSpPr>
           <p:cNvPr id="91" name="Google Shape;91;p17"/>
-          <p:cNvSpPr txBox="1"/>
+          <p:cNvSpPr txBox="1">
+            <a:spLocks noGrp="1"/>
+          </p:cNvSpPr>
           <p:nvPr>
             <p:ph type="title"/>
           </p:nvPr>
@@ -13843,12 +13907,12 @@
           </a:prstGeom>
         </p:spPr>
         <p:txBody>
-          <a:bodyPr anchorCtr="0" anchor="t" bIns="91425" lIns="91425" spcFirstLastPara="1" rIns="91425" wrap="square" tIns="91425">
+          <a:bodyPr spcFirstLastPara="1" wrap="square" lIns="91425" tIns="91425" rIns="91425" bIns="91425" anchor="t" anchorCtr="0">
             <a:normAutofit fontScale="90000"/>
           </a:bodyPr>
           <a:lstStyle/>
           <a:p>
-            <a:pPr indent="0" lvl="0" marL="0" rtl="0" algn="l">
+            <a:pPr marL="0" lvl="0" indent="0" algn="l" rtl="0">
               <a:spcBef>
                 <a:spcPts val="0"/>
               </a:spcBef>
@@ -13868,9 +13932,11 @@
       <p:sp>
         <p:nvSpPr>
           <p:cNvPr id="92" name="Google Shape;92;p17"/>
-          <p:cNvSpPr txBox="1"/>
+          <p:cNvSpPr txBox="1">
+            <a:spLocks noGrp="1"/>
+          </p:cNvSpPr>
           <p:nvPr>
-            <p:ph idx="1" type="body"/>
+            <p:ph type="body" idx="1"/>
           </p:nvPr>
         </p:nvSpPr>
         <p:spPr>
@@ -13883,12 +13949,12 @@
           </a:prstGeom>
         </p:spPr>
         <p:txBody>
-          <a:bodyPr anchorCtr="0" anchor="t" bIns="91425" lIns="91425" spcFirstLastPara="1" rIns="91425" wrap="square" tIns="91425">
+          <a:bodyPr spcFirstLastPara="1" wrap="square" lIns="91425" tIns="91425" rIns="91425" bIns="91425" anchor="t" anchorCtr="0">
             <a:normAutofit/>
           </a:bodyPr>
           <a:lstStyle/>
           <a:p>
-            <a:pPr indent="0" lvl="0" marL="0" rtl="0" algn="l">
+            <a:pPr marL="0" lvl="0" indent="0" algn="l" rtl="0">
               <a:spcBef>
                 <a:spcPts val="0"/>
               </a:spcBef>
@@ -13908,9 +13974,11 @@
       <p:sp>
         <p:nvSpPr>
           <p:cNvPr id="93" name="Google Shape;93;p17"/>
-          <p:cNvSpPr txBox="1"/>
+          <p:cNvSpPr txBox="1">
+            <a:spLocks noGrp="1"/>
+          </p:cNvSpPr>
           <p:nvPr>
-            <p:ph idx="2" type="body"/>
+            <p:ph type="body" idx="2"/>
           </p:nvPr>
         </p:nvSpPr>
         <p:spPr>
@@ -13923,12 +13991,12 @@
           </a:prstGeom>
         </p:spPr>
         <p:txBody>
-          <a:bodyPr anchorCtr="0" anchor="t" bIns="91425" lIns="91425" spcFirstLastPara="1" rIns="91425" wrap="square" tIns="91425">
+          <a:bodyPr spcFirstLastPara="1" wrap="square" lIns="91425" tIns="91425" rIns="91425" bIns="91425" anchor="t" anchorCtr="0">
             <a:normAutofit/>
           </a:bodyPr>
           <a:lstStyle/>
           <a:p>
-            <a:pPr indent="0" lvl="0" marL="0" rtl="0" algn="l">
+            <a:pPr marL="0" lvl="0" indent="0" algn="l" rtl="0">
               <a:spcBef>
                 <a:spcPts val="0"/>
               </a:spcBef>
@@ -13939,16 +14007,12 @@
             </a:pPr>
             <a:r>
               <a:rPr lang="en"/>
-              <a:t>                         </a:t>
-            </a:r>
-            <a:r>
-              <a:rPr lang="en"/>
-              <a:t>Testing Image</a:t>
+              <a:t>                         Testing Image</a:t>
             </a:r>
             <a:endParaRPr/>
           </a:p>
           <a:p>
-            <a:pPr indent="0" lvl="0" marL="0" rtl="0" algn="l">
+            <a:pPr marL="0" lvl="0" indent="0" algn="l" rtl="0">
               <a:spcBef>
                 <a:spcPts val="1200"/>
               </a:spcBef>
@@ -13957,13 +14021,10 @@
               </a:spcAft>
               <a:buNone/>
             </a:pPr>
-            <a:r>
-              <a:t/>
-            </a:r>
             <a:endParaRPr/>
           </a:p>
           <a:p>
-            <a:pPr indent="0" lvl="0" marL="0" rtl="0" algn="l">
+            <a:pPr marL="0" lvl="0" indent="0" algn="l" rtl="0">
               <a:spcBef>
                 <a:spcPts val="1200"/>
               </a:spcBef>
@@ -13972,13 +14033,10 @@
               </a:spcAft>
               <a:buNone/>
             </a:pPr>
-            <a:r>
-              <a:t/>
-            </a:r>
             <a:endParaRPr/>
           </a:p>
           <a:p>
-            <a:pPr indent="0" lvl="0" marL="0" rtl="0" algn="l">
+            <a:pPr marL="0" lvl="0" indent="0" algn="l" rtl="0">
               <a:spcBef>
                 <a:spcPts val="1200"/>
               </a:spcBef>
@@ -13987,13 +14045,10 @@
               </a:spcAft>
               <a:buNone/>
             </a:pPr>
-            <a:r>
-              <a:t/>
-            </a:r>
             <a:endParaRPr/>
           </a:p>
           <a:p>
-            <a:pPr indent="0" lvl="0" marL="0" rtl="0" algn="l">
+            <a:pPr marL="0" lvl="0" indent="0" algn="l" rtl="0">
               <a:spcBef>
                 <a:spcPts val="1200"/>
               </a:spcBef>
@@ -14002,13 +14057,10 @@
               </a:spcAft>
               <a:buNone/>
             </a:pPr>
-            <a:r>
-              <a:t/>
-            </a:r>
             <a:endParaRPr/>
           </a:p>
           <a:p>
-            <a:pPr indent="0" lvl="0" marL="0" rtl="0" algn="l">
+            <a:pPr marL="0" lvl="0" indent="0" algn="l" rtl="0">
               <a:spcBef>
                 <a:spcPts val="1200"/>
               </a:spcBef>
@@ -14017,13 +14069,10 @@
               </a:spcAft>
               <a:buNone/>
             </a:pPr>
-            <a:r>
-              <a:t/>
-            </a:r>
             <a:endParaRPr/>
           </a:p>
           <a:p>
-            <a:pPr indent="0" lvl="0" marL="0" rtl="0" algn="l">
+            <a:pPr marL="0" lvl="0" indent="0" algn="l" rtl="0">
               <a:spcBef>
                 <a:spcPts val="1200"/>
               </a:spcBef>
@@ -14032,13 +14081,10 @@
               </a:spcAft>
               <a:buNone/>
             </a:pPr>
-            <a:r>
-              <a:t/>
-            </a:r>
             <a:endParaRPr/>
           </a:p>
           <a:p>
-            <a:pPr indent="0" lvl="0" marL="0" rtl="0" algn="l">
+            <a:pPr marL="0" lvl="0" indent="0" algn="l" rtl="0">
               <a:spcBef>
                 <a:spcPts val="1200"/>
               </a:spcBef>
@@ -14047,13 +14093,10 @@
               </a:spcAft>
               <a:buNone/>
             </a:pPr>
-            <a:r>
-              <a:t/>
-            </a:r>
             <a:endParaRPr/>
           </a:p>
           <a:p>
-            <a:pPr indent="0" lvl="0" marL="0" rtl="0" algn="l">
+            <a:pPr marL="0" lvl="0" indent="0" algn="l" rtl="0">
               <a:lnSpc>
                 <a:spcPct val="100000"/>
               </a:lnSpc>
@@ -14094,7 +14137,7 @@
             </a:endParaRPr>
           </a:p>
           <a:p>
-            <a:pPr indent="0" lvl="0" marL="0" rtl="0" algn="l">
+            <a:pPr marL="0" lvl="0" indent="0" algn="l" rtl="0">
               <a:lnSpc>
                 <a:spcPct val="100000"/>
               </a:lnSpc>
@@ -14190,11 +14233,11 @@
 </file>
 
 <file path=ppt/slides/slide6.xml><?xml version="1.0" encoding="utf-8"?>
-<p:sld xmlns:a="http://schemas.openxmlformats.org/drawingml/2006/main" xmlns:r="http://schemas.openxmlformats.org/officeDocument/2006/relationships" xmlns:mc="http://schemas.openxmlformats.org/markup-compatibility/2006" xmlns:mv="urn:schemas-microsoft-com:mac:vml" xmlns:p="http://schemas.openxmlformats.org/presentationml/2006/main" xmlns:c="http://schemas.openxmlformats.org/drawingml/2006/chart" xmlns:dgm="http://schemas.openxmlformats.org/drawingml/2006/diagram" xmlns:o="urn:schemas-microsoft-com:office:office" xmlns:v="urn:schemas-microsoft-com:vml" xmlns:pvml="urn:schemas-microsoft-com:office:powerpoint" xmlns:com="http://schemas.openxmlformats.org/drawingml/2006/compatibility" xmlns:p14="http://schemas.microsoft.com/office/powerpoint/2010/main" xmlns:p15="http://schemas.microsoft.com/office/powerpoint/2012/main" xmlns:ahyp="http://schemas.microsoft.com/office/drawing/2018/hyperlinkcolor">
+<p:sld xmlns:a="http://schemas.openxmlformats.org/drawingml/2006/main" xmlns:r="http://schemas.openxmlformats.org/officeDocument/2006/relationships" xmlns:p="http://schemas.openxmlformats.org/presentationml/2006/main">
   <p:cSld>
     <p:spTree>
       <p:nvGrpSpPr>
-        <p:cNvPr id="99" name="Shape 99"/>
+        <p:cNvPr id="1" name="Shape 99"/>
         <p:cNvGrpSpPr/>
         <p:nvPr/>
       </p:nvGrpSpPr>
@@ -14209,7 +14252,9 @@
       <p:sp>
         <p:nvSpPr>
           <p:cNvPr id="100" name="Google Shape;100;p18"/>
-          <p:cNvSpPr txBox="1"/>
+          <p:cNvSpPr txBox="1">
+            <a:spLocks noGrp="1"/>
+          </p:cNvSpPr>
           <p:nvPr>
             <p:ph type="title"/>
           </p:nvPr>
@@ -14224,12 +14269,12 @@
           </a:prstGeom>
         </p:spPr>
         <p:txBody>
-          <a:bodyPr anchorCtr="0" anchor="t" bIns="91425" lIns="91425" spcFirstLastPara="1" rIns="91425" wrap="square" tIns="91425">
+          <a:bodyPr spcFirstLastPara="1" wrap="square" lIns="91425" tIns="91425" rIns="91425" bIns="91425" anchor="t" anchorCtr="0">
             <a:normAutofit fontScale="90000"/>
           </a:bodyPr>
           <a:lstStyle/>
           <a:p>
-            <a:pPr indent="0" lvl="0" marL="0" rtl="0" algn="l">
+            <a:pPr marL="0" lvl="0" indent="0" algn="l" rtl="0">
               <a:spcBef>
                 <a:spcPts val="0"/>
               </a:spcBef>
@@ -14249,9 +14294,11 @@
       <p:sp>
         <p:nvSpPr>
           <p:cNvPr id="101" name="Google Shape;101;p18"/>
-          <p:cNvSpPr txBox="1"/>
+          <p:cNvSpPr txBox="1">
+            <a:spLocks noGrp="1"/>
+          </p:cNvSpPr>
           <p:nvPr>
-            <p:ph idx="1" type="body"/>
+            <p:ph type="body" idx="1"/>
           </p:nvPr>
         </p:nvSpPr>
         <p:spPr>
@@ -14264,12 +14311,12 @@
           </a:prstGeom>
         </p:spPr>
         <p:txBody>
-          <a:bodyPr anchorCtr="0" anchor="t" bIns="91425" lIns="91425" spcFirstLastPara="1" rIns="91425" wrap="square" tIns="91425">
+          <a:bodyPr spcFirstLastPara="1" wrap="square" lIns="91425" tIns="91425" rIns="91425" bIns="91425" anchor="t" anchorCtr="0">
             <a:normAutofit/>
           </a:bodyPr>
           <a:lstStyle/>
           <a:p>
-            <a:pPr indent="0" lvl="0" marL="0" rtl="0" algn="l">
+            <a:pPr marL="0" lvl="0" indent="0" algn="l" rtl="0">
               <a:spcBef>
                 <a:spcPts val="0"/>
               </a:spcBef>
@@ -14285,7 +14332,7 @@
             <a:endParaRPr/>
           </a:p>
           <a:p>
-            <a:pPr indent="0" lvl="0" marL="0" rtl="0" algn="l">
+            <a:pPr marL="0" lvl="0" indent="0" algn="l" rtl="0">
               <a:spcBef>
                 <a:spcPts val="1200"/>
               </a:spcBef>
@@ -14294,9 +14341,6 @@
               </a:spcAft>
               <a:buNone/>
             </a:pPr>
-            <a:r>
-              <a:t/>
-            </a:r>
             <a:endParaRPr/>
           </a:p>
         </p:txBody>
@@ -14304,9 +14348,11 @@
       <p:sp>
         <p:nvSpPr>
           <p:cNvPr id="102" name="Google Shape;102;p18"/>
-          <p:cNvSpPr txBox="1"/>
+          <p:cNvSpPr txBox="1">
+            <a:spLocks noGrp="1"/>
+          </p:cNvSpPr>
           <p:nvPr>
-            <p:ph idx="2" type="body"/>
+            <p:ph type="body" idx="2"/>
           </p:nvPr>
         </p:nvSpPr>
         <p:spPr>
@@ -14319,12 +14365,12 @@
           </a:prstGeom>
         </p:spPr>
         <p:txBody>
-          <a:bodyPr anchorCtr="0" anchor="t" bIns="91425" lIns="91425" spcFirstLastPara="1" rIns="91425" wrap="square" tIns="91425">
+          <a:bodyPr spcFirstLastPara="1" wrap="square" lIns="91425" tIns="91425" rIns="91425" bIns="91425" anchor="t" anchorCtr="0">
             <a:normAutofit/>
           </a:bodyPr>
           <a:lstStyle/>
           <a:p>
-            <a:pPr indent="0" lvl="0" marL="0" rtl="0" algn="l">
+            <a:pPr marL="0" lvl="0" indent="0" algn="l" rtl="0">
               <a:spcBef>
                 <a:spcPts val="0"/>
               </a:spcBef>
@@ -14340,7 +14386,7 @@
             <a:endParaRPr/>
           </a:p>
           <a:p>
-            <a:pPr indent="0" lvl="0" marL="0" rtl="0" algn="l">
+            <a:pPr marL="0" lvl="0" indent="0" algn="l" rtl="0">
               <a:spcBef>
                 <a:spcPts val="1200"/>
               </a:spcBef>
@@ -14349,9 +14395,6 @@
               </a:spcAft>
               <a:buNone/>
             </a:pPr>
-            <a:r>
-              <a:t/>
-            </a:r>
             <a:endParaRPr/>
           </a:p>
         </p:txBody>
@@ -14394,7 +14437,7 @@
           <a:blip r:embed="rId4">
             <a:alphaModFix/>
           </a:blip>
-          <a:srcRect b="0" l="2560" r="-2560" t="6480"/>
+          <a:srcRect l="2560" t="6480" r="-2560"/>
           <a:stretch/>
         </p:blipFill>
         <p:spPr>
@@ -14420,11 +14463,11 @@
 </file>
 
 <file path=ppt/slides/slide7.xml><?xml version="1.0" encoding="utf-8"?>
-<p:sld xmlns:a="http://schemas.openxmlformats.org/drawingml/2006/main" xmlns:r="http://schemas.openxmlformats.org/officeDocument/2006/relationships" xmlns:mc="http://schemas.openxmlformats.org/markup-compatibility/2006" xmlns:mv="urn:schemas-microsoft-com:mac:vml" xmlns:p="http://schemas.openxmlformats.org/presentationml/2006/main" xmlns:c="http://schemas.openxmlformats.org/drawingml/2006/chart" xmlns:dgm="http://schemas.openxmlformats.org/drawingml/2006/diagram" xmlns:o="urn:schemas-microsoft-com:office:office" xmlns:v="urn:schemas-microsoft-com:vml" xmlns:pvml="urn:schemas-microsoft-com:office:powerpoint" xmlns:com="http://schemas.openxmlformats.org/drawingml/2006/compatibility" xmlns:p14="http://schemas.microsoft.com/office/powerpoint/2010/main" xmlns:p15="http://schemas.microsoft.com/office/powerpoint/2012/main" xmlns:ahyp="http://schemas.microsoft.com/office/drawing/2018/hyperlinkcolor">
+<p:sld xmlns:a="http://schemas.openxmlformats.org/drawingml/2006/main" xmlns:r="http://schemas.openxmlformats.org/officeDocument/2006/relationships" xmlns:p="http://schemas.openxmlformats.org/presentationml/2006/main">
   <p:cSld>
     <p:spTree>
       <p:nvGrpSpPr>
-        <p:cNvPr id="108" name="Shape 108"/>
+        <p:cNvPr id="1" name="Shape 108"/>
         <p:cNvGrpSpPr/>
         <p:nvPr/>
       </p:nvGrpSpPr>
@@ -14439,7 +14482,9 @@
       <p:sp>
         <p:nvSpPr>
           <p:cNvPr id="109" name="Google Shape;109;p19"/>
-          <p:cNvSpPr txBox="1"/>
+          <p:cNvSpPr txBox="1">
+            <a:spLocks noGrp="1"/>
+          </p:cNvSpPr>
           <p:nvPr>
             <p:ph type="title"/>
           </p:nvPr>
@@ -14454,12 +14499,12 @@
           </a:prstGeom>
         </p:spPr>
         <p:txBody>
-          <a:bodyPr anchorCtr="0" anchor="t" bIns="91425" lIns="91425" spcFirstLastPara="1" rIns="91425" wrap="square" tIns="91425">
+          <a:bodyPr spcFirstLastPara="1" wrap="square" lIns="91425" tIns="91425" rIns="91425" bIns="91425" anchor="t" anchorCtr="0">
             <a:normAutofit fontScale="90000"/>
           </a:bodyPr>
           <a:lstStyle/>
           <a:p>
-            <a:pPr indent="0" lvl="0" marL="0" rtl="0" algn="l">
+            <a:pPr marL="0" lvl="0" indent="0" algn="l" rtl="0">
               <a:spcBef>
                 <a:spcPts val="0"/>
               </a:spcBef>
@@ -14479,9 +14524,11 @@
       <p:sp>
         <p:nvSpPr>
           <p:cNvPr id="110" name="Google Shape;110;p19"/>
-          <p:cNvSpPr txBox="1"/>
+          <p:cNvSpPr txBox="1">
+            <a:spLocks noGrp="1"/>
+          </p:cNvSpPr>
           <p:nvPr>
-            <p:ph idx="1" type="body"/>
+            <p:ph type="body" idx="1"/>
           </p:nvPr>
         </p:nvSpPr>
         <p:spPr>
@@ -14494,12 +14541,12 @@
           </a:prstGeom>
         </p:spPr>
         <p:txBody>
-          <a:bodyPr anchorCtr="0" anchor="t" bIns="91425" lIns="91425" spcFirstLastPara="1" rIns="91425" wrap="square" tIns="91425">
+          <a:bodyPr spcFirstLastPara="1" wrap="square" lIns="91425" tIns="91425" rIns="91425" bIns="91425" anchor="t" anchorCtr="0">
             <a:normAutofit/>
           </a:bodyPr>
           <a:lstStyle/>
           <a:p>
-            <a:pPr indent="0" lvl="0" marL="0" rtl="0" algn="l">
+            <a:pPr marL="0" lvl="0" indent="0" algn="l" rtl="0">
               <a:spcBef>
                 <a:spcPts val="0"/>
               </a:spcBef>
@@ -14515,7 +14562,7 @@
             <a:endParaRPr/>
           </a:p>
           <a:p>
-            <a:pPr indent="0" lvl="0" marL="0" rtl="0" algn="l">
+            <a:pPr marL="0" lvl="0" indent="0" algn="l" rtl="0">
               <a:spcBef>
                 <a:spcPts val="1200"/>
               </a:spcBef>
@@ -14524,9 +14571,6 @@
               </a:spcAft>
               <a:buNone/>
             </a:pPr>
-            <a:r>
-              <a:t/>
-            </a:r>
             <a:endParaRPr/>
           </a:p>
         </p:txBody>
@@ -14534,9 +14578,11 @@
       <p:sp>
         <p:nvSpPr>
           <p:cNvPr id="111" name="Google Shape;111;p19"/>
-          <p:cNvSpPr txBox="1"/>
+          <p:cNvSpPr txBox="1">
+            <a:spLocks noGrp="1"/>
+          </p:cNvSpPr>
           <p:nvPr>
-            <p:ph idx="2" type="body"/>
+            <p:ph type="body" idx="2"/>
           </p:nvPr>
         </p:nvSpPr>
         <p:spPr>
@@ -14549,12 +14595,12 @@
           </a:prstGeom>
         </p:spPr>
         <p:txBody>
-          <a:bodyPr anchorCtr="0" anchor="t" bIns="91425" lIns="91425" spcFirstLastPara="1" rIns="91425" wrap="square" tIns="91425">
+          <a:bodyPr spcFirstLastPara="1" wrap="square" lIns="91425" tIns="91425" rIns="91425" bIns="91425" anchor="t" anchorCtr="0">
             <a:normAutofit/>
           </a:bodyPr>
           <a:lstStyle/>
           <a:p>
-            <a:pPr indent="0" lvl="0" marL="0" rtl="0" algn="l">
+            <a:pPr marL="0" lvl="0" indent="0" algn="l" rtl="0">
               <a:spcBef>
                 <a:spcPts val="0"/>
               </a:spcBef>
@@ -14570,7 +14616,7 @@
             <a:endParaRPr/>
           </a:p>
           <a:p>
-            <a:pPr indent="0" lvl="0" marL="0" rtl="0" algn="l">
+            <a:pPr marL="0" lvl="0" indent="0" algn="l" rtl="0">
               <a:spcBef>
                 <a:spcPts val="1200"/>
               </a:spcBef>
@@ -14579,9 +14625,6 @@
               </a:spcAft>
               <a:buNone/>
             </a:pPr>
-            <a:r>
-              <a:t/>
-            </a:r>
             <a:endParaRPr/>
           </a:p>
         </p:txBody>
@@ -14596,7 +14639,7 @@
           <a:blip r:embed="rId3">
             <a:alphaModFix/>
           </a:blip>
-          <a:srcRect b="5175" l="7672" r="0" t="6054"/>
+          <a:srcRect l="7672" t="6054" b="5175"/>
           <a:stretch/>
         </p:blipFill>
         <p:spPr>
@@ -14650,11 +14693,11 @@
 </file>
 
 <file path=ppt/slides/slide8.xml><?xml version="1.0" encoding="utf-8"?>
-<p:sld xmlns:a="http://schemas.openxmlformats.org/drawingml/2006/main" xmlns:r="http://schemas.openxmlformats.org/officeDocument/2006/relationships" xmlns:mc="http://schemas.openxmlformats.org/markup-compatibility/2006" xmlns:mv="urn:schemas-microsoft-com:mac:vml" xmlns:p="http://schemas.openxmlformats.org/presentationml/2006/main" xmlns:c="http://schemas.openxmlformats.org/drawingml/2006/chart" xmlns:dgm="http://schemas.openxmlformats.org/drawingml/2006/diagram" xmlns:o="urn:schemas-microsoft-com:office:office" xmlns:v="urn:schemas-microsoft-com:vml" xmlns:pvml="urn:schemas-microsoft-com:office:powerpoint" xmlns:com="http://schemas.openxmlformats.org/drawingml/2006/compatibility" xmlns:p14="http://schemas.microsoft.com/office/powerpoint/2010/main" xmlns:p15="http://schemas.microsoft.com/office/powerpoint/2012/main" xmlns:ahyp="http://schemas.microsoft.com/office/drawing/2018/hyperlinkcolor">
+<p:sld xmlns:a="http://schemas.openxmlformats.org/drawingml/2006/main" xmlns:r="http://schemas.openxmlformats.org/officeDocument/2006/relationships" xmlns:p="http://schemas.openxmlformats.org/presentationml/2006/main">
   <p:cSld>
     <p:spTree>
       <p:nvGrpSpPr>
-        <p:cNvPr id="117" name="Shape 117"/>
+        <p:cNvPr id="1" name="Shape 117"/>
         <p:cNvGrpSpPr/>
         <p:nvPr/>
       </p:nvGrpSpPr>
@@ -14669,7 +14712,9 @@
       <p:sp>
         <p:nvSpPr>
           <p:cNvPr id="118" name="Google Shape;118;p20"/>
-          <p:cNvSpPr txBox="1"/>
+          <p:cNvSpPr txBox="1">
+            <a:spLocks noGrp="1"/>
+          </p:cNvSpPr>
           <p:nvPr>
             <p:ph type="title"/>
           </p:nvPr>
@@ -14684,12 +14729,12 @@
           </a:prstGeom>
         </p:spPr>
         <p:txBody>
-          <a:bodyPr anchorCtr="0" anchor="t" bIns="91425" lIns="91425" spcFirstLastPara="1" rIns="91425" wrap="square" tIns="91425">
+          <a:bodyPr spcFirstLastPara="1" wrap="square" lIns="91425" tIns="91425" rIns="91425" bIns="91425" anchor="t" anchorCtr="0">
             <a:normAutofit fontScale="90000"/>
           </a:bodyPr>
           <a:lstStyle/>
           <a:p>
-            <a:pPr indent="0" lvl="0" marL="0" rtl="0" algn="l">
+            <a:pPr marL="0" lvl="0" indent="0" algn="l" rtl="0">
               <a:spcBef>
                 <a:spcPts val="0"/>
               </a:spcBef>
@@ -14709,9 +14754,11 @@
       <p:sp>
         <p:nvSpPr>
           <p:cNvPr id="119" name="Google Shape;119;p20"/>
-          <p:cNvSpPr txBox="1"/>
+          <p:cNvSpPr txBox="1">
+            <a:spLocks noGrp="1"/>
+          </p:cNvSpPr>
           <p:nvPr>
-            <p:ph idx="4294967295" type="body"/>
+            <p:ph type="body" idx="4294967295"/>
           </p:nvPr>
         </p:nvSpPr>
         <p:spPr>
@@ -14724,12 +14771,12 @@
           </a:prstGeom>
         </p:spPr>
         <p:txBody>
-          <a:bodyPr anchorCtr="0" anchor="t" bIns="91425" lIns="91425" spcFirstLastPara="1" rIns="91425" wrap="square" tIns="91425">
+          <a:bodyPr spcFirstLastPara="1" wrap="square" lIns="91425" tIns="91425" rIns="91425" bIns="91425" anchor="t" anchorCtr="0">
             <a:normAutofit/>
           </a:bodyPr>
           <a:lstStyle/>
           <a:p>
-            <a:pPr indent="0" lvl="0" marL="0" rtl="0" algn="l">
+            <a:pPr marL="0" lvl="0" indent="0" algn="l" rtl="0">
               <a:spcBef>
                 <a:spcPts val="0"/>
               </a:spcBef>
@@ -14745,7 +14792,7 @@
             <a:endParaRPr/>
           </a:p>
           <a:p>
-            <a:pPr indent="0" lvl="0" marL="0" rtl="0" algn="l">
+            <a:pPr marL="0" lvl="0" indent="0" algn="l" rtl="0">
               <a:spcBef>
                 <a:spcPts val="1200"/>
               </a:spcBef>
@@ -14754,13 +14801,10 @@
               </a:spcAft>
               <a:buNone/>
             </a:pPr>
-            <a:r>
-              <a:t/>
-            </a:r>
             <a:endParaRPr/>
           </a:p>
           <a:p>
-            <a:pPr indent="0" lvl="0" marL="0" rtl="0" algn="l">
+            <a:pPr marL="0" lvl="0" indent="0" algn="l" rtl="0">
               <a:spcBef>
                 <a:spcPts val="1200"/>
               </a:spcBef>
@@ -14769,9 +14813,6 @@
               </a:spcAft>
               <a:buNone/>
             </a:pPr>
-            <a:r>
-              <a:t/>
-            </a:r>
             <a:endParaRPr/>
           </a:p>
         </p:txBody>
@@ -14786,7 +14827,7 @@
           <a:blip r:embed="rId3">
             <a:alphaModFix/>
           </a:blip>
-          <a:srcRect b="0" l="0" r="0" t="6252"/>
+          <a:srcRect t="6252"/>
           <a:stretch/>
         </p:blipFill>
         <p:spPr>
@@ -14812,11 +14853,11 @@
 </file>
 
 <file path=ppt/slides/slide9.xml><?xml version="1.0" encoding="utf-8"?>
-<p:sld xmlns:a="http://schemas.openxmlformats.org/drawingml/2006/main" xmlns:r="http://schemas.openxmlformats.org/officeDocument/2006/relationships" xmlns:mc="http://schemas.openxmlformats.org/markup-compatibility/2006" xmlns:mv="urn:schemas-microsoft-com:mac:vml" xmlns:p="http://schemas.openxmlformats.org/presentationml/2006/main" xmlns:c="http://schemas.openxmlformats.org/drawingml/2006/chart" xmlns:dgm="http://schemas.openxmlformats.org/drawingml/2006/diagram" xmlns:o="urn:schemas-microsoft-com:office:office" xmlns:v="urn:schemas-microsoft-com:vml" xmlns:pvml="urn:schemas-microsoft-com:office:powerpoint" xmlns:com="http://schemas.openxmlformats.org/drawingml/2006/compatibility" xmlns:p14="http://schemas.microsoft.com/office/powerpoint/2010/main" xmlns:p15="http://schemas.microsoft.com/office/powerpoint/2012/main" xmlns:ahyp="http://schemas.microsoft.com/office/drawing/2018/hyperlinkcolor">
+<p:sld xmlns:a="http://schemas.openxmlformats.org/drawingml/2006/main" xmlns:r="http://schemas.openxmlformats.org/officeDocument/2006/relationships" xmlns:p="http://schemas.openxmlformats.org/presentationml/2006/main">
   <p:cSld>
     <p:spTree>
       <p:nvGrpSpPr>
-        <p:cNvPr id="124" name="Shape 124"/>
+        <p:cNvPr id="1" name="Shape 124"/>
         <p:cNvGrpSpPr/>
         <p:nvPr/>
       </p:nvGrpSpPr>
@@ -14831,7 +14872,9 @@
       <p:sp>
         <p:nvSpPr>
           <p:cNvPr id="125" name="Google Shape;125;p21"/>
-          <p:cNvSpPr txBox="1"/>
+          <p:cNvSpPr txBox="1">
+            <a:spLocks noGrp="1"/>
+          </p:cNvSpPr>
           <p:nvPr>
             <p:ph type="title"/>
           </p:nvPr>
@@ -14846,12 +14889,12 @@
           </a:prstGeom>
         </p:spPr>
         <p:txBody>
-          <a:bodyPr anchorCtr="0" anchor="t" bIns="91425" lIns="91425" spcFirstLastPara="1" rIns="91425" wrap="square" tIns="91425">
+          <a:bodyPr spcFirstLastPara="1" wrap="square" lIns="91425" tIns="91425" rIns="91425" bIns="91425" anchor="t" anchorCtr="0">
             <a:normAutofit fontScale="90000"/>
           </a:bodyPr>
           <a:lstStyle/>
           <a:p>
-            <a:pPr indent="0" lvl="0" marL="0" rtl="0" algn="l">
+            <a:pPr marL="0" lvl="0" indent="0" algn="l" rtl="0">
               <a:spcBef>
                 <a:spcPts val="0"/>
               </a:spcBef>
@@ -14871,9 +14914,11 @@
       <p:sp>
         <p:nvSpPr>
           <p:cNvPr id="126" name="Google Shape;126;p21"/>
-          <p:cNvSpPr txBox="1"/>
+          <p:cNvSpPr txBox="1">
+            <a:spLocks noGrp="1"/>
+          </p:cNvSpPr>
           <p:nvPr>
-            <p:ph idx="1" type="body"/>
+            <p:ph type="body" idx="1"/>
           </p:nvPr>
         </p:nvSpPr>
         <p:spPr>
@@ -14886,12 +14931,12 @@
           </a:prstGeom>
         </p:spPr>
         <p:txBody>
-          <a:bodyPr anchorCtr="0" anchor="t" bIns="91425" lIns="91425" spcFirstLastPara="1" rIns="91425" wrap="square" tIns="91425">
+          <a:bodyPr spcFirstLastPara="1" wrap="square" lIns="91425" tIns="91425" rIns="91425" bIns="91425" anchor="t" anchorCtr="0">
             <a:normAutofit/>
           </a:bodyPr>
           <a:lstStyle/>
           <a:p>
-            <a:pPr indent="0" lvl="0" marL="0" rtl="0" algn="l">
+            <a:pPr marL="0" lvl="0" indent="0" algn="l" rtl="0">
               <a:spcBef>
                 <a:spcPts val="0"/>
               </a:spcBef>
@@ -14911,9 +14956,11 @@
       <p:sp>
         <p:nvSpPr>
           <p:cNvPr id="127" name="Google Shape;127;p21"/>
-          <p:cNvSpPr txBox="1"/>
+          <p:cNvSpPr txBox="1">
+            <a:spLocks noGrp="1"/>
+          </p:cNvSpPr>
           <p:nvPr>
-            <p:ph idx="2" type="body"/>
+            <p:ph type="body" idx="2"/>
           </p:nvPr>
         </p:nvSpPr>
         <p:spPr>
@@ -14926,12 +14973,12 @@
           </a:prstGeom>
         </p:spPr>
         <p:txBody>
-          <a:bodyPr anchorCtr="0" anchor="t" bIns="91425" lIns="91425" spcFirstLastPara="1" rIns="91425" wrap="square" tIns="91425">
+          <a:bodyPr spcFirstLastPara="1" wrap="square" lIns="91425" tIns="91425" rIns="91425" bIns="91425" anchor="t" anchorCtr="0">
             <a:normAutofit/>
           </a:bodyPr>
           <a:lstStyle/>
           <a:p>
-            <a:pPr indent="0" lvl="0" marL="0" rtl="0" algn="l">
+            <a:pPr marL="0" lvl="0" indent="0" algn="l" rtl="0">
               <a:spcBef>
                 <a:spcPts val="0"/>
               </a:spcBef>
@@ -14942,20 +14989,12 @@
             </a:pPr>
             <a:r>
               <a:rPr lang="en"/>
-              <a:t>Morphological closing (</a:t>
-            </a:r>
-            <a:r>
-              <a:rPr lang="en"/>
-              <a:t>Square</a:t>
-            </a:r>
-            <a:r>
-              <a:rPr lang="en"/>
-              <a:t> : 7 x 7)</a:t>
+              <a:t>Morphological closing (Square : 7 x 7)</a:t>
             </a:r>
             <a:endParaRPr/>
           </a:p>
           <a:p>
-            <a:pPr indent="0" lvl="0" marL="0" rtl="0" algn="l">
+            <a:pPr marL="0" lvl="0" indent="0" algn="l" rtl="0">
               <a:spcBef>
                 <a:spcPts val="1200"/>
               </a:spcBef>
@@ -14964,9 +15003,6 @@
               </a:spcAft>
               <a:buNone/>
             </a:pPr>
-            <a:r>
-              <a:t/>
-            </a:r>
             <a:endParaRPr/>
           </a:p>
         </p:txBody>
@@ -14981,7 +15017,7 @@
           <a:blip r:embed="rId3">
             <a:alphaModFix/>
           </a:blip>
-          <a:srcRect b="0" l="0" r="0" t="6085"/>
+          <a:srcRect t="6085"/>
           <a:stretch/>
         </p:blipFill>
         <p:spPr>
@@ -15008,7 +15044,7 @@
           <a:blip r:embed="rId4">
             <a:alphaModFix/>
           </a:blip>
-          <a:srcRect b="0" l="0" r="0" t="5979"/>
+          <a:srcRect t="5979"/>
           <a:stretch/>
         </p:blipFill>
         <p:spPr>
@@ -15034,7 +15070,7 @@
 </file>
 
 <file path=ppt/theme/theme1.xml><?xml version="1.0" encoding="utf-8"?>
-<a:theme xmlns:a="http://schemas.openxmlformats.org/drawingml/2006/main" xmlns:r="http://schemas.openxmlformats.org/officeDocument/2006/relationships" name="Tropic">
+<a:theme xmlns:a="http://schemas.openxmlformats.org/drawingml/2006/main" name="Tropic">
   <a:themeElements>
     <a:clrScheme name="Tropic">
       <a:dk1>
@@ -15309,11 +15345,13 @@
       </a:bgFillStyleLst>
     </a:fmtScheme>
   </a:themeElements>
+  <a:objectDefaults/>
+  <a:extraClrSchemeLst/>
 </a:theme>
 </file>
 
 <file path=ppt/theme/theme2.xml><?xml version="1.0" encoding="utf-8"?>
-<a:theme xmlns:a="http://schemas.openxmlformats.org/drawingml/2006/main" xmlns:r="http://schemas.openxmlformats.org/officeDocument/2006/relationships">
+<a:theme xmlns:a="http://schemas.openxmlformats.org/drawingml/2006/main">
   <a:themeElements>
     <a:clrScheme name="Default">
       <a:dk1>
@@ -15588,5 +15626,7 @@
       </a:bgFillStyleLst>
     </a:fmtScheme>
   </a:themeElements>
+  <a:objectDefaults/>
+  <a:extraClrSchemeLst/>
 </a:theme>
 </file>
--- a/Segmentation algorithm for Infrared Images.pptx
+++ b/Segmentation algorithm for Infrared Images.pptx
@@ -1,56 +1,56 @@
 
 <file path=ppt/presentation.xml><?xml version="1.0" encoding="utf-8"?>
-<p:presentation xmlns:a="http://schemas.openxmlformats.org/drawingml/2006/main" xmlns:r="http://schemas.openxmlformats.org/officeDocument/2006/relationships" xmlns:p="http://schemas.openxmlformats.org/presentationml/2006/main" strictFirstAndLastChars="0" embedTrueTypeFonts="1" saveSubsetFonts="1" autoCompressPictures="0">
+<p:presentation xmlns:a="http://schemas.openxmlformats.org/drawingml/2006/main" xmlns:r="http://schemas.openxmlformats.org/officeDocument/2006/relationships" xmlns:mc="http://schemas.openxmlformats.org/markup-compatibility/2006" xmlns:mv="urn:schemas-microsoft-com:mac:vml" xmlns:p="http://schemas.openxmlformats.org/presentationml/2006/main" xmlns:c="http://schemas.openxmlformats.org/drawingml/2006/chart" xmlns:dgm="http://schemas.openxmlformats.org/drawingml/2006/diagram" xmlns:o="urn:schemas-microsoft-com:office:office" xmlns:v="urn:schemas-microsoft-com:vml" xmlns:pvml="urn:schemas-microsoft-com:office:powerpoint" xmlns:com="http://schemas.openxmlformats.org/drawingml/2006/compatibility" xmlns:p14="http://schemas.microsoft.com/office/powerpoint/2010/main" xmlns:p15="http://schemas.microsoft.com/office/powerpoint/2012/main" xmlns:ahyp="http://schemas.microsoft.com/office/drawing/2018/hyperlinkcolor" autoCompressPictures="0" embedTrueTypeFonts="1" strictFirstAndLastChars="0" saveSubsetFonts="1">
   <p:sldMasterIdLst>
-    <p:sldMasterId id="2147483659" r:id="rId1"/>
+    <p:sldMasterId id="2147483659" r:id="rId5"/>
   </p:sldMasterIdLst>
   <p:notesMasterIdLst>
-    <p:notesMasterId r:id="rId26"/>
+    <p:notesMasterId r:id="rId6"/>
   </p:notesMasterIdLst>
   <p:sldIdLst>
-    <p:sldId id="256" r:id="rId2"/>
-    <p:sldId id="257" r:id="rId3"/>
-    <p:sldId id="258" r:id="rId4"/>
-    <p:sldId id="259" r:id="rId5"/>
-    <p:sldId id="260" r:id="rId6"/>
-    <p:sldId id="261" r:id="rId7"/>
-    <p:sldId id="262" r:id="rId8"/>
-    <p:sldId id="263" r:id="rId9"/>
-    <p:sldId id="264" r:id="rId10"/>
-    <p:sldId id="265" r:id="rId11"/>
-    <p:sldId id="266" r:id="rId12"/>
-    <p:sldId id="267" r:id="rId13"/>
-    <p:sldId id="268" r:id="rId14"/>
-    <p:sldId id="269" r:id="rId15"/>
-    <p:sldId id="270" r:id="rId16"/>
-    <p:sldId id="271" r:id="rId17"/>
-    <p:sldId id="272" r:id="rId18"/>
-    <p:sldId id="273" r:id="rId19"/>
-    <p:sldId id="274" r:id="rId20"/>
-    <p:sldId id="275" r:id="rId21"/>
-    <p:sldId id="276" r:id="rId22"/>
-    <p:sldId id="277" r:id="rId23"/>
-    <p:sldId id="278" r:id="rId24"/>
-    <p:sldId id="279" r:id="rId25"/>
+    <p:sldId id="256" r:id="rId7"/>
+    <p:sldId id="257" r:id="rId8"/>
+    <p:sldId id="258" r:id="rId9"/>
+    <p:sldId id="259" r:id="rId10"/>
+    <p:sldId id="260" r:id="rId11"/>
+    <p:sldId id="261" r:id="rId12"/>
+    <p:sldId id="262" r:id="rId13"/>
+    <p:sldId id="263" r:id="rId14"/>
+    <p:sldId id="264" r:id="rId15"/>
+    <p:sldId id="265" r:id="rId16"/>
+    <p:sldId id="266" r:id="rId17"/>
+    <p:sldId id="267" r:id="rId18"/>
+    <p:sldId id="268" r:id="rId19"/>
+    <p:sldId id="269" r:id="rId20"/>
+    <p:sldId id="270" r:id="rId21"/>
+    <p:sldId id="271" r:id="rId22"/>
+    <p:sldId id="272" r:id="rId23"/>
+    <p:sldId id="273" r:id="rId24"/>
+    <p:sldId id="274" r:id="rId25"/>
+    <p:sldId id="275" r:id="rId26"/>
+    <p:sldId id="276" r:id="rId27"/>
+    <p:sldId id="277" r:id="rId28"/>
+    <p:sldId id="278" r:id="rId29"/>
+    <p:sldId id="279" r:id="rId30"/>
   </p:sldIdLst>
-  <p:sldSz cx="9144000" cy="5143500" type="screen16x9"/>
+  <p:sldSz cy="5143500" cx="9144000"/>
   <p:notesSz cx="6858000" cy="9144000"/>
   <p:embeddedFontLst>
     <p:embeddedFont>
-      <p:font typeface="Open Sans" panose="020B0604020202020204" charset="0"/>
-      <p:regular r:id="rId27"/>
-      <p:bold r:id="rId28"/>
-      <p:italic r:id="rId29"/>
-      <p:boldItalic r:id="rId30"/>
-    </p:embeddedFont>
-    <p:embeddedFont>
-      <p:font typeface="PT Sans Narrow" panose="020B0604020202020204" charset="0"/>
+      <p:font typeface="PT Sans Narrow"/>
       <p:regular r:id="rId31"/>
       <p:bold r:id="rId32"/>
     </p:embeddedFont>
+    <p:embeddedFont>
+      <p:font typeface="Open Sans"/>
+      <p:regular r:id="rId33"/>
+      <p:bold r:id="rId34"/>
+      <p:italic r:id="rId35"/>
+      <p:boldItalic r:id="rId36"/>
+    </p:embeddedFont>
   </p:embeddedFontLst>
   <p:defaultTextStyle>
-    <a:defPPr marR="0" lvl="0" algn="l" rtl="0">
+    <a:defPPr lvl="0" marR="0" rtl="0" algn="l">
       <a:lnSpc>
         <a:spcPct val="100000"/>
       </a:lnSpc>
@@ -61,7 +61,7 @@
         <a:spcPts val="0"/>
       </a:spcAft>
     </a:defPPr>
-    <a:lvl1pPr marR="0" lvl="0" algn="l" rtl="0">
+    <a:lvl1pPr lvl="0" marR="0" rtl="0" algn="l">
       <a:lnSpc>
         <a:spcPct val="100000"/>
       </a:lnSpc>
@@ -75,7 +75,7 @@
         <a:srgbClr val="000000"/>
       </a:buClr>
       <a:buFont typeface="Arial"/>
-      <a:defRPr sz="1400" b="0" i="0" u="none" strike="noStrike" cap="none">
+      <a:defRPr b="0" i="0" sz="1400" u="none" cap="none" strike="noStrike">
         <a:solidFill>
           <a:srgbClr val="000000"/>
         </a:solidFill>
@@ -85,7 +85,7 @@
         <a:sym typeface="Arial"/>
       </a:defRPr>
     </a:lvl1pPr>
-    <a:lvl2pPr marR="0" lvl="1" algn="l" rtl="0">
+    <a:lvl2pPr lvl="1" marR="0" rtl="0" algn="l">
       <a:lnSpc>
         <a:spcPct val="100000"/>
       </a:lnSpc>
@@ -99,7 +99,7 @@
         <a:srgbClr val="000000"/>
       </a:buClr>
       <a:buFont typeface="Arial"/>
-      <a:defRPr sz="1400" b="0" i="0" u="none" strike="noStrike" cap="none">
+      <a:defRPr b="0" i="0" sz="1400" u="none" cap="none" strike="noStrike">
         <a:solidFill>
           <a:srgbClr val="000000"/>
         </a:solidFill>
@@ -109,7 +109,7 @@
         <a:sym typeface="Arial"/>
       </a:defRPr>
     </a:lvl2pPr>
-    <a:lvl3pPr marR="0" lvl="2" algn="l" rtl="0">
+    <a:lvl3pPr lvl="2" marR="0" rtl="0" algn="l">
       <a:lnSpc>
         <a:spcPct val="100000"/>
       </a:lnSpc>
@@ -123,7 +123,7 @@
         <a:srgbClr val="000000"/>
       </a:buClr>
       <a:buFont typeface="Arial"/>
-      <a:defRPr sz="1400" b="0" i="0" u="none" strike="noStrike" cap="none">
+      <a:defRPr b="0" i="0" sz="1400" u="none" cap="none" strike="noStrike">
         <a:solidFill>
           <a:srgbClr val="000000"/>
         </a:solidFill>
@@ -133,7 +133,7 @@
         <a:sym typeface="Arial"/>
       </a:defRPr>
     </a:lvl3pPr>
-    <a:lvl4pPr marR="0" lvl="3" algn="l" rtl="0">
+    <a:lvl4pPr lvl="3" marR="0" rtl="0" algn="l">
       <a:lnSpc>
         <a:spcPct val="100000"/>
       </a:lnSpc>
@@ -147,7 +147,7 @@
         <a:srgbClr val="000000"/>
       </a:buClr>
       <a:buFont typeface="Arial"/>
-      <a:defRPr sz="1400" b="0" i="0" u="none" strike="noStrike" cap="none">
+      <a:defRPr b="0" i="0" sz="1400" u="none" cap="none" strike="noStrike">
         <a:solidFill>
           <a:srgbClr val="000000"/>
         </a:solidFill>
@@ -157,7 +157,7 @@
         <a:sym typeface="Arial"/>
       </a:defRPr>
     </a:lvl4pPr>
-    <a:lvl5pPr marR="0" lvl="4" algn="l" rtl="0">
+    <a:lvl5pPr lvl="4" marR="0" rtl="0" algn="l">
       <a:lnSpc>
         <a:spcPct val="100000"/>
       </a:lnSpc>
@@ -171,7 +171,7 @@
         <a:srgbClr val="000000"/>
       </a:buClr>
       <a:buFont typeface="Arial"/>
-      <a:defRPr sz="1400" b="0" i="0" u="none" strike="noStrike" cap="none">
+      <a:defRPr b="0" i="0" sz="1400" u="none" cap="none" strike="noStrike">
         <a:solidFill>
           <a:srgbClr val="000000"/>
         </a:solidFill>
@@ -181,7 +181,7 @@
         <a:sym typeface="Arial"/>
       </a:defRPr>
     </a:lvl5pPr>
-    <a:lvl6pPr marR="0" lvl="5" algn="l" rtl="0">
+    <a:lvl6pPr lvl="5" marR="0" rtl="0" algn="l">
       <a:lnSpc>
         <a:spcPct val="100000"/>
       </a:lnSpc>
@@ -195,7 +195,7 @@
         <a:srgbClr val="000000"/>
       </a:buClr>
       <a:buFont typeface="Arial"/>
-      <a:defRPr sz="1400" b="0" i="0" u="none" strike="noStrike" cap="none">
+      <a:defRPr b="0" i="0" sz="1400" u="none" cap="none" strike="noStrike">
         <a:solidFill>
           <a:srgbClr val="000000"/>
         </a:solidFill>
@@ -205,7 +205,7 @@
         <a:sym typeface="Arial"/>
       </a:defRPr>
     </a:lvl6pPr>
-    <a:lvl7pPr marR="0" lvl="6" algn="l" rtl="0">
+    <a:lvl7pPr lvl="6" marR="0" rtl="0" algn="l">
       <a:lnSpc>
         <a:spcPct val="100000"/>
       </a:lnSpc>
@@ -219,7 +219,7 @@
         <a:srgbClr val="000000"/>
       </a:buClr>
       <a:buFont typeface="Arial"/>
-      <a:defRPr sz="1400" b="0" i="0" u="none" strike="noStrike" cap="none">
+      <a:defRPr b="0" i="0" sz="1400" u="none" cap="none" strike="noStrike">
         <a:solidFill>
           <a:srgbClr val="000000"/>
         </a:solidFill>
@@ -229,7 +229,7 @@
         <a:sym typeface="Arial"/>
       </a:defRPr>
     </a:lvl7pPr>
-    <a:lvl8pPr marR="0" lvl="7" algn="l" rtl="0">
+    <a:lvl8pPr lvl="7" marR="0" rtl="0" algn="l">
       <a:lnSpc>
         <a:spcPct val="100000"/>
       </a:lnSpc>
@@ -243,7 +243,7 @@
         <a:srgbClr val="000000"/>
       </a:buClr>
       <a:buFont typeface="Arial"/>
-      <a:defRPr sz="1400" b="0" i="0" u="none" strike="noStrike" cap="none">
+      <a:defRPr b="0" i="0" sz="1400" u="none" cap="none" strike="noStrike">
         <a:solidFill>
           <a:srgbClr val="000000"/>
         </a:solidFill>
@@ -253,7 +253,7 @@
         <a:sym typeface="Arial"/>
       </a:defRPr>
     </a:lvl8pPr>
-    <a:lvl9pPr marR="0" lvl="8" algn="l" rtl="0">
+    <a:lvl9pPr lvl="8" marR="0" rtl="0" algn="l">
       <a:lnSpc>
         <a:spcPct val="100000"/>
       </a:lnSpc>
@@ -267,7 +267,7 @@
         <a:srgbClr val="000000"/>
       </a:buClr>
       <a:buFont typeface="Arial"/>
-      <a:defRPr sz="1400" b="0" i="0" u="none" strike="noStrike" cap="none">
+      <a:defRPr b="0" i="0" sz="1400" u="none" cap="none" strike="noStrike">
         <a:solidFill>
           <a:srgbClr val="000000"/>
         </a:solidFill>
@@ -280,7 +280,7 @@
   </p:defaultTextStyle>
   <p:extLst>
     <p:ext uri="{EFAFB233-063F-42B5-8137-9DF3F51BA10A}">
-      <p15:sldGuideLst xmlns:p15="http://schemas.microsoft.com/office/powerpoint/2012/main">
+      <p15:sldGuideLst>
         <p15:guide id="1" orient="horz" pos="1620">
           <p15:clr>
             <a:srgbClr val="A4A3A4"/>
@@ -298,16 +298,11 @@
 </file>
 
 <file path=ppt/notesMasters/notesMaster1.xml><?xml version="1.0" encoding="utf-8"?>
-<p:notesMaster xmlns:a="http://schemas.openxmlformats.org/drawingml/2006/main" xmlns:r="http://schemas.openxmlformats.org/officeDocument/2006/relationships" xmlns:p="http://schemas.openxmlformats.org/presentationml/2006/main">
+<p:notesMaster xmlns:a="http://schemas.openxmlformats.org/drawingml/2006/main" xmlns:r="http://schemas.openxmlformats.org/officeDocument/2006/relationships" xmlns:mc="http://schemas.openxmlformats.org/markup-compatibility/2006" xmlns:mv="urn:schemas-microsoft-com:mac:vml" xmlns:p="http://schemas.openxmlformats.org/presentationml/2006/main" xmlns:c="http://schemas.openxmlformats.org/drawingml/2006/chart" xmlns:dgm="http://schemas.openxmlformats.org/drawingml/2006/diagram" xmlns:o="urn:schemas-microsoft-com:office:office" xmlns:v="urn:schemas-microsoft-com:vml" xmlns:pvml="urn:schemas-microsoft-com:office:powerpoint" xmlns:com="http://schemas.openxmlformats.org/drawingml/2006/compatibility" xmlns:p14="http://schemas.microsoft.com/office/powerpoint/2010/main" xmlns:p15="http://schemas.microsoft.com/office/powerpoint/2012/main" xmlns:ahyp="http://schemas.microsoft.com/office/drawing/2018/hyperlinkcolor">
   <p:cSld>
-    <p:bg>
-      <p:bgRef idx="1001">
-        <a:schemeClr val="bg1"/>
-      </p:bgRef>
-    </p:bg>
     <p:spTree>
       <p:nvGrpSpPr>
-        <p:cNvPr id="1" name="Shape 2"/>
+        <p:cNvPr id="2" name="Shape 2"/>
         <p:cNvGrpSpPr/>
         <p:nvPr/>
       </p:nvGrpSpPr>
@@ -322,11 +317,9 @@
       <p:sp>
         <p:nvSpPr>
           <p:cNvPr id="3" name="Google Shape;3;n"/>
-          <p:cNvSpPr>
-            <a:spLocks noGrp="1" noRot="1" noChangeAspect="1"/>
-          </p:cNvSpPr>
+          <p:cNvSpPr/>
           <p:nvPr>
-            <p:ph type="sldImg" idx="2"/>
+            <p:ph idx="2" type="sldImg"/>
           </p:nvPr>
         </p:nvSpPr>
         <p:spPr>
@@ -335,13 +328,9 @@
             <a:ext cx="6096075" cy="3429000"/>
           </a:xfrm>
           <a:custGeom>
-            <a:avLst/>
-            <a:gdLst/>
-            <a:ahLst/>
-            <a:cxnLst/>
-            <a:rect l="l" t="t" r="r" b="b"/>
+            <a:rect b="b" l="l" r="r" t="t"/>
             <a:pathLst>
-              <a:path w="120000" h="120000" extrusionOk="0">
+              <a:path extrusionOk="0" h="120000" w="120000">
                 <a:moveTo>
                   <a:pt x="0" y="0"/>
                 </a:moveTo>
@@ -359,25 +348,23 @@
             </a:pathLst>
           </a:custGeom>
           <a:noFill/>
-          <a:ln w="9525" cap="flat" cmpd="sng">
+          <a:ln cap="flat" cmpd="sng" w="9525">
             <a:solidFill>
               <a:srgbClr val="000000"/>
             </a:solidFill>
             <a:prstDash val="solid"/>
             <a:round/>
-            <a:headEnd type="none" w="sm" len="sm"/>
-            <a:tailEnd type="none" w="sm" len="sm"/>
+            <a:headEnd len="sm" w="sm" type="none"/>
+            <a:tailEnd len="sm" w="sm" type="none"/>
           </a:ln>
         </p:spPr>
       </p:sp>
       <p:sp>
         <p:nvSpPr>
           <p:cNvPr id="4" name="Google Shape;4;n"/>
-          <p:cNvSpPr txBox="1">
-            <a:spLocks noGrp="1"/>
-          </p:cNvSpPr>
+          <p:cNvSpPr txBox="1"/>
           <p:nvPr>
-            <p:ph type="body" idx="1"/>
+            <p:ph idx="1" type="body"/>
           </p:nvPr>
         </p:nvSpPr>
         <p:spPr>
@@ -394,11 +381,11 @@
           </a:ln>
         </p:spPr>
         <p:txBody>
-          <a:bodyPr spcFirstLastPara="1" wrap="square" lIns="91425" tIns="91425" rIns="91425" bIns="91425" anchor="t" anchorCtr="0">
+          <a:bodyPr anchorCtr="0" anchor="t" bIns="91425" lIns="91425" spcFirstLastPara="1" rIns="91425" wrap="square" tIns="91425">
             <a:noAutofit/>
           </a:bodyPr>
           <a:lstStyle>
-            <a:lvl1pPr marL="457200" lvl="0" indent="-298450">
+            <a:lvl1pPr indent="-298450" lvl="0" marL="457200">
               <a:spcBef>
                 <a:spcPts val="0"/>
               </a:spcBef>
@@ -409,7 +396,7 @@
               <a:buChar char="●"/>
               <a:defRPr sz="1100"/>
             </a:lvl1pPr>
-            <a:lvl2pPr marL="914400" lvl="1" indent="-298450">
+            <a:lvl2pPr indent="-298450" lvl="1" marL="914400">
               <a:spcBef>
                 <a:spcPts val="0"/>
               </a:spcBef>
@@ -420,7 +407,7 @@
               <a:buChar char="○"/>
               <a:defRPr sz="1100"/>
             </a:lvl2pPr>
-            <a:lvl3pPr marL="1371600" lvl="2" indent="-298450">
+            <a:lvl3pPr indent="-298450" lvl="2" marL="1371600">
               <a:spcBef>
                 <a:spcPts val="0"/>
               </a:spcBef>
@@ -431,7 +418,7 @@
               <a:buChar char="■"/>
               <a:defRPr sz="1100"/>
             </a:lvl3pPr>
-            <a:lvl4pPr marL="1828800" lvl="3" indent="-298450">
+            <a:lvl4pPr indent="-298450" lvl="3" marL="1828800">
               <a:spcBef>
                 <a:spcPts val="0"/>
               </a:spcBef>
@@ -442,7 +429,7 @@
               <a:buChar char="●"/>
               <a:defRPr sz="1100"/>
             </a:lvl4pPr>
-            <a:lvl5pPr marL="2286000" lvl="4" indent="-298450">
+            <a:lvl5pPr indent="-298450" lvl="4" marL="2286000">
               <a:spcBef>
                 <a:spcPts val="0"/>
               </a:spcBef>
@@ -453,7 +440,7 @@
               <a:buChar char="○"/>
               <a:defRPr sz="1100"/>
             </a:lvl5pPr>
-            <a:lvl6pPr marL="2743200" lvl="5" indent="-298450">
+            <a:lvl6pPr indent="-298450" lvl="5" marL="2743200">
               <a:spcBef>
                 <a:spcPts val="0"/>
               </a:spcBef>
@@ -464,7 +451,7 @@
               <a:buChar char="■"/>
               <a:defRPr sz="1100"/>
             </a:lvl6pPr>
-            <a:lvl7pPr marL="3200400" lvl="6" indent="-298450">
+            <a:lvl7pPr indent="-298450" lvl="6" marL="3200400">
               <a:spcBef>
                 <a:spcPts val="0"/>
               </a:spcBef>
@@ -475,7 +462,7 @@
               <a:buChar char="●"/>
               <a:defRPr sz="1100"/>
             </a:lvl7pPr>
-            <a:lvl8pPr marL="3657600" lvl="7" indent="-298450">
+            <a:lvl8pPr indent="-298450" lvl="7" marL="3657600">
               <a:spcBef>
                 <a:spcPts val="0"/>
               </a:spcBef>
@@ -486,7 +473,7 @@
               <a:buChar char="○"/>
               <a:defRPr sz="1100"/>
             </a:lvl8pPr>
-            <a:lvl9pPr marL="4114800" lvl="8" indent="-298450">
+            <a:lvl9pPr indent="-298450" lvl="8" marL="4114800">
               <a:spcBef>
                 <a:spcPts val="0"/>
               </a:spcBef>
@@ -498,16 +485,14 @@
               <a:defRPr sz="1100"/>
             </a:lvl9pPr>
           </a:lstStyle>
-          <a:p>
-            <a:endParaRPr/>
-          </a:p>
+          <a:p/>
         </p:txBody>
       </p:sp>
     </p:spTree>
   </p:cSld>
-  <p:clrMap bg1="lt1" tx1="dk1" bg2="dk2" tx2="lt2" accent1="accent1" accent2="accent2" accent3="accent3" accent4="accent4" accent5="accent5" accent6="accent6" hlink="hlink" folHlink="folHlink"/>
+  <p:clrMap accent1="accent1" accent2="accent2" accent3="accent3" accent4="accent4" accent5="accent5" accent6="accent6" bg1="lt1" bg2="dk2" tx1="dk1" tx2="lt2" folHlink="folHlink" hlink="hlink"/>
   <p:notesStyle>
-    <a:defPPr marR="0" lvl="0" algn="l" rtl="0">
+    <a:defPPr lvl="0" marR="0" rtl="0" algn="l">
       <a:lnSpc>
         <a:spcPct val="100000"/>
       </a:lnSpc>
@@ -518,7 +503,7 @@
         <a:spcPts val="0"/>
       </a:spcAft>
     </a:defPPr>
-    <a:lvl1pPr marR="0" lvl="0" algn="l" rtl="0">
+    <a:lvl1pPr lvl="0" marR="0" rtl="0" algn="l">
       <a:lnSpc>
         <a:spcPct val="100000"/>
       </a:lnSpc>
@@ -532,7 +517,7 @@
         <a:srgbClr val="000000"/>
       </a:buClr>
       <a:buFont typeface="Arial"/>
-      <a:defRPr sz="1400" b="0" i="0" u="none" strike="noStrike" cap="none">
+      <a:defRPr b="0" i="0" sz="1400" u="none" cap="none" strike="noStrike">
         <a:solidFill>
           <a:srgbClr val="000000"/>
         </a:solidFill>
@@ -542,7 +527,7 @@
         <a:sym typeface="Arial"/>
       </a:defRPr>
     </a:lvl1pPr>
-    <a:lvl2pPr marR="0" lvl="1" algn="l" rtl="0">
+    <a:lvl2pPr lvl="1" marR="0" rtl="0" algn="l">
       <a:lnSpc>
         <a:spcPct val="100000"/>
       </a:lnSpc>
@@ -556,7 +541,7 @@
         <a:srgbClr val="000000"/>
       </a:buClr>
       <a:buFont typeface="Arial"/>
-      <a:defRPr sz="1400" b="0" i="0" u="none" strike="noStrike" cap="none">
+      <a:defRPr b="0" i="0" sz="1400" u="none" cap="none" strike="noStrike">
         <a:solidFill>
           <a:srgbClr val="000000"/>
         </a:solidFill>
@@ -566,7 +551,7 @@
         <a:sym typeface="Arial"/>
       </a:defRPr>
     </a:lvl2pPr>
-    <a:lvl3pPr marR="0" lvl="2" algn="l" rtl="0">
+    <a:lvl3pPr lvl="2" marR="0" rtl="0" algn="l">
       <a:lnSpc>
         <a:spcPct val="100000"/>
       </a:lnSpc>
@@ -580,7 +565,7 @@
         <a:srgbClr val="000000"/>
       </a:buClr>
       <a:buFont typeface="Arial"/>
-      <a:defRPr sz="1400" b="0" i="0" u="none" strike="noStrike" cap="none">
+      <a:defRPr b="0" i="0" sz="1400" u="none" cap="none" strike="noStrike">
         <a:solidFill>
           <a:srgbClr val="000000"/>
         </a:solidFill>
@@ -590,7 +575,7 @@
         <a:sym typeface="Arial"/>
       </a:defRPr>
     </a:lvl3pPr>
-    <a:lvl4pPr marR="0" lvl="3" algn="l" rtl="0">
+    <a:lvl4pPr lvl="3" marR="0" rtl="0" algn="l">
       <a:lnSpc>
         <a:spcPct val="100000"/>
       </a:lnSpc>
@@ -604,7 +589,7 @@
         <a:srgbClr val="000000"/>
       </a:buClr>
       <a:buFont typeface="Arial"/>
-      <a:defRPr sz="1400" b="0" i="0" u="none" strike="noStrike" cap="none">
+      <a:defRPr b="0" i="0" sz="1400" u="none" cap="none" strike="noStrike">
         <a:solidFill>
           <a:srgbClr val="000000"/>
         </a:solidFill>
@@ -614,7 +599,7 @@
         <a:sym typeface="Arial"/>
       </a:defRPr>
     </a:lvl4pPr>
-    <a:lvl5pPr marR="0" lvl="4" algn="l" rtl="0">
+    <a:lvl5pPr lvl="4" marR="0" rtl="0" algn="l">
       <a:lnSpc>
         <a:spcPct val="100000"/>
       </a:lnSpc>
@@ -628,7 +613,7 @@
         <a:srgbClr val="000000"/>
       </a:buClr>
       <a:buFont typeface="Arial"/>
-      <a:defRPr sz="1400" b="0" i="0" u="none" strike="noStrike" cap="none">
+      <a:defRPr b="0" i="0" sz="1400" u="none" cap="none" strike="noStrike">
         <a:solidFill>
           <a:srgbClr val="000000"/>
         </a:solidFill>
@@ -638,7 +623,7 @@
         <a:sym typeface="Arial"/>
       </a:defRPr>
     </a:lvl5pPr>
-    <a:lvl6pPr marR="0" lvl="5" algn="l" rtl="0">
+    <a:lvl6pPr lvl="5" marR="0" rtl="0" algn="l">
       <a:lnSpc>
         <a:spcPct val="100000"/>
       </a:lnSpc>
@@ -652,7 +637,7 @@
         <a:srgbClr val="000000"/>
       </a:buClr>
       <a:buFont typeface="Arial"/>
-      <a:defRPr sz="1400" b="0" i="0" u="none" strike="noStrike" cap="none">
+      <a:defRPr b="0" i="0" sz="1400" u="none" cap="none" strike="noStrike">
         <a:solidFill>
           <a:srgbClr val="000000"/>
         </a:solidFill>
@@ -662,7 +647,7 @@
         <a:sym typeface="Arial"/>
       </a:defRPr>
     </a:lvl6pPr>
-    <a:lvl7pPr marR="0" lvl="6" algn="l" rtl="0">
+    <a:lvl7pPr lvl="6" marR="0" rtl="0" algn="l">
       <a:lnSpc>
         <a:spcPct val="100000"/>
       </a:lnSpc>
@@ -676,7 +661,7 @@
         <a:srgbClr val="000000"/>
       </a:buClr>
       <a:buFont typeface="Arial"/>
-      <a:defRPr sz="1400" b="0" i="0" u="none" strike="noStrike" cap="none">
+      <a:defRPr b="0" i="0" sz="1400" u="none" cap="none" strike="noStrike">
         <a:solidFill>
           <a:srgbClr val="000000"/>
         </a:solidFill>
@@ -686,7 +671,7 @@
         <a:sym typeface="Arial"/>
       </a:defRPr>
     </a:lvl7pPr>
-    <a:lvl8pPr marR="0" lvl="7" algn="l" rtl="0">
+    <a:lvl8pPr lvl="7" marR="0" rtl="0" algn="l">
       <a:lnSpc>
         <a:spcPct val="100000"/>
       </a:lnSpc>
@@ -700,7 +685,7 @@
         <a:srgbClr val="000000"/>
       </a:buClr>
       <a:buFont typeface="Arial"/>
-      <a:defRPr sz="1400" b="0" i="0" u="none" strike="noStrike" cap="none">
+      <a:defRPr b="0" i="0" sz="1400" u="none" cap="none" strike="noStrike">
         <a:solidFill>
           <a:srgbClr val="000000"/>
         </a:solidFill>
@@ -710,7 +695,7 @@
         <a:sym typeface="Arial"/>
       </a:defRPr>
     </a:lvl8pPr>
-    <a:lvl9pPr marR="0" lvl="8" algn="l" rtl="0">
+    <a:lvl9pPr lvl="8" marR="0" rtl="0" algn="l">
       <a:lnSpc>
         <a:spcPct val="100000"/>
       </a:lnSpc>
@@ -724,7 +709,7 @@
         <a:srgbClr val="000000"/>
       </a:buClr>
       <a:buFont typeface="Arial"/>
-      <a:defRPr sz="1400" b="0" i="0" u="none" strike="noStrike" cap="none">
+      <a:defRPr b="0" i="0" sz="1400" u="none" cap="none" strike="noStrike">
         <a:solidFill>
           <a:srgbClr val="000000"/>
         </a:solidFill>
@@ -739,11 +724,11 @@
 </file>
 
 <file path=ppt/notesSlides/notesSlide1.xml><?xml version="1.0" encoding="utf-8"?>
-<p:notes xmlns:a="http://schemas.openxmlformats.org/drawingml/2006/main" xmlns:r="http://schemas.openxmlformats.org/officeDocument/2006/relationships" xmlns:p="http://schemas.openxmlformats.org/presentationml/2006/main" showMasterSp="0" showMasterPhAnim="0">
+<p:notes xmlns:a="http://schemas.openxmlformats.org/drawingml/2006/main" xmlns:r="http://schemas.openxmlformats.org/officeDocument/2006/relationships" xmlns:mc="http://schemas.openxmlformats.org/markup-compatibility/2006" xmlns:mv="urn:schemas-microsoft-com:mac:vml" xmlns:p="http://schemas.openxmlformats.org/presentationml/2006/main" xmlns:c="http://schemas.openxmlformats.org/drawingml/2006/chart" xmlns:dgm="http://schemas.openxmlformats.org/drawingml/2006/diagram" xmlns:o="urn:schemas-microsoft-com:office:office" xmlns:v="urn:schemas-microsoft-com:vml" xmlns:pvml="urn:schemas-microsoft-com:office:powerpoint" xmlns:com="http://schemas.openxmlformats.org/drawingml/2006/compatibility" xmlns:p14="http://schemas.microsoft.com/office/powerpoint/2010/main" xmlns:p15="http://schemas.microsoft.com/office/powerpoint/2012/main" xmlns:ahyp="http://schemas.microsoft.com/office/drawing/2018/hyperlinkcolor" showMasterPhAnim="0" showMasterSp="0">
   <p:cSld>
     <p:spTree>
       <p:nvGrpSpPr>
-        <p:cNvPr id="1" name="Shape 62"/>
+        <p:cNvPr id="62" name="Shape 62"/>
         <p:cNvGrpSpPr/>
         <p:nvPr/>
       </p:nvGrpSpPr>
@@ -758,11 +743,9 @@
       <p:sp>
         <p:nvSpPr>
           <p:cNvPr id="63" name="Google Shape;63;p:notes"/>
-          <p:cNvSpPr>
-            <a:spLocks noGrp="1" noRot="1" noChangeAspect="1"/>
-          </p:cNvSpPr>
+          <p:cNvSpPr/>
           <p:nvPr>
-            <p:ph type="sldImg" idx="2"/>
+            <p:ph idx="2" type="sldImg"/>
           </p:nvPr>
         </p:nvSpPr>
         <p:spPr>
@@ -771,13 +754,9 @@
             <a:ext cx="6096075" cy="3429000"/>
           </a:xfrm>
           <a:custGeom>
-            <a:avLst/>
-            <a:gdLst/>
-            <a:ahLst/>
-            <a:cxnLst/>
-            <a:rect l="l" t="t" r="r" b="b"/>
+            <a:rect b="b" l="l" r="r" t="t"/>
             <a:pathLst>
-              <a:path w="120000" h="120000" extrusionOk="0">
+              <a:path extrusionOk="0" h="120000" w="120000">
                 <a:moveTo>
                   <a:pt x="0" y="0"/>
                 </a:moveTo>
@@ -799,11 +778,9 @@
       <p:sp>
         <p:nvSpPr>
           <p:cNvPr id="64" name="Google Shape;64;p:notes"/>
-          <p:cNvSpPr txBox="1">
-            <a:spLocks noGrp="1"/>
-          </p:cNvSpPr>
+          <p:cNvSpPr txBox="1"/>
           <p:nvPr>
-            <p:ph type="body" idx="1"/>
+            <p:ph idx="1" type="body"/>
           </p:nvPr>
         </p:nvSpPr>
         <p:spPr>
@@ -816,20 +793,23 @@
           </a:prstGeom>
         </p:spPr>
         <p:txBody>
-          <a:bodyPr spcFirstLastPara="1" wrap="square" lIns="91425" tIns="91425" rIns="91425" bIns="91425" anchor="t" anchorCtr="0">
+          <a:bodyPr anchorCtr="0" anchor="t" bIns="91425" lIns="91425" spcFirstLastPara="1" rIns="91425" wrap="square" tIns="91425">
             <a:noAutofit/>
           </a:bodyPr>
           <a:lstStyle/>
           <a:p>
-            <a:pPr marL="0" lvl="0" indent="0" algn="l" rtl="0">
-              <a:spcBef>
-                <a:spcPts val="0"/>
-              </a:spcBef>
-              <a:spcAft>
-                <a:spcPts val="0"/>
-              </a:spcAft>
-              <a:buNone/>
-            </a:pPr>
+            <a:pPr indent="0" lvl="0" marL="0" rtl="0" algn="l">
+              <a:spcBef>
+                <a:spcPts val="0"/>
+              </a:spcBef>
+              <a:spcAft>
+                <a:spcPts val="0"/>
+              </a:spcAft>
+              <a:buNone/>
+            </a:pPr>
+            <a:r>
+              <a:t/>
+            </a:r>
             <a:endParaRPr/>
           </a:p>
         </p:txBody>
@@ -843,11 +823,11 @@
 </file>
 
 <file path=ppt/notesSlides/notesSlide10.xml><?xml version="1.0" encoding="utf-8"?>
-<p:notes xmlns:a="http://schemas.openxmlformats.org/drawingml/2006/main" xmlns:r="http://schemas.openxmlformats.org/officeDocument/2006/relationships" xmlns:p="http://schemas.openxmlformats.org/presentationml/2006/main" showMasterSp="0" showMasterPhAnim="0">
+<p:notes xmlns:a="http://schemas.openxmlformats.org/drawingml/2006/main" xmlns:r="http://schemas.openxmlformats.org/officeDocument/2006/relationships" xmlns:mc="http://schemas.openxmlformats.org/markup-compatibility/2006" xmlns:mv="urn:schemas-microsoft-com:mac:vml" xmlns:p="http://schemas.openxmlformats.org/presentationml/2006/main" xmlns:c="http://schemas.openxmlformats.org/drawingml/2006/chart" xmlns:dgm="http://schemas.openxmlformats.org/drawingml/2006/diagram" xmlns:o="urn:schemas-microsoft-com:office:office" xmlns:v="urn:schemas-microsoft-com:vml" xmlns:pvml="urn:schemas-microsoft-com:office:powerpoint" xmlns:com="http://schemas.openxmlformats.org/drawingml/2006/compatibility" xmlns:p14="http://schemas.microsoft.com/office/powerpoint/2010/main" xmlns:p15="http://schemas.microsoft.com/office/powerpoint/2012/main" xmlns:ahyp="http://schemas.microsoft.com/office/drawing/2018/hyperlinkcolor" showMasterPhAnim="0" showMasterSp="0">
   <p:cSld>
     <p:spTree>
       <p:nvGrpSpPr>
-        <p:cNvPr id="1" name="Shape 130"/>
+        <p:cNvPr id="130" name="Shape 130"/>
         <p:cNvGrpSpPr/>
         <p:nvPr/>
       </p:nvGrpSpPr>
@@ -862,11 +842,9 @@
       <p:sp>
         <p:nvSpPr>
           <p:cNvPr id="131" name="Google Shape;131;gbd4e3c3393_0_52:notes"/>
-          <p:cNvSpPr>
-            <a:spLocks noGrp="1" noRot="1" noChangeAspect="1"/>
-          </p:cNvSpPr>
+          <p:cNvSpPr/>
           <p:nvPr>
-            <p:ph type="sldImg" idx="2"/>
+            <p:ph idx="2" type="sldImg"/>
           </p:nvPr>
         </p:nvSpPr>
         <p:spPr>
@@ -875,13 +853,9 @@
             <a:ext cx="6096000" cy="3429000"/>
           </a:xfrm>
           <a:custGeom>
-            <a:avLst/>
-            <a:gdLst/>
-            <a:ahLst/>
-            <a:cxnLst/>
-            <a:rect l="l" t="t" r="r" b="b"/>
+            <a:rect b="b" l="l" r="r" t="t"/>
             <a:pathLst>
-              <a:path w="120000" h="120000" extrusionOk="0">
+              <a:path extrusionOk="0" h="120000" w="120000">
                 <a:moveTo>
                   <a:pt x="0" y="0"/>
                 </a:moveTo>
@@ -903,11 +877,9 @@
       <p:sp>
         <p:nvSpPr>
           <p:cNvPr id="132" name="Google Shape;132;gbd4e3c3393_0_52:notes"/>
-          <p:cNvSpPr txBox="1">
-            <a:spLocks noGrp="1"/>
-          </p:cNvSpPr>
+          <p:cNvSpPr txBox="1"/>
           <p:nvPr>
-            <p:ph type="body" idx="1"/>
+            <p:ph idx="1" type="body"/>
           </p:nvPr>
         </p:nvSpPr>
         <p:spPr>
@@ -920,20 +892,23 @@
           </a:prstGeom>
         </p:spPr>
         <p:txBody>
-          <a:bodyPr spcFirstLastPara="1" wrap="square" lIns="91425" tIns="91425" rIns="91425" bIns="91425" anchor="t" anchorCtr="0">
+          <a:bodyPr anchorCtr="0" anchor="t" bIns="91425" lIns="91425" spcFirstLastPara="1" rIns="91425" wrap="square" tIns="91425">
             <a:noAutofit/>
           </a:bodyPr>
           <a:lstStyle/>
           <a:p>
-            <a:pPr marL="0" lvl="0" indent="0" algn="l" rtl="0">
-              <a:spcBef>
-                <a:spcPts val="0"/>
-              </a:spcBef>
-              <a:spcAft>
-                <a:spcPts val="0"/>
-              </a:spcAft>
-              <a:buNone/>
-            </a:pPr>
+            <a:pPr indent="0" lvl="0" marL="0" rtl="0" algn="l">
+              <a:spcBef>
+                <a:spcPts val="0"/>
+              </a:spcBef>
+              <a:spcAft>
+                <a:spcPts val="0"/>
+              </a:spcAft>
+              <a:buNone/>
+            </a:pPr>
+            <a:r>
+              <a:t/>
+            </a:r>
             <a:endParaRPr/>
           </a:p>
         </p:txBody>
@@ -947,11 +922,11 @@
 </file>
 
 <file path=ppt/notesSlides/notesSlide11.xml><?xml version="1.0" encoding="utf-8"?>
-<p:notes xmlns:a="http://schemas.openxmlformats.org/drawingml/2006/main" xmlns:r="http://schemas.openxmlformats.org/officeDocument/2006/relationships" xmlns:p="http://schemas.openxmlformats.org/presentationml/2006/main" showMasterSp="0" showMasterPhAnim="0">
+<p:notes xmlns:a="http://schemas.openxmlformats.org/drawingml/2006/main" xmlns:r="http://schemas.openxmlformats.org/officeDocument/2006/relationships" xmlns:mc="http://schemas.openxmlformats.org/markup-compatibility/2006" xmlns:mv="urn:schemas-microsoft-com:mac:vml" xmlns:p="http://schemas.openxmlformats.org/presentationml/2006/main" xmlns:c="http://schemas.openxmlformats.org/drawingml/2006/chart" xmlns:dgm="http://schemas.openxmlformats.org/drawingml/2006/diagram" xmlns:o="urn:schemas-microsoft-com:office:office" xmlns:v="urn:schemas-microsoft-com:vml" xmlns:pvml="urn:schemas-microsoft-com:office:powerpoint" xmlns:com="http://schemas.openxmlformats.org/drawingml/2006/compatibility" xmlns:p14="http://schemas.microsoft.com/office/powerpoint/2010/main" xmlns:p15="http://schemas.microsoft.com/office/powerpoint/2012/main" xmlns:ahyp="http://schemas.microsoft.com/office/drawing/2018/hyperlinkcolor" showMasterPhAnim="0" showMasterSp="0">
   <p:cSld>
     <p:spTree>
       <p:nvGrpSpPr>
-        <p:cNvPr id="1" name="Shape 137"/>
+        <p:cNvPr id="137" name="Shape 137"/>
         <p:cNvGrpSpPr/>
         <p:nvPr/>
       </p:nvGrpSpPr>
@@ -966,11 +941,9 @@
       <p:sp>
         <p:nvSpPr>
           <p:cNvPr id="138" name="Google Shape;138;gbd4e3c3393_0_71:notes"/>
-          <p:cNvSpPr>
-            <a:spLocks noGrp="1" noRot="1" noChangeAspect="1"/>
-          </p:cNvSpPr>
+          <p:cNvSpPr/>
           <p:nvPr>
-            <p:ph type="sldImg" idx="2"/>
+            <p:ph idx="2" type="sldImg"/>
           </p:nvPr>
         </p:nvSpPr>
         <p:spPr>
@@ -979,13 +952,9 @@
             <a:ext cx="6096000" cy="3429000"/>
           </a:xfrm>
           <a:custGeom>
-            <a:avLst/>
-            <a:gdLst/>
-            <a:ahLst/>
-            <a:cxnLst/>
-            <a:rect l="l" t="t" r="r" b="b"/>
+            <a:rect b="b" l="l" r="r" t="t"/>
             <a:pathLst>
-              <a:path w="120000" h="120000" extrusionOk="0">
+              <a:path extrusionOk="0" h="120000" w="120000">
                 <a:moveTo>
                   <a:pt x="0" y="0"/>
                 </a:moveTo>
@@ -1007,11 +976,9 @@
       <p:sp>
         <p:nvSpPr>
           <p:cNvPr id="139" name="Google Shape;139;gbd4e3c3393_0_71:notes"/>
-          <p:cNvSpPr txBox="1">
-            <a:spLocks noGrp="1"/>
-          </p:cNvSpPr>
+          <p:cNvSpPr txBox="1"/>
           <p:nvPr>
-            <p:ph type="body" idx="1"/>
+            <p:ph idx="1" type="body"/>
           </p:nvPr>
         </p:nvSpPr>
         <p:spPr>
@@ -1024,20 +991,23 @@
           </a:prstGeom>
         </p:spPr>
         <p:txBody>
-          <a:bodyPr spcFirstLastPara="1" wrap="square" lIns="91425" tIns="91425" rIns="91425" bIns="91425" anchor="t" anchorCtr="0">
+          <a:bodyPr anchorCtr="0" anchor="t" bIns="91425" lIns="91425" spcFirstLastPara="1" rIns="91425" wrap="square" tIns="91425">
             <a:noAutofit/>
           </a:bodyPr>
           <a:lstStyle/>
           <a:p>
-            <a:pPr marL="0" lvl="0" indent="0" algn="l" rtl="0">
-              <a:spcBef>
-                <a:spcPts val="0"/>
-              </a:spcBef>
-              <a:spcAft>
-                <a:spcPts val="0"/>
-              </a:spcAft>
-              <a:buNone/>
-            </a:pPr>
+            <a:pPr indent="0" lvl="0" marL="0" rtl="0" algn="l">
+              <a:spcBef>
+                <a:spcPts val="0"/>
+              </a:spcBef>
+              <a:spcAft>
+                <a:spcPts val="0"/>
+              </a:spcAft>
+              <a:buNone/>
+            </a:pPr>
+            <a:r>
+              <a:t/>
+            </a:r>
             <a:endParaRPr/>
           </a:p>
         </p:txBody>
@@ -1051,11 +1021,11 @@
 </file>
 
 <file path=ppt/notesSlides/notesSlide12.xml><?xml version="1.0" encoding="utf-8"?>
-<p:notes xmlns:a="http://schemas.openxmlformats.org/drawingml/2006/main" xmlns:r="http://schemas.openxmlformats.org/officeDocument/2006/relationships" xmlns:p="http://schemas.openxmlformats.org/presentationml/2006/main" showMasterSp="0" showMasterPhAnim="0">
+<p:notes xmlns:a="http://schemas.openxmlformats.org/drawingml/2006/main" xmlns:r="http://schemas.openxmlformats.org/officeDocument/2006/relationships" xmlns:mc="http://schemas.openxmlformats.org/markup-compatibility/2006" xmlns:mv="urn:schemas-microsoft-com:mac:vml" xmlns:p="http://schemas.openxmlformats.org/presentationml/2006/main" xmlns:c="http://schemas.openxmlformats.org/drawingml/2006/chart" xmlns:dgm="http://schemas.openxmlformats.org/drawingml/2006/diagram" xmlns:o="urn:schemas-microsoft-com:office:office" xmlns:v="urn:schemas-microsoft-com:vml" xmlns:pvml="urn:schemas-microsoft-com:office:powerpoint" xmlns:com="http://schemas.openxmlformats.org/drawingml/2006/compatibility" xmlns:p14="http://schemas.microsoft.com/office/powerpoint/2010/main" xmlns:p15="http://schemas.microsoft.com/office/powerpoint/2012/main" xmlns:ahyp="http://schemas.microsoft.com/office/drawing/2018/hyperlinkcolor" showMasterPhAnim="0" showMasterSp="0">
   <p:cSld>
     <p:spTree>
       <p:nvGrpSpPr>
-        <p:cNvPr id="1" name="Shape 147"/>
+        <p:cNvPr id="147" name="Shape 147"/>
         <p:cNvGrpSpPr/>
         <p:nvPr/>
       </p:nvGrpSpPr>
@@ -1070,11 +1040,9 @@
       <p:sp>
         <p:nvSpPr>
           <p:cNvPr id="148" name="Google Shape;148;g79a09d0157_0_1:notes"/>
-          <p:cNvSpPr>
-            <a:spLocks noGrp="1" noRot="1" noChangeAspect="1"/>
-          </p:cNvSpPr>
+          <p:cNvSpPr/>
           <p:nvPr>
-            <p:ph type="sldImg" idx="2"/>
+            <p:ph idx="2" type="sldImg"/>
           </p:nvPr>
         </p:nvSpPr>
         <p:spPr>
@@ -1083,13 +1051,9 @@
             <a:ext cx="6096000" cy="3429000"/>
           </a:xfrm>
           <a:custGeom>
-            <a:avLst/>
-            <a:gdLst/>
-            <a:ahLst/>
-            <a:cxnLst/>
-            <a:rect l="l" t="t" r="r" b="b"/>
+            <a:rect b="b" l="l" r="r" t="t"/>
             <a:pathLst>
-              <a:path w="120000" h="120000" extrusionOk="0">
+              <a:path extrusionOk="0" h="120000" w="120000">
                 <a:moveTo>
                   <a:pt x="0" y="0"/>
                 </a:moveTo>
@@ -1111,11 +1075,9 @@
       <p:sp>
         <p:nvSpPr>
           <p:cNvPr id="149" name="Google Shape;149;g79a09d0157_0_1:notes"/>
-          <p:cNvSpPr txBox="1">
-            <a:spLocks noGrp="1"/>
-          </p:cNvSpPr>
+          <p:cNvSpPr txBox="1"/>
           <p:nvPr>
-            <p:ph type="body" idx="1"/>
+            <p:ph idx="1" type="body"/>
           </p:nvPr>
         </p:nvSpPr>
         <p:spPr>
@@ -1128,20 +1090,23 @@
           </a:prstGeom>
         </p:spPr>
         <p:txBody>
-          <a:bodyPr spcFirstLastPara="1" wrap="square" lIns="91425" tIns="91425" rIns="91425" bIns="91425" anchor="t" anchorCtr="0">
+          <a:bodyPr anchorCtr="0" anchor="t" bIns="91425" lIns="91425" spcFirstLastPara="1" rIns="91425" wrap="square" tIns="91425">
             <a:noAutofit/>
           </a:bodyPr>
           <a:lstStyle/>
           <a:p>
-            <a:pPr marL="0" lvl="0" indent="0" algn="l" rtl="0">
-              <a:spcBef>
-                <a:spcPts val="0"/>
-              </a:spcBef>
-              <a:spcAft>
-                <a:spcPts val="0"/>
-              </a:spcAft>
-              <a:buNone/>
-            </a:pPr>
+            <a:pPr indent="0" lvl="0" marL="0" rtl="0" algn="l">
+              <a:spcBef>
+                <a:spcPts val="0"/>
+              </a:spcBef>
+              <a:spcAft>
+                <a:spcPts val="0"/>
+              </a:spcAft>
+              <a:buNone/>
+            </a:pPr>
+            <a:r>
+              <a:t/>
+            </a:r>
             <a:endParaRPr/>
           </a:p>
         </p:txBody>
@@ -1155,11 +1120,11 @@
 </file>
 
 <file path=ppt/notesSlides/notesSlide13.xml><?xml version="1.0" encoding="utf-8"?>
-<p:notes xmlns:a="http://schemas.openxmlformats.org/drawingml/2006/main" xmlns:r="http://schemas.openxmlformats.org/officeDocument/2006/relationships" xmlns:p="http://schemas.openxmlformats.org/presentationml/2006/main" showMasterSp="0" showMasterPhAnim="0">
+<p:notes xmlns:a="http://schemas.openxmlformats.org/drawingml/2006/main" xmlns:r="http://schemas.openxmlformats.org/officeDocument/2006/relationships" xmlns:mc="http://schemas.openxmlformats.org/markup-compatibility/2006" xmlns:mv="urn:schemas-microsoft-com:mac:vml" xmlns:p="http://schemas.openxmlformats.org/presentationml/2006/main" xmlns:c="http://schemas.openxmlformats.org/drawingml/2006/chart" xmlns:dgm="http://schemas.openxmlformats.org/drawingml/2006/diagram" xmlns:o="urn:schemas-microsoft-com:office:office" xmlns:v="urn:schemas-microsoft-com:vml" xmlns:pvml="urn:schemas-microsoft-com:office:powerpoint" xmlns:com="http://schemas.openxmlformats.org/drawingml/2006/compatibility" xmlns:p14="http://schemas.microsoft.com/office/powerpoint/2010/main" xmlns:p15="http://schemas.microsoft.com/office/powerpoint/2012/main" xmlns:ahyp="http://schemas.microsoft.com/office/drawing/2018/hyperlinkcolor" showMasterPhAnim="0" showMasterSp="0">
   <p:cSld>
     <p:spTree>
       <p:nvGrpSpPr>
-        <p:cNvPr id="1" name="Shape 172"/>
+        <p:cNvPr id="172" name="Shape 172"/>
         <p:cNvGrpSpPr/>
         <p:nvPr/>
       </p:nvGrpSpPr>
@@ -1174,11 +1139,9 @@
       <p:sp>
         <p:nvSpPr>
           <p:cNvPr id="173" name="Google Shape;173;g79a09d0157_0_28:notes"/>
-          <p:cNvSpPr>
-            <a:spLocks noGrp="1" noRot="1" noChangeAspect="1"/>
-          </p:cNvSpPr>
+          <p:cNvSpPr/>
           <p:nvPr>
-            <p:ph type="sldImg" idx="2"/>
+            <p:ph idx="2" type="sldImg"/>
           </p:nvPr>
         </p:nvSpPr>
         <p:spPr>
@@ -1187,13 +1150,9 @@
             <a:ext cx="6096000" cy="3429000"/>
           </a:xfrm>
           <a:custGeom>
-            <a:avLst/>
-            <a:gdLst/>
-            <a:ahLst/>
-            <a:cxnLst/>
-            <a:rect l="l" t="t" r="r" b="b"/>
+            <a:rect b="b" l="l" r="r" t="t"/>
             <a:pathLst>
-              <a:path w="120000" h="120000" extrusionOk="0">
+              <a:path extrusionOk="0" h="120000" w="120000">
                 <a:moveTo>
                   <a:pt x="0" y="0"/>
                 </a:moveTo>
@@ -1215,11 +1174,9 @@
       <p:sp>
         <p:nvSpPr>
           <p:cNvPr id="174" name="Google Shape;174;g79a09d0157_0_28:notes"/>
-          <p:cNvSpPr txBox="1">
-            <a:spLocks noGrp="1"/>
-          </p:cNvSpPr>
+          <p:cNvSpPr txBox="1"/>
           <p:nvPr>
-            <p:ph type="body" idx="1"/>
+            <p:ph idx="1" type="body"/>
           </p:nvPr>
         </p:nvSpPr>
         <p:spPr>
@@ -1232,20 +1189,23 @@
           </a:prstGeom>
         </p:spPr>
         <p:txBody>
-          <a:bodyPr spcFirstLastPara="1" wrap="square" lIns="91425" tIns="91425" rIns="91425" bIns="91425" anchor="t" anchorCtr="0">
+          <a:bodyPr anchorCtr="0" anchor="t" bIns="91425" lIns="91425" spcFirstLastPara="1" rIns="91425" wrap="square" tIns="91425">
             <a:noAutofit/>
           </a:bodyPr>
           <a:lstStyle/>
           <a:p>
-            <a:pPr marL="0" lvl="0" indent="0" algn="l" rtl="0">
-              <a:spcBef>
-                <a:spcPts val="0"/>
-              </a:spcBef>
-              <a:spcAft>
-                <a:spcPts val="0"/>
-              </a:spcAft>
-              <a:buNone/>
-            </a:pPr>
+            <a:pPr indent="0" lvl="0" marL="0" rtl="0" algn="l">
+              <a:spcBef>
+                <a:spcPts val="0"/>
+              </a:spcBef>
+              <a:spcAft>
+                <a:spcPts val="0"/>
+              </a:spcAft>
+              <a:buNone/>
+            </a:pPr>
+            <a:r>
+              <a:t/>
+            </a:r>
             <a:endParaRPr/>
           </a:p>
         </p:txBody>
@@ -1259,11 +1219,11 @@
 </file>
 
 <file path=ppt/notesSlides/notesSlide14.xml><?xml version="1.0" encoding="utf-8"?>
-<p:notes xmlns:a="http://schemas.openxmlformats.org/drawingml/2006/main" xmlns:r="http://schemas.openxmlformats.org/officeDocument/2006/relationships" xmlns:p="http://schemas.openxmlformats.org/presentationml/2006/main" showMasterSp="0" showMasterPhAnim="0">
+<p:notes xmlns:a="http://schemas.openxmlformats.org/drawingml/2006/main" xmlns:r="http://schemas.openxmlformats.org/officeDocument/2006/relationships" xmlns:mc="http://schemas.openxmlformats.org/markup-compatibility/2006" xmlns:mv="urn:schemas-microsoft-com:mac:vml" xmlns:p="http://schemas.openxmlformats.org/presentationml/2006/main" xmlns:c="http://schemas.openxmlformats.org/drawingml/2006/chart" xmlns:dgm="http://schemas.openxmlformats.org/drawingml/2006/diagram" xmlns:o="urn:schemas-microsoft-com:office:office" xmlns:v="urn:schemas-microsoft-com:vml" xmlns:pvml="urn:schemas-microsoft-com:office:powerpoint" xmlns:com="http://schemas.openxmlformats.org/drawingml/2006/compatibility" xmlns:p14="http://schemas.microsoft.com/office/powerpoint/2010/main" xmlns:p15="http://schemas.microsoft.com/office/powerpoint/2012/main" xmlns:ahyp="http://schemas.microsoft.com/office/drawing/2018/hyperlinkcolor" showMasterPhAnim="0" showMasterSp="0">
   <p:cSld>
     <p:spTree>
       <p:nvGrpSpPr>
-        <p:cNvPr id="1" name="Shape 181"/>
+        <p:cNvPr id="181" name="Shape 181"/>
         <p:cNvGrpSpPr/>
         <p:nvPr/>
       </p:nvGrpSpPr>
@@ -1278,11 +1238,9 @@
       <p:sp>
         <p:nvSpPr>
           <p:cNvPr id="182" name="Google Shape;182;gbd4e3c3393_0_89:notes"/>
-          <p:cNvSpPr>
-            <a:spLocks noGrp="1" noRot="1" noChangeAspect="1"/>
-          </p:cNvSpPr>
+          <p:cNvSpPr/>
           <p:nvPr>
-            <p:ph type="sldImg" idx="2"/>
+            <p:ph idx="2" type="sldImg"/>
           </p:nvPr>
         </p:nvSpPr>
         <p:spPr>
@@ -1291,13 +1249,9 @@
             <a:ext cx="6096000" cy="3429000"/>
           </a:xfrm>
           <a:custGeom>
-            <a:avLst/>
-            <a:gdLst/>
-            <a:ahLst/>
-            <a:cxnLst/>
-            <a:rect l="l" t="t" r="r" b="b"/>
+            <a:rect b="b" l="l" r="r" t="t"/>
             <a:pathLst>
-              <a:path w="120000" h="120000" extrusionOk="0">
+              <a:path extrusionOk="0" h="120000" w="120000">
                 <a:moveTo>
                   <a:pt x="0" y="0"/>
                 </a:moveTo>
@@ -1319,11 +1273,9 @@
       <p:sp>
         <p:nvSpPr>
           <p:cNvPr id="183" name="Google Shape;183;gbd4e3c3393_0_89:notes"/>
-          <p:cNvSpPr txBox="1">
-            <a:spLocks noGrp="1"/>
-          </p:cNvSpPr>
+          <p:cNvSpPr txBox="1"/>
           <p:nvPr>
-            <p:ph type="body" idx="1"/>
+            <p:ph idx="1" type="body"/>
           </p:nvPr>
         </p:nvSpPr>
         <p:spPr>
@@ -1336,20 +1288,23 @@
           </a:prstGeom>
         </p:spPr>
         <p:txBody>
-          <a:bodyPr spcFirstLastPara="1" wrap="square" lIns="91425" tIns="91425" rIns="91425" bIns="91425" anchor="t" anchorCtr="0">
+          <a:bodyPr anchorCtr="0" anchor="t" bIns="91425" lIns="91425" spcFirstLastPara="1" rIns="91425" wrap="square" tIns="91425">
             <a:noAutofit/>
           </a:bodyPr>
           <a:lstStyle/>
           <a:p>
-            <a:pPr marL="0" lvl="0" indent="0" algn="l" rtl="0">
-              <a:spcBef>
-                <a:spcPts val="0"/>
-              </a:spcBef>
-              <a:spcAft>
-                <a:spcPts val="0"/>
-              </a:spcAft>
-              <a:buNone/>
-            </a:pPr>
+            <a:pPr indent="0" lvl="0" marL="0" rtl="0" algn="l">
+              <a:spcBef>
+                <a:spcPts val="0"/>
+              </a:spcBef>
+              <a:spcAft>
+                <a:spcPts val="0"/>
+              </a:spcAft>
+              <a:buNone/>
+            </a:pPr>
+            <a:r>
+              <a:t/>
+            </a:r>
             <a:endParaRPr/>
           </a:p>
         </p:txBody>
@@ -1363,11 +1318,11 @@
 </file>
 
 <file path=ppt/notesSlides/notesSlide15.xml><?xml version="1.0" encoding="utf-8"?>
-<p:notes xmlns:a="http://schemas.openxmlformats.org/drawingml/2006/main" xmlns:r="http://schemas.openxmlformats.org/officeDocument/2006/relationships" xmlns:p="http://schemas.openxmlformats.org/presentationml/2006/main" showMasterSp="0" showMasterPhAnim="0">
+<p:notes xmlns:a="http://schemas.openxmlformats.org/drawingml/2006/main" xmlns:r="http://schemas.openxmlformats.org/officeDocument/2006/relationships" xmlns:mc="http://schemas.openxmlformats.org/markup-compatibility/2006" xmlns:mv="urn:schemas-microsoft-com:mac:vml" xmlns:p="http://schemas.openxmlformats.org/presentationml/2006/main" xmlns:c="http://schemas.openxmlformats.org/drawingml/2006/chart" xmlns:dgm="http://schemas.openxmlformats.org/drawingml/2006/diagram" xmlns:o="urn:schemas-microsoft-com:office:office" xmlns:v="urn:schemas-microsoft-com:vml" xmlns:pvml="urn:schemas-microsoft-com:office:powerpoint" xmlns:com="http://schemas.openxmlformats.org/drawingml/2006/compatibility" xmlns:p14="http://schemas.microsoft.com/office/powerpoint/2010/main" xmlns:p15="http://schemas.microsoft.com/office/powerpoint/2012/main" xmlns:ahyp="http://schemas.microsoft.com/office/drawing/2018/hyperlinkcolor" showMasterPhAnim="0" showMasterSp="0">
   <p:cSld>
     <p:spTree>
       <p:nvGrpSpPr>
-        <p:cNvPr id="1" name="Shape 187"/>
+        <p:cNvPr id="187" name="Shape 187"/>
         <p:cNvGrpSpPr/>
         <p:nvPr/>
       </p:nvGrpSpPr>
@@ -1382,11 +1337,9 @@
       <p:sp>
         <p:nvSpPr>
           <p:cNvPr id="188" name="Google Shape;188;gbd4e3c3393_0_83:notes"/>
-          <p:cNvSpPr>
-            <a:spLocks noGrp="1" noRot="1" noChangeAspect="1"/>
-          </p:cNvSpPr>
+          <p:cNvSpPr/>
           <p:nvPr>
-            <p:ph type="sldImg" idx="2"/>
+            <p:ph idx="2" type="sldImg"/>
           </p:nvPr>
         </p:nvSpPr>
         <p:spPr>
@@ -1395,13 +1348,9 @@
             <a:ext cx="6096000" cy="3429000"/>
           </a:xfrm>
           <a:custGeom>
-            <a:avLst/>
-            <a:gdLst/>
-            <a:ahLst/>
-            <a:cxnLst/>
-            <a:rect l="l" t="t" r="r" b="b"/>
+            <a:rect b="b" l="l" r="r" t="t"/>
             <a:pathLst>
-              <a:path w="120000" h="120000" extrusionOk="0">
+              <a:path extrusionOk="0" h="120000" w="120000">
                 <a:moveTo>
                   <a:pt x="0" y="0"/>
                 </a:moveTo>
@@ -1423,11 +1372,9 @@
       <p:sp>
         <p:nvSpPr>
           <p:cNvPr id="189" name="Google Shape;189;gbd4e3c3393_0_83:notes"/>
-          <p:cNvSpPr txBox="1">
-            <a:spLocks noGrp="1"/>
-          </p:cNvSpPr>
+          <p:cNvSpPr txBox="1"/>
           <p:nvPr>
-            <p:ph type="body" idx="1"/>
+            <p:ph idx="1" type="body"/>
           </p:nvPr>
         </p:nvSpPr>
         <p:spPr>
@@ -1440,20 +1387,23 @@
           </a:prstGeom>
         </p:spPr>
         <p:txBody>
-          <a:bodyPr spcFirstLastPara="1" wrap="square" lIns="91425" tIns="91425" rIns="91425" bIns="91425" anchor="t" anchorCtr="0">
+          <a:bodyPr anchorCtr="0" anchor="t" bIns="91425" lIns="91425" spcFirstLastPara="1" rIns="91425" wrap="square" tIns="91425">
             <a:noAutofit/>
           </a:bodyPr>
           <a:lstStyle/>
           <a:p>
-            <a:pPr marL="0" lvl="0" indent="0" algn="l" rtl="0">
-              <a:spcBef>
-                <a:spcPts val="0"/>
-              </a:spcBef>
-              <a:spcAft>
-                <a:spcPts val="0"/>
-              </a:spcAft>
-              <a:buNone/>
-            </a:pPr>
+            <a:pPr indent="0" lvl="0" marL="0" rtl="0" algn="l">
+              <a:spcBef>
+                <a:spcPts val="0"/>
+              </a:spcBef>
+              <a:spcAft>
+                <a:spcPts val="0"/>
+              </a:spcAft>
+              <a:buNone/>
+            </a:pPr>
+            <a:r>
+              <a:t/>
+            </a:r>
             <a:endParaRPr/>
           </a:p>
         </p:txBody>
@@ -1467,11 +1417,11 @@
 </file>
 
 <file path=ppt/notesSlides/notesSlide16.xml><?xml version="1.0" encoding="utf-8"?>
-<p:notes xmlns:a="http://schemas.openxmlformats.org/drawingml/2006/main" xmlns:r="http://schemas.openxmlformats.org/officeDocument/2006/relationships" xmlns:p="http://schemas.openxmlformats.org/presentationml/2006/main" showMasterSp="0" showMasterPhAnim="0">
+<p:notes xmlns:a="http://schemas.openxmlformats.org/drawingml/2006/main" xmlns:r="http://schemas.openxmlformats.org/officeDocument/2006/relationships" xmlns:mc="http://schemas.openxmlformats.org/markup-compatibility/2006" xmlns:mv="urn:schemas-microsoft-com:mac:vml" xmlns:p="http://schemas.openxmlformats.org/presentationml/2006/main" xmlns:c="http://schemas.openxmlformats.org/drawingml/2006/chart" xmlns:dgm="http://schemas.openxmlformats.org/drawingml/2006/diagram" xmlns:o="urn:schemas-microsoft-com:office:office" xmlns:v="urn:schemas-microsoft-com:vml" xmlns:pvml="urn:schemas-microsoft-com:office:powerpoint" xmlns:com="http://schemas.openxmlformats.org/drawingml/2006/compatibility" xmlns:p14="http://schemas.microsoft.com/office/powerpoint/2010/main" xmlns:p15="http://schemas.microsoft.com/office/powerpoint/2012/main" xmlns:ahyp="http://schemas.microsoft.com/office/drawing/2018/hyperlinkcolor" showMasterPhAnim="0" showMasterSp="0">
   <p:cSld>
     <p:spTree>
       <p:nvGrpSpPr>
-        <p:cNvPr id="1" name="Shape 193"/>
+        <p:cNvPr id="193" name="Shape 193"/>
         <p:cNvGrpSpPr/>
         <p:nvPr/>
       </p:nvGrpSpPr>
@@ -1486,11 +1436,9 @@
       <p:sp>
         <p:nvSpPr>
           <p:cNvPr id="194" name="Google Shape;194;gbd4e3c3393_0_96:notes"/>
-          <p:cNvSpPr>
-            <a:spLocks noGrp="1" noRot="1" noChangeAspect="1"/>
-          </p:cNvSpPr>
+          <p:cNvSpPr/>
           <p:nvPr>
-            <p:ph type="sldImg" idx="2"/>
+            <p:ph idx="2" type="sldImg"/>
           </p:nvPr>
         </p:nvSpPr>
         <p:spPr>
@@ -1499,13 +1447,9 @@
             <a:ext cx="6096000" cy="3429000"/>
           </a:xfrm>
           <a:custGeom>
-            <a:avLst/>
-            <a:gdLst/>
-            <a:ahLst/>
-            <a:cxnLst/>
-            <a:rect l="l" t="t" r="r" b="b"/>
+            <a:rect b="b" l="l" r="r" t="t"/>
             <a:pathLst>
-              <a:path w="120000" h="120000" extrusionOk="0">
+              <a:path extrusionOk="0" h="120000" w="120000">
                 <a:moveTo>
                   <a:pt x="0" y="0"/>
                 </a:moveTo>
@@ -1527,11 +1471,9 @@
       <p:sp>
         <p:nvSpPr>
           <p:cNvPr id="195" name="Google Shape;195;gbd4e3c3393_0_96:notes"/>
-          <p:cNvSpPr txBox="1">
-            <a:spLocks noGrp="1"/>
-          </p:cNvSpPr>
+          <p:cNvSpPr txBox="1"/>
           <p:nvPr>
-            <p:ph type="body" idx="1"/>
+            <p:ph idx="1" type="body"/>
           </p:nvPr>
         </p:nvSpPr>
         <p:spPr>
@@ -1544,20 +1486,23 @@
           </a:prstGeom>
         </p:spPr>
         <p:txBody>
-          <a:bodyPr spcFirstLastPara="1" wrap="square" lIns="91425" tIns="91425" rIns="91425" bIns="91425" anchor="t" anchorCtr="0">
+          <a:bodyPr anchorCtr="0" anchor="t" bIns="91425" lIns="91425" spcFirstLastPara="1" rIns="91425" wrap="square" tIns="91425">
             <a:noAutofit/>
           </a:bodyPr>
           <a:lstStyle/>
           <a:p>
-            <a:pPr marL="0" lvl="0" indent="0" algn="l" rtl="0">
-              <a:spcBef>
-                <a:spcPts val="0"/>
-              </a:spcBef>
-              <a:spcAft>
-                <a:spcPts val="0"/>
-              </a:spcAft>
-              <a:buNone/>
-            </a:pPr>
+            <a:pPr indent="0" lvl="0" marL="0" rtl="0" algn="l">
+              <a:spcBef>
+                <a:spcPts val="0"/>
+              </a:spcBef>
+              <a:spcAft>
+                <a:spcPts val="0"/>
+              </a:spcAft>
+              <a:buNone/>
+            </a:pPr>
+            <a:r>
+              <a:t/>
+            </a:r>
             <a:endParaRPr/>
           </a:p>
         </p:txBody>
@@ -1571,11 +1516,11 @@
 </file>
 
 <file path=ppt/notesSlides/notesSlide17.xml><?xml version="1.0" encoding="utf-8"?>
-<p:notes xmlns:a="http://schemas.openxmlformats.org/drawingml/2006/main" xmlns:r="http://schemas.openxmlformats.org/officeDocument/2006/relationships" xmlns:p="http://schemas.openxmlformats.org/presentationml/2006/main" showMasterSp="0" showMasterPhAnim="0">
+<p:notes xmlns:a="http://schemas.openxmlformats.org/drawingml/2006/main" xmlns:r="http://schemas.openxmlformats.org/officeDocument/2006/relationships" xmlns:mc="http://schemas.openxmlformats.org/markup-compatibility/2006" xmlns:mv="urn:schemas-microsoft-com:mac:vml" xmlns:p="http://schemas.openxmlformats.org/presentationml/2006/main" xmlns:c="http://schemas.openxmlformats.org/drawingml/2006/chart" xmlns:dgm="http://schemas.openxmlformats.org/drawingml/2006/diagram" xmlns:o="urn:schemas-microsoft-com:office:office" xmlns:v="urn:schemas-microsoft-com:vml" xmlns:pvml="urn:schemas-microsoft-com:office:powerpoint" xmlns:com="http://schemas.openxmlformats.org/drawingml/2006/compatibility" xmlns:p14="http://schemas.microsoft.com/office/powerpoint/2010/main" xmlns:p15="http://schemas.microsoft.com/office/powerpoint/2012/main" xmlns:ahyp="http://schemas.microsoft.com/office/drawing/2018/hyperlinkcolor" showMasterPhAnim="0" showMasterSp="0">
   <p:cSld>
     <p:spTree>
       <p:nvGrpSpPr>
-        <p:cNvPr id="1" name="Shape 203"/>
+        <p:cNvPr id="203" name="Shape 203"/>
         <p:cNvGrpSpPr/>
         <p:nvPr/>
       </p:nvGrpSpPr>
@@ -1590,11 +1535,9 @@
       <p:sp>
         <p:nvSpPr>
           <p:cNvPr id="204" name="Google Shape;204;gbd4e3c3393_0_111:notes"/>
-          <p:cNvSpPr>
-            <a:spLocks noGrp="1" noRot="1" noChangeAspect="1"/>
-          </p:cNvSpPr>
+          <p:cNvSpPr/>
           <p:nvPr>
-            <p:ph type="sldImg" idx="2"/>
+            <p:ph idx="2" type="sldImg"/>
           </p:nvPr>
         </p:nvSpPr>
         <p:spPr>
@@ -1603,13 +1546,9 @@
             <a:ext cx="6096000" cy="3429000"/>
           </a:xfrm>
           <a:custGeom>
-            <a:avLst/>
-            <a:gdLst/>
-            <a:ahLst/>
-            <a:cxnLst/>
-            <a:rect l="l" t="t" r="r" b="b"/>
+            <a:rect b="b" l="l" r="r" t="t"/>
             <a:pathLst>
-              <a:path w="120000" h="120000" extrusionOk="0">
+              <a:path extrusionOk="0" h="120000" w="120000">
                 <a:moveTo>
                   <a:pt x="0" y="0"/>
                 </a:moveTo>
@@ -1631,11 +1570,9 @@
       <p:sp>
         <p:nvSpPr>
           <p:cNvPr id="205" name="Google Shape;205;gbd4e3c3393_0_111:notes"/>
-          <p:cNvSpPr txBox="1">
-            <a:spLocks noGrp="1"/>
-          </p:cNvSpPr>
+          <p:cNvSpPr txBox="1"/>
           <p:nvPr>
-            <p:ph type="body" idx="1"/>
+            <p:ph idx="1" type="body"/>
           </p:nvPr>
         </p:nvSpPr>
         <p:spPr>
@@ -1648,20 +1585,23 @@
           </a:prstGeom>
         </p:spPr>
         <p:txBody>
-          <a:bodyPr spcFirstLastPara="1" wrap="square" lIns="91425" tIns="91425" rIns="91425" bIns="91425" anchor="t" anchorCtr="0">
+          <a:bodyPr anchorCtr="0" anchor="t" bIns="91425" lIns="91425" spcFirstLastPara="1" rIns="91425" wrap="square" tIns="91425">
             <a:noAutofit/>
           </a:bodyPr>
           <a:lstStyle/>
           <a:p>
-            <a:pPr marL="0" lvl="0" indent="0" algn="l" rtl="0">
-              <a:spcBef>
-                <a:spcPts val="0"/>
-              </a:spcBef>
-              <a:spcAft>
-                <a:spcPts val="0"/>
-              </a:spcAft>
-              <a:buNone/>
-            </a:pPr>
+            <a:pPr indent="0" lvl="0" marL="0" rtl="0" algn="l">
+              <a:spcBef>
+                <a:spcPts val="0"/>
+              </a:spcBef>
+              <a:spcAft>
+                <a:spcPts val="0"/>
+              </a:spcAft>
+              <a:buNone/>
+            </a:pPr>
+            <a:r>
+              <a:t/>
+            </a:r>
             <a:endParaRPr/>
           </a:p>
         </p:txBody>
@@ -1675,11 +1615,11 @@
 </file>
 
 <file path=ppt/notesSlides/notesSlide18.xml><?xml version="1.0" encoding="utf-8"?>
-<p:notes xmlns:a="http://schemas.openxmlformats.org/drawingml/2006/main" xmlns:r="http://schemas.openxmlformats.org/officeDocument/2006/relationships" xmlns:p="http://schemas.openxmlformats.org/presentationml/2006/main" showMasterSp="0" showMasterPhAnim="0">
+<p:notes xmlns:a="http://schemas.openxmlformats.org/drawingml/2006/main" xmlns:r="http://schemas.openxmlformats.org/officeDocument/2006/relationships" xmlns:mc="http://schemas.openxmlformats.org/markup-compatibility/2006" xmlns:mv="urn:schemas-microsoft-com:mac:vml" xmlns:p="http://schemas.openxmlformats.org/presentationml/2006/main" xmlns:c="http://schemas.openxmlformats.org/drawingml/2006/chart" xmlns:dgm="http://schemas.openxmlformats.org/drawingml/2006/diagram" xmlns:o="urn:schemas-microsoft-com:office:office" xmlns:v="urn:schemas-microsoft-com:vml" xmlns:pvml="urn:schemas-microsoft-com:office:powerpoint" xmlns:com="http://schemas.openxmlformats.org/drawingml/2006/compatibility" xmlns:p14="http://schemas.microsoft.com/office/powerpoint/2010/main" xmlns:p15="http://schemas.microsoft.com/office/powerpoint/2012/main" xmlns:ahyp="http://schemas.microsoft.com/office/drawing/2018/hyperlinkcolor" showMasterPhAnim="0" showMasterSp="0">
   <p:cSld>
     <p:spTree>
       <p:nvGrpSpPr>
-        <p:cNvPr id="1" name="Shape 210"/>
+        <p:cNvPr id="210" name="Shape 210"/>
         <p:cNvGrpSpPr/>
         <p:nvPr/>
       </p:nvGrpSpPr>
@@ -1694,11 +1634,9 @@
       <p:sp>
         <p:nvSpPr>
           <p:cNvPr id="211" name="Google Shape;211;gbd4e3c3393_0_118:notes"/>
-          <p:cNvSpPr>
-            <a:spLocks noGrp="1" noRot="1" noChangeAspect="1"/>
-          </p:cNvSpPr>
+          <p:cNvSpPr/>
           <p:nvPr>
-            <p:ph type="sldImg" idx="2"/>
+            <p:ph idx="2" type="sldImg"/>
           </p:nvPr>
         </p:nvSpPr>
         <p:spPr>
@@ -1707,13 +1645,9 @@
             <a:ext cx="6096000" cy="3429000"/>
           </a:xfrm>
           <a:custGeom>
-            <a:avLst/>
-            <a:gdLst/>
-            <a:ahLst/>
-            <a:cxnLst/>
-            <a:rect l="l" t="t" r="r" b="b"/>
+            <a:rect b="b" l="l" r="r" t="t"/>
             <a:pathLst>
-              <a:path w="120000" h="120000" extrusionOk="0">
+              <a:path extrusionOk="0" h="120000" w="120000">
                 <a:moveTo>
                   <a:pt x="0" y="0"/>
                 </a:moveTo>
@@ -1735,11 +1669,9 @@
       <p:sp>
         <p:nvSpPr>
           <p:cNvPr id="212" name="Google Shape;212;gbd4e3c3393_0_118:notes"/>
-          <p:cNvSpPr txBox="1">
-            <a:spLocks noGrp="1"/>
-          </p:cNvSpPr>
+          <p:cNvSpPr txBox="1"/>
           <p:nvPr>
-            <p:ph type="body" idx="1"/>
+            <p:ph idx="1" type="body"/>
           </p:nvPr>
         </p:nvSpPr>
         <p:spPr>
@@ -1752,20 +1684,23 @@
           </a:prstGeom>
         </p:spPr>
         <p:txBody>
-          <a:bodyPr spcFirstLastPara="1" wrap="square" lIns="91425" tIns="91425" rIns="91425" bIns="91425" anchor="t" anchorCtr="0">
+          <a:bodyPr anchorCtr="0" anchor="t" bIns="91425" lIns="91425" spcFirstLastPara="1" rIns="91425" wrap="square" tIns="91425">
             <a:noAutofit/>
           </a:bodyPr>
           <a:lstStyle/>
           <a:p>
-            <a:pPr marL="0" lvl="0" indent="0" algn="l" rtl="0">
-              <a:spcBef>
-                <a:spcPts val="0"/>
-              </a:spcBef>
-              <a:spcAft>
-                <a:spcPts val="0"/>
-              </a:spcAft>
-              <a:buNone/>
-            </a:pPr>
+            <a:pPr indent="0" lvl="0" marL="0" rtl="0" algn="l">
+              <a:spcBef>
+                <a:spcPts val="0"/>
+              </a:spcBef>
+              <a:spcAft>
+                <a:spcPts val="0"/>
+              </a:spcAft>
+              <a:buNone/>
+            </a:pPr>
+            <a:r>
+              <a:t/>
+            </a:r>
             <a:endParaRPr/>
           </a:p>
         </p:txBody>
@@ -1779,11 +1714,11 @@
 </file>
 
 <file path=ppt/notesSlides/notesSlide19.xml><?xml version="1.0" encoding="utf-8"?>
-<p:notes xmlns:a="http://schemas.openxmlformats.org/drawingml/2006/main" xmlns:r="http://schemas.openxmlformats.org/officeDocument/2006/relationships" xmlns:p="http://schemas.openxmlformats.org/presentationml/2006/main" showMasterSp="0" showMasterPhAnim="0">
+<p:notes xmlns:a="http://schemas.openxmlformats.org/drawingml/2006/main" xmlns:r="http://schemas.openxmlformats.org/officeDocument/2006/relationships" xmlns:mc="http://schemas.openxmlformats.org/markup-compatibility/2006" xmlns:mv="urn:schemas-microsoft-com:mac:vml" xmlns:p="http://schemas.openxmlformats.org/presentationml/2006/main" xmlns:c="http://schemas.openxmlformats.org/drawingml/2006/chart" xmlns:dgm="http://schemas.openxmlformats.org/drawingml/2006/diagram" xmlns:o="urn:schemas-microsoft-com:office:office" xmlns:v="urn:schemas-microsoft-com:vml" xmlns:pvml="urn:schemas-microsoft-com:office:powerpoint" xmlns:com="http://schemas.openxmlformats.org/drawingml/2006/compatibility" xmlns:p14="http://schemas.microsoft.com/office/powerpoint/2010/main" xmlns:p15="http://schemas.microsoft.com/office/powerpoint/2012/main" xmlns:ahyp="http://schemas.microsoft.com/office/drawing/2018/hyperlinkcolor" showMasterPhAnim="0" showMasterSp="0">
   <p:cSld>
     <p:spTree>
       <p:nvGrpSpPr>
-        <p:cNvPr id="1" name="Shape 218"/>
+        <p:cNvPr id="218" name="Shape 218"/>
         <p:cNvGrpSpPr/>
         <p:nvPr/>
       </p:nvGrpSpPr>
@@ -1798,11 +1733,9 @@
       <p:sp>
         <p:nvSpPr>
           <p:cNvPr id="219" name="Google Shape;219;gbd4e3c3393_0_127:notes"/>
-          <p:cNvSpPr>
-            <a:spLocks noGrp="1" noRot="1" noChangeAspect="1"/>
-          </p:cNvSpPr>
+          <p:cNvSpPr/>
           <p:nvPr>
-            <p:ph type="sldImg" idx="2"/>
+            <p:ph idx="2" type="sldImg"/>
           </p:nvPr>
         </p:nvSpPr>
         <p:spPr>
@@ -1811,13 +1744,9 @@
             <a:ext cx="6096000" cy="3429000"/>
           </a:xfrm>
           <a:custGeom>
-            <a:avLst/>
-            <a:gdLst/>
-            <a:ahLst/>
-            <a:cxnLst/>
-            <a:rect l="l" t="t" r="r" b="b"/>
+            <a:rect b="b" l="l" r="r" t="t"/>
             <a:pathLst>
-              <a:path w="120000" h="120000" extrusionOk="0">
+              <a:path extrusionOk="0" h="120000" w="120000">
                 <a:moveTo>
                   <a:pt x="0" y="0"/>
                 </a:moveTo>
@@ -1839,11 +1768,9 @@
       <p:sp>
         <p:nvSpPr>
           <p:cNvPr id="220" name="Google Shape;220;gbd4e3c3393_0_127:notes"/>
-          <p:cNvSpPr txBox="1">
-            <a:spLocks noGrp="1"/>
-          </p:cNvSpPr>
+          <p:cNvSpPr txBox="1"/>
           <p:nvPr>
-            <p:ph type="body" idx="1"/>
+            <p:ph idx="1" type="body"/>
           </p:nvPr>
         </p:nvSpPr>
         <p:spPr>
@@ -1856,20 +1783,23 @@
           </a:prstGeom>
         </p:spPr>
         <p:txBody>
-          <a:bodyPr spcFirstLastPara="1" wrap="square" lIns="91425" tIns="91425" rIns="91425" bIns="91425" anchor="t" anchorCtr="0">
+          <a:bodyPr anchorCtr="0" anchor="t" bIns="91425" lIns="91425" spcFirstLastPara="1" rIns="91425" wrap="square" tIns="91425">
             <a:noAutofit/>
           </a:bodyPr>
           <a:lstStyle/>
           <a:p>
-            <a:pPr marL="0" lvl="0" indent="0" algn="l" rtl="0">
-              <a:spcBef>
-                <a:spcPts val="0"/>
-              </a:spcBef>
-              <a:spcAft>
-                <a:spcPts val="0"/>
-              </a:spcAft>
-              <a:buNone/>
-            </a:pPr>
+            <a:pPr indent="0" lvl="0" marL="0" rtl="0" algn="l">
+              <a:spcBef>
+                <a:spcPts val="0"/>
+              </a:spcBef>
+              <a:spcAft>
+                <a:spcPts val="0"/>
+              </a:spcAft>
+              <a:buNone/>
+            </a:pPr>
+            <a:r>
+              <a:t/>
+            </a:r>
             <a:endParaRPr/>
           </a:p>
         </p:txBody>
@@ -1883,11 +1813,11 @@
 </file>
 
 <file path=ppt/notesSlides/notesSlide2.xml><?xml version="1.0" encoding="utf-8"?>
-<p:notes xmlns:a="http://schemas.openxmlformats.org/drawingml/2006/main" xmlns:r="http://schemas.openxmlformats.org/officeDocument/2006/relationships" xmlns:p="http://schemas.openxmlformats.org/presentationml/2006/main" showMasterSp="0" showMasterPhAnim="0">
+<p:notes xmlns:a="http://schemas.openxmlformats.org/drawingml/2006/main" xmlns:r="http://schemas.openxmlformats.org/officeDocument/2006/relationships" xmlns:mc="http://schemas.openxmlformats.org/markup-compatibility/2006" xmlns:mv="urn:schemas-microsoft-com:mac:vml" xmlns:p="http://schemas.openxmlformats.org/presentationml/2006/main" xmlns:c="http://schemas.openxmlformats.org/drawingml/2006/chart" xmlns:dgm="http://schemas.openxmlformats.org/drawingml/2006/diagram" xmlns:o="urn:schemas-microsoft-com:office:office" xmlns:v="urn:schemas-microsoft-com:vml" xmlns:pvml="urn:schemas-microsoft-com:office:powerpoint" xmlns:com="http://schemas.openxmlformats.org/drawingml/2006/compatibility" xmlns:p14="http://schemas.microsoft.com/office/powerpoint/2010/main" xmlns:p15="http://schemas.microsoft.com/office/powerpoint/2012/main" xmlns:ahyp="http://schemas.microsoft.com/office/drawing/2018/hyperlinkcolor" showMasterPhAnim="0" showMasterSp="0">
   <p:cSld>
     <p:spTree>
       <p:nvGrpSpPr>
-        <p:cNvPr id="1" name="Shape 68"/>
+        <p:cNvPr id="68" name="Shape 68"/>
         <p:cNvGrpSpPr/>
         <p:nvPr/>
       </p:nvGrpSpPr>
@@ -1902,11 +1832,9 @@
       <p:sp>
         <p:nvSpPr>
           <p:cNvPr id="69" name="Google Shape;69;gbd4145eecd_0_372:notes"/>
-          <p:cNvSpPr>
-            <a:spLocks noGrp="1" noRot="1" noChangeAspect="1"/>
-          </p:cNvSpPr>
+          <p:cNvSpPr/>
           <p:nvPr>
-            <p:ph type="sldImg" idx="2"/>
+            <p:ph idx="2" type="sldImg"/>
           </p:nvPr>
         </p:nvSpPr>
         <p:spPr>
@@ -1915,13 +1843,9 @@
             <a:ext cx="6096000" cy="3429000"/>
           </a:xfrm>
           <a:custGeom>
-            <a:avLst/>
-            <a:gdLst/>
-            <a:ahLst/>
-            <a:cxnLst/>
-            <a:rect l="l" t="t" r="r" b="b"/>
+            <a:rect b="b" l="l" r="r" t="t"/>
             <a:pathLst>
-              <a:path w="120000" h="120000" extrusionOk="0">
+              <a:path extrusionOk="0" h="120000" w="120000">
                 <a:moveTo>
                   <a:pt x="0" y="0"/>
                 </a:moveTo>
@@ -1943,11 +1867,9 @@
       <p:sp>
         <p:nvSpPr>
           <p:cNvPr id="70" name="Google Shape;70;gbd4145eecd_0_372:notes"/>
-          <p:cNvSpPr txBox="1">
-            <a:spLocks noGrp="1"/>
-          </p:cNvSpPr>
+          <p:cNvSpPr txBox="1"/>
           <p:nvPr>
-            <p:ph type="body" idx="1"/>
+            <p:ph idx="1" type="body"/>
           </p:nvPr>
         </p:nvSpPr>
         <p:spPr>
@@ -1960,20 +1882,23 @@
           </a:prstGeom>
         </p:spPr>
         <p:txBody>
-          <a:bodyPr spcFirstLastPara="1" wrap="square" lIns="91425" tIns="91425" rIns="91425" bIns="91425" anchor="t" anchorCtr="0">
+          <a:bodyPr anchorCtr="0" anchor="t" bIns="91425" lIns="91425" spcFirstLastPara="1" rIns="91425" wrap="square" tIns="91425">
             <a:noAutofit/>
           </a:bodyPr>
           <a:lstStyle/>
           <a:p>
-            <a:pPr marL="0" lvl="0" indent="0" algn="l" rtl="0">
-              <a:spcBef>
-                <a:spcPts val="0"/>
-              </a:spcBef>
-              <a:spcAft>
-                <a:spcPts val="0"/>
-              </a:spcAft>
-              <a:buNone/>
-            </a:pPr>
+            <a:pPr indent="0" lvl="0" marL="0" rtl="0" algn="l">
+              <a:spcBef>
+                <a:spcPts val="0"/>
+              </a:spcBef>
+              <a:spcAft>
+                <a:spcPts val="0"/>
+              </a:spcAft>
+              <a:buNone/>
+            </a:pPr>
+            <a:r>
+              <a:t/>
+            </a:r>
             <a:endParaRPr/>
           </a:p>
         </p:txBody>
@@ -1987,11 +1912,11 @@
 </file>
 
 <file path=ppt/notesSlides/notesSlide20.xml><?xml version="1.0" encoding="utf-8"?>
-<p:notes xmlns:a="http://schemas.openxmlformats.org/drawingml/2006/main" xmlns:r="http://schemas.openxmlformats.org/officeDocument/2006/relationships" xmlns:p="http://schemas.openxmlformats.org/presentationml/2006/main" showMasterSp="0" showMasterPhAnim="0">
+<p:notes xmlns:a="http://schemas.openxmlformats.org/drawingml/2006/main" xmlns:r="http://schemas.openxmlformats.org/officeDocument/2006/relationships" xmlns:mc="http://schemas.openxmlformats.org/markup-compatibility/2006" xmlns:mv="urn:schemas-microsoft-com:mac:vml" xmlns:p="http://schemas.openxmlformats.org/presentationml/2006/main" xmlns:c="http://schemas.openxmlformats.org/drawingml/2006/chart" xmlns:dgm="http://schemas.openxmlformats.org/drawingml/2006/diagram" xmlns:o="urn:schemas-microsoft-com:office:office" xmlns:v="urn:schemas-microsoft-com:vml" xmlns:pvml="urn:schemas-microsoft-com:office:powerpoint" xmlns:com="http://schemas.openxmlformats.org/drawingml/2006/compatibility" xmlns:p14="http://schemas.microsoft.com/office/powerpoint/2010/main" xmlns:p15="http://schemas.microsoft.com/office/powerpoint/2012/main" xmlns:ahyp="http://schemas.microsoft.com/office/drawing/2018/hyperlinkcolor" showMasterPhAnim="0" showMasterSp="0">
   <p:cSld>
     <p:spTree>
       <p:nvGrpSpPr>
-        <p:cNvPr id="1" name="Shape 226"/>
+        <p:cNvPr id="226" name="Shape 226"/>
         <p:cNvGrpSpPr/>
         <p:nvPr/>
       </p:nvGrpSpPr>
@@ -2006,11 +1931,9 @@
       <p:sp>
         <p:nvSpPr>
           <p:cNvPr id="227" name="Google Shape;227;gbd4e3c3393_0_135:notes"/>
-          <p:cNvSpPr>
-            <a:spLocks noGrp="1" noRot="1" noChangeAspect="1"/>
-          </p:cNvSpPr>
+          <p:cNvSpPr/>
           <p:nvPr>
-            <p:ph type="sldImg" idx="2"/>
+            <p:ph idx="2" type="sldImg"/>
           </p:nvPr>
         </p:nvSpPr>
         <p:spPr>
@@ -2019,13 +1942,9 @@
             <a:ext cx="6096000" cy="3429000"/>
           </a:xfrm>
           <a:custGeom>
-            <a:avLst/>
-            <a:gdLst/>
-            <a:ahLst/>
-            <a:cxnLst/>
-            <a:rect l="l" t="t" r="r" b="b"/>
+            <a:rect b="b" l="l" r="r" t="t"/>
             <a:pathLst>
-              <a:path w="120000" h="120000" extrusionOk="0">
+              <a:path extrusionOk="0" h="120000" w="120000">
                 <a:moveTo>
                   <a:pt x="0" y="0"/>
                 </a:moveTo>
@@ -2047,11 +1966,9 @@
       <p:sp>
         <p:nvSpPr>
           <p:cNvPr id="228" name="Google Shape;228;gbd4e3c3393_0_135:notes"/>
-          <p:cNvSpPr txBox="1">
-            <a:spLocks noGrp="1"/>
-          </p:cNvSpPr>
+          <p:cNvSpPr txBox="1"/>
           <p:nvPr>
-            <p:ph type="body" idx="1"/>
+            <p:ph idx="1" type="body"/>
           </p:nvPr>
         </p:nvSpPr>
         <p:spPr>
@@ -2064,20 +1981,23 @@
           </a:prstGeom>
         </p:spPr>
         <p:txBody>
-          <a:bodyPr spcFirstLastPara="1" wrap="square" lIns="91425" tIns="91425" rIns="91425" bIns="91425" anchor="t" anchorCtr="0">
+          <a:bodyPr anchorCtr="0" anchor="t" bIns="91425" lIns="91425" spcFirstLastPara="1" rIns="91425" wrap="square" tIns="91425">
             <a:noAutofit/>
           </a:bodyPr>
           <a:lstStyle/>
           <a:p>
-            <a:pPr marL="0" lvl="0" indent="0" algn="l" rtl="0">
-              <a:spcBef>
-                <a:spcPts val="0"/>
-              </a:spcBef>
-              <a:spcAft>
-                <a:spcPts val="0"/>
-              </a:spcAft>
-              <a:buNone/>
-            </a:pPr>
+            <a:pPr indent="0" lvl="0" marL="0" rtl="0" algn="l">
+              <a:spcBef>
+                <a:spcPts val="0"/>
+              </a:spcBef>
+              <a:spcAft>
+                <a:spcPts val="0"/>
+              </a:spcAft>
+              <a:buNone/>
+            </a:pPr>
+            <a:r>
+              <a:t/>
+            </a:r>
             <a:endParaRPr/>
           </a:p>
         </p:txBody>
@@ -2091,11 +2011,11 @@
 </file>
 
 <file path=ppt/notesSlides/notesSlide21.xml><?xml version="1.0" encoding="utf-8"?>
-<p:notes xmlns:a="http://schemas.openxmlformats.org/drawingml/2006/main" xmlns:r="http://schemas.openxmlformats.org/officeDocument/2006/relationships" xmlns:p="http://schemas.openxmlformats.org/presentationml/2006/main" showMasterSp="0" showMasterPhAnim="0">
+<p:notes xmlns:a="http://schemas.openxmlformats.org/drawingml/2006/main" xmlns:r="http://schemas.openxmlformats.org/officeDocument/2006/relationships" xmlns:mc="http://schemas.openxmlformats.org/markup-compatibility/2006" xmlns:mv="urn:schemas-microsoft-com:mac:vml" xmlns:p="http://schemas.openxmlformats.org/presentationml/2006/main" xmlns:c="http://schemas.openxmlformats.org/drawingml/2006/chart" xmlns:dgm="http://schemas.openxmlformats.org/drawingml/2006/diagram" xmlns:o="urn:schemas-microsoft-com:office:office" xmlns:v="urn:schemas-microsoft-com:vml" xmlns:pvml="urn:schemas-microsoft-com:office:powerpoint" xmlns:com="http://schemas.openxmlformats.org/drawingml/2006/compatibility" xmlns:p14="http://schemas.microsoft.com/office/powerpoint/2010/main" xmlns:p15="http://schemas.microsoft.com/office/powerpoint/2012/main" xmlns:ahyp="http://schemas.microsoft.com/office/drawing/2018/hyperlinkcolor" showMasterPhAnim="0" showMasterSp="0">
   <p:cSld>
     <p:spTree>
       <p:nvGrpSpPr>
-        <p:cNvPr id="1" name="Shape 233"/>
+        <p:cNvPr id="233" name="Shape 233"/>
         <p:cNvGrpSpPr/>
         <p:nvPr/>
       </p:nvGrpSpPr>
@@ -2110,11 +2030,9 @@
       <p:sp>
         <p:nvSpPr>
           <p:cNvPr id="234" name="Google Shape;234;g79a09d0157_0_43:notes"/>
-          <p:cNvSpPr>
-            <a:spLocks noGrp="1" noRot="1" noChangeAspect="1"/>
-          </p:cNvSpPr>
+          <p:cNvSpPr/>
           <p:nvPr>
-            <p:ph type="sldImg" idx="2"/>
+            <p:ph idx="2" type="sldImg"/>
           </p:nvPr>
         </p:nvSpPr>
         <p:spPr>
@@ -2123,13 +2041,9 @@
             <a:ext cx="6096000" cy="3429000"/>
           </a:xfrm>
           <a:custGeom>
-            <a:avLst/>
-            <a:gdLst/>
-            <a:ahLst/>
-            <a:cxnLst/>
-            <a:rect l="l" t="t" r="r" b="b"/>
+            <a:rect b="b" l="l" r="r" t="t"/>
             <a:pathLst>
-              <a:path w="120000" h="120000" extrusionOk="0">
+              <a:path extrusionOk="0" h="120000" w="120000">
                 <a:moveTo>
                   <a:pt x="0" y="0"/>
                 </a:moveTo>
@@ -2151,11 +2065,9 @@
       <p:sp>
         <p:nvSpPr>
           <p:cNvPr id="235" name="Google Shape;235;g79a09d0157_0_43:notes"/>
-          <p:cNvSpPr txBox="1">
-            <a:spLocks noGrp="1"/>
-          </p:cNvSpPr>
+          <p:cNvSpPr txBox="1"/>
           <p:nvPr>
-            <p:ph type="body" idx="1"/>
+            <p:ph idx="1" type="body"/>
           </p:nvPr>
         </p:nvSpPr>
         <p:spPr>
@@ -2168,20 +2080,23 @@
           </a:prstGeom>
         </p:spPr>
         <p:txBody>
-          <a:bodyPr spcFirstLastPara="1" wrap="square" lIns="91425" tIns="91425" rIns="91425" bIns="91425" anchor="t" anchorCtr="0">
+          <a:bodyPr anchorCtr="0" anchor="t" bIns="91425" lIns="91425" spcFirstLastPara="1" rIns="91425" wrap="square" tIns="91425">
             <a:noAutofit/>
           </a:bodyPr>
           <a:lstStyle/>
           <a:p>
-            <a:pPr marL="0" lvl="0" indent="0" algn="l" rtl="0">
-              <a:spcBef>
-                <a:spcPts val="0"/>
-              </a:spcBef>
-              <a:spcAft>
-                <a:spcPts val="0"/>
-              </a:spcAft>
-              <a:buNone/>
-            </a:pPr>
+            <a:pPr indent="0" lvl="0" marL="0" rtl="0" algn="l">
+              <a:spcBef>
+                <a:spcPts val="0"/>
+              </a:spcBef>
+              <a:spcAft>
+                <a:spcPts val="0"/>
+              </a:spcAft>
+              <a:buNone/>
+            </a:pPr>
+            <a:r>
+              <a:t/>
+            </a:r>
             <a:endParaRPr/>
           </a:p>
         </p:txBody>
@@ -2195,11 +2110,11 @@
 </file>
 
 <file path=ppt/notesSlides/notesSlide22.xml><?xml version="1.0" encoding="utf-8"?>
-<p:notes xmlns:a="http://schemas.openxmlformats.org/drawingml/2006/main" xmlns:r="http://schemas.openxmlformats.org/officeDocument/2006/relationships" xmlns:p="http://schemas.openxmlformats.org/presentationml/2006/main" showMasterSp="0" showMasterPhAnim="0">
+<p:notes xmlns:a="http://schemas.openxmlformats.org/drawingml/2006/main" xmlns:r="http://schemas.openxmlformats.org/officeDocument/2006/relationships" xmlns:mc="http://schemas.openxmlformats.org/markup-compatibility/2006" xmlns:mv="urn:schemas-microsoft-com:mac:vml" xmlns:p="http://schemas.openxmlformats.org/presentationml/2006/main" xmlns:c="http://schemas.openxmlformats.org/drawingml/2006/chart" xmlns:dgm="http://schemas.openxmlformats.org/drawingml/2006/diagram" xmlns:o="urn:schemas-microsoft-com:office:office" xmlns:v="urn:schemas-microsoft-com:vml" xmlns:pvml="urn:schemas-microsoft-com:office:powerpoint" xmlns:com="http://schemas.openxmlformats.org/drawingml/2006/compatibility" xmlns:p14="http://schemas.microsoft.com/office/powerpoint/2010/main" xmlns:p15="http://schemas.microsoft.com/office/powerpoint/2012/main" xmlns:ahyp="http://schemas.microsoft.com/office/drawing/2018/hyperlinkcolor" showMasterPhAnim="0" showMasterSp="0">
   <p:cSld>
     <p:spTree>
       <p:nvGrpSpPr>
-        <p:cNvPr id="1" name="Shape 247"/>
+        <p:cNvPr id="247" name="Shape 247"/>
         <p:cNvGrpSpPr/>
         <p:nvPr/>
       </p:nvGrpSpPr>
@@ -2214,11 +2129,9 @@
       <p:sp>
         <p:nvSpPr>
           <p:cNvPr id="248" name="Google Shape;248;gbd4e3c3393_0_143:notes"/>
-          <p:cNvSpPr>
-            <a:spLocks noGrp="1" noRot="1" noChangeAspect="1"/>
-          </p:cNvSpPr>
+          <p:cNvSpPr/>
           <p:nvPr>
-            <p:ph type="sldImg" idx="2"/>
+            <p:ph idx="2" type="sldImg"/>
           </p:nvPr>
         </p:nvSpPr>
         <p:spPr>
@@ -2227,13 +2140,9 @@
             <a:ext cx="6096000" cy="3429000"/>
           </a:xfrm>
           <a:custGeom>
-            <a:avLst/>
-            <a:gdLst/>
-            <a:ahLst/>
-            <a:cxnLst/>
-            <a:rect l="l" t="t" r="r" b="b"/>
+            <a:rect b="b" l="l" r="r" t="t"/>
             <a:pathLst>
-              <a:path w="120000" h="120000" extrusionOk="0">
+              <a:path extrusionOk="0" h="120000" w="120000">
                 <a:moveTo>
                   <a:pt x="0" y="0"/>
                 </a:moveTo>
@@ -2255,11 +2164,9 @@
       <p:sp>
         <p:nvSpPr>
           <p:cNvPr id="249" name="Google Shape;249;gbd4e3c3393_0_143:notes"/>
-          <p:cNvSpPr txBox="1">
-            <a:spLocks noGrp="1"/>
-          </p:cNvSpPr>
+          <p:cNvSpPr txBox="1"/>
           <p:nvPr>
-            <p:ph type="body" idx="1"/>
+            <p:ph idx="1" type="body"/>
           </p:nvPr>
         </p:nvSpPr>
         <p:spPr>
@@ -2272,20 +2179,23 @@
           </a:prstGeom>
         </p:spPr>
         <p:txBody>
-          <a:bodyPr spcFirstLastPara="1" wrap="square" lIns="91425" tIns="91425" rIns="91425" bIns="91425" anchor="t" anchorCtr="0">
+          <a:bodyPr anchorCtr="0" anchor="t" bIns="91425" lIns="91425" spcFirstLastPara="1" rIns="91425" wrap="square" tIns="91425">
             <a:noAutofit/>
           </a:bodyPr>
           <a:lstStyle/>
           <a:p>
-            <a:pPr marL="0" lvl="0" indent="0" algn="l" rtl="0">
-              <a:spcBef>
-                <a:spcPts val="0"/>
-              </a:spcBef>
-              <a:spcAft>
-                <a:spcPts val="0"/>
-              </a:spcAft>
-              <a:buNone/>
-            </a:pPr>
+            <a:pPr indent="0" lvl="0" marL="0" rtl="0" algn="l">
+              <a:spcBef>
+                <a:spcPts val="0"/>
+              </a:spcBef>
+              <a:spcAft>
+                <a:spcPts val="0"/>
+              </a:spcAft>
+              <a:buNone/>
+            </a:pPr>
+            <a:r>
+              <a:t/>
+            </a:r>
             <a:endParaRPr/>
           </a:p>
         </p:txBody>
@@ -2299,11 +2209,11 @@
 </file>
 
 <file path=ppt/notesSlides/notesSlide23.xml><?xml version="1.0" encoding="utf-8"?>
-<p:notes xmlns:a="http://schemas.openxmlformats.org/drawingml/2006/main" xmlns:r="http://schemas.openxmlformats.org/officeDocument/2006/relationships" xmlns:p="http://schemas.openxmlformats.org/presentationml/2006/main" showMasterSp="0" showMasterPhAnim="0">
+<p:notes xmlns:a="http://schemas.openxmlformats.org/drawingml/2006/main" xmlns:r="http://schemas.openxmlformats.org/officeDocument/2006/relationships" xmlns:mc="http://schemas.openxmlformats.org/markup-compatibility/2006" xmlns:mv="urn:schemas-microsoft-com:mac:vml" xmlns:p="http://schemas.openxmlformats.org/presentationml/2006/main" xmlns:c="http://schemas.openxmlformats.org/drawingml/2006/chart" xmlns:dgm="http://schemas.openxmlformats.org/drawingml/2006/diagram" xmlns:o="urn:schemas-microsoft-com:office:office" xmlns:v="urn:schemas-microsoft-com:vml" xmlns:pvml="urn:schemas-microsoft-com:office:powerpoint" xmlns:com="http://schemas.openxmlformats.org/drawingml/2006/compatibility" xmlns:p14="http://schemas.microsoft.com/office/powerpoint/2010/main" xmlns:p15="http://schemas.microsoft.com/office/powerpoint/2012/main" xmlns:ahyp="http://schemas.microsoft.com/office/drawing/2018/hyperlinkcolor" showMasterPhAnim="0" showMasterSp="0">
   <p:cSld>
     <p:spTree>
       <p:nvGrpSpPr>
-        <p:cNvPr id="1" name="Shape 253"/>
+        <p:cNvPr id="253" name="Shape 253"/>
         <p:cNvGrpSpPr/>
         <p:nvPr/>
       </p:nvGrpSpPr>
@@ -2318,11 +2228,9 @@
       <p:sp>
         <p:nvSpPr>
           <p:cNvPr id="254" name="Google Shape;254;gbd4e3c3393_0_148:notes"/>
-          <p:cNvSpPr>
-            <a:spLocks noGrp="1" noRot="1" noChangeAspect="1"/>
-          </p:cNvSpPr>
+          <p:cNvSpPr/>
           <p:nvPr>
-            <p:ph type="sldImg" idx="2"/>
+            <p:ph idx="2" type="sldImg"/>
           </p:nvPr>
         </p:nvSpPr>
         <p:spPr>
@@ -2331,13 +2239,9 @@
             <a:ext cx="6096000" cy="3429000"/>
           </a:xfrm>
           <a:custGeom>
-            <a:avLst/>
-            <a:gdLst/>
-            <a:ahLst/>
-            <a:cxnLst/>
-            <a:rect l="l" t="t" r="r" b="b"/>
+            <a:rect b="b" l="l" r="r" t="t"/>
             <a:pathLst>
-              <a:path w="120000" h="120000" extrusionOk="0">
+              <a:path extrusionOk="0" h="120000" w="120000">
                 <a:moveTo>
                   <a:pt x="0" y="0"/>
                 </a:moveTo>
@@ -2359,11 +2263,9 @@
       <p:sp>
         <p:nvSpPr>
           <p:cNvPr id="255" name="Google Shape;255;gbd4e3c3393_0_148:notes"/>
-          <p:cNvSpPr txBox="1">
-            <a:spLocks noGrp="1"/>
-          </p:cNvSpPr>
+          <p:cNvSpPr txBox="1"/>
           <p:nvPr>
-            <p:ph type="body" idx="1"/>
+            <p:ph idx="1" type="body"/>
           </p:nvPr>
         </p:nvSpPr>
         <p:spPr>
@@ -2376,20 +2278,23 @@
           </a:prstGeom>
         </p:spPr>
         <p:txBody>
-          <a:bodyPr spcFirstLastPara="1" wrap="square" lIns="91425" tIns="91425" rIns="91425" bIns="91425" anchor="t" anchorCtr="0">
+          <a:bodyPr anchorCtr="0" anchor="t" bIns="91425" lIns="91425" spcFirstLastPara="1" rIns="91425" wrap="square" tIns="91425">
             <a:noAutofit/>
           </a:bodyPr>
           <a:lstStyle/>
           <a:p>
-            <a:pPr marL="0" lvl="0" indent="0" algn="l" rtl="0">
-              <a:spcBef>
-                <a:spcPts val="0"/>
-              </a:spcBef>
-              <a:spcAft>
-                <a:spcPts val="0"/>
-              </a:spcAft>
-              <a:buNone/>
-            </a:pPr>
+            <a:pPr indent="0" lvl="0" marL="0" rtl="0" algn="l">
+              <a:spcBef>
+                <a:spcPts val="0"/>
+              </a:spcBef>
+              <a:spcAft>
+                <a:spcPts val="0"/>
+              </a:spcAft>
+              <a:buNone/>
+            </a:pPr>
+            <a:r>
+              <a:t/>
+            </a:r>
             <a:endParaRPr/>
           </a:p>
         </p:txBody>
@@ -2403,11 +2308,11 @@
 </file>
 
 <file path=ppt/notesSlides/notesSlide24.xml><?xml version="1.0" encoding="utf-8"?>
-<p:notes xmlns:a="http://schemas.openxmlformats.org/drawingml/2006/main" xmlns:r="http://schemas.openxmlformats.org/officeDocument/2006/relationships" xmlns:p="http://schemas.openxmlformats.org/presentationml/2006/main" showMasterSp="0" showMasterPhAnim="0">
+<p:notes xmlns:a="http://schemas.openxmlformats.org/drawingml/2006/main" xmlns:r="http://schemas.openxmlformats.org/officeDocument/2006/relationships" xmlns:mc="http://schemas.openxmlformats.org/markup-compatibility/2006" xmlns:mv="urn:schemas-microsoft-com:mac:vml" xmlns:p="http://schemas.openxmlformats.org/presentationml/2006/main" xmlns:c="http://schemas.openxmlformats.org/drawingml/2006/chart" xmlns:dgm="http://schemas.openxmlformats.org/drawingml/2006/diagram" xmlns:o="urn:schemas-microsoft-com:office:office" xmlns:v="urn:schemas-microsoft-com:vml" xmlns:pvml="urn:schemas-microsoft-com:office:powerpoint" xmlns:com="http://schemas.openxmlformats.org/drawingml/2006/compatibility" xmlns:p14="http://schemas.microsoft.com/office/powerpoint/2010/main" xmlns:p15="http://schemas.microsoft.com/office/powerpoint/2012/main" xmlns:ahyp="http://schemas.microsoft.com/office/drawing/2018/hyperlinkcolor" showMasterPhAnim="0" showMasterSp="0">
   <p:cSld>
     <p:spTree>
       <p:nvGrpSpPr>
-        <p:cNvPr id="1" name="Shape 259"/>
+        <p:cNvPr id="259" name="Shape 259"/>
         <p:cNvGrpSpPr/>
         <p:nvPr/>
       </p:nvGrpSpPr>
@@ -2422,11 +2327,9 @@
       <p:sp>
         <p:nvSpPr>
           <p:cNvPr id="260" name="Google Shape;260;gbd4e3c3393_0_158:notes"/>
-          <p:cNvSpPr>
-            <a:spLocks noGrp="1" noRot="1" noChangeAspect="1"/>
-          </p:cNvSpPr>
+          <p:cNvSpPr/>
           <p:nvPr>
-            <p:ph type="sldImg" idx="2"/>
+            <p:ph idx="2" type="sldImg"/>
           </p:nvPr>
         </p:nvSpPr>
         <p:spPr>
@@ -2435,13 +2338,9 @@
             <a:ext cx="6096000" cy="3429000"/>
           </a:xfrm>
           <a:custGeom>
-            <a:avLst/>
-            <a:gdLst/>
-            <a:ahLst/>
-            <a:cxnLst/>
-            <a:rect l="l" t="t" r="r" b="b"/>
+            <a:rect b="b" l="l" r="r" t="t"/>
             <a:pathLst>
-              <a:path w="120000" h="120000" extrusionOk="0">
+              <a:path extrusionOk="0" h="120000" w="120000">
                 <a:moveTo>
                   <a:pt x="0" y="0"/>
                 </a:moveTo>
@@ -2463,11 +2362,9 @@
       <p:sp>
         <p:nvSpPr>
           <p:cNvPr id="261" name="Google Shape;261;gbd4e3c3393_0_158:notes"/>
-          <p:cNvSpPr txBox="1">
-            <a:spLocks noGrp="1"/>
-          </p:cNvSpPr>
+          <p:cNvSpPr txBox="1"/>
           <p:nvPr>
-            <p:ph type="body" idx="1"/>
+            <p:ph idx="1" type="body"/>
           </p:nvPr>
         </p:nvSpPr>
         <p:spPr>
@@ -2480,20 +2377,23 @@
           </a:prstGeom>
         </p:spPr>
         <p:txBody>
-          <a:bodyPr spcFirstLastPara="1" wrap="square" lIns="91425" tIns="91425" rIns="91425" bIns="91425" anchor="t" anchorCtr="0">
+          <a:bodyPr anchorCtr="0" anchor="t" bIns="91425" lIns="91425" spcFirstLastPara="1" rIns="91425" wrap="square" tIns="91425">
             <a:noAutofit/>
           </a:bodyPr>
           <a:lstStyle/>
           <a:p>
-            <a:pPr marL="0" lvl="0" indent="0" algn="l" rtl="0">
-              <a:spcBef>
-                <a:spcPts val="0"/>
-              </a:spcBef>
-              <a:spcAft>
-                <a:spcPts val="0"/>
-              </a:spcAft>
-              <a:buNone/>
-            </a:pPr>
+            <a:pPr indent="0" lvl="0" marL="0" rtl="0" algn="l">
+              <a:spcBef>
+                <a:spcPts val="0"/>
+              </a:spcBef>
+              <a:spcAft>
+                <a:spcPts val="0"/>
+              </a:spcAft>
+              <a:buNone/>
+            </a:pPr>
+            <a:r>
+              <a:t/>
+            </a:r>
             <a:endParaRPr/>
           </a:p>
         </p:txBody>
@@ -2507,11 +2407,11 @@
 </file>
 
 <file path=ppt/notesSlides/notesSlide3.xml><?xml version="1.0" encoding="utf-8"?>
-<p:notes xmlns:a="http://schemas.openxmlformats.org/drawingml/2006/main" xmlns:r="http://schemas.openxmlformats.org/officeDocument/2006/relationships" xmlns:p="http://schemas.openxmlformats.org/presentationml/2006/main" showMasterSp="0" showMasterPhAnim="0">
+<p:notes xmlns:a="http://schemas.openxmlformats.org/drawingml/2006/main" xmlns:r="http://schemas.openxmlformats.org/officeDocument/2006/relationships" xmlns:mc="http://schemas.openxmlformats.org/markup-compatibility/2006" xmlns:mv="urn:schemas-microsoft-com:mac:vml" xmlns:p="http://schemas.openxmlformats.org/presentationml/2006/main" xmlns:c="http://schemas.openxmlformats.org/drawingml/2006/chart" xmlns:dgm="http://schemas.openxmlformats.org/drawingml/2006/diagram" xmlns:o="urn:schemas-microsoft-com:office:office" xmlns:v="urn:schemas-microsoft-com:vml" xmlns:pvml="urn:schemas-microsoft-com:office:powerpoint" xmlns:com="http://schemas.openxmlformats.org/drawingml/2006/compatibility" xmlns:p14="http://schemas.microsoft.com/office/powerpoint/2010/main" xmlns:p15="http://schemas.microsoft.com/office/powerpoint/2012/main" xmlns:ahyp="http://schemas.microsoft.com/office/drawing/2018/hyperlinkcolor" showMasterPhAnim="0" showMasterSp="0">
   <p:cSld>
     <p:spTree>
       <p:nvGrpSpPr>
-        <p:cNvPr id="1" name="Shape 74"/>
+        <p:cNvPr id="74" name="Shape 74"/>
         <p:cNvGrpSpPr/>
         <p:nvPr/>
       </p:nvGrpSpPr>
@@ -2526,11 +2426,9 @@
       <p:sp>
         <p:nvSpPr>
           <p:cNvPr id="75" name="Google Shape;75;gbd4e3c3393_0_153:notes"/>
-          <p:cNvSpPr>
-            <a:spLocks noGrp="1" noRot="1" noChangeAspect="1"/>
-          </p:cNvSpPr>
+          <p:cNvSpPr/>
           <p:nvPr>
-            <p:ph type="sldImg" idx="2"/>
+            <p:ph idx="2" type="sldImg"/>
           </p:nvPr>
         </p:nvSpPr>
         <p:spPr>
@@ -2539,13 +2437,9 @@
             <a:ext cx="6096000" cy="3429000"/>
           </a:xfrm>
           <a:custGeom>
-            <a:avLst/>
-            <a:gdLst/>
-            <a:ahLst/>
-            <a:cxnLst/>
-            <a:rect l="l" t="t" r="r" b="b"/>
+            <a:rect b="b" l="l" r="r" t="t"/>
             <a:pathLst>
-              <a:path w="120000" h="120000" extrusionOk="0">
+              <a:path extrusionOk="0" h="120000" w="120000">
                 <a:moveTo>
                   <a:pt x="0" y="0"/>
                 </a:moveTo>
@@ -2567,11 +2461,9 @@
       <p:sp>
         <p:nvSpPr>
           <p:cNvPr id="76" name="Google Shape;76;gbd4e3c3393_0_153:notes"/>
-          <p:cNvSpPr txBox="1">
-            <a:spLocks noGrp="1"/>
-          </p:cNvSpPr>
+          <p:cNvSpPr txBox="1"/>
           <p:nvPr>
-            <p:ph type="body" idx="1"/>
+            <p:ph idx="1" type="body"/>
           </p:nvPr>
         </p:nvSpPr>
         <p:spPr>
@@ -2584,20 +2476,23 @@
           </a:prstGeom>
         </p:spPr>
         <p:txBody>
-          <a:bodyPr spcFirstLastPara="1" wrap="square" lIns="91425" tIns="91425" rIns="91425" bIns="91425" anchor="t" anchorCtr="0">
+          <a:bodyPr anchorCtr="0" anchor="t" bIns="91425" lIns="91425" spcFirstLastPara="1" rIns="91425" wrap="square" tIns="91425">
             <a:noAutofit/>
           </a:bodyPr>
           <a:lstStyle/>
           <a:p>
-            <a:pPr marL="0" lvl="0" indent="0" algn="l" rtl="0">
-              <a:spcBef>
-                <a:spcPts val="0"/>
-              </a:spcBef>
-              <a:spcAft>
-                <a:spcPts val="0"/>
-              </a:spcAft>
-              <a:buNone/>
-            </a:pPr>
+            <a:pPr indent="0" lvl="0" marL="0" rtl="0" algn="l">
+              <a:spcBef>
+                <a:spcPts val="0"/>
+              </a:spcBef>
+              <a:spcAft>
+                <a:spcPts val="0"/>
+              </a:spcAft>
+              <a:buNone/>
+            </a:pPr>
+            <a:r>
+              <a:t/>
+            </a:r>
             <a:endParaRPr/>
           </a:p>
         </p:txBody>
@@ -2611,11 +2506,11 @@
 </file>
 
 <file path=ppt/notesSlides/notesSlide4.xml><?xml version="1.0" encoding="utf-8"?>
-<p:notes xmlns:a="http://schemas.openxmlformats.org/drawingml/2006/main" xmlns:r="http://schemas.openxmlformats.org/officeDocument/2006/relationships" xmlns:p="http://schemas.openxmlformats.org/presentationml/2006/main" showMasterSp="0" showMasterPhAnim="0">
+<p:notes xmlns:a="http://schemas.openxmlformats.org/drawingml/2006/main" xmlns:r="http://schemas.openxmlformats.org/officeDocument/2006/relationships" xmlns:mc="http://schemas.openxmlformats.org/markup-compatibility/2006" xmlns:mv="urn:schemas-microsoft-com:mac:vml" xmlns:p="http://schemas.openxmlformats.org/presentationml/2006/main" xmlns:c="http://schemas.openxmlformats.org/drawingml/2006/chart" xmlns:dgm="http://schemas.openxmlformats.org/drawingml/2006/diagram" xmlns:o="urn:schemas-microsoft-com:office:office" xmlns:v="urn:schemas-microsoft-com:vml" xmlns:pvml="urn:schemas-microsoft-com:office:powerpoint" xmlns:com="http://schemas.openxmlformats.org/drawingml/2006/compatibility" xmlns:p14="http://schemas.microsoft.com/office/powerpoint/2010/main" xmlns:p15="http://schemas.microsoft.com/office/powerpoint/2012/main" xmlns:ahyp="http://schemas.microsoft.com/office/drawing/2018/hyperlinkcolor" showMasterPhAnim="0" showMasterSp="0">
   <p:cSld>
     <p:spTree>
       <p:nvGrpSpPr>
-        <p:cNvPr id="1" name="Shape 80"/>
+        <p:cNvPr id="80" name="Shape 80"/>
         <p:cNvGrpSpPr/>
         <p:nvPr/>
       </p:nvGrpSpPr>
@@ -2630,11 +2525,9 @@
       <p:sp>
         <p:nvSpPr>
           <p:cNvPr id="81" name="Google Shape;81;gbd33153040_0_0:notes"/>
-          <p:cNvSpPr>
-            <a:spLocks noGrp="1" noRot="1" noChangeAspect="1"/>
-          </p:cNvSpPr>
+          <p:cNvSpPr/>
           <p:nvPr>
-            <p:ph type="sldImg" idx="2"/>
+            <p:ph idx="2" type="sldImg"/>
           </p:nvPr>
         </p:nvSpPr>
         <p:spPr>
@@ -2643,13 +2536,9 @@
             <a:ext cx="6096000" cy="3429000"/>
           </a:xfrm>
           <a:custGeom>
-            <a:avLst/>
-            <a:gdLst/>
-            <a:ahLst/>
-            <a:cxnLst/>
-            <a:rect l="l" t="t" r="r" b="b"/>
+            <a:rect b="b" l="l" r="r" t="t"/>
             <a:pathLst>
-              <a:path w="120000" h="120000" extrusionOk="0">
+              <a:path extrusionOk="0" h="120000" w="120000">
                 <a:moveTo>
                   <a:pt x="0" y="0"/>
                 </a:moveTo>
@@ -2671,11 +2560,9 @@
       <p:sp>
         <p:nvSpPr>
           <p:cNvPr id="82" name="Google Shape;82;gbd33153040_0_0:notes"/>
-          <p:cNvSpPr txBox="1">
-            <a:spLocks noGrp="1"/>
-          </p:cNvSpPr>
+          <p:cNvSpPr txBox="1"/>
           <p:nvPr>
-            <p:ph type="body" idx="1"/>
+            <p:ph idx="1" type="body"/>
           </p:nvPr>
         </p:nvSpPr>
         <p:spPr>
@@ -2688,20 +2575,23 @@
           </a:prstGeom>
         </p:spPr>
         <p:txBody>
-          <a:bodyPr spcFirstLastPara="1" wrap="square" lIns="91425" tIns="91425" rIns="91425" bIns="91425" anchor="t" anchorCtr="0">
+          <a:bodyPr anchorCtr="0" anchor="t" bIns="91425" lIns="91425" spcFirstLastPara="1" rIns="91425" wrap="square" tIns="91425">
             <a:noAutofit/>
           </a:bodyPr>
           <a:lstStyle/>
           <a:p>
-            <a:pPr marL="0" lvl="0" indent="0" algn="l" rtl="0">
-              <a:spcBef>
-                <a:spcPts val="0"/>
-              </a:spcBef>
-              <a:spcAft>
-                <a:spcPts val="0"/>
-              </a:spcAft>
-              <a:buNone/>
-            </a:pPr>
+            <a:pPr indent="0" lvl="0" marL="0" rtl="0" algn="l">
+              <a:spcBef>
+                <a:spcPts val="0"/>
+              </a:spcBef>
+              <a:spcAft>
+                <a:spcPts val="0"/>
+              </a:spcAft>
+              <a:buNone/>
+            </a:pPr>
+            <a:r>
+              <a:t/>
+            </a:r>
             <a:endParaRPr/>
           </a:p>
         </p:txBody>
@@ -2715,11 +2605,11 @@
 </file>
 
 <file path=ppt/notesSlides/notesSlide5.xml><?xml version="1.0" encoding="utf-8"?>
-<p:notes xmlns:a="http://schemas.openxmlformats.org/drawingml/2006/main" xmlns:r="http://schemas.openxmlformats.org/officeDocument/2006/relationships" xmlns:p="http://schemas.openxmlformats.org/presentationml/2006/main" showMasterSp="0" showMasterPhAnim="0">
+<p:notes xmlns:a="http://schemas.openxmlformats.org/drawingml/2006/main" xmlns:r="http://schemas.openxmlformats.org/officeDocument/2006/relationships" xmlns:mc="http://schemas.openxmlformats.org/markup-compatibility/2006" xmlns:mv="urn:schemas-microsoft-com:mac:vml" xmlns:p="http://schemas.openxmlformats.org/presentationml/2006/main" xmlns:c="http://schemas.openxmlformats.org/drawingml/2006/chart" xmlns:dgm="http://schemas.openxmlformats.org/drawingml/2006/diagram" xmlns:o="urn:schemas-microsoft-com:office:office" xmlns:v="urn:schemas-microsoft-com:vml" xmlns:pvml="urn:schemas-microsoft-com:office:powerpoint" xmlns:com="http://schemas.openxmlformats.org/drawingml/2006/compatibility" xmlns:p14="http://schemas.microsoft.com/office/powerpoint/2010/main" xmlns:p15="http://schemas.microsoft.com/office/powerpoint/2012/main" xmlns:ahyp="http://schemas.microsoft.com/office/drawing/2018/hyperlinkcolor" showMasterPhAnim="0" showMasterSp="0">
   <p:cSld>
     <p:spTree>
       <p:nvGrpSpPr>
-        <p:cNvPr id="1" name="Shape 87"/>
+        <p:cNvPr id="87" name="Shape 87"/>
         <p:cNvGrpSpPr/>
         <p:nvPr/>
       </p:nvGrpSpPr>
@@ -2734,11 +2624,9 @@
       <p:sp>
         <p:nvSpPr>
           <p:cNvPr id="88" name="Google Shape;88;gbd4e3c3393_0_0:notes"/>
-          <p:cNvSpPr>
-            <a:spLocks noGrp="1" noRot="1" noChangeAspect="1"/>
-          </p:cNvSpPr>
+          <p:cNvSpPr/>
           <p:nvPr>
-            <p:ph type="sldImg" idx="2"/>
+            <p:ph idx="2" type="sldImg"/>
           </p:nvPr>
         </p:nvSpPr>
         <p:spPr>
@@ -2747,13 +2635,9 @@
             <a:ext cx="6096000" cy="3429000"/>
           </a:xfrm>
           <a:custGeom>
-            <a:avLst/>
-            <a:gdLst/>
-            <a:ahLst/>
-            <a:cxnLst/>
-            <a:rect l="l" t="t" r="r" b="b"/>
+            <a:rect b="b" l="l" r="r" t="t"/>
             <a:pathLst>
-              <a:path w="120000" h="120000" extrusionOk="0">
+              <a:path extrusionOk="0" h="120000" w="120000">
                 <a:moveTo>
                   <a:pt x="0" y="0"/>
                 </a:moveTo>
@@ -2775,11 +2659,9 @@
       <p:sp>
         <p:nvSpPr>
           <p:cNvPr id="89" name="Google Shape;89;gbd4e3c3393_0_0:notes"/>
-          <p:cNvSpPr txBox="1">
-            <a:spLocks noGrp="1"/>
-          </p:cNvSpPr>
+          <p:cNvSpPr txBox="1"/>
           <p:nvPr>
-            <p:ph type="body" idx="1"/>
+            <p:ph idx="1" type="body"/>
           </p:nvPr>
         </p:nvSpPr>
         <p:spPr>
@@ -2792,20 +2674,23 @@
           </a:prstGeom>
         </p:spPr>
         <p:txBody>
-          <a:bodyPr spcFirstLastPara="1" wrap="square" lIns="91425" tIns="91425" rIns="91425" bIns="91425" anchor="t" anchorCtr="0">
+          <a:bodyPr anchorCtr="0" anchor="t" bIns="91425" lIns="91425" spcFirstLastPara="1" rIns="91425" wrap="square" tIns="91425">
             <a:noAutofit/>
           </a:bodyPr>
           <a:lstStyle/>
           <a:p>
-            <a:pPr marL="0" lvl="0" indent="0" algn="l" rtl="0">
-              <a:spcBef>
-                <a:spcPts val="0"/>
-              </a:spcBef>
-              <a:spcAft>
-                <a:spcPts val="0"/>
-              </a:spcAft>
-              <a:buNone/>
-            </a:pPr>
+            <a:pPr indent="0" lvl="0" marL="0" rtl="0" algn="l">
+              <a:spcBef>
+                <a:spcPts val="0"/>
+              </a:spcBef>
+              <a:spcAft>
+                <a:spcPts val="0"/>
+              </a:spcAft>
+              <a:buNone/>
+            </a:pPr>
+            <a:r>
+              <a:t/>
+            </a:r>
             <a:endParaRPr/>
           </a:p>
         </p:txBody>
@@ -2819,11 +2704,11 @@
 </file>
 
 <file path=ppt/notesSlides/notesSlide6.xml><?xml version="1.0" encoding="utf-8"?>
-<p:notes xmlns:a="http://schemas.openxmlformats.org/drawingml/2006/main" xmlns:r="http://schemas.openxmlformats.org/officeDocument/2006/relationships" xmlns:p="http://schemas.openxmlformats.org/presentationml/2006/main" showMasterSp="0" showMasterPhAnim="0">
+<p:notes xmlns:a="http://schemas.openxmlformats.org/drawingml/2006/main" xmlns:r="http://schemas.openxmlformats.org/officeDocument/2006/relationships" xmlns:mc="http://schemas.openxmlformats.org/markup-compatibility/2006" xmlns:mv="urn:schemas-microsoft-com:mac:vml" xmlns:p="http://schemas.openxmlformats.org/presentationml/2006/main" xmlns:c="http://schemas.openxmlformats.org/drawingml/2006/chart" xmlns:dgm="http://schemas.openxmlformats.org/drawingml/2006/diagram" xmlns:o="urn:schemas-microsoft-com:office:office" xmlns:v="urn:schemas-microsoft-com:vml" xmlns:pvml="urn:schemas-microsoft-com:office:powerpoint" xmlns:com="http://schemas.openxmlformats.org/drawingml/2006/compatibility" xmlns:p14="http://schemas.microsoft.com/office/powerpoint/2010/main" xmlns:p15="http://schemas.microsoft.com/office/powerpoint/2012/main" xmlns:ahyp="http://schemas.microsoft.com/office/drawing/2018/hyperlinkcolor" showMasterPhAnim="0" showMasterSp="0">
   <p:cSld>
     <p:spTree>
       <p:nvGrpSpPr>
-        <p:cNvPr id="1" name="Shape 96"/>
+        <p:cNvPr id="96" name="Shape 96"/>
         <p:cNvGrpSpPr/>
         <p:nvPr/>
       </p:nvGrpSpPr>
@@ -2838,11 +2723,9 @@
       <p:sp>
         <p:nvSpPr>
           <p:cNvPr id="97" name="Google Shape;97;gbd4e3c3393_0_10:notes"/>
-          <p:cNvSpPr>
-            <a:spLocks noGrp="1" noRot="1" noChangeAspect="1"/>
-          </p:cNvSpPr>
+          <p:cNvSpPr/>
           <p:nvPr>
-            <p:ph type="sldImg" idx="2"/>
+            <p:ph idx="2" type="sldImg"/>
           </p:nvPr>
         </p:nvSpPr>
         <p:spPr>
@@ -2851,13 +2734,9 @@
             <a:ext cx="6096000" cy="3429000"/>
           </a:xfrm>
           <a:custGeom>
-            <a:avLst/>
-            <a:gdLst/>
-            <a:ahLst/>
-            <a:cxnLst/>
-            <a:rect l="l" t="t" r="r" b="b"/>
+            <a:rect b="b" l="l" r="r" t="t"/>
             <a:pathLst>
-              <a:path w="120000" h="120000" extrusionOk="0">
+              <a:path extrusionOk="0" h="120000" w="120000">
                 <a:moveTo>
                   <a:pt x="0" y="0"/>
                 </a:moveTo>
@@ -2879,11 +2758,9 @@
       <p:sp>
         <p:nvSpPr>
           <p:cNvPr id="98" name="Google Shape;98;gbd4e3c3393_0_10:notes"/>
-          <p:cNvSpPr txBox="1">
-            <a:spLocks noGrp="1"/>
-          </p:cNvSpPr>
+          <p:cNvSpPr txBox="1"/>
           <p:nvPr>
-            <p:ph type="body" idx="1"/>
+            <p:ph idx="1" type="body"/>
           </p:nvPr>
         </p:nvSpPr>
         <p:spPr>
@@ -2896,20 +2773,23 @@
           </a:prstGeom>
         </p:spPr>
         <p:txBody>
-          <a:bodyPr spcFirstLastPara="1" wrap="square" lIns="91425" tIns="91425" rIns="91425" bIns="91425" anchor="t" anchorCtr="0">
+          <a:bodyPr anchorCtr="0" anchor="t" bIns="91425" lIns="91425" spcFirstLastPara="1" rIns="91425" wrap="square" tIns="91425">
             <a:noAutofit/>
           </a:bodyPr>
           <a:lstStyle/>
           <a:p>
-            <a:pPr marL="0" lvl="0" indent="0" algn="l" rtl="0">
-              <a:spcBef>
-                <a:spcPts val="0"/>
-              </a:spcBef>
-              <a:spcAft>
-                <a:spcPts val="0"/>
-              </a:spcAft>
-              <a:buNone/>
-            </a:pPr>
+            <a:pPr indent="0" lvl="0" marL="0" rtl="0" algn="l">
+              <a:spcBef>
+                <a:spcPts val="0"/>
+              </a:spcBef>
+              <a:spcAft>
+                <a:spcPts val="0"/>
+              </a:spcAft>
+              <a:buNone/>
+            </a:pPr>
+            <a:r>
+              <a:t/>
+            </a:r>
             <a:endParaRPr/>
           </a:p>
         </p:txBody>
@@ -2923,11 +2803,11 @@
 </file>
 
 <file path=ppt/notesSlides/notesSlide7.xml><?xml version="1.0" encoding="utf-8"?>
-<p:notes xmlns:a="http://schemas.openxmlformats.org/drawingml/2006/main" xmlns:r="http://schemas.openxmlformats.org/officeDocument/2006/relationships" xmlns:p="http://schemas.openxmlformats.org/presentationml/2006/main" showMasterSp="0" showMasterPhAnim="0">
+<p:notes xmlns:a="http://schemas.openxmlformats.org/drawingml/2006/main" xmlns:r="http://schemas.openxmlformats.org/officeDocument/2006/relationships" xmlns:mc="http://schemas.openxmlformats.org/markup-compatibility/2006" xmlns:mv="urn:schemas-microsoft-com:mac:vml" xmlns:p="http://schemas.openxmlformats.org/presentationml/2006/main" xmlns:c="http://schemas.openxmlformats.org/drawingml/2006/chart" xmlns:dgm="http://schemas.openxmlformats.org/drawingml/2006/diagram" xmlns:o="urn:schemas-microsoft-com:office:office" xmlns:v="urn:schemas-microsoft-com:vml" xmlns:pvml="urn:schemas-microsoft-com:office:powerpoint" xmlns:com="http://schemas.openxmlformats.org/drawingml/2006/compatibility" xmlns:p14="http://schemas.microsoft.com/office/powerpoint/2010/main" xmlns:p15="http://schemas.microsoft.com/office/powerpoint/2012/main" xmlns:ahyp="http://schemas.microsoft.com/office/drawing/2018/hyperlinkcolor" showMasterPhAnim="0" showMasterSp="0">
   <p:cSld>
     <p:spTree>
       <p:nvGrpSpPr>
-        <p:cNvPr id="1" name="Shape 105"/>
+        <p:cNvPr id="105" name="Shape 105"/>
         <p:cNvGrpSpPr/>
         <p:nvPr/>
       </p:nvGrpSpPr>
@@ -2942,11 +2822,9 @@
       <p:sp>
         <p:nvSpPr>
           <p:cNvPr id="106" name="Google Shape;106;gbd4e3c3393_0_24:notes"/>
-          <p:cNvSpPr>
-            <a:spLocks noGrp="1" noRot="1" noChangeAspect="1"/>
-          </p:cNvSpPr>
+          <p:cNvSpPr/>
           <p:nvPr>
-            <p:ph type="sldImg" idx="2"/>
+            <p:ph idx="2" type="sldImg"/>
           </p:nvPr>
         </p:nvSpPr>
         <p:spPr>
@@ -2955,13 +2833,9 @@
             <a:ext cx="6096000" cy="3429000"/>
           </a:xfrm>
           <a:custGeom>
-            <a:avLst/>
-            <a:gdLst/>
-            <a:ahLst/>
-            <a:cxnLst/>
-            <a:rect l="l" t="t" r="r" b="b"/>
+            <a:rect b="b" l="l" r="r" t="t"/>
             <a:pathLst>
-              <a:path w="120000" h="120000" extrusionOk="0">
+              <a:path extrusionOk="0" h="120000" w="120000">
                 <a:moveTo>
                   <a:pt x="0" y="0"/>
                 </a:moveTo>
@@ -2983,11 +2857,9 @@
       <p:sp>
         <p:nvSpPr>
           <p:cNvPr id="107" name="Google Shape;107;gbd4e3c3393_0_24:notes"/>
-          <p:cNvSpPr txBox="1">
-            <a:spLocks noGrp="1"/>
-          </p:cNvSpPr>
+          <p:cNvSpPr txBox="1"/>
           <p:nvPr>
-            <p:ph type="body" idx="1"/>
+            <p:ph idx="1" type="body"/>
           </p:nvPr>
         </p:nvSpPr>
         <p:spPr>
@@ -3000,20 +2872,23 @@
           </a:prstGeom>
         </p:spPr>
         <p:txBody>
-          <a:bodyPr spcFirstLastPara="1" wrap="square" lIns="91425" tIns="91425" rIns="91425" bIns="91425" anchor="t" anchorCtr="0">
+          <a:bodyPr anchorCtr="0" anchor="t" bIns="91425" lIns="91425" spcFirstLastPara="1" rIns="91425" wrap="square" tIns="91425">
             <a:noAutofit/>
           </a:bodyPr>
           <a:lstStyle/>
           <a:p>
-            <a:pPr marL="0" lvl="0" indent="0" algn="l" rtl="0">
-              <a:spcBef>
-                <a:spcPts val="0"/>
-              </a:spcBef>
-              <a:spcAft>
-                <a:spcPts val="0"/>
-              </a:spcAft>
-              <a:buNone/>
-            </a:pPr>
+            <a:pPr indent="0" lvl="0" marL="0" rtl="0" algn="l">
+              <a:spcBef>
+                <a:spcPts val="0"/>
+              </a:spcBef>
+              <a:spcAft>
+                <a:spcPts val="0"/>
+              </a:spcAft>
+              <a:buNone/>
+            </a:pPr>
+            <a:r>
+              <a:t/>
+            </a:r>
             <a:endParaRPr/>
           </a:p>
         </p:txBody>
@@ -3027,11 +2902,11 @@
 </file>
 
 <file path=ppt/notesSlides/notesSlide8.xml><?xml version="1.0" encoding="utf-8"?>
-<p:notes xmlns:a="http://schemas.openxmlformats.org/drawingml/2006/main" xmlns:r="http://schemas.openxmlformats.org/officeDocument/2006/relationships" xmlns:p="http://schemas.openxmlformats.org/presentationml/2006/main" showMasterSp="0" showMasterPhAnim="0">
+<p:notes xmlns:a="http://schemas.openxmlformats.org/drawingml/2006/main" xmlns:r="http://schemas.openxmlformats.org/officeDocument/2006/relationships" xmlns:mc="http://schemas.openxmlformats.org/markup-compatibility/2006" xmlns:mv="urn:schemas-microsoft-com:mac:vml" xmlns:p="http://schemas.openxmlformats.org/presentationml/2006/main" xmlns:c="http://schemas.openxmlformats.org/drawingml/2006/chart" xmlns:dgm="http://schemas.openxmlformats.org/drawingml/2006/diagram" xmlns:o="urn:schemas-microsoft-com:office:office" xmlns:v="urn:schemas-microsoft-com:vml" xmlns:pvml="urn:schemas-microsoft-com:office:powerpoint" xmlns:com="http://schemas.openxmlformats.org/drawingml/2006/compatibility" xmlns:p14="http://schemas.microsoft.com/office/powerpoint/2010/main" xmlns:p15="http://schemas.microsoft.com/office/powerpoint/2012/main" xmlns:ahyp="http://schemas.microsoft.com/office/drawing/2018/hyperlinkcolor" showMasterPhAnim="0" showMasterSp="0">
   <p:cSld>
     <p:spTree>
       <p:nvGrpSpPr>
-        <p:cNvPr id="1" name="Shape 114"/>
+        <p:cNvPr id="114" name="Shape 114"/>
         <p:cNvGrpSpPr/>
         <p:nvPr/>
       </p:nvGrpSpPr>
@@ -3046,11 +2921,9 @@
       <p:sp>
         <p:nvSpPr>
           <p:cNvPr id="115" name="Google Shape;115;gbd4e3c3393_0_32:notes"/>
-          <p:cNvSpPr>
-            <a:spLocks noGrp="1" noRot="1" noChangeAspect="1"/>
-          </p:cNvSpPr>
+          <p:cNvSpPr/>
           <p:nvPr>
-            <p:ph type="sldImg" idx="2"/>
+            <p:ph idx="2" type="sldImg"/>
           </p:nvPr>
         </p:nvSpPr>
         <p:spPr>
@@ -3059,13 +2932,9 @@
             <a:ext cx="6096000" cy="3429000"/>
           </a:xfrm>
           <a:custGeom>
-            <a:avLst/>
-            <a:gdLst/>
-            <a:ahLst/>
-            <a:cxnLst/>
-            <a:rect l="l" t="t" r="r" b="b"/>
+            <a:rect b="b" l="l" r="r" t="t"/>
             <a:pathLst>
-              <a:path w="120000" h="120000" extrusionOk="0">
+              <a:path extrusionOk="0" h="120000" w="120000">
                 <a:moveTo>
                   <a:pt x="0" y="0"/>
                 </a:moveTo>
@@ -3087,11 +2956,9 @@
       <p:sp>
         <p:nvSpPr>
           <p:cNvPr id="116" name="Google Shape;116;gbd4e3c3393_0_32:notes"/>
-          <p:cNvSpPr txBox="1">
-            <a:spLocks noGrp="1"/>
-          </p:cNvSpPr>
+          <p:cNvSpPr txBox="1"/>
           <p:nvPr>
-            <p:ph type="body" idx="1"/>
+            <p:ph idx="1" type="body"/>
           </p:nvPr>
         </p:nvSpPr>
         <p:spPr>
@@ -3104,20 +2971,23 @@
           </a:prstGeom>
         </p:spPr>
         <p:txBody>
-          <a:bodyPr spcFirstLastPara="1" wrap="square" lIns="91425" tIns="91425" rIns="91425" bIns="91425" anchor="t" anchorCtr="0">
+          <a:bodyPr anchorCtr="0" anchor="t" bIns="91425" lIns="91425" spcFirstLastPara="1" rIns="91425" wrap="square" tIns="91425">
             <a:noAutofit/>
           </a:bodyPr>
           <a:lstStyle/>
           <a:p>
-            <a:pPr marL="0" lvl="0" indent="0" algn="l" rtl="0">
-              <a:spcBef>
-                <a:spcPts val="0"/>
-              </a:spcBef>
-              <a:spcAft>
-                <a:spcPts val="0"/>
-              </a:spcAft>
-              <a:buNone/>
-            </a:pPr>
+            <a:pPr indent="0" lvl="0" marL="0" rtl="0" algn="l">
+              <a:spcBef>
+                <a:spcPts val="0"/>
+              </a:spcBef>
+              <a:spcAft>
+                <a:spcPts val="0"/>
+              </a:spcAft>
+              <a:buNone/>
+            </a:pPr>
+            <a:r>
+              <a:t/>
+            </a:r>
             <a:endParaRPr/>
           </a:p>
         </p:txBody>
@@ -3131,11 +3001,11 @@
 </file>
 
 <file path=ppt/notesSlides/notesSlide9.xml><?xml version="1.0" encoding="utf-8"?>
-<p:notes xmlns:a="http://schemas.openxmlformats.org/drawingml/2006/main" xmlns:r="http://schemas.openxmlformats.org/officeDocument/2006/relationships" xmlns:p="http://schemas.openxmlformats.org/presentationml/2006/main" showMasterSp="0" showMasterPhAnim="0">
+<p:notes xmlns:a="http://schemas.openxmlformats.org/drawingml/2006/main" xmlns:r="http://schemas.openxmlformats.org/officeDocument/2006/relationships" xmlns:mc="http://schemas.openxmlformats.org/markup-compatibility/2006" xmlns:mv="urn:schemas-microsoft-com:mac:vml" xmlns:p="http://schemas.openxmlformats.org/presentationml/2006/main" xmlns:c="http://schemas.openxmlformats.org/drawingml/2006/chart" xmlns:dgm="http://schemas.openxmlformats.org/drawingml/2006/diagram" xmlns:o="urn:schemas-microsoft-com:office:office" xmlns:v="urn:schemas-microsoft-com:vml" xmlns:pvml="urn:schemas-microsoft-com:office:powerpoint" xmlns:com="http://schemas.openxmlformats.org/drawingml/2006/compatibility" xmlns:p14="http://schemas.microsoft.com/office/powerpoint/2010/main" xmlns:p15="http://schemas.microsoft.com/office/powerpoint/2012/main" xmlns:ahyp="http://schemas.microsoft.com/office/drawing/2018/hyperlinkcolor" showMasterPhAnim="0" showMasterSp="0">
   <p:cSld>
     <p:spTree>
       <p:nvGrpSpPr>
-        <p:cNvPr id="1" name="Shape 121"/>
+        <p:cNvPr id="121" name="Shape 121"/>
         <p:cNvGrpSpPr/>
         <p:nvPr/>
       </p:nvGrpSpPr>
@@ -3150,11 +3020,9 @@
       <p:sp>
         <p:nvSpPr>
           <p:cNvPr id="122" name="Google Shape;122;gbd4e3c3393_0_60:notes"/>
-          <p:cNvSpPr>
-            <a:spLocks noGrp="1" noRot="1" noChangeAspect="1"/>
-          </p:cNvSpPr>
+          <p:cNvSpPr/>
           <p:nvPr>
-            <p:ph type="sldImg" idx="2"/>
+            <p:ph idx="2" type="sldImg"/>
           </p:nvPr>
         </p:nvSpPr>
         <p:spPr>
@@ -3163,13 +3031,9 @@
             <a:ext cx="6096000" cy="3429000"/>
           </a:xfrm>
           <a:custGeom>
-            <a:avLst/>
-            <a:gdLst/>
-            <a:ahLst/>
-            <a:cxnLst/>
-            <a:rect l="l" t="t" r="r" b="b"/>
+            <a:rect b="b" l="l" r="r" t="t"/>
             <a:pathLst>
-              <a:path w="120000" h="120000" extrusionOk="0">
+              <a:path extrusionOk="0" h="120000" w="120000">
                 <a:moveTo>
                   <a:pt x="0" y="0"/>
                 </a:moveTo>
@@ -3191,11 +3055,9 @@
       <p:sp>
         <p:nvSpPr>
           <p:cNvPr id="123" name="Google Shape;123;gbd4e3c3393_0_60:notes"/>
-          <p:cNvSpPr txBox="1">
-            <a:spLocks noGrp="1"/>
-          </p:cNvSpPr>
+          <p:cNvSpPr txBox="1"/>
           <p:nvPr>
-            <p:ph type="body" idx="1"/>
+            <p:ph idx="1" type="body"/>
           </p:nvPr>
         </p:nvSpPr>
         <p:spPr>
@@ -3208,20 +3070,23 @@
           </a:prstGeom>
         </p:spPr>
         <p:txBody>
-          <a:bodyPr spcFirstLastPara="1" wrap="square" lIns="91425" tIns="91425" rIns="91425" bIns="91425" anchor="t" anchorCtr="0">
+          <a:bodyPr anchorCtr="0" anchor="t" bIns="91425" lIns="91425" spcFirstLastPara="1" rIns="91425" wrap="square" tIns="91425">
             <a:noAutofit/>
           </a:bodyPr>
           <a:lstStyle/>
           <a:p>
-            <a:pPr marL="0" lvl="0" indent="0" algn="l" rtl="0">
-              <a:spcBef>
-                <a:spcPts val="0"/>
-              </a:spcBef>
-              <a:spcAft>
-                <a:spcPts val="0"/>
-              </a:spcAft>
-              <a:buNone/>
-            </a:pPr>
+            <a:pPr indent="0" lvl="0" marL="0" rtl="0" algn="l">
+              <a:spcBef>
+                <a:spcPts val="0"/>
+              </a:spcBef>
+              <a:spcAft>
+                <a:spcPts val="0"/>
+              </a:spcAft>
+              <a:buNone/>
+            </a:pPr>
+            <a:r>
+              <a:t/>
+            </a:r>
             <a:endParaRPr/>
           </a:p>
         </p:txBody>
@@ -3235,11 +3100,11 @@
 </file>
 
 <file path=ppt/slideLayouts/slideLayout1.xml><?xml version="1.0" encoding="utf-8"?>
-<p:sldLayout xmlns:a="http://schemas.openxmlformats.org/drawingml/2006/main" xmlns:r="http://schemas.openxmlformats.org/officeDocument/2006/relationships" xmlns:p="http://schemas.openxmlformats.org/presentationml/2006/main" matchingName="Title slide" type="title">
+<p:sldLayout xmlns:a="http://schemas.openxmlformats.org/drawingml/2006/main" xmlns:r="http://schemas.openxmlformats.org/officeDocument/2006/relationships" xmlns:mc="http://schemas.openxmlformats.org/markup-compatibility/2006" xmlns:mv="urn:schemas-microsoft-com:mac:vml" xmlns:p="http://schemas.openxmlformats.org/presentationml/2006/main" xmlns:c="http://schemas.openxmlformats.org/drawingml/2006/chart" xmlns:dgm="http://schemas.openxmlformats.org/drawingml/2006/diagram" xmlns:o="urn:schemas-microsoft-com:office:office" xmlns:v="urn:schemas-microsoft-com:vml" xmlns:pvml="urn:schemas-microsoft-com:office:powerpoint" xmlns:com="http://schemas.openxmlformats.org/drawingml/2006/compatibility" xmlns:p14="http://schemas.microsoft.com/office/powerpoint/2010/main" xmlns:p15="http://schemas.microsoft.com/office/powerpoint/2012/main" xmlns:ahyp="http://schemas.microsoft.com/office/drawing/2018/hyperlinkcolor" matchingName="Title slide" type="title">
   <p:cSld name="TITLE">
     <p:spTree>
       <p:nvGrpSpPr>
-        <p:cNvPr id="1" name="Shape 9"/>
+        <p:cNvPr id="9" name="Shape 9"/>
         <p:cNvGrpSpPr/>
         <p:nvPr/>
       </p:nvGrpSpPr>
@@ -3266,14 +3131,14 @@
             <a:avLst/>
           </a:prstGeom>
           <a:noFill/>
-          <a:ln w="76200" cap="flat" cmpd="sng">
+          <a:ln cap="flat" cmpd="sng" w="76200">
             <a:solidFill>
               <a:schemeClr val="lt2"/>
             </a:solidFill>
             <a:prstDash val="solid"/>
             <a:round/>
-            <a:headEnd type="none" w="sm" len="sm"/>
-            <a:tailEnd type="none" w="sm" len="sm"/>
+            <a:headEnd len="sm" w="sm" type="none"/>
+            <a:tailEnd len="sm" w="sm" type="none"/>
           </a:ln>
         </p:spPr>
       </p:cxnSp>
@@ -3292,14 +3157,14 @@
             <a:avLst/>
           </a:prstGeom>
           <a:noFill/>
-          <a:ln w="76200" cap="flat" cmpd="sng">
+          <a:ln cap="flat" cmpd="sng" w="76200">
             <a:solidFill>
               <a:schemeClr val="lt2"/>
             </a:solidFill>
             <a:prstDash val="solid"/>
             <a:round/>
-            <a:headEnd type="none" w="sm" len="sm"/>
-            <a:tailEnd type="none" w="sm" len="sm"/>
+            <a:headEnd len="sm" w="sm" type="none"/>
+            <a:tailEnd len="sm" w="sm" type="none"/>
           </a:ln>
         </p:spPr>
       </p:cxnSp>
@@ -3332,14 +3197,14 @@
               <a:avLst/>
             </a:prstGeom>
             <a:noFill/>
-            <a:ln w="76200" cap="flat" cmpd="sng">
+            <a:ln cap="flat" cmpd="sng" w="76200">
               <a:solidFill>
                 <a:schemeClr val="accent3"/>
               </a:solidFill>
               <a:prstDash val="solid"/>
               <a:round/>
-              <a:headEnd type="none" w="sm" len="sm"/>
-              <a:tailEnd type="none" w="sm" len="sm"/>
+              <a:headEnd len="sm" w="sm" type="none"/>
+              <a:tailEnd len="sm" w="sm" type="none"/>
             </a:ln>
           </p:spPr>
         </p:cxnSp>
@@ -3358,14 +3223,14 @@
               <a:avLst/>
             </a:prstGeom>
             <a:noFill/>
-            <a:ln w="9525" cap="flat" cmpd="sng">
+            <a:ln cap="flat" cmpd="sng" w="9525">
               <a:solidFill>
                 <a:schemeClr val="accent3"/>
               </a:solidFill>
               <a:prstDash val="solid"/>
               <a:round/>
-              <a:headEnd type="none" w="sm" len="sm"/>
-              <a:tailEnd type="none" w="sm" len="sm"/>
+              <a:headEnd len="sm" w="sm" type="none"/>
+              <a:tailEnd len="sm" w="sm" type="none"/>
             </a:ln>
           </p:spPr>
         </p:cxnSp>
@@ -3399,14 +3264,14 @@
               <a:avLst/>
             </a:prstGeom>
             <a:noFill/>
-            <a:ln w="76200" cap="flat" cmpd="sng">
+            <a:ln cap="flat" cmpd="sng" w="76200">
               <a:solidFill>
                 <a:schemeClr val="accent3"/>
               </a:solidFill>
               <a:prstDash val="solid"/>
               <a:round/>
-              <a:headEnd type="none" w="sm" len="sm"/>
-              <a:tailEnd type="none" w="sm" len="sm"/>
+              <a:headEnd len="sm" w="sm" type="none"/>
+              <a:tailEnd len="sm" w="sm" type="none"/>
             </a:ln>
           </p:spPr>
         </p:cxnSp>
@@ -3425,14 +3290,14 @@
               <a:avLst/>
             </a:prstGeom>
             <a:noFill/>
-            <a:ln w="9525" cap="flat" cmpd="sng">
+            <a:ln cap="flat" cmpd="sng" w="9525">
               <a:solidFill>
                 <a:schemeClr val="accent3"/>
               </a:solidFill>
               <a:prstDash val="solid"/>
               <a:round/>
-              <a:headEnd type="none" w="sm" len="sm"/>
-              <a:tailEnd type="none" w="sm" len="sm"/>
+              <a:headEnd len="sm" w="sm" type="none"/>
+              <a:tailEnd len="sm" w="sm" type="none"/>
             </a:ln>
           </p:spPr>
         </p:cxnSp>
@@ -3440,9 +3305,7 @@
       <p:sp>
         <p:nvSpPr>
           <p:cNvPr id="18" name="Google Shape;18;p2"/>
-          <p:cNvSpPr txBox="1">
-            <a:spLocks noGrp="1"/>
-          </p:cNvSpPr>
+          <p:cNvSpPr txBox="1"/>
           <p:nvPr>
             <p:ph type="ctrTitle"/>
           </p:nvPr>
@@ -3457,7 +3320,7 @@
           </a:prstGeom>
         </p:spPr>
         <p:txBody>
-          <a:bodyPr spcFirstLastPara="1" wrap="square" lIns="91425" tIns="91425" rIns="91425" bIns="91425" anchor="b" anchorCtr="0">
+          <a:bodyPr anchorCtr="0" anchor="b" bIns="91425" lIns="91425" spcFirstLastPara="1" rIns="91425" wrap="square" tIns="91425">
             <a:normAutofit/>
           </a:bodyPr>
           <a:lstStyle>
@@ -3561,19 +3424,15 @@
               <a:defRPr sz="5400"/>
             </a:lvl9pPr>
           </a:lstStyle>
-          <a:p>
-            <a:endParaRPr/>
-          </a:p>
+          <a:p/>
         </p:txBody>
       </p:sp>
       <p:sp>
         <p:nvSpPr>
           <p:cNvPr id="19" name="Google Shape;19;p2"/>
-          <p:cNvSpPr txBox="1">
-            <a:spLocks noGrp="1"/>
-          </p:cNvSpPr>
+          <p:cNvSpPr txBox="1"/>
           <p:nvPr>
-            <p:ph type="subTitle" idx="1"/>
+            <p:ph idx="1" type="subTitle"/>
           </p:nvPr>
         </p:nvSpPr>
         <p:spPr>
@@ -3586,7 +3445,7 @@
           </a:prstGeom>
         </p:spPr>
         <p:txBody>
-          <a:bodyPr spcFirstLastPara="1" wrap="square" lIns="91425" tIns="91425" rIns="91425" bIns="91425" anchor="t" anchorCtr="0">
+          <a:bodyPr anchorCtr="0" anchor="t" bIns="91425" lIns="91425" spcFirstLastPara="1" rIns="91425" wrap="square" tIns="91425">
             <a:normAutofit/>
           </a:bodyPr>
           <a:lstStyle>
@@ -3717,19 +3576,15 @@
               <a:defRPr sz="2400"/>
             </a:lvl9pPr>
           </a:lstStyle>
-          <a:p>
-            <a:endParaRPr/>
-          </a:p>
+          <a:p/>
         </p:txBody>
       </p:sp>
       <p:sp>
         <p:nvSpPr>
           <p:cNvPr id="20" name="Google Shape;20;p2"/>
-          <p:cNvSpPr txBox="1">
-            <a:spLocks noGrp="1"/>
-          </p:cNvSpPr>
+          <p:cNvSpPr txBox="1"/>
           <p:nvPr>
-            <p:ph type="sldNum" idx="12"/>
+            <p:ph idx="12" type="sldNum"/>
           </p:nvPr>
         </p:nvSpPr>
         <p:spPr>
@@ -3742,7 +3597,7 @@
           </a:prstGeom>
         </p:spPr>
         <p:txBody>
-          <a:bodyPr spcFirstLastPara="1" wrap="square" lIns="91425" tIns="91425" rIns="91425" bIns="91425" anchor="ctr" anchorCtr="0">
+          <a:bodyPr anchorCtr="0" anchor="ctr" bIns="91425" lIns="91425" spcFirstLastPara="1" rIns="91425" wrap="square" tIns="91425">
             <a:normAutofit/>
           </a:bodyPr>
           <a:lstStyle>
@@ -3784,7 +3639,7 @@
             </a:lvl9pPr>
           </a:lstStyle>
           <a:p>
-            <a:pPr marL="0" lvl="0" indent="0" algn="r" rtl="0">
+            <a:pPr indent="0" lvl="0" marL="0" rtl="0" algn="r">
               <a:spcBef>
                 <a:spcPts val="0"/>
               </a:spcBef>
@@ -3810,11 +3665,11 @@
 </file>
 
 <file path=ppt/slideLayouts/slideLayout10.xml><?xml version="1.0" encoding="utf-8"?>
-<p:sldLayout xmlns:a="http://schemas.openxmlformats.org/drawingml/2006/main" xmlns:r="http://schemas.openxmlformats.org/officeDocument/2006/relationships" xmlns:p="http://schemas.openxmlformats.org/presentationml/2006/main" matchingName="Big number">
+<p:sldLayout xmlns:a="http://schemas.openxmlformats.org/drawingml/2006/main" xmlns:r="http://schemas.openxmlformats.org/officeDocument/2006/relationships" xmlns:mc="http://schemas.openxmlformats.org/markup-compatibility/2006" xmlns:mv="urn:schemas-microsoft-com:mac:vml" xmlns:p="http://schemas.openxmlformats.org/presentationml/2006/main" xmlns:c="http://schemas.openxmlformats.org/drawingml/2006/chart" xmlns:dgm="http://schemas.openxmlformats.org/drawingml/2006/diagram" xmlns:o="urn:schemas-microsoft-com:office:office" xmlns:v="urn:schemas-microsoft-com:vml" xmlns:pvml="urn:schemas-microsoft-com:office:powerpoint" xmlns:com="http://schemas.openxmlformats.org/drawingml/2006/compatibility" xmlns:p14="http://schemas.microsoft.com/office/powerpoint/2010/main" xmlns:p15="http://schemas.microsoft.com/office/powerpoint/2012/main" xmlns:ahyp="http://schemas.microsoft.com/office/drawing/2018/hyperlinkcolor" matchingName="Big number">
   <p:cSld name="BIG_NUMBER">
     <p:spTree>
       <p:nvGrpSpPr>
-        <p:cNvPr id="1" name="Shape 55"/>
+        <p:cNvPr id="55" name="Shape 55"/>
         <p:cNvGrpSpPr/>
         <p:nvPr/>
       </p:nvGrpSpPr>
@@ -3848,20 +3703,23 @@
           </a:ln>
         </p:spPr>
         <p:txBody>
-          <a:bodyPr spcFirstLastPara="1" wrap="square" lIns="91425" tIns="91425" rIns="91425" bIns="91425" anchor="ctr" anchorCtr="0">
+          <a:bodyPr anchorCtr="0" anchor="ctr" bIns="91425" lIns="91425" spcFirstLastPara="1" rIns="91425" wrap="square" tIns="91425">
             <a:noAutofit/>
           </a:bodyPr>
           <a:lstStyle/>
           <a:p>
-            <a:pPr marL="0" lvl="0" indent="0" algn="l" rtl="0">
-              <a:spcBef>
-                <a:spcPts val="0"/>
-              </a:spcBef>
-              <a:spcAft>
-                <a:spcPts val="0"/>
-              </a:spcAft>
-              <a:buNone/>
-            </a:pPr>
+            <a:pPr indent="0" lvl="0" marL="0" rtl="0" algn="l">
+              <a:spcBef>
+                <a:spcPts val="0"/>
+              </a:spcBef>
+              <a:spcAft>
+                <a:spcPts val="0"/>
+              </a:spcAft>
+              <a:buNone/>
+            </a:pPr>
+            <a:r>
+              <a:t/>
+            </a:r>
             <a:endParaRPr/>
           </a:p>
         </p:txBody>
@@ -3869,11 +3727,9 @@
       <p:sp>
         <p:nvSpPr>
           <p:cNvPr id="57" name="Google Shape;57;p11"/>
-          <p:cNvSpPr txBox="1">
-            <a:spLocks noGrp="1"/>
-          </p:cNvSpPr>
+          <p:cNvSpPr txBox="1"/>
           <p:nvPr>
-            <p:ph type="title" hasCustomPrompt="1"/>
+            <p:ph hasCustomPrompt="1" type="title"/>
           </p:nvPr>
         </p:nvSpPr>
         <p:spPr>
@@ -3886,7 +3742,7 @@
           </a:prstGeom>
         </p:spPr>
         <p:txBody>
-          <a:bodyPr spcFirstLastPara="1" wrap="square" lIns="91425" tIns="91425" rIns="91425" bIns="91425" anchor="ctr" anchorCtr="0">
+          <a:bodyPr anchorCtr="0" anchor="ctr" bIns="91425" lIns="91425" spcFirstLastPara="1" rIns="91425" wrap="square" tIns="91425">
             <a:normAutofit/>
           </a:bodyPr>
           <a:lstStyle>
@@ -4063,11 +3919,9 @@
       <p:sp>
         <p:nvSpPr>
           <p:cNvPr id="58" name="Google Shape;58;p11"/>
-          <p:cNvSpPr txBox="1">
-            <a:spLocks noGrp="1"/>
-          </p:cNvSpPr>
+          <p:cNvSpPr txBox="1"/>
           <p:nvPr>
-            <p:ph type="body" idx="1"/>
+            <p:ph idx="1" type="body"/>
           </p:nvPr>
         </p:nvSpPr>
         <p:spPr>
@@ -4080,11 +3934,11 @@
           </a:prstGeom>
         </p:spPr>
         <p:txBody>
-          <a:bodyPr spcFirstLastPara="1" wrap="square" lIns="91425" tIns="91425" rIns="91425" bIns="91425" anchor="t" anchorCtr="0">
+          <a:bodyPr anchorCtr="0" anchor="t" bIns="91425" lIns="91425" spcFirstLastPara="1" rIns="91425" wrap="square" tIns="91425">
             <a:normAutofit/>
           </a:bodyPr>
           <a:lstStyle>
-            <a:lvl1pPr marL="457200" lvl="0" indent="-342900" algn="ctr">
+            <a:lvl1pPr indent="-342900" lvl="0" marL="457200" algn="ctr">
               <a:spcBef>
                 <a:spcPts val="0"/>
               </a:spcBef>
@@ -4095,7 +3949,7 @@
               <a:buChar char="●"/>
               <a:defRPr/>
             </a:lvl1pPr>
-            <a:lvl2pPr marL="914400" lvl="1" indent="-317500" algn="ctr">
+            <a:lvl2pPr indent="-317500" lvl="1" marL="914400" algn="ctr">
               <a:spcBef>
                 <a:spcPts val="0"/>
               </a:spcBef>
@@ -4106,7 +3960,7 @@
               <a:buChar char="○"/>
               <a:defRPr/>
             </a:lvl2pPr>
-            <a:lvl3pPr marL="1371600" lvl="2" indent="-317500" algn="ctr">
+            <a:lvl3pPr indent="-317500" lvl="2" marL="1371600" algn="ctr">
               <a:spcBef>
                 <a:spcPts val="0"/>
               </a:spcBef>
@@ -4117,7 +3971,7 @@
               <a:buChar char="■"/>
               <a:defRPr/>
             </a:lvl3pPr>
-            <a:lvl4pPr marL="1828800" lvl="3" indent="-317500" algn="ctr">
+            <a:lvl4pPr indent="-317500" lvl="3" marL="1828800" algn="ctr">
               <a:spcBef>
                 <a:spcPts val="0"/>
               </a:spcBef>
@@ -4128,7 +3982,7 @@
               <a:buChar char="●"/>
               <a:defRPr/>
             </a:lvl4pPr>
-            <a:lvl5pPr marL="2286000" lvl="4" indent="-317500" algn="ctr">
+            <a:lvl5pPr indent="-317500" lvl="4" marL="2286000" algn="ctr">
               <a:spcBef>
                 <a:spcPts val="0"/>
               </a:spcBef>
@@ -4139,7 +3993,7 @@
               <a:buChar char="○"/>
               <a:defRPr/>
             </a:lvl5pPr>
-            <a:lvl6pPr marL="2743200" lvl="5" indent="-317500" algn="ctr">
+            <a:lvl6pPr indent="-317500" lvl="5" marL="2743200" algn="ctr">
               <a:spcBef>
                 <a:spcPts val="0"/>
               </a:spcBef>
@@ -4150,7 +4004,7 @@
               <a:buChar char="■"/>
               <a:defRPr/>
             </a:lvl6pPr>
-            <a:lvl7pPr marL="3200400" lvl="6" indent="-317500" algn="ctr">
+            <a:lvl7pPr indent="-317500" lvl="6" marL="3200400" algn="ctr">
               <a:spcBef>
                 <a:spcPts val="0"/>
               </a:spcBef>
@@ -4161,7 +4015,7 @@
               <a:buChar char="●"/>
               <a:defRPr/>
             </a:lvl7pPr>
-            <a:lvl8pPr marL="3657600" lvl="7" indent="-317500" algn="ctr">
+            <a:lvl8pPr indent="-317500" lvl="7" marL="3657600" algn="ctr">
               <a:spcBef>
                 <a:spcPts val="0"/>
               </a:spcBef>
@@ -4172,7 +4026,7 @@
               <a:buChar char="○"/>
               <a:defRPr/>
             </a:lvl8pPr>
-            <a:lvl9pPr marL="4114800" lvl="8" indent="-317500" algn="ctr">
+            <a:lvl9pPr indent="-317500" lvl="8" marL="4114800" algn="ctr">
               <a:spcBef>
                 <a:spcPts val="0"/>
               </a:spcBef>
@@ -4184,19 +4038,15 @@
               <a:defRPr/>
             </a:lvl9pPr>
           </a:lstStyle>
-          <a:p>
-            <a:endParaRPr/>
-          </a:p>
+          <a:p/>
         </p:txBody>
       </p:sp>
       <p:sp>
         <p:nvSpPr>
           <p:cNvPr id="59" name="Google Shape;59;p11"/>
-          <p:cNvSpPr txBox="1">
-            <a:spLocks noGrp="1"/>
-          </p:cNvSpPr>
+          <p:cNvSpPr txBox="1"/>
           <p:nvPr>
-            <p:ph type="sldNum" idx="12"/>
+            <p:ph idx="12" type="sldNum"/>
           </p:nvPr>
         </p:nvSpPr>
         <p:spPr>
@@ -4209,7 +4059,7 @@
           </a:prstGeom>
         </p:spPr>
         <p:txBody>
-          <a:bodyPr spcFirstLastPara="1" wrap="square" lIns="91425" tIns="91425" rIns="91425" bIns="91425" anchor="ctr" anchorCtr="0">
+          <a:bodyPr anchorCtr="0" anchor="ctr" bIns="91425" lIns="91425" spcFirstLastPara="1" rIns="91425" wrap="square" tIns="91425">
             <a:normAutofit/>
           </a:bodyPr>
           <a:lstStyle>
@@ -4251,7 +4101,7 @@
             </a:lvl9pPr>
           </a:lstStyle>
           <a:p>
-            <a:pPr marL="0" lvl="0" indent="0" algn="r" rtl="0">
+            <a:pPr indent="0" lvl="0" marL="0" rtl="0" algn="r">
               <a:spcBef>
                 <a:spcPts val="0"/>
               </a:spcBef>
@@ -4277,11 +4127,11 @@
 </file>
 
 <file path=ppt/slideLayouts/slideLayout11.xml><?xml version="1.0" encoding="utf-8"?>
-<p:sldLayout xmlns:a="http://schemas.openxmlformats.org/drawingml/2006/main" xmlns:r="http://schemas.openxmlformats.org/officeDocument/2006/relationships" xmlns:p="http://schemas.openxmlformats.org/presentationml/2006/main" matchingName="Blank" type="blank">
+<p:sldLayout xmlns:a="http://schemas.openxmlformats.org/drawingml/2006/main" xmlns:r="http://schemas.openxmlformats.org/officeDocument/2006/relationships" xmlns:mc="http://schemas.openxmlformats.org/markup-compatibility/2006" xmlns:mv="urn:schemas-microsoft-com:mac:vml" xmlns:p="http://schemas.openxmlformats.org/presentationml/2006/main" xmlns:c="http://schemas.openxmlformats.org/drawingml/2006/chart" xmlns:dgm="http://schemas.openxmlformats.org/drawingml/2006/diagram" xmlns:o="urn:schemas-microsoft-com:office:office" xmlns:v="urn:schemas-microsoft-com:vml" xmlns:pvml="urn:schemas-microsoft-com:office:powerpoint" xmlns:com="http://schemas.openxmlformats.org/drawingml/2006/compatibility" xmlns:p14="http://schemas.microsoft.com/office/powerpoint/2010/main" xmlns:p15="http://schemas.microsoft.com/office/powerpoint/2012/main" xmlns:ahyp="http://schemas.microsoft.com/office/drawing/2018/hyperlinkcolor" matchingName="Blank" type="blank">
   <p:cSld name="BLANK">
     <p:spTree>
       <p:nvGrpSpPr>
-        <p:cNvPr id="1" name="Shape 60"/>
+        <p:cNvPr id="60" name="Shape 60"/>
         <p:cNvGrpSpPr/>
         <p:nvPr/>
       </p:nvGrpSpPr>
@@ -4296,11 +4146,9 @@
       <p:sp>
         <p:nvSpPr>
           <p:cNvPr id="61" name="Google Shape;61;p12"/>
-          <p:cNvSpPr txBox="1">
-            <a:spLocks noGrp="1"/>
-          </p:cNvSpPr>
+          <p:cNvSpPr txBox="1"/>
           <p:nvPr>
-            <p:ph type="sldNum" idx="12"/>
+            <p:ph idx="12" type="sldNum"/>
           </p:nvPr>
         </p:nvSpPr>
         <p:spPr>
@@ -4313,7 +4161,7 @@
           </a:prstGeom>
         </p:spPr>
         <p:txBody>
-          <a:bodyPr spcFirstLastPara="1" wrap="square" lIns="91425" tIns="91425" rIns="91425" bIns="91425" anchor="ctr" anchorCtr="0">
+          <a:bodyPr anchorCtr="0" anchor="ctr" bIns="91425" lIns="91425" spcFirstLastPara="1" rIns="91425" wrap="square" tIns="91425">
             <a:normAutofit/>
           </a:bodyPr>
           <a:lstStyle>
@@ -4355,7 +4203,7 @@
             </a:lvl9pPr>
           </a:lstStyle>
           <a:p>
-            <a:pPr marL="0" lvl="0" indent="0" algn="r" rtl="0">
+            <a:pPr indent="0" lvl="0" marL="0" rtl="0" algn="r">
               <a:spcBef>
                 <a:spcPts val="0"/>
               </a:spcBef>
@@ -4381,11 +4229,11 @@
 </file>
 
 <file path=ppt/slideLayouts/slideLayout2.xml><?xml version="1.0" encoding="utf-8"?>
-<p:sldLayout xmlns:a="http://schemas.openxmlformats.org/drawingml/2006/main" xmlns:r="http://schemas.openxmlformats.org/officeDocument/2006/relationships" xmlns:p="http://schemas.openxmlformats.org/presentationml/2006/main" matchingName="Section header" type="secHead">
+<p:sldLayout xmlns:a="http://schemas.openxmlformats.org/drawingml/2006/main" xmlns:r="http://schemas.openxmlformats.org/officeDocument/2006/relationships" xmlns:mc="http://schemas.openxmlformats.org/markup-compatibility/2006" xmlns:mv="urn:schemas-microsoft-com:mac:vml" xmlns:p="http://schemas.openxmlformats.org/presentationml/2006/main" xmlns:c="http://schemas.openxmlformats.org/drawingml/2006/chart" xmlns:dgm="http://schemas.openxmlformats.org/drawingml/2006/diagram" xmlns:o="urn:schemas-microsoft-com:office:office" xmlns:v="urn:schemas-microsoft-com:vml" xmlns:pvml="urn:schemas-microsoft-com:office:powerpoint" xmlns:com="http://schemas.openxmlformats.org/drawingml/2006/compatibility" xmlns:p14="http://schemas.microsoft.com/office/powerpoint/2010/main" xmlns:p15="http://schemas.microsoft.com/office/powerpoint/2012/main" xmlns:ahyp="http://schemas.microsoft.com/office/drawing/2018/hyperlinkcolor" matchingName="Section header" type="secHead">
   <p:cSld name="SECTION_HEADER">
     <p:spTree>
       <p:nvGrpSpPr>
-        <p:cNvPr id="1" name="Shape 21"/>
+        <p:cNvPr id="21" name="Shape 21"/>
         <p:cNvGrpSpPr/>
         <p:nvPr/>
       </p:nvGrpSpPr>
@@ -4419,20 +4267,23 @@
           </a:ln>
         </p:spPr>
         <p:txBody>
-          <a:bodyPr spcFirstLastPara="1" wrap="square" lIns="91425" tIns="91425" rIns="91425" bIns="91425" anchor="ctr" anchorCtr="0">
+          <a:bodyPr anchorCtr="0" anchor="ctr" bIns="91425" lIns="91425" spcFirstLastPara="1" rIns="91425" wrap="square" tIns="91425">
             <a:noAutofit/>
           </a:bodyPr>
           <a:lstStyle/>
           <a:p>
-            <a:pPr marL="0" lvl="0" indent="0" algn="l" rtl="0">
-              <a:spcBef>
-                <a:spcPts val="0"/>
-              </a:spcBef>
-              <a:spcAft>
-                <a:spcPts val="0"/>
-              </a:spcAft>
-              <a:buNone/>
-            </a:pPr>
+            <a:pPr indent="0" lvl="0" marL="0" rtl="0" algn="l">
+              <a:spcBef>
+                <a:spcPts val="0"/>
+              </a:spcBef>
+              <a:spcAft>
+                <a:spcPts val="0"/>
+              </a:spcAft>
+              <a:buNone/>
+            </a:pPr>
+            <a:r>
+              <a:t/>
+            </a:r>
             <a:endParaRPr/>
           </a:p>
         </p:txBody>
@@ -4440,9 +4291,7 @@
       <p:sp>
         <p:nvSpPr>
           <p:cNvPr id="23" name="Google Shape;23;p3"/>
-          <p:cNvSpPr txBox="1">
-            <a:spLocks noGrp="1"/>
-          </p:cNvSpPr>
+          <p:cNvSpPr txBox="1"/>
           <p:nvPr>
             <p:ph type="title"/>
           </p:nvPr>
@@ -4457,7 +4306,7 @@
           </a:prstGeom>
         </p:spPr>
         <p:txBody>
-          <a:bodyPr spcFirstLastPara="1" wrap="square" lIns="91425" tIns="91425" rIns="91425" bIns="91425" anchor="ctr" anchorCtr="0">
+          <a:bodyPr anchorCtr="0" anchor="ctr" bIns="91425" lIns="91425" spcFirstLastPara="1" rIns="91425" wrap="square" tIns="91425">
             <a:normAutofit/>
           </a:bodyPr>
           <a:lstStyle>
@@ -4561,19 +4410,15 @@
               <a:defRPr/>
             </a:lvl9pPr>
           </a:lstStyle>
-          <a:p>
-            <a:endParaRPr/>
-          </a:p>
+          <a:p/>
         </p:txBody>
       </p:sp>
       <p:sp>
         <p:nvSpPr>
           <p:cNvPr id="24" name="Google Shape;24;p3"/>
-          <p:cNvSpPr txBox="1">
-            <a:spLocks noGrp="1"/>
-          </p:cNvSpPr>
+          <p:cNvSpPr txBox="1"/>
           <p:nvPr>
-            <p:ph type="sldNum" idx="12"/>
+            <p:ph idx="12" type="sldNum"/>
           </p:nvPr>
         </p:nvSpPr>
         <p:spPr>
@@ -4586,7 +4431,7 @@
           </a:prstGeom>
         </p:spPr>
         <p:txBody>
-          <a:bodyPr spcFirstLastPara="1" wrap="square" lIns="91425" tIns="91425" rIns="91425" bIns="91425" anchor="ctr" anchorCtr="0">
+          <a:bodyPr anchorCtr="0" anchor="ctr" bIns="91425" lIns="91425" spcFirstLastPara="1" rIns="91425" wrap="square" tIns="91425">
             <a:normAutofit/>
           </a:bodyPr>
           <a:lstStyle>
@@ -4664,7 +4509,7 @@
             </a:lvl9pPr>
           </a:lstStyle>
           <a:p>
-            <a:pPr marL="0" lvl="0" indent="0" algn="r" rtl="0">
+            <a:pPr indent="0" lvl="0" marL="0" rtl="0" algn="r">
               <a:spcBef>
                 <a:spcPts val="0"/>
               </a:spcBef>
@@ -4690,11 +4535,11 @@
 </file>
 
 <file path=ppt/slideLayouts/slideLayout3.xml><?xml version="1.0" encoding="utf-8"?>
-<p:sldLayout xmlns:a="http://schemas.openxmlformats.org/drawingml/2006/main" xmlns:r="http://schemas.openxmlformats.org/officeDocument/2006/relationships" xmlns:p="http://schemas.openxmlformats.org/presentationml/2006/main" matchingName="Title and body" type="tx">
+<p:sldLayout xmlns:a="http://schemas.openxmlformats.org/drawingml/2006/main" xmlns:r="http://schemas.openxmlformats.org/officeDocument/2006/relationships" xmlns:mc="http://schemas.openxmlformats.org/markup-compatibility/2006" xmlns:mv="urn:schemas-microsoft-com:mac:vml" xmlns:p="http://schemas.openxmlformats.org/presentationml/2006/main" xmlns:c="http://schemas.openxmlformats.org/drawingml/2006/chart" xmlns:dgm="http://schemas.openxmlformats.org/drawingml/2006/diagram" xmlns:o="urn:schemas-microsoft-com:office:office" xmlns:v="urn:schemas-microsoft-com:vml" xmlns:pvml="urn:schemas-microsoft-com:office:powerpoint" xmlns:com="http://schemas.openxmlformats.org/drawingml/2006/compatibility" xmlns:p14="http://schemas.microsoft.com/office/powerpoint/2010/main" xmlns:p15="http://schemas.microsoft.com/office/powerpoint/2012/main" xmlns:ahyp="http://schemas.microsoft.com/office/drawing/2018/hyperlinkcolor" matchingName="Title and body" type="tx">
   <p:cSld name="TITLE_AND_BODY">
     <p:spTree>
       <p:nvGrpSpPr>
-        <p:cNvPr id="1" name="Shape 25"/>
+        <p:cNvPr id="25" name="Shape 25"/>
         <p:cNvGrpSpPr/>
         <p:nvPr/>
       </p:nvGrpSpPr>
@@ -4728,20 +4573,23 @@
           </a:ln>
         </p:spPr>
         <p:txBody>
-          <a:bodyPr spcFirstLastPara="1" wrap="square" lIns="91425" tIns="91425" rIns="91425" bIns="91425" anchor="ctr" anchorCtr="0">
+          <a:bodyPr anchorCtr="0" anchor="ctr" bIns="91425" lIns="91425" spcFirstLastPara="1" rIns="91425" wrap="square" tIns="91425">
             <a:noAutofit/>
           </a:bodyPr>
           <a:lstStyle/>
           <a:p>
-            <a:pPr marL="0" lvl="0" indent="0" algn="l" rtl="0">
-              <a:spcBef>
-                <a:spcPts val="0"/>
-              </a:spcBef>
-              <a:spcAft>
-                <a:spcPts val="0"/>
-              </a:spcAft>
-              <a:buNone/>
-            </a:pPr>
+            <a:pPr indent="0" lvl="0" marL="0" rtl="0" algn="l">
+              <a:spcBef>
+                <a:spcPts val="0"/>
+              </a:spcBef>
+              <a:spcAft>
+                <a:spcPts val="0"/>
+              </a:spcAft>
+              <a:buNone/>
+            </a:pPr>
+            <a:r>
+              <a:t/>
+            </a:r>
             <a:endParaRPr/>
           </a:p>
         </p:txBody>
@@ -4749,9 +4597,7 @@
       <p:sp>
         <p:nvSpPr>
           <p:cNvPr id="27" name="Google Shape;27;p4"/>
-          <p:cNvSpPr txBox="1">
-            <a:spLocks noGrp="1"/>
-          </p:cNvSpPr>
+          <p:cNvSpPr txBox="1"/>
           <p:nvPr>
             <p:ph type="title"/>
           </p:nvPr>
@@ -4766,7 +4612,7 @@
           </a:prstGeom>
         </p:spPr>
         <p:txBody>
-          <a:bodyPr spcFirstLastPara="1" wrap="square" lIns="91425" tIns="91425" rIns="91425" bIns="91425" anchor="t" anchorCtr="0">
+          <a:bodyPr anchorCtr="0" anchor="t" bIns="91425" lIns="91425" spcFirstLastPara="1" rIns="91425" wrap="square" tIns="91425">
             <a:normAutofit/>
           </a:bodyPr>
           <a:lstStyle>
@@ -4870,19 +4716,15 @@
               <a:defRPr/>
             </a:lvl9pPr>
           </a:lstStyle>
-          <a:p>
-            <a:endParaRPr/>
-          </a:p>
+          <a:p/>
         </p:txBody>
       </p:sp>
       <p:sp>
         <p:nvSpPr>
           <p:cNvPr id="28" name="Google Shape;28;p4"/>
-          <p:cNvSpPr txBox="1">
-            <a:spLocks noGrp="1"/>
-          </p:cNvSpPr>
+          <p:cNvSpPr txBox="1"/>
           <p:nvPr>
-            <p:ph type="body" idx="1"/>
+            <p:ph idx="1" type="body"/>
           </p:nvPr>
         </p:nvSpPr>
         <p:spPr>
@@ -4895,11 +4737,11 @@
           </a:prstGeom>
         </p:spPr>
         <p:txBody>
-          <a:bodyPr spcFirstLastPara="1" wrap="square" lIns="91425" tIns="91425" rIns="91425" bIns="91425" anchor="t" anchorCtr="0">
+          <a:bodyPr anchorCtr="0" anchor="t" bIns="91425" lIns="91425" spcFirstLastPara="1" rIns="91425" wrap="square" tIns="91425">
             <a:normAutofit/>
           </a:bodyPr>
           <a:lstStyle>
-            <a:lvl1pPr marL="457200" lvl="0" indent="-342900">
+            <a:lvl1pPr indent="-342900" lvl="0" marL="457200">
               <a:spcBef>
                 <a:spcPts val="0"/>
               </a:spcBef>
@@ -4910,7 +4752,7 @@
               <a:buChar char="●"/>
               <a:defRPr/>
             </a:lvl1pPr>
-            <a:lvl2pPr marL="914400" lvl="1" indent="-317500">
+            <a:lvl2pPr indent="-317500" lvl="1" marL="914400">
               <a:spcBef>
                 <a:spcPts val="0"/>
               </a:spcBef>
@@ -4921,7 +4763,7 @@
               <a:buChar char="○"/>
               <a:defRPr/>
             </a:lvl2pPr>
-            <a:lvl3pPr marL="1371600" lvl="2" indent="-317500">
+            <a:lvl3pPr indent="-317500" lvl="2" marL="1371600">
               <a:spcBef>
                 <a:spcPts val="0"/>
               </a:spcBef>
@@ -4932,7 +4774,7 @@
               <a:buChar char="■"/>
               <a:defRPr/>
             </a:lvl3pPr>
-            <a:lvl4pPr marL="1828800" lvl="3" indent="-317500">
+            <a:lvl4pPr indent="-317500" lvl="3" marL="1828800">
               <a:spcBef>
                 <a:spcPts val="0"/>
               </a:spcBef>
@@ -4943,7 +4785,7 @@
               <a:buChar char="●"/>
               <a:defRPr/>
             </a:lvl4pPr>
-            <a:lvl5pPr marL="2286000" lvl="4" indent="-317500">
+            <a:lvl5pPr indent="-317500" lvl="4" marL="2286000">
               <a:spcBef>
                 <a:spcPts val="0"/>
               </a:spcBef>
@@ -4954,7 +4796,7 @@
               <a:buChar char="○"/>
               <a:defRPr/>
             </a:lvl5pPr>
-            <a:lvl6pPr marL="2743200" lvl="5" indent="-317500">
+            <a:lvl6pPr indent="-317500" lvl="5" marL="2743200">
               <a:spcBef>
                 <a:spcPts val="0"/>
               </a:spcBef>
@@ -4965,7 +4807,7 @@
               <a:buChar char="■"/>
               <a:defRPr/>
             </a:lvl6pPr>
-            <a:lvl7pPr marL="3200400" lvl="6" indent="-317500">
+            <a:lvl7pPr indent="-317500" lvl="6" marL="3200400">
               <a:spcBef>
                 <a:spcPts val="0"/>
               </a:spcBef>
@@ -4976,7 +4818,7 @@
               <a:buChar char="●"/>
               <a:defRPr/>
             </a:lvl7pPr>
-            <a:lvl8pPr marL="3657600" lvl="7" indent="-317500">
+            <a:lvl8pPr indent="-317500" lvl="7" marL="3657600">
               <a:spcBef>
                 <a:spcPts val="0"/>
               </a:spcBef>
@@ -4987,7 +4829,7 @@
               <a:buChar char="○"/>
               <a:defRPr/>
             </a:lvl8pPr>
-            <a:lvl9pPr marL="4114800" lvl="8" indent="-317500">
+            <a:lvl9pPr indent="-317500" lvl="8" marL="4114800">
               <a:spcBef>
                 <a:spcPts val="0"/>
               </a:spcBef>
@@ -4999,19 +4841,15 @@
               <a:defRPr/>
             </a:lvl9pPr>
           </a:lstStyle>
-          <a:p>
-            <a:endParaRPr/>
-          </a:p>
+          <a:p/>
         </p:txBody>
       </p:sp>
       <p:sp>
         <p:nvSpPr>
           <p:cNvPr id="29" name="Google Shape;29;p4"/>
-          <p:cNvSpPr txBox="1">
-            <a:spLocks noGrp="1"/>
-          </p:cNvSpPr>
+          <p:cNvSpPr txBox="1"/>
           <p:nvPr>
-            <p:ph type="sldNum" idx="12"/>
+            <p:ph idx="12" type="sldNum"/>
           </p:nvPr>
         </p:nvSpPr>
         <p:spPr>
@@ -5024,7 +4862,7 @@
           </a:prstGeom>
         </p:spPr>
         <p:txBody>
-          <a:bodyPr spcFirstLastPara="1" wrap="square" lIns="91425" tIns="91425" rIns="91425" bIns="91425" anchor="ctr" anchorCtr="0">
+          <a:bodyPr anchorCtr="0" anchor="ctr" bIns="91425" lIns="91425" spcFirstLastPara="1" rIns="91425" wrap="square" tIns="91425">
             <a:normAutofit/>
           </a:bodyPr>
           <a:lstStyle>
@@ -5066,7 +4904,7 @@
             </a:lvl9pPr>
           </a:lstStyle>
           <a:p>
-            <a:pPr marL="0" lvl="0" indent="0" algn="r" rtl="0">
+            <a:pPr indent="0" lvl="0" marL="0" rtl="0" algn="r">
               <a:spcBef>
                 <a:spcPts val="0"/>
               </a:spcBef>
@@ -5092,11 +4930,11 @@
 </file>
 
 <file path=ppt/slideLayouts/slideLayout4.xml><?xml version="1.0" encoding="utf-8"?>
-<p:sldLayout xmlns:a="http://schemas.openxmlformats.org/drawingml/2006/main" xmlns:r="http://schemas.openxmlformats.org/officeDocument/2006/relationships" xmlns:p="http://schemas.openxmlformats.org/presentationml/2006/main" matchingName="Title and two columns" type="twoColTx">
+<p:sldLayout xmlns:a="http://schemas.openxmlformats.org/drawingml/2006/main" xmlns:r="http://schemas.openxmlformats.org/officeDocument/2006/relationships" xmlns:mc="http://schemas.openxmlformats.org/markup-compatibility/2006" xmlns:mv="urn:schemas-microsoft-com:mac:vml" xmlns:p="http://schemas.openxmlformats.org/presentationml/2006/main" xmlns:c="http://schemas.openxmlformats.org/drawingml/2006/chart" xmlns:dgm="http://schemas.openxmlformats.org/drawingml/2006/diagram" xmlns:o="urn:schemas-microsoft-com:office:office" xmlns:v="urn:schemas-microsoft-com:vml" xmlns:pvml="urn:schemas-microsoft-com:office:powerpoint" xmlns:com="http://schemas.openxmlformats.org/drawingml/2006/compatibility" xmlns:p14="http://schemas.microsoft.com/office/powerpoint/2010/main" xmlns:p15="http://schemas.microsoft.com/office/powerpoint/2012/main" xmlns:ahyp="http://schemas.microsoft.com/office/drawing/2018/hyperlinkcolor" matchingName="Title and two columns" type="twoColTx">
   <p:cSld name="TITLE_AND_TWO_COLUMNS">
     <p:spTree>
       <p:nvGrpSpPr>
-        <p:cNvPr id="1" name="Shape 30"/>
+        <p:cNvPr id="30" name="Shape 30"/>
         <p:cNvGrpSpPr/>
         <p:nvPr/>
       </p:nvGrpSpPr>
@@ -5111,9 +4949,7 @@
       <p:sp>
         <p:nvSpPr>
           <p:cNvPr id="31" name="Google Shape;31;p5"/>
-          <p:cNvSpPr txBox="1">
-            <a:spLocks noGrp="1"/>
-          </p:cNvSpPr>
+          <p:cNvSpPr txBox="1"/>
           <p:nvPr>
             <p:ph type="title"/>
           </p:nvPr>
@@ -5128,7 +4964,7 @@
           </a:prstGeom>
         </p:spPr>
         <p:txBody>
-          <a:bodyPr spcFirstLastPara="1" wrap="square" lIns="91425" tIns="91425" rIns="91425" bIns="91425" anchor="t" anchorCtr="0">
+          <a:bodyPr anchorCtr="0" anchor="t" bIns="91425" lIns="91425" spcFirstLastPara="1" rIns="91425" wrap="square" tIns="91425">
             <a:normAutofit/>
           </a:bodyPr>
           <a:lstStyle>
@@ -5232,19 +5068,15 @@
               <a:defRPr/>
             </a:lvl9pPr>
           </a:lstStyle>
-          <a:p>
-            <a:endParaRPr/>
-          </a:p>
+          <a:p/>
         </p:txBody>
       </p:sp>
       <p:sp>
         <p:nvSpPr>
           <p:cNvPr id="32" name="Google Shape;32;p5"/>
-          <p:cNvSpPr txBox="1">
-            <a:spLocks noGrp="1"/>
-          </p:cNvSpPr>
+          <p:cNvSpPr txBox="1"/>
           <p:nvPr>
-            <p:ph type="body" idx="1"/>
+            <p:ph idx="1" type="body"/>
           </p:nvPr>
         </p:nvSpPr>
         <p:spPr>
@@ -5257,11 +5089,11 @@
           </a:prstGeom>
         </p:spPr>
         <p:txBody>
-          <a:bodyPr spcFirstLastPara="1" wrap="square" lIns="91425" tIns="91425" rIns="91425" bIns="91425" anchor="t" anchorCtr="0">
+          <a:bodyPr anchorCtr="0" anchor="t" bIns="91425" lIns="91425" spcFirstLastPara="1" rIns="91425" wrap="square" tIns="91425">
             <a:normAutofit/>
           </a:bodyPr>
           <a:lstStyle>
-            <a:lvl1pPr marL="457200" lvl="0" indent="-317500">
+            <a:lvl1pPr indent="-317500" lvl="0" marL="457200">
               <a:spcBef>
                 <a:spcPts val="0"/>
               </a:spcBef>
@@ -5272,7 +5104,7 @@
               <a:buChar char="●"/>
               <a:defRPr sz="1400"/>
             </a:lvl1pPr>
-            <a:lvl2pPr marL="914400" lvl="1" indent="-304800">
+            <a:lvl2pPr indent="-304800" lvl="1" marL="914400">
               <a:spcBef>
                 <a:spcPts val="0"/>
               </a:spcBef>
@@ -5283,7 +5115,7 @@
               <a:buChar char="○"/>
               <a:defRPr sz="1200"/>
             </a:lvl2pPr>
-            <a:lvl3pPr marL="1371600" lvl="2" indent="-304800">
+            <a:lvl3pPr indent="-304800" lvl="2" marL="1371600">
               <a:spcBef>
                 <a:spcPts val="0"/>
               </a:spcBef>
@@ -5294,7 +5126,7 @@
               <a:buChar char="■"/>
               <a:defRPr sz="1200"/>
             </a:lvl3pPr>
-            <a:lvl4pPr marL="1828800" lvl="3" indent="-304800">
+            <a:lvl4pPr indent="-304800" lvl="3" marL="1828800">
               <a:spcBef>
                 <a:spcPts val="0"/>
               </a:spcBef>
@@ -5305,7 +5137,7 @@
               <a:buChar char="●"/>
               <a:defRPr sz="1200"/>
             </a:lvl4pPr>
-            <a:lvl5pPr marL="2286000" lvl="4" indent="-304800">
+            <a:lvl5pPr indent="-304800" lvl="4" marL="2286000">
               <a:spcBef>
                 <a:spcPts val="0"/>
               </a:spcBef>
@@ -5316,7 +5148,7 @@
               <a:buChar char="○"/>
               <a:defRPr sz="1200"/>
             </a:lvl5pPr>
-            <a:lvl6pPr marL="2743200" lvl="5" indent="-304800">
+            <a:lvl6pPr indent="-304800" lvl="5" marL="2743200">
               <a:spcBef>
                 <a:spcPts val="0"/>
               </a:spcBef>
@@ -5327,7 +5159,7 @@
               <a:buChar char="■"/>
               <a:defRPr sz="1200"/>
             </a:lvl6pPr>
-            <a:lvl7pPr marL="3200400" lvl="6" indent="-304800">
+            <a:lvl7pPr indent="-304800" lvl="6" marL="3200400">
               <a:spcBef>
                 <a:spcPts val="0"/>
               </a:spcBef>
@@ -5338,7 +5170,7 @@
               <a:buChar char="●"/>
               <a:defRPr sz="1200"/>
             </a:lvl7pPr>
-            <a:lvl8pPr marL="3657600" lvl="7" indent="-304800">
+            <a:lvl8pPr indent="-304800" lvl="7" marL="3657600">
               <a:spcBef>
                 <a:spcPts val="0"/>
               </a:spcBef>
@@ -5349,7 +5181,7 @@
               <a:buChar char="○"/>
               <a:defRPr sz="1200"/>
             </a:lvl8pPr>
-            <a:lvl9pPr marL="4114800" lvl="8" indent="-304800">
+            <a:lvl9pPr indent="-304800" lvl="8" marL="4114800">
               <a:spcBef>
                 <a:spcPts val="0"/>
               </a:spcBef>
@@ -5361,19 +5193,15 @@
               <a:defRPr sz="1200"/>
             </a:lvl9pPr>
           </a:lstStyle>
-          <a:p>
-            <a:endParaRPr/>
-          </a:p>
+          <a:p/>
         </p:txBody>
       </p:sp>
       <p:sp>
         <p:nvSpPr>
           <p:cNvPr id="33" name="Google Shape;33;p5"/>
-          <p:cNvSpPr txBox="1">
-            <a:spLocks noGrp="1"/>
-          </p:cNvSpPr>
+          <p:cNvSpPr txBox="1"/>
           <p:nvPr>
-            <p:ph type="body" idx="2"/>
+            <p:ph idx="2" type="body"/>
           </p:nvPr>
         </p:nvSpPr>
         <p:spPr>
@@ -5386,11 +5214,11 @@
           </a:prstGeom>
         </p:spPr>
         <p:txBody>
-          <a:bodyPr spcFirstLastPara="1" wrap="square" lIns="91425" tIns="91425" rIns="91425" bIns="91425" anchor="t" anchorCtr="0">
+          <a:bodyPr anchorCtr="0" anchor="t" bIns="91425" lIns="91425" spcFirstLastPara="1" rIns="91425" wrap="square" tIns="91425">
             <a:normAutofit/>
           </a:bodyPr>
           <a:lstStyle>
-            <a:lvl1pPr marL="457200" lvl="0" indent="-317500">
+            <a:lvl1pPr indent="-317500" lvl="0" marL="457200">
               <a:spcBef>
                 <a:spcPts val="0"/>
               </a:spcBef>
@@ -5401,7 +5229,7 @@
               <a:buChar char="●"/>
               <a:defRPr sz="1400"/>
             </a:lvl1pPr>
-            <a:lvl2pPr marL="914400" lvl="1" indent="-304800">
+            <a:lvl2pPr indent="-304800" lvl="1" marL="914400">
               <a:spcBef>
                 <a:spcPts val="0"/>
               </a:spcBef>
@@ -5412,7 +5240,7 @@
               <a:buChar char="○"/>
               <a:defRPr sz="1200"/>
             </a:lvl2pPr>
-            <a:lvl3pPr marL="1371600" lvl="2" indent="-304800">
+            <a:lvl3pPr indent="-304800" lvl="2" marL="1371600">
               <a:spcBef>
                 <a:spcPts val="0"/>
               </a:spcBef>
@@ -5423,7 +5251,7 @@
               <a:buChar char="■"/>
               <a:defRPr sz="1200"/>
             </a:lvl3pPr>
-            <a:lvl4pPr marL="1828800" lvl="3" indent="-304800">
+            <a:lvl4pPr indent="-304800" lvl="3" marL="1828800">
               <a:spcBef>
                 <a:spcPts val="0"/>
               </a:spcBef>
@@ -5434,7 +5262,7 @@
               <a:buChar char="●"/>
               <a:defRPr sz="1200"/>
             </a:lvl4pPr>
-            <a:lvl5pPr marL="2286000" lvl="4" indent="-304800">
+            <a:lvl5pPr indent="-304800" lvl="4" marL="2286000">
               <a:spcBef>
                 <a:spcPts val="0"/>
               </a:spcBef>
@@ -5445,7 +5273,7 @@
               <a:buChar char="○"/>
               <a:defRPr sz="1200"/>
             </a:lvl5pPr>
-            <a:lvl6pPr marL="2743200" lvl="5" indent="-304800">
+            <a:lvl6pPr indent="-304800" lvl="5" marL="2743200">
               <a:spcBef>
                 <a:spcPts val="0"/>
               </a:spcBef>
@@ -5456,7 +5284,7 @@
               <a:buChar char="■"/>
               <a:defRPr sz="1200"/>
             </a:lvl6pPr>
-            <a:lvl7pPr marL="3200400" lvl="6" indent="-304800">
+            <a:lvl7pPr indent="-304800" lvl="6" marL="3200400">
               <a:spcBef>
                 <a:spcPts val="0"/>
               </a:spcBef>
@@ -5467,7 +5295,7 @@
               <a:buChar char="●"/>
               <a:defRPr sz="1200"/>
             </a:lvl7pPr>
-            <a:lvl8pPr marL="3657600" lvl="7" indent="-304800">
+            <a:lvl8pPr indent="-304800" lvl="7" marL="3657600">
               <a:spcBef>
                 <a:spcPts val="0"/>
               </a:spcBef>
@@ -5478,7 +5306,7 @@
               <a:buChar char="○"/>
               <a:defRPr sz="1200"/>
             </a:lvl8pPr>
-            <a:lvl9pPr marL="4114800" lvl="8" indent="-304800">
+            <a:lvl9pPr indent="-304800" lvl="8" marL="4114800">
               <a:spcBef>
                 <a:spcPts val="0"/>
               </a:spcBef>
@@ -5490,19 +5318,15 @@
               <a:defRPr sz="1200"/>
             </a:lvl9pPr>
           </a:lstStyle>
-          <a:p>
-            <a:endParaRPr/>
-          </a:p>
+          <a:p/>
         </p:txBody>
       </p:sp>
       <p:sp>
         <p:nvSpPr>
           <p:cNvPr id="34" name="Google Shape;34;p5"/>
-          <p:cNvSpPr txBox="1">
-            <a:spLocks noGrp="1"/>
-          </p:cNvSpPr>
+          <p:cNvSpPr txBox="1"/>
           <p:nvPr>
-            <p:ph type="sldNum" idx="12"/>
+            <p:ph idx="12" type="sldNum"/>
           </p:nvPr>
         </p:nvSpPr>
         <p:spPr>
@@ -5515,7 +5339,7 @@
           </a:prstGeom>
         </p:spPr>
         <p:txBody>
-          <a:bodyPr spcFirstLastPara="1" wrap="square" lIns="91425" tIns="91425" rIns="91425" bIns="91425" anchor="ctr" anchorCtr="0">
+          <a:bodyPr anchorCtr="0" anchor="ctr" bIns="91425" lIns="91425" spcFirstLastPara="1" rIns="91425" wrap="square" tIns="91425">
             <a:normAutofit/>
           </a:bodyPr>
           <a:lstStyle>
@@ -5557,7 +5381,7 @@
             </a:lvl9pPr>
           </a:lstStyle>
           <a:p>
-            <a:pPr marL="0" lvl="0" indent="0" algn="r" rtl="0">
+            <a:pPr indent="0" lvl="0" marL="0" rtl="0" algn="r">
               <a:spcBef>
                 <a:spcPts val="0"/>
               </a:spcBef>
@@ -5583,11 +5407,11 @@
 </file>
 
 <file path=ppt/slideLayouts/slideLayout5.xml><?xml version="1.0" encoding="utf-8"?>
-<p:sldLayout xmlns:a="http://schemas.openxmlformats.org/drawingml/2006/main" xmlns:r="http://schemas.openxmlformats.org/officeDocument/2006/relationships" xmlns:p="http://schemas.openxmlformats.org/presentationml/2006/main" matchingName="Title only" type="titleOnly">
+<p:sldLayout xmlns:a="http://schemas.openxmlformats.org/drawingml/2006/main" xmlns:r="http://schemas.openxmlformats.org/officeDocument/2006/relationships" xmlns:mc="http://schemas.openxmlformats.org/markup-compatibility/2006" xmlns:mv="urn:schemas-microsoft-com:mac:vml" xmlns:p="http://schemas.openxmlformats.org/presentationml/2006/main" xmlns:c="http://schemas.openxmlformats.org/drawingml/2006/chart" xmlns:dgm="http://schemas.openxmlformats.org/drawingml/2006/diagram" xmlns:o="urn:schemas-microsoft-com:office:office" xmlns:v="urn:schemas-microsoft-com:vml" xmlns:pvml="urn:schemas-microsoft-com:office:powerpoint" xmlns:com="http://schemas.openxmlformats.org/drawingml/2006/compatibility" xmlns:p14="http://schemas.microsoft.com/office/powerpoint/2010/main" xmlns:p15="http://schemas.microsoft.com/office/powerpoint/2012/main" xmlns:ahyp="http://schemas.microsoft.com/office/drawing/2018/hyperlinkcolor" matchingName="Title only" type="titleOnly">
   <p:cSld name="TITLE_ONLY">
     <p:spTree>
       <p:nvGrpSpPr>
-        <p:cNvPr id="1" name="Shape 35"/>
+        <p:cNvPr id="35" name="Shape 35"/>
         <p:cNvGrpSpPr/>
         <p:nvPr/>
       </p:nvGrpSpPr>
@@ -5602,9 +5426,7 @@
       <p:sp>
         <p:nvSpPr>
           <p:cNvPr id="36" name="Google Shape;36;p6"/>
-          <p:cNvSpPr txBox="1">
-            <a:spLocks noGrp="1"/>
-          </p:cNvSpPr>
+          <p:cNvSpPr txBox="1"/>
           <p:nvPr>
             <p:ph type="title"/>
           </p:nvPr>
@@ -5619,7 +5441,7 @@
           </a:prstGeom>
         </p:spPr>
         <p:txBody>
-          <a:bodyPr spcFirstLastPara="1" wrap="square" lIns="91425" tIns="91425" rIns="91425" bIns="91425" anchor="t" anchorCtr="0">
+          <a:bodyPr anchorCtr="0" anchor="t" bIns="91425" lIns="91425" spcFirstLastPara="1" rIns="91425" wrap="square" tIns="91425">
             <a:normAutofit/>
           </a:bodyPr>
           <a:lstStyle>
@@ -5723,19 +5545,15 @@
               <a:defRPr/>
             </a:lvl9pPr>
           </a:lstStyle>
-          <a:p>
-            <a:endParaRPr/>
-          </a:p>
+          <a:p/>
         </p:txBody>
       </p:sp>
       <p:sp>
         <p:nvSpPr>
           <p:cNvPr id="37" name="Google Shape;37;p6"/>
-          <p:cNvSpPr txBox="1">
-            <a:spLocks noGrp="1"/>
-          </p:cNvSpPr>
+          <p:cNvSpPr txBox="1"/>
           <p:nvPr>
-            <p:ph type="sldNum" idx="12"/>
+            <p:ph idx="12" type="sldNum"/>
           </p:nvPr>
         </p:nvSpPr>
         <p:spPr>
@@ -5748,7 +5566,7 @@
           </a:prstGeom>
         </p:spPr>
         <p:txBody>
-          <a:bodyPr spcFirstLastPara="1" wrap="square" lIns="91425" tIns="91425" rIns="91425" bIns="91425" anchor="ctr" anchorCtr="0">
+          <a:bodyPr anchorCtr="0" anchor="ctr" bIns="91425" lIns="91425" spcFirstLastPara="1" rIns="91425" wrap="square" tIns="91425">
             <a:normAutofit/>
           </a:bodyPr>
           <a:lstStyle>
@@ -5790,7 +5608,7 @@
             </a:lvl9pPr>
           </a:lstStyle>
           <a:p>
-            <a:pPr marL="0" lvl="0" indent="0" algn="r" rtl="0">
+            <a:pPr indent="0" lvl="0" marL="0" rtl="0" algn="r">
               <a:spcBef>
                 <a:spcPts val="0"/>
               </a:spcBef>
@@ -5816,11 +5634,11 @@
 </file>
 
 <file path=ppt/slideLayouts/slideLayout6.xml><?xml version="1.0" encoding="utf-8"?>
-<p:sldLayout xmlns:a="http://schemas.openxmlformats.org/drawingml/2006/main" xmlns:r="http://schemas.openxmlformats.org/officeDocument/2006/relationships" xmlns:p="http://schemas.openxmlformats.org/presentationml/2006/main" matchingName="One column text">
+<p:sldLayout xmlns:a="http://schemas.openxmlformats.org/drawingml/2006/main" xmlns:r="http://schemas.openxmlformats.org/officeDocument/2006/relationships" xmlns:mc="http://schemas.openxmlformats.org/markup-compatibility/2006" xmlns:mv="urn:schemas-microsoft-com:mac:vml" xmlns:p="http://schemas.openxmlformats.org/presentationml/2006/main" xmlns:c="http://schemas.openxmlformats.org/drawingml/2006/chart" xmlns:dgm="http://schemas.openxmlformats.org/drawingml/2006/diagram" xmlns:o="urn:schemas-microsoft-com:office:office" xmlns:v="urn:schemas-microsoft-com:vml" xmlns:pvml="urn:schemas-microsoft-com:office:powerpoint" xmlns:com="http://schemas.openxmlformats.org/drawingml/2006/compatibility" xmlns:p14="http://schemas.microsoft.com/office/powerpoint/2010/main" xmlns:p15="http://schemas.microsoft.com/office/powerpoint/2012/main" xmlns:ahyp="http://schemas.microsoft.com/office/drawing/2018/hyperlinkcolor" matchingName="One column text">
   <p:cSld name="ONE_COLUMN_TEXT">
     <p:spTree>
       <p:nvGrpSpPr>
-        <p:cNvPr id="1" name="Shape 38"/>
+        <p:cNvPr id="38" name="Shape 38"/>
         <p:cNvGrpSpPr/>
         <p:nvPr/>
       </p:nvGrpSpPr>
@@ -5835,9 +5653,7 @@
       <p:sp>
         <p:nvSpPr>
           <p:cNvPr id="39" name="Google Shape;39;p7"/>
-          <p:cNvSpPr txBox="1">
-            <a:spLocks noGrp="1"/>
-          </p:cNvSpPr>
+          <p:cNvSpPr txBox="1"/>
           <p:nvPr>
             <p:ph type="title"/>
           </p:nvPr>
@@ -5852,7 +5668,7 @@
           </a:prstGeom>
         </p:spPr>
         <p:txBody>
-          <a:bodyPr spcFirstLastPara="1" wrap="square" lIns="91425" tIns="91425" rIns="91425" bIns="91425" anchor="b" anchorCtr="0">
+          <a:bodyPr anchorCtr="0" anchor="b" bIns="91425" lIns="91425" spcFirstLastPara="1" rIns="91425" wrap="square" tIns="91425">
             <a:normAutofit/>
           </a:bodyPr>
           <a:lstStyle>
@@ -5956,19 +5772,15 @@
               <a:defRPr sz="2400"/>
             </a:lvl9pPr>
           </a:lstStyle>
-          <a:p>
-            <a:endParaRPr/>
-          </a:p>
+          <a:p/>
         </p:txBody>
       </p:sp>
       <p:sp>
         <p:nvSpPr>
           <p:cNvPr id="40" name="Google Shape;40;p7"/>
-          <p:cNvSpPr txBox="1">
-            <a:spLocks noGrp="1"/>
-          </p:cNvSpPr>
+          <p:cNvSpPr txBox="1"/>
           <p:nvPr>
-            <p:ph type="body" idx="1"/>
+            <p:ph idx="1" type="body"/>
           </p:nvPr>
         </p:nvSpPr>
         <p:spPr>
@@ -5981,11 +5793,11 @@
           </a:prstGeom>
         </p:spPr>
         <p:txBody>
-          <a:bodyPr spcFirstLastPara="1" wrap="square" lIns="91425" tIns="91425" rIns="91425" bIns="91425" anchor="t" anchorCtr="0">
+          <a:bodyPr anchorCtr="0" anchor="t" bIns="91425" lIns="91425" spcFirstLastPara="1" rIns="91425" wrap="square" tIns="91425">
             <a:normAutofit/>
           </a:bodyPr>
           <a:lstStyle>
-            <a:lvl1pPr marL="457200" lvl="0" indent="-304800">
+            <a:lvl1pPr indent="-304800" lvl="0" marL="457200">
               <a:spcBef>
                 <a:spcPts val="0"/>
               </a:spcBef>
@@ -5996,7 +5808,7 @@
               <a:buChar char="●"/>
               <a:defRPr sz="1200"/>
             </a:lvl1pPr>
-            <a:lvl2pPr marL="914400" lvl="1" indent="-304800">
+            <a:lvl2pPr indent="-304800" lvl="1" marL="914400">
               <a:spcBef>
                 <a:spcPts val="0"/>
               </a:spcBef>
@@ -6007,7 +5819,7 @@
               <a:buChar char="○"/>
               <a:defRPr sz="1200"/>
             </a:lvl2pPr>
-            <a:lvl3pPr marL="1371600" lvl="2" indent="-304800">
+            <a:lvl3pPr indent="-304800" lvl="2" marL="1371600">
               <a:spcBef>
                 <a:spcPts val="0"/>
               </a:spcBef>
@@ -6018,7 +5830,7 @@
               <a:buChar char="■"/>
               <a:defRPr sz="1200"/>
             </a:lvl3pPr>
-            <a:lvl4pPr marL="1828800" lvl="3" indent="-304800">
+            <a:lvl4pPr indent="-304800" lvl="3" marL="1828800">
               <a:spcBef>
                 <a:spcPts val="0"/>
               </a:spcBef>
@@ -6029,7 +5841,7 @@
               <a:buChar char="●"/>
               <a:defRPr sz="1200"/>
             </a:lvl4pPr>
-            <a:lvl5pPr marL="2286000" lvl="4" indent="-304800">
+            <a:lvl5pPr indent="-304800" lvl="4" marL="2286000">
               <a:spcBef>
                 <a:spcPts val="0"/>
               </a:spcBef>
@@ -6040,7 +5852,7 @@
               <a:buChar char="○"/>
               <a:defRPr sz="1200"/>
             </a:lvl5pPr>
-            <a:lvl6pPr marL="2743200" lvl="5" indent="-304800">
+            <a:lvl6pPr indent="-304800" lvl="5" marL="2743200">
               <a:spcBef>
                 <a:spcPts val="0"/>
               </a:spcBef>
@@ -6051,7 +5863,7 @@
               <a:buChar char="■"/>
               <a:defRPr sz="1200"/>
             </a:lvl6pPr>
-            <a:lvl7pPr marL="3200400" lvl="6" indent="-304800">
+            <a:lvl7pPr indent="-304800" lvl="6" marL="3200400">
               <a:spcBef>
                 <a:spcPts val="0"/>
               </a:spcBef>
@@ -6062,7 +5874,7 @@
               <a:buChar char="●"/>
               <a:defRPr sz="1200"/>
             </a:lvl7pPr>
-            <a:lvl8pPr marL="3657600" lvl="7" indent="-304800">
+            <a:lvl8pPr indent="-304800" lvl="7" marL="3657600">
               <a:spcBef>
                 <a:spcPts val="0"/>
               </a:spcBef>
@@ -6073,7 +5885,7 @@
               <a:buChar char="○"/>
               <a:defRPr sz="1200"/>
             </a:lvl8pPr>
-            <a:lvl9pPr marL="4114800" lvl="8" indent="-304800">
+            <a:lvl9pPr indent="-304800" lvl="8" marL="4114800">
               <a:spcBef>
                 <a:spcPts val="0"/>
               </a:spcBef>
@@ -6085,19 +5897,15 @@
               <a:defRPr sz="1200"/>
             </a:lvl9pPr>
           </a:lstStyle>
-          <a:p>
-            <a:endParaRPr/>
-          </a:p>
+          <a:p/>
         </p:txBody>
       </p:sp>
       <p:sp>
         <p:nvSpPr>
           <p:cNvPr id="41" name="Google Shape;41;p7"/>
-          <p:cNvSpPr txBox="1">
-            <a:spLocks noGrp="1"/>
-          </p:cNvSpPr>
+          <p:cNvSpPr txBox="1"/>
           <p:nvPr>
-            <p:ph type="sldNum" idx="12"/>
+            <p:ph idx="12" type="sldNum"/>
           </p:nvPr>
         </p:nvSpPr>
         <p:spPr>
@@ -6110,7 +5918,7 @@
           </a:prstGeom>
         </p:spPr>
         <p:txBody>
-          <a:bodyPr spcFirstLastPara="1" wrap="square" lIns="91425" tIns="91425" rIns="91425" bIns="91425" anchor="ctr" anchorCtr="0">
+          <a:bodyPr anchorCtr="0" anchor="ctr" bIns="91425" lIns="91425" spcFirstLastPara="1" rIns="91425" wrap="square" tIns="91425">
             <a:normAutofit/>
           </a:bodyPr>
           <a:lstStyle>
@@ -6152,7 +5960,7 @@
             </a:lvl9pPr>
           </a:lstStyle>
           <a:p>
-            <a:pPr marL="0" lvl="0" indent="0" algn="r" rtl="0">
+            <a:pPr indent="0" lvl="0" marL="0" rtl="0" algn="r">
               <a:spcBef>
                 <a:spcPts val="0"/>
               </a:spcBef>
@@ -6178,19 +5986,18 @@
 </file>
 
 <file path=ppt/slideLayouts/slideLayout7.xml><?xml version="1.0" encoding="utf-8"?>
-<p:sldLayout xmlns:a="http://schemas.openxmlformats.org/drawingml/2006/main" xmlns:r="http://schemas.openxmlformats.org/officeDocument/2006/relationships" xmlns:p="http://schemas.openxmlformats.org/presentationml/2006/main" matchingName="Main point">
+<p:sldLayout xmlns:a="http://schemas.openxmlformats.org/drawingml/2006/main" xmlns:r="http://schemas.openxmlformats.org/officeDocument/2006/relationships" xmlns:mc="http://schemas.openxmlformats.org/markup-compatibility/2006" xmlns:mv="urn:schemas-microsoft-com:mac:vml" xmlns:p="http://schemas.openxmlformats.org/presentationml/2006/main" xmlns:c="http://schemas.openxmlformats.org/drawingml/2006/chart" xmlns:dgm="http://schemas.openxmlformats.org/drawingml/2006/diagram" xmlns:o="urn:schemas-microsoft-com:office:office" xmlns:v="urn:schemas-microsoft-com:vml" xmlns:pvml="urn:schemas-microsoft-com:office:powerpoint" xmlns:com="http://schemas.openxmlformats.org/drawingml/2006/compatibility" xmlns:p14="http://schemas.microsoft.com/office/powerpoint/2010/main" xmlns:p15="http://schemas.microsoft.com/office/powerpoint/2012/main" xmlns:ahyp="http://schemas.microsoft.com/office/drawing/2018/hyperlinkcolor" matchingName="Main point">
   <p:cSld name="MAIN_POINT">
     <p:bg>
       <p:bgPr>
         <a:solidFill>
           <a:schemeClr val="accent6"/>
         </a:solidFill>
-        <a:effectLst/>
       </p:bgPr>
     </p:bg>
     <p:spTree>
       <p:nvGrpSpPr>
-        <p:cNvPr id="1" name="Shape 42"/>
+        <p:cNvPr id="42" name="Shape 42"/>
         <p:cNvGrpSpPr/>
         <p:nvPr/>
       </p:nvGrpSpPr>
@@ -6205,9 +6012,7 @@
       <p:sp>
         <p:nvSpPr>
           <p:cNvPr id="43" name="Google Shape;43;p8"/>
-          <p:cNvSpPr txBox="1">
-            <a:spLocks noGrp="1"/>
-          </p:cNvSpPr>
+          <p:cNvSpPr txBox="1"/>
           <p:nvPr>
             <p:ph type="title"/>
           </p:nvPr>
@@ -6222,7 +6027,7 @@
           </a:prstGeom>
         </p:spPr>
         <p:txBody>
-          <a:bodyPr spcFirstLastPara="1" wrap="square" lIns="91425" tIns="91425" rIns="91425" bIns="91425" anchor="ctr" anchorCtr="0">
+          <a:bodyPr anchorCtr="0" anchor="ctr" bIns="91425" lIns="91425" spcFirstLastPara="1" rIns="91425" wrap="square" tIns="91425">
             <a:normAutofit/>
           </a:bodyPr>
           <a:lstStyle>
@@ -6238,7 +6043,7 @@
               </a:buClr>
               <a:buSzPts val="5400"/>
               <a:buNone/>
-              <a:defRPr sz="5400" b="0">
+              <a:defRPr b="0" sz="5400">
                 <a:solidFill>
                   <a:schemeClr val="dk2"/>
                 </a:solidFill>
@@ -6256,7 +6061,7 @@
               </a:buClr>
               <a:buSzPts val="5400"/>
               <a:buNone/>
-              <a:defRPr sz="5400" b="0">
+              <a:defRPr b="0" sz="5400">
                 <a:solidFill>
                   <a:schemeClr val="dk2"/>
                 </a:solidFill>
@@ -6274,7 +6079,7 @@
               </a:buClr>
               <a:buSzPts val="5400"/>
               <a:buNone/>
-              <a:defRPr sz="5400" b="0">
+              <a:defRPr b="0" sz="5400">
                 <a:solidFill>
                   <a:schemeClr val="dk2"/>
                 </a:solidFill>
@@ -6292,7 +6097,7 @@
               </a:buClr>
               <a:buSzPts val="5400"/>
               <a:buNone/>
-              <a:defRPr sz="5400" b="0">
+              <a:defRPr b="0" sz="5400">
                 <a:solidFill>
                   <a:schemeClr val="dk2"/>
                 </a:solidFill>
@@ -6310,7 +6115,7 @@
               </a:buClr>
               <a:buSzPts val="5400"/>
               <a:buNone/>
-              <a:defRPr sz="5400" b="0">
+              <a:defRPr b="0" sz="5400">
                 <a:solidFill>
                   <a:schemeClr val="dk2"/>
                 </a:solidFill>
@@ -6328,7 +6133,7 @@
               </a:buClr>
               <a:buSzPts val="5400"/>
               <a:buNone/>
-              <a:defRPr sz="5400" b="0">
+              <a:defRPr b="0" sz="5400">
                 <a:solidFill>
                   <a:schemeClr val="dk2"/>
                 </a:solidFill>
@@ -6346,7 +6151,7 @@
               </a:buClr>
               <a:buSzPts val="5400"/>
               <a:buNone/>
-              <a:defRPr sz="5400" b="0">
+              <a:defRPr b="0" sz="5400">
                 <a:solidFill>
                   <a:schemeClr val="dk2"/>
                 </a:solidFill>
@@ -6364,7 +6169,7 @@
               </a:buClr>
               <a:buSzPts val="5400"/>
               <a:buNone/>
-              <a:defRPr sz="5400" b="0">
+              <a:defRPr b="0" sz="5400">
                 <a:solidFill>
                   <a:schemeClr val="dk2"/>
                 </a:solidFill>
@@ -6382,26 +6187,22 @@
               </a:buClr>
               <a:buSzPts val="5400"/>
               <a:buNone/>
-              <a:defRPr sz="5400" b="0">
+              <a:defRPr b="0" sz="5400">
                 <a:solidFill>
                   <a:schemeClr val="dk2"/>
                 </a:solidFill>
               </a:defRPr>
             </a:lvl9pPr>
           </a:lstStyle>
-          <a:p>
-            <a:endParaRPr/>
-          </a:p>
+          <a:p/>
         </p:txBody>
       </p:sp>
       <p:sp>
         <p:nvSpPr>
           <p:cNvPr id="44" name="Google Shape;44;p8"/>
-          <p:cNvSpPr txBox="1">
-            <a:spLocks noGrp="1"/>
-          </p:cNvSpPr>
+          <p:cNvSpPr txBox="1"/>
           <p:nvPr>
-            <p:ph type="sldNum" idx="12"/>
+            <p:ph idx="12" type="sldNum"/>
           </p:nvPr>
         </p:nvSpPr>
         <p:spPr>
@@ -6414,7 +6215,7 @@
           </a:prstGeom>
         </p:spPr>
         <p:txBody>
-          <a:bodyPr spcFirstLastPara="1" wrap="square" lIns="91425" tIns="91425" rIns="91425" bIns="91425" anchor="ctr" anchorCtr="0">
+          <a:bodyPr anchorCtr="0" anchor="ctr" bIns="91425" lIns="91425" spcFirstLastPara="1" rIns="91425" wrap="square" tIns="91425">
             <a:normAutofit/>
           </a:bodyPr>
           <a:lstStyle>
@@ -6456,7 +6257,7 @@
             </a:lvl9pPr>
           </a:lstStyle>
           <a:p>
-            <a:pPr marL="0" lvl="0" indent="0" algn="r" rtl="0">
+            <a:pPr indent="0" lvl="0" marL="0" rtl="0" algn="r">
               <a:spcBef>
                 <a:spcPts val="0"/>
               </a:spcBef>
@@ -6482,11 +6283,11 @@
 </file>
 
 <file path=ppt/slideLayouts/slideLayout8.xml><?xml version="1.0" encoding="utf-8"?>
-<p:sldLayout xmlns:a="http://schemas.openxmlformats.org/drawingml/2006/main" xmlns:r="http://schemas.openxmlformats.org/officeDocument/2006/relationships" xmlns:p="http://schemas.openxmlformats.org/presentationml/2006/main" matchingName="Section title and description">
+<p:sldLayout xmlns:a="http://schemas.openxmlformats.org/drawingml/2006/main" xmlns:r="http://schemas.openxmlformats.org/officeDocument/2006/relationships" xmlns:mc="http://schemas.openxmlformats.org/markup-compatibility/2006" xmlns:mv="urn:schemas-microsoft-com:mac:vml" xmlns:p="http://schemas.openxmlformats.org/presentationml/2006/main" xmlns:c="http://schemas.openxmlformats.org/drawingml/2006/chart" xmlns:dgm="http://schemas.openxmlformats.org/drawingml/2006/diagram" xmlns:o="urn:schemas-microsoft-com:office:office" xmlns:v="urn:schemas-microsoft-com:vml" xmlns:pvml="urn:schemas-microsoft-com:office:powerpoint" xmlns:com="http://schemas.openxmlformats.org/drawingml/2006/compatibility" xmlns:p14="http://schemas.microsoft.com/office/powerpoint/2010/main" xmlns:p15="http://schemas.microsoft.com/office/powerpoint/2012/main" xmlns:ahyp="http://schemas.microsoft.com/office/drawing/2018/hyperlinkcolor" matchingName="Section title and description">
   <p:cSld name="SECTION_TITLE_AND_DESCRIPTION">
     <p:spTree>
       <p:nvGrpSpPr>
-        <p:cNvPr id="1" name="Shape 45"/>
+        <p:cNvPr id="45" name="Shape 45"/>
         <p:cNvGrpSpPr/>
         <p:nvPr/>
       </p:nvGrpSpPr>
@@ -6520,20 +6321,23 @@
           </a:ln>
         </p:spPr>
         <p:txBody>
-          <a:bodyPr spcFirstLastPara="1" wrap="square" lIns="91425" tIns="91425" rIns="91425" bIns="91425" anchor="ctr" anchorCtr="0">
+          <a:bodyPr anchorCtr="0" anchor="ctr" bIns="91425" lIns="91425" spcFirstLastPara="1" rIns="91425" wrap="square" tIns="91425">
             <a:noAutofit/>
           </a:bodyPr>
           <a:lstStyle/>
           <a:p>
-            <a:pPr marL="0" lvl="0" indent="0" algn="l" rtl="0">
-              <a:spcBef>
-                <a:spcPts val="0"/>
-              </a:spcBef>
-              <a:spcAft>
-                <a:spcPts val="0"/>
-              </a:spcAft>
-              <a:buNone/>
-            </a:pPr>
+            <a:pPr indent="0" lvl="0" marL="0" rtl="0" algn="l">
+              <a:spcBef>
+                <a:spcPts val="0"/>
+              </a:spcBef>
+              <a:spcAft>
+                <a:spcPts val="0"/>
+              </a:spcAft>
+              <a:buNone/>
+            </a:pPr>
+            <a:r>
+              <a:t/>
+            </a:r>
             <a:endParaRPr/>
           </a:p>
         </p:txBody>
@@ -6553,23 +6357,21 @@
             <a:avLst/>
           </a:prstGeom>
           <a:noFill/>
-          <a:ln w="19050" cap="flat" cmpd="sng">
+          <a:ln cap="flat" cmpd="sng" w="19050">
             <a:solidFill>
               <a:schemeClr val="lt1"/>
             </a:solidFill>
             <a:prstDash val="solid"/>
             <a:round/>
-            <a:headEnd type="none" w="sm" len="sm"/>
-            <a:tailEnd type="none" w="sm" len="sm"/>
+            <a:headEnd len="sm" w="sm" type="none"/>
+            <a:tailEnd len="sm" w="sm" type="none"/>
           </a:ln>
         </p:spPr>
       </p:cxnSp>
       <p:sp>
         <p:nvSpPr>
           <p:cNvPr id="48" name="Google Shape;48;p9"/>
-          <p:cNvSpPr txBox="1">
-            <a:spLocks noGrp="1"/>
-          </p:cNvSpPr>
+          <p:cNvSpPr txBox="1"/>
           <p:nvPr>
             <p:ph type="title"/>
           </p:nvPr>
@@ -6584,7 +6386,7 @@
           </a:prstGeom>
         </p:spPr>
         <p:txBody>
-          <a:bodyPr spcFirstLastPara="1" wrap="square" lIns="91425" tIns="91425" rIns="91425" bIns="91425" anchor="b" anchorCtr="0">
+          <a:bodyPr anchorCtr="0" anchor="b" bIns="91425" lIns="91425" spcFirstLastPara="1" rIns="91425" wrap="square" tIns="91425">
             <a:normAutofit/>
           </a:bodyPr>
           <a:lstStyle>
@@ -6688,19 +6490,15 @@
               <a:defRPr sz="4200"/>
             </a:lvl9pPr>
           </a:lstStyle>
-          <a:p>
-            <a:endParaRPr/>
-          </a:p>
+          <a:p/>
         </p:txBody>
       </p:sp>
       <p:sp>
         <p:nvSpPr>
           <p:cNvPr id="49" name="Google Shape;49;p9"/>
-          <p:cNvSpPr txBox="1">
-            <a:spLocks noGrp="1"/>
-          </p:cNvSpPr>
+          <p:cNvSpPr txBox="1"/>
           <p:nvPr>
-            <p:ph type="subTitle" idx="1"/>
+            <p:ph idx="1" type="subTitle"/>
           </p:nvPr>
         </p:nvSpPr>
         <p:spPr>
@@ -6713,7 +6511,7 @@
           </a:prstGeom>
         </p:spPr>
         <p:txBody>
-          <a:bodyPr spcFirstLastPara="1" wrap="square" lIns="91425" tIns="91425" rIns="91425" bIns="91425" anchor="t" anchorCtr="0">
+          <a:bodyPr anchorCtr="0" anchor="t" bIns="91425" lIns="91425" spcFirstLastPara="1" rIns="91425" wrap="square" tIns="91425">
             <a:normAutofit/>
           </a:bodyPr>
           <a:lstStyle>
@@ -6844,19 +6642,15 @@
               <a:defRPr sz="2100"/>
             </a:lvl9pPr>
           </a:lstStyle>
-          <a:p>
-            <a:endParaRPr/>
-          </a:p>
+          <a:p/>
         </p:txBody>
       </p:sp>
       <p:sp>
         <p:nvSpPr>
           <p:cNvPr id="50" name="Google Shape;50;p9"/>
-          <p:cNvSpPr txBox="1">
-            <a:spLocks noGrp="1"/>
-          </p:cNvSpPr>
+          <p:cNvSpPr txBox="1"/>
           <p:nvPr>
-            <p:ph type="body" idx="2"/>
+            <p:ph idx="2" type="body"/>
           </p:nvPr>
         </p:nvSpPr>
         <p:spPr>
@@ -6869,11 +6663,11 @@
           </a:prstGeom>
         </p:spPr>
         <p:txBody>
-          <a:bodyPr spcFirstLastPara="1" wrap="square" lIns="91425" tIns="91425" rIns="91425" bIns="91425" anchor="ctr" anchorCtr="0">
+          <a:bodyPr anchorCtr="0" anchor="ctr" bIns="91425" lIns="91425" spcFirstLastPara="1" rIns="91425" wrap="square" tIns="91425">
             <a:normAutofit/>
           </a:bodyPr>
           <a:lstStyle>
-            <a:lvl1pPr marL="457200" lvl="0" indent="-342900">
+            <a:lvl1pPr indent="-342900" lvl="0" marL="457200">
               <a:spcBef>
                 <a:spcPts val="0"/>
               </a:spcBef>
@@ -6891,7 +6685,7 @@
                 </a:solidFill>
               </a:defRPr>
             </a:lvl1pPr>
-            <a:lvl2pPr marL="914400" lvl="1" indent="-317500">
+            <a:lvl2pPr indent="-317500" lvl="1" marL="914400">
               <a:spcBef>
                 <a:spcPts val="0"/>
               </a:spcBef>
@@ -6909,7 +6703,7 @@
                 </a:solidFill>
               </a:defRPr>
             </a:lvl2pPr>
-            <a:lvl3pPr marL="1371600" lvl="2" indent="-317500">
+            <a:lvl3pPr indent="-317500" lvl="2" marL="1371600">
               <a:spcBef>
                 <a:spcPts val="0"/>
               </a:spcBef>
@@ -6927,7 +6721,7 @@
                 </a:solidFill>
               </a:defRPr>
             </a:lvl3pPr>
-            <a:lvl4pPr marL="1828800" lvl="3" indent="-317500">
+            <a:lvl4pPr indent="-317500" lvl="3" marL="1828800">
               <a:spcBef>
                 <a:spcPts val="0"/>
               </a:spcBef>
@@ -6945,7 +6739,7 @@
                 </a:solidFill>
               </a:defRPr>
             </a:lvl4pPr>
-            <a:lvl5pPr marL="2286000" lvl="4" indent="-317500">
+            <a:lvl5pPr indent="-317500" lvl="4" marL="2286000">
               <a:spcBef>
                 <a:spcPts val="0"/>
               </a:spcBef>
@@ -6963,7 +6757,7 @@
                 </a:solidFill>
               </a:defRPr>
             </a:lvl5pPr>
-            <a:lvl6pPr marL="2743200" lvl="5" indent="-317500">
+            <a:lvl6pPr indent="-317500" lvl="5" marL="2743200">
               <a:spcBef>
                 <a:spcPts val="0"/>
               </a:spcBef>
@@ -6981,7 +6775,7 @@
                 </a:solidFill>
               </a:defRPr>
             </a:lvl6pPr>
-            <a:lvl7pPr marL="3200400" lvl="6" indent="-317500">
+            <a:lvl7pPr indent="-317500" lvl="6" marL="3200400">
               <a:spcBef>
                 <a:spcPts val="0"/>
               </a:spcBef>
@@ -6999,7 +6793,7 @@
                 </a:solidFill>
               </a:defRPr>
             </a:lvl7pPr>
-            <a:lvl8pPr marL="3657600" lvl="7" indent="-317500">
+            <a:lvl8pPr indent="-317500" lvl="7" marL="3657600">
               <a:spcBef>
                 <a:spcPts val="0"/>
               </a:spcBef>
@@ -7017,7 +6811,7 @@
                 </a:solidFill>
               </a:defRPr>
             </a:lvl8pPr>
-            <a:lvl9pPr marL="4114800" lvl="8" indent="-317500">
+            <a:lvl9pPr indent="-317500" lvl="8" marL="4114800">
               <a:spcBef>
                 <a:spcPts val="0"/>
               </a:spcBef>
@@ -7036,19 +6830,15 @@
               </a:defRPr>
             </a:lvl9pPr>
           </a:lstStyle>
-          <a:p>
-            <a:endParaRPr/>
-          </a:p>
+          <a:p/>
         </p:txBody>
       </p:sp>
       <p:sp>
         <p:nvSpPr>
           <p:cNvPr id="51" name="Google Shape;51;p9"/>
-          <p:cNvSpPr txBox="1">
-            <a:spLocks noGrp="1"/>
-          </p:cNvSpPr>
+          <p:cNvSpPr txBox="1"/>
           <p:nvPr>
-            <p:ph type="sldNum" idx="12"/>
+            <p:ph idx="12" type="sldNum"/>
           </p:nvPr>
         </p:nvSpPr>
         <p:spPr>
@@ -7061,7 +6851,7 @@
           </a:prstGeom>
         </p:spPr>
         <p:txBody>
-          <a:bodyPr spcFirstLastPara="1" wrap="square" lIns="91425" tIns="91425" rIns="91425" bIns="91425" anchor="ctr" anchorCtr="0">
+          <a:bodyPr anchorCtr="0" anchor="ctr" bIns="91425" lIns="91425" spcFirstLastPara="1" rIns="91425" wrap="square" tIns="91425">
             <a:normAutofit/>
           </a:bodyPr>
           <a:lstStyle>
@@ -7139,7 +6929,7 @@
             </a:lvl9pPr>
           </a:lstStyle>
           <a:p>
-            <a:pPr marL="0" lvl="0" indent="0" algn="r" rtl="0">
+            <a:pPr indent="0" lvl="0" marL="0" rtl="0" algn="r">
               <a:spcBef>
                 <a:spcPts val="0"/>
               </a:spcBef>
@@ -7165,11 +6955,11 @@
 </file>
 
 <file path=ppt/slideLayouts/slideLayout9.xml><?xml version="1.0" encoding="utf-8"?>
-<p:sldLayout xmlns:a="http://schemas.openxmlformats.org/drawingml/2006/main" xmlns:r="http://schemas.openxmlformats.org/officeDocument/2006/relationships" xmlns:p="http://schemas.openxmlformats.org/presentationml/2006/main" matchingName="Caption">
+<p:sldLayout xmlns:a="http://schemas.openxmlformats.org/drawingml/2006/main" xmlns:r="http://schemas.openxmlformats.org/officeDocument/2006/relationships" xmlns:mc="http://schemas.openxmlformats.org/markup-compatibility/2006" xmlns:mv="urn:schemas-microsoft-com:mac:vml" xmlns:p="http://schemas.openxmlformats.org/presentationml/2006/main" xmlns:c="http://schemas.openxmlformats.org/drawingml/2006/chart" xmlns:dgm="http://schemas.openxmlformats.org/drawingml/2006/diagram" xmlns:o="urn:schemas-microsoft-com:office:office" xmlns:v="urn:schemas-microsoft-com:vml" xmlns:pvml="urn:schemas-microsoft-com:office:powerpoint" xmlns:com="http://schemas.openxmlformats.org/drawingml/2006/compatibility" xmlns:p14="http://schemas.microsoft.com/office/powerpoint/2010/main" xmlns:p15="http://schemas.microsoft.com/office/powerpoint/2012/main" xmlns:ahyp="http://schemas.microsoft.com/office/drawing/2018/hyperlinkcolor" matchingName="Caption">
   <p:cSld name="CAPTION_ONLY">
     <p:spTree>
       <p:nvGrpSpPr>
-        <p:cNvPr id="1" name="Shape 52"/>
+        <p:cNvPr id="52" name="Shape 52"/>
         <p:cNvGrpSpPr/>
         <p:nvPr/>
       </p:nvGrpSpPr>
@@ -7184,11 +6974,9 @@
       <p:sp>
         <p:nvSpPr>
           <p:cNvPr id="53" name="Google Shape;53;p10"/>
-          <p:cNvSpPr txBox="1">
-            <a:spLocks noGrp="1"/>
-          </p:cNvSpPr>
+          <p:cNvSpPr txBox="1"/>
           <p:nvPr>
-            <p:ph type="body" idx="1"/>
+            <p:ph idx="1" type="body"/>
           </p:nvPr>
         </p:nvSpPr>
         <p:spPr>
@@ -7201,11 +6989,11 @@
           </a:prstGeom>
         </p:spPr>
         <p:txBody>
-          <a:bodyPr spcFirstLastPara="1" wrap="square" lIns="91425" tIns="91425" rIns="91425" bIns="91425" anchor="ctr" anchorCtr="0">
+          <a:bodyPr anchorCtr="0" anchor="ctr" bIns="91425" lIns="91425" spcFirstLastPara="1" rIns="91425" wrap="square" tIns="91425">
             <a:normAutofit/>
           </a:bodyPr>
           <a:lstStyle>
-            <a:lvl1pPr marL="457200" lvl="0" indent="-228600">
+            <a:lvl1pPr indent="-228600" lvl="0" marL="457200">
               <a:lnSpc>
                 <a:spcPct val="100000"/>
               </a:lnSpc>
@@ -7226,19 +7014,15 @@
               </a:defRPr>
             </a:lvl1pPr>
           </a:lstStyle>
-          <a:p>
-            <a:endParaRPr/>
-          </a:p>
+          <a:p/>
         </p:txBody>
       </p:sp>
       <p:sp>
         <p:nvSpPr>
           <p:cNvPr id="54" name="Google Shape;54;p10"/>
-          <p:cNvSpPr txBox="1">
-            <a:spLocks noGrp="1"/>
-          </p:cNvSpPr>
+          <p:cNvSpPr txBox="1"/>
           <p:nvPr>
-            <p:ph type="sldNum" idx="12"/>
+            <p:ph idx="12" type="sldNum"/>
           </p:nvPr>
         </p:nvSpPr>
         <p:spPr>
@@ -7251,7 +7035,7 @@
           </a:prstGeom>
         </p:spPr>
         <p:txBody>
-          <a:bodyPr spcFirstLastPara="1" wrap="square" lIns="91425" tIns="91425" rIns="91425" bIns="91425" anchor="ctr" anchorCtr="0">
+          <a:bodyPr anchorCtr="0" anchor="ctr" bIns="91425" lIns="91425" spcFirstLastPara="1" rIns="91425" wrap="square" tIns="91425">
             <a:normAutofit/>
           </a:bodyPr>
           <a:lstStyle>
@@ -7293,7 +7077,7 @@
             </a:lvl9pPr>
           </a:lstStyle>
           <a:p>
-            <a:pPr marL="0" lvl="0" indent="0" algn="r" rtl="0">
+            <a:pPr indent="0" lvl="0" marL="0" rtl="0" algn="r">
               <a:spcBef>
                 <a:spcPts val="0"/>
               </a:spcBef>
@@ -7319,19 +7103,18 @@
 </file>
 
 <file path=ppt/slideMasters/slideMaster1.xml><?xml version="1.0" encoding="utf-8"?>
-<p:sldMaster xmlns:a="http://schemas.openxmlformats.org/drawingml/2006/main" xmlns:r="http://schemas.openxmlformats.org/officeDocument/2006/relationships" xmlns:p="http://schemas.openxmlformats.org/presentationml/2006/main">
+<p:sldMaster xmlns:a="http://schemas.openxmlformats.org/drawingml/2006/main" xmlns:r="http://schemas.openxmlformats.org/officeDocument/2006/relationships" xmlns:mc="http://schemas.openxmlformats.org/markup-compatibility/2006" xmlns:mv="urn:schemas-microsoft-com:mac:vml" xmlns:p="http://schemas.openxmlformats.org/presentationml/2006/main" xmlns:c="http://schemas.openxmlformats.org/drawingml/2006/chart" xmlns:dgm="http://schemas.openxmlformats.org/drawingml/2006/diagram" xmlns:o="urn:schemas-microsoft-com:office:office" xmlns:v="urn:schemas-microsoft-com:vml" xmlns:pvml="urn:schemas-microsoft-com:office:powerpoint" xmlns:com="http://schemas.openxmlformats.org/drawingml/2006/compatibility" xmlns:p14="http://schemas.microsoft.com/office/powerpoint/2010/main" xmlns:p15="http://schemas.microsoft.com/office/powerpoint/2012/main" xmlns:ahyp="http://schemas.microsoft.com/office/drawing/2018/hyperlinkcolor">
   <p:cSld name="tropic">
     <p:bg>
       <p:bgPr>
         <a:solidFill>
           <a:schemeClr val="lt1"/>
         </a:solidFill>
-        <a:effectLst/>
       </p:bgPr>
     </p:bg>
     <p:spTree>
       <p:nvGrpSpPr>
-        <p:cNvPr id="1" name="Shape 5"/>
+        <p:cNvPr id="5" name="Shape 5"/>
         <p:cNvGrpSpPr/>
         <p:nvPr/>
       </p:nvGrpSpPr>
@@ -7346,9 +7129,7 @@
       <p:sp>
         <p:nvSpPr>
           <p:cNvPr id="6" name="Google Shape;6;p1"/>
-          <p:cNvSpPr txBox="1">
-            <a:spLocks noGrp="1"/>
-          </p:cNvSpPr>
+          <p:cNvSpPr txBox="1"/>
           <p:nvPr>
             <p:ph type="title"/>
           </p:nvPr>
@@ -7367,7 +7148,7 @@
           </a:ln>
         </p:spPr>
         <p:txBody>
-          <a:bodyPr spcFirstLastPara="1" wrap="square" lIns="91425" tIns="91425" rIns="91425" bIns="91425" anchor="t" anchorCtr="0">
+          <a:bodyPr anchorCtr="0" anchor="t" bIns="91425" lIns="91425" spcFirstLastPara="1" rIns="91425" wrap="square" tIns="91425">
             <a:normAutofit/>
           </a:bodyPr>
           <a:lstStyle>
@@ -7384,7 +7165,7 @@
               <a:buSzPts val="3600"/>
               <a:buFont typeface="PT Sans Narrow"/>
               <a:buNone/>
-              <a:defRPr sz="3600" b="1">
+              <a:defRPr b="1" sz="3600">
                 <a:solidFill>
                   <a:schemeClr val="accent1"/>
                 </a:solidFill>
@@ -7407,7 +7188,7 @@
               <a:buSzPts val="3600"/>
               <a:buFont typeface="PT Sans Narrow"/>
               <a:buNone/>
-              <a:defRPr sz="3600" b="1">
+              <a:defRPr b="1" sz="3600">
                 <a:solidFill>
                   <a:schemeClr val="accent1"/>
                 </a:solidFill>
@@ -7430,7 +7211,7 @@
               <a:buSzPts val="3600"/>
               <a:buFont typeface="PT Sans Narrow"/>
               <a:buNone/>
-              <a:defRPr sz="3600" b="1">
+              <a:defRPr b="1" sz="3600">
                 <a:solidFill>
                   <a:schemeClr val="accent1"/>
                 </a:solidFill>
@@ -7453,7 +7234,7 @@
               <a:buSzPts val="3600"/>
               <a:buFont typeface="PT Sans Narrow"/>
               <a:buNone/>
-              <a:defRPr sz="3600" b="1">
+              <a:defRPr b="1" sz="3600">
                 <a:solidFill>
                   <a:schemeClr val="accent1"/>
                 </a:solidFill>
@@ -7476,7 +7257,7 @@
               <a:buSzPts val="3600"/>
               <a:buFont typeface="PT Sans Narrow"/>
               <a:buNone/>
-              <a:defRPr sz="3600" b="1">
+              <a:defRPr b="1" sz="3600">
                 <a:solidFill>
                   <a:schemeClr val="accent1"/>
                 </a:solidFill>
@@ -7499,7 +7280,7 @@
               <a:buSzPts val="3600"/>
               <a:buFont typeface="PT Sans Narrow"/>
               <a:buNone/>
-              <a:defRPr sz="3600" b="1">
+              <a:defRPr b="1" sz="3600">
                 <a:solidFill>
                   <a:schemeClr val="accent1"/>
                 </a:solidFill>
@@ -7522,7 +7303,7 @@
               <a:buSzPts val="3600"/>
               <a:buFont typeface="PT Sans Narrow"/>
               <a:buNone/>
-              <a:defRPr sz="3600" b="1">
+              <a:defRPr b="1" sz="3600">
                 <a:solidFill>
                   <a:schemeClr val="accent1"/>
                 </a:solidFill>
@@ -7545,7 +7326,7 @@
               <a:buSzPts val="3600"/>
               <a:buFont typeface="PT Sans Narrow"/>
               <a:buNone/>
-              <a:defRPr sz="3600" b="1">
+              <a:defRPr b="1" sz="3600">
                 <a:solidFill>
                   <a:schemeClr val="accent1"/>
                 </a:solidFill>
@@ -7568,7 +7349,7 @@
               <a:buSzPts val="3600"/>
               <a:buFont typeface="PT Sans Narrow"/>
               <a:buNone/>
-              <a:defRPr sz="3600" b="1">
+              <a:defRPr b="1" sz="3600">
                 <a:solidFill>
                   <a:schemeClr val="accent1"/>
                 </a:solidFill>
@@ -7579,19 +7360,15 @@
               </a:defRPr>
             </a:lvl9pPr>
           </a:lstStyle>
-          <a:p>
-            <a:endParaRPr/>
-          </a:p>
+          <a:p/>
         </p:txBody>
       </p:sp>
       <p:sp>
         <p:nvSpPr>
           <p:cNvPr id="7" name="Google Shape;7;p1"/>
-          <p:cNvSpPr txBox="1">
-            <a:spLocks noGrp="1"/>
-          </p:cNvSpPr>
+          <p:cNvSpPr txBox="1"/>
           <p:nvPr>
-            <p:ph type="body" idx="1"/>
+            <p:ph idx="1" type="body"/>
           </p:nvPr>
         </p:nvSpPr>
         <p:spPr>
@@ -7608,11 +7385,11 @@
           </a:ln>
         </p:spPr>
         <p:txBody>
-          <a:bodyPr spcFirstLastPara="1" wrap="square" lIns="91425" tIns="91425" rIns="91425" bIns="91425" anchor="t" anchorCtr="0">
+          <a:bodyPr anchorCtr="0" anchor="t" bIns="91425" lIns="91425" spcFirstLastPara="1" rIns="91425" wrap="square" tIns="91425">
             <a:normAutofit/>
           </a:bodyPr>
           <a:lstStyle>
-            <a:lvl1pPr marL="457200" lvl="0" indent="-342900">
+            <a:lvl1pPr indent="-342900" lvl="0" marL="457200">
               <a:lnSpc>
                 <a:spcPct val="115000"/>
               </a:lnSpc>
@@ -7638,7 +7415,7 @@
                 <a:sym typeface="Open Sans"/>
               </a:defRPr>
             </a:lvl1pPr>
-            <a:lvl2pPr marL="914400" lvl="1" indent="-317500">
+            <a:lvl2pPr indent="-317500" lvl="1" marL="914400">
               <a:lnSpc>
                 <a:spcPct val="115000"/>
               </a:lnSpc>
@@ -7664,7 +7441,7 @@
                 <a:sym typeface="Open Sans"/>
               </a:defRPr>
             </a:lvl2pPr>
-            <a:lvl3pPr marL="1371600" lvl="2" indent="-317500">
+            <a:lvl3pPr indent="-317500" lvl="2" marL="1371600">
               <a:lnSpc>
                 <a:spcPct val="115000"/>
               </a:lnSpc>
@@ -7690,7 +7467,7 @@
                 <a:sym typeface="Open Sans"/>
               </a:defRPr>
             </a:lvl3pPr>
-            <a:lvl4pPr marL="1828800" lvl="3" indent="-317500">
+            <a:lvl4pPr indent="-317500" lvl="3" marL="1828800">
               <a:lnSpc>
                 <a:spcPct val="115000"/>
               </a:lnSpc>
@@ -7716,7 +7493,7 @@
                 <a:sym typeface="Open Sans"/>
               </a:defRPr>
             </a:lvl4pPr>
-            <a:lvl5pPr marL="2286000" lvl="4" indent="-317500">
+            <a:lvl5pPr indent="-317500" lvl="4" marL="2286000">
               <a:lnSpc>
                 <a:spcPct val="115000"/>
               </a:lnSpc>
@@ -7742,7 +7519,7 @@
                 <a:sym typeface="Open Sans"/>
               </a:defRPr>
             </a:lvl5pPr>
-            <a:lvl6pPr marL="2743200" lvl="5" indent="-317500">
+            <a:lvl6pPr indent="-317500" lvl="5" marL="2743200">
               <a:lnSpc>
                 <a:spcPct val="115000"/>
               </a:lnSpc>
@@ -7768,7 +7545,7 @@
                 <a:sym typeface="Open Sans"/>
               </a:defRPr>
             </a:lvl6pPr>
-            <a:lvl7pPr marL="3200400" lvl="6" indent="-317500">
+            <a:lvl7pPr indent="-317500" lvl="6" marL="3200400">
               <a:lnSpc>
                 <a:spcPct val="115000"/>
               </a:lnSpc>
@@ -7794,7 +7571,7 @@
                 <a:sym typeface="Open Sans"/>
               </a:defRPr>
             </a:lvl7pPr>
-            <a:lvl8pPr marL="3657600" lvl="7" indent="-317500">
+            <a:lvl8pPr indent="-317500" lvl="7" marL="3657600">
               <a:lnSpc>
                 <a:spcPct val="115000"/>
               </a:lnSpc>
@@ -7820,7 +7597,7 @@
                 <a:sym typeface="Open Sans"/>
               </a:defRPr>
             </a:lvl8pPr>
-            <a:lvl9pPr marL="4114800" lvl="8" indent="-317500">
+            <a:lvl9pPr indent="-317500" lvl="8" marL="4114800">
               <a:lnSpc>
                 <a:spcPct val="115000"/>
               </a:lnSpc>
@@ -7847,19 +7624,15 @@
               </a:defRPr>
             </a:lvl9pPr>
           </a:lstStyle>
-          <a:p>
-            <a:endParaRPr/>
-          </a:p>
+          <a:p/>
         </p:txBody>
       </p:sp>
       <p:sp>
         <p:nvSpPr>
           <p:cNvPr id="8" name="Google Shape;8;p1"/>
-          <p:cNvSpPr txBox="1">
-            <a:spLocks noGrp="1"/>
-          </p:cNvSpPr>
+          <p:cNvSpPr txBox="1"/>
           <p:nvPr>
-            <p:ph type="sldNum" idx="12"/>
+            <p:ph idx="12" type="sldNum"/>
           </p:nvPr>
         </p:nvSpPr>
         <p:spPr>
@@ -7876,7 +7649,7 @@
           </a:ln>
         </p:spPr>
         <p:txBody>
-          <a:bodyPr spcFirstLastPara="1" wrap="square" lIns="91425" tIns="91425" rIns="91425" bIns="91425" anchor="ctr" anchorCtr="0">
+          <a:bodyPr anchorCtr="0" anchor="ctr" bIns="91425" lIns="91425" spcFirstLastPara="1" rIns="91425" wrap="square" tIns="91425">
             <a:normAutofit/>
           </a:bodyPr>
           <a:lstStyle>
@@ -7990,7 +7763,7 @@
             </a:lvl9pPr>
           </a:lstStyle>
           <a:p>
-            <a:pPr marL="0" lvl="0" indent="0" algn="r" rtl="0">
+            <a:pPr indent="0" lvl="0" marL="0" rtl="0" algn="r">
               <a:spcBef>
                 <a:spcPts val="0"/>
               </a:spcBef>
@@ -8009,7 +7782,7 @@
       </p:sp>
     </p:spTree>
   </p:cSld>
-  <p:clrMap bg1="lt1" tx1="dk1" bg2="dk2" tx2="lt2" accent1="accent1" accent2="accent2" accent3="accent3" accent4="accent4" accent5="accent5" accent6="accent6" hlink="hlink" folHlink="folHlink"/>
+  <p:clrMap accent1="accent1" accent2="accent2" accent3="accent3" accent4="accent4" accent5="accent5" accent6="accent6" bg1="lt1" bg2="dk2" tx1="dk1" tx2="lt2" folHlink="folHlink" hlink="hlink"/>
   <p:sldLayoutIdLst>
     <p:sldLayoutId id="2147483648" r:id="rId1"/>
     <p:sldLayoutId id="2147483649" r:id="rId2"/>
@@ -8023,10 +7796,10 @@
     <p:sldLayoutId id="2147483657" r:id="rId10"/>
     <p:sldLayoutId id="2147483658" r:id="rId11"/>
   </p:sldLayoutIdLst>
-  <p:hf sldNum="0" hdr="0" ftr="0" dt="0"/>
+  <p:hf dt="0" ftr="0" hdr="0" sldNum="0"/>
   <p:txStyles>
     <p:titleStyle>
-      <a:defPPr marR="0" lvl="0" algn="l" rtl="0">
+      <a:defPPr lvl="0" marR="0" rtl="0" algn="l">
         <a:lnSpc>
           <a:spcPct val="100000"/>
         </a:lnSpc>
@@ -8037,7 +7810,7 @@
           <a:spcPts val="0"/>
         </a:spcAft>
       </a:defPPr>
-      <a:lvl1pPr marR="0" lvl="0" algn="l" rtl="0">
+      <a:lvl1pPr lvl="0" marR="0" rtl="0" algn="l">
         <a:lnSpc>
           <a:spcPct val="100000"/>
         </a:lnSpc>
@@ -8051,7 +7824,7 @@
           <a:srgbClr val="000000"/>
         </a:buClr>
         <a:buFont typeface="Arial"/>
-        <a:defRPr sz="1400" b="0" i="0" u="none" strike="noStrike" cap="none">
+        <a:defRPr b="0" i="0" sz="1400" u="none" cap="none" strike="noStrike">
           <a:solidFill>
             <a:srgbClr val="000000"/>
           </a:solidFill>
@@ -8061,7 +7834,7 @@
           <a:sym typeface="Arial"/>
         </a:defRPr>
       </a:lvl1pPr>
-      <a:lvl2pPr marR="0" lvl="1" algn="l" rtl="0">
+      <a:lvl2pPr lvl="1" marR="0" rtl="0" algn="l">
         <a:lnSpc>
           <a:spcPct val="100000"/>
         </a:lnSpc>
@@ -8075,7 +7848,7 @@
           <a:srgbClr val="000000"/>
         </a:buClr>
         <a:buFont typeface="Arial"/>
-        <a:defRPr sz="1400" b="0" i="0" u="none" strike="noStrike" cap="none">
+        <a:defRPr b="0" i="0" sz="1400" u="none" cap="none" strike="noStrike">
           <a:solidFill>
             <a:srgbClr val="000000"/>
           </a:solidFill>
@@ -8085,7 +7858,7 @@
           <a:sym typeface="Arial"/>
         </a:defRPr>
       </a:lvl2pPr>
-      <a:lvl3pPr marR="0" lvl="2" algn="l" rtl="0">
+      <a:lvl3pPr lvl="2" marR="0" rtl="0" algn="l">
         <a:lnSpc>
           <a:spcPct val="100000"/>
         </a:lnSpc>
@@ -8099,7 +7872,7 @@
           <a:srgbClr val="000000"/>
         </a:buClr>
         <a:buFont typeface="Arial"/>
-        <a:defRPr sz="1400" b="0" i="0" u="none" strike="noStrike" cap="none">
+        <a:defRPr b="0" i="0" sz="1400" u="none" cap="none" strike="noStrike">
           <a:solidFill>
             <a:srgbClr val="000000"/>
           </a:solidFill>
@@ -8109,7 +7882,7 @@
           <a:sym typeface="Arial"/>
         </a:defRPr>
       </a:lvl3pPr>
-      <a:lvl4pPr marR="0" lvl="3" algn="l" rtl="0">
+      <a:lvl4pPr lvl="3" marR="0" rtl="0" algn="l">
         <a:lnSpc>
           <a:spcPct val="100000"/>
         </a:lnSpc>
@@ -8123,7 +7896,7 @@
           <a:srgbClr val="000000"/>
         </a:buClr>
         <a:buFont typeface="Arial"/>
-        <a:defRPr sz="1400" b="0" i="0" u="none" strike="noStrike" cap="none">
+        <a:defRPr b="0" i="0" sz="1400" u="none" cap="none" strike="noStrike">
           <a:solidFill>
             <a:srgbClr val="000000"/>
           </a:solidFill>
@@ -8133,7 +7906,7 @@
           <a:sym typeface="Arial"/>
         </a:defRPr>
       </a:lvl4pPr>
-      <a:lvl5pPr marR="0" lvl="4" algn="l" rtl="0">
+      <a:lvl5pPr lvl="4" marR="0" rtl="0" algn="l">
         <a:lnSpc>
           <a:spcPct val="100000"/>
         </a:lnSpc>
@@ -8147,7 +7920,7 @@
           <a:srgbClr val="000000"/>
         </a:buClr>
         <a:buFont typeface="Arial"/>
-        <a:defRPr sz="1400" b="0" i="0" u="none" strike="noStrike" cap="none">
+        <a:defRPr b="0" i="0" sz="1400" u="none" cap="none" strike="noStrike">
           <a:solidFill>
             <a:srgbClr val="000000"/>
           </a:solidFill>
@@ -8157,7 +7930,7 @@
           <a:sym typeface="Arial"/>
         </a:defRPr>
       </a:lvl5pPr>
-      <a:lvl6pPr marR="0" lvl="5" algn="l" rtl="0">
+      <a:lvl6pPr lvl="5" marR="0" rtl="0" algn="l">
         <a:lnSpc>
           <a:spcPct val="100000"/>
         </a:lnSpc>
@@ -8171,7 +7944,7 @@
           <a:srgbClr val="000000"/>
         </a:buClr>
         <a:buFont typeface="Arial"/>
-        <a:defRPr sz="1400" b="0" i="0" u="none" strike="noStrike" cap="none">
+        <a:defRPr b="0" i="0" sz="1400" u="none" cap="none" strike="noStrike">
           <a:solidFill>
             <a:srgbClr val="000000"/>
           </a:solidFill>
@@ -8181,7 +7954,7 @@
           <a:sym typeface="Arial"/>
         </a:defRPr>
       </a:lvl6pPr>
-      <a:lvl7pPr marR="0" lvl="6" algn="l" rtl="0">
+      <a:lvl7pPr lvl="6" marR="0" rtl="0" algn="l">
         <a:lnSpc>
           <a:spcPct val="100000"/>
         </a:lnSpc>
@@ -8195,7 +7968,7 @@
           <a:srgbClr val="000000"/>
         </a:buClr>
         <a:buFont typeface="Arial"/>
-        <a:defRPr sz="1400" b="0" i="0" u="none" strike="noStrike" cap="none">
+        <a:defRPr b="0" i="0" sz="1400" u="none" cap="none" strike="noStrike">
           <a:solidFill>
             <a:srgbClr val="000000"/>
           </a:solidFill>
@@ -8205,7 +7978,7 @@
           <a:sym typeface="Arial"/>
         </a:defRPr>
       </a:lvl7pPr>
-      <a:lvl8pPr marR="0" lvl="7" algn="l" rtl="0">
+      <a:lvl8pPr lvl="7" marR="0" rtl="0" algn="l">
         <a:lnSpc>
           <a:spcPct val="100000"/>
         </a:lnSpc>
@@ -8219,7 +7992,7 @@
           <a:srgbClr val="000000"/>
         </a:buClr>
         <a:buFont typeface="Arial"/>
-        <a:defRPr sz="1400" b="0" i="0" u="none" strike="noStrike" cap="none">
+        <a:defRPr b="0" i="0" sz="1400" u="none" cap="none" strike="noStrike">
           <a:solidFill>
             <a:srgbClr val="000000"/>
           </a:solidFill>
@@ -8229,7 +8002,7 @@
           <a:sym typeface="Arial"/>
         </a:defRPr>
       </a:lvl8pPr>
-      <a:lvl9pPr marR="0" lvl="8" algn="l" rtl="0">
+      <a:lvl9pPr lvl="8" marR="0" rtl="0" algn="l">
         <a:lnSpc>
           <a:spcPct val="100000"/>
         </a:lnSpc>
@@ -8243,7 +8016,7 @@
           <a:srgbClr val="000000"/>
         </a:buClr>
         <a:buFont typeface="Arial"/>
-        <a:defRPr sz="1400" b="0" i="0" u="none" strike="noStrike" cap="none">
+        <a:defRPr b="0" i="0" sz="1400" u="none" cap="none" strike="noStrike">
           <a:solidFill>
             <a:srgbClr val="000000"/>
           </a:solidFill>
@@ -8255,7 +8028,7 @@
       </a:lvl9pPr>
     </p:titleStyle>
     <p:bodyStyle>
-      <a:defPPr marR="0" lvl="0" algn="l" rtl="0">
+      <a:defPPr lvl="0" marR="0" rtl="0" algn="l">
         <a:lnSpc>
           <a:spcPct val="100000"/>
         </a:lnSpc>
@@ -8266,7 +8039,7 @@
           <a:spcPts val="0"/>
         </a:spcAft>
       </a:defPPr>
-      <a:lvl1pPr marR="0" lvl="0" algn="l" rtl="0">
+      <a:lvl1pPr lvl="0" marR="0" rtl="0" algn="l">
         <a:lnSpc>
           <a:spcPct val="100000"/>
         </a:lnSpc>
@@ -8280,7 +8053,7 @@
           <a:srgbClr val="000000"/>
         </a:buClr>
         <a:buFont typeface="Arial"/>
-        <a:defRPr sz="1400" b="0" i="0" u="none" strike="noStrike" cap="none">
+        <a:defRPr b="0" i="0" sz="1400" u="none" cap="none" strike="noStrike">
           <a:solidFill>
             <a:srgbClr val="000000"/>
           </a:solidFill>
@@ -8290,7 +8063,7 @@
           <a:sym typeface="Arial"/>
         </a:defRPr>
       </a:lvl1pPr>
-      <a:lvl2pPr marR="0" lvl="1" algn="l" rtl="0">
+      <a:lvl2pPr lvl="1" marR="0" rtl="0" algn="l">
         <a:lnSpc>
           <a:spcPct val="100000"/>
         </a:lnSpc>
@@ -8304,7 +8077,7 @@
           <a:srgbClr val="000000"/>
         </a:buClr>
         <a:buFont typeface="Arial"/>
-        <a:defRPr sz="1400" b="0" i="0" u="none" strike="noStrike" cap="none">
+        <a:defRPr b="0" i="0" sz="1400" u="none" cap="none" strike="noStrike">
           <a:solidFill>
             <a:srgbClr val="000000"/>
           </a:solidFill>
@@ -8314,7 +8087,7 @@
           <a:sym typeface="Arial"/>
         </a:defRPr>
       </a:lvl2pPr>
-      <a:lvl3pPr marR="0" lvl="2" algn="l" rtl="0">
+      <a:lvl3pPr lvl="2" marR="0" rtl="0" algn="l">
         <a:lnSpc>
           <a:spcPct val="100000"/>
         </a:lnSpc>
@@ -8328,7 +8101,7 @@
           <a:srgbClr val="000000"/>
         </a:buClr>
         <a:buFont typeface="Arial"/>
-        <a:defRPr sz="1400" b="0" i="0" u="none" strike="noStrike" cap="none">
+        <a:defRPr b="0" i="0" sz="1400" u="none" cap="none" strike="noStrike">
           <a:solidFill>
             <a:srgbClr val="000000"/>
           </a:solidFill>
@@ -8338,7 +8111,7 @@
           <a:sym typeface="Arial"/>
         </a:defRPr>
       </a:lvl3pPr>
-      <a:lvl4pPr marR="0" lvl="3" algn="l" rtl="0">
+      <a:lvl4pPr lvl="3" marR="0" rtl="0" algn="l">
         <a:lnSpc>
           <a:spcPct val="100000"/>
         </a:lnSpc>
@@ -8352,7 +8125,7 @@
           <a:srgbClr val="000000"/>
         </a:buClr>
         <a:buFont typeface="Arial"/>
-        <a:defRPr sz="1400" b="0" i="0" u="none" strike="noStrike" cap="none">
+        <a:defRPr b="0" i="0" sz="1400" u="none" cap="none" strike="noStrike">
           <a:solidFill>
             <a:srgbClr val="000000"/>
           </a:solidFill>
@@ -8362,7 +8135,7 @@
           <a:sym typeface="Arial"/>
         </a:defRPr>
       </a:lvl4pPr>
-      <a:lvl5pPr marR="0" lvl="4" algn="l" rtl="0">
+      <a:lvl5pPr lvl="4" marR="0" rtl="0" algn="l">
         <a:lnSpc>
           <a:spcPct val="100000"/>
         </a:lnSpc>
@@ -8376,7 +8149,7 @@
           <a:srgbClr val="000000"/>
         </a:buClr>
         <a:buFont typeface="Arial"/>
-        <a:defRPr sz="1400" b="0" i="0" u="none" strike="noStrike" cap="none">
+        <a:defRPr b="0" i="0" sz="1400" u="none" cap="none" strike="noStrike">
           <a:solidFill>
             <a:srgbClr val="000000"/>
           </a:solidFill>
@@ -8386,7 +8159,7 @@
           <a:sym typeface="Arial"/>
         </a:defRPr>
       </a:lvl5pPr>
-      <a:lvl6pPr marR="0" lvl="5" algn="l" rtl="0">
+      <a:lvl6pPr lvl="5" marR="0" rtl="0" algn="l">
         <a:lnSpc>
           <a:spcPct val="100000"/>
         </a:lnSpc>
@@ -8400,7 +8173,7 @@
           <a:srgbClr val="000000"/>
         </a:buClr>
         <a:buFont typeface="Arial"/>
-        <a:defRPr sz="1400" b="0" i="0" u="none" strike="noStrike" cap="none">
+        <a:defRPr b="0" i="0" sz="1400" u="none" cap="none" strike="noStrike">
           <a:solidFill>
             <a:srgbClr val="000000"/>
           </a:solidFill>
@@ -8410,7 +8183,7 @@
           <a:sym typeface="Arial"/>
         </a:defRPr>
       </a:lvl6pPr>
-      <a:lvl7pPr marR="0" lvl="6" algn="l" rtl="0">
+      <a:lvl7pPr lvl="6" marR="0" rtl="0" algn="l">
         <a:lnSpc>
           <a:spcPct val="100000"/>
         </a:lnSpc>
@@ -8424,7 +8197,7 @@
           <a:srgbClr val="000000"/>
         </a:buClr>
         <a:buFont typeface="Arial"/>
-        <a:defRPr sz="1400" b="0" i="0" u="none" strike="noStrike" cap="none">
+        <a:defRPr b="0" i="0" sz="1400" u="none" cap="none" strike="noStrike">
           <a:solidFill>
             <a:srgbClr val="000000"/>
           </a:solidFill>
@@ -8434,7 +8207,7 @@
           <a:sym typeface="Arial"/>
         </a:defRPr>
       </a:lvl7pPr>
-      <a:lvl8pPr marR="0" lvl="7" algn="l" rtl="0">
+      <a:lvl8pPr lvl="7" marR="0" rtl="0" algn="l">
         <a:lnSpc>
           <a:spcPct val="100000"/>
         </a:lnSpc>
@@ -8448,7 +8221,7 @@
           <a:srgbClr val="000000"/>
         </a:buClr>
         <a:buFont typeface="Arial"/>
-        <a:defRPr sz="1400" b="0" i="0" u="none" strike="noStrike" cap="none">
+        <a:defRPr b="0" i="0" sz="1400" u="none" cap="none" strike="noStrike">
           <a:solidFill>
             <a:srgbClr val="000000"/>
           </a:solidFill>
@@ -8458,7 +8231,7 @@
           <a:sym typeface="Arial"/>
         </a:defRPr>
       </a:lvl8pPr>
-      <a:lvl9pPr marR="0" lvl="8" algn="l" rtl="0">
+      <a:lvl9pPr lvl="8" marR="0" rtl="0" algn="l">
         <a:lnSpc>
           <a:spcPct val="100000"/>
         </a:lnSpc>
@@ -8472,7 +8245,7 @@
           <a:srgbClr val="000000"/>
         </a:buClr>
         <a:buFont typeface="Arial"/>
-        <a:defRPr sz="1400" b="0" i="0" u="none" strike="noStrike" cap="none">
+        <a:defRPr b="0" i="0" sz="1400" u="none" cap="none" strike="noStrike">
           <a:solidFill>
             <a:srgbClr val="000000"/>
           </a:solidFill>
@@ -8484,7 +8257,7 @@
       </a:lvl9pPr>
     </p:bodyStyle>
     <p:otherStyle>
-      <a:defPPr marR="0" lvl="0" algn="l" rtl="0">
+      <a:defPPr lvl="0" marR="0" rtl="0" algn="l">
         <a:lnSpc>
           <a:spcPct val="100000"/>
         </a:lnSpc>
@@ -8495,7 +8268,7 @@
           <a:spcPts val="0"/>
         </a:spcAft>
       </a:defPPr>
-      <a:lvl1pPr marR="0" lvl="0" algn="l" rtl="0">
+      <a:lvl1pPr lvl="0" marR="0" rtl="0" algn="l">
         <a:lnSpc>
           <a:spcPct val="100000"/>
         </a:lnSpc>
@@ -8509,7 +8282,7 @@
           <a:srgbClr val="000000"/>
         </a:buClr>
         <a:buFont typeface="Arial"/>
-        <a:defRPr sz="1400" b="0" i="0" u="none" strike="noStrike" cap="none">
+        <a:defRPr b="0" i="0" sz="1400" u="none" cap="none" strike="noStrike">
           <a:solidFill>
             <a:srgbClr val="000000"/>
           </a:solidFill>
@@ -8519,7 +8292,7 @@
           <a:sym typeface="Arial"/>
         </a:defRPr>
       </a:lvl1pPr>
-      <a:lvl2pPr marR="0" lvl="1" algn="l" rtl="0">
+      <a:lvl2pPr lvl="1" marR="0" rtl="0" algn="l">
         <a:lnSpc>
           <a:spcPct val="100000"/>
         </a:lnSpc>
@@ -8533,7 +8306,7 @@
           <a:srgbClr val="000000"/>
         </a:buClr>
         <a:buFont typeface="Arial"/>
-        <a:defRPr sz="1400" b="0" i="0" u="none" strike="noStrike" cap="none">
+        <a:defRPr b="0" i="0" sz="1400" u="none" cap="none" strike="noStrike">
           <a:solidFill>
             <a:srgbClr val="000000"/>
           </a:solidFill>
@@ -8543,7 +8316,7 @@
           <a:sym typeface="Arial"/>
         </a:defRPr>
       </a:lvl2pPr>
-      <a:lvl3pPr marR="0" lvl="2" algn="l" rtl="0">
+      <a:lvl3pPr lvl="2" marR="0" rtl="0" algn="l">
         <a:lnSpc>
           <a:spcPct val="100000"/>
         </a:lnSpc>
@@ -8557,7 +8330,7 @@
           <a:srgbClr val="000000"/>
         </a:buClr>
         <a:buFont typeface="Arial"/>
-        <a:defRPr sz="1400" b="0" i="0" u="none" strike="noStrike" cap="none">
+        <a:defRPr b="0" i="0" sz="1400" u="none" cap="none" strike="noStrike">
           <a:solidFill>
             <a:srgbClr val="000000"/>
           </a:solidFill>
@@ -8567,7 +8340,7 @@
           <a:sym typeface="Arial"/>
         </a:defRPr>
       </a:lvl3pPr>
-      <a:lvl4pPr marR="0" lvl="3" algn="l" rtl="0">
+      <a:lvl4pPr lvl="3" marR="0" rtl="0" algn="l">
         <a:lnSpc>
           <a:spcPct val="100000"/>
         </a:lnSpc>
@@ -8581,7 +8354,7 @@
           <a:srgbClr val="000000"/>
         </a:buClr>
         <a:buFont typeface="Arial"/>
-        <a:defRPr sz="1400" b="0" i="0" u="none" strike="noStrike" cap="none">
+        <a:defRPr b="0" i="0" sz="1400" u="none" cap="none" strike="noStrike">
           <a:solidFill>
             <a:srgbClr val="000000"/>
           </a:solidFill>
@@ -8591,7 +8364,7 @@
           <a:sym typeface="Arial"/>
         </a:defRPr>
       </a:lvl4pPr>
-      <a:lvl5pPr marR="0" lvl="4" algn="l" rtl="0">
+      <a:lvl5pPr lvl="4" marR="0" rtl="0" algn="l">
         <a:lnSpc>
           <a:spcPct val="100000"/>
         </a:lnSpc>
@@ -8605,7 +8378,7 @@
           <a:srgbClr val="000000"/>
         </a:buClr>
         <a:buFont typeface="Arial"/>
-        <a:defRPr sz="1400" b="0" i="0" u="none" strike="noStrike" cap="none">
+        <a:defRPr b="0" i="0" sz="1400" u="none" cap="none" strike="noStrike">
           <a:solidFill>
             <a:srgbClr val="000000"/>
           </a:solidFill>
@@ -8615,7 +8388,7 @@
           <a:sym typeface="Arial"/>
         </a:defRPr>
       </a:lvl5pPr>
-      <a:lvl6pPr marR="0" lvl="5" algn="l" rtl="0">
+      <a:lvl6pPr lvl="5" marR="0" rtl="0" algn="l">
         <a:lnSpc>
           <a:spcPct val="100000"/>
         </a:lnSpc>
@@ -8629,7 +8402,7 @@
           <a:srgbClr val="000000"/>
         </a:buClr>
         <a:buFont typeface="Arial"/>
-        <a:defRPr sz="1400" b="0" i="0" u="none" strike="noStrike" cap="none">
+        <a:defRPr b="0" i="0" sz="1400" u="none" cap="none" strike="noStrike">
           <a:solidFill>
             <a:srgbClr val="000000"/>
           </a:solidFill>
@@ -8639,7 +8412,7 @@
           <a:sym typeface="Arial"/>
         </a:defRPr>
       </a:lvl6pPr>
-      <a:lvl7pPr marR="0" lvl="6" algn="l" rtl="0">
+      <a:lvl7pPr lvl="6" marR="0" rtl="0" algn="l">
         <a:lnSpc>
           <a:spcPct val="100000"/>
         </a:lnSpc>
@@ -8653,7 +8426,7 @@
           <a:srgbClr val="000000"/>
         </a:buClr>
         <a:buFont typeface="Arial"/>
-        <a:defRPr sz="1400" b="0" i="0" u="none" strike="noStrike" cap="none">
+        <a:defRPr b="0" i="0" sz="1400" u="none" cap="none" strike="noStrike">
           <a:solidFill>
             <a:srgbClr val="000000"/>
           </a:solidFill>
@@ -8663,7 +8436,7 @@
           <a:sym typeface="Arial"/>
         </a:defRPr>
       </a:lvl7pPr>
-      <a:lvl8pPr marR="0" lvl="7" algn="l" rtl="0">
+      <a:lvl8pPr lvl="7" marR="0" rtl="0" algn="l">
         <a:lnSpc>
           <a:spcPct val="100000"/>
         </a:lnSpc>
@@ -8677,7 +8450,7 @@
           <a:srgbClr val="000000"/>
         </a:buClr>
         <a:buFont typeface="Arial"/>
-        <a:defRPr sz="1400" b="0" i="0" u="none" strike="noStrike" cap="none">
+        <a:defRPr b="0" i="0" sz="1400" u="none" cap="none" strike="noStrike">
           <a:solidFill>
             <a:srgbClr val="000000"/>
           </a:solidFill>
@@ -8687,7 +8460,7 @@
           <a:sym typeface="Arial"/>
         </a:defRPr>
       </a:lvl8pPr>
-      <a:lvl9pPr marR="0" lvl="8" algn="l" rtl="0">
+      <a:lvl9pPr lvl="8" marR="0" rtl="0" algn="l">
         <a:lnSpc>
           <a:spcPct val="100000"/>
         </a:lnSpc>
@@ -8701,7 +8474,7 @@
           <a:srgbClr val="000000"/>
         </a:buClr>
         <a:buFont typeface="Arial"/>
-        <a:defRPr sz="1400" b="0" i="0" u="none" strike="noStrike" cap="none">
+        <a:defRPr b="0" i="0" sz="1400" u="none" cap="none" strike="noStrike">
           <a:solidFill>
             <a:srgbClr val="000000"/>
           </a:solidFill>
@@ -8717,11 +8490,11 @@
 </file>
 
 <file path=ppt/slides/slide1.xml><?xml version="1.0" encoding="utf-8"?>
-<p:sld xmlns:a="http://schemas.openxmlformats.org/drawingml/2006/main" xmlns:r="http://schemas.openxmlformats.org/officeDocument/2006/relationships" xmlns:p="http://schemas.openxmlformats.org/presentationml/2006/main">
+<p:sld xmlns:a="http://schemas.openxmlformats.org/drawingml/2006/main" xmlns:r="http://schemas.openxmlformats.org/officeDocument/2006/relationships" xmlns:mc="http://schemas.openxmlformats.org/markup-compatibility/2006" xmlns:mv="urn:schemas-microsoft-com:mac:vml" xmlns:p="http://schemas.openxmlformats.org/presentationml/2006/main" xmlns:c="http://schemas.openxmlformats.org/drawingml/2006/chart" xmlns:dgm="http://schemas.openxmlformats.org/drawingml/2006/diagram" xmlns:o="urn:schemas-microsoft-com:office:office" xmlns:v="urn:schemas-microsoft-com:vml" xmlns:pvml="urn:schemas-microsoft-com:office:powerpoint" xmlns:com="http://schemas.openxmlformats.org/drawingml/2006/compatibility" xmlns:p14="http://schemas.microsoft.com/office/powerpoint/2010/main" xmlns:p15="http://schemas.microsoft.com/office/powerpoint/2012/main" xmlns:ahyp="http://schemas.microsoft.com/office/drawing/2018/hyperlinkcolor">
   <p:cSld>
     <p:spTree>
       <p:nvGrpSpPr>
-        <p:cNvPr id="1" name="Shape 65"/>
+        <p:cNvPr id="65" name="Shape 65"/>
         <p:cNvGrpSpPr/>
         <p:nvPr/>
       </p:nvGrpSpPr>
@@ -8736,9 +8509,7 @@
       <p:sp>
         <p:nvSpPr>
           <p:cNvPr id="66" name="Google Shape;66;p13"/>
-          <p:cNvSpPr txBox="1">
-            <a:spLocks noGrp="1"/>
-          </p:cNvSpPr>
+          <p:cNvSpPr txBox="1"/>
           <p:nvPr>
             <p:ph type="ctrTitle"/>
           </p:nvPr>
@@ -8753,12 +8524,12 @@
           </a:prstGeom>
         </p:spPr>
         <p:txBody>
-          <a:bodyPr spcFirstLastPara="1" wrap="square" lIns="91425" tIns="91425" rIns="91425" bIns="91425" anchor="b" anchorCtr="0">
+          <a:bodyPr anchorCtr="0" anchor="b" bIns="91425" lIns="91425" spcFirstLastPara="1" rIns="91425" wrap="square" tIns="91425">
             <a:normAutofit fontScale="90000"/>
           </a:bodyPr>
           <a:lstStyle/>
           <a:p>
-            <a:pPr marL="0" lvl="0" indent="0" algn="ctr" rtl="0">
+            <a:pPr indent="0" lvl="0" marL="0" rtl="0" algn="ctr">
               <a:spcBef>
                 <a:spcPts val="0"/>
               </a:spcBef>
@@ -8786,11 +8557,9 @@
       <p:sp>
         <p:nvSpPr>
           <p:cNvPr id="67" name="Google Shape;67;p13"/>
-          <p:cNvSpPr txBox="1">
-            <a:spLocks noGrp="1"/>
-          </p:cNvSpPr>
+          <p:cNvSpPr txBox="1"/>
           <p:nvPr>
-            <p:ph type="subTitle" idx="1"/>
+            <p:ph idx="1" type="subTitle"/>
           </p:nvPr>
         </p:nvSpPr>
         <p:spPr>
@@ -8803,12 +8572,12 @@
           </a:prstGeom>
         </p:spPr>
         <p:txBody>
-          <a:bodyPr spcFirstLastPara="1" wrap="square" lIns="91425" tIns="91425" rIns="91425" bIns="91425" anchor="t" anchorCtr="0">
+          <a:bodyPr anchorCtr="0" anchor="t" bIns="91425" lIns="91425" spcFirstLastPara="1" rIns="91425" wrap="square" tIns="91425">
             <a:normAutofit/>
           </a:bodyPr>
           <a:lstStyle/>
           <a:p>
-            <a:pPr marL="0" lvl="0" indent="0" algn="ctr" rtl="0">
+            <a:pPr indent="0" lvl="0" marL="0" rtl="0" algn="ctr">
               <a:spcBef>
                 <a:spcPts val="0"/>
               </a:spcBef>
@@ -8834,11 +8603,11 @@
 </file>
 
 <file path=ppt/slides/slide10.xml><?xml version="1.0" encoding="utf-8"?>
-<p:sld xmlns:a="http://schemas.openxmlformats.org/drawingml/2006/main" xmlns:r="http://schemas.openxmlformats.org/officeDocument/2006/relationships" xmlns:p="http://schemas.openxmlformats.org/presentationml/2006/main">
+<p:sld xmlns:a="http://schemas.openxmlformats.org/drawingml/2006/main" xmlns:r="http://schemas.openxmlformats.org/officeDocument/2006/relationships" xmlns:mc="http://schemas.openxmlformats.org/markup-compatibility/2006" xmlns:mv="urn:schemas-microsoft-com:mac:vml" xmlns:p="http://schemas.openxmlformats.org/presentationml/2006/main" xmlns:c="http://schemas.openxmlformats.org/drawingml/2006/chart" xmlns:dgm="http://schemas.openxmlformats.org/drawingml/2006/diagram" xmlns:o="urn:schemas-microsoft-com:office:office" xmlns:v="urn:schemas-microsoft-com:vml" xmlns:pvml="urn:schemas-microsoft-com:office:powerpoint" xmlns:com="http://schemas.openxmlformats.org/drawingml/2006/compatibility" xmlns:p14="http://schemas.microsoft.com/office/powerpoint/2010/main" xmlns:p15="http://schemas.microsoft.com/office/powerpoint/2012/main" xmlns:ahyp="http://schemas.microsoft.com/office/drawing/2018/hyperlinkcolor">
   <p:cSld>
     <p:spTree>
       <p:nvGrpSpPr>
-        <p:cNvPr id="1" name="Shape 133"/>
+        <p:cNvPr id="133" name="Shape 133"/>
         <p:cNvGrpSpPr/>
         <p:nvPr/>
       </p:nvGrpSpPr>
@@ -8853,9 +8622,7 @@
       <p:sp>
         <p:nvSpPr>
           <p:cNvPr id="134" name="Google Shape;134;p22"/>
-          <p:cNvSpPr txBox="1">
-            <a:spLocks noGrp="1"/>
-          </p:cNvSpPr>
+          <p:cNvSpPr txBox="1"/>
           <p:nvPr>
             <p:ph type="title"/>
           </p:nvPr>
@@ -8870,12 +8637,12 @@
           </a:prstGeom>
         </p:spPr>
         <p:txBody>
-          <a:bodyPr spcFirstLastPara="1" wrap="square" lIns="91425" tIns="91425" rIns="91425" bIns="91425" anchor="t" anchorCtr="0">
+          <a:bodyPr anchorCtr="0" anchor="t" bIns="91425" lIns="91425" spcFirstLastPara="1" rIns="91425" wrap="square" tIns="91425">
             <a:normAutofit fontScale="90000"/>
           </a:bodyPr>
           <a:lstStyle/>
           <a:p>
-            <a:pPr marL="0" lvl="0" indent="0" algn="l" rtl="0">
+            <a:pPr indent="0" lvl="0" marL="0" rtl="0" algn="l">
               <a:spcBef>
                 <a:spcPts val="0"/>
               </a:spcBef>
@@ -8895,11 +8662,9 @@
       <p:sp>
         <p:nvSpPr>
           <p:cNvPr id="135" name="Google Shape;135;p22"/>
-          <p:cNvSpPr txBox="1">
-            <a:spLocks noGrp="1"/>
-          </p:cNvSpPr>
+          <p:cNvSpPr txBox="1"/>
           <p:nvPr>
-            <p:ph type="body" idx="4294967295"/>
+            <p:ph idx="4294967295" type="body"/>
           </p:nvPr>
         </p:nvSpPr>
         <p:spPr>
@@ -8912,12 +8677,12 @@
           </a:prstGeom>
         </p:spPr>
         <p:txBody>
-          <a:bodyPr spcFirstLastPara="1" wrap="square" lIns="91425" tIns="91425" rIns="91425" bIns="91425" anchor="t" anchorCtr="0">
+          <a:bodyPr anchorCtr="0" anchor="t" bIns="91425" lIns="91425" spcFirstLastPara="1" rIns="91425" wrap="square" tIns="91425">
             <a:normAutofit/>
           </a:bodyPr>
           <a:lstStyle/>
           <a:p>
-            <a:pPr marL="0" lvl="0" indent="0" algn="l" rtl="0">
+            <a:pPr indent="0" lvl="0" marL="0" rtl="0" algn="l">
               <a:spcBef>
                 <a:spcPts val="0"/>
               </a:spcBef>
@@ -8933,7 +8698,7 @@
             <a:endParaRPr/>
           </a:p>
           <a:p>
-            <a:pPr marL="0" lvl="0" indent="0" algn="l" rtl="0">
+            <a:pPr indent="0" lvl="0" marL="0" rtl="0" algn="l">
               <a:spcBef>
                 <a:spcPts val="1200"/>
               </a:spcBef>
@@ -8949,7 +8714,7 @@
             <a:endParaRPr/>
           </a:p>
           <a:p>
-            <a:pPr marL="0" lvl="0" indent="0" algn="l" rtl="0">
+            <a:pPr indent="0" lvl="0" marL="0" rtl="0" algn="l">
               <a:spcBef>
                 <a:spcPts val="1200"/>
               </a:spcBef>
@@ -8958,10 +8723,13 @@
               </a:spcAft>
               <a:buNone/>
             </a:pPr>
+            <a:r>
+              <a:t/>
+            </a:r>
             <a:endParaRPr/>
           </a:p>
           <a:p>
-            <a:pPr marL="0" lvl="0" indent="0" algn="l" rtl="0">
+            <a:pPr indent="0" lvl="0" marL="0" rtl="0" algn="l">
               <a:spcBef>
                 <a:spcPts val="1200"/>
               </a:spcBef>
@@ -8970,6 +8738,9 @@
               </a:spcAft>
               <a:buNone/>
             </a:pPr>
+            <a:r>
+              <a:t/>
+            </a:r>
             <a:endParaRPr/>
           </a:p>
         </p:txBody>
@@ -8984,7 +8755,7 @@
           <a:blip r:embed="rId3">
             <a:alphaModFix/>
           </a:blip>
-          <a:srcRect t="6742"/>
+          <a:srcRect b="0" l="0" r="0" t="6742"/>
           <a:stretch/>
         </p:blipFill>
         <p:spPr>
@@ -9010,11 +8781,11 @@
 </file>
 
 <file path=ppt/slides/slide11.xml><?xml version="1.0" encoding="utf-8"?>
-<p:sld xmlns:a="http://schemas.openxmlformats.org/drawingml/2006/main" xmlns:r="http://schemas.openxmlformats.org/officeDocument/2006/relationships" xmlns:p="http://schemas.openxmlformats.org/presentationml/2006/main">
+<p:sld xmlns:a="http://schemas.openxmlformats.org/drawingml/2006/main" xmlns:r="http://schemas.openxmlformats.org/officeDocument/2006/relationships" xmlns:mc="http://schemas.openxmlformats.org/markup-compatibility/2006" xmlns:mv="urn:schemas-microsoft-com:mac:vml" xmlns:p="http://schemas.openxmlformats.org/presentationml/2006/main" xmlns:c="http://schemas.openxmlformats.org/drawingml/2006/chart" xmlns:dgm="http://schemas.openxmlformats.org/drawingml/2006/diagram" xmlns:o="urn:schemas-microsoft-com:office:office" xmlns:v="urn:schemas-microsoft-com:vml" xmlns:pvml="urn:schemas-microsoft-com:office:powerpoint" xmlns:com="http://schemas.openxmlformats.org/drawingml/2006/compatibility" xmlns:p14="http://schemas.microsoft.com/office/powerpoint/2010/main" xmlns:p15="http://schemas.microsoft.com/office/powerpoint/2012/main" xmlns:ahyp="http://schemas.microsoft.com/office/drawing/2018/hyperlinkcolor">
   <p:cSld>
     <p:spTree>
       <p:nvGrpSpPr>
-        <p:cNvPr id="1" name="Shape 140"/>
+        <p:cNvPr id="140" name="Shape 140"/>
         <p:cNvGrpSpPr/>
         <p:nvPr/>
       </p:nvGrpSpPr>
@@ -9029,9 +8800,7 @@
       <p:sp>
         <p:nvSpPr>
           <p:cNvPr id="141" name="Google Shape;141;p23"/>
-          <p:cNvSpPr txBox="1">
-            <a:spLocks noGrp="1"/>
-          </p:cNvSpPr>
+          <p:cNvSpPr txBox="1"/>
           <p:nvPr>
             <p:ph type="title"/>
           </p:nvPr>
@@ -9046,12 +8815,12 @@
           </a:prstGeom>
         </p:spPr>
         <p:txBody>
-          <a:bodyPr spcFirstLastPara="1" wrap="square" lIns="91425" tIns="91425" rIns="91425" bIns="91425" anchor="t" anchorCtr="0">
+          <a:bodyPr anchorCtr="0" anchor="t" bIns="91425" lIns="91425" spcFirstLastPara="1" rIns="91425" wrap="square" tIns="91425">
             <a:normAutofit fontScale="90000"/>
           </a:bodyPr>
           <a:lstStyle/>
           <a:p>
-            <a:pPr marL="0" lvl="0" indent="0" algn="l" rtl="0">
+            <a:pPr indent="0" lvl="0" marL="0" rtl="0" algn="l">
               <a:spcBef>
                 <a:spcPts val="0"/>
               </a:spcBef>
@@ -9071,11 +8840,9 @@
       <p:sp>
         <p:nvSpPr>
           <p:cNvPr id="142" name="Google Shape;142;p23"/>
-          <p:cNvSpPr txBox="1">
-            <a:spLocks noGrp="1"/>
-          </p:cNvSpPr>
+          <p:cNvSpPr txBox="1"/>
           <p:nvPr>
-            <p:ph type="body" idx="2"/>
+            <p:ph idx="2" type="body"/>
           </p:nvPr>
         </p:nvSpPr>
         <p:spPr>
@@ -9088,12 +8855,12 @@
           </a:prstGeom>
         </p:spPr>
         <p:txBody>
-          <a:bodyPr spcFirstLastPara="1" wrap="square" lIns="91425" tIns="91425" rIns="91425" bIns="91425" anchor="t" anchorCtr="0">
+          <a:bodyPr anchorCtr="0" anchor="t" bIns="91425" lIns="91425" spcFirstLastPara="1" rIns="91425" wrap="square" tIns="91425">
             <a:normAutofit/>
           </a:bodyPr>
           <a:lstStyle/>
           <a:p>
-            <a:pPr marL="0" lvl="0" indent="0" algn="l" rtl="0">
+            <a:pPr indent="0" lvl="0" marL="0" rtl="0" algn="l">
               <a:spcBef>
                 <a:spcPts val="0"/>
               </a:spcBef>
@@ -9104,7 +8871,23 @@
             </a:pPr>
             <a:r>
               <a:rPr lang="en"/>
-              <a:t>Sticky objects separated:</a:t>
+              <a:t>Sticky </a:t>
+            </a:r>
+            <a:r>
+              <a:rPr lang="en"/>
+              <a:t>objects</a:t>
+            </a:r>
+            <a:r>
+              <a:rPr lang="en"/>
+              <a:t> </a:t>
+            </a:r>
+            <a:r>
+              <a:rPr lang="en"/>
+              <a:t>separated</a:t>
+            </a:r>
+            <a:r>
+              <a:rPr lang="en"/>
+              <a:t>:</a:t>
             </a:r>
             <a:endParaRPr/>
           </a:p>
@@ -9113,11 +8896,9 @@
       <p:sp>
         <p:nvSpPr>
           <p:cNvPr id="143" name="Google Shape;143;p23"/>
-          <p:cNvSpPr txBox="1">
-            <a:spLocks noGrp="1"/>
-          </p:cNvSpPr>
+          <p:cNvSpPr txBox="1"/>
           <p:nvPr>
-            <p:ph type="body" idx="2"/>
+            <p:ph idx="2" type="body"/>
           </p:nvPr>
         </p:nvSpPr>
         <p:spPr>
@@ -9130,12 +8911,12 @@
           </a:prstGeom>
         </p:spPr>
         <p:txBody>
-          <a:bodyPr spcFirstLastPara="1" wrap="square" lIns="91425" tIns="91425" rIns="91425" bIns="91425" anchor="t" anchorCtr="0">
+          <a:bodyPr anchorCtr="0" anchor="t" bIns="91425" lIns="91425" spcFirstLastPara="1" rIns="91425" wrap="square" tIns="91425">
             <a:normAutofit/>
           </a:bodyPr>
           <a:lstStyle/>
           <a:p>
-            <a:pPr marL="0" lvl="0" indent="0" algn="l" rtl="0">
+            <a:pPr indent="0" lvl="0" marL="0" rtl="0" algn="l">
               <a:spcBef>
                 <a:spcPts val="0"/>
               </a:spcBef>
@@ -9151,7 +8932,7 @@
             <a:endParaRPr/>
           </a:p>
           <a:p>
-            <a:pPr marL="0" lvl="0" indent="0" algn="l" rtl="0">
+            <a:pPr indent="0" lvl="0" marL="0" rtl="0" algn="l">
               <a:spcBef>
                 <a:spcPts val="1200"/>
               </a:spcBef>
@@ -9160,10 +8941,13 @@
               </a:spcAft>
               <a:buNone/>
             </a:pPr>
+            <a:r>
+              <a:t/>
+            </a:r>
             <a:endParaRPr/>
           </a:p>
           <a:p>
-            <a:pPr marL="0" lvl="0" indent="0" algn="l" rtl="0">
+            <a:pPr indent="0" lvl="0" marL="0" rtl="0" algn="l">
               <a:spcBef>
                 <a:spcPts val="1200"/>
               </a:spcBef>
@@ -9172,6 +8956,9 @@
               </a:spcAft>
               <a:buNone/>
             </a:pPr>
+            <a:r>
+              <a:t/>
+            </a:r>
             <a:endParaRPr/>
           </a:p>
         </p:txBody>
@@ -9179,11 +8966,9 @@
       <p:sp>
         <p:nvSpPr>
           <p:cNvPr id="144" name="Google Shape;144;p23"/>
-          <p:cNvSpPr txBox="1">
-            <a:spLocks noGrp="1"/>
-          </p:cNvSpPr>
+          <p:cNvSpPr txBox="1"/>
           <p:nvPr>
-            <p:ph type="body" idx="1"/>
+            <p:ph idx="1" type="body"/>
           </p:nvPr>
         </p:nvSpPr>
         <p:spPr>
@@ -9196,12 +8981,12 @@
           </a:prstGeom>
         </p:spPr>
         <p:txBody>
-          <a:bodyPr spcFirstLastPara="1" wrap="square" lIns="91425" tIns="91425" rIns="91425" bIns="91425" anchor="t" anchorCtr="0">
+          <a:bodyPr anchorCtr="0" anchor="t" bIns="91425" lIns="91425" spcFirstLastPara="1" rIns="91425" wrap="square" tIns="91425">
             <a:normAutofit/>
           </a:bodyPr>
           <a:lstStyle/>
           <a:p>
-            <a:pPr marL="0" lvl="0" indent="0" algn="l" rtl="0">
+            <a:pPr indent="0" lvl="0" marL="0" rtl="0" algn="l">
               <a:spcBef>
                 <a:spcPts val="0"/>
               </a:spcBef>
@@ -9212,7 +8997,15 @@
             </a:pPr>
             <a:r>
               <a:rPr lang="en"/>
-              <a:t>Sticky objects:</a:t>
+              <a:t>Sticky </a:t>
+            </a:r>
+            <a:r>
+              <a:rPr lang="en"/>
+              <a:t>objects</a:t>
+            </a:r>
+            <a:r>
+              <a:rPr lang="en"/>
+              <a:t>:</a:t>
             </a:r>
             <a:endParaRPr/>
           </a:p>
@@ -9228,7 +9021,7 @@
           <a:blip r:embed="rId3">
             <a:alphaModFix/>
           </a:blip>
-          <a:srcRect t="6147"/>
+          <a:srcRect b="0" l="0" r="0" t="6147"/>
           <a:stretch/>
         </p:blipFill>
         <p:spPr>
@@ -9255,7 +9048,7 @@
           <a:blip r:embed="rId4">
             <a:alphaModFix/>
           </a:blip>
-          <a:srcRect t="6959"/>
+          <a:srcRect b="0" l="0" r="0" t="6959"/>
           <a:stretch/>
         </p:blipFill>
         <p:spPr>
@@ -9281,11 +9074,11 @@
 </file>
 
 <file path=ppt/slides/slide12.xml><?xml version="1.0" encoding="utf-8"?>
-<p:sld xmlns:a="http://schemas.openxmlformats.org/drawingml/2006/main" xmlns:r="http://schemas.openxmlformats.org/officeDocument/2006/relationships" xmlns:p="http://schemas.openxmlformats.org/presentationml/2006/main">
+<p:sld xmlns:a="http://schemas.openxmlformats.org/drawingml/2006/main" xmlns:r="http://schemas.openxmlformats.org/officeDocument/2006/relationships" xmlns:mc="http://schemas.openxmlformats.org/markup-compatibility/2006" xmlns:mv="urn:schemas-microsoft-com:mac:vml" xmlns:p="http://schemas.openxmlformats.org/presentationml/2006/main" xmlns:c="http://schemas.openxmlformats.org/drawingml/2006/chart" xmlns:dgm="http://schemas.openxmlformats.org/drawingml/2006/diagram" xmlns:o="urn:schemas-microsoft-com:office:office" xmlns:v="urn:schemas-microsoft-com:vml" xmlns:pvml="urn:schemas-microsoft-com:office:powerpoint" xmlns:com="http://schemas.openxmlformats.org/drawingml/2006/compatibility" xmlns:p14="http://schemas.microsoft.com/office/powerpoint/2010/main" xmlns:p15="http://schemas.microsoft.com/office/powerpoint/2012/main" xmlns:ahyp="http://schemas.microsoft.com/office/drawing/2018/hyperlinkcolor">
   <p:cSld>
     <p:spTree>
       <p:nvGrpSpPr>
-        <p:cNvPr id="1" name="Shape 150"/>
+        <p:cNvPr id="150" name="Shape 150"/>
         <p:cNvGrpSpPr/>
         <p:nvPr/>
       </p:nvGrpSpPr>
@@ -9300,9 +9093,7 @@
       <p:sp>
         <p:nvSpPr>
           <p:cNvPr id="151" name="Google Shape;151;p24"/>
-          <p:cNvSpPr txBox="1">
-            <a:spLocks noGrp="1"/>
-          </p:cNvSpPr>
+          <p:cNvSpPr txBox="1"/>
           <p:nvPr>
             <p:ph type="title"/>
           </p:nvPr>
@@ -9317,12 +9108,12 @@
           </a:prstGeom>
         </p:spPr>
         <p:txBody>
-          <a:bodyPr spcFirstLastPara="1" wrap="square" lIns="91425" tIns="91425" rIns="91425" bIns="91425" anchor="t" anchorCtr="0">
+          <a:bodyPr anchorCtr="0" anchor="t" bIns="91425" lIns="91425" spcFirstLastPara="1" rIns="91425" wrap="square" tIns="91425">
             <a:normAutofit fontScale="90000"/>
           </a:bodyPr>
           <a:lstStyle/>
           <a:p>
-            <a:pPr marL="0" lvl="0" indent="0" algn="l" rtl="0">
+            <a:pPr indent="0" lvl="0" marL="0" rtl="0" algn="l">
               <a:spcBef>
                 <a:spcPts val="0"/>
               </a:spcBef>
@@ -9338,15 +9129,18 @@
             <a:endParaRPr/>
           </a:p>
           <a:p>
-            <a:pPr marL="0" lvl="0" indent="0" algn="l" rtl="0">
-              <a:spcBef>
-                <a:spcPts val="0"/>
-              </a:spcBef>
-              <a:spcAft>
-                <a:spcPts val="0"/>
-              </a:spcAft>
-              <a:buNone/>
-            </a:pPr>
+            <a:pPr indent="0" lvl="0" marL="0" rtl="0" algn="l">
+              <a:spcBef>
+                <a:spcPts val="0"/>
+              </a:spcBef>
+              <a:spcAft>
+                <a:spcPts val="0"/>
+              </a:spcAft>
+              <a:buNone/>
+            </a:pPr>
+            <a:r>
+              <a:t/>
+            </a:r>
             <a:endParaRPr/>
           </a:p>
         </p:txBody>
@@ -9354,11 +9148,9 @@
       <p:sp>
         <p:nvSpPr>
           <p:cNvPr id="152" name="Google Shape;152;p24"/>
-          <p:cNvSpPr txBox="1">
-            <a:spLocks noGrp="1"/>
-          </p:cNvSpPr>
+          <p:cNvSpPr txBox="1"/>
           <p:nvPr>
-            <p:ph type="body" idx="1"/>
+            <p:ph idx="1" type="body"/>
           </p:nvPr>
         </p:nvSpPr>
         <p:spPr>
@@ -9371,12 +9163,12 @@
           </a:prstGeom>
         </p:spPr>
         <p:txBody>
-          <a:bodyPr spcFirstLastPara="1" wrap="square" lIns="91425" tIns="91425" rIns="91425" bIns="91425" anchor="t" anchorCtr="0">
+          <a:bodyPr anchorCtr="0" anchor="t" bIns="91425" lIns="91425" spcFirstLastPara="1" rIns="91425" wrap="square" tIns="91425">
             <a:normAutofit/>
           </a:bodyPr>
           <a:lstStyle/>
           <a:p>
-            <a:pPr marL="0" lvl="0" indent="0" algn="l" rtl="0">
+            <a:pPr indent="0" lvl="0" marL="0" rtl="0" algn="l">
               <a:spcBef>
                 <a:spcPts val="0"/>
               </a:spcBef>
@@ -9403,7 +9195,7 @@
           <a:blip r:embed="rId3">
             <a:alphaModFix/>
           </a:blip>
-          <a:srcRect l="75669" t="47617" r="16461" b="30049"/>
+          <a:srcRect b="30049" l="75669" r="16461" t="47617"/>
           <a:stretch/>
         </p:blipFill>
         <p:spPr>
@@ -9430,7 +9222,7 @@
           <a:blip r:embed="rId4">
             <a:alphaModFix/>
           </a:blip>
-          <a:srcRect l="76102" t="52046" r="17368" b="33060"/>
+          <a:srcRect b="33060" l="76102" r="17368" t="52046"/>
           <a:stretch/>
         </p:blipFill>
         <p:spPr>
@@ -9450,11 +9242,9 @@
       <p:sp>
         <p:nvSpPr>
           <p:cNvPr id="155" name="Google Shape;155;p24"/>
-          <p:cNvSpPr txBox="1">
-            <a:spLocks noGrp="1"/>
-          </p:cNvSpPr>
+          <p:cNvSpPr txBox="1"/>
           <p:nvPr>
-            <p:ph type="body" idx="2"/>
+            <p:ph idx="2" type="body"/>
           </p:nvPr>
         </p:nvSpPr>
         <p:spPr>
@@ -9467,12 +9257,12 @@
           </a:prstGeom>
         </p:spPr>
         <p:txBody>
-          <a:bodyPr spcFirstLastPara="1" wrap="square" lIns="91425" tIns="91425" rIns="91425" bIns="91425" anchor="t" anchorCtr="0">
+          <a:bodyPr anchorCtr="0" anchor="t" bIns="91425" lIns="91425" spcFirstLastPara="1" rIns="91425" wrap="square" tIns="91425">
             <a:normAutofit/>
           </a:bodyPr>
           <a:lstStyle/>
           <a:p>
-            <a:pPr marL="0" lvl="0" indent="0" algn="l" rtl="0">
+            <a:pPr indent="0" lvl="0" marL="0" rtl="0" algn="l">
               <a:spcBef>
                 <a:spcPts val="0"/>
               </a:spcBef>
@@ -9481,6 +9271,9 @@
               </a:spcAft>
               <a:buNone/>
             </a:pPr>
+            <a:r>
+              <a:t/>
+            </a:r>
             <a:endParaRPr/>
           </a:p>
         </p:txBody>
@@ -9495,7 +9288,7 @@
           <a:blip r:embed="rId5">
             <a:alphaModFix/>
           </a:blip>
-          <a:srcRect l="19636" t="8327" r="20053" b="16586"/>
+          <a:srcRect b="16586" l="19636" r="20053" t="8327"/>
           <a:stretch/>
         </p:blipFill>
         <p:spPr>
@@ -9522,7 +9315,7 @@
           <a:blip r:embed="rId6">
             <a:alphaModFix/>
           </a:blip>
-          <a:srcRect l="19535" t="9658" r="19681" b="17006"/>
+          <a:srcRect b="17006" l="19535" r="19681" t="9658"/>
           <a:stretch/>
         </p:blipFill>
         <p:spPr>
@@ -9549,7 +9342,7 @@
           <a:blip r:embed="rId7">
             <a:alphaModFix/>
           </a:blip>
-          <a:srcRect l="23602" t="8367" r="22486" b="21378"/>
+          <a:srcRect b="21378" l="23602" r="22486" t="8367"/>
           <a:stretch/>
         </p:blipFill>
         <p:spPr>
@@ -9576,7 +9369,7 @@
           <a:blip r:embed="rId8">
             <a:alphaModFix/>
           </a:blip>
-          <a:srcRect l="20393" t="7124" r="20357" b="18818"/>
+          <a:srcRect b="18818" l="20393" r="20357" t="7124"/>
           <a:stretch/>
         </p:blipFill>
         <p:spPr>
@@ -9611,14 +9404,14 @@
             <a:avLst/>
           </a:prstGeom>
           <a:noFill/>
-          <a:ln w="9525" cap="flat" cmpd="sng">
+          <a:ln cap="flat" cmpd="sng" w="9525">
             <a:solidFill>
               <a:schemeClr val="dk2"/>
             </a:solidFill>
             <a:prstDash val="solid"/>
             <a:round/>
-            <a:headEnd type="none" w="med" len="med"/>
-            <a:tailEnd type="triangle" w="med" len="med"/>
+            <a:headEnd len="med" w="med" type="none"/>
+            <a:tailEnd len="med" w="med" type="triangle"/>
           </a:ln>
         </p:spPr>
       </p:cxnSp>
@@ -9640,14 +9433,14 @@
             <a:avLst/>
           </a:prstGeom>
           <a:noFill/>
-          <a:ln w="9525" cap="flat" cmpd="sng">
+          <a:ln cap="flat" cmpd="sng" w="9525">
             <a:solidFill>
               <a:schemeClr val="dk2"/>
             </a:solidFill>
             <a:prstDash val="solid"/>
             <a:round/>
-            <a:headEnd type="none" w="med" len="med"/>
-            <a:tailEnd type="triangle" w="med" len="med"/>
+            <a:headEnd len="med" w="med" type="none"/>
+            <a:tailEnd len="med" w="med" type="triangle"/>
           </a:ln>
         </p:spPr>
       </p:cxnSp>
@@ -9669,14 +9462,14 @@
             <a:avLst/>
           </a:prstGeom>
           <a:noFill/>
-          <a:ln w="9525" cap="flat" cmpd="sng">
+          <a:ln cap="flat" cmpd="sng" w="9525">
             <a:solidFill>
               <a:schemeClr val="dk2"/>
             </a:solidFill>
             <a:prstDash val="solid"/>
             <a:round/>
-            <a:headEnd type="none" w="med" len="med"/>
-            <a:tailEnd type="triangle" w="med" len="med"/>
+            <a:headEnd len="med" w="med" type="none"/>
+            <a:tailEnd len="med" w="med" type="triangle"/>
           </a:ln>
         </p:spPr>
       </p:cxnSp>
@@ -9698,14 +9491,14 @@
             <a:avLst/>
           </a:prstGeom>
           <a:noFill/>
-          <a:ln w="9525" cap="flat" cmpd="sng">
+          <a:ln cap="flat" cmpd="sng" w="9525">
             <a:solidFill>
               <a:schemeClr val="dk2"/>
             </a:solidFill>
             <a:prstDash val="solid"/>
             <a:round/>
-            <a:headEnd type="none" w="med" len="med"/>
-            <a:tailEnd type="triangle" w="med" len="med"/>
+            <a:headEnd len="med" w="med" type="none"/>
+            <a:tailEnd len="med" w="med" type="triangle"/>
           </a:ln>
         </p:spPr>
       </p:cxnSp>
@@ -9729,20 +9522,23 @@
           </a:ln>
         </p:spPr>
         <p:txBody>
-          <a:bodyPr spcFirstLastPara="1" wrap="square" lIns="91425" tIns="91425" rIns="91425" bIns="91425" anchor="t" anchorCtr="0">
+          <a:bodyPr anchorCtr="0" anchor="t" bIns="91425" lIns="91425" spcFirstLastPara="1" rIns="91425" wrap="square" tIns="91425">
             <a:spAutoFit/>
           </a:bodyPr>
           <a:lstStyle/>
           <a:p>
-            <a:pPr marL="0" lvl="0" indent="0" algn="l" rtl="0">
-              <a:spcBef>
-                <a:spcPts val="0"/>
-              </a:spcBef>
-              <a:spcAft>
-                <a:spcPts val="0"/>
-              </a:spcAft>
-              <a:buNone/>
-            </a:pPr>
+            <a:pPr indent="0" lvl="0" marL="0" rtl="0" algn="l">
+              <a:spcBef>
+                <a:spcPts val="0"/>
+              </a:spcBef>
+              <a:spcAft>
+                <a:spcPts val="0"/>
+              </a:spcAft>
+              <a:buNone/>
+            </a:pPr>
+            <a:r>
+              <a:t/>
+            </a:r>
             <a:endParaRPr>
               <a:latin typeface="Open Sans"/>
               <a:ea typeface="Open Sans"/>
@@ -9772,12 +9568,12 @@
           </a:ln>
         </p:spPr>
         <p:txBody>
-          <a:bodyPr spcFirstLastPara="1" wrap="square" lIns="91425" tIns="91425" rIns="91425" bIns="91425" anchor="t" anchorCtr="0">
+          <a:bodyPr anchorCtr="0" anchor="t" bIns="91425" lIns="91425" spcFirstLastPara="1" rIns="91425" wrap="square" tIns="91425">
             <a:spAutoFit/>
           </a:bodyPr>
           <a:lstStyle/>
           <a:p>
-            <a:pPr marL="0" lvl="0" indent="0" algn="l" rtl="0">
+            <a:pPr indent="0" lvl="0" marL="0" rtl="0" algn="l">
               <a:spcBef>
                 <a:spcPts val="0"/>
               </a:spcBef>
@@ -9824,12 +9620,12 @@
           </a:ln>
         </p:spPr>
         <p:txBody>
-          <a:bodyPr spcFirstLastPara="1" wrap="square" lIns="91425" tIns="91425" rIns="91425" bIns="91425" anchor="t" anchorCtr="0">
+          <a:bodyPr anchorCtr="0" anchor="t" bIns="91425" lIns="91425" spcFirstLastPara="1" rIns="91425" wrap="square" tIns="91425">
             <a:spAutoFit/>
           </a:bodyPr>
           <a:lstStyle/>
           <a:p>
-            <a:pPr marL="0" lvl="0" indent="0" algn="l" rtl="0">
+            <a:pPr indent="0" lvl="0" marL="0" rtl="0" algn="l">
               <a:spcBef>
                 <a:spcPts val="0"/>
               </a:spcBef>
@@ -9876,12 +9672,12 @@
           </a:ln>
         </p:spPr>
         <p:txBody>
-          <a:bodyPr spcFirstLastPara="1" wrap="square" lIns="91425" tIns="91425" rIns="91425" bIns="91425" anchor="t" anchorCtr="0">
+          <a:bodyPr anchorCtr="0" anchor="t" bIns="91425" lIns="91425" spcFirstLastPara="1" rIns="91425" wrap="square" tIns="91425">
             <a:spAutoFit/>
           </a:bodyPr>
           <a:lstStyle/>
           <a:p>
-            <a:pPr marL="0" lvl="0" indent="0" algn="l" rtl="0">
+            <a:pPr indent="0" lvl="0" marL="0" rtl="0" algn="l">
               <a:spcBef>
                 <a:spcPts val="0"/>
               </a:spcBef>
@@ -9928,12 +9724,12 @@
           </a:ln>
         </p:spPr>
         <p:txBody>
-          <a:bodyPr spcFirstLastPara="1" wrap="square" lIns="91425" tIns="91425" rIns="91425" bIns="91425" anchor="t" anchorCtr="0">
+          <a:bodyPr anchorCtr="0" anchor="t" bIns="91425" lIns="91425" spcFirstLastPara="1" rIns="91425" wrap="square" tIns="91425">
             <a:spAutoFit/>
           </a:bodyPr>
           <a:lstStyle/>
           <a:p>
-            <a:pPr marL="0" lvl="0" indent="0" algn="l" rtl="0">
+            <a:pPr indent="0" lvl="0" marL="0" rtl="0" algn="l">
               <a:spcBef>
                 <a:spcPts val="0"/>
               </a:spcBef>
@@ -9949,7 +9745,25 @@
                 <a:cs typeface="Open Sans"/>
                 <a:sym typeface="Open Sans"/>
               </a:rPr>
-              <a:t>Finally separated!</a:t>
+              <a:t>Finally </a:t>
+            </a:r>
+            <a:r>
+              <a:rPr lang="en">
+                <a:latin typeface="Open Sans"/>
+                <a:ea typeface="Open Sans"/>
+                <a:cs typeface="Open Sans"/>
+                <a:sym typeface="Open Sans"/>
+              </a:rPr>
+              <a:t>separated</a:t>
+            </a:r>
+            <a:r>
+              <a:rPr lang="en">
+                <a:latin typeface="Open Sans"/>
+                <a:ea typeface="Open Sans"/>
+                <a:cs typeface="Open Sans"/>
+                <a:sym typeface="Open Sans"/>
+              </a:rPr>
+              <a:t>!</a:t>
             </a:r>
             <a:endParaRPr>
               <a:latin typeface="Open Sans"/>
@@ -9970,7 +9784,7 @@
           <a:blip r:embed="rId9">
             <a:alphaModFix/>
           </a:blip>
-          <a:srcRect l="49998" t="52363" r="24658" b="17755"/>
+          <a:srcRect b="17755" l="49998" r="24658" t="52363"/>
           <a:stretch/>
         </p:blipFill>
         <p:spPr>
@@ -10005,14 +9819,14 @@
             <a:avLst/>
           </a:prstGeom>
           <a:noFill/>
-          <a:ln w="9525" cap="flat" cmpd="sng">
+          <a:ln cap="flat" cmpd="sng" w="9525">
             <a:solidFill>
               <a:schemeClr val="dk2"/>
             </a:solidFill>
             <a:prstDash val="solid"/>
             <a:round/>
-            <a:headEnd type="none" w="med" len="med"/>
-            <a:tailEnd type="triangle" w="med" len="med"/>
+            <a:headEnd len="med" w="med" type="none"/>
+            <a:tailEnd len="med" w="med" type="triangle"/>
           </a:ln>
         </p:spPr>
       </p:cxnSp>
@@ -10036,12 +9850,12 @@
           </a:ln>
         </p:spPr>
         <p:txBody>
-          <a:bodyPr spcFirstLastPara="1" wrap="square" lIns="91425" tIns="91425" rIns="91425" bIns="91425" anchor="t" anchorCtr="0">
+          <a:bodyPr anchorCtr="0" anchor="t" bIns="91425" lIns="91425" spcFirstLastPara="1" rIns="91425" wrap="square" tIns="91425">
             <a:spAutoFit/>
           </a:bodyPr>
           <a:lstStyle/>
           <a:p>
-            <a:pPr marL="0" lvl="0" indent="0" algn="l" rtl="0">
+            <a:pPr indent="0" lvl="0" marL="0" rtl="0" algn="l">
               <a:spcBef>
                 <a:spcPts val="0"/>
               </a:spcBef>
@@ -10083,11 +9897,11 @@
 </file>
 
 <file path=ppt/slides/slide13.xml><?xml version="1.0" encoding="utf-8"?>
-<p:sld xmlns:a="http://schemas.openxmlformats.org/drawingml/2006/main" xmlns:r="http://schemas.openxmlformats.org/officeDocument/2006/relationships" xmlns:p="http://schemas.openxmlformats.org/presentationml/2006/main">
+<p:sld xmlns:a="http://schemas.openxmlformats.org/drawingml/2006/main" xmlns:r="http://schemas.openxmlformats.org/officeDocument/2006/relationships" xmlns:mc="http://schemas.openxmlformats.org/markup-compatibility/2006" xmlns:mv="urn:schemas-microsoft-com:mac:vml" xmlns:p="http://schemas.openxmlformats.org/presentationml/2006/main" xmlns:c="http://schemas.openxmlformats.org/drawingml/2006/chart" xmlns:dgm="http://schemas.openxmlformats.org/drawingml/2006/diagram" xmlns:o="urn:schemas-microsoft-com:office:office" xmlns:v="urn:schemas-microsoft-com:vml" xmlns:pvml="urn:schemas-microsoft-com:office:powerpoint" xmlns:com="http://schemas.openxmlformats.org/drawingml/2006/compatibility" xmlns:p14="http://schemas.microsoft.com/office/powerpoint/2010/main" xmlns:p15="http://schemas.microsoft.com/office/powerpoint/2012/main" xmlns:ahyp="http://schemas.microsoft.com/office/drawing/2018/hyperlinkcolor">
   <p:cSld>
     <p:spTree>
       <p:nvGrpSpPr>
-        <p:cNvPr id="1" name="Shape 175"/>
+        <p:cNvPr id="175" name="Shape 175"/>
         <p:cNvGrpSpPr/>
         <p:nvPr/>
       </p:nvGrpSpPr>
@@ -10102,9 +9916,7 @@
       <p:sp>
         <p:nvSpPr>
           <p:cNvPr id="176" name="Google Shape;176;p25"/>
-          <p:cNvSpPr txBox="1">
-            <a:spLocks noGrp="1"/>
-          </p:cNvSpPr>
+          <p:cNvSpPr txBox="1"/>
           <p:nvPr>
             <p:ph type="title"/>
           </p:nvPr>
@@ -10119,12 +9931,12 @@
           </a:prstGeom>
         </p:spPr>
         <p:txBody>
-          <a:bodyPr spcFirstLastPara="1" wrap="square" lIns="91425" tIns="91425" rIns="91425" bIns="91425" anchor="t" anchorCtr="0">
+          <a:bodyPr anchorCtr="0" anchor="t" bIns="91425" lIns="91425" spcFirstLastPara="1" rIns="91425" wrap="square" tIns="91425">
             <a:normAutofit fontScale="90000"/>
           </a:bodyPr>
           <a:lstStyle/>
           <a:p>
-            <a:pPr marL="0" lvl="0" indent="0" algn="l" rtl="0">
+            <a:pPr indent="0" lvl="0" marL="0" rtl="0" algn="l">
               <a:spcBef>
                 <a:spcPts val="0"/>
               </a:spcBef>
@@ -10135,7 +9947,23 @@
             </a:pPr>
             <a:r>
               <a:rPr lang="en"/>
-              <a:t>But..for three or more objects stuck together, the results are poor!</a:t>
+              <a:t>But..for three or more objects </a:t>
+            </a:r>
+            <a:r>
+              <a:rPr lang="en"/>
+              <a:t>stuck</a:t>
+            </a:r>
+            <a:r>
+              <a:rPr lang="en"/>
+              <a:t> </a:t>
+            </a:r>
+            <a:r>
+              <a:rPr lang="en"/>
+              <a:t>together, the</a:t>
+            </a:r>
+            <a:r>
+              <a:rPr lang="en"/>
+              <a:t> results are poor!</a:t>
             </a:r>
             <a:endParaRPr/>
           </a:p>
@@ -10144,11 +9972,9 @@
       <p:sp>
         <p:nvSpPr>
           <p:cNvPr id="177" name="Google Shape;177;p25"/>
-          <p:cNvSpPr txBox="1">
-            <a:spLocks noGrp="1"/>
-          </p:cNvSpPr>
+          <p:cNvSpPr txBox="1"/>
           <p:nvPr>
-            <p:ph type="body" idx="1"/>
+            <p:ph idx="1" type="body"/>
           </p:nvPr>
         </p:nvSpPr>
         <p:spPr>
@@ -10161,12 +9987,12 @@
           </a:prstGeom>
         </p:spPr>
         <p:txBody>
-          <a:bodyPr spcFirstLastPara="1" wrap="square" lIns="91425" tIns="91425" rIns="91425" bIns="91425" anchor="t" anchorCtr="0">
+          <a:bodyPr anchorCtr="0" anchor="t" bIns="91425" lIns="91425" spcFirstLastPara="1" rIns="91425" wrap="square" tIns="91425">
             <a:normAutofit/>
           </a:bodyPr>
           <a:lstStyle/>
           <a:p>
-            <a:pPr marL="0" lvl="0" indent="0" algn="l" rtl="0">
+            <a:pPr indent="0" lvl="0" marL="0" rtl="0" algn="l">
               <a:spcBef>
                 <a:spcPts val="0"/>
               </a:spcBef>
@@ -10175,6 +10001,9 @@
               </a:spcAft>
               <a:buNone/>
             </a:pPr>
+            <a:r>
+              <a:t/>
+            </a:r>
             <a:endParaRPr/>
           </a:p>
         </p:txBody>
@@ -10182,11 +10011,9 @@
       <p:sp>
         <p:nvSpPr>
           <p:cNvPr id="178" name="Google Shape;178;p25"/>
-          <p:cNvSpPr txBox="1">
-            <a:spLocks noGrp="1"/>
-          </p:cNvSpPr>
+          <p:cNvSpPr txBox="1"/>
           <p:nvPr>
-            <p:ph type="body" idx="2"/>
+            <p:ph idx="2" type="body"/>
           </p:nvPr>
         </p:nvSpPr>
         <p:spPr>
@@ -10199,12 +10026,12 @@
           </a:prstGeom>
         </p:spPr>
         <p:txBody>
-          <a:bodyPr spcFirstLastPara="1" wrap="square" lIns="91425" tIns="91425" rIns="91425" bIns="91425" anchor="t" anchorCtr="0">
+          <a:bodyPr anchorCtr="0" anchor="t" bIns="91425" lIns="91425" spcFirstLastPara="1" rIns="91425" wrap="square" tIns="91425">
             <a:normAutofit/>
           </a:bodyPr>
           <a:lstStyle/>
           <a:p>
-            <a:pPr marL="0" lvl="0" indent="0" algn="l" rtl="0">
+            <a:pPr indent="0" lvl="0" marL="0" rtl="0" algn="l">
               <a:spcBef>
                 <a:spcPts val="0"/>
               </a:spcBef>
@@ -10213,6 +10040,9 @@
               </a:spcAft>
               <a:buNone/>
             </a:pPr>
+            <a:r>
+              <a:t/>
+            </a:r>
             <a:endParaRPr/>
           </a:p>
         </p:txBody>
@@ -10227,7 +10057,7 @@
           <a:blip r:embed="rId3">
             <a:alphaModFix/>
           </a:blip>
-          <a:srcRect l="78013" t="45534" r="14955" b="40705"/>
+          <a:srcRect b="40705" l="78013" r="14955" t="45534"/>
           <a:stretch/>
         </p:blipFill>
         <p:spPr>
@@ -10254,7 +10084,7 @@
           <a:blip r:embed="rId4">
             <a:alphaModFix/>
           </a:blip>
-          <a:srcRect l="77183" t="42868" r="11600" b="35756"/>
+          <a:srcRect b="35756" l="77183" r="11600" t="42868"/>
           <a:stretch/>
         </p:blipFill>
         <p:spPr>
@@ -10280,11 +10110,11 @@
 </file>
 
 <file path=ppt/slides/slide14.xml><?xml version="1.0" encoding="utf-8"?>
-<p:sld xmlns:a="http://schemas.openxmlformats.org/drawingml/2006/main" xmlns:r="http://schemas.openxmlformats.org/officeDocument/2006/relationships" xmlns:p="http://schemas.openxmlformats.org/presentationml/2006/main">
+<p:sld xmlns:a="http://schemas.openxmlformats.org/drawingml/2006/main" xmlns:r="http://schemas.openxmlformats.org/officeDocument/2006/relationships" xmlns:mc="http://schemas.openxmlformats.org/markup-compatibility/2006" xmlns:mv="urn:schemas-microsoft-com:mac:vml" xmlns:p="http://schemas.openxmlformats.org/presentationml/2006/main" xmlns:c="http://schemas.openxmlformats.org/drawingml/2006/chart" xmlns:dgm="http://schemas.openxmlformats.org/drawingml/2006/diagram" xmlns:o="urn:schemas-microsoft-com:office:office" xmlns:v="urn:schemas-microsoft-com:vml" xmlns:pvml="urn:schemas-microsoft-com:office:powerpoint" xmlns:com="http://schemas.openxmlformats.org/drawingml/2006/compatibility" xmlns:p14="http://schemas.microsoft.com/office/powerpoint/2010/main" xmlns:p15="http://schemas.microsoft.com/office/powerpoint/2012/main" xmlns:ahyp="http://schemas.microsoft.com/office/drawing/2018/hyperlinkcolor">
   <p:cSld>
     <p:spTree>
       <p:nvGrpSpPr>
-        <p:cNvPr id="1" name="Shape 184"/>
+        <p:cNvPr id="184" name="Shape 184"/>
         <p:cNvGrpSpPr/>
         <p:nvPr/>
       </p:nvGrpSpPr>
@@ -10299,9 +10129,7 @@
       <p:sp>
         <p:nvSpPr>
           <p:cNvPr id="185" name="Google Shape;185;p26"/>
-          <p:cNvSpPr txBox="1">
-            <a:spLocks noGrp="1"/>
-          </p:cNvSpPr>
+          <p:cNvSpPr txBox="1"/>
           <p:nvPr>
             <p:ph type="title"/>
           </p:nvPr>
@@ -10316,12 +10144,12 @@
           </a:prstGeom>
         </p:spPr>
         <p:txBody>
-          <a:bodyPr spcFirstLastPara="1" wrap="square" lIns="91425" tIns="91425" rIns="91425" bIns="91425" anchor="t" anchorCtr="0">
+          <a:bodyPr anchorCtr="0" anchor="t" bIns="91425" lIns="91425" spcFirstLastPara="1" rIns="91425" wrap="square" tIns="91425">
             <a:normAutofit fontScale="90000"/>
           </a:bodyPr>
           <a:lstStyle/>
           <a:p>
-            <a:pPr marL="0" lvl="0" indent="0" algn="l" rtl="0">
+            <a:pPr indent="0" lvl="0" marL="0" rtl="0" algn="l">
               <a:spcBef>
                 <a:spcPts val="0"/>
               </a:spcBef>
@@ -10337,15 +10165,18 @@
             <a:endParaRPr/>
           </a:p>
           <a:p>
-            <a:pPr marL="0" lvl="0" indent="0" algn="l" rtl="0">
-              <a:spcBef>
-                <a:spcPts val="0"/>
-              </a:spcBef>
-              <a:spcAft>
-                <a:spcPts val="0"/>
-              </a:spcAft>
-              <a:buNone/>
-            </a:pPr>
+            <a:pPr indent="0" lvl="0" marL="0" rtl="0" algn="l">
+              <a:spcBef>
+                <a:spcPts val="0"/>
+              </a:spcBef>
+              <a:spcAft>
+                <a:spcPts val="0"/>
+              </a:spcAft>
+              <a:buNone/>
+            </a:pPr>
+            <a:r>
+              <a:t/>
+            </a:r>
             <a:endParaRPr/>
           </a:p>
         </p:txBody>
@@ -10353,11 +10184,9 @@
       <p:sp>
         <p:nvSpPr>
           <p:cNvPr id="186" name="Google Shape;186;p26"/>
-          <p:cNvSpPr txBox="1">
-            <a:spLocks noGrp="1"/>
-          </p:cNvSpPr>
+          <p:cNvSpPr txBox="1"/>
           <p:nvPr>
-            <p:ph type="body" idx="1"/>
+            <p:ph idx="1" type="body"/>
           </p:nvPr>
         </p:nvSpPr>
         <p:spPr>
@@ -10370,12 +10199,12 @@
           </a:prstGeom>
         </p:spPr>
         <p:txBody>
-          <a:bodyPr spcFirstLastPara="1" wrap="square" lIns="91425" tIns="91425" rIns="91425" bIns="91425" anchor="t" anchorCtr="0">
+          <a:bodyPr anchorCtr="0" anchor="t" bIns="91425" lIns="91425" spcFirstLastPara="1" rIns="91425" wrap="square" tIns="91425">
             <a:normAutofit/>
           </a:bodyPr>
           <a:lstStyle/>
           <a:p>
-            <a:pPr marL="457200" lvl="0" indent="-342900" algn="l" rtl="0">
+            <a:pPr indent="-342900" lvl="0" marL="457200" rtl="0" algn="l">
               <a:spcBef>
                 <a:spcPts val="0"/>
               </a:spcBef>
@@ -10387,12 +10216,20 @@
             </a:pPr>
             <a:r>
               <a:rPr lang="en"/>
-              <a:t>The sticky objects are counted as one objects, we don't want that!</a:t>
+              <a:t>The sticky objects are counted as one objects, we </a:t>
+            </a:r>
+            <a:r>
+              <a:rPr lang="en"/>
+              <a:t>don't</a:t>
+            </a:r>
+            <a:r>
+              <a:rPr lang="en"/>
+              <a:t> want that!</a:t>
             </a:r>
             <a:endParaRPr/>
           </a:p>
           <a:p>
-            <a:pPr marL="457200" lvl="0" indent="-342900" algn="l" rtl="0">
+            <a:pPr indent="-342900" lvl="0" marL="457200" rtl="0" algn="l">
               <a:spcBef>
                 <a:spcPts val="0"/>
               </a:spcBef>
@@ -10404,12 +10241,16 @@
             </a:pPr>
             <a:r>
               <a:rPr lang="en"/>
-              <a:t>After many trial of other object separating methods like erosion by for loop, watershed segmentation, the morphological based operations works better!</a:t>
+              <a:t>After many trial of other object </a:t>
+            </a:r>
+            <a:r>
+              <a:rPr lang="en"/>
+              <a:t>separating methods like erosion by for loop, watershed segmentation, the morphological based operations works better!</a:t>
             </a:r>
             <a:endParaRPr/>
           </a:p>
           <a:p>
-            <a:pPr marL="457200" lvl="0" indent="-342900" algn="l" rtl="0">
+            <a:pPr indent="-342900" lvl="0" marL="457200" rtl="0" algn="l">
               <a:spcBef>
                 <a:spcPts val="0"/>
               </a:spcBef>
@@ -10421,12 +10262,20 @@
             </a:pPr>
             <a:r>
               <a:rPr lang="en"/>
-              <a:t> The other two methods results in over segmentation and object separation problem.</a:t>
+              <a:t> The other two methods results in over segmentation and object </a:t>
+            </a:r>
+            <a:r>
+              <a:rPr lang="en"/>
+              <a:t>separation</a:t>
+            </a:r>
+            <a:r>
+              <a:rPr lang="en"/>
+              <a:t> problem.</a:t>
             </a:r>
             <a:endParaRPr/>
           </a:p>
           <a:p>
-            <a:pPr marL="457200" lvl="0" indent="-342900" algn="l" rtl="0">
+            <a:pPr indent="-342900" lvl="0" marL="457200" rtl="0" algn="l">
               <a:spcBef>
                 <a:spcPts val="0"/>
               </a:spcBef>
@@ -10438,12 +10287,20 @@
             </a:pPr>
             <a:r>
               <a:rPr lang="en"/>
-              <a:t>Initially the sticky object is separated from the other objects using area based filtering. </a:t>
+              <a:t>Initially the sticky object is </a:t>
+            </a:r>
+            <a:r>
+              <a:rPr lang="en"/>
+              <a:t>separated</a:t>
+            </a:r>
+            <a:r>
+              <a:rPr lang="en"/>
+              <a:t> from the other objects using area based filtering. </a:t>
             </a:r>
             <a:endParaRPr/>
           </a:p>
           <a:p>
-            <a:pPr marL="457200" lvl="0" indent="0" algn="l" rtl="0">
+            <a:pPr indent="0" lvl="0" marL="457200" rtl="0" algn="l">
               <a:spcBef>
                 <a:spcPts val="1200"/>
               </a:spcBef>
@@ -10469,11 +10326,11 @@
 </file>
 
 <file path=ppt/slides/slide15.xml><?xml version="1.0" encoding="utf-8"?>
-<p:sld xmlns:a="http://schemas.openxmlformats.org/drawingml/2006/main" xmlns:r="http://schemas.openxmlformats.org/officeDocument/2006/relationships" xmlns:p="http://schemas.openxmlformats.org/presentationml/2006/main">
+<p:sld xmlns:a="http://schemas.openxmlformats.org/drawingml/2006/main" xmlns:r="http://schemas.openxmlformats.org/officeDocument/2006/relationships" xmlns:mc="http://schemas.openxmlformats.org/markup-compatibility/2006" xmlns:mv="urn:schemas-microsoft-com:mac:vml" xmlns:p="http://schemas.openxmlformats.org/presentationml/2006/main" xmlns:c="http://schemas.openxmlformats.org/drawingml/2006/chart" xmlns:dgm="http://schemas.openxmlformats.org/drawingml/2006/diagram" xmlns:o="urn:schemas-microsoft-com:office:office" xmlns:v="urn:schemas-microsoft-com:vml" xmlns:pvml="urn:schemas-microsoft-com:office:powerpoint" xmlns:com="http://schemas.openxmlformats.org/drawingml/2006/compatibility" xmlns:p14="http://schemas.microsoft.com/office/powerpoint/2010/main" xmlns:p15="http://schemas.microsoft.com/office/powerpoint/2012/main" xmlns:ahyp="http://schemas.microsoft.com/office/drawing/2018/hyperlinkcolor">
   <p:cSld>
     <p:spTree>
       <p:nvGrpSpPr>
-        <p:cNvPr id="1" name="Shape 190"/>
+        <p:cNvPr id="190" name="Shape 190"/>
         <p:cNvGrpSpPr/>
         <p:nvPr/>
       </p:nvGrpSpPr>
@@ -10488,9 +10345,7 @@
       <p:sp>
         <p:nvSpPr>
           <p:cNvPr id="191" name="Google Shape;191;p27"/>
-          <p:cNvSpPr txBox="1">
-            <a:spLocks noGrp="1"/>
-          </p:cNvSpPr>
+          <p:cNvSpPr txBox="1"/>
           <p:nvPr>
             <p:ph type="title"/>
           </p:nvPr>
@@ -10505,12 +10360,12 @@
           </a:prstGeom>
         </p:spPr>
         <p:txBody>
-          <a:bodyPr spcFirstLastPara="1" wrap="square" lIns="91425" tIns="91425" rIns="91425" bIns="91425" anchor="t" anchorCtr="0">
+          <a:bodyPr anchorCtr="0" anchor="t" bIns="91425" lIns="91425" spcFirstLastPara="1" rIns="91425" wrap="square" tIns="91425">
             <a:normAutofit fontScale="90000"/>
           </a:bodyPr>
           <a:lstStyle/>
           <a:p>
-            <a:pPr marL="0" lvl="0" indent="0" algn="l" rtl="0">
+            <a:pPr indent="0" lvl="0" marL="0" rtl="0" algn="l">
               <a:spcBef>
                 <a:spcPts val="0"/>
               </a:spcBef>
@@ -10526,15 +10381,18 @@
             <a:endParaRPr/>
           </a:p>
           <a:p>
-            <a:pPr marL="0" lvl="0" indent="0" algn="l" rtl="0">
-              <a:spcBef>
-                <a:spcPts val="0"/>
-              </a:spcBef>
-              <a:spcAft>
-                <a:spcPts val="0"/>
-              </a:spcAft>
-              <a:buNone/>
-            </a:pPr>
+            <a:pPr indent="0" lvl="0" marL="0" rtl="0" algn="l">
+              <a:spcBef>
+                <a:spcPts val="0"/>
+              </a:spcBef>
+              <a:spcAft>
+                <a:spcPts val="0"/>
+              </a:spcAft>
+              <a:buNone/>
+            </a:pPr>
+            <a:r>
+              <a:t/>
+            </a:r>
             <a:endParaRPr/>
           </a:p>
         </p:txBody>
@@ -10542,11 +10400,9 @@
       <p:sp>
         <p:nvSpPr>
           <p:cNvPr id="192" name="Google Shape;192;p27"/>
-          <p:cNvSpPr txBox="1">
-            <a:spLocks noGrp="1"/>
-          </p:cNvSpPr>
+          <p:cNvSpPr txBox="1"/>
           <p:nvPr>
-            <p:ph type="body" idx="1"/>
+            <p:ph idx="1" type="body"/>
           </p:nvPr>
         </p:nvSpPr>
         <p:spPr>
@@ -10559,12 +10415,12 @@
           </a:prstGeom>
         </p:spPr>
         <p:txBody>
-          <a:bodyPr spcFirstLastPara="1" wrap="square" lIns="91425" tIns="91425" rIns="91425" bIns="91425" anchor="t" anchorCtr="0">
+          <a:bodyPr anchorCtr="0" anchor="t" bIns="91425" lIns="91425" spcFirstLastPara="1" rIns="91425" wrap="square" tIns="91425">
             <a:normAutofit/>
           </a:bodyPr>
           <a:lstStyle/>
           <a:p>
-            <a:pPr marL="457200" lvl="0" indent="-342900" algn="l" rtl="0">
+            <a:pPr indent="-342900" lvl="0" marL="457200" rtl="0" algn="l">
               <a:spcBef>
                 <a:spcPts val="0"/>
               </a:spcBef>
@@ -10581,7 +10437,7 @@
             <a:endParaRPr/>
           </a:p>
           <a:p>
-            <a:pPr marL="457200" lvl="0" indent="-342900" algn="l" rtl="0">
+            <a:pPr indent="-342900" lvl="0" marL="457200" rtl="0" algn="l">
               <a:spcBef>
                 <a:spcPts val="0"/>
               </a:spcBef>
@@ -10598,7 +10454,7 @@
             <a:endParaRPr/>
           </a:p>
           <a:p>
-            <a:pPr marL="457200" lvl="0" indent="-342900" algn="l" rtl="0">
+            <a:pPr indent="-342900" lvl="0" marL="457200" rtl="0" algn="l">
               <a:spcBef>
                 <a:spcPts val="0"/>
               </a:spcBef>
@@ -10615,7 +10471,7 @@
             <a:endParaRPr/>
           </a:p>
           <a:p>
-            <a:pPr marL="457200" lvl="0" indent="-342900" algn="l" rtl="0">
+            <a:pPr indent="-342900" lvl="0" marL="457200" rtl="0" algn="l">
               <a:spcBef>
                 <a:spcPts val="0"/>
               </a:spcBef>
@@ -10627,12 +10483,20 @@
             </a:pPr>
             <a:r>
               <a:rPr lang="en"/>
-              <a:t>Then area opening is performed using rectangular  of  dimension 6x 3 as structuring element and further dilation is performed for minor shape adjustment.</a:t>
+              <a:t>Then area opening is performed using rectangular  of  dimension 6x 3 as </a:t>
+            </a:r>
+            <a:r>
+              <a:rPr lang="en"/>
+              <a:t>structuring</a:t>
+            </a:r>
+            <a:r>
+              <a:rPr lang="en"/>
+              <a:t> element and further dilation is performed for minor shape adjustment.</a:t>
             </a:r>
             <a:endParaRPr/>
           </a:p>
           <a:p>
-            <a:pPr marL="457200" lvl="0" indent="-342900" algn="l" rtl="0">
+            <a:pPr indent="-342900" lvl="0" marL="457200" rtl="0" algn="l">
               <a:spcBef>
                 <a:spcPts val="0"/>
               </a:spcBef>
@@ -10644,7 +10508,11 @@
             </a:pPr>
             <a:r>
               <a:rPr lang="en"/>
-              <a:t>Thus we get the sticky objects separated.</a:t>
+              <a:t>Thus we get the sticky objects </a:t>
+            </a:r>
+            <a:r>
+              <a:rPr lang="en"/>
+              <a:t>separated.</a:t>
             </a:r>
             <a:endParaRPr/>
           </a:p>
@@ -10659,11 +10527,11 @@
 </file>
 
 <file path=ppt/slides/slide16.xml><?xml version="1.0" encoding="utf-8"?>
-<p:sld xmlns:a="http://schemas.openxmlformats.org/drawingml/2006/main" xmlns:r="http://schemas.openxmlformats.org/officeDocument/2006/relationships" xmlns:p="http://schemas.openxmlformats.org/presentationml/2006/main">
+<p:sld xmlns:a="http://schemas.openxmlformats.org/drawingml/2006/main" xmlns:r="http://schemas.openxmlformats.org/officeDocument/2006/relationships" xmlns:mc="http://schemas.openxmlformats.org/markup-compatibility/2006" xmlns:mv="urn:schemas-microsoft-com:mac:vml" xmlns:p="http://schemas.openxmlformats.org/presentationml/2006/main" xmlns:c="http://schemas.openxmlformats.org/drawingml/2006/chart" xmlns:dgm="http://schemas.openxmlformats.org/drawingml/2006/diagram" xmlns:o="urn:schemas-microsoft-com:office:office" xmlns:v="urn:schemas-microsoft-com:vml" xmlns:pvml="urn:schemas-microsoft-com:office:powerpoint" xmlns:com="http://schemas.openxmlformats.org/drawingml/2006/compatibility" xmlns:p14="http://schemas.microsoft.com/office/powerpoint/2010/main" xmlns:p15="http://schemas.microsoft.com/office/powerpoint/2012/main" xmlns:ahyp="http://schemas.microsoft.com/office/drawing/2018/hyperlinkcolor">
   <p:cSld>
     <p:spTree>
       <p:nvGrpSpPr>
-        <p:cNvPr id="1" name="Shape 196"/>
+        <p:cNvPr id="196" name="Shape 196"/>
         <p:cNvGrpSpPr/>
         <p:nvPr/>
       </p:nvGrpSpPr>
@@ -10678,9 +10546,7 @@
       <p:sp>
         <p:nvSpPr>
           <p:cNvPr id="197" name="Google Shape;197;p28"/>
-          <p:cNvSpPr txBox="1">
-            <a:spLocks noGrp="1"/>
-          </p:cNvSpPr>
+          <p:cNvSpPr txBox="1"/>
           <p:nvPr>
             <p:ph type="title"/>
           </p:nvPr>
@@ -10695,12 +10561,12 @@
           </a:prstGeom>
         </p:spPr>
         <p:txBody>
-          <a:bodyPr spcFirstLastPara="1" wrap="square" lIns="91425" tIns="91425" rIns="91425" bIns="91425" anchor="b" anchorCtr="0">
+          <a:bodyPr anchorCtr="0" anchor="b" bIns="91425" lIns="91425" spcFirstLastPara="1" rIns="91425" wrap="square" tIns="91425">
             <a:normAutofit/>
           </a:bodyPr>
           <a:lstStyle/>
           <a:p>
-            <a:pPr marL="0" lvl="0" indent="0" algn="l" rtl="0">
+            <a:pPr indent="0" lvl="0" marL="0" rtl="0" algn="l">
               <a:spcBef>
                 <a:spcPts val="0"/>
               </a:spcBef>
@@ -10720,11 +10586,9 @@
       <p:sp>
         <p:nvSpPr>
           <p:cNvPr id="198" name="Google Shape;198;p28"/>
-          <p:cNvSpPr txBox="1">
-            <a:spLocks noGrp="1"/>
-          </p:cNvSpPr>
+          <p:cNvSpPr txBox="1"/>
           <p:nvPr>
-            <p:ph type="body" idx="1"/>
+            <p:ph idx="1" type="body"/>
           </p:nvPr>
         </p:nvSpPr>
         <p:spPr>
@@ -10737,12 +10601,12 @@
           </a:prstGeom>
         </p:spPr>
         <p:txBody>
-          <a:bodyPr spcFirstLastPara="1" wrap="square" lIns="91425" tIns="91425" rIns="91425" bIns="91425" anchor="t" anchorCtr="0">
+          <a:bodyPr anchorCtr="0" anchor="t" bIns="91425" lIns="91425" spcFirstLastPara="1" rIns="91425" wrap="square" tIns="91425">
             <a:normAutofit fontScale="92500" lnSpcReduction="20000"/>
           </a:bodyPr>
           <a:lstStyle/>
           <a:p>
-            <a:pPr marL="457200" lvl="0" indent="-322580" algn="l" rtl="0">
+            <a:pPr indent="-322580" lvl="0" marL="457200" rtl="0" algn="l">
               <a:spcBef>
                 <a:spcPts val="0"/>
               </a:spcBef>
@@ -10754,12 +10618,16 @@
             </a:pPr>
             <a:r>
               <a:rPr lang="en" sz="1600"/>
-              <a:t>The separated objects are added to the height width ratio filtered image (if any sticky objects) .</a:t>
+              <a:t>The </a:t>
+            </a:r>
+            <a:r>
+              <a:rPr lang="en" sz="1600"/>
+              <a:t>separated objects are added to the height width ratio filtered image (if any sticky objects) .</a:t>
             </a:r>
             <a:endParaRPr sz="1600"/>
           </a:p>
           <a:p>
-            <a:pPr marL="457200" lvl="0" indent="0" algn="l" rtl="0">
+            <a:pPr indent="0" lvl="0" marL="457200" rtl="0" algn="l">
               <a:spcBef>
                 <a:spcPts val="1200"/>
               </a:spcBef>
@@ -10768,10 +10636,13 @@
               </a:spcAft>
               <a:buNone/>
             </a:pPr>
+            <a:r>
+              <a:t/>
+            </a:r>
             <a:endParaRPr sz="1600"/>
           </a:p>
           <a:p>
-            <a:pPr marL="457200" lvl="0" indent="-322580" algn="l" rtl="0">
+            <a:pPr indent="-322580" lvl="0" marL="457200" rtl="0" algn="l">
               <a:spcBef>
                 <a:spcPts val="1200"/>
               </a:spcBef>
@@ -10788,7 +10659,7 @@
             <a:endParaRPr sz="1600"/>
           </a:p>
           <a:p>
-            <a:pPr marL="457200" lvl="0" indent="0" algn="l" rtl="0">
+            <a:pPr indent="0" lvl="0" marL="457200" rtl="0" algn="l">
               <a:spcBef>
                 <a:spcPts val="1200"/>
               </a:spcBef>
@@ -10797,10 +10668,13 @@
               </a:spcAft>
               <a:buNone/>
             </a:pPr>
+            <a:r>
+              <a:t/>
+            </a:r>
             <a:endParaRPr/>
           </a:p>
           <a:p>
-            <a:pPr marL="457200" lvl="0" indent="0" algn="l" rtl="0">
+            <a:pPr indent="0" lvl="0" marL="457200" rtl="0" algn="l">
               <a:spcBef>
                 <a:spcPts val="1200"/>
               </a:spcBef>
@@ -10809,6 +10683,9 @@
               </a:spcAft>
               <a:buNone/>
             </a:pPr>
+            <a:r>
+              <a:t/>
+            </a:r>
             <a:endParaRPr/>
           </a:p>
         </p:txBody>
@@ -10934,11 +10811,11 @@
 </file>
 
 <file path=ppt/slides/slide17.xml><?xml version="1.0" encoding="utf-8"?>
-<p:sld xmlns:a="http://schemas.openxmlformats.org/drawingml/2006/main" xmlns:r="http://schemas.openxmlformats.org/officeDocument/2006/relationships" xmlns:p="http://schemas.openxmlformats.org/presentationml/2006/main">
+<p:sld xmlns:a="http://schemas.openxmlformats.org/drawingml/2006/main" xmlns:r="http://schemas.openxmlformats.org/officeDocument/2006/relationships" xmlns:mc="http://schemas.openxmlformats.org/markup-compatibility/2006" xmlns:mv="urn:schemas-microsoft-com:mac:vml" xmlns:p="http://schemas.openxmlformats.org/presentationml/2006/main" xmlns:c="http://schemas.openxmlformats.org/drawingml/2006/chart" xmlns:dgm="http://schemas.openxmlformats.org/drawingml/2006/diagram" xmlns:o="urn:schemas-microsoft-com:office:office" xmlns:v="urn:schemas-microsoft-com:vml" xmlns:pvml="urn:schemas-microsoft-com:office:powerpoint" xmlns:com="http://schemas.openxmlformats.org/drawingml/2006/compatibility" xmlns:p14="http://schemas.microsoft.com/office/powerpoint/2010/main" xmlns:p15="http://schemas.microsoft.com/office/powerpoint/2012/main" xmlns:ahyp="http://schemas.microsoft.com/office/drawing/2018/hyperlinkcolor">
   <p:cSld>
     <p:spTree>
       <p:nvGrpSpPr>
-        <p:cNvPr id="1" name="Shape 206"/>
+        <p:cNvPr id="206" name="Shape 206"/>
         <p:cNvGrpSpPr/>
         <p:nvPr/>
       </p:nvGrpSpPr>
@@ -10953,9 +10830,7 @@
       <p:sp>
         <p:nvSpPr>
           <p:cNvPr id="207" name="Google Shape;207;p29"/>
-          <p:cNvSpPr txBox="1">
-            <a:spLocks noGrp="1"/>
-          </p:cNvSpPr>
+          <p:cNvSpPr txBox="1"/>
           <p:nvPr>
             <p:ph type="title"/>
           </p:nvPr>
@@ -10970,12 +10845,12 @@
           </a:prstGeom>
         </p:spPr>
         <p:txBody>
-          <a:bodyPr spcFirstLastPara="1" wrap="square" lIns="91425" tIns="91425" rIns="91425" bIns="91425" anchor="t" anchorCtr="0">
+          <a:bodyPr anchorCtr="0" anchor="t" bIns="91425" lIns="91425" spcFirstLastPara="1" rIns="91425" wrap="square" tIns="91425">
             <a:normAutofit fontScale="90000"/>
           </a:bodyPr>
           <a:lstStyle/>
           <a:p>
-            <a:pPr marL="0" lvl="0" indent="0" algn="l" rtl="0">
+            <a:pPr indent="0" lvl="0" marL="0" rtl="0" algn="l">
               <a:spcBef>
                 <a:spcPts val="0"/>
               </a:spcBef>
@@ -10995,11 +10870,9 @@
       <p:sp>
         <p:nvSpPr>
           <p:cNvPr id="208" name="Google Shape;208;p29"/>
-          <p:cNvSpPr txBox="1">
-            <a:spLocks noGrp="1"/>
-          </p:cNvSpPr>
+          <p:cNvSpPr txBox="1"/>
           <p:nvPr>
-            <p:ph type="body" idx="1"/>
+            <p:ph idx="1" type="body"/>
           </p:nvPr>
         </p:nvSpPr>
         <p:spPr>
@@ -11012,12 +10885,12 @@
           </a:prstGeom>
         </p:spPr>
         <p:txBody>
-          <a:bodyPr spcFirstLastPara="1" wrap="square" lIns="91425" tIns="91425" rIns="91425" bIns="91425" anchor="t" anchorCtr="0">
+          <a:bodyPr anchorCtr="0" anchor="t" bIns="91425" lIns="91425" spcFirstLastPara="1" rIns="91425" wrap="square" tIns="91425">
             <a:normAutofit/>
           </a:bodyPr>
           <a:lstStyle/>
           <a:p>
-            <a:pPr marL="0" lvl="0" indent="0" algn="l" rtl="0">
+            <a:pPr indent="0" lvl="0" marL="0" rtl="0" algn="l">
               <a:spcBef>
                 <a:spcPts val="0"/>
               </a:spcBef>
@@ -11026,6 +10899,9 @@
               </a:spcAft>
               <a:buNone/>
             </a:pPr>
+            <a:r>
+              <a:t/>
+            </a:r>
             <a:endParaRPr/>
           </a:p>
         </p:txBody>
@@ -11040,7 +10916,7 @@
           <a:blip r:embed="rId3">
             <a:alphaModFix/>
           </a:blip>
-          <a:srcRect t="6331"/>
+          <a:srcRect b="0" l="0" r="0" t="6331"/>
           <a:stretch/>
         </p:blipFill>
         <p:spPr>
@@ -11066,11 +10942,11 @@
 </file>
 
 <file path=ppt/slides/slide18.xml><?xml version="1.0" encoding="utf-8"?>
-<p:sld xmlns:a="http://schemas.openxmlformats.org/drawingml/2006/main" xmlns:r="http://schemas.openxmlformats.org/officeDocument/2006/relationships" xmlns:p="http://schemas.openxmlformats.org/presentationml/2006/main">
+<p:sld xmlns:a="http://schemas.openxmlformats.org/drawingml/2006/main" xmlns:r="http://schemas.openxmlformats.org/officeDocument/2006/relationships" xmlns:mc="http://schemas.openxmlformats.org/markup-compatibility/2006" xmlns:mv="urn:schemas-microsoft-com:mac:vml" xmlns:p="http://schemas.openxmlformats.org/presentationml/2006/main" xmlns:c="http://schemas.openxmlformats.org/drawingml/2006/chart" xmlns:dgm="http://schemas.openxmlformats.org/drawingml/2006/diagram" xmlns:o="urn:schemas-microsoft-com:office:office" xmlns:v="urn:schemas-microsoft-com:vml" xmlns:pvml="urn:schemas-microsoft-com:office:powerpoint" xmlns:com="http://schemas.openxmlformats.org/drawingml/2006/compatibility" xmlns:p14="http://schemas.microsoft.com/office/powerpoint/2010/main" xmlns:p15="http://schemas.microsoft.com/office/powerpoint/2012/main" xmlns:ahyp="http://schemas.microsoft.com/office/drawing/2018/hyperlinkcolor">
   <p:cSld>
     <p:spTree>
       <p:nvGrpSpPr>
-        <p:cNvPr id="1" name="Shape 213"/>
+        <p:cNvPr id="213" name="Shape 213"/>
         <p:cNvGrpSpPr/>
         <p:nvPr/>
       </p:nvGrpSpPr>
@@ -11085,9 +10961,7 @@
       <p:sp>
         <p:nvSpPr>
           <p:cNvPr id="214" name="Google Shape;214;p30"/>
-          <p:cNvSpPr txBox="1">
-            <a:spLocks noGrp="1"/>
-          </p:cNvSpPr>
+          <p:cNvSpPr txBox="1"/>
           <p:nvPr>
             <p:ph type="title"/>
           </p:nvPr>
@@ -11102,12 +10976,12 @@
           </a:prstGeom>
         </p:spPr>
         <p:txBody>
-          <a:bodyPr spcFirstLastPara="1" wrap="square" lIns="91425" tIns="91425" rIns="91425" bIns="91425" anchor="t" anchorCtr="0">
+          <a:bodyPr anchorCtr="0" anchor="t" bIns="91425" lIns="91425" spcFirstLastPara="1" rIns="91425" wrap="square" tIns="91425">
             <a:normAutofit fontScale="90000"/>
           </a:bodyPr>
           <a:lstStyle/>
           <a:p>
-            <a:pPr marL="0" lvl="0" indent="0" algn="l" rtl="0">
+            <a:pPr indent="0" lvl="0" marL="0" rtl="0" algn="l">
               <a:spcBef>
                 <a:spcPts val="0"/>
               </a:spcBef>
@@ -11127,11 +11001,9 @@
       <p:sp>
         <p:nvSpPr>
           <p:cNvPr id="215" name="Google Shape;215;p30"/>
-          <p:cNvSpPr txBox="1">
-            <a:spLocks noGrp="1"/>
-          </p:cNvSpPr>
+          <p:cNvSpPr txBox="1"/>
           <p:nvPr>
-            <p:ph type="body" idx="1"/>
+            <p:ph idx="1" type="body"/>
           </p:nvPr>
         </p:nvSpPr>
         <p:spPr>
@@ -11144,12 +11016,12 @@
           </a:prstGeom>
         </p:spPr>
         <p:txBody>
-          <a:bodyPr spcFirstLastPara="1" wrap="square" lIns="91425" tIns="91425" rIns="91425" bIns="91425" anchor="t" anchorCtr="0">
+          <a:bodyPr anchorCtr="0" anchor="t" bIns="91425" lIns="91425" spcFirstLastPara="1" rIns="91425" wrap="square" tIns="91425">
             <a:normAutofit/>
           </a:bodyPr>
           <a:lstStyle/>
           <a:p>
-            <a:pPr marL="0" lvl="0" indent="0" algn="l" rtl="0">
+            <a:pPr indent="0" lvl="0" marL="0" rtl="0" algn="l">
               <a:spcBef>
                 <a:spcPts val="0"/>
               </a:spcBef>
@@ -11165,7 +11037,7 @@
             <a:endParaRPr/>
           </a:p>
           <a:p>
-            <a:pPr marL="0" lvl="0" indent="0" algn="l" rtl="0">
+            <a:pPr indent="0" lvl="0" marL="0" rtl="0" algn="l">
               <a:spcBef>
                 <a:spcPts val="1200"/>
               </a:spcBef>
@@ -11220,7 +11092,7 @@
           <a:blip r:embed="rId4">
             <a:alphaModFix/>
           </a:blip>
-          <a:srcRect t="5953"/>
+          <a:srcRect b="0" l="0" r="0" t="5953"/>
           <a:stretch/>
         </p:blipFill>
         <p:spPr>
@@ -11246,11 +11118,11 @@
 </file>
 
 <file path=ppt/slides/slide19.xml><?xml version="1.0" encoding="utf-8"?>
-<p:sld xmlns:a="http://schemas.openxmlformats.org/drawingml/2006/main" xmlns:r="http://schemas.openxmlformats.org/officeDocument/2006/relationships" xmlns:p="http://schemas.openxmlformats.org/presentationml/2006/main">
+<p:sld xmlns:a="http://schemas.openxmlformats.org/drawingml/2006/main" xmlns:r="http://schemas.openxmlformats.org/officeDocument/2006/relationships" xmlns:mc="http://schemas.openxmlformats.org/markup-compatibility/2006" xmlns:mv="urn:schemas-microsoft-com:mac:vml" xmlns:p="http://schemas.openxmlformats.org/presentationml/2006/main" xmlns:c="http://schemas.openxmlformats.org/drawingml/2006/chart" xmlns:dgm="http://schemas.openxmlformats.org/drawingml/2006/diagram" xmlns:o="urn:schemas-microsoft-com:office:office" xmlns:v="urn:schemas-microsoft-com:vml" xmlns:pvml="urn:schemas-microsoft-com:office:powerpoint" xmlns:com="http://schemas.openxmlformats.org/drawingml/2006/compatibility" xmlns:p14="http://schemas.microsoft.com/office/powerpoint/2010/main" xmlns:p15="http://schemas.microsoft.com/office/powerpoint/2012/main" xmlns:ahyp="http://schemas.microsoft.com/office/drawing/2018/hyperlinkcolor">
   <p:cSld>
     <p:spTree>
       <p:nvGrpSpPr>
-        <p:cNvPr id="1" name="Shape 221"/>
+        <p:cNvPr id="221" name="Shape 221"/>
         <p:cNvGrpSpPr/>
         <p:nvPr/>
       </p:nvGrpSpPr>
@@ -11265,9 +11137,7 @@
       <p:sp>
         <p:nvSpPr>
           <p:cNvPr id="222" name="Google Shape;222;p31"/>
-          <p:cNvSpPr txBox="1">
-            <a:spLocks noGrp="1"/>
-          </p:cNvSpPr>
+          <p:cNvSpPr txBox="1"/>
           <p:nvPr>
             <p:ph type="title"/>
           </p:nvPr>
@@ -11282,12 +11152,12 @@
           </a:prstGeom>
         </p:spPr>
         <p:txBody>
-          <a:bodyPr spcFirstLastPara="1" wrap="square" lIns="91425" tIns="91425" rIns="91425" bIns="91425" anchor="t" anchorCtr="0">
+          <a:bodyPr anchorCtr="0" anchor="t" bIns="91425" lIns="91425" spcFirstLastPara="1" rIns="91425" wrap="square" tIns="91425">
             <a:normAutofit fontScale="90000"/>
           </a:bodyPr>
           <a:lstStyle/>
           <a:p>
-            <a:pPr marL="0" lvl="0" indent="0" algn="l" rtl="0">
+            <a:pPr indent="0" lvl="0" marL="0" rtl="0" algn="l">
               <a:spcBef>
                 <a:spcPts val="0"/>
               </a:spcBef>
@@ -11303,15 +11173,18 @@
             <a:endParaRPr/>
           </a:p>
           <a:p>
-            <a:pPr marL="0" lvl="0" indent="0" algn="l" rtl="0">
-              <a:spcBef>
-                <a:spcPts val="0"/>
-              </a:spcBef>
-              <a:spcAft>
-                <a:spcPts val="0"/>
-              </a:spcAft>
-              <a:buNone/>
-            </a:pPr>
+            <a:pPr indent="0" lvl="0" marL="0" rtl="0" algn="l">
+              <a:spcBef>
+                <a:spcPts val="0"/>
+              </a:spcBef>
+              <a:spcAft>
+                <a:spcPts val="0"/>
+              </a:spcAft>
+              <a:buNone/>
+            </a:pPr>
+            <a:r>
+              <a:t/>
+            </a:r>
             <a:endParaRPr/>
           </a:p>
         </p:txBody>
@@ -11319,11 +11192,9 @@
       <p:sp>
         <p:nvSpPr>
           <p:cNvPr id="223" name="Google Shape;223;p31"/>
-          <p:cNvSpPr txBox="1">
-            <a:spLocks noGrp="1"/>
-          </p:cNvSpPr>
+          <p:cNvSpPr txBox="1"/>
           <p:nvPr>
-            <p:ph type="body" idx="1"/>
+            <p:ph idx="1" type="body"/>
           </p:nvPr>
         </p:nvSpPr>
         <p:spPr>
@@ -11336,12 +11207,12 @@
           </a:prstGeom>
         </p:spPr>
         <p:txBody>
-          <a:bodyPr spcFirstLastPara="1" wrap="square" lIns="91425" tIns="91425" rIns="91425" bIns="91425" anchor="t" anchorCtr="0">
+          <a:bodyPr anchorCtr="0" anchor="t" bIns="91425" lIns="91425" spcFirstLastPara="1" rIns="91425" wrap="square" tIns="91425">
             <a:normAutofit/>
           </a:bodyPr>
           <a:lstStyle/>
           <a:p>
-            <a:pPr marL="0" lvl="0" indent="0" algn="l" rtl="0">
+            <a:pPr indent="0" lvl="0" marL="0" rtl="0" algn="l">
               <a:spcBef>
                 <a:spcPts val="0"/>
               </a:spcBef>
@@ -11360,12 +11231,20 @@
             </a:r>
             <a:r>
               <a:rPr lang="en"/>
-              <a:t>by comparing the center of each bounding box in the two resultant images.</a:t>
+              <a:t>by </a:t>
+            </a:r>
+            <a:r>
+              <a:rPr lang="en"/>
+              <a:t>comparing</a:t>
+            </a:r>
+            <a:r>
+              <a:rPr lang="en"/>
+              <a:t> the center of each bounding box in the two resultant images.</a:t>
             </a:r>
             <a:endParaRPr/>
           </a:p>
           <a:p>
-            <a:pPr marL="0" lvl="0" indent="0" algn="l" rtl="0">
+            <a:pPr indent="0" lvl="0" marL="0" rtl="0" algn="l">
               <a:spcBef>
                 <a:spcPts val="1200"/>
               </a:spcBef>
@@ -11374,6 +11253,9 @@
               </a:spcAft>
               <a:buNone/>
             </a:pPr>
+            <a:r>
+              <a:t/>
+            </a:r>
             <a:endParaRPr u="sng"/>
           </a:p>
         </p:txBody>
@@ -11388,7 +11270,7 @@
           <a:blip r:embed="rId3">
             <a:alphaModFix/>
           </a:blip>
-          <a:srcRect t="6886" b="2738"/>
+          <a:srcRect b="2738" l="0" r="0" t="6886"/>
           <a:stretch/>
         </p:blipFill>
         <p:spPr>
@@ -11415,7 +11297,7 @@
           <a:blip r:embed="rId4">
             <a:alphaModFix/>
           </a:blip>
-          <a:srcRect t="5953"/>
+          <a:srcRect b="0" l="0" r="0" t="5953"/>
           <a:stretch/>
         </p:blipFill>
         <p:spPr>
@@ -11441,11 +11323,11 @@
 </file>
 
 <file path=ppt/slides/slide2.xml><?xml version="1.0" encoding="utf-8"?>
-<p:sld xmlns:a="http://schemas.openxmlformats.org/drawingml/2006/main" xmlns:r="http://schemas.openxmlformats.org/officeDocument/2006/relationships" xmlns:p="http://schemas.openxmlformats.org/presentationml/2006/main">
+<p:sld xmlns:a="http://schemas.openxmlformats.org/drawingml/2006/main" xmlns:r="http://schemas.openxmlformats.org/officeDocument/2006/relationships" xmlns:mc="http://schemas.openxmlformats.org/markup-compatibility/2006" xmlns:mv="urn:schemas-microsoft-com:mac:vml" xmlns:p="http://schemas.openxmlformats.org/presentationml/2006/main" xmlns:c="http://schemas.openxmlformats.org/drawingml/2006/chart" xmlns:dgm="http://schemas.openxmlformats.org/drawingml/2006/diagram" xmlns:o="urn:schemas-microsoft-com:office:office" xmlns:v="urn:schemas-microsoft-com:vml" xmlns:pvml="urn:schemas-microsoft-com:office:powerpoint" xmlns:com="http://schemas.openxmlformats.org/drawingml/2006/compatibility" xmlns:p14="http://schemas.microsoft.com/office/powerpoint/2010/main" xmlns:p15="http://schemas.microsoft.com/office/powerpoint/2012/main" xmlns:ahyp="http://schemas.microsoft.com/office/drawing/2018/hyperlinkcolor">
   <p:cSld>
     <p:spTree>
       <p:nvGrpSpPr>
-        <p:cNvPr id="1" name="Shape 71"/>
+        <p:cNvPr id="71" name="Shape 71"/>
         <p:cNvGrpSpPr/>
         <p:nvPr/>
       </p:nvGrpSpPr>
@@ -11460,9 +11342,7 @@
       <p:sp>
         <p:nvSpPr>
           <p:cNvPr id="72" name="Google Shape;72;p14"/>
-          <p:cNvSpPr txBox="1">
-            <a:spLocks noGrp="1"/>
-          </p:cNvSpPr>
+          <p:cNvSpPr txBox="1"/>
           <p:nvPr>
             <p:ph type="title"/>
           </p:nvPr>
@@ -11477,12 +11357,12 @@
           </a:prstGeom>
         </p:spPr>
         <p:txBody>
-          <a:bodyPr spcFirstLastPara="1" wrap="square" lIns="91425" tIns="91425" rIns="91425" bIns="91425" anchor="t" anchorCtr="0">
+          <a:bodyPr anchorCtr="0" anchor="t" bIns="91425" lIns="91425" spcFirstLastPara="1" rIns="91425" wrap="square" tIns="91425">
             <a:normAutofit fontScale="90000"/>
           </a:bodyPr>
           <a:lstStyle/>
           <a:p>
-            <a:pPr marL="0" lvl="0" indent="0" algn="l" rtl="0">
+            <a:pPr indent="0" lvl="0" marL="0" rtl="0" algn="l">
               <a:spcBef>
                 <a:spcPts val="0"/>
               </a:spcBef>
@@ -11502,11 +11382,9 @@
       <p:sp>
         <p:nvSpPr>
           <p:cNvPr id="73" name="Google Shape;73;p14"/>
-          <p:cNvSpPr txBox="1">
-            <a:spLocks noGrp="1"/>
-          </p:cNvSpPr>
+          <p:cNvSpPr txBox="1"/>
           <p:nvPr>
-            <p:ph type="body" idx="1"/>
+            <p:ph idx="1" type="body"/>
           </p:nvPr>
         </p:nvSpPr>
         <p:spPr>
@@ -11519,12 +11397,12 @@
           </a:prstGeom>
         </p:spPr>
         <p:txBody>
-          <a:bodyPr spcFirstLastPara="1" wrap="square" lIns="91425" tIns="91425" rIns="91425" bIns="91425" anchor="t" anchorCtr="0">
+          <a:bodyPr anchorCtr="0" anchor="t" bIns="91425" lIns="91425" spcFirstLastPara="1" rIns="91425" wrap="square" tIns="91425">
             <a:normAutofit/>
           </a:bodyPr>
           <a:lstStyle/>
           <a:p>
-            <a:pPr marL="457200" lvl="0" indent="-342900" algn="l" rtl="0">
+            <a:pPr indent="-342900" lvl="0" marL="457200" rtl="0" algn="l">
               <a:spcBef>
                 <a:spcPts val="0"/>
               </a:spcBef>
@@ -11552,7 +11430,7 @@
             </a:endParaRPr>
           </a:p>
           <a:p>
-            <a:pPr marL="457200" lvl="0" indent="-342900" algn="l" rtl="0">
+            <a:pPr indent="-342900" lvl="0" marL="457200" rtl="0" algn="l">
               <a:spcBef>
                 <a:spcPts val="0"/>
               </a:spcBef>
@@ -11580,7 +11458,7 @@
             </a:endParaRPr>
           </a:p>
           <a:p>
-            <a:pPr marL="457200" marR="0" lvl="0" indent="-342900" algn="just" rtl="0">
+            <a:pPr indent="-342900" lvl="0" marL="457200" marR="0" rtl="0" algn="just">
               <a:lnSpc>
                 <a:spcPct val="130000"/>
               </a:lnSpc>
@@ -11611,7 +11489,7 @@
             </a:endParaRPr>
           </a:p>
           <a:p>
-            <a:pPr marL="457200" marR="0" lvl="0" indent="-342900" algn="just" rtl="0">
+            <a:pPr indent="-342900" lvl="0" marL="457200" marR="0" rtl="0" algn="just">
               <a:lnSpc>
                 <a:spcPct val="130000"/>
               </a:lnSpc>
@@ -11642,7 +11520,7 @@
             </a:endParaRPr>
           </a:p>
           <a:p>
-            <a:pPr marL="457200" marR="0" lvl="0" indent="-342900" algn="just" rtl="0">
+            <a:pPr indent="-342900" lvl="0" marL="457200" marR="0" rtl="0" algn="just">
               <a:lnSpc>
                 <a:spcPct val="130000"/>
               </a:lnSpc>
@@ -11673,7 +11551,7 @@
             </a:endParaRPr>
           </a:p>
           <a:p>
-            <a:pPr marL="457200" marR="0" lvl="0" indent="-342900" algn="just" rtl="0">
+            <a:pPr indent="-342900" lvl="0" marL="457200" marR="0" rtl="0" algn="just">
               <a:lnSpc>
                 <a:spcPct val="130000"/>
               </a:lnSpc>
@@ -11704,7 +11582,7 @@
             </a:endParaRPr>
           </a:p>
           <a:p>
-            <a:pPr marL="457200" marR="0" lvl="0" indent="-342900" algn="just" rtl="0">
+            <a:pPr indent="-342900" lvl="0" marL="457200" marR="0" rtl="0" algn="just">
               <a:lnSpc>
                 <a:spcPct val="130000"/>
               </a:lnSpc>
@@ -11735,7 +11613,7 @@
             </a:endParaRPr>
           </a:p>
           <a:p>
-            <a:pPr marL="457200" marR="0" lvl="0" indent="-342900" algn="just" rtl="0">
+            <a:pPr indent="-342900" lvl="0" marL="457200" marR="0" rtl="0" algn="just">
               <a:lnSpc>
                 <a:spcPct val="130000"/>
               </a:lnSpc>
@@ -11766,7 +11644,7 @@
             </a:endParaRPr>
           </a:p>
           <a:p>
-            <a:pPr marL="457200" marR="0" lvl="0" indent="-342900" algn="just" rtl="0">
+            <a:pPr indent="-342900" lvl="0" marL="457200" marR="0" rtl="0" algn="just">
               <a:lnSpc>
                 <a:spcPct val="130000"/>
               </a:lnSpc>
@@ -11807,11 +11685,11 @@
 </file>
 
 <file path=ppt/slides/slide20.xml><?xml version="1.0" encoding="utf-8"?>
-<p:sld xmlns:a="http://schemas.openxmlformats.org/drawingml/2006/main" xmlns:r="http://schemas.openxmlformats.org/officeDocument/2006/relationships" xmlns:p="http://schemas.openxmlformats.org/presentationml/2006/main">
+<p:sld xmlns:a="http://schemas.openxmlformats.org/drawingml/2006/main" xmlns:r="http://schemas.openxmlformats.org/officeDocument/2006/relationships" xmlns:mc="http://schemas.openxmlformats.org/markup-compatibility/2006" xmlns:mv="urn:schemas-microsoft-com:mac:vml" xmlns:p="http://schemas.openxmlformats.org/presentationml/2006/main" xmlns:c="http://schemas.openxmlformats.org/drawingml/2006/chart" xmlns:dgm="http://schemas.openxmlformats.org/drawingml/2006/diagram" xmlns:o="urn:schemas-microsoft-com:office:office" xmlns:v="urn:schemas-microsoft-com:vml" xmlns:pvml="urn:schemas-microsoft-com:office:powerpoint" xmlns:com="http://schemas.openxmlformats.org/drawingml/2006/compatibility" xmlns:p14="http://schemas.microsoft.com/office/powerpoint/2010/main" xmlns:p15="http://schemas.microsoft.com/office/powerpoint/2012/main" xmlns:ahyp="http://schemas.microsoft.com/office/drawing/2018/hyperlinkcolor">
   <p:cSld>
     <p:spTree>
       <p:nvGrpSpPr>
-        <p:cNvPr id="1" name="Shape 229"/>
+        <p:cNvPr id="229" name="Shape 229"/>
         <p:cNvGrpSpPr/>
         <p:nvPr/>
       </p:nvGrpSpPr>
@@ -11826,9 +11704,7 @@
       <p:sp>
         <p:nvSpPr>
           <p:cNvPr id="230" name="Google Shape;230;p32"/>
-          <p:cNvSpPr txBox="1">
-            <a:spLocks noGrp="1"/>
-          </p:cNvSpPr>
+          <p:cNvSpPr txBox="1"/>
           <p:nvPr>
             <p:ph type="title"/>
           </p:nvPr>
@@ -11843,12 +11719,12 @@
           </a:prstGeom>
         </p:spPr>
         <p:txBody>
-          <a:bodyPr spcFirstLastPara="1" wrap="square" lIns="91425" tIns="91425" rIns="91425" bIns="91425" anchor="t" anchorCtr="0">
+          <a:bodyPr anchorCtr="0" anchor="t" bIns="91425" lIns="91425" spcFirstLastPara="1" rIns="91425" wrap="square" tIns="91425">
             <a:normAutofit fontScale="90000"/>
           </a:bodyPr>
           <a:lstStyle/>
           <a:p>
-            <a:pPr marL="0" lvl="0" indent="0" algn="l" rtl="0">
+            <a:pPr indent="0" lvl="0" marL="0" rtl="0" algn="l">
               <a:spcBef>
                 <a:spcPts val="0"/>
               </a:spcBef>
@@ -11864,15 +11740,18 @@
             <a:endParaRPr/>
           </a:p>
           <a:p>
-            <a:pPr marL="0" lvl="0" indent="0" algn="l" rtl="0">
-              <a:spcBef>
-                <a:spcPts val="0"/>
-              </a:spcBef>
-              <a:spcAft>
-                <a:spcPts val="0"/>
-              </a:spcAft>
-              <a:buNone/>
-            </a:pPr>
+            <a:pPr indent="0" lvl="0" marL="0" rtl="0" algn="l">
+              <a:spcBef>
+                <a:spcPts val="0"/>
+              </a:spcBef>
+              <a:spcAft>
+                <a:spcPts val="0"/>
+              </a:spcAft>
+              <a:buNone/>
+            </a:pPr>
+            <a:r>
+              <a:t/>
+            </a:r>
             <a:endParaRPr/>
           </a:p>
         </p:txBody>
@@ -11880,11 +11759,9 @@
       <p:sp>
         <p:nvSpPr>
           <p:cNvPr id="231" name="Google Shape;231;p32"/>
-          <p:cNvSpPr txBox="1">
-            <a:spLocks noGrp="1"/>
-          </p:cNvSpPr>
+          <p:cNvSpPr txBox="1"/>
           <p:nvPr>
-            <p:ph type="body" idx="1"/>
+            <p:ph idx="1" type="body"/>
           </p:nvPr>
         </p:nvSpPr>
         <p:spPr>
@@ -11897,12 +11774,12 @@
           </a:prstGeom>
         </p:spPr>
         <p:txBody>
-          <a:bodyPr spcFirstLastPara="1" wrap="square" lIns="91425" tIns="91425" rIns="91425" bIns="91425" anchor="t" anchorCtr="0">
+          <a:bodyPr anchorCtr="0" anchor="t" bIns="91425" lIns="91425" spcFirstLastPara="1" rIns="91425" wrap="square" tIns="91425">
             <a:normAutofit/>
           </a:bodyPr>
           <a:lstStyle/>
           <a:p>
-            <a:pPr marL="457200" marR="0" lvl="0" indent="-336550" algn="just" rtl="0">
+            <a:pPr indent="-336550" lvl="0" marL="457200" marR="0" rtl="0" algn="just">
               <a:lnSpc>
                 <a:spcPct val="130000"/>
               </a:lnSpc>
@@ -11933,7 +11810,7 @@
             </a:endParaRPr>
           </a:p>
           <a:p>
-            <a:pPr marL="0" marR="0" lvl="0" indent="0" algn="just" rtl="0">
+            <a:pPr indent="0" lvl="0" marL="0" marR="0" rtl="0" algn="just">
               <a:lnSpc>
                 <a:spcPct val="130000"/>
               </a:lnSpc>
@@ -11960,7 +11837,7 @@
             </a:endParaRPr>
           </a:p>
           <a:p>
-            <a:pPr marL="457200" marR="0" lvl="0" indent="-336550" algn="just" rtl="0">
+            <a:pPr indent="-336550" lvl="0" marL="457200" marR="0" rtl="0" algn="just">
               <a:lnSpc>
                 <a:spcPct val="130000"/>
               </a:lnSpc>
@@ -11991,7 +11868,7 @@
             </a:endParaRPr>
           </a:p>
           <a:p>
-            <a:pPr marL="457200" marR="0" lvl="0" indent="0" algn="just" rtl="0">
+            <a:pPr indent="0" lvl="0" marL="457200" marR="0" rtl="0" algn="just">
               <a:lnSpc>
                 <a:spcPct val="130000"/>
               </a:lnSpc>
@@ -12003,6 +11880,9 @@
               </a:spcAft>
               <a:buNone/>
             </a:pPr>
+            <a:r>
+              <a:t/>
+            </a:r>
             <a:endParaRPr sz="1700">
               <a:solidFill>
                 <a:srgbClr val="000000"/>
@@ -12010,7 +11890,7 @@
             </a:endParaRPr>
           </a:p>
           <a:p>
-            <a:pPr marL="0" marR="0" lvl="0" indent="0" algn="just" rtl="0">
+            <a:pPr indent="0" lvl="0" marL="0" marR="0" rtl="0" algn="just">
               <a:lnSpc>
                 <a:spcPct val="130000"/>
               </a:lnSpc>
@@ -12022,6 +11902,9 @@
               </a:spcAft>
               <a:buNone/>
             </a:pPr>
+            <a:r>
+              <a:t/>
+            </a:r>
             <a:endParaRPr sz="1700">
               <a:solidFill>
                 <a:srgbClr val="000000"/>
@@ -12048,27 +11931,9 @@
                 <a:tableStyleId>{88DA4698-9138-48C2-9BAC-1F806C6FD7DD}</a:tableStyleId>
               </a:tblPr>
               <a:tblGrid>
-                <a:gridCol w="2413000">
-                  <a:extLst>
-                    <a:ext uri="{9D8B030D-6E8A-4147-A177-3AD203B41FA5}">
-                      <a16:colId xmlns:a16="http://schemas.microsoft.com/office/drawing/2014/main" val="20000"/>
-                    </a:ext>
-                  </a:extLst>
-                </a:gridCol>
-                <a:gridCol w="2413000">
-                  <a:extLst>
-                    <a:ext uri="{9D8B030D-6E8A-4147-A177-3AD203B41FA5}">
-                      <a16:colId xmlns:a16="http://schemas.microsoft.com/office/drawing/2014/main" val="20001"/>
-                    </a:ext>
-                  </a:extLst>
-                </a:gridCol>
-                <a:gridCol w="2413000">
-                  <a:extLst>
-                    <a:ext uri="{9D8B030D-6E8A-4147-A177-3AD203B41FA5}">
-                      <a16:colId xmlns:a16="http://schemas.microsoft.com/office/drawing/2014/main" val="20002"/>
-                    </a:ext>
-                  </a:extLst>
-                </a:gridCol>
+                <a:gridCol w="2413000"/>
+                <a:gridCol w="2413000"/>
+                <a:gridCol w="2413000"/>
               </a:tblGrid>
               <a:tr h="381000">
                 <a:tc>
@@ -12076,26 +11941,7 @@
                     <a:bodyPr/>
                     <a:lstStyle/>
                     <a:p>
-                      <a:pPr marL="0" lvl="0" indent="0" algn="l" rtl="0">
-                        <a:spcBef>
-                          <a:spcPts val="0"/>
-                        </a:spcBef>
-                        <a:spcAft>
-                          <a:spcPts val="0"/>
-                        </a:spcAft>
-                        <a:buNone/>
-                      </a:pPr>
-                      <a:endParaRPr/>
-                    </a:p>
-                  </a:txBody>
-                  <a:tcPr marL="91425" marR="91425" marT="91425" marB="91425"/>
-                </a:tc>
-                <a:tc>
-                  <a:txBody>
-                    <a:bodyPr/>
-                    <a:lstStyle/>
-                    <a:p>
-                      <a:pPr marL="0" lvl="0" indent="0" algn="l" rtl="0">
+                      <a:pPr indent="0" lvl="0" marL="0" rtl="0" algn="l">
                         <a:spcBef>
                           <a:spcPts val="0"/>
                         </a:spcBef>
@@ -12105,20 +11951,19 @@
                         <a:buNone/>
                       </a:pPr>
                       <a:r>
-                        <a:rPr lang="en" sz="1100" b="1"/>
-                        <a:t>OBJECTS</a:t>
+                        <a:t/>
                       </a:r>
                       <a:endParaRPr/>
                     </a:p>
                   </a:txBody>
-                  <a:tcPr marL="91425" marR="91425" marT="91425" marB="91425"/>
+                  <a:tcPr marT="91425" marB="91425" marR="91425" marL="91425"/>
                 </a:tc>
                 <a:tc>
                   <a:txBody>
                     <a:bodyPr/>
                     <a:lstStyle/>
                     <a:p>
-                      <a:pPr marL="0" lvl="0" indent="0" algn="l" rtl="0">
+                      <a:pPr indent="0" lvl="0" marL="0" rtl="0" algn="l">
                         <a:spcBef>
                           <a:spcPts val="0"/>
                         </a:spcBef>
@@ -12128,27 +11973,20 @@
                         <a:buNone/>
                       </a:pPr>
                       <a:r>
-                        <a:rPr lang="en" sz="1100" b="1"/>
-                        <a:t>CLUTTERS</a:t>
+                        <a:rPr b="1" lang="en" sz="1100"/>
+                        <a:t>OBJECTS</a:t>
                       </a:r>
                       <a:endParaRPr/>
                     </a:p>
                   </a:txBody>
-                  <a:tcPr marL="91425" marR="91425" marT="91425" marB="91425"/>
+                  <a:tcPr marT="91425" marB="91425" marR="91425" marL="91425"/>
                 </a:tc>
-                <a:extLst>
-                  <a:ext uri="{0D108BD9-81ED-4DB2-BD59-A6C34878D82A}">
-                    <a16:rowId xmlns:a16="http://schemas.microsoft.com/office/drawing/2014/main" val="10000"/>
-                  </a:ext>
-                </a:extLst>
-              </a:tr>
-              <a:tr h="381000">
                 <a:tc>
                   <a:txBody>
                     <a:bodyPr/>
                     <a:lstStyle/>
                     <a:p>
-                      <a:pPr marL="0" lvl="0" indent="0" algn="l" rtl="0">
+                      <a:pPr indent="0" lvl="0" marL="0" rtl="0" algn="l">
                         <a:spcBef>
                           <a:spcPts val="0"/>
                         </a:spcBef>
@@ -12158,20 +11996,45 @@
                         <a:buNone/>
                       </a:pPr>
                       <a:r>
-                        <a:rPr lang="en" sz="1100" b="1"/>
+                        <a:rPr b="1" lang="en" sz="1100"/>
+                        <a:t>CLUTTERS</a:t>
+                      </a:r>
+                      <a:endParaRPr/>
+                    </a:p>
+                  </a:txBody>
+                  <a:tcPr marT="91425" marB="91425" marR="91425" marL="91425"/>
+                </a:tc>
+              </a:tr>
+              <a:tr h="381000">
+                <a:tc>
+                  <a:txBody>
+                    <a:bodyPr/>
+                    <a:lstStyle/>
+                    <a:p>
+                      <a:pPr indent="0" lvl="0" marL="0" rtl="0" algn="l">
+                        <a:spcBef>
+                          <a:spcPts val="0"/>
+                        </a:spcBef>
+                        <a:spcAft>
+                          <a:spcPts val="0"/>
+                        </a:spcAft>
+                        <a:buNone/>
+                      </a:pPr>
+                      <a:r>
+                        <a:rPr b="1" lang="en" sz="1100"/>
                         <a:t>OBJECTS</a:t>
                       </a:r>
                       <a:endParaRPr/>
                     </a:p>
                   </a:txBody>
-                  <a:tcPr marL="91425" marR="91425" marT="91425" marB="91425"/>
+                  <a:tcPr marT="91425" marB="91425" marR="91425" marL="91425"/>
                 </a:tc>
                 <a:tc>
                   <a:txBody>
                     <a:bodyPr/>
                     <a:lstStyle/>
                     <a:p>
-                      <a:pPr marL="0" lvl="0" indent="0" algn="l" rtl="0">
+                      <a:pPr indent="0" lvl="0" marL="0" rtl="0" algn="l">
                         <a:spcBef>
                           <a:spcPts val="0"/>
                         </a:spcBef>
@@ -12187,14 +12050,14 @@
                       <a:endParaRPr/>
                     </a:p>
                   </a:txBody>
-                  <a:tcPr marL="91425" marR="91425" marT="91425" marB="91425"/>
+                  <a:tcPr marT="91425" marB="91425" marR="91425" marL="91425"/>
                 </a:tc>
                 <a:tc>
                   <a:txBody>
                     <a:bodyPr/>
                     <a:lstStyle/>
                     <a:p>
-                      <a:pPr marL="0" lvl="0" indent="0" algn="l" rtl="0">
+                      <a:pPr indent="0" lvl="0" marL="0" rtl="0" algn="l">
                         <a:spcBef>
                           <a:spcPts val="0"/>
                         </a:spcBef>
@@ -12210,13 +12073,8 @@
                       <a:endParaRPr/>
                     </a:p>
                   </a:txBody>
-                  <a:tcPr marL="91425" marR="91425" marT="91425" marB="91425"/>
+                  <a:tcPr marT="91425" marB="91425" marR="91425" marL="91425"/>
                 </a:tc>
-                <a:extLst>
-                  <a:ext uri="{0D108BD9-81ED-4DB2-BD59-A6C34878D82A}">
-                    <a16:rowId xmlns:a16="http://schemas.microsoft.com/office/drawing/2014/main" val="10001"/>
-                  </a:ext>
-                </a:extLst>
               </a:tr>
               <a:tr h="381000">
                 <a:tc>
@@ -12224,7 +12082,7 @@
                     <a:bodyPr/>
                     <a:lstStyle/>
                     <a:p>
-                      <a:pPr marL="0" lvl="0" indent="0" algn="l" rtl="0">
+                      <a:pPr indent="0" lvl="0" marL="0" rtl="0" algn="l">
                         <a:spcBef>
                           <a:spcPts val="0"/>
                         </a:spcBef>
@@ -12234,20 +12092,20 @@
                         <a:buNone/>
                       </a:pPr>
                       <a:r>
-                        <a:rPr lang="en" sz="1100" b="1"/>
+                        <a:rPr b="1" lang="en" sz="1100"/>
                         <a:t>CLUTTERS</a:t>
                       </a:r>
                       <a:endParaRPr/>
                     </a:p>
                   </a:txBody>
-                  <a:tcPr marL="91425" marR="91425" marT="91425" marB="91425"/>
+                  <a:tcPr marT="91425" marB="91425" marR="91425" marL="91425"/>
                 </a:tc>
                 <a:tc>
                   <a:txBody>
                     <a:bodyPr/>
                     <a:lstStyle/>
                     <a:p>
-                      <a:pPr marL="0" lvl="0" indent="0" algn="l" rtl="0">
+                      <a:pPr indent="0" lvl="0" marL="0" rtl="0" algn="l">
                         <a:spcBef>
                           <a:spcPts val="0"/>
                         </a:spcBef>
@@ -12263,14 +12121,14 @@
                       <a:endParaRPr/>
                     </a:p>
                   </a:txBody>
-                  <a:tcPr marL="91425" marR="91425" marT="91425" marB="91425"/>
+                  <a:tcPr marT="91425" marB="91425" marR="91425" marL="91425"/>
                 </a:tc>
                 <a:tc>
                   <a:txBody>
                     <a:bodyPr/>
                     <a:lstStyle/>
                     <a:p>
-                      <a:pPr marL="0" lvl="0" indent="0" algn="l" rtl="0">
+                      <a:pPr indent="0" lvl="0" marL="0" rtl="0" algn="l">
                         <a:spcBef>
                           <a:spcPts val="0"/>
                         </a:spcBef>
@@ -12286,13 +12144,8 @@
                       <a:endParaRPr/>
                     </a:p>
                   </a:txBody>
-                  <a:tcPr marL="91425" marR="91425" marT="91425" marB="91425"/>
+                  <a:tcPr marT="91425" marB="91425" marR="91425" marL="91425"/>
                 </a:tc>
-                <a:extLst>
-                  <a:ext uri="{0D108BD9-81ED-4DB2-BD59-A6C34878D82A}">
-                    <a16:rowId xmlns:a16="http://schemas.microsoft.com/office/drawing/2014/main" val="10002"/>
-                  </a:ext>
-                </a:extLst>
               </a:tr>
             </a:tbl>
           </a:graphicData>
@@ -12307,11 +12160,11 @@
 </file>
 
 <file path=ppt/slides/slide21.xml><?xml version="1.0" encoding="utf-8"?>
-<p:sld xmlns:a="http://schemas.openxmlformats.org/drawingml/2006/main" xmlns:r="http://schemas.openxmlformats.org/officeDocument/2006/relationships" xmlns:p="http://schemas.openxmlformats.org/presentationml/2006/main">
+<p:sld xmlns:a="http://schemas.openxmlformats.org/drawingml/2006/main" xmlns:r="http://schemas.openxmlformats.org/officeDocument/2006/relationships" xmlns:mc="http://schemas.openxmlformats.org/markup-compatibility/2006" xmlns:mv="urn:schemas-microsoft-com:mac:vml" xmlns:p="http://schemas.openxmlformats.org/presentationml/2006/main" xmlns:c="http://schemas.openxmlformats.org/drawingml/2006/chart" xmlns:dgm="http://schemas.openxmlformats.org/drawingml/2006/diagram" xmlns:o="urn:schemas-microsoft-com:office:office" xmlns:v="urn:schemas-microsoft-com:vml" xmlns:pvml="urn:schemas-microsoft-com:office:powerpoint" xmlns:com="http://schemas.openxmlformats.org/drawingml/2006/compatibility" xmlns:p14="http://schemas.microsoft.com/office/powerpoint/2010/main" xmlns:p15="http://schemas.microsoft.com/office/powerpoint/2012/main" xmlns:ahyp="http://schemas.microsoft.com/office/drawing/2018/hyperlinkcolor">
   <p:cSld>
     <p:spTree>
       <p:nvGrpSpPr>
-        <p:cNvPr id="1" name="Shape 236"/>
+        <p:cNvPr id="236" name="Shape 236"/>
         <p:cNvGrpSpPr/>
         <p:nvPr/>
       </p:nvGrpSpPr>
@@ -12326,9 +12179,7 @@
       <p:sp>
         <p:nvSpPr>
           <p:cNvPr id="237" name="Google Shape;237;p33"/>
-          <p:cNvSpPr txBox="1">
-            <a:spLocks noGrp="1"/>
-          </p:cNvSpPr>
+          <p:cNvSpPr txBox="1"/>
           <p:nvPr>
             <p:ph type="title"/>
           </p:nvPr>
@@ -12343,12 +12194,12 @@
           </a:prstGeom>
         </p:spPr>
         <p:txBody>
-          <a:bodyPr spcFirstLastPara="1" wrap="square" lIns="91425" tIns="91425" rIns="91425" bIns="91425" anchor="t" anchorCtr="0">
+          <a:bodyPr anchorCtr="0" anchor="t" bIns="91425" lIns="91425" spcFirstLastPara="1" rIns="91425" wrap="square" tIns="91425">
             <a:normAutofit fontScale="90000"/>
           </a:bodyPr>
           <a:lstStyle/>
           <a:p>
-            <a:pPr marL="0" lvl="0" indent="0" algn="l" rtl="0">
+            <a:pPr indent="0" lvl="0" marL="0" rtl="0" algn="l">
               <a:spcBef>
                 <a:spcPts val="0"/>
               </a:spcBef>
@@ -12364,15 +12215,18 @@
             <a:endParaRPr/>
           </a:p>
           <a:p>
-            <a:pPr marL="0" lvl="0" indent="0" algn="l" rtl="0">
-              <a:spcBef>
-                <a:spcPts val="0"/>
-              </a:spcBef>
-              <a:spcAft>
-                <a:spcPts val="0"/>
-              </a:spcAft>
-              <a:buNone/>
-            </a:pPr>
+            <a:pPr indent="0" lvl="0" marL="0" rtl="0" algn="l">
+              <a:spcBef>
+                <a:spcPts val="0"/>
+              </a:spcBef>
+              <a:spcAft>
+                <a:spcPts val="0"/>
+              </a:spcAft>
+              <a:buNone/>
+            </a:pPr>
+            <a:r>
+              <a:t/>
+            </a:r>
             <a:endParaRPr/>
           </a:p>
         </p:txBody>
@@ -12380,11 +12234,9 @@
       <p:sp>
         <p:nvSpPr>
           <p:cNvPr id="238" name="Google Shape;238;p33"/>
-          <p:cNvSpPr txBox="1">
-            <a:spLocks noGrp="1"/>
-          </p:cNvSpPr>
+          <p:cNvSpPr txBox="1"/>
           <p:nvPr>
-            <p:ph type="body" idx="1"/>
+            <p:ph idx="1" type="body"/>
           </p:nvPr>
         </p:nvSpPr>
         <p:spPr>
@@ -12397,12 +12249,12 @@
           </a:prstGeom>
         </p:spPr>
         <p:txBody>
-          <a:bodyPr spcFirstLastPara="1" wrap="square" lIns="91425" tIns="91425" rIns="91425" bIns="91425" anchor="t" anchorCtr="0">
+          <a:bodyPr anchorCtr="0" anchor="t" bIns="91425" lIns="91425" spcFirstLastPara="1" rIns="91425" wrap="square" tIns="91425">
             <a:normAutofit/>
           </a:bodyPr>
           <a:lstStyle/>
           <a:p>
-            <a:pPr marL="0" lvl="0" indent="0" algn="l" rtl="0">
+            <a:pPr indent="0" lvl="0" marL="0" rtl="0" algn="l">
               <a:spcBef>
                 <a:spcPts val="0"/>
               </a:spcBef>
@@ -12411,6 +12263,9 @@
               </a:spcAft>
               <a:buNone/>
             </a:pPr>
+            <a:r>
+              <a:t/>
+            </a:r>
             <a:endParaRPr/>
           </a:p>
         </p:txBody>
@@ -12425,7 +12280,7 @@
           <a:blip r:embed="rId3">
             <a:alphaModFix/>
           </a:blip>
-          <a:srcRect l="61454" t="42283" r="33355" b="51760"/>
+          <a:srcRect b="51760" l="61454" r="33355" t="42283"/>
           <a:stretch/>
         </p:blipFill>
         <p:spPr>
@@ -12452,7 +12307,7 @@
           <a:blip r:embed="rId4">
             <a:alphaModFix/>
           </a:blip>
-          <a:srcRect l="62801" t="43191" r="34817" b="52615"/>
+          <a:srcRect b="52615" l="62801" r="34817" t="43191"/>
           <a:stretch/>
         </p:blipFill>
         <p:spPr>
@@ -12479,7 +12334,7 @@
           <a:blip r:embed="rId5">
             <a:alphaModFix/>
           </a:blip>
-          <a:srcRect l="61641" t="42011" r="9061" b="22852"/>
+          <a:srcRect b="22852" l="61641" r="9061" t="42011"/>
           <a:stretch/>
         </p:blipFill>
         <p:spPr>
@@ -12505,7 +12360,7 @@
           <p:nvPr/>
         </p:nvCxnSpPr>
         <p:spPr>
-          <a:xfrm rot="10800000" flipH="1">
+          <a:xfrm flipH="1" rot="10800000">
             <a:off x="4271075" y="2323062"/>
             <a:ext cx="841800" cy="447600"/>
           </a:xfrm>
@@ -12513,14 +12368,14 @@
             <a:avLst/>
           </a:prstGeom>
           <a:noFill/>
-          <a:ln w="9525" cap="flat" cmpd="sng">
+          <a:ln cap="flat" cmpd="sng" w="9525">
             <a:solidFill>
               <a:schemeClr val="dk2"/>
             </a:solidFill>
             <a:prstDash val="solid"/>
             <a:round/>
-            <a:headEnd type="none" w="med" len="med"/>
-            <a:tailEnd type="triangle" w="med" len="med"/>
+            <a:headEnd len="med" w="med" type="none"/>
+            <a:tailEnd len="med" w="med" type="triangle"/>
           </a:ln>
         </p:spPr>
       </p:cxnSp>
@@ -12542,14 +12397,14 @@
             <a:avLst/>
           </a:prstGeom>
           <a:noFill/>
-          <a:ln w="9525" cap="flat" cmpd="sng">
+          <a:ln cap="flat" cmpd="sng" w="9525">
             <a:solidFill>
               <a:schemeClr val="dk2"/>
             </a:solidFill>
             <a:prstDash val="solid"/>
             <a:round/>
-            <a:headEnd type="none" w="med" len="med"/>
-            <a:tailEnd type="triangle" w="med" len="med"/>
+            <a:headEnd len="med" w="med" type="none"/>
+            <a:tailEnd len="med" w="med" type="triangle"/>
           </a:ln>
         </p:spPr>
       </p:cxnSp>
@@ -12570,14 +12425,14 @@
             <a:avLst/>
           </a:prstGeom>
           <a:noFill/>
-          <a:ln w="9525" cap="flat" cmpd="sng">
+          <a:ln cap="flat" cmpd="sng" w="9525">
             <a:solidFill>
               <a:schemeClr val="dk2"/>
             </a:solidFill>
             <a:prstDash val="solid"/>
             <a:round/>
-            <a:headEnd type="none" w="med" len="med"/>
-            <a:tailEnd type="triangle" w="med" len="med"/>
+            <a:headEnd len="med" w="med" type="none"/>
+            <a:tailEnd len="med" w="med" type="triangle"/>
           </a:ln>
         </p:spPr>
       </p:cxnSp>
@@ -12596,14 +12451,14 @@
             <a:avLst/>
           </a:prstGeom>
           <a:noFill/>
-          <a:ln w="9525" cap="flat" cmpd="sng">
+          <a:ln cap="flat" cmpd="sng" w="9525">
             <a:solidFill>
               <a:schemeClr val="dk2"/>
             </a:solidFill>
             <a:prstDash val="solid"/>
             <a:round/>
-            <a:headEnd type="none" w="med" len="med"/>
-            <a:tailEnd type="triangle" w="med" len="med"/>
+            <a:headEnd len="med" w="med" type="none"/>
+            <a:tailEnd len="med" w="med" type="triangle"/>
           </a:ln>
         </p:spPr>
       </p:cxnSp>
@@ -12617,7 +12472,7 @@
           <a:blip r:embed="rId6">
             <a:alphaModFix/>
           </a:blip>
-          <a:srcRect l="61308" t="39643" r="9395" b="20752"/>
+          <a:srcRect b="20752" l="61308" r="9395" t="39643"/>
           <a:stretch/>
         </p:blipFill>
         <p:spPr>
@@ -12643,11 +12498,11 @@
 </file>
 
 <file path=ppt/slides/slide22.xml><?xml version="1.0" encoding="utf-8"?>
-<p:sld xmlns:a="http://schemas.openxmlformats.org/drawingml/2006/main" xmlns:r="http://schemas.openxmlformats.org/officeDocument/2006/relationships" xmlns:p="http://schemas.openxmlformats.org/presentationml/2006/main">
+<p:sld xmlns:a="http://schemas.openxmlformats.org/drawingml/2006/main" xmlns:r="http://schemas.openxmlformats.org/officeDocument/2006/relationships" xmlns:mc="http://schemas.openxmlformats.org/markup-compatibility/2006" xmlns:mv="urn:schemas-microsoft-com:mac:vml" xmlns:p="http://schemas.openxmlformats.org/presentationml/2006/main" xmlns:c="http://schemas.openxmlformats.org/drawingml/2006/chart" xmlns:dgm="http://schemas.openxmlformats.org/drawingml/2006/diagram" xmlns:o="urn:schemas-microsoft-com:office:office" xmlns:v="urn:schemas-microsoft-com:vml" xmlns:pvml="urn:schemas-microsoft-com:office:powerpoint" xmlns:com="http://schemas.openxmlformats.org/drawingml/2006/compatibility" xmlns:p14="http://schemas.microsoft.com/office/powerpoint/2010/main" xmlns:p15="http://schemas.microsoft.com/office/powerpoint/2012/main" xmlns:ahyp="http://schemas.microsoft.com/office/drawing/2018/hyperlinkcolor">
   <p:cSld>
     <p:spTree>
       <p:nvGrpSpPr>
-        <p:cNvPr id="1" name="Shape 250"/>
+        <p:cNvPr id="250" name="Shape 250"/>
         <p:cNvGrpSpPr/>
         <p:nvPr/>
       </p:nvGrpSpPr>
@@ -12662,9 +12517,7 @@
       <p:sp>
         <p:nvSpPr>
           <p:cNvPr id="251" name="Google Shape;251;p34"/>
-          <p:cNvSpPr txBox="1">
-            <a:spLocks noGrp="1"/>
-          </p:cNvSpPr>
+          <p:cNvSpPr txBox="1"/>
           <p:nvPr>
             <p:ph type="title"/>
           </p:nvPr>
@@ -12679,12 +12532,12 @@
           </a:prstGeom>
         </p:spPr>
         <p:txBody>
-          <a:bodyPr spcFirstLastPara="1" wrap="square" lIns="91425" tIns="91425" rIns="91425" bIns="91425" anchor="t" anchorCtr="0">
+          <a:bodyPr anchorCtr="0" anchor="t" bIns="91425" lIns="91425" spcFirstLastPara="1" rIns="91425" wrap="square" tIns="91425">
             <a:normAutofit fontScale="90000"/>
           </a:bodyPr>
           <a:lstStyle/>
           <a:p>
-            <a:pPr marL="0" lvl="0" indent="0" algn="l" rtl="0">
+            <a:pPr indent="0" lvl="0" marL="0" rtl="0" algn="l">
               <a:spcBef>
                 <a:spcPts val="0"/>
               </a:spcBef>
@@ -12700,15 +12553,18 @@
             <a:endParaRPr/>
           </a:p>
           <a:p>
-            <a:pPr marL="0" lvl="0" indent="0" algn="l" rtl="0">
-              <a:spcBef>
-                <a:spcPts val="0"/>
-              </a:spcBef>
-              <a:spcAft>
-                <a:spcPts val="0"/>
-              </a:spcAft>
-              <a:buNone/>
-            </a:pPr>
+            <a:pPr indent="0" lvl="0" marL="0" rtl="0" algn="l">
+              <a:spcBef>
+                <a:spcPts val="0"/>
+              </a:spcBef>
+              <a:spcAft>
+                <a:spcPts val="0"/>
+              </a:spcAft>
+              <a:buNone/>
+            </a:pPr>
+            <a:r>
+              <a:t/>
+            </a:r>
             <a:endParaRPr/>
           </a:p>
         </p:txBody>
@@ -12716,11 +12572,9 @@
       <p:sp>
         <p:nvSpPr>
           <p:cNvPr id="252" name="Google Shape;252;p34"/>
-          <p:cNvSpPr txBox="1">
-            <a:spLocks noGrp="1"/>
-          </p:cNvSpPr>
+          <p:cNvSpPr txBox="1"/>
           <p:nvPr>
-            <p:ph type="body" idx="1"/>
+            <p:ph idx="1" type="body"/>
           </p:nvPr>
         </p:nvSpPr>
         <p:spPr>
@@ -12733,12 +12587,12 @@
           </a:prstGeom>
         </p:spPr>
         <p:txBody>
-          <a:bodyPr spcFirstLastPara="1" wrap="square" lIns="91425" tIns="91425" rIns="91425" bIns="91425" anchor="t" anchorCtr="0">
+          <a:bodyPr anchorCtr="0" anchor="t" bIns="91425" lIns="91425" spcFirstLastPara="1" rIns="91425" wrap="square" tIns="91425">
             <a:normAutofit lnSpcReduction="20000"/>
           </a:bodyPr>
           <a:lstStyle/>
           <a:p>
-            <a:pPr marL="0" marR="0" lvl="0" indent="0" algn="just" rtl="0">
+            <a:pPr indent="0" lvl="0" marL="0" marR="0" rtl="0" algn="just">
               <a:lnSpc>
                 <a:spcPct val="130000"/>
               </a:lnSpc>
@@ -12750,6 +12604,9 @@
               </a:spcAft>
               <a:buNone/>
             </a:pPr>
+            <a:r>
+              <a:t/>
+            </a:r>
             <a:endParaRPr>
               <a:solidFill>
                 <a:srgbClr val="000000"/>
@@ -12757,7 +12614,7 @@
             </a:endParaRPr>
           </a:p>
           <a:p>
-            <a:pPr marL="457200" marR="0" lvl="0" indent="-342900" algn="just" rtl="0">
+            <a:pPr indent="-342900" lvl="0" marL="457200" marR="0" rtl="0" algn="just">
               <a:lnSpc>
                 <a:spcPct val="130000"/>
               </a:lnSpc>
@@ -12788,7 +12645,7 @@
             </a:endParaRPr>
           </a:p>
           <a:p>
-            <a:pPr marL="457200" marR="0" lvl="0" indent="-342900" algn="just" rtl="0">
+            <a:pPr indent="-342900" lvl="0" marL="457200" marR="0" rtl="0" algn="just">
               <a:lnSpc>
                 <a:spcPct val="130000"/>
               </a:lnSpc>
@@ -12810,7 +12667,39 @@
                   <a:srgbClr val="000000"/>
                 </a:solidFill>
               </a:rPr>
-              <a:t>Can come up with good sticky objects separating algorithm such as modified watershed segmentation or segmentation algorithm based on edges as this seems to be subjective!</a:t>
+              <a:t>Can come up with good sticky </a:t>
+            </a:r>
+            <a:r>
+              <a:rPr lang="en">
+                <a:solidFill>
+                  <a:srgbClr val="000000"/>
+                </a:solidFill>
+              </a:rPr>
+              <a:t>objects</a:t>
+            </a:r>
+            <a:r>
+              <a:rPr lang="en">
+                <a:solidFill>
+                  <a:srgbClr val="000000"/>
+                </a:solidFill>
+              </a:rPr>
+              <a:t> </a:t>
+            </a:r>
+            <a:r>
+              <a:rPr lang="en">
+                <a:solidFill>
+                  <a:srgbClr val="000000"/>
+                </a:solidFill>
+              </a:rPr>
+              <a:t>separating</a:t>
+            </a:r>
+            <a:r>
+              <a:rPr lang="en">
+                <a:solidFill>
+                  <a:srgbClr val="000000"/>
+                </a:solidFill>
+              </a:rPr>
+              <a:t> algorithm such as modified watershed segmentation or segmentation algorithm based on edges as this seems to be subjective!</a:t>
             </a:r>
             <a:endParaRPr>
               <a:solidFill>
@@ -12819,7 +12708,7 @@
             </a:endParaRPr>
           </a:p>
           <a:p>
-            <a:pPr marL="457200" marR="0" lvl="0" indent="-342900" algn="just" rtl="0">
+            <a:pPr indent="-342900" lvl="0" marL="457200" marR="0" rtl="0" algn="just">
               <a:lnSpc>
                 <a:spcPct val="130000"/>
               </a:lnSpc>
@@ -12841,7 +12730,39 @@
                   <a:srgbClr val="000000"/>
                 </a:solidFill>
               </a:rPr>
-              <a:t>For the black absorbed region inverse thresholding can be applied to extract just the darker objects like the black umbrella and black coat!</a:t>
+              <a:t>For the black absorbed region inverse thresholding can be applied to extract just the darker </a:t>
+            </a:r>
+            <a:r>
+              <a:rPr lang="en">
+                <a:solidFill>
+                  <a:srgbClr val="000000"/>
+                </a:solidFill>
+              </a:rPr>
+              <a:t>objects</a:t>
+            </a:r>
+            <a:r>
+              <a:rPr lang="en">
+                <a:solidFill>
+                  <a:srgbClr val="000000"/>
+                </a:solidFill>
+              </a:rPr>
+              <a:t> like the black </a:t>
+            </a:r>
+            <a:r>
+              <a:rPr lang="en">
+                <a:solidFill>
+                  <a:srgbClr val="000000"/>
+                </a:solidFill>
+              </a:rPr>
+              <a:t>umbrella</a:t>
+            </a:r>
+            <a:r>
+              <a:rPr lang="en">
+                <a:solidFill>
+                  <a:srgbClr val="000000"/>
+                </a:solidFill>
+              </a:rPr>
+              <a:t> and black coat!</a:t>
             </a:r>
             <a:endParaRPr>
               <a:solidFill>
@@ -12850,7 +12771,7 @@
             </a:endParaRPr>
           </a:p>
           <a:p>
-            <a:pPr marL="457200" marR="0" lvl="0" indent="-342900" algn="just" rtl="0">
+            <a:pPr indent="-342900" lvl="0" marL="457200" marR="0" rtl="0" algn="just">
               <a:lnSpc>
                 <a:spcPct val="130000"/>
               </a:lnSpc>
@@ -12872,7 +12793,15 @@
                   <a:srgbClr val="000000"/>
                 </a:solidFill>
               </a:rPr>
-              <a:t>Adaptive thresholding can be done using otsu method!</a:t>
+              <a:t>Adaptive</a:t>
+            </a:r>
+            <a:r>
+              <a:rPr lang="en">
+                <a:solidFill>
+                  <a:srgbClr val="000000"/>
+                </a:solidFill>
+              </a:rPr>
+              <a:t> thresholding can be done using otsu method!</a:t>
             </a:r>
             <a:endParaRPr>
               <a:solidFill>
@@ -12891,11 +12820,11 @@
 </file>
 
 <file path=ppt/slides/slide23.xml><?xml version="1.0" encoding="utf-8"?>
-<p:sld xmlns:a="http://schemas.openxmlformats.org/drawingml/2006/main" xmlns:r="http://schemas.openxmlformats.org/officeDocument/2006/relationships" xmlns:p="http://schemas.openxmlformats.org/presentationml/2006/main">
+<p:sld xmlns:a="http://schemas.openxmlformats.org/drawingml/2006/main" xmlns:r="http://schemas.openxmlformats.org/officeDocument/2006/relationships" xmlns:mc="http://schemas.openxmlformats.org/markup-compatibility/2006" xmlns:mv="urn:schemas-microsoft-com:mac:vml" xmlns:p="http://schemas.openxmlformats.org/presentationml/2006/main" xmlns:c="http://schemas.openxmlformats.org/drawingml/2006/chart" xmlns:dgm="http://schemas.openxmlformats.org/drawingml/2006/diagram" xmlns:o="urn:schemas-microsoft-com:office:office" xmlns:v="urn:schemas-microsoft-com:vml" xmlns:pvml="urn:schemas-microsoft-com:office:powerpoint" xmlns:com="http://schemas.openxmlformats.org/drawingml/2006/compatibility" xmlns:p14="http://schemas.microsoft.com/office/powerpoint/2010/main" xmlns:p15="http://schemas.microsoft.com/office/powerpoint/2012/main" xmlns:ahyp="http://schemas.microsoft.com/office/drawing/2018/hyperlinkcolor">
   <p:cSld>
     <p:spTree>
       <p:nvGrpSpPr>
-        <p:cNvPr id="1" name="Shape 256"/>
+        <p:cNvPr id="256" name="Shape 256"/>
         <p:cNvGrpSpPr/>
         <p:nvPr/>
       </p:nvGrpSpPr>
@@ -12910,9 +12839,7 @@
       <p:sp>
         <p:nvSpPr>
           <p:cNvPr id="257" name="Google Shape;257;p35"/>
-          <p:cNvSpPr txBox="1">
-            <a:spLocks noGrp="1"/>
-          </p:cNvSpPr>
+          <p:cNvSpPr txBox="1"/>
           <p:nvPr>
             <p:ph type="title"/>
           </p:nvPr>
@@ -12927,12 +12854,12 @@
           </a:prstGeom>
         </p:spPr>
         <p:txBody>
-          <a:bodyPr spcFirstLastPara="1" wrap="square" lIns="91425" tIns="91425" rIns="91425" bIns="91425" anchor="t" anchorCtr="0">
+          <a:bodyPr anchorCtr="0" anchor="t" bIns="91425" lIns="91425" spcFirstLastPara="1" rIns="91425" wrap="square" tIns="91425">
             <a:normAutofit fontScale="90000"/>
           </a:bodyPr>
           <a:lstStyle/>
           <a:p>
-            <a:pPr marL="0" lvl="0" indent="0" algn="l" rtl="0">
+            <a:pPr indent="0" lvl="0" marL="0" rtl="0" algn="l">
               <a:spcBef>
                 <a:spcPts val="0"/>
               </a:spcBef>
@@ -12952,11 +12879,9 @@
       <p:sp>
         <p:nvSpPr>
           <p:cNvPr id="258" name="Google Shape;258;p35"/>
-          <p:cNvSpPr txBox="1">
-            <a:spLocks noGrp="1"/>
-          </p:cNvSpPr>
+          <p:cNvSpPr txBox="1"/>
           <p:nvPr>
-            <p:ph type="body" idx="1"/>
+            <p:ph idx="1" type="body"/>
           </p:nvPr>
         </p:nvSpPr>
         <p:spPr>
@@ -12969,12 +12894,12 @@
           </a:prstGeom>
         </p:spPr>
         <p:txBody>
-          <a:bodyPr spcFirstLastPara="1" wrap="square" lIns="91425" tIns="91425" rIns="425575" bIns="91425" anchor="t" anchorCtr="0">
+          <a:bodyPr anchorCtr="0" anchor="t" bIns="91425" lIns="91425" spcFirstLastPara="1" rIns="425575" wrap="square" tIns="91425">
             <a:noAutofit/>
           </a:bodyPr>
           <a:lstStyle/>
           <a:p>
-            <a:pPr marL="0" marR="0" lvl="0" indent="0" algn="just" rtl="0">
+            <a:pPr indent="0" lvl="0" marL="0" marR="0" rtl="0" algn="just">
               <a:lnSpc>
                 <a:spcPct val="130000"/>
               </a:lnSpc>
@@ -12987,7 +12912,7 @@
               <a:buNone/>
             </a:pPr>
             <a:r>
-              <a:rPr lang="en" sz="1500" b="1">
+              <a:rPr b="1" lang="en" sz="1500">
                 <a:solidFill>
                   <a:srgbClr val="000000"/>
                 </a:solidFill>
@@ -12999,7 +12924,7 @@
               <a:t>1.</a:t>
             </a:r>
             <a:r>
-              <a:rPr lang="en" sz="1500" b="1" u="sng">
+              <a:rPr b="1" lang="en" sz="1500" u="sng">
                 <a:solidFill>
                   <a:srgbClr val="1155CC"/>
                 </a:solidFill>
@@ -13010,14 +12935,14 @@
                 <a:hlinkClick r:id="rId3">
                   <a:extLst>
                     <a:ext uri="{A12FA001-AC4F-418D-AE19-62706E023703}">
-                      <ahyp:hlinkClr xmlns:ahyp="http://schemas.microsoft.com/office/drawing/2018/hyperlinkcolor" val="tx"/>
+                      <ahyp:hlinkClr val="tx"/>
                     </a:ext>
                   </a:extLst>
                 </a:hlinkClick>
               </a:rPr>
               <a:t>http://vcipl-okstate.org/pbvs/bench/</a:t>
             </a:r>
-            <a:endParaRPr sz="1500" b="1">
+            <a:endParaRPr b="1" sz="1500">
               <a:solidFill>
                 <a:srgbClr val="000000"/>
               </a:solidFill>
@@ -13028,7 +12953,7 @@
             </a:endParaRPr>
           </a:p>
           <a:p>
-            <a:pPr marL="0" marR="0" lvl="0" indent="0" algn="just" rtl="0">
+            <a:pPr indent="0" lvl="0" marL="0" marR="0" rtl="0" algn="just">
               <a:lnSpc>
                 <a:spcPct val="130000"/>
               </a:lnSpc>
@@ -13041,7 +12966,7 @@
               <a:buNone/>
             </a:pPr>
             <a:r>
-              <a:rPr lang="en" sz="1500" b="1">
+              <a:rPr b="1" lang="en" sz="1500">
                 <a:solidFill>
                   <a:srgbClr val="000000"/>
                 </a:solidFill>
@@ -13053,7 +12978,7 @@
               <a:t>2. </a:t>
             </a:r>
             <a:r>
-              <a:rPr lang="en" sz="1500" b="1" u="sng">
+              <a:rPr b="1" lang="en" sz="1500" u="sng">
                 <a:solidFill>
                   <a:srgbClr val="1155CC"/>
                 </a:solidFill>
@@ -13064,14 +12989,14 @@
                 <a:hlinkClick r:id="rId4">
                   <a:extLst>
                     <a:ext uri="{A12FA001-AC4F-418D-AE19-62706E023703}">
-                      <ahyp:hlinkClr xmlns:ahyp="http://schemas.microsoft.com/office/drawing/2018/hyperlinkcolor" val="tx"/>
+                      <ahyp:hlinkClr val="tx"/>
                     </a:ext>
                   </a:extLst>
                 </a:hlinkClick>
               </a:rPr>
               <a:t>https://en.wikipedia.org/wiki/Image_\egmentation</a:t>
             </a:r>
-            <a:endParaRPr sz="1500" b="1">
+            <a:endParaRPr b="1" sz="1500">
               <a:solidFill>
                 <a:srgbClr val="000000"/>
               </a:solidFill>
@@ -13082,7 +13007,7 @@
             </a:endParaRPr>
           </a:p>
           <a:p>
-            <a:pPr marL="0" marR="0" lvl="0" indent="0" algn="just" rtl="0">
+            <a:pPr indent="0" lvl="0" marL="0" marR="0" rtl="0" algn="just">
               <a:lnSpc>
                 <a:spcPct val="130000"/>
               </a:lnSpc>
@@ -13095,7 +13020,7 @@
               <a:buNone/>
             </a:pPr>
             <a:r>
-              <a:rPr lang="en" sz="1500" b="1">
+              <a:rPr b="1" lang="en" sz="1500">
                 <a:solidFill>
                   <a:srgbClr val="000000"/>
                 </a:solidFill>
@@ -13107,7 +13032,7 @@
               <a:t>3.</a:t>
             </a:r>
             <a:r>
-              <a:rPr lang="en" sz="1500" b="1" u="sng">
+              <a:rPr b="1" lang="en" sz="1500" u="sng">
                 <a:solidFill>
                   <a:srgbClr val="1155CC"/>
                 </a:solidFill>
@@ -13118,7 +13043,7 @@
                 <a:hlinkClick r:id="rId5">
                   <a:extLst>
                     <a:ext uri="{A12FA001-AC4F-418D-AE19-62706E023703}">
-                      <ahyp:hlinkClr xmlns:ahyp="http://schemas.microsoft.com/office/drawing/2018/hyperlinkcolor" val="tx"/>
+                      <ahyp:hlinkClr val="tx"/>
                     </a:ext>
                   </a:extLst>
                 </a:hlinkClick>
@@ -13126,7 +13051,7 @@
               <a:t>https://scikit-image.org/docs/dev/auto_examples/applications/plot_morphology.html#:~:text=Morphological%20closing%20on%20an%20image,and%20connect%20small%20bright%20cracks.&amp;text=Since%20closing%20an%20image%20starts,the%20structuring%20element%20are%20removed</a:t>
             </a:r>
             <a:r>
-              <a:rPr lang="en" sz="1500" b="1">
+              <a:rPr b="1" lang="en" sz="1500">
                 <a:solidFill>
                   <a:srgbClr val="000000"/>
                 </a:solidFill>
@@ -13137,7 +13062,7 @@
               </a:rPr>
               <a:t>.</a:t>
             </a:r>
-            <a:endParaRPr sz="1500" b="1">
+            <a:endParaRPr b="1" sz="1500">
               <a:solidFill>
                 <a:srgbClr val="000000"/>
               </a:solidFill>
@@ -13148,7 +13073,7 @@
             </a:endParaRPr>
           </a:p>
           <a:p>
-            <a:pPr marL="0" marR="0" lvl="0" indent="0" algn="just" rtl="0">
+            <a:pPr indent="0" lvl="0" marL="0" marR="0" rtl="0" algn="just">
               <a:lnSpc>
                 <a:spcPct val="130000"/>
               </a:lnSpc>
@@ -13161,7 +13086,7 @@
               <a:buNone/>
             </a:pPr>
             <a:r>
-              <a:rPr lang="en" sz="1500" b="1">
+              <a:rPr b="1" lang="en" sz="1500">
                 <a:solidFill>
                   <a:srgbClr val="000000"/>
                 </a:solidFill>
@@ -13173,7 +13098,7 @@
               <a:t>4.</a:t>
             </a:r>
             <a:r>
-              <a:rPr lang="en" sz="1500" b="1" u="sng">
+              <a:rPr b="1" lang="en" sz="1500" u="sng">
                 <a:solidFill>
                   <a:srgbClr val="1155CC"/>
                 </a:solidFill>
@@ -13184,7 +13109,7 @@
                 <a:hlinkClick r:id="rId6">
                   <a:extLst>
                     <a:ext uri="{A12FA001-AC4F-418D-AE19-62706E023703}">
-                      <ahyp:hlinkClr xmlns:ahyp="http://schemas.microsoft.com/office/drawing/2018/hyperlinkcolor" val="tx"/>
+                      <ahyp:hlinkClr val="tx"/>
                     </a:ext>
                   </a:extLst>
                 </a:hlinkClick>
@@ -13192,7 +13117,7 @@
               <a:t>https://en.wikipedia.org/wiki/Opening_(morphology)#:~:text=Opening%20removes%20small%20objects%20from,specific%20shapes%20in%20an%20image</a:t>
             </a:r>
             <a:r>
-              <a:rPr lang="en" sz="1500" b="1">
+              <a:rPr b="1" lang="en" sz="1500">
                 <a:solidFill>
                   <a:srgbClr val="000000"/>
                 </a:solidFill>
@@ -13203,7 +13128,7 @@
               </a:rPr>
               <a:t>.</a:t>
             </a:r>
-            <a:endParaRPr sz="1500" b="1">
+            <a:endParaRPr b="1" sz="1500">
               <a:solidFill>
                 <a:srgbClr val="000000"/>
               </a:solidFill>
@@ -13214,7 +13139,7 @@
             </a:endParaRPr>
           </a:p>
           <a:p>
-            <a:pPr marL="0" marR="0" lvl="0" indent="0" algn="just" rtl="0">
+            <a:pPr indent="0" lvl="0" marL="0" marR="0" rtl="0" algn="just">
               <a:lnSpc>
                 <a:spcPct val="130000"/>
               </a:lnSpc>
@@ -13227,7 +13152,7 @@
               <a:buNone/>
             </a:pPr>
             <a:r>
-              <a:rPr lang="en" sz="1500" b="1">
+              <a:rPr b="1" lang="en" sz="1500">
                 <a:solidFill>
                   <a:srgbClr val="000000"/>
                 </a:solidFill>
@@ -13239,7 +13164,7 @@
               <a:t>5.</a:t>
             </a:r>
             <a:r>
-              <a:rPr lang="en" sz="1500" b="1" u="sng">
+              <a:rPr b="1" lang="en" sz="1500" u="sng">
                 <a:solidFill>
                   <a:srgbClr val="1155CC"/>
                 </a:solidFill>
@@ -13250,7 +13175,7 @@
                 <a:hlinkClick r:id="rId7">
                   <a:extLst>
                     <a:ext uri="{A12FA001-AC4F-418D-AE19-62706E023703}">
-                      <ahyp:hlinkClr xmlns:ahyp="http://schemas.microsoft.com/office/drawing/2018/hyperlinkcolor" val="tx"/>
+                      <ahyp:hlinkClr val="tx"/>
                     </a:ext>
                   </a:extLst>
                 </a:hlinkClick>
@@ -13258,7 +13183,7 @@
               <a:t>https://www.mathworks.com/help/images/structuring-elements.html#:~:text=A%20structuring%20element%20is%20a,process%20in%20the%20input%20image</a:t>
             </a:r>
             <a:r>
-              <a:rPr lang="en" sz="1500" b="1">
+              <a:rPr b="1" lang="en" sz="1500">
                 <a:solidFill>
                   <a:srgbClr val="000000"/>
                 </a:solidFill>
@@ -13282,11 +13207,11 @@
 </file>
 
 <file path=ppt/slides/slide24.xml><?xml version="1.0" encoding="utf-8"?>
-<p:sld xmlns:a="http://schemas.openxmlformats.org/drawingml/2006/main" xmlns:r="http://schemas.openxmlformats.org/officeDocument/2006/relationships" xmlns:p="http://schemas.openxmlformats.org/presentationml/2006/main">
+<p:sld xmlns:a="http://schemas.openxmlformats.org/drawingml/2006/main" xmlns:r="http://schemas.openxmlformats.org/officeDocument/2006/relationships" xmlns:mc="http://schemas.openxmlformats.org/markup-compatibility/2006" xmlns:mv="urn:schemas-microsoft-com:mac:vml" xmlns:p="http://schemas.openxmlformats.org/presentationml/2006/main" xmlns:c="http://schemas.openxmlformats.org/drawingml/2006/chart" xmlns:dgm="http://schemas.openxmlformats.org/drawingml/2006/diagram" xmlns:o="urn:schemas-microsoft-com:office:office" xmlns:v="urn:schemas-microsoft-com:vml" xmlns:pvml="urn:schemas-microsoft-com:office:powerpoint" xmlns:com="http://schemas.openxmlformats.org/drawingml/2006/compatibility" xmlns:p14="http://schemas.microsoft.com/office/powerpoint/2010/main" xmlns:p15="http://schemas.microsoft.com/office/powerpoint/2012/main" xmlns:ahyp="http://schemas.microsoft.com/office/drawing/2018/hyperlinkcolor">
   <p:cSld>
     <p:spTree>
       <p:nvGrpSpPr>
-        <p:cNvPr id="1" name="Shape 262"/>
+        <p:cNvPr id="262" name="Shape 262"/>
         <p:cNvGrpSpPr/>
         <p:nvPr/>
       </p:nvGrpSpPr>
@@ -13301,9 +13226,7 @@
       <p:sp>
         <p:nvSpPr>
           <p:cNvPr id="263" name="Google Shape;263;p36"/>
-          <p:cNvSpPr txBox="1">
-            <a:spLocks noGrp="1"/>
-          </p:cNvSpPr>
+          <p:cNvSpPr txBox="1"/>
           <p:nvPr>
             <p:ph type="title"/>
           </p:nvPr>
@@ -13318,20 +13241,23 @@
           </a:prstGeom>
         </p:spPr>
         <p:txBody>
-          <a:bodyPr spcFirstLastPara="1" wrap="square" lIns="91425" tIns="91425" rIns="91425" bIns="91425" anchor="t" anchorCtr="0">
+          <a:bodyPr anchorCtr="0" anchor="t" bIns="91425" lIns="91425" spcFirstLastPara="1" rIns="91425" wrap="square" tIns="91425">
             <a:normAutofit fontScale="90000"/>
           </a:bodyPr>
           <a:lstStyle/>
           <a:p>
-            <a:pPr marL="0" lvl="0" indent="0" algn="l" rtl="0">
-              <a:spcBef>
-                <a:spcPts val="0"/>
-              </a:spcBef>
-              <a:spcAft>
-                <a:spcPts val="0"/>
-              </a:spcAft>
-              <a:buNone/>
-            </a:pPr>
+            <a:pPr indent="0" lvl="0" marL="0" rtl="0" algn="l">
+              <a:spcBef>
+                <a:spcPts val="0"/>
+              </a:spcBef>
+              <a:spcAft>
+                <a:spcPts val="0"/>
+              </a:spcAft>
+              <a:buNone/>
+            </a:pPr>
+            <a:r>
+              <a:t/>
+            </a:r>
             <a:endParaRPr/>
           </a:p>
         </p:txBody>
@@ -13339,11 +13265,9 @@
       <p:sp>
         <p:nvSpPr>
           <p:cNvPr id="264" name="Google Shape;264;p36"/>
-          <p:cNvSpPr txBox="1">
-            <a:spLocks noGrp="1"/>
-          </p:cNvSpPr>
+          <p:cNvSpPr txBox="1"/>
           <p:nvPr>
-            <p:ph type="body" idx="1"/>
+            <p:ph idx="1" type="body"/>
           </p:nvPr>
         </p:nvSpPr>
         <p:spPr>
@@ -13356,12 +13280,12 @@
           </a:prstGeom>
         </p:spPr>
         <p:txBody>
-          <a:bodyPr spcFirstLastPara="1" wrap="square" lIns="91425" tIns="91425" rIns="91425" bIns="91425" anchor="t" anchorCtr="0">
+          <a:bodyPr anchorCtr="0" anchor="t" bIns="91425" lIns="91425" spcFirstLastPara="1" rIns="91425" wrap="square" tIns="91425">
             <a:normAutofit lnSpcReduction="20000"/>
           </a:bodyPr>
           <a:lstStyle/>
           <a:p>
-            <a:pPr marL="0" lvl="0" indent="0" algn="l" rtl="0">
+            <a:pPr indent="0" lvl="0" marL="0" rtl="0" algn="l">
               <a:spcBef>
                 <a:spcPts val="0"/>
               </a:spcBef>
@@ -13381,7 +13305,7 @@
             <a:endParaRPr sz="4600"/>
           </a:p>
           <a:p>
-            <a:pPr marL="0" lvl="0" indent="0" algn="l" rtl="0">
+            <a:pPr indent="0" lvl="0" marL="0" rtl="0" algn="l">
               <a:spcBef>
                 <a:spcPts val="1200"/>
               </a:spcBef>
@@ -13397,7 +13321,7 @@
             <a:endParaRPr sz="4600"/>
           </a:p>
           <a:p>
-            <a:pPr marL="0" lvl="0" indent="0" algn="l" rtl="0">
+            <a:pPr indent="0" lvl="0" marL="0" rtl="0" algn="l">
               <a:spcBef>
                 <a:spcPts val="1200"/>
               </a:spcBef>
@@ -13413,7 +13337,7 @@
             <a:endParaRPr sz="4600"/>
           </a:p>
           <a:p>
-            <a:pPr marL="0" lvl="0" indent="0" algn="l" rtl="0">
+            <a:pPr indent="0" lvl="0" marL="0" rtl="0" algn="l">
               <a:spcBef>
                 <a:spcPts val="1200"/>
               </a:spcBef>
@@ -13439,11 +13363,11 @@
 </file>
 
 <file path=ppt/slides/slide3.xml><?xml version="1.0" encoding="utf-8"?>
-<p:sld xmlns:a="http://schemas.openxmlformats.org/drawingml/2006/main" xmlns:r="http://schemas.openxmlformats.org/officeDocument/2006/relationships" xmlns:p="http://schemas.openxmlformats.org/presentationml/2006/main">
+<p:sld xmlns:a="http://schemas.openxmlformats.org/drawingml/2006/main" xmlns:r="http://schemas.openxmlformats.org/officeDocument/2006/relationships" xmlns:mc="http://schemas.openxmlformats.org/markup-compatibility/2006" xmlns:mv="urn:schemas-microsoft-com:mac:vml" xmlns:p="http://schemas.openxmlformats.org/presentationml/2006/main" xmlns:c="http://schemas.openxmlformats.org/drawingml/2006/chart" xmlns:dgm="http://schemas.openxmlformats.org/drawingml/2006/diagram" xmlns:o="urn:schemas-microsoft-com:office:office" xmlns:v="urn:schemas-microsoft-com:vml" xmlns:pvml="urn:schemas-microsoft-com:office:powerpoint" xmlns:com="http://schemas.openxmlformats.org/drawingml/2006/compatibility" xmlns:p14="http://schemas.microsoft.com/office/powerpoint/2010/main" xmlns:p15="http://schemas.microsoft.com/office/powerpoint/2012/main" xmlns:ahyp="http://schemas.microsoft.com/office/drawing/2018/hyperlinkcolor">
   <p:cSld>
     <p:spTree>
       <p:nvGrpSpPr>
-        <p:cNvPr id="1" name="Shape 77"/>
+        <p:cNvPr id="77" name="Shape 77"/>
         <p:cNvGrpSpPr/>
         <p:nvPr/>
       </p:nvGrpSpPr>
@@ -13458,9 +13382,7 @@
       <p:sp>
         <p:nvSpPr>
           <p:cNvPr id="78" name="Google Shape;78;p15"/>
-          <p:cNvSpPr txBox="1">
-            <a:spLocks noGrp="1"/>
-          </p:cNvSpPr>
+          <p:cNvSpPr txBox="1"/>
           <p:nvPr>
             <p:ph type="title"/>
           </p:nvPr>
@@ -13475,12 +13397,12 @@
           </a:prstGeom>
         </p:spPr>
         <p:txBody>
-          <a:bodyPr spcFirstLastPara="1" wrap="square" lIns="91425" tIns="91425" rIns="91425" bIns="91425" anchor="t" anchorCtr="0">
+          <a:bodyPr anchorCtr="0" anchor="t" bIns="91425" lIns="91425" spcFirstLastPara="1" rIns="91425" wrap="square" tIns="91425">
             <a:normAutofit fontScale="90000"/>
           </a:bodyPr>
           <a:lstStyle/>
           <a:p>
-            <a:pPr marL="0" lvl="0" indent="0" algn="l" rtl="0">
+            <a:pPr indent="0" lvl="0" marL="0" rtl="0" algn="l">
               <a:spcBef>
                 <a:spcPts val="0"/>
               </a:spcBef>
@@ -13496,15 +13418,18 @@
             <a:endParaRPr/>
           </a:p>
           <a:p>
-            <a:pPr marL="0" lvl="0" indent="0" algn="l" rtl="0">
-              <a:spcBef>
-                <a:spcPts val="0"/>
-              </a:spcBef>
-              <a:spcAft>
-                <a:spcPts val="0"/>
-              </a:spcAft>
-              <a:buNone/>
-            </a:pPr>
+            <a:pPr indent="0" lvl="0" marL="0" rtl="0" algn="l">
+              <a:spcBef>
+                <a:spcPts val="0"/>
+              </a:spcBef>
+              <a:spcAft>
+                <a:spcPts val="0"/>
+              </a:spcAft>
+              <a:buNone/>
+            </a:pPr>
+            <a:r>
+              <a:t/>
+            </a:r>
             <a:endParaRPr/>
           </a:p>
         </p:txBody>
@@ -13512,11 +13437,9 @@
       <p:sp>
         <p:nvSpPr>
           <p:cNvPr id="79" name="Google Shape;79;p15"/>
-          <p:cNvSpPr txBox="1">
-            <a:spLocks noGrp="1"/>
-          </p:cNvSpPr>
+          <p:cNvSpPr txBox="1"/>
           <p:nvPr>
-            <p:ph type="body" idx="1"/>
+            <p:ph idx="1" type="body"/>
           </p:nvPr>
         </p:nvSpPr>
         <p:spPr>
@@ -13529,12 +13452,12 @@
           </a:prstGeom>
         </p:spPr>
         <p:txBody>
-          <a:bodyPr spcFirstLastPara="1" wrap="square" lIns="91425" tIns="91425" rIns="91425" bIns="91425" anchor="t" anchorCtr="0">
+          <a:bodyPr anchorCtr="0" anchor="t" bIns="91425" lIns="91425" spcFirstLastPara="1" rIns="91425" wrap="square" tIns="91425">
             <a:normAutofit/>
           </a:bodyPr>
           <a:lstStyle/>
           <a:p>
-            <a:pPr marL="457200" lvl="0" indent="-342900" algn="l" rtl="0">
+            <a:pPr indent="-342900" lvl="0" marL="457200" rtl="0" algn="l">
               <a:spcBef>
                 <a:spcPts val="0"/>
               </a:spcBef>
@@ -13562,7 +13485,7 @@
             </a:endParaRPr>
           </a:p>
           <a:p>
-            <a:pPr marL="457200" lvl="0" indent="-342900" algn="l" rtl="0">
+            <a:pPr indent="-342900" lvl="0" marL="457200" rtl="0" algn="l">
               <a:spcBef>
                 <a:spcPts val="0"/>
               </a:spcBef>
@@ -13581,7 +13504,23 @@
                   <a:srgbClr val="666666"/>
                 </a:solidFill>
               </a:rPr>
-              <a:t>Segmentation is a crucial step in it! According to wikipedia, segmentation is the processing of partitioning images into multiple segments. </a:t>
+              <a:t>Segmentation is a crucial step in it! </a:t>
+            </a:r>
+            <a:r>
+              <a:rPr lang="en">
+                <a:solidFill>
+                  <a:srgbClr val="666666"/>
+                </a:solidFill>
+              </a:rPr>
+              <a:t>According to wikipedia, segmentation is the processing of partitioning images into multiple segments.</a:t>
+            </a:r>
+            <a:r>
+              <a:rPr lang="en">
+                <a:solidFill>
+                  <a:srgbClr val="666666"/>
+                </a:solidFill>
+              </a:rPr>
+              <a:t> </a:t>
             </a:r>
             <a:endParaRPr>
               <a:solidFill>
@@ -13590,7 +13529,7 @@
             </a:endParaRPr>
           </a:p>
           <a:p>
-            <a:pPr marL="457200" lvl="0" indent="-342900" algn="l" rtl="0">
+            <a:pPr indent="-342900" lvl="0" marL="457200" rtl="0" algn="l">
               <a:spcBef>
                 <a:spcPts val="0"/>
               </a:spcBef>
@@ -13618,7 +13557,7 @@
             </a:endParaRPr>
           </a:p>
           <a:p>
-            <a:pPr marL="457200" lvl="0" indent="-342900" algn="l" rtl="0">
+            <a:pPr indent="-342900" lvl="0" marL="457200" rtl="0" algn="l">
               <a:spcBef>
                 <a:spcPts val="0"/>
               </a:spcBef>
@@ -13655,32 +13594,32 @@
   <p:timing>
     <p:tnLst>
       <p:par>
-        <p:cTn id="1" dur="indefinite" restart="never" nodeType="tmRoot">
+        <p:cTn dur="indefinite" nodeType="tmRoot" restart="never">
           <p:childTnLst>
             <p:seq concurrent="1" nextAc="seek">
-              <p:cTn id="2" dur="indefinite" nodeType="mainSeq">
+              <p:cTn dur="indefinite" id="2" nodeType="mainSeq">
                 <p:childTnLst>
                   <p:par>
-                    <p:cTn id="3" fill="hold">
+                    <p:cTn fill="hold">
                       <p:stCondLst>
                         <p:cond delay="indefinite"/>
                       </p:stCondLst>
                       <p:childTnLst>
                         <p:par>
-                          <p:cTn id="4" fill="hold">
+                          <p:cTn fill="hold">
                             <p:stCondLst>
                               <p:cond delay="0"/>
                             </p:stCondLst>
                             <p:childTnLst>
                               <p:par>
-                                <p:cTn id="5" presetID="10" presetClass="entr" presetSubtype="0" fill="hold" nodeType="clickEffect">
+                                <p:cTn fill="hold" nodeType="clickEffect" presetClass="entr" presetID="10" presetSubtype="0">
                                   <p:stCondLst>
                                     <p:cond delay="0"/>
                                   </p:stCondLst>
                                   <p:childTnLst>
                                     <p:set>
                                       <p:cBhvr>
-                                        <p:cTn id="6" dur="1" fill="hold">
+                                        <p:cTn dur="1" fill="hold">
                                           <p:stCondLst>
                                             <p:cond delay="0"/>
                                           </p:stCondLst>
@@ -13696,9 +13635,9 @@
                                         <p:strVal val="visible"/>
                                       </p:to>
                                     </p:set>
-                                    <p:animEffect transition="in" filter="fade">
+                                    <p:animEffect filter="fade" transition="in">
                                       <p:cBhvr>
-                                        <p:cTn id="7" dur="1000"/>
+                                        <p:cTn dur="1000"/>
                                         <p:tgtEl>
                                           <p:spTgt spid="79"/>
                                         </p:tgtEl>
@@ -13716,14 +13655,14 @@
                 </p:childTnLst>
               </p:cTn>
               <p:prevCondLst>
-                <p:cond evt="onPrev" delay="0">
+                <p:cond evt="onPrev">
                   <p:tgtEl>
                     <p:sldTgt/>
                   </p:tgtEl>
                 </p:cond>
               </p:prevCondLst>
               <p:nextCondLst>
-                <p:cond evt="onNext" delay="0">
+                <p:cond evt="onNext">
                   <p:tgtEl>
                     <p:sldTgt/>
                   </p:tgtEl>
@@ -13739,11 +13678,11 @@
 </file>
 
 <file path=ppt/slides/slide4.xml><?xml version="1.0" encoding="utf-8"?>
-<p:sld xmlns:a="http://schemas.openxmlformats.org/drawingml/2006/main" xmlns:r="http://schemas.openxmlformats.org/officeDocument/2006/relationships" xmlns:p="http://schemas.openxmlformats.org/presentationml/2006/main">
+<p:sld xmlns:a="http://schemas.openxmlformats.org/drawingml/2006/main" xmlns:r="http://schemas.openxmlformats.org/officeDocument/2006/relationships" xmlns:mc="http://schemas.openxmlformats.org/markup-compatibility/2006" xmlns:mv="urn:schemas-microsoft-com:mac:vml" xmlns:p="http://schemas.openxmlformats.org/presentationml/2006/main" xmlns:c="http://schemas.openxmlformats.org/drawingml/2006/chart" xmlns:dgm="http://schemas.openxmlformats.org/drawingml/2006/diagram" xmlns:o="urn:schemas-microsoft-com:office:office" xmlns:v="urn:schemas-microsoft-com:vml" xmlns:pvml="urn:schemas-microsoft-com:office:powerpoint" xmlns:com="http://schemas.openxmlformats.org/drawingml/2006/compatibility" xmlns:p14="http://schemas.microsoft.com/office/powerpoint/2010/main" xmlns:p15="http://schemas.microsoft.com/office/powerpoint/2012/main" xmlns:ahyp="http://schemas.microsoft.com/office/drawing/2018/hyperlinkcolor">
   <p:cSld>
     <p:spTree>
       <p:nvGrpSpPr>
-        <p:cNvPr id="1" name="Shape 83"/>
+        <p:cNvPr id="83" name="Shape 83"/>
         <p:cNvGrpSpPr/>
         <p:nvPr/>
       </p:nvGrpSpPr>
@@ -13758,9 +13697,7 @@
       <p:sp>
         <p:nvSpPr>
           <p:cNvPr id="84" name="Google Shape;84;p16"/>
-          <p:cNvSpPr txBox="1">
-            <a:spLocks noGrp="1"/>
-          </p:cNvSpPr>
+          <p:cNvSpPr txBox="1"/>
           <p:nvPr>
             <p:ph type="title"/>
           </p:nvPr>
@@ -13775,12 +13712,12 @@
           </a:prstGeom>
         </p:spPr>
         <p:txBody>
-          <a:bodyPr spcFirstLastPara="1" wrap="square" lIns="91425" tIns="91425" rIns="91425" bIns="91425" anchor="t" anchorCtr="0">
+          <a:bodyPr anchorCtr="0" anchor="t" bIns="91425" lIns="91425" spcFirstLastPara="1" rIns="91425" wrap="square" tIns="91425">
             <a:normAutofit fontScale="90000"/>
           </a:bodyPr>
           <a:lstStyle/>
           <a:p>
-            <a:pPr marL="0" lvl="0" indent="0" algn="l" rtl="0">
+            <a:pPr indent="0" lvl="0" marL="0" rtl="0" algn="l">
               <a:spcBef>
                 <a:spcPts val="0"/>
               </a:spcBef>
@@ -13800,11 +13737,9 @@
       <p:sp>
         <p:nvSpPr>
           <p:cNvPr id="85" name="Google Shape;85;p16"/>
-          <p:cNvSpPr txBox="1">
-            <a:spLocks noGrp="1"/>
-          </p:cNvSpPr>
+          <p:cNvSpPr txBox="1"/>
           <p:nvPr>
-            <p:ph type="body" idx="1"/>
+            <p:ph idx="1" type="body"/>
           </p:nvPr>
         </p:nvSpPr>
         <p:spPr>
@@ -13817,12 +13752,12 @@
           </a:prstGeom>
         </p:spPr>
         <p:txBody>
-          <a:bodyPr spcFirstLastPara="1" wrap="square" lIns="91425" tIns="91425" rIns="91425" bIns="91425" anchor="t" anchorCtr="0">
+          <a:bodyPr anchorCtr="0" anchor="t" bIns="91425" lIns="91425" spcFirstLastPara="1" rIns="91425" wrap="square" tIns="91425">
             <a:normAutofit/>
           </a:bodyPr>
           <a:lstStyle/>
           <a:p>
-            <a:pPr marL="0" lvl="0" indent="0" algn="l" rtl="0">
+            <a:pPr indent="0" lvl="0" marL="0" rtl="0" algn="l">
               <a:spcBef>
                 <a:spcPts val="0"/>
               </a:spcBef>
@@ -13831,6 +13766,9 @@
               </a:spcAft>
               <a:buNone/>
             </a:pPr>
+            <a:r>
+              <a:t/>
+            </a:r>
             <a:endParaRPr/>
           </a:p>
         </p:txBody>
@@ -13845,7 +13783,7 @@
           <a:blip r:embed="rId3">
             <a:alphaModFix/>
           </a:blip>
-          <a:srcRect l="13360" t="36728" r="48281" b="32212"/>
+          <a:srcRect b="32212" l="13360" r="48281" t="36728"/>
           <a:stretch/>
         </p:blipFill>
         <p:spPr>
@@ -13871,11 +13809,11 @@
 </file>
 
 <file path=ppt/slides/slide5.xml><?xml version="1.0" encoding="utf-8"?>
-<p:sld xmlns:a="http://schemas.openxmlformats.org/drawingml/2006/main" xmlns:r="http://schemas.openxmlformats.org/officeDocument/2006/relationships" xmlns:p="http://schemas.openxmlformats.org/presentationml/2006/main">
+<p:sld xmlns:a="http://schemas.openxmlformats.org/drawingml/2006/main" xmlns:r="http://schemas.openxmlformats.org/officeDocument/2006/relationships" xmlns:mc="http://schemas.openxmlformats.org/markup-compatibility/2006" xmlns:mv="urn:schemas-microsoft-com:mac:vml" xmlns:p="http://schemas.openxmlformats.org/presentationml/2006/main" xmlns:c="http://schemas.openxmlformats.org/drawingml/2006/chart" xmlns:dgm="http://schemas.openxmlformats.org/drawingml/2006/diagram" xmlns:o="urn:schemas-microsoft-com:office:office" xmlns:v="urn:schemas-microsoft-com:vml" xmlns:pvml="urn:schemas-microsoft-com:office:powerpoint" xmlns:com="http://schemas.openxmlformats.org/drawingml/2006/compatibility" xmlns:p14="http://schemas.microsoft.com/office/powerpoint/2010/main" xmlns:p15="http://schemas.microsoft.com/office/powerpoint/2012/main" xmlns:ahyp="http://schemas.microsoft.com/office/drawing/2018/hyperlinkcolor">
   <p:cSld>
     <p:spTree>
       <p:nvGrpSpPr>
-        <p:cNvPr id="1" name="Shape 90"/>
+        <p:cNvPr id="90" name="Shape 90"/>
         <p:cNvGrpSpPr/>
         <p:nvPr/>
       </p:nvGrpSpPr>
@@ -13890,9 +13828,7 @@
       <p:sp>
         <p:nvSpPr>
           <p:cNvPr id="91" name="Google Shape;91;p17"/>
-          <p:cNvSpPr txBox="1">
-            <a:spLocks noGrp="1"/>
-          </p:cNvSpPr>
+          <p:cNvSpPr txBox="1"/>
           <p:nvPr>
             <p:ph type="title"/>
           </p:nvPr>
@@ -13907,12 +13843,12 @@
           </a:prstGeom>
         </p:spPr>
         <p:txBody>
-          <a:bodyPr spcFirstLastPara="1" wrap="square" lIns="91425" tIns="91425" rIns="91425" bIns="91425" anchor="t" anchorCtr="0">
+          <a:bodyPr anchorCtr="0" anchor="t" bIns="91425" lIns="91425" spcFirstLastPara="1" rIns="91425" wrap="square" tIns="91425">
             <a:normAutofit fontScale="90000"/>
           </a:bodyPr>
           <a:lstStyle/>
           <a:p>
-            <a:pPr marL="0" lvl="0" indent="0" algn="l" rtl="0">
+            <a:pPr indent="0" lvl="0" marL="0" rtl="0" algn="l">
               <a:spcBef>
                 <a:spcPts val="0"/>
               </a:spcBef>
@@ -13932,11 +13868,9 @@
       <p:sp>
         <p:nvSpPr>
           <p:cNvPr id="92" name="Google Shape;92;p17"/>
-          <p:cNvSpPr txBox="1">
-            <a:spLocks noGrp="1"/>
-          </p:cNvSpPr>
+          <p:cNvSpPr txBox="1"/>
           <p:nvPr>
-            <p:ph type="body" idx="1"/>
+            <p:ph idx="1" type="body"/>
           </p:nvPr>
         </p:nvSpPr>
         <p:spPr>
@@ -13949,12 +13883,12 @@
           </a:prstGeom>
         </p:spPr>
         <p:txBody>
-          <a:bodyPr spcFirstLastPara="1" wrap="square" lIns="91425" tIns="91425" rIns="91425" bIns="91425" anchor="t" anchorCtr="0">
+          <a:bodyPr anchorCtr="0" anchor="t" bIns="91425" lIns="91425" spcFirstLastPara="1" rIns="91425" wrap="square" tIns="91425">
             <a:normAutofit/>
           </a:bodyPr>
           <a:lstStyle/>
           <a:p>
-            <a:pPr marL="0" lvl="0" indent="0" algn="l" rtl="0">
+            <a:pPr indent="0" lvl="0" marL="0" rtl="0" algn="l">
               <a:spcBef>
                 <a:spcPts val="0"/>
               </a:spcBef>
@@ -13974,11 +13908,9 @@
       <p:sp>
         <p:nvSpPr>
           <p:cNvPr id="93" name="Google Shape;93;p17"/>
-          <p:cNvSpPr txBox="1">
-            <a:spLocks noGrp="1"/>
-          </p:cNvSpPr>
+          <p:cNvSpPr txBox="1"/>
           <p:nvPr>
-            <p:ph type="body" idx="2"/>
+            <p:ph idx="2" type="body"/>
           </p:nvPr>
         </p:nvSpPr>
         <p:spPr>
@@ -13991,12 +13923,12 @@
           </a:prstGeom>
         </p:spPr>
         <p:txBody>
-          <a:bodyPr spcFirstLastPara="1" wrap="square" lIns="91425" tIns="91425" rIns="91425" bIns="91425" anchor="t" anchorCtr="0">
+          <a:bodyPr anchorCtr="0" anchor="t" bIns="91425" lIns="91425" spcFirstLastPara="1" rIns="91425" wrap="square" tIns="91425">
             <a:normAutofit/>
           </a:bodyPr>
           <a:lstStyle/>
           <a:p>
-            <a:pPr marL="0" lvl="0" indent="0" algn="l" rtl="0">
+            <a:pPr indent="0" lvl="0" marL="0" rtl="0" algn="l">
               <a:spcBef>
                 <a:spcPts val="0"/>
               </a:spcBef>
@@ -14007,12 +13939,16 @@
             </a:pPr>
             <a:r>
               <a:rPr lang="en"/>
-              <a:t>                         Testing Image</a:t>
+              <a:t>                         </a:t>
+            </a:r>
+            <a:r>
+              <a:rPr lang="en"/>
+              <a:t>Testing Image</a:t>
             </a:r>
             <a:endParaRPr/>
           </a:p>
           <a:p>
-            <a:pPr marL="0" lvl="0" indent="0" algn="l" rtl="0">
+            <a:pPr indent="0" lvl="0" marL="0" rtl="0" algn="l">
               <a:spcBef>
                 <a:spcPts val="1200"/>
               </a:spcBef>
@@ -14021,10 +13957,13 @@
               </a:spcAft>
               <a:buNone/>
             </a:pPr>
+            <a:r>
+              <a:t/>
+            </a:r>
             <a:endParaRPr/>
           </a:p>
           <a:p>
-            <a:pPr marL="0" lvl="0" indent="0" algn="l" rtl="0">
+            <a:pPr indent="0" lvl="0" marL="0" rtl="0" algn="l">
               <a:spcBef>
                 <a:spcPts val="1200"/>
               </a:spcBef>
@@ -14033,10 +13972,13 @@
               </a:spcAft>
               <a:buNone/>
             </a:pPr>
+            <a:r>
+              <a:t/>
+            </a:r>
             <a:endParaRPr/>
           </a:p>
           <a:p>
-            <a:pPr marL="0" lvl="0" indent="0" algn="l" rtl="0">
+            <a:pPr indent="0" lvl="0" marL="0" rtl="0" algn="l">
               <a:spcBef>
                 <a:spcPts val="1200"/>
               </a:spcBef>
@@ -14045,10 +13987,13 @@
               </a:spcAft>
               <a:buNone/>
             </a:pPr>
+            <a:r>
+              <a:t/>
+            </a:r>
             <a:endParaRPr/>
           </a:p>
           <a:p>
-            <a:pPr marL="0" lvl="0" indent="0" algn="l" rtl="0">
+            <a:pPr indent="0" lvl="0" marL="0" rtl="0" algn="l">
               <a:spcBef>
                 <a:spcPts val="1200"/>
               </a:spcBef>
@@ -14057,10 +14002,13 @@
               </a:spcAft>
               <a:buNone/>
             </a:pPr>
+            <a:r>
+              <a:t/>
+            </a:r>
             <a:endParaRPr/>
           </a:p>
           <a:p>
-            <a:pPr marL="0" lvl="0" indent="0" algn="l" rtl="0">
+            <a:pPr indent="0" lvl="0" marL="0" rtl="0" algn="l">
               <a:spcBef>
                 <a:spcPts val="1200"/>
               </a:spcBef>
@@ -14069,10 +14017,13 @@
               </a:spcAft>
               <a:buNone/>
             </a:pPr>
+            <a:r>
+              <a:t/>
+            </a:r>
             <a:endParaRPr/>
           </a:p>
           <a:p>
-            <a:pPr marL="0" lvl="0" indent="0" algn="l" rtl="0">
+            <a:pPr indent="0" lvl="0" marL="0" rtl="0" algn="l">
               <a:spcBef>
                 <a:spcPts val="1200"/>
               </a:spcBef>
@@ -14081,10 +14032,13 @@
               </a:spcAft>
               <a:buNone/>
             </a:pPr>
+            <a:r>
+              <a:t/>
+            </a:r>
             <a:endParaRPr/>
           </a:p>
           <a:p>
-            <a:pPr marL="0" lvl="0" indent="0" algn="l" rtl="0">
+            <a:pPr indent="0" lvl="0" marL="0" rtl="0" algn="l">
               <a:spcBef>
                 <a:spcPts val="1200"/>
               </a:spcBef>
@@ -14093,10 +14047,13 @@
               </a:spcAft>
               <a:buNone/>
             </a:pPr>
+            <a:r>
+              <a:t/>
+            </a:r>
             <a:endParaRPr/>
           </a:p>
           <a:p>
-            <a:pPr marL="0" lvl="0" indent="0" algn="l" rtl="0">
+            <a:pPr indent="0" lvl="0" marL="0" rtl="0" algn="l">
               <a:lnSpc>
                 <a:spcPct val="100000"/>
               </a:lnSpc>
@@ -14137,7 +14094,7 @@
             </a:endParaRPr>
           </a:p>
           <a:p>
-            <a:pPr marL="0" lvl="0" indent="0" algn="l" rtl="0">
+            <a:pPr indent="0" lvl="0" marL="0" rtl="0" algn="l">
               <a:lnSpc>
                 <a:spcPct val="100000"/>
               </a:lnSpc>
@@ -14233,11 +14190,11 @@
 </file>
 
 <file path=ppt/slides/slide6.xml><?xml version="1.0" encoding="utf-8"?>
-<p:sld xmlns:a="http://schemas.openxmlformats.org/drawingml/2006/main" xmlns:r="http://schemas.openxmlformats.org/officeDocument/2006/relationships" xmlns:p="http://schemas.openxmlformats.org/presentationml/2006/main">
+<p:sld xmlns:a="http://schemas.openxmlformats.org/drawingml/2006/main" xmlns:r="http://schemas.openxmlformats.org/officeDocument/2006/relationships" xmlns:mc="http://schemas.openxmlformats.org/markup-compatibility/2006" xmlns:mv="urn:schemas-microsoft-com:mac:vml" xmlns:p="http://schemas.openxmlformats.org/presentationml/2006/main" xmlns:c="http://schemas.openxmlformats.org/drawingml/2006/chart" xmlns:dgm="http://schemas.openxmlformats.org/drawingml/2006/diagram" xmlns:o="urn:schemas-microsoft-com:office:office" xmlns:v="urn:schemas-microsoft-com:vml" xmlns:pvml="urn:schemas-microsoft-com:office:powerpoint" xmlns:com="http://schemas.openxmlformats.org/drawingml/2006/compatibility" xmlns:p14="http://schemas.microsoft.com/office/powerpoint/2010/main" xmlns:p15="http://schemas.microsoft.com/office/powerpoint/2012/main" xmlns:ahyp="http://schemas.microsoft.com/office/drawing/2018/hyperlinkcolor">
   <p:cSld>
     <p:spTree>
       <p:nvGrpSpPr>
-        <p:cNvPr id="1" name="Shape 99"/>
+        <p:cNvPr id="99" name="Shape 99"/>
         <p:cNvGrpSpPr/>
         <p:nvPr/>
       </p:nvGrpSpPr>
@@ -14252,9 +14209,7 @@
       <p:sp>
         <p:nvSpPr>
           <p:cNvPr id="100" name="Google Shape;100;p18"/>
-          <p:cNvSpPr txBox="1">
-            <a:spLocks noGrp="1"/>
-          </p:cNvSpPr>
+          <p:cNvSpPr txBox="1"/>
           <p:nvPr>
             <p:ph type="title"/>
           </p:nvPr>
@@ -14269,12 +14224,12 @@
           </a:prstGeom>
         </p:spPr>
         <p:txBody>
-          <a:bodyPr spcFirstLastPara="1" wrap="square" lIns="91425" tIns="91425" rIns="91425" bIns="91425" anchor="t" anchorCtr="0">
+          <a:bodyPr anchorCtr="0" anchor="t" bIns="91425" lIns="91425" spcFirstLastPara="1" rIns="91425" wrap="square" tIns="91425">
             <a:normAutofit fontScale="90000"/>
           </a:bodyPr>
           <a:lstStyle/>
           <a:p>
-            <a:pPr marL="0" lvl="0" indent="0" algn="l" rtl="0">
+            <a:pPr indent="0" lvl="0" marL="0" rtl="0" algn="l">
               <a:spcBef>
                 <a:spcPts val="0"/>
               </a:spcBef>
@@ -14294,11 +14249,9 @@
       <p:sp>
         <p:nvSpPr>
           <p:cNvPr id="101" name="Google Shape;101;p18"/>
-          <p:cNvSpPr txBox="1">
-            <a:spLocks noGrp="1"/>
-          </p:cNvSpPr>
+          <p:cNvSpPr txBox="1"/>
           <p:nvPr>
-            <p:ph type="body" idx="1"/>
+            <p:ph idx="1" type="body"/>
           </p:nvPr>
         </p:nvSpPr>
         <p:spPr>
@@ -14311,12 +14264,12 @@
           </a:prstGeom>
         </p:spPr>
         <p:txBody>
-          <a:bodyPr spcFirstLastPara="1" wrap="square" lIns="91425" tIns="91425" rIns="91425" bIns="91425" anchor="t" anchorCtr="0">
+          <a:bodyPr anchorCtr="0" anchor="t" bIns="91425" lIns="91425" spcFirstLastPara="1" rIns="91425" wrap="square" tIns="91425">
             <a:normAutofit/>
           </a:bodyPr>
           <a:lstStyle/>
           <a:p>
-            <a:pPr marL="0" lvl="0" indent="0" algn="l" rtl="0">
+            <a:pPr indent="0" lvl="0" marL="0" rtl="0" algn="l">
               <a:spcBef>
                 <a:spcPts val="0"/>
               </a:spcBef>
@@ -14332,7 +14285,7 @@
             <a:endParaRPr/>
           </a:p>
           <a:p>
-            <a:pPr marL="0" lvl="0" indent="0" algn="l" rtl="0">
+            <a:pPr indent="0" lvl="0" marL="0" rtl="0" algn="l">
               <a:spcBef>
                 <a:spcPts val="1200"/>
               </a:spcBef>
@@ -14341,6 +14294,9 @@
               </a:spcAft>
               <a:buNone/>
             </a:pPr>
+            <a:r>
+              <a:t/>
+            </a:r>
             <a:endParaRPr/>
           </a:p>
         </p:txBody>
@@ -14348,11 +14304,9 @@
       <p:sp>
         <p:nvSpPr>
           <p:cNvPr id="102" name="Google Shape;102;p18"/>
-          <p:cNvSpPr txBox="1">
-            <a:spLocks noGrp="1"/>
-          </p:cNvSpPr>
+          <p:cNvSpPr txBox="1"/>
           <p:nvPr>
-            <p:ph type="body" idx="2"/>
+            <p:ph idx="2" type="body"/>
           </p:nvPr>
         </p:nvSpPr>
         <p:spPr>
@@ -14365,12 +14319,12 @@
           </a:prstGeom>
         </p:spPr>
         <p:txBody>
-          <a:bodyPr spcFirstLastPara="1" wrap="square" lIns="91425" tIns="91425" rIns="91425" bIns="91425" anchor="t" anchorCtr="0">
+          <a:bodyPr anchorCtr="0" anchor="t" bIns="91425" lIns="91425" spcFirstLastPara="1" rIns="91425" wrap="square" tIns="91425">
             <a:normAutofit/>
           </a:bodyPr>
           <a:lstStyle/>
           <a:p>
-            <a:pPr marL="0" lvl="0" indent="0" algn="l" rtl="0">
+            <a:pPr indent="0" lvl="0" marL="0" rtl="0" algn="l">
               <a:spcBef>
                 <a:spcPts val="0"/>
               </a:spcBef>
@@ -14386,7 +14340,7 @@
             <a:endParaRPr/>
           </a:p>
           <a:p>
-            <a:pPr marL="0" lvl="0" indent="0" algn="l" rtl="0">
+            <a:pPr indent="0" lvl="0" marL="0" rtl="0" algn="l">
               <a:spcBef>
                 <a:spcPts val="1200"/>
               </a:spcBef>
@@ -14395,6 +14349,9 @@
               </a:spcAft>
               <a:buNone/>
             </a:pPr>
+            <a:r>
+              <a:t/>
+            </a:r>
             <a:endParaRPr/>
           </a:p>
         </p:txBody>
@@ -14437,7 +14394,7 @@
           <a:blip r:embed="rId4">
             <a:alphaModFix/>
           </a:blip>
-          <a:srcRect l="2560" t="6480" r="-2560"/>
+          <a:srcRect b="0" l="2560" r="-2560" t="6480"/>
           <a:stretch/>
         </p:blipFill>
         <p:spPr>
@@ -14463,11 +14420,11 @@
 </file>
 
 <file path=ppt/slides/slide7.xml><?xml version="1.0" encoding="utf-8"?>
-<p:sld xmlns:a="http://schemas.openxmlformats.org/drawingml/2006/main" xmlns:r="http://schemas.openxmlformats.org/officeDocument/2006/relationships" xmlns:p="http://schemas.openxmlformats.org/presentationml/2006/main">
+<p:sld xmlns:a="http://schemas.openxmlformats.org/drawingml/2006/main" xmlns:r="http://schemas.openxmlformats.org/officeDocument/2006/relationships" xmlns:mc="http://schemas.openxmlformats.org/markup-compatibility/2006" xmlns:mv="urn:schemas-microsoft-com:mac:vml" xmlns:p="http://schemas.openxmlformats.org/presentationml/2006/main" xmlns:c="http://schemas.openxmlformats.org/drawingml/2006/chart" xmlns:dgm="http://schemas.openxmlformats.org/drawingml/2006/diagram" xmlns:o="urn:schemas-microsoft-com:office:office" xmlns:v="urn:schemas-microsoft-com:vml" xmlns:pvml="urn:schemas-microsoft-com:office:powerpoint" xmlns:com="http://schemas.openxmlformats.org/drawingml/2006/compatibility" xmlns:p14="http://schemas.microsoft.com/office/powerpoint/2010/main" xmlns:p15="http://schemas.microsoft.com/office/powerpoint/2012/main" xmlns:ahyp="http://schemas.microsoft.com/office/drawing/2018/hyperlinkcolor">
   <p:cSld>
     <p:spTree>
       <p:nvGrpSpPr>
-        <p:cNvPr id="1" name="Shape 108"/>
+        <p:cNvPr id="108" name="Shape 108"/>
         <p:cNvGrpSpPr/>
         <p:nvPr/>
       </p:nvGrpSpPr>
@@ -14482,9 +14439,7 @@
       <p:sp>
         <p:nvSpPr>
           <p:cNvPr id="109" name="Google Shape;109;p19"/>
-          <p:cNvSpPr txBox="1">
-            <a:spLocks noGrp="1"/>
-          </p:cNvSpPr>
+          <p:cNvSpPr txBox="1"/>
           <p:nvPr>
             <p:ph type="title"/>
           </p:nvPr>
@@ -14499,12 +14454,12 @@
           </a:prstGeom>
         </p:spPr>
         <p:txBody>
-          <a:bodyPr spcFirstLastPara="1" wrap="square" lIns="91425" tIns="91425" rIns="91425" bIns="91425" anchor="t" anchorCtr="0">
+          <a:bodyPr anchorCtr="0" anchor="t" bIns="91425" lIns="91425" spcFirstLastPara="1" rIns="91425" wrap="square" tIns="91425">
             <a:normAutofit fontScale="90000"/>
           </a:bodyPr>
           <a:lstStyle/>
           <a:p>
-            <a:pPr marL="0" lvl="0" indent="0" algn="l" rtl="0">
+            <a:pPr indent="0" lvl="0" marL="0" rtl="0" algn="l">
               <a:spcBef>
                 <a:spcPts val="0"/>
               </a:spcBef>
@@ -14524,11 +14479,9 @@
       <p:sp>
         <p:nvSpPr>
           <p:cNvPr id="110" name="Google Shape;110;p19"/>
-          <p:cNvSpPr txBox="1">
-            <a:spLocks noGrp="1"/>
-          </p:cNvSpPr>
+          <p:cNvSpPr txBox="1"/>
           <p:nvPr>
-            <p:ph type="body" idx="1"/>
+            <p:ph idx="1" type="body"/>
           </p:nvPr>
         </p:nvSpPr>
         <p:spPr>
@@ -14541,12 +14494,12 @@
           </a:prstGeom>
         </p:spPr>
         <p:txBody>
-          <a:bodyPr spcFirstLastPara="1" wrap="square" lIns="91425" tIns="91425" rIns="91425" bIns="91425" anchor="t" anchorCtr="0">
+          <a:bodyPr anchorCtr="0" anchor="t" bIns="91425" lIns="91425" spcFirstLastPara="1" rIns="91425" wrap="square" tIns="91425">
             <a:normAutofit/>
           </a:bodyPr>
           <a:lstStyle/>
           <a:p>
-            <a:pPr marL="0" lvl="0" indent="0" algn="l" rtl="0">
+            <a:pPr indent="0" lvl="0" marL="0" rtl="0" algn="l">
               <a:spcBef>
                 <a:spcPts val="0"/>
               </a:spcBef>
@@ -14562,7 +14515,7 @@
             <a:endParaRPr/>
           </a:p>
           <a:p>
-            <a:pPr marL="0" lvl="0" indent="0" algn="l" rtl="0">
+            <a:pPr indent="0" lvl="0" marL="0" rtl="0" algn="l">
               <a:spcBef>
                 <a:spcPts val="1200"/>
               </a:spcBef>
@@ -14571,6 +14524,9 @@
               </a:spcAft>
               <a:buNone/>
             </a:pPr>
+            <a:r>
+              <a:t/>
+            </a:r>
             <a:endParaRPr/>
           </a:p>
         </p:txBody>
@@ -14578,11 +14534,9 @@
       <p:sp>
         <p:nvSpPr>
           <p:cNvPr id="111" name="Google Shape;111;p19"/>
-          <p:cNvSpPr txBox="1">
-            <a:spLocks noGrp="1"/>
-          </p:cNvSpPr>
+          <p:cNvSpPr txBox="1"/>
           <p:nvPr>
-            <p:ph type="body" idx="2"/>
+            <p:ph idx="2" type="body"/>
           </p:nvPr>
         </p:nvSpPr>
         <p:spPr>
@@ -14595,12 +14549,12 @@
           </a:prstGeom>
         </p:spPr>
         <p:txBody>
-          <a:bodyPr spcFirstLastPara="1" wrap="square" lIns="91425" tIns="91425" rIns="91425" bIns="91425" anchor="t" anchorCtr="0">
+          <a:bodyPr anchorCtr="0" anchor="t" bIns="91425" lIns="91425" spcFirstLastPara="1" rIns="91425" wrap="square" tIns="91425">
             <a:normAutofit/>
           </a:bodyPr>
           <a:lstStyle/>
           <a:p>
-            <a:pPr marL="0" lvl="0" indent="0" algn="l" rtl="0">
+            <a:pPr indent="0" lvl="0" marL="0" rtl="0" algn="l">
               <a:spcBef>
                 <a:spcPts val="0"/>
               </a:spcBef>
@@ -14616,7 +14570,7 @@
             <a:endParaRPr/>
           </a:p>
           <a:p>
-            <a:pPr marL="0" lvl="0" indent="0" algn="l" rtl="0">
+            <a:pPr indent="0" lvl="0" marL="0" rtl="0" algn="l">
               <a:spcBef>
                 <a:spcPts val="1200"/>
               </a:spcBef>
@@ -14625,6 +14579,9 @@
               </a:spcAft>
               <a:buNone/>
             </a:pPr>
+            <a:r>
+              <a:t/>
+            </a:r>
             <a:endParaRPr/>
           </a:p>
         </p:txBody>
@@ -14639,7 +14596,7 @@
           <a:blip r:embed="rId3">
             <a:alphaModFix/>
           </a:blip>
-          <a:srcRect l="7672" t="6054" b="5175"/>
+          <a:srcRect b="5175" l="7672" r="0" t="6054"/>
           <a:stretch/>
         </p:blipFill>
         <p:spPr>
@@ -14693,11 +14650,11 @@
 </file>
 
 <file path=ppt/slides/slide8.xml><?xml version="1.0" encoding="utf-8"?>
-<p:sld xmlns:a="http://schemas.openxmlformats.org/drawingml/2006/main" xmlns:r="http://schemas.openxmlformats.org/officeDocument/2006/relationships" xmlns:p="http://schemas.openxmlformats.org/presentationml/2006/main">
+<p:sld xmlns:a="http://schemas.openxmlformats.org/drawingml/2006/main" xmlns:r="http://schemas.openxmlformats.org/officeDocument/2006/relationships" xmlns:mc="http://schemas.openxmlformats.org/markup-compatibility/2006" xmlns:mv="urn:schemas-microsoft-com:mac:vml" xmlns:p="http://schemas.openxmlformats.org/presentationml/2006/main" xmlns:c="http://schemas.openxmlformats.org/drawingml/2006/chart" xmlns:dgm="http://schemas.openxmlformats.org/drawingml/2006/diagram" xmlns:o="urn:schemas-microsoft-com:office:office" xmlns:v="urn:schemas-microsoft-com:vml" xmlns:pvml="urn:schemas-microsoft-com:office:powerpoint" xmlns:com="http://schemas.openxmlformats.org/drawingml/2006/compatibility" xmlns:p14="http://schemas.microsoft.com/office/powerpoint/2010/main" xmlns:p15="http://schemas.microsoft.com/office/powerpoint/2012/main" xmlns:ahyp="http://schemas.microsoft.com/office/drawing/2018/hyperlinkcolor">
   <p:cSld>
     <p:spTree>
       <p:nvGrpSpPr>
-        <p:cNvPr id="1" name="Shape 117"/>
+        <p:cNvPr id="117" name="Shape 117"/>
         <p:cNvGrpSpPr/>
         <p:nvPr/>
       </p:nvGrpSpPr>
@@ -14712,9 +14669,7 @@
       <p:sp>
         <p:nvSpPr>
           <p:cNvPr id="118" name="Google Shape;118;p20"/>
-          <p:cNvSpPr txBox="1">
-            <a:spLocks noGrp="1"/>
-          </p:cNvSpPr>
+          <p:cNvSpPr txBox="1"/>
           <p:nvPr>
             <p:ph type="title"/>
           </p:nvPr>
@@ -14729,12 +14684,12 @@
           </a:prstGeom>
         </p:spPr>
         <p:txBody>
-          <a:bodyPr spcFirstLastPara="1" wrap="square" lIns="91425" tIns="91425" rIns="91425" bIns="91425" anchor="t" anchorCtr="0">
+          <a:bodyPr anchorCtr="0" anchor="t" bIns="91425" lIns="91425" spcFirstLastPara="1" rIns="91425" wrap="square" tIns="91425">
             <a:normAutofit fontScale="90000"/>
           </a:bodyPr>
           <a:lstStyle/>
           <a:p>
-            <a:pPr marL="0" lvl="0" indent="0" algn="l" rtl="0">
+            <a:pPr indent="0" lvl="0" marL="0" rtl="0" algn="l">
               <a:spcBef>
                 <a:spcPts val="0"/>
               </a:spcBef>
@@ -14754,11 +14709,9 @@
       <p:sp>
         <p:nvSpPr>
           <p:cNvPr id="119" name="Google Shape;119;p20"/>
-          <p:cNvSpPr txBox="1">
-            <a:spLocks noGrp="1"/>
-          </p:cNvSpPr>
+          <p:cNvSpPr txBox="1"/>
           <p:nvPr>
-            <p:ph type="body" idx="4294967295"/>
+            <p:ph idx="4294967295" type="body"/>
           </p:nvPr>
         </p:nvSpPr>
         <p:spPr>
@@ -14771,12 +14724,12 @@
           </a:prstGeom>
         </p:spPr>
         <p:txBody>
-          <a:bodyPr spcFirstLastPara="1" wrap="square" lIns="91425" tIns="91425" rIns="91425" bIns="91425" anchor="t" anchorCtr="0">
+          <a:bodyPr anchorCtr="0" anchor="t" bIns="91425" lIns="91425" spcFirstLastPara="1" rIns="91425" wrap="square" tIns="91425">
             <a:normAutofit/>
           </a:bodyPr>
           <a:lstStyle/>
           <a:p>
-            <a:pPr marL="0" lvl="0" indent="0" algn="l" rtl="0">
+            <a:pPr indent="0" lvl="0" marL="0" rtl="0" algn="l">
               <a:spcBef>
                 <a:spcPts val="0"/>
               </a:spcBef>
@@ -14792,7 +14745,7 @@
             <a:endParaRPr/>
           </a:p>
           <a:p>
-            <a:pPr marL="0" lvl="0" indent="0" algn="l" rtl="0">
+            <a:pPr indent="0" lvl="0" marL="0" rtl="0" algn="l">
               <a:spcBef>
                 <a:spcPts val="1200"/>
               </a:spcBef>
@@ -14801,10 +14754,13 @@
               </a:spcAft>
               <a:buNone/>
             </a:pPr>
+            <a:r>
+              <a:t/>
+            </a:r>
             <a:endParaRPr/>
           </a:p>
           <a:p>
-            <a:pPr marL="0" lvl="0" indent="0" algn="l" rtl="0">
+            <a:pPr indent="0" lvl="0" marL="0" rtl="0" algn="l">
               <a:spcBef>
                 <a:spcPts val="1200"/>
               </a:spcBef>
@@ -14813,6 +14769,9 @@
               </a:spcAft>
               <a:buNone/>
             </a:pPr>
+            <a:r>
+              <a:t/>
+            </a:r>
             <a:endParaRPr/>
           </a:p>
         </p:txBody>
@@ -14827,7 +14786,7 @@
           <a:blip r:embed="rId3">
             <a:alphaModFix/>
           </a:blip>
-          <a:srcRect t="6252"/>
+          <a:srcRect b="0" l="0" r="0" t="6252"/>
           <a:stretch/>
         </p:blipFill>
         <p:spPr>
@@ -14853,11 +14812,11 @@
 </file>
 
 <file path=ppt/slides/slide9.xml><?xml version="1.0" encoding="utf-8"?>
-<p:sld xmlns:a="http://schemas.openxmlformats.org/drawingml/2006/main" xmlns:r="http://schemas.openxmlformats.org/officeDocument/2006/relationships" xmlns:p="http://schemas.openxmlformats.org/presentationml/2006/main">
+<p:sld xmlns:a="http://schemas.openxmlformats.org/drawingml/2006/main" xmlns:r="http://schemas.openxmlformats.org/officeDocument/2006/relationships" xmlns:mc="http://schemas.openxmlformats.org/markup-compatibility/2006" xmlns:mv="urn:schemas-microsoft-com:mac:vml" xmlns:p="http://schemas.openxmlformats.org/presentationml/2006/main" xmlns:c="http://schemas.openxmlformats.org/drawingml/2006/chart" xmlns:dgm="http://schemas.openxmlformats.org/drawingml/2006/diagram" xmlns:o="urn:schemas-microsoft-com:office:office" xmlns:v="urn:schemas-microsoft-com:vml" xmlns:pvml="urn:schemas-microsoft-com:office:powerpoint" xmlns:com="http://schemas.openxmlformats.org/drawingml/2006/compatibility" xmlns:p14="http://schemas.microsoft.com/office/powerpoint/2010/main" xmlns:p15="http://schemas.microsoft.com/office/powerpoint/2012/main" xmlns:ahyp="http://schemas.microsoft.com/office/drawing/2018/hyperlinkcolor">
   <p:cSld>
     <p:spTree>
       <p:nvGrpSpPr>
-        <p:cNvPr id="1" name="Shape 124"/>
+        <p:cNvPr id="124" name="Shape 124"/>
         <p:cNvGrpSpPr/>
         <p:nvPr/>
       </p:nvGrpSpPr>
@@ -14872,9 +14831,7 @@
       <p:sp>
         <p:nvSpPr>
           <p:cNvPr id="125" name="Google Shape;125;p21"/>
-          <p:cNvSpPr txBox="1">
-            <a:spLocks noGrp="1"/>
-          </p:cNvSpPr>
+          <p:cNvSpPr txBox="1"/>
           <p:nvPr>
             <p:ph type="title"/>
           </p:nvPr>
@@ -14889,12 +14846,12 @@
           </a:prstGeom>
         </p:spPr>
         <p:txBody>
-          <a:bodyPr spcFirstLastPara="1" wrap="square" lIns="91425" tIns="91425" rIns="91425" bIns="91425" anchor="t" anchorCtr="0">
+          <a:bodyPr anchorCtr="0" anchor="t" bIns="91425" lIns="91425" spcFirstLastPara="1" rIns="91425" wrap="square" tIns="91425">
             <a:normAutofit fontScale="90000"/>
           </a:bodyPr>
           <a:lstStyle/>
           <a:p>
-            <a:pPr marL="0" lvl="0" indent="0" algn="l" rtl="0">
+            <a:pPr indent="0" lvl="0" marL="0" rtl="0" algn="l">
               <a:spcBef>
                 <a:spcPts val="0"/>
               </a:spcBef>
@@ -14914,11 +14871,9 @@
       <p:sp>
         <p:nvSpPr>
           <p:cNvPr id="126" name="Google Shape;126;p21"/>
-          <p:cNvSpPr txBox="1">
-            <a:spLocks noGrp="1"/>
-          </p:cNvSpPr>
+          <p:cNvSpPr txBox="1"/>
           <p:nvPr>
-            <p:ph type="body" idx="1"/>
+            <p:ph idx="1" type="body"/>
           </p:nvPr>
         </p:nvSpPr>
         <p:spPr>
@@ -14931,12 +14886,12 @@
           </a:prstGeom>
         </p:spPr>
         <p:txBody>
-          <a:bodyPr spcFirstLastPara="1" wrap="square" lIns="91425" tIns="91425" rIns="91425" bIns="91425" anchor="t" anchorCtr="0">
+          <a:bodyPr anchorCtr="0" anchor="t" bIns="91425" lIns="91425" spcFirstLastPara="1" rIns="91425" wrap="square" tIns="91425">
             <a:normAutofit/>
           </a:bodyPr>
           <a:lstStyle/>
           <a:p>
-            <a:pPr marL="0" lvl="0" indent="0" algn="l" rtl="0">
+            <a:pPr indent="0" lvl="0" marL="0" rtl="0" algn="l">
               <a:spcBef>
                 <a:spcPts val="0"/>
               </a:spcBef>
@@ -14956,11 +14911,9 @@
       <p:sp>
         <p:nvSpPr>
           <p:cNvPr id="127" name="Google Shape;127;p21"/>
-          <p:cNvSpPr txBox="1">
-            <a:spLocks noGrp="1"/>
-          </p:cNvSpPr>
+          <p:cNvSpPr txBox="1"/>
           <p:nvPr>
-            <p:ph type="body" idx="2"/>
+            <p:ph idx="2" type="body"/>
           </p:nvPr>
         </p:nvSpPr>
         <p:spPr>
@@ -14973,12 +14926,12 @@
           </a:prstGeom>
         </p:spPr>
         <p:txBody>
-          <a:bodyPr spcFirstLastPara="1" wrap="square" lIns="91425" tIns="91425" rIns="91425" bIns="91425" anchor="t" anchorCtr="0">
+          <a:bodyPr anchorCtr="0" anchor="t" bIns="91425" lIns="91425" spcFirstLastPara="1" rIns="91425" wrap="square" tIns="91425">
             <a:normAutofit/>
           </a:bodyPr>
           <a:lstStyle/>
           <a:p>
-            <a:pPr marL="0" lvl="0" indent="0" algn="l" rtl="0">
+            <a:pPr indent="0" lvl="0" marL="0" rtl="0" algn="l">
               <a:spcBef>
                 <a:spcPts val="0"/>
               </a:spcBef>
@@ -14989,12 +14942,20 @@
             </a:pPr>
             <a:r>
               <a:rPr lang="en"/>
-              <a:t>Morphological closing (Square : 7 x 7)</a:t>
+              <a:t>Morphological closing (</a:t>
+            </a:r>
+            <a:r>
+              <a:rPr lang="en"/>
+              <a:t>Square</a:t>
+            </a:r>
+            <a:r>
+              <a:rPr lang="en"/>
+              <a:t> : 7 x 7)</a:t>
             </a:r>
             <a:endParaRPr/>
           </a:p>
           <a:p>
-            <a:pPr marL="0" lvl="0" indent="0" algn="l" rtl="0">
+            <a:pPr indent="0" lvl="0" marL="0" rtl="0" algn="l">
               <a:spcBef>
                 <a:spcPts val="1200"/>
               </a:spcBef>
@@ -15003,6 +14964,9 @@
               </a:spcAft>
               <a:buNone/>
             </a:pPr>
+            <a:r>
+              <a:t/>
+            </a:r>
             <a:endParaRPr/>
           </a:p>
         </p:txBody>
@@ -15017,7 +14981,7 @@
           <a:blip r:embed="rId3">
             <a:alphaModFix/>
           </a:blip>
-          <a:srcRect t="6085"/>
+          <a:srcRect b="0" l="0" r="0" t="6085"/>
           <a:stretch/>
         </p:blipFill>
         <p:spPr>
@@ -15044,7 +15008,7 @@
           <a:blip r:embed="rId4">
             <a:alphaModFix/>
           </a:blip>
-          <a:srcRect t="5979"/>
+          <a:srcRect b="0" l="0" r="0" t="5979"/>
           <a:stretch/>
         </p:blipFill>
         <p:spPr>
@@ -15070,7 +15034,7 @@
 </file>
 
 <file path=ppt/theme/theme1.xml><?xml version="1.0" encoding="utf-8"?>
-<a:theme xmlns:a="http://schemas.openxmlformats.org/drawingml/2006/main" name="Tropic">
+<a:theme xmlns:a="http://schemas.openxmlformats.org/drawingml/2006/main" xmlns:r="http://schemas.openxmlformats.org/officeDocument/2006/relationships" name="Tropic">
   <a:themeElements>
     <a:clrScheme name="Tropic">
       <a:dk1>
@@ -15345,13 +15309,11 @@
       </a:bgFillStyleLst>
     </a:fmtScheme>
   </a:themeElements>
-  <a:objectDefaults/>
-  <a:extraClrSchemeLst/>
 </a:theme>
 </file>
 
 <file path=ppt/theme/theme2.xml><?xml version="1.0" encoding="utf-8"?>
-<a:theme xmlns:a="http://schemas.openxmlformats.org/drawingml/2006/main">
+<a:theme xmlns:a="http://schemas.openxmlformats.org/drawingml/2006/main" xmlns:r="http://schemas.openxmlformats.org/officeDocument/2006/relationships">
   <a:themeElements>
     <a:clrScheme name="Default">
       <a:dk1>
@@ -15626,7 +15588,5 @@
       </a:bgFillStyleLst>
     </a:fmtScheme>
   </a:themeElements>
-  <a:objectDefaults/>
-  <a:extraClrSchemeLst/>
 </a:theme>
 </file>